--- a/figs/figures.pptx
+++ b/figs/figures.pptx
@@ -16,6 +16,8 @@
     <p:sldId id="440" r:id="rId10"/>
     <p:sldId id="436" r:id="rId11"/>
     <p:sldId id="437" r:id="rId12"/>
+    <p:sldId id="441" r:id="rId13"/>
+    <p:sldId id="442" r:id="rId14"/>
   </p:sldIdLst>
   <p:sldSz cx="12192000" cy="6858000"/>
   <p:notesSz cx="6858000" cy="9144000"/>
@@ -20394,6 +20396,5855 @@
     <p:extLst>
       <p:ext uri="{BB962C8B-B14F-4D97-AF65-F5344CB8AC3E}">
         <p14:creationId xmlns:p14="http://schemas.microsoft.com/office/powerpoint/2010/main" val="2415882885"/>
+      </p:ext>
+    </p:extLst>
+  </p:cSld>
+  <p:clrMapOvr>
+    <a:masterClrMapping/>
+  </p:clrMapOvr>
+</p:sld>
+</file>
+
+<file path=ppt/slides/slide11.xml><?xml version="1.0" encoding="utf-8"?>
+<p:sld xmlns:a="http://schemas.openxmlformats.org/drawingml/2006/main" xmlns:r="http://schemas.openxmlformats.org/officeDocument/2006/relationships" xmlns:p="http://schemas.openxmlformats.org/presentationml/2006/main">
+  <p:cSld>
+    <p:spTree>
+      <p:nvGrpSpPr>
+        <p:cNvPr id="1" name=""/>
+        <p:cNvGrpSpPr/>
+        <p:nvPr/>
+      </p:nvGrpSpPr>
+      <p:grpSpPr>
+        <a:xfrm>
+          <a:off x="0" y="0"/>
+          <a:ext cx="0" cy="0"/>
+          <a:chOff x="0" y="0"/>
+          <a:chExt cx="0" cy="0"/>
+        </a:xfrm>
+      </p:grpSpPr>
+      <p:sp>
+        <p:nvSpPr>
+          <p:cNvPr id="58" name="Rounded Rectangle 82">
+            <a:extLst>
+              <a:ext uri="{FF2B5EF4-FFF2-40B4-BE49-F238E27FC236}">
+                <a16:creationId xmlns:a16="http://schemas.microsoft.com/office/drawing/2014/main" id="{AD0CEBB3-63C0-4544-9833-F861074362CD}"/>
+              </a:ext>
+            </a:extLst>
+          </p:cNvPr>
+          <p:cNvSpPr/>
+          <p:nvPr/>
+        </p:nvSpPr>
+        <p:spPr>
+          <a:xfrm>
+            <a:off x="9582625" y="1905000"/>
+            <a:ext cx="1085375" cy="738748"/>
+          </a:xfrm>
+          <a:prstGeom prst="roundRect">
+            <a:avLst>
+              <a:gd name="adj" fmla="val 13390"/>
+            </a:avLst>
+          </a:prstGeom>
+          <a:noFill/>
+          <a:ln w="12700" cap="flat" cmpd="sng" algn="ctr">
+            <a:solidFill>
+              <a:srgbClr val="000000"/>
+            </a:solidFill>
+            <a:prstDash val="solid"/>
+          </a:ln>
+          <a:effectLst/>
+        </p:spPr>
+        <p:txBody>
+          <a:bodyPr lIns="0" rIns="0" rtlCol="0" anchor="t"/>
+          <a:lstStyle/>
+          <a:p>
+            <a:pPr marL="0" marR="0" lvl="0" indent="0" algn="ctr" defTabSz="914400" eaLnBrk="1" fontAlgn="auto" latinLnBrk="0" hangingPunct="1">
+              <a:lnSpc>
+                <a:spcPct val="100000"/>
+              </a:lnSpc>
+              <a:spcBef>
+                <a:spcPts val="0"/>
+              </a:spcBef>
+              <a:spcAft>
+                <a:spcPts val="0"/>
+              </a:spcAft>
+              <a:buClrTx/>
+              <a:buSzTx/>
+              <a:buFontTx/>
+              <a:buNone/>
+              <a:tabLst/>
+              <a:defRPr/>
+            </a:pPr>
+            <a:endParaRPr kumimoji="0" lang="en-US" sz="1400" b="0" i="0" u="none" strike="noStrike" kern="0" cap="none" spc="0" normalizeH="0" baseline="0" noProof="0" dirty="0">
+              <a:ln>
+                <a:noFill/>
+              </a:ln>
+              <a:solidFill>
+                <a:srgbClr val="000000"/>
+              </a:solidFill>
+              <a:effectLst/>
+              <a:uLnTx/>
+              <a:uFillTx/>
+              <a:latin typeface="Arial" panose="020B0604020202020204"/>
+              <a:ea typeface="+mn-ea"/>
+              <a:cs typeface="+mn-cs"/>
+            </a:endParaRPr>
+          </a:p>
+        </p:txBody>
+      </p:sp>
+      <p:grpSp>
+        <p:nvGrpSpPr>
+          <p:cNvPr id="59" name="Group 58">
+            <a:extLst>
+              <a:ext uri="{FF2B5EF4-FFF2-40B4-BE49-F238E27FC236}">
+                <a16:creationId xmlns:a16="http://schemas.microsoft.com/office/drawing/2014/main" id="{9DD79165-C4D2-4BE8-B5D7-13681F92A2F2}"/>
+              </a:ext>
+            </a:extLst>
+          </p:cNvPr>
+          <p:cNvGrpSpPr/>
+          <p:nvPr/>
+        </p:nvGrpSpPr>
+        <p:grpSpPr>
+          <a:xfrm>
+            <a:off x="2451554" y="1243472"/>
+            <a:ext cx="6875998" cy="1681317"/>
+            <a:chOff x="924232" y="1386347"/>
+            <a:chExt cx="6875998" cy="1681317"/>
+          </a:xfrm>
+        </p:grpSpPr>
+        <p:sp>
+          <p:nvSpPr>
+            <p:cNvPr id="60" name="Rounded Rectangle 3">
+              <a:extLst>
+                <a:ext uri="{FF2B5EF4-FFF2-40B4-BE49-F238E27FC236}">
+                  <a16:creationId xmlns:a16="http://schemas.microsoft.com/office/drawing/2014/main" id="{FE624042-07D2-4DF4-9D60-2A9B441F1BE0}"/>
+                </a:ext>
+              </a:extLst>
+            </p:cNvPr>
+            <p:cNvSpPr/>
+            <p:nvPr/>
+          </p:nvSpPr>
+          <p:spPr>
+            <a:xfrm>
+              <a:off x="924232" y="1386347"/>
+              <a:ext cx="6875998" cy="1681317"/>
+            </a:xfrm>
+            <a:prstGeom prst="roundRect">
+              <a:avLst>
+                <a:gd name="adj" fmla="val 6667"/>
+              </a:avLst>
+            </a:prstGeom>
+            <a:noFill/>
+            <a:ln w="12700" cap="flat" cmpd="sng" algn="ctr">
+              <a:solidFill>
+                <a:srgbClr val="000000"/>
+              </a:solidFill>
+              <a:prstDash val="solid"/>
+            </a:ln>
+            <a:effectLst/>
+          </p:spPr>
+          <p:txBody>
+            <a:bodyPr rtlCol="0" anchor="t"/>
+            <a:lstStyle/>
+            <a:p>
+              <a:pPr marL="0" marR="0" lvl="0" indent="0" defTabSz="914400" eaLnBrk="1" fontAlgn="auto" latinLnBrk="0" hangingPunct="1">
+                <a:lnSpc>
+                  <a:spcPct val="100000"/>
+                </a:lnSpc>
+                <a:spcBef>
+                  <a:spcPts val="0"/>
+                </a:spcBef>
+                <a:spcAft>
+                  <a:spcPts val="0"/>
+                </a:spcAft>
+                <a:buClrTx/>
+                <a:buSzTx/>
+                <a:buFontTx/>
+                <a:buNone/>
+                <a:tabLst/>
+                <a:defRPr/>
+              </a:pPr>
+              <a:r>
+                <a:rPr kumimoji="0" lang="en-US" sz="1400" b="0" i="0" u="none" strike="noStrike" kern="0" cap="none" spc="0" normalizeH="0" baseline="0" noProof="0" dirty="0">
+                  <a:ln>
+                    <a:noFill/>
+                  </a:ln>
+                  <a:solidFill>
+                    <a:srgbClr val="000000"/>
+                  </a:solidFill>
+                  <a:effectLst/>
+                  <a:uLnTx/>
+                  <a:uFillTx/>
+                  <a:latin typeface="Arial" panose="020B0604020202020204"/>
+                  <a:ea typeface="+mn-ea"/>
+                  <a:cs typeface="+mn-cs"/>
+                </a:rPr>
+                <a:t>OSATE</a:t>
+              </a:r>
+            </a:p>
+          </p:txBody>
+        </p:sp>
+        <p:sp>
+          <p:nvSpPr>
+            <p:cNvPr id="61" name="Rectangle 60">
+              <a:extLst>
+                <a:ext uri="{FF2B5EF4-FFF2-40B4-BE49-F238E27FC236}">
+                  <a16:creationId xmlns:a16="http://schemas.microsoft.com/office/drawing/2014/main" id="{43BCF27E-FA0B-4588-B8D9-FA4E75F1F0A8}"/>
+                </a:ext>
+              </a:extLst>
+            </p:cNvPr>
+            <p:cNvSpPr/>
+            <p:nvPr/>
+          </p:nvSpPr>
+          <p:spPr>
+            <a:xfrm>
+              <a:off x="1809135" y="1543665"/>
+              <a:ext cx="5852276" cy="471948"/>
+            </a:xfrm>
+            <a:prstGeom prst="rect">
+              <a:avLst/>
+            </a:prstGeom>
+            <a:noFill/>
+            <a:ln w="12700" cap="flat" cmpd="sng" algn="ctr">
+              <a:solidFill>
+                <a:srgbClr val="000000"/>
+              </a:solidFill>
+              <a:prstDash val="solid"/>
+            </a:ln>
+            <a:effectLst/>
+          </p:spPr>
+          <p:txBody>
+            <a:bodyPr rtlCol="0" anchor="t"/>
+            <a:lstStyle/>
+            <a:p>
+              <a:pPr marL="0" marR="0" lvl="0" indent="0" algn="ctr" defTabSz="914400" eaLnBrk="1" fontAlgn="auto" latinLnBrk="0" hangingPunct="1">
+                <a:lnSpc>
+                  <a:spcPct val="100000"/>
+                </a:lnSpc>
+                <a:spcBef>
+                  <a:spcPts val="0"/>
+                </a:spcBef>
+                <a:spcAft>
+                  <a:spcPts val="0"/>
+                </a:spcAft>
+                <a:buClrTx/>
+                <a:buSzTx/>
+                <a:buFontTx/>
+                <a:buNone/>
+                <a:tabLst/>
+                <a:defRPr/>
+              </a:pPr>
+              <a:r>
+                <a:rPr kumimoji="0" lang="en-US" sz="1400" b="0" i="0" u="none" strike="noStrike" kern="0" cap="none" spc="0" normalizeH="0" baseline="0" noProof="0" dirty="0">
+                  <a:ln>
+                    <a:noFill/>
+                  </a:ln>
+                  <a:solidFill>
+                    <a:srgbClr val="000000"/>
+                  </a:solidFill>
+                  <a:effectLst/>
+                  <a:uLnTx/>
+                  <a:uFillTx/>
+                  <a:latin typeface="Arial" panose="020B0604020202020204"/>
+                  <a:ea typeface="+mn-ea"/>
+                  <a:cs typeface="+mn-cs"/>
+                </a:rPr>
+                <a:t>AADL model</a:t>
+              </a:r>
+            </a:p>
+          </p:txBody>
+        </p:sp>
+        <p:sp>
+          <p:nvSpPr>
+            <p:cNvPr id="62" name="Rounded Rectangle 6">
+              <a:extLst>
+                <a:ext uri="{FF2B5EF4-FFF2-40B4-BE49-F238E27FC236}">
+                  <a16:creationId xmlns:a16="http://schemas.microsoft.com/office/drawing/2014/main" id="{74978FFF-7237-458A-8E97-66F4CB4E910C}"/>
+                </a:ext>
+              </a:extLst>
+            </p:cNvPr>
+            <p:cNvSpPr/>
+            <p:nvPr/>
+          </p:nvSpPr>
+          <p:spPr>
+            <a:xfrm>
+              <a:off x="1265903" y="2254043"/>
+              <a:ext cx="1361768" cy="663676"/>
+            </a:xfrm>
+            <a:prstGeom prst="roundRect">
+              <a:avLst>
+                <a:gd name="adj" fmla="val 13390"/>
+              </a:avLst>
+            </a:prstGeom>
+            <a:noFill/>
+            <a:ln w="12700" cap="flat" cmpd="sng" algn="ctr">
+              <a:solidFill>
+                <a:srgbClr val="000000"/>
+              </a:solidFill>
+              <a:prstDash val="solid"/>
+            </a:ln>
+            <a:effectLst/>
+          </p:spPr>
+          <p:txBody>
+            <a:bodyPr rtlCol="0" anchor="t"/>
+            <a:lstStyle/>
+            <a:p>
+              <a:pPr marL="0" marR="0" lvl="0" indent="0" algn="ctr" defTabSz="914400" eaLnBrk="1" fontAlgn="auto" latinLnBrk="0" hangingPunct="1">
+                <a:lnSpc>
+                  <a:spcPct val="100000"/>
+                </a:lnSpc>
+                <a:spcBef>
+                  <a:spcPts val="0"/>
+                </a:spcBef>
+                <a:spcAft>
+                  <a:spcPts val="0"/>
+                </a:spcAft>
+                <a:buClrTx/>
+                <a:buSzTx/>
+                <a:buFontTx/>
+                <a:buNone/>
+                <a:tabLst/>
+                <a:defRPr/>
+              </a:pPr>
+              <a:r>
+                <a:rPr kumimoji="0" lang="en-US" sz="1400" b="0" i="0" u="none" strike="noStrike" kern="0" cap="none" spc="0" normalizeH="0" baseline="0" noProof="0" dirty="0">
+                  <a:ln>
+                    <a:noFill/>
+                  </a:ln>
+                  <a:solidFill>
+                    <a:srgbClr val="000000"/>
+                  </a:solidFill>
+                  <a:effectLst/>
+                  <a:uLnTx/>
+                  <a:uFillTx/>
+                  <a:latin typeface="Arial" panose="020B0604020202020204"/>
+                  <a:ea typeface="+mn-ea"/>
+                  <a:cs typeface="+mn-cs"/>
+                </a:rPr>
+                <a:t>HAMR plugin</a:t>
+              </a:r>
+            </a:p>
+          </p:txBody>
+        </p:sp>
+        <p:cxnSp>
+          <p:nvCxnSpPr>
+            <p:cNvPr id="63" name="Straight Arrow Connector 62">
+              <a:extLst>
+                <a:ext uri="{FF2B5EF4-FFF2-40B4-BE49-F238E27FC236}">
+                  <a16:creationId xmlns:a16="http://schemas.microsoft.com/office/drawing/2014/main" id="{BEFA455D-7576-4B2A-9919-54716A876357}"/>
+                </a:ext>
+              </a:extLst>
+            </p:cNvPr>
+            <p:cNvCxnSpPr>
+              <a:endCxn id="62" idx="0"/>
+            </p:cNvCxnSpPr>
+            <p:nvPr/>
+          </p:nvCxnSpPr>
+          <p:spPr>
+            <a:xfrm>
+              <a:off x="1946787" y="2015613"/>
+              <a:ext cx="0" cy="238430"/>
+            </a:xfrm>
+            <a:prstGeom prst="straightConnector1">
+              <a:avLst/>
+            </a:prstGeom>
+            <a:noFill/>
+            <a:ln w="12700" cap="flat" cmpd="sng" algn="ctr">
+              <a:solidFill>
+                <a:srgbClr val="000000"/>
+              </a:solidFill>
+              <a:prstDash val="solid"/>
+              <a:headEnd type="none" w="med" len="med"/>
+              <a:tailEnd type="arrow" w="med" len="med"/>
+            </a:ln>
+            <a:effectLst/>
+          </p:spPr>
+        </p:cxnSp>
+        <p:sp>
+          <p:nvSpPr>
+            <p:cNvPr id="64" name="Rounded Rectangle 12">
+              <a:extLst>
+                <a:ext uri="{FF2B5EF4-FFF2-40B4-BE49-F238E27FC236}">
+                  <a16:creationId xmlns:a16="http://schemas.microsoft.com/office/drawing/2014/main" id="{8A53815B-DB3F-4A32-B112-B811B8FF3EDF}"/>
+                </a:ext>
+              </a:extLst>
+            </p:cNvPr>
+            <p:cNvSpPr/>
+            <p:nvPr/>
+          </p:nvSpPr>
+          <p:spPr>
+            <a:xfrm>
+              <a:off x="4362944" y="2254043"/>
+              <a:ext cx="1361768" cy="663676"/>
+            </a:xfrm>
+            <a:prstGeom prst="roundRect">
+              <a:avLst>
+                <a:gd name="adj" fmla="val 13390"/>
+              </a:avLst>
+            </a:prstGeom>
+            <a:noFill/>
+            <a:ln w="12700" cap="flat" cmpd="sng" algn="ctr">
+              <a:solidFill>
+                <a:srgbClr val="000000"/>
+              </a:solidFill>
+              <a:prstDash val="solid"/>
+            </a:ln>
+            <a:effectLst/>
+          </p:spPr>
+          <p:txBody>
+            <a:bodyPr lIns="0" tIns="0" rIns="0" bIns="0" rtlCol="0" anchor="t"/>
+            <a:lstStyle/>
+            <a:p>
+              <a:pPr marL="0" marR="0" lvl="0" indent="0" algn="ctr" defTabSz="914400" eaLnBrk="1" fontAlgn="auto" latinLnBrk="0" hangingPunct="1">
+                <a:lnSpc>
+                  <a:spcPct val="100000"/>
+                </a:lnSpc>
+                <a:spcBef>
+                  <a:spcPts val="0"/>
+                </a:spcBef>
+                <a:spcAft>
+                  <a:spcPts val="0"/>
+                </a:spcAft>
+                <a:buClrTx/>
+                <a:buSzTx/>
+                <a:buFontTx/>
+                <a:buNone/>
+                <a:tabLst/>
+                <a:defRPr/>
+              </a:pPr>
+              <a:r>
+                <a:rPr kumimoji="0" lang="en-US" sz="1400" b="0" i="0" u="none" strike="noStrike" kern="0" cap="none" spc="0" normalizeH="0" baseline="0" noProof="0" dirty="0">
+                  <a:ln>
+                    <a:noFill/>
+                  </a:ln>
+                  <a:solidFill>
+                    <a:srgbClr val="000000"/>
+                  </a:solidFill>
+                  <a:effectLst/>
+                  <a:uLnTx/>
+                  <a:uFillTx/>
+                  <a:latin typeface="Arial" panose="020B0604020202020204"/>
+                  <a:ea typeface="+mn-ea"/>
+                  <a:cs typeface="+mn-cs"/>
+                </a:rPr>
+                <a:t>Cyber Transform plugin</a:t>
+              </a:r>
+            </a:p>
+          </p:txBody>
+        </p:sp>
+        <p:sp>
+          <p:nvSpPr>
+            <p:cNvPr id="65" name="Rounded Rectangle 13">
+              <a:extLst>
+                <a:ext uri="{FF2B5EF4-FFF2-40B4-BE49-F238E27FC236}">
+                  <a16:creationId xmlns:a16="http://schemas.microsoft.com/office/drawing/2014/main" id="{8586F126-C46A-44DC-8663-26C64309FCCA}"/>
+                </a:ext>
+              </a:extLst>
+            </p:cNvPr>
+            <p:cNvSpPr/>
+            <p:nvPr/>
+          </p:nvSpPr>
+          <p:spPr>
+            <a:xfrm>
+              <a:off x="5959132" y="2254043"/>
+              <a:ext cx="1361768" cy="306366"/>
+            </a:xfrm>
+            <a:prstGeom prst="roundRect">
+              <a:avLst>
+                <a:gd name="adj" fmla="val 13390"/>
+              </a:avLst>
+            </a:prstGeom>
+            <a:noFill/>
+            <a:ln w="12700" cap="flat" cmpd="sng" algn="ctr">
+              <a:solidFill>
+                <a:srgbClr val="000000"/>
+              </a:solidFill>
+              <a:prstDash val="solid"/>
+            </a:ln>
+            <a:effectLst/>
+          </p:spPr>
+          <p:txBody>
+            <a:bodyPr rtlCol="0" anchor="t"/>
+            <a:lstStyle/>
+            <a:p>
+              <a:pPr marL="0" marR="0" lvl="0" indent="0" algn="ctr" defTabSz="914400" eaLnBrk="1" fontAlgn="auto" latinLnBrk="0" hangingPunct="1">
+                <a:lnSpc>
+                  <a:spcPct val="100000"/>
+                </a:lnSpc>
+                <a:spcBef>
+                  <a:spcPts val="0"/>
+                </a:spcBef>
+                <a:spcAft>
+                  <a:spcPts val="0"/>
+                </a:spcAft>
+                <a:buClrTx/>
+                <a:buSzTx/>
+                <a:buFontTx/>
+                <a:buNone/>
+                <a:tabLst/>
+                <a:defRPr/>
+              </a:pPr>
+              <a:r>
+                <a:rPr kumimoji="0" lang="en-US" sz="1400" b="0" i="0" u="none" strike="noStrike" kern="0" cap="none" spc="0" normalizeH="0" baseline="0" noProof="0" dirty="0">
+                  <a:ln>
+                    <a:noFill/>
+                  </a:ln>
+                  <a:solidFill>
+                    <a:srgbClr val="000000"/>
+                  </a:solidFill>
+                  <a:effectLst/>
+                  <a:uLnTx/>
+                  <a:uFillTx/>
+                  <a:latin typeface="Arial" panose="020B0604020202020204"/>
+                  <a:ea typeface="+mn-ea"/>
+                  <a:cs typeface="+mn-cs"/>
+                </a:rPr>
+                <a:t>AGREE</a:t>
+              </a:r>
+            </a:p>
+          </p:txBody>
+        </p:sp>
+        <p:sp>
+          <p:nvSpPr>
+            <p:cNvPr id="66" name="Rounded Rectangle 14">
+              <a:extLst>
+                <a:ext uri="{FF2B5EF4-FFF2-40B4-BE49-F238E27FC236}">
+                  <a16:creationId xmlns:a16="http://schemas.microsoft.com/office/drawing/2014/main" id="{7460D3A4-6490-4FA8-8575-657F977C5245}"/>
+                </a:ext>
+              </a:extLst>
+            </p:cNvPr>
+            <p:cNvSpPr/>
+            <p:nvPr/>
+          </p:nvSpPr>
+          <p:spPr>
+            <a:xfrm>
+              <a:off x="5959132" y="2611353"/>
+              <a:ext cx="1361768" cy="306366"/>
+            </a:xfrm>
+            <a:prstGeom prst="roundRect">
+              <a:avLst>
+                <a:gd name="adj" fmla="val 13390"/>
+              </a:avLst>
+            </a:prstGeom>
+            <a:noFill/>
+            <a:ln w="12700" cap="flat" cmpd="sng" algn="ctr">
+              <a:solidFill>
+                <a:srgbClr val="000000"/>
+              </a:solidFill>
+              <a:prstDash val="solid"/>
+            </a:ln>
+            <a:effectLst/>
+          </p:spPr>
+          <p:txBody>
+            <a:bodyPr rtlCol="0" anchor="t"/>
+            <a:lstStyle/>
+            <a:p>
+              <a:pPr marL="0" marR="0" lvl="0" indent="0" algn="ctr" defTabSz="914400" eaLnBrk="1" fontAlgn="auto" latinLnBrk="0" hangingPunct="1">
+                <a:lnSpc>
+                  <a:spcPct val="100000"/>
+                </a:lnSpc>
+                <a:spcBef>
+                  <a:spcPts val="0"/>
+                </a:spcBef>
+                <a:spcAft>
+                  <a:spcPts val="0"/>
+                </a:spcAft>
+                <a:buClrTx/>
+                <a:buSzTx/>
+                <a:buFontTx/>
+                <a:buNone/>
+                <a:tabLst/>
+                <a:defRPr/>
+              </a:pPr>
+              <a:r>
+                <a:rPr kumimoji="0" lang="en-US" sz="1400" b="0" i="0" u="none" strike="noStrike" kern="0" cap="none" spc="0" normalizeH="0" baseline="0" noProof="0" dirty="0">
+                  <a:ln>
+                    <a:noFill/>
+                  </a:ln>
+                  <a:solidFill>
+                    <a:srgbClr val="000000"/>
+                  </a:solidFill>
+                  <a:effectLst/>
+                  <a:uLnTx/>
+                  <a:uFillTx/>
+                  <a:latin typeface="Arial" panose="020B0604020202020204"/>
+                  <a:ea typeface="+mn-ea"/>
+                  <a:cs typeface="+mn-cs"/>
+                </a:rPr>
+                <a:t>Resolute</a:t>
+              </a:r>
+            </a:p>
+          </p:txBody>
+        </p:sp>
+        <p:cxnSp>
+          <p:nvCxnSpPr>
+            <p:cNvPr id="67" name="Straight Arrow Connector 66">
+              <a:extLst>
+                <a:ext uri="{FF2B5EF4-FFF2-40B4-BE49-F238E27FC236}">
+                  <a16:creationId xmlns:a16="http://schemas.microsoft.com/office/drawing/2014/main" id="{0E1D2B94-D4D6-421F-AEC6-F4BF80F240F0}"/>
+                </a:ext>
+              </a:extLst>
+            </p:cNvPr>
+            <p:cNvCxnSpPr>
+              <a:endCxn id="65" idx="0"/>
+            </p:cNvCxnSpPr>
+            <p:nvPr/>
+          </p:nvCxnSpPr>
+          <p:spPr>
+            <a:xfrm>
+              <a:off x="6635099" y="2015613"/>
+              <a:ext cx="4917" cy="238430"/>
+            </a:xfrm>
+            <a:prstGeom prst="straightConnector1">
+              <a:avLst/>
+            </a:prstGeom>
+            <a:noFill/>
+            <a:ln w="12700" cap="flat" cmpd="sng" algn="ctr">
+              <a:solidFill>
+                <a:srgbClr val="000000"/>
+              </a:solidFill>
+              <a:prstDash val="solid"/>
+              <a:headEnd type="none" w="med" len="med"/>
+              <a:tailEnd type="arrow" w="med" len="med"/>
+            </a:ln>
+            <a:effectLst/>
+          </p:spPr>
+        </p:cxnSp>
+        <p:cxnSp>
+          <p:nvCxnSpPr>
+            <p:cNvPr id="68" name="Straight Arrow Connector 67">
+              <a:extLst>
+                <a:ext uri="{FF2B5EF4-FFF2-40B4-BE49-F238E27FC236}">
+                  <a16:creationId xmlns:a16="http://schemas.microsoft.com/office/drawing/2014/main" id="{795CDE83-07D7-4A17-8D9F-54F36D6F22E7}"/>
+                </a:ext>
+              </a:extLst>
+            </p:cNvPr>
+            <p:cNvCxnSpPr/>
+            <p:nvPr/>
+          </p:nvCxnSpPr>
+          <p:spPr>
+            <a:xfrm flipH="1">
+              <a:off x="5711678" y="2407226"/>
+              <a:ext cx="235852" cy="0"/>
+            </a:xfrm>
+            <a:prstGeom prst="straightConnector1">
+              <a:avLst/>
+            </a:prstGeom>
+            <a:noFill/>
+            <a:ln w="12700" cap="flat" cmpd="sng" algn="ctr">
+              <a:solidFill>
+                <a:srgbClr val="000000"/>
+              </a:solidFill>
+              <a:prstDash val="solid"/>
+              <a:headEnd type="none" w="med" len="med"/>
+              <a:tailEnd type="arrow" w="med" len="med"/>
+            </a:ln>
+            <a:effectLst/>
+          </p:spPr>
+        </p:cxnSp>
+        <p:cxnSp>
+          <p:nvCxnSpPr>
+            <p:cNvPr id="69" name="Straight Arrow Connector 68">
+              <a:extLst>
+                <a:ext uri="{FF2B5EF4-FFF2-40B4-BE49-F238E27FC236}">
+                  <a16:creationId xmlns:a16="http://schemas.microsoft.com/office/drawing/2014/main" id="{8F5AB737-40B7-4B38-9882-7F986E9FA9DE}"/>
+                </a:ext>
+              </a:extLst>
+            </p:cNvPr>
+            <p:cNvCxnSpPr/>
+            <p:nvPr/>
+          </p:nvCxnSpPr>
+          <p:spPr>
+            <a:xfrm flipH="1">
+              <a:off x="5711678" y="2764536"/>
+              <a:ext cx="235852" cy="0"/>
+            </a:xfrm>
+            <a:prstGeom prst="straightConnector1">
+              <a:avLst/>
+            </a:prstGeom>
+            <a:noFill/>
+            <a:ln w="12700" cap="flat" cmpd="sng" algn="ctr">
+              <a:solidFill>
+                <a:srgbClr val="000000"/>
+              </a:solidFill>
+              <a:prstDash val="solid"/>
+              <a:headEnd type="none" w="med" len="med"/>
+              <a:tailEnd type="arrow" w="med" len="med"/>
+            </a:ln>
+            <a:effectLst/>
+          </p:spPr>
+        </p:cxnSp>
+        <p:cxnSp>
+          <p:nvCxnSpPr>
+            <p:cNvPr id="70" name="Straight Arrow Connector 69">
+              <a:extLst>
+                <a:ext uri="{FF2B5EF4-FFF2-40B4-BE49-F238E27FC236}">
+                  <a16:creationId xmlns:a16="http://schemas.microsoft.com/office/drawing/2014/main" id="{5F481ED9-6271-47B9-8D9F-6637E1171FA7}"/>
+                </a:ext>
+              </a:extLst>
+            </p:cNvPr>
+            <p:cNvCxnSpPr>
+              <a:endCxn id="64" idx="0"/>
+            </p:cNvCxnSpPr>
+            <p:nvPr/>
+          </p:nvCxnSpPr>
+          <p:spPr>
+            <a:xfrm>
+              <a:off x="5043828" y="2015613"/>
+              <a:ext cx="0" cy="238430"/>
+            </a:xfrm>
+            <a:prstGeom prst="straightConnector1">
+              <a:avLst/>
+            </a:prstGeom>
+            <a:noFill/>
+            <a:ln w="12700" cap="flat" cmpd="sng" algn="ctr">
+              <a:solidFill>
+                <a:srgbClr val="000000"/>
+              </a:solidFill>
+              <a:prstDash val="solid"/>
+              <a:headEnd type="none" w="med" len="med"/>
+              <a:tailEnd type="arrow" w="med" len="med"/>
+            </a:ln>
+            <a:effectLst/>
+          </p:spPr>
+        </p:cxnSp>
+      </p:grpSp>
+      <p:sp>
+        <p:nvSpPr>
+          <p:cNvPr id="71" name="Rounded Rectangle 45">
+            <a:extLst>
+              <a:ext uri="{FF2B5EF4-FFF2-40B4-BE49-F238E27FC236}">
+                <a16:creationId xmlns:a16="http://schemas.microsoft.com/office/drawing/2014/main" id="{B947BB66-EBBB-466E-8B71-D767F6987FE3}"/>
+              </a:ext>
+            </a:extLst>
+          </p:cNvPr>
+          <p:cNvSpPr/>
+          <p:nvPr/>
+        </p:nvSpPr>
+        <p:spPr>
+          <a:xfrm>
+            <a:off x="4953014" y="3276600"/>
+            <a:ext cx="1361768" cy="544797"/>
+          </a:xfrm>
+          <a:prstGeom prst="roundRect">
+            <a:avLst>
+              <a:gd name="adj" fmla="val 13390"/>
+            </a:avLst>
+          </a:prstGeom>
+          <a:noFill/>
+          <a:ln w="12700" cap="flat" cmpd="sng" algn="ctr">
+            <a:solidFill>
+              <a:srgbClr val="000000"/>
+            </a:solidFill>
+            <a:prstDash val="solid"/>
+          </a:ln>
+          <a:effectLst/>
+        </p:spPr>
+        <p:txBody>
+          <a:bodyPr rtlCol="0" anchor="t"/>
+          <a:lstStyle/>
+          <a:p>
+            <a:pPr marL="0" marR="0" lvl="0" indent="0" algn="ctr" defTabSz="914400" eaLnBrk="1" fontAlgn="auto" latinLnBrk="0" hangingPunct="1">
+              <a:lnSpc>
+                <a:spcPct val="100000"/>
+              </a:lnSpc>
+              <a:spcBef>
+                <a:spcPts val="0"/>
+              </a:spcBef>
+              <a:spcAft>
+                <a:spcPts val="0"/>
+              </a:spcAft>
+              <a:buClrTx/>
+              <a:buSzTx/>
+              <a:buFontTx/>
+              <a:buNone/>
+              <a:tabLst/>
+              <a:defRPr/>
+            </a:pPr>
+            <a:r>
+              <a:rPr kumimoji="0" lang="en-US" sz="1400" b="0" i="0" u="none" strike="noStrike" kern="0" cap="none" spc="0" normalizeH="0" baseline="0" noProof="0" dirty="0">
+                <a:ln>
+                  <a:noFill/>
+                </a:ln>
+                <a:solidFill>
+                  <a:srgbClr val="000000"/>
+                </a:solidFill>
+                <a:effectLst/>
+                <a:uLnTx/>
+                <a:uFillTx/>
+                <a:latin typeface="Arial" panose="020B0604020202020204"/>
+                <a:ea typeface="+mn-ea"/>
+                <a:cs typeface="+mn-cs"/>
+              </a:rPr>
+              <a:t>SPLAT</a:t>
+            </a:r>
+          </a:p>
+        </p:txBody>
+      </p:sp>
+      <p:cxnSp>
+        <p:nvCxnSpPr>
+          <p:cNvPr id="72" name="Straight Arrow Connector 71">
+            <a:extLst>
+              <a:ext uri="{FF2B5EF4-FFF2-40B4-BE49-F238E27FC236}">
+                <a16:creationId xmlns:a16="http://schemas.microsoft.com/office/drawing/2014/main" id="{7BE849D1-BF44-4304-9965-F4071BDCFF23}"/>
+              </a:ext>
+            </a:extLst>
+          </p:cNvPr>
+          <p:cNvCxnSpPr>
+            <a:endCxn id="71" idx="0"/>
+          </p:cNvCxnSpPr>
+          <p:nvPr/>
+        </p:nvCxnSpPr>
+        <p:spPr>
+          <a:xfrm flipH="1">
+            <a:off x="5633898" y="2763306"/>
+            <a:ext cx="485454" cy="513294"/>
+          </a:xfrm>
+          <a:prstGeom prst="straightConnector1">
+            <a:avLst/>
+          </a:prstGeom>
+          <a:noFill/>
+          <a:ln w="12700" cap="flat" cmpd="sng" algn="ctr">
+            <a:solidFill>
+              <a:srgbClr val="000000"/>
+            </a:solidFill>
+            <a:prstDash val="solid"/>
+            <a:headEnd type="none" w="med" len="med"/>
+            <a:tailEnd type="arrow" w="med" len="med"/>
+          </a:ln>
+          <a:effectLst/>
+        </p:spPr>
+      </p:cxnSp>
+      <p:sp>
+        <p:nvSpPr>
+          <p:cNvPr id="73" name="Rectangle 72">
+            <a:extLst>
+              <a:ext uri="{FF2B5EF4-FFF2-40B4-BE49-F238E27FC236}">
+                <a16:creationId xmlns:a16="http://schemas.microsoft.com/office/drawing/2014/main" id="{E580C0A8-91C1-429B-9A72-EC1A0CC412D2}"/>
+              </a:ext>
+            </a:extLst>
+          </p:cNvPr>
+          <p:cNvSpPr/>
+          <p:nvPr/>
+        </p:nvSpPr>
+        <p:spPr>
+          <a:xfrm>
+            <a:off x="4220230" y="4106463"/>
+            <a:ext cx="2827336" cy="471948"/>
+          </a:xfrm>
+          <a:prstGeom prst="rect">
+            <a:avLst/>
+          </a:prstGeom>
+          <a:noFill/>
+          <a:ln w="12700" cap="flat" cmpd="sng" algn="ctr">
+            <a:solidFill>
+              <a:srgbClr val="000000"/>
+            </a:solidFill>
+            <a:prstDash val="solid"/>
+          </a:ln>
+          <a:effectLst/>
+        </p:spPr>
+        <p:txBody>
+          <a:bodyPr rtlCol="0" anchor="t"/>
+          <a:lstStyle/>
+          <a:p>
+            <a:pPr marL="0" marR="0" lvl="0" indent="0" algn="ctr" defTabSz="914400" eaLnBrk="1" fontAlgn="auto" latinLnBrk="0" hangingPunct="1">
+              <a:lnSpc>
+                <a:spcPct val="100000"/>
+              </a:lnSpc>
+              <a:spcBef>
+                <a:spcPts val="0"/>
+              </a:spcBef>
+              <a:spcAft>
+                <a:spcPts val="0"/>
+              </a:spcAft>
+              <a:buClrTx/>
+              <a:buSzTx/>
+              <a:buFontTx/>
+              <a:buNone/>
+              <a:tabLst/>
+              <a:defRPr/>
+            </a:pPr>
+            <a:r>
+              <a:rPr kumimoji="0" lang="en-US" sz="1400" b="0" i="0" u="none" strike="noStrike" kern="0" cap="none" spc="0" normalizeH="0" baseline="0" noProof="0" dirty="0" err="1">
+                <a:ln>
+                  <a:noFill/>
+                </a:ln>
+                <a:solidFill>
+                  <a:srgbClr val="000000"/>
+                </a:solidFill>
+                <a:effectLst/>
+                <a:uLnTx/>
+                <a:uFillTx/>
+                <a:latin typeface="Arial" panose="020B0604020202020204"/>
+                <a:ea typeface="+mn-ea"/>
+                <a:cs typeface="+mn-cs"/>
+              </a:rPr>
+              <a:t>CAmkES</a:t>
+            </a:r>
+            <a:r>
+              <a:rPr kumimoji="0" lang="en-US" sz="1400" b="0" i="0" u="none" strike="noStrike" kern="0" cap="none" spc="0" normalizeH="0" baseline="0" noProof="0" dirty="0">
+                <a:ln>
+                  <a:noFill/>
+                </a:ln>
+                <a:solidFill>
+                  <a:srgbClr val="000000"/>
+                </a:solidFill>
+                <a:effectLst/>
+                <a:uLnTx/>
+                <a:uFillTx/>
+                <a:latin typeface="Arial" panose="020B0604020202020204"/>
+                <a:ea typeface="+mn-ea"/>
+                <a:cs typeface="+mn-cs"/>
+              </a:rPr>
+              <a:t> input model</a:t>
+            </a:r>
+          </a:p>
+        </p:txBody>
+      </p:sp>
+      <p:grpSp>
+        <p:nvGrpSpPr>
+          <p:cNvPr id="74" name="Group 73">
+            <a:extLst>
+              <a:ext uri="{FF2B5EF4-FFF2-40B4-BE49-F238E27FC236}">
+                <a16:creationId xmlns:a16="http://schemas.microsoft.com/office/drawing/2014/main" id="{BF841AEE-0E8E-46C7-A1BA-D40AC9009081}"/>
+              </a:ext>
+            </a:extLst>
+          </p:cNvPr>
+          <p:cNvGrpSpPr/>
+          <p:nvPr/>
+        </p:nvGrpSpPr>
+        <p:grpSpPr>
+          <a:xfrm>
+            <a:off x="4324546" y="1872738"/>
+            <a:ext cx="1565720" cy="902106"/>
+            <a:chOff x="5952861" y="2015613"/>
+            <a:chExt cx="1565720" cy="902106"/>
+          </a:xfrm>
+        </p:grpSpPr>
+        <p:sp>
+          <p:nvSpPr>
+            <p:cNvPr id="75" name="Rounded Rectangle 58">
+              <a:extLst>
+                <a:ext uri="{FF2B5EF4-FFF2-40B4-BE49-F238E27FC236}">
+                  <a16:creationId xmlns:a16="http://schemas.microsoft.com/office/drawing/2014/main" id="{2B38A19E-4853-48E8-B3D7-2CF5D1DCFF89}"/>
+                </a:ext>
+              </a:extLst>
+            </p:cNvPr>
+            <p:cNvSpPr/>
+            <p:nvPr/>
+          </p:nvSpPr>
+          <p:spPr>
+            <a:xfrm>
+              <a:off x="5952861" y="2254043"/>
+              <a:ext cx="1080092" cy="663676"/>
+            </a:xfrm>
+            <a:prstGeom prst="roundRect">
+              <a:avLst>
+                <a:gd name="adj" fmla="val 13390"/>
+              </a:avLst>
+            </a:prstGeom>
+            <a:noFill/>
+            <a:ln w="12700" cap="flat" cmpd="sng" algn="ctr">
+              <a:solidFill>
+                <a:srgbClr val="000000"/>
+              </a:solidFill>
+              <a:prstDash val="solid"/>
+            </a:ln>
+            <a:effectLst/>
+          </p:spPr>
+          <p:txBody>
+            <a:bodyPr rtlCol="0" anchor="t"/>
+            <a:lstStyle/>
+            <a:p>
+              <a:pPr marL="0" marR="0" lvl="0" indent="0" algn="ctr" defTabSz="914400" eaLnBrk="1" fontAlgn="auto" latinLnBrk="0" hangingPunct="1">
+                <a:lnSpc>
+                  <a:spcPct val="100000"/>
+                </a:lnSpc>
+                <a:spcBef>
+                  <a:spcPts val="0"/>
+                </a:spcBef>
+                <a:spcAft>
+                  <a:spcPts val="0"/>
+                </a:spcAft>
+                <a:buClrTx/>
+                <a:buSzTx/>
+                <a:buFontTx/>
+                <a:buNone/>
+                <a:tabLst/>
+                <a:defRPr/>
+              </a:pPr>
+              <a:r>
+                <a:rPr kumimoji="0" lang="en-US" sz="1400" b="0" i="0" u="none" strike="noStrike" kern="0" cap="none" spc="0" normalizeH="0" baseline="0" noProof="0" dirty="0">
+                  <a:ln>
+                    <a:noFill/>
+                  </a:ln>
+                  <a:solidFill>
+                    <a:srgbClr val="000000"/>
+                  </a:solidFill>
+                  <a:effectLst/>
+                  <a:uLnTx/>
+                  <a:uFillTx/>
+                  <a:latin typeface="Arial" panose="020B0604020202020204"/>
+                  <a:ea typeface="+mn-ea"/>
+                  <a:cs typeface="+mn-cs"/>
+                </a:rPr>
+                <a:t>TA1 plugin</a:t>
+              </a:r>
+            </a:p>
+          </p:txBody>
+        </p:sp>
+        <p:sp>
+          <p:nvSpPr>
+            <p:cNvPr id="76" name="Rounded Rectangle 59">
+              <a:extLst>
+                <a:ext uri="{FF2B5EF4-FFF2-40B4-BE49-F238E27FC236}">
+                  <a16:creationId xmlns:a16="http://schemas.microsoft.com/office/drawing/2014/main" id="{28AF0974-A4AE-4F51-A466-9DF1F093C8A0}"/>
+                </a:ext>
+              </a:extLst>
+            </p:cNvPr>
+            <p:cNvSpPr/>
+            <p:nvPr/>
+          </p:nvSpPr>
+          <p:spPr>
+            <a:xfrm>
+              <a:off x="6070634" y="2254043"/>
+              <a:ext cx="1131524" cy="663676"/>
+            </a:xfrm>
+            <a:prstGeom prst="roundRect">
+              <a:avLst>
+                <a:gd name="adj" fmla="val 13390"/>
+              </a:avLst>
+            </a:prstGeom>
+            <a:solidFill>
+              <a:srgbClr val="FFFFFF"/>
+            </a:solidFill>
+            <a:ln w="12700" cap="flat" cmpd="sng" algn="ctr">
+              <a:solidFill>
+                <a:srgbClr val="000000"/>
+              </a:solidFill>
+              <a:prstDash val="solid"/>
+            </a:ln>
+            <a:effectLst/>
+          </p:spPr>
+          <p:txBody>
+            <a:bodyPr lIns="0" rIns="0" rtlCol="0" anchor="t"/>
+            <a:lstStyle/>
+            <a:p>
+              <a:pPr marL="0" marR="0" lvl="0" indent="0" algn="ctr" defTabSz="914400" eaLnBrk="1" fontAlgn="auto" latinLnBrk="0" hangingPunct="1">
+                <a:lnSpc>
+                  <a:spcPct val="100000"/>
+                </a:lnSpc>
+                <a:spcBef>
+                  <a:spcPts val="0"/>
+                </a:spcBef>
+                <a:spcAft>
+                  <a:spcPts val="0"/>
+                </a:spcAft>
+                <a:buClrTx/>
+                <a:buSzTx/>
+                <a:buFontTx/>
+                <a:buNone/>
+                <a:tabLst/>
+                <a:defRPr/>
+              </a:pPr>
+              <a:r>
+                <a:rPr kumimoji="0" lang="en-US" sz="1400" b="0" i="0" u="none" strike="noStrike" kern="0" cap="none" spc="0" normalizeH="0" baseline="0" noProof="0" dirty="0">
+                  <a:ln>
+                    <a:noFill/>
+                  </a:ln>
+                  <a:solidFill>
+                    <a:srgbClr val="000000"/>
+                  </a:solidFill>
+                  <a:effectLst/>
+                  <a:uLnTx/>
+                  <a:uFillTx/>
+                  <a:latin typeface="Arial" panose="020B0604020202020204"/>
+                  <a:ea typeface="+mn-ea"/>
+                  <a:cs typeface="+mn-cs"/>
+                </a:rPr>
+                <a:t>Cyber </a:t>
+              </a:r>
+              <a:r>
+                <a:rPr kumimoji="0" lang="en-US" sz="1400" b="0" i="0" u="none" strike="noStrike" kern="0" cap="none" spc="0" normalizeH="0" baseline="0" noProof="0" dirty="0" err="1">
+                  <a:ln>
+                    <a:noFill/>
+                  </a:ln>
+                  <a:solidFill>
+                    <a:srgbClr val="000000"/>
+                  </a:solidFill>
+                  <a:effectLst/>
+                  <a:uLnTx/>
+                  <a:uFillTx/>
+                  <a:latin typeface="Arial" panose="020B0604020202020204"/>
+                  <a:ea typeface="+mn-ea"/>
+                  <a:cs typeface="+mn-cs"/>
+                </a:rPr>
+                <a:t>Reqts</a:t>
+              </a:r>
+              <a:r>
+                <a:rPr kumimoji="0" lang="en-US" sz="1400" b="0" i="0" u="none" strike="noStrike" kern="0" cap="none" spc="0" normalizeH="0" baseline="0" noProof="0" dirty="0">
+                  <a:ln>
+                    <a:noFill/>
+                  </a:ln>
+                  <a:solidFill>
+                    <a:srgbClr val="000000"/>
+                  </a:solidFill>
+                  <a:effectLst/>
+                  <a:uLnTx/>
+                  <a:uFillTx/>
+                  <a:latin typeface="Arial" panose="020B0604020202020204"/>
+                  <a:ea typeface="+mn-ea"/>
+                  <a:cs typeface="+mn-cs"/>
+                </a:rPr>
+                <a:t> plugins</a:t>
+              </a:r>
+            </a:p>
+          </p:txBody>
+        </p:sp>
+        <p:cxnSp>
+          <p:nvCxnSpPr>
+            <p:cNvPr id="77" name="Straight Arrow Connector 76">
+              <a:extLst>
+                <a:ext uri="{FF2B5EF4-FFF2-40B4-BE49-F238E27FC236}">
+                  <a16:creationId xmlns:a16="http://schemas.microsoft.com/office/drawing/2014/main" id="{66025D4F-F9CE-4669-ADCE-7BC58964AA71}"/>
+                </a:ext>
+              </a:extLst>
+            </p:cNvPr>
+            <p:cNvCxnSpPr/>
+            <p:nvPr/>
+          </p:nvCxnSpPr>
+          <p:spPr>
+            <a:xfrm flipH="1">
+              <a:off x="7197400" y="2407226"/>
+              <a:ext cx="321181" cy="0"/>
+            </a:xfrm>
+            <a:prstGeom prst="straightConnector1">
+              <a:avLst/>
+            </a:prstGeom>
+            <a:noFill/>
+            <a:ln w="12700" cap="flat" cmpd="sng" algn="ctr">
+              <a:solidFill>
+                <a:srgbClr val="000000"/>
+              </a:solidFill>
+              <a:prstDash val="solid"/>
+              <a:headEnd type="none" w="med" len="med"/>
+              <a:tailEnd type="arrow" w="med" len="med"/>
+            </a:ln>
+            <a:effectLst/>
+          </p:spPr>
+        </p:cxnSp>
+        <p:cxnSp>
+          <p:nvCxnSpPr>
+            <p:cNvPr id="78" name="Straight Arrow Connector 77">
+              <a:extLst>
+                <a:ext uri="{FF2B5EF4-FFF2-40B4-BE49-F238E27FC236}">
+                  <a16:creationId xmlns:a16="http://schemas.microsoft.com/office/drawing/2014/main" id="{486FD576-3A48-4230-A178-913BACD135C2}"/>
+                </a:ext>
+              </a:extLst>
+            </p:cNvPr>
+            <p:cNvCxnSpPr/>
+            <p:nvPr/>
+          </p:nvCxnSpPr>
+          <p:spPr>
+            <a:xfrm flipH="1">
+              <a:off x="7197400" y="2754565"/>
+              <a:ext cx="321181" cy="0"/>
+            </a:xfrm>
+            <a:prstGeom prst="straightConnector1">
+              <a:avLst/>
+            </a:prstGeom>
+            <a:noFill/>
+            <a:ln w="12700" cap="flat" cmpd="sng" algn="ctr">
+              <a:solidFill>
+                <a:srgbClr val="000000"/>
+              </a:solidFill>
+              <a:prstDash val="solid"/>
+              <a:headEnd type="arrow" w="med" len="med"/>
+              <a:tailEnd type="none" w="med" len="med"/>
+            </a:ln>
+            <a:effectLst/>
+          </p:spPr>
+        </p:cxnSp>
+        <p:cxnSp>
+          <p:nvCxnSpPr>
+            <p:cNvPr id="79" name="Straight Arrow Connector 78">
+              <a:extLst>
+                <a:ext uri="{FF2B5EF4-FFF2-40B4-BE49-F238E27FC236}">
+                  <a16:creationId xmlns:a16="http://schemas.microsoft.com/office/drawing/2014/main" id="{EBF4AD0D-BE24-44E4-B73D-65CA7F0AE012}"/>
+                </a:ext>
+              </a:extLst>
+            </p:cNvPr>
+            <p:cNvCxnSpPr>
+              <a:endCxn id="76" idx="0"/>
+            </p:cNvCxnSpPr>
+            <p:nvPr/>
+          </p:nvCxnSpPr>
+          <p:spPr>
+            <a:xfrm>
+              <a:off x="6634356" y="2015613"/>
+              <a:ext cx="2040" cy="238430"/>
+            </a:xfrm>
+            <a:prstGeom prst="straightConnector1">
+              <a:avLst/>
+            </a:prstGeom>
+            <a:noFill/>
+            <a:ln w="12700" cap="flat" cmpd="sng" algn="ctr">
+              <a:solidFill>
+                <a:srgbClr val="000000"/>
+              </a:solidFill>
+              <a:prstDash val="solid"/>
+              <a:headEnd type="none" w="med" len="med"/>
+              <a:tailEnd type="arrow" w="med" len="med"/>
+            </a:ln>
+            <a:effectLst/>
+          </p:spPr>
+        </p:cxnSp>
+      </p:grpSp>
+      <p:cxnSp>
+        <p:nvCxnSpPr>
+          <p:cNvPr id="80" name="Straight Arrow Connector 79">
+            <a:extLst>
+              <a:ext uri="{FF2B5EF4-FFF2-40B4-BE49-F238E27FC236}">
+                <a16:creationId xmlns:a16="http://schemas.microsoft.com/office/drawing/2014/main" id="{B619F92E-25A0-4E82-B864-816A0076C858}"/>
+              </a:ext>
+            </a:extLst>
+          </p:cNvPr>
+          <p:cNvCxnSpPr>
+            <a:stCxn id="71" idx="2"/>
+            <a:endCxn id="73" idx="0"/>
+          </p:cNvCxnSpPr>
+          <p:nvPr/>
+        </p:nvCxnSpPr>
+        <p:spPr>
+          <a:xfrm>
+            <a:off x="5633898" y="3821397"/>
+            <a:ext cx="0" cy="285066"/>
+          </a:xfrm>
+          <a:prstGeom prst="straightConnector1">
+            <a:avLst/>
+          </a:prstGeom>
+          <a:noFill/>
+          <a:ln w="12700" cap="flat" cmpd="sng" algn="ctr">
+            <a:solidFill>
+              <a:srgbClr val="000000"/>
+            </a:solidFill>
+            <a:prstDash val="solid"/>
+            <a:headEnd type="none" w="med" len="med"/>
+            <a:tailEnd type="arrow" w="med" len="med"/>
+          </a:ln>
+          <a:effectLst/>
+        </p:spPr>
+      </p:cxnSp>
+      <p:cxnSp>
+        <p:nvCxnSpPr>
+          <p:cNvPr id="81" name="Straight Arrow Connector 80">
+            <a:extLst>
+              <a:ext uri="{FF2B5EF4-FFF2-40B4-BE49-F238E27FC236}">
+                <a16:creationId xmlns:a16="http://schemas.microsoft.com/office/drawing/2014/main" id="{5869C526-EC37-412B-BAC0-020C50781CC5}"/>
+              </a:ext>
+            </a:extLst>
+          </p:cNvPr>
+          <p:cNvCxnSpPr>
+            <a:stCxn id="62" idx="2"/>
+          </p:cNvCxnSpPr>
+          <p:nvPr/>
+        </p:nvCxnSpPr>
+        <p:spPr>
+          <a:xfrm>
+            <a:off x="3474109" y="2774844"/>
+            <a:ext cx="977430" cy="1331619"/>
+          </a:xfrm>
+          <a:prstGeom prst="straightConnector1">
+            <a:avLst/>
+          </a:prstGeom>
+          <a:noFill/>
+          <a:ln w="12700" cap="flat" cmpd="sng" algn="ctr">
+            <a:solidFill>
+              <a:srgbClr val="000000"/>
+            </a:solidFill>
+            <a:prstDash val="solid"/>
+            <a:headEnd type="none" w="med" len="med"/>
+            <a:tailEnd type="arrow" w="med" len="med"/>
+          </a:ln>
+          <a:effectLst/>
+        </p:spPr>
+      </p:cxnSp>
+      <p:sp>
+        <p:nvSpPr>
+          <p:cNvPr id="82" name="Rounded Rectangle 72">
+            <a:extLst>
+              <a:ext uri="{FF2B5EF4-FFF2-40B4-BE49-F238E27FC236}">
+                <a16:creationId xmlns:a16="http://schemas.microsoft.com/office/drawing/2014/main" id="{372452D0-90C9-487E-A755-EFA14AC0E0AC}"/>
+              </a:ext>
+            </a:extLst>
+          </p:cNvPr>
+          <p:cNvSpPr/>
+          <p:nvPr/>
+        </p:nvSpPr>
+        <p:spPr>
+          <a:xfrm>
+            <a:off x="4069268" y="4791914"/>
+            <a:ext cx="3127663" cy="464578"/>
+          </a:xfrm>
+          <a:prstGeom prst="roundRect">
+            <a:avLst>
+              <a:gd name="adj" fmla="val 13390"/>
+            </a:avLst>
+          </a:prstGeom>
+          <a:noFill/>
+          <a:ln w="12700" cap="flat" cmpd="sng" algn="ctr">
+            <a:solidFill>
+              <a:srgbClr val="000000"/>
+            </a:solidFill>
+            <a:prstDash val="solid"/>
+          </a:ln>
+          <a:effectLst/>
+        </p:spPr>
+        <p:txBody>
+          <a:bodyPr rtlCol="0" anchor="t"/>
+          <a:lstStyle/>
+          <a:p>
+            <a:pPr marL="0" marR="0" lvl="0" indent="0" algn="ctr" defTabSz="914400" eaLnBrk="1" fontAlgn="auto" latinLnBrk="0" hangingPunct="1">
+              <a:lnSpc>
+                <a:spcPct val="100000"/>
+              </a:lnSpc>
+              <a:spcBef>
+                <a:spcPts val="0"/>
+              </a:spcBef>
+              <a:spcAft>
+                <a:spcPts val="0"/>
+              </a:spcAft>
+              <a:buClrTx/>
+              <a:buSzTx/>
+              <a:buFontTx/>
+              <a:buNone/>
+              <a:tabLst/>
+              <a:defRPr/>
+            </a:pPr>
+            <a:r>
+              <a:rPr kumimoji="0" lang="en-US" sz="1400" b="0" i="0" u="none" strike="noStrike" kern="0" cap="none" spc="0" normalizeH="0" baseline="0" noProof="0" dirty="0" err="1">
+                <a:ln>
+                  <a:noFill/>
+                </a:ln>
+                <a:solidFill>
+                  <a:srgbClr val="000000"/>
+                </a:solidFill>
+                <a:effectLst/>
+                <a:uLnTx/>
+                <a:uFillTx/>
+                <a:latin typeface="Arial" panose="020B0604020202020204"/>
+                <a:ea typeface="+mn-ea"/>
+                <a:cs typeface="+mn-cs"/>
+              </a:rPr>
+              <a:t>CAmkES</a:t>
+            </a:r>
+            <a:endParaRPr kumimoji="0" lang="en-US" sz="1400" b="0" i="0" u="none" strike="noStrike" kern="0" cap="none" spc="0" normalizeH="0" baseline="0" noProof="0" dirty="0">
+              <a:ln>
+                <a:noFill/>
+              </a:ln>
+              <a:solidFill>
+                <a:srgbClr val="000000"/>
+              </a:solidFill>
+              <a:effectLst/>
+              <a:uLnTx/>
+              <a:uFillTx/>
+              <a:latin typeface="Arial" panose="020B0604020202020204"/>
+              <a:ea typeface="+mn-ea"/>
+              <a:cs typeface="+mn-cs"/>
+            </a:endParaRPr>
+          </a:p>
+        </p:txBody>
+      </p:sp>
+      <p:grpSp>
+        <p:nvGrpSpPr>
+          <p:cNvPr id="83" name="Group 82">
+            <a:extLst>
+              <a:ext uri="{FF2B5EF4-FFF2-40B4-BE49-F238E27FC236}">
+                <a16:creationId xmlns:a16="http://schemas.microsoft.com/office/drawing/2014/main" id="{A988A1E0-D82C-4E4C-9916-69327126376A}"/>
+              </a:ext>
+            </a:extLst>
+          </p:cNvPr>
+          <p:cNvGrpSpPr/>
+          <p:nvPr/>
+        </p:nvGrpSpPr>
+        <p:grpSpPr>
+          <a:xfrm>
+            <a:off x="5047385" y="5487236"/>
+            <a:ext cx="1178528" cy="757313"/>
+            <a:chOff x="2980460" y="5706311"/>
+            <a:chExt cx="1178528" cy="757313"/>
+          </a:xfrm>
+        </p:grpSpPr>
+        <p:sp>
+          <p:nvSpPr>
+            <p:cNvPr id="84" name="Rectangle 83">
+              <a:extLst>
+                <a:ext uri="{FF2B5EF4-FFF2-40B4-BE49-F238E27FC236}">
+                  <a16:creationId xmlns:a16="http://schemas.microsoft.com/office/drawing/2014/main" id="{5D5FB50C-87D6-4EE4-93BF-94871980AB66}"/>
+                </a:ext>
+              </a:extLst>
+            </p:cNvPr>
+            <p:cNvSpPr/>
+            <p:nvPr/>
+          </p:nvSpPr>
+          <p:spPr>
+            <a:xfrm>
+              <a:off x="2980460" y="5706311"/>
+              <a:ext cx="1178528" cy="350910"/>
+            </a:xfrm>
+            <a:prstGeom prst="rect">
+              <a:avLst/>
+            </a:prstGeom>
+            <a:noFill/>
+            <a:ln w="12700" cap="flat" cmpd="sng" algn="ctr">
+              <a:solidFill>
+                <a:srgbClr val="000000"/>
+              </a:solidFill>
+              <a:prstDash val="solid"/>
+            </a:ln>
+            <a:effectLst/>
+          </p:spPr>
+          <p:txBody>
+            <a:bodyPr rtlCol="0" anchor="t"/>
+            <a:lstStyle/>
+            <a:p>
+              <a:pPr marL="0" marR="0" lvl="0" indent="0" algn="ctr" defTabSz="914400" eaLnBrk="1" fontAlgn="auto" latinLnBrk="0" hangingPunct="1">
+                <a:lnSpc>
+                  <a:spcPct val="100000"/>
+                </a:lnSpc>
+                <a:spcBef>
+                  <a:spcPts val="0"/>
+                </a:spcBef>
+                <a:spcAft>
+                  <a:spcPts val="0"/>
+                </a:spcAft>
+                <a:buClrTx/>
+                <a:buSzTx/>
+                <a:buFontTx/>
+                <a:buNone/>
+                <a:tabLst/>
+                <a:defRPr/>
+              </a:pPr>
+              <a:r>
+                <a:rPr kumimoji="0" lang="en-US" sz="1400" b="0" i="0" u="none" strike="noStrike" kern="0" cap="none" spc="0" normalizeH="0" baseline="0" noProof="0" dirty="0">
+                  <a:ln>
+                    <a:noFill/>
+                  </a:ln>
+                  <a:solidFill>
+                    <a:srgbClr val="000000"/>
+                  </a:solidFill>
+                  <a:effectLst/>
+                  <a:uLnTx/>
+                  <a:uFillTx/>
+                  <a:latin typeface="Arial" panose="020B0604020202020204"/>
+                  <a:ea typeface="+mn-ea"/>
+                  <a:cs typeface="+mn-cs"/>
+                </a:rPr>
+                <a:t>UAV exe</a:t>
+              </a:r>
+            </a:p>
+          </p:txBody>
+        </p:sp>
+        <p:sp>
+          <p:nvSpPr>
+            <p:cNvPr id="85" name="Rectangle 84">
+              <a:extLst>
+                <a:ext uri="{FF2B5EF4-FFF2-40B4-BE49-F238E27FC236}">
+                  <a16:creationId xmlns:a16="http://schemas.microsoft.com/office/drawing/2014/main" id="{676EB69C-7627-4F0A-8DE8-860A17CDD828}"/>
+                </a:ext>
+              </a:extLst>
+            </p:cNvPr>
+            <p:cNvSpPr/>
+            <p:nvPr/>
+          </p:nvSpPr>
+          <p:spPr>
+            <a:xfrm>
+              <a:off x="2980460" y="6112714"/>
+              <a:ext cx="572365" cy="350910"/>
+            </a:xfrm>
+            <a:prstGeom prst="rect">
+              <a:avLst/>
+            </a:prstGeom>
+            <a:noFill/>
+            <a:ln w="12700" cap="flat" cmpd="sng" algn="ctr">
+              <a:solidFill>
+                <a:srgbClr val="000000"/>
+              </a:solidFill>
+              <a:prstDash val="solid"/>
+            </a:ln>
+            <a:effectLst/>
+          </p:spPr>
+          <p:txBody>
+            <a:bodyPr rtlCol="0" anchor="t"/>
+            <a:lstStyle/>
+            <a:p>
+              <a:pPr marL="0" marR="0" lvl="0" indent="0" algn="ctr" defTabSz="914400" eaLnBrk="1" fontAlgn="auto" latinLnBrk="0" hangingPunct="1">
+                <a:lnSpc>
+                  <a:spcPct val="100000"/>
+                </a:lnSpc>
+                <a:spcBef>
+                  <a:spcPts val="0"/>
+                </a:spcBef>
+                <a:spcAft>
+                  <a:spcPts val="0"/>
+                </a:spcAft>
+                <a:buClrTx/>
+                <a:buSzTx/>
+                <a:buFontTx/>
+                <a:buNone/>
+                <a:tabLst/>
+                <a:defRPr/>
+              </a:pPr>
+              <a:r>
+                <a:rPr kumimoji="0" lang="en-US" sz="1400" b="0" i="0" u="none" strike="noStrike" kern="0" cap="none" spc="0" normalizeH="0" baseline="0" noProof="0" dirty="0">
+                  <a:ln>
+                    <a:noFill/>
+                  </a:ln>
+                  <a:solidFill>
+                    <a:srgbClr val="000000"/>
+                  </a:solidFill>
+                  <a:effectLst/>
+                  <a:uLnTx/>
+                  <a:uFillTx/>
+                  <a:latin typeface="Arial" panose="020B0604020202020204"/>
+                  <a:ea typeface="+mn-ea"/>
+                  <a:cs typeface="+mn-cs"/>
+                </a:rPr>
+                <a:t>seL4</a:t>
+              </a:r>
+            </a:p>
+          </p:txBody>
+        </p:sp>
+        <p:sp>
+          <p:nvSpPr>
+            <p:cNvPr id="86" name="Rectangle 85">
+              <a:extLst>
+                <a:ext uri="{FF2B5EF4-FFF2-40B4-BE49-F238E27FC236}">
+                  <a16:creationId xmlns:a16="http://schemas.microsoft.com/office/drawing/2014/main" id="{C5AF98D9-D355-4AEB-B17C-F552AFEB5C5E}"/>
+                </a:ext>
+              </a:extLst>
+            </p:cNvPr>
+            <p:cNvSpPr/>
+            <p:nvPr/>
+          </p:nvSpPr>
+          <p:spPr>
+            <a:xfrm>
+              <a:off x="3585172" y="6112714"/>
+              <a:ext cx="572365" cy="350910"/>
+            </a:xfrm>
+            <a:prstGeom prst="rect">
+              <a:avLst/>
+            </a:prstGeom>
+            <a:noFill/>
+            <a:ln w="12700" cap="flat" cmpd="sng" algn="ctr">
+              <a:solidFill>
+                <a:srgbClr val="000000"/>
+              </a:solidFill>
+              <a:prstDash val="solid"/>
+            </a:ln>
+            <a:effectLst/>
+          </p:spPr>
+          <p:txBody>
+            <a:bodyPr lIns="0" tIns="0" rIns="0" bIns="0" rtlCol="0" anchor="ctr"/>
+            <a:lstStyle/>
+            <a:p>
+              <a:pPr marL="0" marR="0" lvl="0" indent="0" algn="ctr" defTabSz="914400" eaLnBrk="1" fontAlgn="auto" latinLnBrk="0" hangingPunct="1">
+                <a:lnSpc>
+                  <a:spcPct val="100000"/>
+                </a:lnSpc>
+                <a:spcBef>
+                  <a:spcPts val="0"/>
+                </a:spcBef>
+                <a:spcAft>
+                  <a:spcPts val="0"/>
+                </a:spcAft>
+                <a:buClrTx/>
+                <a:buSzTx/>
+                <a:buFontTx/>
+                <a:buNone/>
+                <a:tabLst/>
+                <a:defRPr/>
+              </a:pPr>
+              <a:r>
+                <a:rPr kumimoji="0" lang="en-US" sz="1100" b="0" i="0" u="none" strike="noStrike" kern="0" cap="none" spc="0" normalizeH="0" baseline="0" noProof="0" dirty="0" err="1">
+                  <a:ln>
+                    <a:noFill/>
+                  </a:ln>
+                  <a:solidFill>
+                    <a:srgbClr val="000000"/>
+                  </a:solidFill>
+                  <a:effectLst/>
+                  <a:uLnTx/>
+                  <a:uFillTx/>
+                  <a:latin typeface="Arial" panose="020B0604020202020204"/>
+                  <a:ea typeface="+mn-ea"/>
+                  <a:cs typeface="+mn-cs"/>
+                </a:rPr>
+                <a:t>capDL</a:t>
+              </a:r>
+              <a:endParaRPr kumimoji="0" lang="en-US" sz="1100" b="0" i="0" u="none" strike="noStrike" kern="0" cap="none" spc="0" normalizeH="0" baseline="0" noProof="0" dirty="0">
+                <a:ln>
+                  <a:noFill/>
+                </a:ln>
+                <a:solidFill>
+                  <a:srgbClr val="000000"/>
+                </a:solidFill>
+                <a:effectLst/>
+                <a:uLnTx/>
+                <a:uFillTx/>
+                <a:latin typeface="Arial" panose="020B0604020202020204"/>
+                <a:ea typeface="+mn-ea"/>
+                <a:cs typeface="+mn-cs"/>
+              </a:endParaRPr>
+            </a:p>
+          </p:txBody>
+        </p:sp>
+      </p:grpSp>
+      <p:cxnSp>
+        <p:nvCxnSpPr>
+          <p:cNvPr id="87" name="Straight Arrow Connector 86">
+            <a:extLst>
+              <a:ext uri="{FF2B5EF4-FFF2-40B4-BE49-F238E27FC236}">
+                <a16:creationId xmlns:a16="http://schemas.microsoft.com/office/drawing/2014/main" id="{22716BC1-EB39-4330-A7DD-1EAFC5E439A5}"/>
+              </a:ext>
+            </a:extLst>
+          </p:cNvPr>
+          <p:cNvCxnSpPr>
+            <a:stCxn id="73" idx="2"/>
+            <a:endCxn id="82" idx="0"/>
+          </p:cNvCxnSpPr>
+          <p:nvPr/>
+        </p:nvCxnSpPr>
+        <p:spPr>
+          <a:xfrm flipH="1">
+            <a:off x="5633100" y="4578411"/>
+            <a:ext cx="798" cy="213503"/>
+          </a:xfrm>
+          <a:prstGeom prst="straightConnector1">
+            <a:avLst/>
+          </a:prstGeom>
+          <a:noFill/>
+          <a:ln w="12700" cap="flat" cmpd="sng" algn="ctr">
+            <a:solidFill>
+              <a:srgbClr val="000000"/>
+            </a:solidFill>
+            <a:prstDash val="solid"/>
+            <a:headEnd type="none" w="med" len="med"/>
+            <a:tailEnd type="arrow" w="med" len="med"/>
+          </a:ln>
+          <a:effectLst/>
+        </p:spPr>
+      </p:cxnSp>
+      <p:cxnSp>
+        <p:nvCxnSpPr>
+          <p:cNvPr id="88" name="Straight Arrow Connector 87">
+            <a:extLst>
+              <a:ext uri="{FF2B5EF4-FFF2-40B4-BE49-F238E27FC236}">
+                <a16:creationId xmlns:a16="http://schemas.microsoft.com/office/drawing/2014/main" id="{9119D0CA-7994-4DFB-B847-FE4A580853AA}"/>
+              </a:ext>
+            </a:extLst>
+          </p:cNvPr>
+          <p:cNvCxnSpPr>
+            <a:stCxn id="82" idx="2"/>
+            <a:endCxn id="84" idx="0"/>
+          </p:cNvCxnSpPr>
+          <p:nvPr/>
+        </p:nvCxnSpPr>
+        <p:spPr>
+          <a:xfrm>
+            <a:off x="5633100" y="5256492"/>
+            <a:ext cx="3549" cy="230744"/>
+          </a:xfrm>
+          <a:prstGeom prst="straightConnector1">
+            <a:avLst/>
+          </a:prstGeom>
+          <a:noFill/>
+          <a:ln w="12700" cap="flat" cmpd="sng" algn="ctr">
+            <a:solidFill>
+              <a:srgbClr val="000000"/>
+            </a:solidFill>
+            <a:prstDash val="solid"/>
+            <a:headEnd type="none" w="med" len="med"/>
+            <a:tailEnd type="arrow" w="med" len="med"/>
+          </a:ln>
+          <a:effectLst/>
+        </p:spPr>
+      </p:cxnSp>
+      <p:sp>
+        <p:nvSpPr>
+          <p:cNvPr id="89" name="Rounded Rectangle 83">
+            <a:extLst>
+              <a:ext uri="{FF2B5EF4-FFF2-40B4-BE49-F238E27FC236}">
+                <a16:creationId xmlns:a16="http://schemas.microsoft.com/office/drawing/2014/main" id="{A91295DC-1546-4D96-802E-EC2734A8D1A3}"/>
+              </a:ext>
+            </a:extLst>
+          </p:cNvPr>
+          <p:cNvSpPr/>
+          <p:nvPr/>
+        </p:nvSpPr>
+        <p:spPr>
+          <a:xfrm>
+            <a:off x="2730564" y="4791914"/>
+            <a:ext cx="1045657" cy="464578"/>
+          </a:xfrm>
+          <a:prstGeom prst="roundRect">
+            <a:avLst>
+              <a:gd name="adj" fmla="val 13390"/>
+            </a:avLst>
+          </a:prstGeom>
+          <a:noFill/>
+          <a:ln w="12700" cap="flat" cmpd="sng" algn="ctr">
+            <a:solidFill>
+              <a:srgbClr val="000000"/>
+            </a:solidFill>
+            <a:prstDash val="solid"/>
+          </a:ln>
+          <a:effectLst/>
+        </p:spPr>
+        <p:txBody>
+          <a:bodyPr lIns="0" rIns="0" rtlCol="0" anchor="t"/>
+          <a:lstStyle/>
+          <a:p>
+            <a:pPr marL="0" marR="0" lvl="0" indent="0" algn="ctr" defTabSz="914400" eaLnBrk="1" fontAlgn="auto" latinLnBrk="0" hangingPunct="1">
+              <a:lnSpc>
+                <a:spcPct val="100000"/>
+              </a:lnSpc>
+              <a:spcBef>
+                <a:spcPts val="0"/>
+              </a:spcBef>
+              <a:spcAft>
+                <a:spcPts val="0"/>
+              </a:spcAft>
+              <a:buClrTx/>
+              <a:buSzTx/>
+              <a:buFontTx/>
+              <a:buNone/>
+              <a:tabLst/>
+              <a:defRPr/>
+            </a:pPr>
+            <a:r>
+              <a:rPr kumimoji="0" lang="en-US" sz="1400" b="0" i="0" u="none" strike="noStrike" kern="0" cap="none" spc="0" normalizeH="0" baseline="0" noProof="0" dirty="0">
+                <a:ln>
+                  <a:noFill/>
+                </a:ln>
+                <a:solidFill>
+                  <a:srgbClr val="000000"/>
+                </a:solidFill>
+                <a:effectLst/>
+                <a:uLnTx/>
+                <a:uFillTx/>
+                <a:latin typeface="Arial" panose="020B0604020202020204"/>
+                <a:ea typeface="+mn-ea"/>
+                <a:cs typeface="+mn-cs"/>
+              </a:rPr>
+              <a:t>C compiler</a:t>
+            </a:r>
+          </a:p>
+        </p:txBody>
+      </p:sp>
+      <p:sp>
+        <p:nvSpPr>
+          <p:cNvPr id="90" name="Rounded Rectangle 84">
+            <a:extLst>
+              <a:ext uri="{FF2B5EF4-FFF2-40B4-BE49-F238E27FC236}">
+                <a16:creationId xmlns:a16="http://schemas.microsoft.com/office/drawing/2014/main" id="{413F3B59-DEC4-4E55-B74F-C6522F499955}"/>
+              </a:ext>
+            </a:extLst>
+          </p:cNvPr>
+          <p:cNvSpPr/>
+          <p:nvPr/>
+        </p:nvSpPr>
+        <p:spPr>
+          <a:xfrm>
+            <a:off x="7542736" y="4791914"/>
+            <a:ext cx="1045657" cy="464578"/>
+          </a:xfrm>
+          <a:prstGeom prst="roundRect">
+            <a:avLst>
+              <a:gd name="adj" fmla="val 13390"/>
+            </a:avLst>
+          </a:prstGeom>
+          <a:noFill/>
+          <a:ln w="12700" cap="flat" cmpd="sng" algn="ctr">
+            <a:solidFill>
+              <a:srgbClr val="000000"/>
+            </a:solidFill>
+            <a:prstDash val="solid"/>
+          </a:ln>
+          <a:effectLst/>
+        </p:spPr>
+        <p:txBody>
+          <a:bodyPr lIns="0" tIns="0" rIns="0" bIns="0" rtlCol="0" anchor="t"/>
+          <a:lstStyle/>
+          <a:p>
+            <a:pPr marL="0" marR="0" lvl="0" indent="0" algn="ctr" defTabSz="914400" eaLnBrk="1" fontAlgn="auto" latinLnBrk="0" hangingPunct="1">
+              <a:lnSpc>
+                <a:spcPct val="100000"/>
+              </a:lnSpc>
+              <a:spcBef>
+                <a:spcPts val="0"/>
+              </a:spcBef>
+              <a:spcAft>
+                <a:spcPts val="0"/>
+              </a:spcAft>
+              <a:buClrTx/>
+              <a:buSzTx/>
+              <a:buFontTx/>
+              <a:buNone/>
+              <a:tabLst/>
+              <a:defRPr/>
+            </a:pPr>
+            <a:r>
+              <a:rPr kumimoji="0" lang="en-US" sz="1400" b="0" i="0" u="none" strike="noStrike" kern="0" cap="none" spc="0" normalizeH="0" baseline="0" noProof="0" dirty="0" err="1">
+                <a:ln>
+                  <a:noFill/>
+                </a:ln>
+                <a:solidFill>
+                  <a:srgbClr val="000000"/>
+                </a:solidFill>
+                <a:effectLst/>
+                <a:uLnTx/>
+                <a:uFillTx/>
+                <a:latin typeface="Arial" panose="020B0604020202020204"/>
+                <a:ea typeface="+mn-ea"/>
+                <a:cs typeface="+mn-cs"/>
+              </a:rPr>
+              <a:t>CakeML</a:t>
+            </a:r>
+            <a:r>
+              <a:rPr kumimoji="0" lang="en-US" sz="1400" b="0" i="0" u="none" strike="noStrike" kern="0" cap="none" spc="0" normalizeH="0" baseline="0" noProof="0" dirty="0">
+                <a:ln>
+                  <a:noFill/>
+                </a:ln>
+                <a:solidFill>
+                  <a:srgbClr val="000000"/>
+                </a:solidFill>
+                <a:effectLst/>
+                <a:uLnTx/>
+                <a:uFillTx/>
+                <a:latin typeface="Arial" panose="020B0604020202020204"/>
+                <a:ea typeface="+mn-ea"/>
+                <a:cs typeface="+mn-cs"/>
+              </a:rPr>
+              <a:t> compiler</a:t>
+            </a:r>
+          </a:p>
+        </p:txBody>
+      </p:sp>
+      <p:cxnSp>
+        <p:nvCxnSpPr>
+          <p:cNvPr id="91" name="Straight Arrow Connector 90">
+            <a:extLst>
+              <a:ext uri="{FF2B5EF4-FFF2-40B4-BE49-F238E27FC236}">
+                <a16:creationId xmlns:a16="http://schemas.microsoft.com/office/drawing/2014/main" id="{A7C921A8-DC67-4712-9D7C-BC74D4CCCCF3}"/>
+              </a:ext>
+            </a:extLst>
+          </p:cNvPr>
+          <p:cNvCxnSpPr>
+            <a:stCxn id="89" idx="3"/>
+            <a:endCxn id="82" idx="1"/>
+          </p:cNvCxnSpPr>
+          <p:nvPr/>
+        </p:nvCxnSpPr>
+        <p:spPr>
+          <a:xfrm>
+            <a:off x="3776221" y="5024203"/>
+            <a:ext cx="293047" cy="0"/>
+          </a:xfrm>
+          <a:prstGeom prst="straightConnector1">
+            <a:avLst/>
+          </a:prstGeom>
+          <a:noFill/>
+          <a:ln w="12700" cap="flat" cmpd="sng" algn="ctr">
+            <a:solidFill>
+              <a:srgbClr val="000000"/>
+            </a:solidFill>
+            <a:prstDash val="solid"/>
+            <a:headEnd type="none" w="med" len="med"/>
+            <a:tailEnd type="arrow" w="med" len="med"/>
+          </a:ln>
+          <a:effectLst/>
+        </p:spPr>
+      </p:cxnSp>
+      <p:cxnSp>
+        <p:nvCxnSpPr>
+          <p:cNvPr id="92" name="Straight Arrow Connector 91">
+            <a:extLst>
+              <a:ext uri="{FF2B5EF4-FFF2-40B4-BE49-F238E27FC236}">
+                <a16:creationId xmlns:a16="http://schemas.microsoft.com/office/drawing/2014/main" id="{D0ECB994-4EA6-40DB-A001-9F86BADC1D7E}"/>
+              </a:ext>
+            </a:extLst>
+          </p:cNvPr>
+          <p:cNvCxnSpPr>
+            <a:stCxn id="90" idx="1"/>
+            <a:endCxn id="82" idx="3"/>
+          </p:cNvCxnSpPr>
+          <p:nvPr/>
+        </p:nvCxnSpPr>
+        <p:spPr>
+          <a:xfrm flipH="1">
+            <a:off x="7196931" y="5024203"/>
+            <a:ext cx="345805" cy="0"/>
+          </a:xfrm>
+          <a:prstGeom prst="straightConnector1">
+            <a:avLst/>
+          </a:prstGeom>
+          <a:noFill/>
+          <a:ln w="12700" cap="flat" cmpd="sng" algn="ctr">
+            <a:solidFill>
+              <a:srgbClr val="000000"/>
+            </a:solidFill>
+            <a:prstDash val="solid"/>
+            <a:headEnd type="none" w="med" len="med"/>
+            <a:tailEnd type="arrow" w="med" len="med"/>
+          </a:ln>
+          <a:effectLst/>
+        </p:spPr>
+      </p:cxnSp>
+      <p:sp>
+        <p:nvSpPr>
+          <p:cNvPr id="93" name="Rectangle 92">
+            <a:extLst>
+              <a:ext uri="{FF2B5EF4-FFF2-40B4-BE49-F238E27FC236}">
+                <a16:creationId xmlns:a16="http://schemas.microsoft.com/office/drawing/2014/main" id="{2442851B-0E2B-4CE8-8C18-A1FC719FEFF8}"/>
+              </a:ext>
+            </a:extLst>
+          </p:cNvPr>
+          <p:cNvSpPr/>
+          <p:nvPr/>
+        </p:nvSpPr>
+        <p:spPr>
+          <a:xfrm>
+            <a:off x="2375854" y="3307821"/>
+            <a:ext cx="1122528" cy="798642"/>
+          </a:xfrm>
+          <a:prstGeom prst="rect">
+            <a:avLst/>
+          </a:prstGeom>
+          <a:noFill/>
+          <a:ln w="12700" cap="flat" cmpd="sng" algn="ctr">
+            <a:solidFill>
+              <a:srgbClr val="000000"/>
+            </a:solidFill>
+            <a:prstDash val="solid"/>
+          </a:ln>
+          <a:effectLst/>
+        </p:spPr>
+        <p:txBody>
+          <a:bodyPr lIns="0" rIns="0" rtlCol="0" anchor="t"/>
+          <a:lstStyle/>
+          <a:p>
+            <a:pPr marL="0" marR="0" lvl="0" indent="0" algn="ctr" defTabSz="914400" eaLnBrk="1" fontAlgn="auto" latinLnBrk="0" hangingPunct="1">
+              <a:lnSpc>
+                <a:spcPct val="100000"/>
+              </a:lnSpc>
+              <a:spcBef>
+                <a:spcPts val="0"/>
+              </a:spcBef>
+              <a:spcAft>
+                <a:spcPts val="0"/>
+              </a:spcAft>
+              <a:buClrTx/>
+              <a:buSzTx/>
+              <a:buFontTx/>
+              <a:buNone/>
+              <a:tabLst/>
+              <a:defRPr/>
+            </a:pPr>
+            <a:r>
+              <a:rPr kumimoji="0" lang="en-US" sz="1200" b="0" i="0" u="none" strike="noStrike" kern="0" cap="none" spc="0" normalizeH="0" baseline="0" noProof="0" dirty="0">
+                <a:ln>
+                  <a:noFill/>
+                </a:ln>
+                <a:solidFill>
+                  <a:srgbClr val="000000"/>
+                </a:solidFill>
+                <a:effectLst/>
+                <a:uLnTx/>
+                <a:uFillTx/>
+                <a:latin typeface="Arial" panose="020B0604020202020204"/>
+                <a:ea typeface="+mn-ea"/>
+                <a:cs typeface="+mn-cs"/>
+              </a:rPr>
+              <a:t>Component implementation</a:t>
+            </a:r>
+          </a:p>
+          <a:p>
+            <a:pPr marL="0" marR="0" lvl="0" indent="0" algn="ctr" defTabSz="914400" eaLnBrk="1" fontAlgn="auto" latinLnBrk="0" hangingPunct="1">
+              <a:lnSpc>
+                <a:spcPct val="100000"/>
+              </a:lnSpc>
+              <a:spcBef>
+                <a:spcPts val="0"/>
+              </a:spcBef>
+              <a:spcAft>
+                <a:spcPts val="0"/>
+              </a:spcAft>
+              <a:buClrTx/>
+              <a:buSzTx/>
+              <a:buFontTx/>
+              <a:buNone/>
+              <a:tabLst/>
+              <a:defRPr/>
+            </a:pPr>
+            <a:r>
+              <a:rPr kumimoji="0" lang="en-US" sz="1200" b="0" i="0" u="none" strike="noStrike" kern="0" cap="none" spc="0" normalizeH="0" baseline="0" noProof="0" dirty="0">
+                <a:ln>
+                  <a:noFill/>
+                </a:ln>
+                <a:solidFill>
+                  <a:srgbClr val="000000"/>
+                </a:solidFill>
+                <a:effectLst/>
+                <a:uLnTx/>
+                <a:uFillTx/>
+                <a:latin typeface="Arial" panose="020B0604020202020204"/>
+                <a:ea typeface="+mn-ea"/>
+                <a:cs typeface="+mn-cs"/>
+              </a:rPr>
+              <a:t>and glue </a:t>
+            </a:r>
+          </a:p>
+          <a:p>
+            <a:pPr marL="0" marR="0" lvl="0" indent="0" algn="ctr" defTabSz="914400" eaLnBrk="1" fontAlgn="auto" latinLnBrk="0" hangingPunct="1">
+              <a:lnSpc>
+                <a:spcPct val="100000"/>
+              </a:lnSpc>
+              <a:spcBef>
+                <a:spcPts val="0"/>
+              </a:spcBef>
+              <a:spcAft>
+                <a:spcPts val="0"/>
+              </a:spcAft>
+              <a:buClrTx/>
+              <a:buSzTx/>
+              <a:buFontTx/>
+              <a:buNone/>
+              <a:tabLst/>
+              <a:defRPr/>
+            </a:pPr>
+            <a:r>
+              <a:rPr kumimoji="0" lang="en-US" sz="1200" b="0" i="0" u="none" strike="noStrike" kern="0" cap="none" spc="0" normalizeH="0" baseline="0" noProof="0" dirty="0">
+                <a:ln>
+                  <a:noFill/>
+                </a:ln>
+                <a:solidFill>
+                  <a:srgbClr val="000000"/>
+                </a:solidFill>
+                <a:effectLst/>
+                <a:uLnTx/>
+                <a:uFillTx/>
+                <a:latin typeface="Arial" panose="020B0604020202020204"/>
+                <a:ea typeface="+mn-ea"/>
+                <a:cs typeface="+mn-cs"/>
+              </a:rPr>
+              <a:t>*.c files</a:t>
+            </a:r>
+          </a:p>
+        </p:txBody>
+      </p:sp>
+      <p:cxnSp>
+        <p:nvCxnSpPr>
+          <p:cNvPr id="94" name="Elbow Connector 98">
+            <a:extLst>
+              <a:ext uri="{FF2B5EF4-FFF2-40B4-BE49-F238E27FC236}">
+                <a16:creationId xmlns:a16="http://schemas.microsoft.com/office/drawing/2014/main" id="{ACA6A670-07B9-43CD-97C1-432A3C356E95}"/>
+              </a:ext>
+            </a:extLst>
+          </p:cNvPr>
+          <p:cNvCxnSpPr>
+            <a:stCxn id="61" idx="1"/>
+          </p:cNvCxnSpPr>
+          <p:nvPr/>
+        </p:nvCxnSpPr>
+        <p:spPr>
+          <a:xfrm rot="10800000" flipV="1">
+            <a:off x="2634621" y="1636763"/>
+            <a:ext cx="701837" cy="1658537"/>
+          </a:xfrm>
+          <a:prstGeom prst="bentConnector2">
+            <a:avLst/>
+          </a:prstGeom>
+          <a:noFill/>
+          <a:ln w="12700" cap="flat" cmpd="sng" algn="ctr">
+            <a:solidFill>
+              <a:srgbClr val="000000"/>
+            </a:solidFill>
+            <a:prstDash val="dash"/>
+            <a:headEnd type="none" w="med" len="med"/>
+            <a:tailEnd type="arrow" w="med" len="med"/>
+          </a:ln>
+          <a:effectLst/>
+        </p:spPr>
+      </p:cxnSp>
+      <p:cxnSp>
+        <p:nvCxnSpPr>
+          <p:cNvPr id="95" name="Straight Arrow Connector 94">
+            <a:extLst>
+              <a:ext uri="{FF2B5EF4-FFF2-40B4-BE49-F238E27FC236}">
+                <a16:creationId xmlns:a16="http://schemas.microsoft.com/office/drawing/2014/main" id="{C0D636D1-FD0D-4448-B9CD-713A9F19A331}"/>
+              </a:ext>
+            </a:extLst>
+          </p:cNvPr>
+          <p:cNvCxnSpPr>
+            <a:endCxn id="93" idx="0"/>
+          </p:cNvCxnSpPr>
+          <p:nvPr/>
+        </p:nvCxnSpPr>
+        <p:spPr>
+          <a:xfrm>
+            <a:off x="2937118" y="2774843"/>
+            <a:ext cx="0" cy="532978"/>
+          </a:xfrm>
+          <a:prstGeom prst="straightConnector1">
+            <a:avLst/>
+          </a:prstGeom>
+          <a:noFill/>
+          <a:ln w="12700" cap="flat" cmpd="sng" algn="ctr">
+            <a:solidFill>
+              <a:srgbClr val="000000"/>
+            </a:solidFill>
+            <a:prstDash val="solid"/>
+            <a:headEnd type="none" w="med" len="med"/>
+            <a:tailEnd type="arrow" w="med" len="med"/>
+          </a:ln>
+          <a:effectLst/>
+        </p:spPr>
+      </p:cxnSp>
+      <p:cxnSp>
+        <p:nvCxnSpPr>
+          <p:cNvPr id="96" name="Straight Arrow Connector 95">
+            <a:extLst>
+              <a:ext uri="{FF2B5EF4-FFF2-40B4-BE49-F238E27FC236}">
+                <a16:creationId xmlns:a16="http://schemas.microsoft.com/office/drawing/2014/main" id="{7F190995-C63F-4A1D-8C51-395E8BBE78C1}"/>
+              </a:ext>
+            </a:extLst>
+          </p:cNvPr>
+          <p:cNvCxnSpPr>
+            <a:stCxn id="93" idx="2"/>
+          </p:cNvCxnSpPr>
+          <p:nvPr/>
+        </p:nvCxnSpPr>
+        <p:spPr>
+          <a:xfrm flipH="1">
+            <a:off x="2934430" y="4106463"/>
+            <a:ext cx="2688" cy="685451"/>
+          </a:xfrm>
+          <a:prstGeom prst="straightConnector1">
+            <a:avLst/>
+          </a:prstGeom>
+          <a:noFill/>
+          <a:ln w="12700" cap="flat" cmpd="sng" algn="ctr">
+            <a:solidFill>
+              <a:srgbClr val="000000"/>
+            </a:solidFill>
+            <a:prstDash val="solid"/>
+            <a:headEnd type="none" w="med" len="med"/>
+            <a:tailEnd type="arrow" w="med" len="med"/>
+          </a:ln>
+          <a:effectLst/>
+        </p:spPr>
+      </p:cxnSp>
+      <p:grpSp>
+        <p:nvGrpSpPr>
+          <p:cNvPr id="97" name="Group 96">
+            <a:extLst>
+              <a:ext uri="{FF2B5EF4-FFF2-40B4-BE49-F238E27FC236}">
+                <a16:creationId xmlns:a16="http://schemas.microsoft.com/office/drawing/2014/main" id="{5B6619D5-ED81-4D53-B02E-EBB4705B75D3}"/>
+              </a:ext>
+            </a:extLst>
+          </p:cNvPr>
+          <p:cNvGrpSpPr/>
+          <p:nvPr/>
+        </p:nvGrpSpPr>
+        <p:grpSpPr>
+          <a:xfrm>
+            <a:off x="8848224" y="2057400"/>
+            <a:ext cx="1820582" cy="738748"/>
+            <a:chOff x="8922917" y="2133600"/>
+            <a:chExt cx="1421221" cy="738748"/>
+          </a:xfrm>
+        </p:grpSpPr>
+        <p:sp>
+          <p:nvSpPr>
+            <p:cNvPr id="98" name="Rounded Rectangle 113">
+              <a:extLst>
+                <a:ext uri="{FF2B5EF4-FFF2-40B4-BE49-F238E27FC236}">
+                  <a16:creationId xmlns:a16="http://schemas.microsoft.com/office/drawing/2014/main" id="{C5334B9E-3132-492A-BF11-1CF6B3B022ED}"/>
+                </a:ext>
+              </a:extLst>
+            </p:cNvPr>
+            <p:cNvSpPr/>
+            <p:nvPr/>
+          </p:nvSpPr>
+          <p:spPr>
+            <a:xfrm>
+              <a:off x="9496850" y="2133600"/>
+              <a:ext cx="847288" cy="738748"/>
+            </a:xfrm>
+            <a:prstGeom prst="roundRect">
+              <a:avLst>
+                <a:gd name="adj" fmla="val 13390"/>
+              </a:avLst>
+            </a:prstGeom>
+            <a:solidFill>
+              <a:srgbClr val="FFFFFF"/>
+            </a:solidFill>
+            <a:ln w="12700" cap="flat" cmpd="sng" algn="ctr">
+              <a:solidFill>
+                <a:srgbClr val="000000"/>
+              </a:solidFill>
+              <a:prstDash val="solid"/>
+            </a:ln>
+            <a:effectLst/>
+          </p:spPr>
+          <p:txBody>
+            <a:bodyPr lIns="0" rIns="0" rtlCol="0" anchor="t"/>
+            <a:lstStyle/>
+            <a:p>
+              <a:pPr marL="0" marR="0" lvl="0" indent="0" algn="ctr" defTabSz="914400" eaLnBrk="1" fontAlgn="auto" latinLnBrk="0" hangingPunct="1">
+                <a:lnSpc>
+                  <a:spcPct val="100000"/>
+                </a:lnSpc>
+                <a:spcBef>
+                  <a:spcPts val="0"/>
+                </a:spcBef>
+                <a:spcAft>
+                  <a:spcPts val="0"/>
+                </a:spcAft>
+                <a:buClrTx/>
+                <a:buSzTx/>
+                <a:buFontTx/>
+                <a:buNone/>
+                <a:tabLst/>
+                <a:defRPr/>
+              </a:pPr>
+              <a:r>
+                <a:rPr kumimoji="0" lang="en-US" sz="1400" b="0" i="0" u="none" strike="noStrike" kern="0" cap="none" spc="0" normalizeH="0" baseline="0" noProof="0" dirty="0">
+                  <a:ln>
+                    <a:noFill/>
+                  </a:ln>
+                  <a:solidFill>
+                    <a:srgbClr val="000000"/>
+                  </a:solidFill>
+                  <a:effectLst/>
+                  <a:uLnTx/>
+                  <a:uFillTx/>
+                  <a:latin typeface="Arial" panose="020B0604020202020204"/>
+                  <a:ea typeface="+mn-ea"/>
+                  <a:cs typeface="+mn-cs"/>
+                </a:rPr>
+                <a:t>Solvers</a:t>
+              </a:r>
+            </a:p>
+          </p:txBody>
+        </p:sp>
+        <p:cxnSp>
+          <p:nvCxnSpPr>
+            <p:cNvPr id="99" name="Straight Arrow Connector 98">
+              <a:extLst>
+                <a:ext uri="{FF2B5EF4-FFF2-40B4-BE49-F238E27FC236}">
+                  <a16:creationId xmlns:a16="http://schemas.microsoft.com/office/drawing/2014/main" id="{17E5B008-4523-43CC-88EE-0C11F4A633C9}"/>
+                </a:ext>
+              </a:extLst>
+            </p:cNvPr>
+            <p:cNvCxnSpPr/>
+            <p:nvPr/>
+          </p:nvCxnSpPr>
+          <p:spPr>
+            <a:xfrm>
+              <a:off x="8922917" y="2342562"/>
+              <a:ext cx="573933" cy="0"/>
+            </a:xfrm>
+            <a:prstGeom prst="straightConnector1">
+              <a:avLst/>
+            </a:prstGeom>
+            <a:noFill/>
+            <a:ln w="12700" cap="flat" cmpd="sng" algn="ctr">
+              <a:solidFill>
+                <a:srgbClr val="000000"/>
+              </a:solidFill>
+              <a:prstDash val="solid"/>
+              <a:headEnd type="none" w="med" len="med"/>
+              <a:tailEnd type="arrow" w="med" len="med"/>
+            </a:ln>
+            <a:effectLst/>
+          </p:spPr>
+        </p:cxnSp>
+      </p:grpSp>
+      <p:sp>
+        <p:nvSpPr>
+          <p:cNvPr id="100" name="Rectangle 99">
+            <a:extLst>
+              <a:ext uri="{FF2B5EF4-FFF2-40B4-BE49-F238E27FC236}">
+                <a16:creationId xmlns:a16="http://schemas.microsoft.com/office/drawing/2014/main" id="{2F37E30F-D1ED-419D-A147-40A7428626D6}"/>
+              </a:ext>
+            </a:extLst>
+          </p:cNvPr>
+          <p:cNvSpPr/>
+          <p:nvPr/>
+        </p:nvSpPr>
+        <p:spPr>
+          <a:xfrm>
+            <a:off x="1357412" y="3304944"/>
+            <a:ext cx="846921" cy="798642"/>
+          </a:xfrm>
+          <a:prstGeom prst="rect">
+            <a:avLst/>
+          </a:prstGeom>
+          <a:noFill/>
+          <a:ln w="12700" cap="flat" cmpd="sng" algn="ctr">
+            <a:solidFill>
+              <a:srgbClr val="000000"/>
+            </a:solidFill>
+            <a:prstDash val="dash"/>
+          </a:ln>
+          <a:effectLst/>
+        </p:spPr>
+        <p:txBody>
+          <a:bodyPr lIns="0" rIns="0" rtlCol="0" anchor="t"/>
+          <a:lstStyle/>
+          <a:p>
+            <a:pPr marL="0" marR="0" lvl="0" indent="0" algn="ctr" defTabSz="914400" eaLnBrk="1" fontAlgn="auto" latinLnBrk="0" hangingPunct="1">
+              <a:lnSpc>
+                <a:spcPct val="100000"/>
+              </a:lnSpc>
+              <a:spcBef>
+                <a:spcPts val="0"/>
+              </a:spcBef>
+              <a:spcAft>
+                <a:spcPts val="0"/>
+              </a:spcAft>
+              <a:buClrTx/>
+              <a:buSzTx/>
+              <a:buFontTx/>
+              <a:buNone/>
+              <a:tabLst/>
+              <a:defRPr/>
+            </a:pPr>
+            <a:r>
+              <a:rPr kumimoji="0" lang="en-US" sz="1200" b="0" i="0" u="none" strike="noStrike" kern="0" cap="none" spc="0" normalizeH="0" baseline="0" noProof="0" dirty="0">
+                <a:ln>
+                  <a:noFill/>
+                </a:ln>
+                <a:solidFill>
+                  <a:srgbClr val="000000"/>
+                </a:solidFill>
+                <a:effectLst/>
+                <a:uLnTx/>
+                <a:uFillTx/>
+                <a:latin typeface="Arial" panose="020B0604020202020204"/>
+                <a:ea typeface="+mn-ea"/>
+                <a:cs typeface="+mn-cs"/>
+              </a:rPr>
+              <a:t>System Build evidence</a:t>
+            </a:r>
+          </a:p>
+        </p:txBody>
+      </p:sp>
+      <p:cxnSp>
+        <p:nvCxnSpPr>
+          <p:cNvPr id="101" name="Elbow Connector 127">
+            <a:extLst>
+              <a:ext uri="{FF2B5EF4-FFF2-40B4-BE49-F238E27FC236}">
+                <a16:creationId xmlns:a16="http://schemas.microsoft.com/office/drawing/2014/main" id="{A0AEC6FD-7618-4822-871F-AA9A12AAB35E}"/>
+              </a:ext>
+            </a:extLst>
+          </p:cNvPr>
+          <p:cNvCxnSpPr>
+            <a:stCxn id="62" idx="1"/>
+            <a:endCxn id="100" idx="0"/>
+          </p:cNvCxnSpPr>
+          <p:nvPr/>
+        </p:nvCxnSpPr>
+        <p:spPr>
+          <a:xfrm rot="10800000" flipV="1">
+            <a:off x="1780873" y="2443006"/>
+            <a:ext cx="1012352" cy="861938"/>
+          </a:xfrm>
+          <a:prstGeom prst="bentConnector2">
+            <a:avLst/>
+          </a:prstGeom>
+          <a:noFill/>
+          <a:ln w="12700" cap="flat" cmpd="sng" algn="ctr">
+            <a:solidFill>
+              <a:srgbClr val="000000"/>
+            </a:solidFill>
+            <a:prstDash val="dash"/>
+            <a:headEnd type="none" w="med" len="med"/>
+            <a:tailEnd type="arrow" w="med" len="med"/>
+          </a:ln>
+          <a:effectLst/>
+        </p:spPr>
+      </p:cxnSp>
+      <p:cxnSp>
+        <p:nvCxnSpPr>
+          <p:cNvPr id="102" name="Straight Arrow Connector 101">
+            <a:extLst>
+              <a:ext uri="{FF2B5EF4-FFF2-40B4-BE49-F238E27FC236}">
+                <a16:creationId xmlns:a16="http://schemas.microsoft.com/office/drawing/2014/main" id="{0DD6A564-904E-4BA8-A4EB-A8990DCA043A}"/>
+              </a:ext>
+            </a:extLst>
+          </p:cNvPr>
+          <p:cNvCxnSpPr>
+            <a:endCxn id="93" idx="3"/>
+          </p:cNvCxnSpPr>
+          <p:nvPr/>
+        </p:nvCxnSpPr>
+        <p:spPr>
+          <a:xfrm flipH="1" flipV="1">
+            <a:off x="3498382" y="3707142"/>
+            <a:ext cx="721848" cy="1084772"/>
+          </a:xfrm>
+          <a:prstGeom prst="straightConnector1">
+            <a:avLst/>
+          </a:prstGeom>
+          <a:noFill/>
+          <a:ln w="12700" cap="flat" cmpd="sng" algn="ctr">
+            <a:solidFill>
+              <a:srgbClr val="000000"/>
+            </a:solidFill>
+            <a:prstDash val="solid"/>
+            <a:headEnd type="none" w="med" len="med"/>
+            <a:tailEnd type="arrow" w="med" len="med"/>
+          </a:ln>
+          <a:effectLst/>
+        </p:spPr>
+      </p:cxnSp>
+      <p:sp>
+        <p:nvSpPr>
+          <p:cNvPr id="103" name="Rectangle 102">
+            <a:extLst>
+              <a:ext uri="{FF2B5EF4-FFF2-40B4-BE49-F238E27FC236}">
+                <a16:creationId xmlns:a16="http://schemas.microsoft.com/office/drawing/2014/main" id="{BEDBC5B3-7396-4B30-A4EC-140956B5374C}"/>
+              </a:ext>
+            </a:extLst>
+          </p:cNvPr>
+          <p:cNvSpPr/>
+          <p:nvPr/>
+        </p:nvSpPr>
+        <p:spPr>
+          <a:xfrm>
+            <a:off x="7993618" y="3306399"/>
+            <a:ext cx="1122528" cy="798642"/>
+          </a:xfrm>
+          <a:prstGeom prst="rect">
+            <a:avLst/>
+          </a:prstGeom>
+          <a:noFill/>
+          <a:ln w="12700" cap="flat" cmpd="sng" algn="ctr">
+            <a:solidFill>
+              <a:srgbClr val="000000"/>
+            </a:solidFill>
+            <a:prstDash val="solid"/>
+          </a:ln>
+          <a:effectLst/>
+        </p:spPr>
+        <p:txBody>
+          <a:bodyPr lIns="0" rIns="0" rtlCol="0" anchor="t"/>
+          <a:lstStyle/>
+          <a:p>
+            <a:pPr marL="0" marR="0" lvl="0" indent="0" algn="ctr" defTabSz="914400" eaLnBrk="1" fontAlgn="auto" latinLnBrk="0" hangingPunct="1">
+              <a:lnSpc>
+                <a:spcPct val="100000"/>
+              </a:lnSpc>
+              <a:spcBef>
+                <a:spcPts val="0"/>
+              </a:spcBef>
+              <a:spcAft>
+                <a:spcPts val="0"/>
+              </a:spcAft>
+              <a:buClrTx/>
+              <a:buSzTx/>
+              <a:buFontTx/>
+              <a:buNone/>
+              <a:tabLst/>
+              <a:defRPr/>
+            </a:pPr>
+            <a:r>
+              <a:rPr kumimoji="0" lang="en-US" sz="1200" b="0" i="0" u="none" strike="noStrike" kern="0" cap="none" spc="0" normalizeH="0" baseline="0" noProof="0" dirty="0">
+                <a:ln>
+                  <a:noFill/>
+                </a:ln>
+                <a:solidFill>
+                  <a:srgbClr val="000000"/>
+                </a:solidFill>
+                <a:effectLst/>
+                <a:uLnTx/>
+                <a:uFillTx/>
+                <a:latin typeface="Arial" panose="020B0604020202020204"/>
+                <a:ea typeface="+mn-ea"/>
+                <a:cs typeface="+mn-cs"/>
+              </a:rPr>
+              <a:t>Component implementation</a:t>
+            </a:r>
+          </a:p>
+          <a:p>
+            <a:pPr marL="0" marR="0" lvl="0" indent="0" algn="ctr" defTabSz="914400" eaLnBrk="1" fontAlgn="auto" latinLnBrk="0" hangingPunct="1">
+              <a:lnSpc>
+                <a:spcPct val="100000"/>
+              </a:lnSpc>
+              <a:spcBef>
+                <a:spcPts val="0"/>
+              </a:spcBef>
+              <a:spcAft>
+                <a:spcPts val="0"/>
+              </a:spcAft>
+              <a:buClrTx/>
+              <a:buSzTx/>
+              <a:buFontTx/>
+              <a:buNone/>
+              <a:tabLst/>
+              <a:defRPr/>
+            </a:pPr>
+            <a:r>
+              <a:rPr kumimoji="0" lang="en-US" sz="1200" b="0" i="0" u="none" strike="noStrike" kern="0" cap="none" spc="0" normalizeH="0" baseline="0" noProof="0" dirty="0">
+                <a:ln>
+                  <a:noFill/>
+                </a:ln>
+                <a:solidFill>
+                  <a:srgbClr val="000000"/>
+                </a:solidFill>
+                <a:effectLst/>
+                <a:uLnTx/>
+                <a:uFillTx/>
+                <a:latin typeface="Arial" panose="020B0604020202020204"/>
+                <a:ea typeface="+mn-ea"/>
+                <a:cs typeface="+mn-cs"/>
+              </a:rPr>
+              <a:t>and glue </a:t>
+            </a:r>
+          </a:p>
+          <a:p>
+            <a:pPr marL="0" marR="0" lvl="0" indent="0" algn="ctr" defTabSz="914400" eaLnBrk="1" fontAlgn="auto" latinLnBrk="0" hangingPunct="1">
+              <a:lnSpc>
+                <a:spcPct val="100000"/>
+              </a:lnSpc>
+              <a:spcBef>
+                <a:spcPts val="0"/>
+              </a:spcBef>
+              <a:spcAft>
+                <a:spcPts val="0"/>
+              </a:spcAft>
+              <a:buClrTx/>
+              <a:buSzTx/>
+              <a:buFontTx/>
+              <a:buNone/>
+              <a:tabLst/>
+              <a:defRPr/>
+            </a:pPr>
+            <a:r>
+              <a:rPr kumimoji="0" lang="en-US" sz="1200" b="0" i="0" u="none" strike="noStrike" kern="0" cap="none" spc="0" normalizeH="0" baseline="0" noProof="0" dirty="0" err="1">
+                <a:ln>
+                  <a:noFill/>
+                </a:ln>
+                <a:solidFill>
+                  <a:srgbClr val="000000"/>
+                </a:solidFill>
+                <a:effectLst/>
+                <a:uLnTx/>
+                <a:uFillTx/>
+                <a:latin typeface="Arial" panose="020B0604020202020204"/>
+                <a:ea typeface="+mn-ea"/>
+                <a:cs typeface="+mn-cs"/>
+              </a:rPr>
+              <a:t>CakeML</a:t>
+            </a:r>
+            <a:r>
+              <a:rPr kumimoji="0" lang="en-US" sz="1200" b="0" i="0" u="none" strike="noStrike" kern="0" cap="none" spc="0" normalizeH="0" baseline="0" noProof="0" dirty="0">
+                <a:ln>
+                  <a:noFill/>
+                </a:ln>
+                <a:solidFill>
+                  <a:srgbClr val="000000"/>
+                </a:solidFill>
+                <a:effectLst/>
+                <a:uLnTx/>
+                <a:uFillTx/>
+                <a:latin typeface="Arial" panose="020B0604020202020204"/>
+                <a:ea typeface="+mn-ea"/>
+                <a:cs typeface="+mn-cs"/>
+              </a:rPr>
+              <a:t> files</a:t>
+            </a:r>
+          </a:p>
+        </p:txBody>
+      </p:sp>
+      <p:cxnSp>
+        <p:nvCxnSpPr>
+          <p:cNvPr id="104" name="Straight Arrow Connector 103">
+            <a:extLst>
+              <a:ext uri="{FF2B5EF4-FFF2-40B4-BE49-F238E27FC236}">
+                <a16:creationId xmlns:a16="http://schemas.microsoft.com/office/drawing/2014/main" id="{36E5A3ED-D39F-4052-9C6F-8857A6706E23}"/>
+              </a:ext>
+            </a:extLst>
+          </p:cNvPr>
+          <p:cNvCxnSpPr>
+            <a:endCxn id="103" idx="1"/>
+          </p:cNvCxnSpPr>
+          <p:nvPr/>
+        </p:nvCxnSpPr>
+        <p:spPr>
+          <a:xfrm flipV="1">
+            <a:off x="7032364" y="3705720"/>
+            <a:ext cx="961254" cy="1086194"/>
+          </a:xfrm>
+          <a:prstGeom prst="straightConnector1">
+            <a:avLst/>
+          </a:prstGeom>
+          <a:noFill/>
+          <a:ln w="12700" cap="flat" cmpd="sng" algn="ctr">
+            <a:solidFill>
+              <a:srgbClr val="000000"/>
+            </a:solidFill>
+            <a:prstDash val="solid"/>
+            <a:headEnd type="none" w="med" len="med"/>
+            <a:tailEnd type="arrow" w="med" len="med"/>
+          </a:ln>
+          <a:effectLst/>
+        </p:spPr>
+      </p:cxnSp>
+      <p:cxnSp>
+        <p:nvCxnSpPr>
+          <p:cNvPr id="105" name="Straight Arrow Connector 104">
+            <a:extLst>
+              <a:ext uri="{FF2B5EF4-FFF2-40B4-BE49-F238E27FC236}">
+                <a16:creationId xmlns:a16="http://schemas.microsoft.com/office/drawing/2014/main" id="{B1368B2C-50A4-457A-9CB9-32CB73EDEFEB}"/>
+              </a:ext>
+            </a:extLst>
+          </p:cNvPr>
+          <p:cNvCxnSpPr/>
+          <p:nvPr/>
+        </p:nvCxnSpPr>
+        <p:spPr>
+          <a:xfrm flipH="1">
+            <a:off x="8336735" y="4103586"/>
+            <a:ext cx="2688" cy="685451"/>
+          </a:xfrm>
+          <a:prstGeom prst="straightConnector1">
+            <a:avLst/>
+          </a:prstGeom>
+          <a:noFill/>
+          <a:ln w="12700" cap="flat" cmpd="sng" algn="ctr">
+            <a:solidFill>
+              <a:srgbClr val="000000"/>
+            </a:solidFill>
+            <a:prstDash val="solid"/>
+            <a:headEnd type="none" w="med" len="med"/>
+            <a:tailEnd type="arrow" w="med" len="med"/>
+          </a:ln>
+          <a:effectLst/>
+        </p:spPr>
+      </p:cxnSp>
+      <p:grpSp>
+        <p:nvGrpSpPr>
+          <p:cNvPr id="106" name="Group 105">
+            <a:extLst>
+              <a:ext uri="{FF2B5EF4-FFF2-40B4-BE49-F238E27FC236}">
+                <a16:creationId xmlns:a16="http://schemas.microsoft.com/office/drawing/2014/main" id="{60F569C2-3DB4-4E0D-A856-4CBF5ACA9AA8}"/>
+              </a:ext>
+            </a:extLst>
+          </p:cNvPr>
+          <p:cNvGrpSpPr/>
+          <p:nvPr/>
+        </p:nvGrpSpPr>
+        <p:grpSpPr>
+          <a:xfrm>
+            <a:off x="2695932" y="5487236"/>
+            <a:ext cx="1178528" cy="757313"/>
+            <a:chOff x="2980460" y="5706311"/>
+            <a:chExt cx="1178528" cy="757313"/>
+          </a:xfrm>
+        </p:grpSpPr>
+        <p:sp>
+          <p:nvSpPr>
+            <p:cNvPr id="107" name="Rectangle 106">
+              <a:extLst>
+                <a:ext uri="{FF2B5EF4-FFF2-40B4-BE49-F238E27FC236}">
+                  <a16:creationId xmlns:a16="http://schemas.microsoft.com/office/drawing/2014/main" id="{90184493-08BF-4F5A-BE3D-03334B50ED5E}"/>
+                </a:ext>
+              </a:extLst>
+            </p:cNvPr>
+            <p:cNvSpPr/>
+            <p:nvPr/>
+          </p:nvSpPr>
+          <p:spPr>
+            <a:xfrm>
+              <a:off x="2980460" y="5706311"/>
+              <a:ext cx="1178528" cy="350910"/>
+            </a:xfrm>
+            <a:prstGeom prst="rect">
+              <a:avLst/>
+            </a:prstGeom>
+            <a:noFill/>
+            <a:ln w="12700" cap="flat" cmpd="sng" algn="ctr">
+              <a:solidFill>
+                <a:srgbClr val="000000"/>
+              </a:solidFill>
+              <a:prstDash val="solid"/>
+            </a:ln>
+            <a:effectLst/>
+          </p:spPr>
+          <p:txBody>
+            <a:bodyPr rtlCol="0" anchor="t"/>
+            <a:lstStyle/>
+            <a:p>
+              <a:pPr marL="0" marR="0" lvl="0" indent="0" algn="ctr" defTabSz="914400" eaLnBrk="1" fontAlgn="auto" latinLnBrk="0" hangingPunct="1">
+                <a:lnSpc>
+                  <a:spcPct val="100000"/>
+                </a:lnSpc>
+                <a:spcBef>
+                  <a:spcPts val="0"/>
+                </a:spcBef>
+                <a:spcAft>
+                  <a:spcPts val="0"/>
+                </a:spcAft>
+                <a:buClrTx/>
+                <a:buSzTx/>
+                <a:buFontTx/>
+                <a:buNone/>
+                <a:tabLst/>
+                <a:defRPr/>
+              </a:pPr>
+              <a:r>
+                <a:rPr kumimoji="0" lang="en-US" sz="1400" b="0" i="0" u="none" strike="noStrike" kern="0" cap="none" spc="0" normalizeH="0" baseline="0" noProof="0" dirty="0">
+                  <a:ln>
+                    <a:noFill/>
+                  </a:ln>
+                  <a:solidFill>
+                    <a:srgbClr val="000000"/>
+                  </a:solidFill>
+                  <a:effectLst/>
+                  <a:uLnTx/>
+                  <a:uFillTx/>
+                  <a:latin typeface="Arial" panose="020B0604020202020204"/>
+                  <a:ea typeface="+mn-ea"/>
+                  <a:cs typeface="+mn-cs"/>
+                </a:rPr>
+                <a:t>UAV exe</a:t>
+              </a:r>
+            </a:p>
+          </p:txBody>
+        </p:sp>
+        <p:sp>
+          <p:nvSpPr>
+            <p:cNvPr id="108" name="Rectangle 107">
+              <a:extLst>
+                <a:ext uri="{FF2B5EF4-FFF2-40B4-BE49-F238E27FC236}">
+                  <a16:creationId xmlns:a16="http://schemas.microsoft.com/office/drawing/2014/main" id="{A5DE9B28-59A8-440A-98AB-47966F7F6F14}"/>
+                </a:ext>
+              </a:extLst>
+            </p:cNvPr>
+            <p:cNvSpPr/>
+            <p:nvPr/>
+          </p:nvSpPr>
+          <p:spPr>
+            <a:xfrm>
+              <a:off x="2980460" y="6112714"/>
+              <a:ext cx="1178528" cy="350910"/>
+            </a:xfrm>
+            <a:prstGeom prst="rect">
+              <a:avLst/>
+            </a:prstGeom>
+            <a:noFill/>
+            <a:ln w="12700" cap="flat" cmpd="sng" algn="ctr">
+              <a:solidFill>
+                <a:srgbClr val="000000"/>
+              </a:solidFill>
+              <a:prstDash val="solid"/>
+            </a:ln>
+            <a:effectLst/>
+          </p:spPr>
+          <p:txBody>
+            <a:bodyPr rtlCol="0" anchor="t"/>
+            <a:lstStyle/>
+            <a:p>
+              <a:pPr marL="0" marR="0" lvl="0" indent="0" algn="ctr" defTabSz="914400" eaLnBrk="1" fontAlgn="auto" latinLnBrk="0" hangingPunct="1">
+                <a:lnSpc>
+                  <a:spcPct val="100000"/>
+                </a:lnSpc>
+                <a:spcBef>
+                  <a:spcPts val="0"/>
+                </a:spcBef>
+                <a:spcAft>
+                  <a:spcPts val="0"/>
+                </a:spcAft>
+                <a:buClrTx/>
+                <a:buSzTx/>
+                <a:buFontTx/>
+                <a:buNone/>
+                <a:tabLst/>
+                <a:defRPr/>
+              </a:pPr>
+              <a:r>
+                <a:rPr kumimoji="0" lang="en-US" sz="1400" b="0" i="0" u="none" strike="noStrike" kern="0" cap="none" spc="0" normalizeH="0" baseline="0" noProof="0" dirty="0">
+                  <a:ln>
+                    <a:noFill/>
+                  </a:ln>
+                  <a:solidFill>
+                    <a:srgbClr val="000000"/>
+                  </a:solidFill>
+                  <a:effectLst/>
+                  <a:uLnTx/>
+                  <a:uFillTx/>
+                  <a:latin typeface="Arial" panose="020B0604020202020204"/>
+                  <a:ea typeface="+mn-ea"/>
+                  <a:cs typeface="+mn-cs"/>
+                </a:rPr>
+                <a:t>Linux</a:t>
+              </a:r>
+            </a:p>
+          </p:txBody>
+        </p:sp>
+      </p:grpSp>
+      <p:cxnSp>
+        <p:nvCxnSpPr>
+          <p:cNvPr id="109" name="Straight Arrow Connector 108">
+            <a:extLst>
+              <a:ext uri="{FF2B5EF4-FFF2-40B4-BE49-F238E27FC236}">
+                <a16:creationId xmlns:a16="http://schemas.microsoft.com/office/drawing/2014/main" id="{C7CFAA03-39DB-4550-B6D3-5D1534AF42E0}"/>
+              </a:ext>
+            </a:extLst>
+          </p:cNvPr>
+          <p:cNvCxnSpPr>
+            <a:endCxn id="107" idx="0"/>
+          </p:cNvCxnSpPr>
+          <p:nvPr/>
+        </p:nvCxnSpPr>
+        <p:spPr>
+          <a:xfrm>
+            <a:off x="3281647" y="5256492"/>
+            <a:ext cx="3549" cy="230744"/>
+          </a:xfrm>
+          <a:prstGeom prst="straightConnector1">
+            <a:avLst/>
+          </a:prstGeom>
+          <a:noFill/>
+          <a:ln w="12700" cap="flat" cmpd="sng" algn="ctr">
+            <a:solidFill>
+              <a:srgbClr val="000000"/>
+            </a:solidFill>
+            <a:prstDash val="solid"/>
+            <a:headEnd type="none" w="med" len="med"/>
+            <a:tailEnd type="arrow" w="med" len="med"/>
+          </a:ln>
+          <a:effectLst/>
+        </p:spPr>
+      </p:cxnSp>
+      <p:sp>
+        <p:nvSpPr>
+          <p:cNvPr id="110" name="Rounded Rectangle 5">
+            <a:extLst>
+              <a:ext uri="{FF2B5EF4-FFF2-40B4-BE49-F238E27FC236}">
+                <a16:creationId xmlns:a16="http://schemas.microsoft.com/office/drawing/2014/main" id="{72C27D8A-2144-46E2-8D8A-0391C656C034}"/>
+              </a:ext>
+            </a:extLst>
+          </p:cNvPr>
+          <p:cNvSpPr/>
+          <p:nvPr/>
+        </p:nvSpPr>
+        <p:spPr>
+          <a:xfrm>
+            <a:off x="744279" y="1139602"/>
+            <a:ext cx="10037136" cy="1943840"/>
+          </a:xfrm>
+          <a:prstGeom prst="roundRect">
+            <a:avLst>
+              <a:gd name="adj" fmla="val 7368"/>
+            </a:avLst>
+          </a:prstGeom>
+          <a:noFill/>
+          <a:ln w="19050" cap="flat" cmpd="sng" algn="ctr">
+            <a:solidFill>
+              <a:srgbClr val="E4551F"/>
+            </a:solidFill>
+            <a:prstDash val="solid"/>
+          </a:ln>
+          <a:effectLst/>
+        </p:spPr>
+        <p:txBody>
+          <a:bodyPr rtlCol="0" anchor="t"/>
+          <a:lstStyle/>
+          <a:p>
+            <a:pPr marL="0" marR="0" lvl="0" indent="0" defTabSz="914400" eaLnBrk="1" fontAlgn="auto" latinLnBrk="0" hangingPunct="1">
+              <a:lnSpc>
+                <a:spcPct val="100000"/>
+              </a:lnSpc>
+              <a:spcBef>
+                <a:spcPts val="0"/>
+              </a:spcBef>
+              <a:spcAft>
+                <a:spcPts val="0"/>
+              </a:spcAft>
+              <a:buClrTx/>
+              <a:buSzTx/>
+              <a:buFontTx/>
+              <a:buNone/>
+              <a:tabLst/>
+              <a:defRPr/>
+            </a:pPr>
+            <a:r>
+              <a:rPr kumimoji="0" lang="en-US" sz="1800" b="0" i="0" u="none" strike="noStrike" kern="0" cap="none" spc="0" normalizeH="0" baseline="0" noProof="0" dirty="0">
+                <a:ln>
+                  <a:noFill/>
+                </a:ln>
+                <a:solidFill>
+                  <a:srgbClr val="000000"/>
+                </a:solidFill>
+                <a:effectLst/>
+                <a:uLnTx/>
+                <a:uFillTx/>
+                <a:latin typeface="Arial" panose="020B0604020202020204"/>
+                <a:ea typeface="+mn-ea"/>
+                <a:cs typeface="+mn-cs"/>
+              </a:rPr>
+              <a:t>System</a:t>
+            </a:r>
+          </a:p>
+          <a:p>
+            <a:pPr marL="0" marR="0" lvl="0" indent="0" defTabSz="914400" eaLnBrk="1" fontAlgn="auto" latinLnBrk="0" hangingPunct="1">
+              <a:lnSpc>
+                <a:spcPct val="100000"/>
+              </a:lnSpc>
+              <a:spcBef>
+                <a:spcPts val="0"/>
+              </a:spcBef>
+              <a:spcAft>
+                <a:spcPts val="0"/>
+              </a:spcAft>
+              <a:buClrTx/>
+              <a:buSzTx/>
+              <a:buFontTx/>
+              <a:buNone/>
+              <a:tabLst/>
+              <a:defRPr/>
+            </a:pPr>
+            <a:r>
+              <a:rPr kumimoji="0" lang="en-US" sz="1800" b="0" i="0" u="none" strike="noStrike" kern="0" cap="none" spc="0" normalizeH="0" baseline="0" noProof="0" dirty="0">
+                <a:ln>
+                  <a:noFill/>
+                </a:ln>
+                <a:solidFill>
+                  <a:srgbClr val="000000"/>
+                </a:solidFill>
+                <a:effectLst/>
+                <a:uLnTx/>
+                <a:uFillTx/>
+                <a:latin typeface="Arial" panose="020B0604020202020204"/>
+                <a:ea typeface="+mn-ea"/>
+                <a:cs typeface="+mn-cs"/>
+              </a:rPr>
+              <a:t>Modeling</a:t>
+            </a:r>
+          </a:p>
+          <a:p>
+            <a:pPr marL="0" marR="0" lvl="0" indent="0" defTabSz="914400" eaLnBrk="1" fontAlgn="auto" latinLnBrk="0" hangingPunct="1">
+              <a:lnSpc>
+                <a:spcPct val="100000"/>
+              </a:lnSpc>
+              <a:spcBef>
+                <a:spcPts val="0"/>
+              </a:spcBef>
+              <a:spcAft>
+                <a:spcPts val="0"/>
+              </a:spcAft>
+              <a:buClrTx/>
+              <a:buSzTx/>
+              <a:buFontTx/>
+              <a:buNone/>
+              <a:tabLst/>
+              <a:defRPr/>
+            </a:pPr>
+            <a:r>
+              <a:rPr kumimoji="0" lang="en-US" sz="1800" b="0" i="0" u="none" strike="noStrike" kern="0" cap="none" spc="0" normalizeH="0" baseline="0" noProof="0" dirty="0">
+                <a:ln>
+                  <a:noFill/>
+                </a:ln>
+                <a:solidFill>
+                  <a:srgbClr val="000000"/>
+                </a:solidFill>
+                <a:effectLst/>
+                <a:uLnTx/>
+                <a:uFillTx/>
+                <a:latin typeface="Arial" panose="020B0604020202020204"/>
+                <a:ea typeface="+mn-ea"/>
+                <a:cs typeface="+mn-cs"/>
+              </a:rPr>
+              <a:t>Environment</a:t>
+            </a:r>
+          </a:p>
+        </p:txBody>
+      </p:sp>
+      <p:sp>
+        <p:nvSpPr>
+          <p:cNvPr id="111" name="Rounded Rectangle 71">
+            <a:extLst>
+              <a:ext uri="{FF2B5EF4-FFF2-40B4-BE49-F238E27FC236}">
+                <a16:creationId xmlns:a16="http://schemas.microsoft.com/office/drawing/2014/main" id="{A563F05D-0B34-49B3-95BC-A29A7E86DC84}"/>
+              </a:ext>
+            </a:extLst>
+          </p:cNvPr>
+          <p:cNvSpPr/>
+          <p:nvPr/>
+        </p:nvSpPr>
+        <p:spPr>
+          <a:xfrm>
+            <a:off x="744279" y="3130194"/>
+            <a:ext cx="10037136" cy="2217983"/>
+          </a:xfrm>
+          <a:prstGeom prst="roundRect">
+            <a:avLst>
+              <a:gd name="adj" fmla="val 7368"/>
+            </a:avLst>
+          </a:prstGeom>
+          <a:noFill/>
+          <a:ln w="19050" cap="flat" cmpd="sng" algn="ctr">
+            <a:solidFill>
+              <a:srgbClr val="E4551F"/>
+            </a:solidFill>
+            <a:prstDash val="solid"/>
+          </a:ln>
+          <a:effectLst/>
+        </p:spPr>
+        <p:txBody>
+          <a:bodyPr rtlCol="0" anchor="b"/>
+          <a:lstStyle/>
+          <a:p>
+            <a:pPr marL="0" marR="0" lvl="0" indent="0" defTabSz="914400" eaLnBrk="1" fontAlgn="auto" latinLnBrk="0" hangingPunct="1">
+              <a:lnSpc>
+                <a:spcPct val="100000"/>
+              </a:lnSpc>
+              <a:spcBef>
+                <a:spcPts val="0"/>
+              </a:spcBef>
+              <a:spcAft>
+                <a:spcPts val="0"/>
+              </a:spcAft>
+              <a:buClrTx/>
+              <a:buSzTx/>
+              <a:buFontTx/>
+              <a:buNone/>
+              <a:tabLst/>
+              <a:defRPr/>
+            </a:pPr>
+            <a:r>
+              <a:rPr kumimoji="0" lang="en-US" sz="1800" b="0" i="0" u="none" strike="noStrike" kern="0" cap="none" spc="0" normalizeH="0" baseline="0" noProof="0" dirty="0">
+                <a:ln>
+                  <a:noFill/>
+                </a:ln>
+                <a:solidFill>
+                  <a:srgbClr val="000000"/>
+                </a:solidFill>
+                <a:effectLst/>
+                <a:uLnTx/>
+                <a:uFillTx/>
+                <a:latin typeface="Arial" panose="020B0604020202020204"/>
+                <a:ea typeface="+mn-ea"/>
+                <a:cs typeface="+mn-cs"/>
+              </a:rPr>
+              <a:t>High-Assurance </a:t>
+            </a:r>
+          </a:p>
+          <a:p>
+            <a:pPr marL="0" marR="0" lvl="0" indent="0" defTabSz="914400" eaLnBrk="1" fontAlgn="auto" latinLnBrk="0" hangingPunct="1">
+              <a:lnSpc>
+                <a:spcPct val="100000"/>
+              </a:lnSpc>
+              <a:spcBef>
+                <a:spcPts val="0"/>
+              </a:spcBef>
+              <a:spcAft>
+                <a:spcPts val="0"/>
+              </a:spcAft>
+              <a:buClrTx/>
+              <a:buSzTx/>
+              <a:buFontTx/>
+              <a:buNone/>
+              <a:tabLst/>
+              <a:defRPr/>
+            </a:pPr>
+            <a:r>
+              <a:rPr kumimoji="0" lang="en-US" sz="1800" b="0" i="0" u="none" strike="noStrike" kern="0" cap="none" spc="0" normalizeH="0" baseline="0" noProof="0" dirty="0">
+                <a:ln>
+                  <a:noFill/>
+                </a:ln>
+                <a:solidFill>
+                  <a:srgbClr val="000000"/>
+                </a:solidFill>
+                <a:effectLst/>
+                <a:uLnTx/>
+                <a:uFillTx/>
+                <a:latin typeface="Arial" panose="020B0604020202020204"/>
+                <a:ea typeface="+mn-ea"/>
+                <a:cs typeface="+mn-cs"/>
+              </a:rPr>
+              <a:t>Code Generation</a:t>
+            </a:r>
+          </a:p>
+          <a:p>
+            <a:pPr marL="0" marR="0" lvl="0" indent="0" defTabSz="914400" eaLnBrk="1" fontAlgn="auto" latinLnBrk="0" hangingPunct="1">
+              <a:lnSpc>
+                <a:spcPct val="100000"/>
+              </a:lnSpc>
+              <a:spcBef>
+                <a:spcPts val="0"/>
+              </a:spcBef>
+              <a:spcAft>
+                <a:spcPts val="0"/>
+              </a:spcAft>
+              <a:buClrTx/>
+              <a:buSzTx/>
+              <a:buFontTx/>
+              <a:buNone/>
+              <a:tabLst/>
+              <a:defRPr/>
+            </a:pPr>
+            <a:r>
+              <a:rPr kumimoji="0" lang="en-US" sz="1800" b="0" i="0" u="none" strike="noStrike" kern="0" cap="none" spc="0" normalizeH="0" baseline="0" noProof="0" dirty="0">
+                <a:ln>
+                  <a:noFill/>
+                </a:ln>
+                <a:solidFill>
+                  <a:srgbClr val="000000"/>
+                </a:solidFill>
+                <a:effectLst/>
+                <a:uLnTx/>
+                <a:uFillTx/>
+                <a:latin typeface="Arial" panose="020B0604020202020204"/>
+                <a:ea typeface="+mn-ea"/>
+                <a:cs typeface="+mn-cs"/>
+              </a:rPr>
+              <a:t>Tools</a:t>
+            </a:r>
+          </a:p>
+        </p:txBody>
+      </p:sp>
+      <p:cxnSp>
+        <p:nvCxnSpPr>
+          <p:cNvPr id="112" name="Straight Arrow Connector 111">
+            <a:extLst>
+              <a:ext uri="{FF2B5EF4-FFF2-40B4-BE49-F238E27FC236}">
+                <a16:creationId xmlns:a16="http://schemas.microsoft.com/office/drawing/2014/main" id="{380F575F-BFF8-4D1E-BE6B-1E0BE563EF02}"/>
+              </a:ext>
+            </a:extLst>
+          </p:cNvPr>
+          <p:cNvCxnSpPr>
+            <a:stCxn id="71" idx="3"/>
+          </p:cNvCxnSpPr>
+          <p:nvPr/>
+        </p:nvCxnSpPr>
+        <p:spPr>
+          <a:xfrm>
+            <a:off x="6314782" y="3548999"/>
+            <a:ext cx="1678836" cy="0"/>
+          </a:xfrm>
+          <a:prstGeom prst="straightConnector1">
+            <a:avLst/>
+          </a:prstGeom>
+          <a:noFill/>
+          <a:ln w="12700" cap="flat" cmpd="sng" algn="ctr">
+            <a:solidFill>
+              <a:srgbClr val="000000"/>
+            </a:solidFill>
+            <a:prstDash val="solid"/>
+            <a:headEnd type="none" w="med" len="med"/>
+            <a:tailEnd type="arrow" w="med" len="med"/>
+          </a:ln>
+          <a:effectLst/>
+        </p:spPr>
+      </p:cxnSp>
+      <p:cxnSp>
+        <p:nvCxnSpPr>
+          <p:cNvPr id="113" name="Straight Arrow Connector 112">
+            <a:extLst>
+              <a:ext uri="{FF2B5EF4-FFF2-40B4-BE49-F238E27FC236}">
+                <a16:creationId xmlns:a16="http://schemas.microsoft.com/office/drawing/2014/main" id="{BE44C490-C780-4F1B-A181-807A09ED5996}"/>
+              </a:ext>
+            </a:extLst>
+          </p:cNvPr>
+          <p:cNvCxnSpPr/>
+          <p:nvPr/>
+        </p:nvCxnSpPr>
+        <p:spPr>
+          <a:xfrm>
+            <a:off x="6858000" y="1866900"/>
+            <a:ext cx="0" cy="238430"/>
+          </a:xfrm>
+          <a:prstGeom prst="straightConnector1">
+            <a:avLst/>
+          </a:prstGeom>
+          <a:noFill/>
+          <a:ln w="12700" cap="flat" cmpd="sng" algn="ctr">
+            <a:solidFill>
+              <a:srgbClr val="000000"/>
+            </a:solidFill>
+            <a:prstDash val="solid"/>
+            <a:headEnd type="arrow" w="med" len="med"/>
+            <a:tailEnd type="none" w="med" len="med"/>
+          </a:ln>
+          <a:effectLst/>
+        </p:spPr>
+      </p:cxnSp>
+    </p:spTree>
+    <p:extLst>
+      <p:ext uri="{BB962C8B-B14F-4D97-AF65-F5344CB8AC3E}">
+        <p14:creationId xmlns:p14="http://schemas.microsoft.com/office/powerpoint/2010/main" val="3750336957"/>
+      </p:ext>
+    </p:extLst>
+  </p:cSld>
+  <p:clrMapOvr>
+    <a:masterClrMapping/>
+  </p:clrMapOvr>
+  <p:timing>
+    <p:tnLst>
+      <p:par>
+        <p:cTn id="1" dur="indefinite" restart="never" nodeType="tmRoot">
+          <p:childTnLst>
+            <p:seq concurrent="1" nextAc="seek">
+              <p:cTn id="2" dur="indefinite" nodeType="mainSeq">
+                <p:childTnLst>
+                  <p:par>
+                    <p:cTn id="3" fill="hold">
+                      <p:stCondLst>
+                        <p:cond delay="indefinite"/>
+                        <p:cond evt="onBegin" delay="0">
+                          <p:tn val="2"/>
+                        </p:cond>
+                      </p:stCondLst>
+                      <p:childTnLst>
+                        <p:par>
+                          <p:cTn id="4" fill="hold">
+                            <p:stCondLst>
+                              <p:cond delay="0"/>
+                            </p:stCondLst>
+                            <p:childTnLst>
+                              <p:par>
+                                <p:cTn id="5" presetID="2" presetClass="entr" presetSubtype="2" fill="hold" grpId="0" nodeType="afterEffect">
+                                  <p:stCondLst>
+                                    <p:cond delay="1000"/>
+                                  </p:stCondLst>
+                                  <p:childTnLst>
+                                    <p:set>
+                                      <p:cBhvr>
+                                        <p:cTn id="6" dur="1" fill="hold">
+                                          <p:stCondLst>
+                                            <p:cond delay="0"/>
+                                          </p:stCondLst>
+                                        </p:cTn>
+                                        <p:tgtEl>
+                                          <p:spTgt spid="110"/>
+                                        </p:tgtEl>
+                                        <p:attrNameLst>
+                                          <p:attrName>style.visibility</p:attrName>
+                                        </p:attrNameLst>
+                                      </p:cBhvr>
+                                      <p:to>
+                                        <p:strVal val="visible"/>
+                                      </p:to>
+                                    </p:set>
+                                    <p:anim calcmode="lin" valueType="num">
+                                      <p:cBhvr additive="base">
+                                        <p:cTn id="7" dur="500" fill="hold"/>
+                                        <p:tgtEl>
+                                          <p:spTgt spid="110"/>
+                                        </p:tgtEl>
+                                        <p:attrNameLst>
+                                          <p:attrName>ppt_x</p:attrName>
+                                        </p:attrNameLst>
+                                      </p:cBhvr>
+                                      <p:tavLst>
+                                        <p:tav tm="0">
+                                          <p:val>
+                                            <p:strVal val="1+#ppt_w/2"/>
+                                          </p:val>
+                                        </p:tav>
+                                        <p:tav tm="100000">
+                                          <p:val>
+                                            <p:strVal val="#ppt_x"/>
+                                          </p:val>
+                                        </p:tav>
+                                      </p:tavLst>
+                                    </p:anim>
+                                    <p:anim calcmode="lin" valueType="num">
+                                      <p:cBhvr additive="base">
+                                        <p:cTn id="8" dur="500" fill="hold"/>
+                                        <p:tgtEl>
+                                          <p:spTgt spid="110"/>
+                                        </p:tgtEl>
+                                        <p:attrNameLst>
+                                          <p:attrName>ppt_y</p:attrName>
+                                        </p:attrNameLst>
+                                      </p:cBhvr>
+                                      <p:tavLst>
+                                        <p:tav tm="0">
+                                          <p:val>
+                                            <p:strVal val="#ppt_y"/>
+                                          </p:val>
+                                        </p:tav>
+                                        <p:tav tm="100000">
+                                          <p:val>
+                                            <p:strVal val="#ppt_y"/>
+                                          </p:val>
+                                        </p:tav>
+                                      </p:tavLst>
+                                    </p:anim>
+                                  </p:childTnLst>
+                                </p:cTn>
+                              </p:par>
+                            </p:childTnLst>
+                          </p:cTn>
+                        </p:par>
+                        <p:par>
+                          <p:cTn id="9" fill="hold">
+                            <p:stCondLst>
+                              <p:cond delay="1500"/>
+                            </p:stCondLst>
+                            <p:childTnLst>
+                              <p:par>
+                                <p:cTn id="10" presetID="2" presetClass="entr" presetSubtype="2" fill="hold" grpId="0" nodeType="afterEffect">
+                                  <p:stCondLst>
+                                    <p:cond delay="1000"/>
+                                  </p:stCondLst>
+                                  <p:childTnLst>
+                                    <p:set>
+                                      <p:cBhvr>
+                                        <p:cTn id="11" dur="1" fill="hold">
+                                          <p:stCondLst>
+                                            <p:cond delay="0"/>
+                                          </p:stCondLst>
+                                        </p:cTn>
+                                        <p:tgtEl>
+                                          <p:spTgt spid="111"/>
+                                        </p:tgtEl>
+                                        <p:attrNameLst>
+                                          <p:attrName>style.visibility</p:attrName>
+                                        </p:attrNameLst>
+                                      </p:cBhvr>
+                                      <p:to>
+                                        <p:strVal val="visible"/>
+                                      </p:to>
+                                    </p:set>
+                                    <p:anim calcmode="lin" valueType="num">
+                                      <p:cBhvr additive="base">
+                                        <p:cTn id="12" dur="500" fill="hold"/>
+                                        <p:tgtEl>
+                                          <p:spTgt spid="111"/>
+                                        </p:tgtEl>
+                                        <p:attrNameLst>
+                                          <p:attrName>ppt_x</p:attrName>
+                                        </p:attrNameLst>
+                                      </p:cBhvr>
+                                      <p:tavLst>
+                                        <p:tav tm="0">
+                                          <p:val>
+                                            <p:strVal val="1+#ppt_w/2"/>
+                                          </p:val>
+                                        </p:tav>
+                                        <p:tav tm="100000">
+                                          <p:val>
+                                            <p:strVal val="#ppt_x"/>
+                                          </p:val>
+                                        </p:tav>
+                                      </p:tavLst>
+                                    </p:anim>
+                                    <p:anim calcmode="lin" valueType="num">
+                                      <p:cBhvr additive="base">
+                                        <p:cTn id="13" dur="500" fill="hold"/>
+                                        <p:tgtEl>
+                                          <p:spTgt spid="111"/>
+                                        </p:tgtEl>
+                                        <p:attrNameLst>
+                                          <p:attrName>ppt_y</p:attrName>
+                                        </p:attrNameLst>
+                                      </p:cBhvr>
+                                      <p:tavLst>
+                                        <p:tav tm="0">
+                                          <p:val>
+                                            <p:strVal val="#ppt_y"/>
+                                          </p:val>
+                                        </p:tav>
+                                        <p:tav tm="100000">
+                                          <p:val>
+                                            <p:strVal val="#ppt_y"/>
+                                          </p:val>
+                                        </p:tav>
+                                      </p:tavLst>
+                                    </p:anim>
+                                  </p:childTnLst>
+                                </p:cTn>
+                              </p:par>
+                            </p:childTnLst>
+                          </p:cTn>
+                        </p:par>
+                      </p:childTnLst>
+                    </p:cTn>
+                  </p:par>
+                </p:childTnLst>
+              </p:cTn>
+              <p:prevCondLst>
+                <p:cond evt="onPrev" delay="0">
+                  <p:tgtEl>
+                    <p:sldTgt/>
+                  </p:tgtEl>
+                </p:cond>
+              </p:prevCondLst>
+              <p:nextCondLst>
+                <p:cond evt="onNext" delay="0">
+                  <p:tgtEl>
+                    <p:sldTgt/>
+                  </p:tgtEl>
+                </p:cond>
+              </p:nextCondLst>
+            </p:seq>
+          </p:childTnLst>
+        </p:cTn>
+      </p:par>
+    </p:tnLst>
+    <p:bldLst>
+      <p:bldP spid="110" grpId="0" animBg="1"/>
+      <p:bldP spid="111" grpId="0" animBg="1"/>
+    </p:bldLst>
+  </p:timing>
+</p:sld>
+</file>
+
+<file path=ppt/slides/slide12.xml><?xml version="1.0" encoding="utf-8"?>
+<p:sld xmlns:a="http://schemas.openxmlformats.org/drawingml/2006/main" xmlns:r="http://schemas.openxmlformats.org/officeDocument/2006/relationships" xmlns:p="http://schemas.openxmlformats.org/presentationml/2006/main">
+  <p:cSld>
+    <p:spTree>
+      <p:nvGrpSpPr>
+        <p:cNvPr id="1" name=""/>
+        <p:cNvGrpSpPr/>
+        <p:nvPr/>
+      </p:nvGrpSpPr>
+      <p:grpSpPr>
+        <a:xfrm>
+          <a:off x="0" y="0"/>
+          <a:ext cx="0" cy="0"/>
+          <a:chOff x="0" y="0"/>
+          <a:chExt cx="0" cy="0"/>
+        </a:xfrm>
+      </p:grpSpPr>
+      <p:sp>
+        <p:nvSpPr>
+          <p:cNvPr id="60" name="Rounded Rectangle 3">
+            <a:extLst>
+              <a:ext uri="{FF2B5EF4-FFF2-40B4-BE49-F238E27FC236}">
+                <a16:creationId xmlns:a16="http://schemas.microsoft.com/office/drawing/2014/main" id="{FE624042-07D2-4DF4-9D60-2A9B441F1BE0}"/>
+              </a:ext>
+            </a:extLst>
+          </p:cNvPr>
+          <p:cNvSpPr/>
+          <p:nvPr/>
+        </p:nvSpPr>
+        <p:spPr>
+          <a:xfrm>
+            <a:off x="1523194" y="1243472"/>
+            <a:ext cx="8283280" cy="1681317"/>
+          </a:xfrm>
+          <a:prstGeom prst="roundRect">
+            <a:avLst>
+              <a:gd name="adj" fmla="val 6667"/>
+            </a:avLst>
+          </a:prstGeom>
+          <a:noFill/>
+          <a:ln w="12700" cap="flat" cmpd="sng" algn="ctr">
+            <a:solidFill>
+              <a:srgbClr val="000000"/>
+            </a:solidFill>
+            <a:prstDash val="dash"/>
+          </a:ln>
+          <a:effectLst/>
+        </p:spPr>
+        <p:txBody>
+          <a:bodyPr rtlCol="0" anchor="t"/>
+          <a:lstStyle/>
+          <a:p>
+            <a:pPr marL="0" marR="0" lvl="0" indent="0" defTabSz="914400" eaLnBrk="1" fontAlgn="auto" latinLnBrk="0" hangingPunct="1">
+              <a:lnSpc>
+                <a:spcPct val="100000"/>
+              </a:lnSpc>
+              <a:spcBef>
+                <a:spcPts val="0"/>
+              </a:spcBef>
+              <a:spcAft>
+                <a:spcPts val="0"/>
+              </a:spcAft>
+              <a:buClrTx/>
+              <a:buSzTx/>
+              <a:buFontTx/>
+              <a:buNone/>
+              <a:tabLst/>
+              <a:defRPr/>
+            </a:pPr>
+            <a:r>
+              <a:rPr kumimoji="0" lang="en-US" sz="1200" b="0" i="0" u="none" strike="noStrike" kern="0" cap="none" spc="0" normalizeH="0" baseline="0" noProof="0" dirty="0">
+                <a:ln>
+                  <a:noFill/>
+                </a:ln>
+                <a:solidFill>
+                  <a:srgbClr val="000000"/>
+                </a:solidFill>
+                <a:effectLst/>
+                <a:uLnTx/>
+                <a:uFillTx/>
+                <a:latin typeface="Arial" panose="020B0604020202020204"/>
+                <a:ea typeface="+mn-ea"/>
+                <a:cs typeface="+mn-cs"/>
+              </a:rPr>
+              <a:t>OSATE</a:t>
+            </a:r>
+          </a:p>
+        </p:txBody>
+      </p:sp>
+      <p:sp>
+        <p:nvSpPr>
+          <p:cNvPr id="61" name="Rectangle 60">
+            <a:extLst>
+              <a:ext uri="{FF2B5EF4-FFF2-40B4-BE49-F238E27FC236}">
+                <a16:creationId xmlns:a16="http://schemas.microsoft.com/office/drawing/2014/main" id="{43BCF27E-FA0B-4588-B8D9-FA4E75F1F0A8}"/>
+              </a:ext>
+            </a:extLst>
+          </p:cNvPr>
+          <p:cNvSpPr/>
+          <p:nvPr/>
+        </p:nvSpPr>
+        <p:spPr>
+          <a:xfrm>
+            <a:off x="2864018" y="1400790"/>
+            <a:ext cx="5919489" cy="471948"/>
+          </a:xfrm>
+          <a:prstGeom prst="rect">
+            <a:avLst/>
+          </a:prstGeom>
+          <a:noFill/>
+          <a:ln w="12700" cap="flat" cmpd="sng" algn="ctr">
+            <a:solidFill>
+              <a:srgbClr val="000000"/>
+            </a:solidFill>
+            <a:prstDash val="solid"/>
+          </a:ln>
+          <a:effectLst/>
+        </p:spPr>
+        <p:txBody>
+          <a:bodyPr rtlCol="0" anchor="t"/>
+          <a:lstStyle/>
+          <a:p>
+            <a:pPr marL="0" marR="0" lvl="0" indent="0" algn="ctr" defTabSz="914400" eaLnBrk="1" fontAlgn="auto" latinLnBrk="0" hangingPunct="1">
+              <a:lnSpc>
+                <a:spcPct val="100000"/>
+              </a:lnSpc>
+              <a:spcBef>
+                <a:spcPts val="0"/>
+              </a:spcBef>
+              <a:spcAft>
+                <a:spcPts val="0"/>
+              </a:spcAft>
+              <a:buClrTx/>
+              <a:buSzTx/>
+              <a:buFontTx/>
+              <a:buNone/>
+              <a:tabLst/>
+              <a:defRPr/>
+            </a:pPr>
+            <a:r>
+              <a:rPr kumimoji="0" lang="en-US" sz="1200" b="0" i="0" u="none" strike="noStrike" kern="0" cap="none" spc="0" normalizeH="0" baseline="0" noProof="0" dirty="0">
+                <a:ln>
+                  <a:noFill/>
+                </a:ln>
+                <a:solidFill>
+                  <a:srgbClr val="000000"/>
+                </a:solidFill>
+                <a:effectLst/>
+                <a:uLnTx/>
+                <a:uFillTx/>
+                <a:latin typeface="Arial" panose="020B0604020202020204"/>
+                <a:ea typeface="+mn-ea"/>
+                <a:cs typeface="+mn-cs"/>
+              </a:rPr>
+              <a:t>AADL model</a:t>
+            </a:r>
+          </a:p>
+        </p:txBody>
+      </p:sp>
+      <p:sp>
+        <p:nvSpPr>
+          <p:cNvPr id="62" name="Rounded Rectangle 6">
+            <a:extLst>
+              <a:ext uri="{FF2B5EF4-FFF2-40B4-BE49-F238E27FC236}">
+                <a16:creationId xmlns:a16="http://schemas.microsoft.com/office/drawing/2014/main" id="{74978FFF-7237-458A-8E97-66F4CB4E910C}"/>
+              </a:ext>
+            </a:extLst>
+          </p:cNvPr>
+          <p:cNvSpPr/>
+          <p:nvPr/>
+        </p:nvSpPr>
+        <p:spPr>
+          <a:xfrm>
+            <a:off x="2864018" y="2111168"/>
+            <a:ext cx="994914" cy="663676"/>
+          </a:xfrm>
+          <a:prstGeom prst="roundRect">
+            <a:avLst>
+              <a:gd name="adj" fmla="val 13390"/>
+            </a:avLst>
+          </a:prstGeom>
+          <a:solidFill>
+            <a:srgbClr val="D6EDBD"/>
+          </a:solidFill>
+          <a:ln w="12700" cap="flat" cmpd="sng" algn="ctr">
+            <a:solidFill>
+              <a:srgbClr val="000000"/>
+            </a:solidFill>
+            <a:prstDash val="solid"/>
+          </a:ln>
+          <a:effectLst/>
+        </p:spPr>
+        <p:txBody>
+          <a:bodyPr rtlCol="0" anchor="t"/>
+          <a:lstStyle/>
+          <a:p>
+            <a:pPr marL="0" marR="0" lvl="0" indent="0" algn="ctr" defTabSz="914400" eaLnBrk="1" fontAlgn="auto" latinLnBrk="0" hangingPunct="1">
+              <a:lnSpc>
+                <a:spcPct val="100000"/>
+              </a:lnSpc>
+              <a:spcBef>
+                <a:spcPts val="0"/>
+              </a:spcBef>
+              <a:spcAft>
+                <a:spcPts val="0"/>
+              </a:spcAft>
+              <a:buClrTx/>
+              <a:buSzTx/>
+              <a:buFontTx/>
+              <a:buNone/>
+              <a:tabLst/>
+              <a:defRPr/>
+            </a:pPr>
+            <a:r>
+              <a:rPr kumimoji="0" lang="en-US" sz="1200" b="0" i="0" u="none" strike="noStrike" kern="0" cap="none" spc="0" normalizeH="0" baseline="0" noProof="0" dirty="0">
+                <a:ln>
+                  <a:noFill/>
+                </a:ln>
+                <a:solidFill>
+                  <a:srgbClr val="000000"/>
+                </a:solidFill>
+                <a:effectLst/>
+                <a:uLnTx/>
+                <a:uFillTx/>
+                <a:latin typeface="Arial" panose="020B0604020202020204"/>
+                <a:ea typeface="+mn-ea"/>
+                <a:cs typeface="+mn-cs"/>
+              </a:rPr>
+              <a:t>HAMR</a:t>
+            </a:r>
+          </a:p>
+        </p:txBody>
+      </p:sp>
+      <p:cxnSp>
+        <p:nvCxnSpPr>
+          <p:cNvPr id="63" name="Straight Arrow Connector 62">
+            <a:extLst>
+              <a:ext uri="{FF2B5EF4-FFF2-40B4-BE49-F238E27FC236}">
+                <a16:creationId xmlns:a16="http://schemas.microsoft.com/office/drawing/2014/main" id="{BEFA455D-7576-4B2A-9919-54716A876357}"/>
+              </a:ext>
+            </a:extLst>
+          </p:cNvPr>
+          <p:cNvCxnSpPr>
+            <a:cxnSpLocks/>
+            <a:endCxn id="62" idx="0"/>
+          </p:cNvCxnSpPr>
+          <p:nvPr/>
+        </p:nvCxnSpPr>
+        <p:spPr>
+          <a:xfrm>
+            <a:off x="3361475" y="1866900"/>
+            <a:ext cx="0" cy="244268"/>
+          </a:xfrm>
+          <a:prstGeom prst="straightConnector1">
+            <a:avLst/>
+          </a:prstGeom>
+          <a:noFill/>
+          <a:ln w="12700" cap="flat" cmpd="sng" algn="ctr">
+            <a:solidFill>
+              <a:srgbClr val="000000"/>
+            </a:solidFill>
+            <a:prstDash val="solid"/>
+            <a:headEnd type="none" w="med" len="med"/>
+            <a:tailEnd type="arrow" w="med" len="med"/>
+          </a:ln>
+          <a:effectLst/>
+        </p:spPr>
+      </p:cxnSp>
+      <p:sp>
+        <p:nvSpPr>
+          <p:cNvPr id="64" name="Rounded Rectangle 12">
+            <a:extLst>
+              <a:ext uri="{FF2B5EF4-FFF2-40B4-BE49-F238E27FC236}">
+                <a16:creationId xmlns:a16="http://schemas.microsoft.com/office/drawing/2014/main" id="{8A53815B-DB3F-4A32-B112-B811B8FF3EDF}"/>
+              </a:ext>
+            </a:extLst>
+          </p:cNvPr>
+          <p:cNvSpPr/>
+          <p:nvPr/>
+        </p:nvSpPr>
+        <p:spPr>
+          <a:xfrm>
+            <a:off x="5563700" y="2111168"/>
+            <a:ext cx="1408110" cy="663676"/>
+          </a:xfrm>
+          <a:prstGeom prst="roundRect">
+            <a:avLst>
+              <a:gd name="adj" fmla="val 13390"/>
+            </a:avLst>
+          </a:prstGeom>
+          <a:solidFill>
+            <a:srgbClr val="D6EDBD"/>
+          </a:solidFill>
+          <a:ln w="12700" cap="flat" cmpd="sng" algn="ctr">
+            <a:solidFill>
+              <a:srgbClr val="000000"/>
+            </a:solidFill>
+            <a:prstDash val="solid"/>
+          </a:ln>
+          <a:effectLst/>
+        </p:spPr>
+        <p:txBody>
+          <a:bodyPr lIns="0" tIns="0" rIns="0" bIns="0" rtlCol="0" anchor="t"/>
+          <a:lstStyle/>
+          <a:p>
+            <a:pPr marL="0" marR="0" lvl="0" indent="0" algn="ctr" defTabSz="914400" eaLnBrk="1" fontAlgn="auto" latinLnBrk="0" hangingPunct="1">
+              <a:lnSpc>
+                <a:spcPct val="100000"/>
+              </a:lnSpc>
+              <a:spcBef>
+                <a:spcPts val="0"/>
+              </a:spcBef>
+              <a:spcAft>
+                <a:spcPts val="0"/>
+              </a:spcAft>
+              <a:buClrTx/>
+              <a:buSzTx/>
+              <a:buFontTx/>
+              <a:buNone/>
+              <a:tabLst/>
+              <a:defRPr/>
+            </a:pPr>
+            <a:r>
+              <a:rPr kumimoji="0" lang="en-US" sz="1200" b="0" i="0" u="none" strike="noStrike" kern="0" cap="none" spc="0" normalizeH="0" baseline="0" noProof="0" dirty="0">
+                <a:ln>
+                  <a:noFill/>
+                </a:ln>
+                <a:solidFill>
+                  <a:srgbClr val="000000"/>
+                </a:solidFill>
+                <a:effectLst/>
+                <a:uLnTx/>
+                <a:uFillTx/>
+                <a:latin typeface="Arial" panose="020B0604020202020204"/>
+                <a:ea typeface="+mn-ea"/>
+                <a:cs typeface="+mn-cs"/>
+              </a:rPr>
+              <a:t>Cyber Transformations</a:t>
+            </a:r>
+          </a:p>
+        </p:txBody>
+      </p:sp>
+      <p:sp>
+        <p:nvSpPr>
+          <p:cNvPr id="65" name="Rounded Rectangle 13">
+            <a:extLst>
+              <a:ext uri="{FF2B5EF4-FFF2-40B4-BE49-F238E27FC236}">
+                <a16:creationId xmlns:a16="http://schemas.microsoft.com/office/drawing/2014/main" id="{8586F126-C46A-44DC-8663-26C64309FCCA}"/>
+              </a:ext>
+            </a:extLst>
+          </p:cNvPr>
+          <p:cNvSpPr/>
+          <p:nvPr/>
+        </p:nvSpPr>
+        <p:spPr>
+          <a:xfrm>
+            <a:off x="7237880" y="2111168"/>
+            <a:ext cx="1320784" cy="306366"/>
+          </a:xfrm>
+          <a:prstGeom prst="roundRect">
+            <a:avLst>
+              <a:gd name="adj" fmla="val 13390"/>
+            </a:avLst>
+          </a:prstGeom>
+          <a:solidFill>
+            <a:srgbClr val="D6EDBD"/>
+          </a:solidFill>
+          <a:ln w="12700" cap="flat" cmpd="sng" algn="ctr">
+            <a:solidFill>
+              <a:srgbClr val="000000"/>
+            </a:solidFill>
+            <a:prstDash val="solid"/>
+          </a:ln>
+          <a:effectLst/>
+        </p:spPr>
+        <p:txBody>
+          <a:bodyPr rtlCol="0" anchor="t"/>
+          <a:lstStyle/>
+          <a:p>
+            <a:pPr marL="0" marR="0" lvl="0" indent="0" algn="ctr" defTabSz="914400" eaLnBrk="1" fontAlgn="auto" latinLnBrk="0" hangingPunct="1">
+              <a:lnSpc>
+                <a:spcPct val="100000"/>
+              </a:lnSpc>
+              <a:spcBef>
+                <a:spcPts val="0"/>
+              </a:spcBef>
+              <a:spcAft>
+                <a:spcPts val="0"/>
+              </a:spcAft>
+              <a:buClrTx/>
+              <a:buSzTx/>
+              <a:buFontTx/>
+              <a:buNone/>
+              <a:tabLst/>
+              <a:defRPr/>
+            </a:pPr>
+            <a:r>
+              <a:rPr kumimoji="0" lang="en-US" sz="1200" b="0" i="0" u="none" strike="noStrike" kern="0" cap="none" spc="0" normalizeH="0" baseline="0" noProof="0" dirty="0">
+                <a:ln>
+                  <a:noFill/>
+                </a:ln>
+                <a:solidFill>
+                  <a:srgbClr val="000000"/>
+                </a:solidFill>
+                <a:effectLst/>
+                <a:uLnTx/>
+                <a:uFillTx/>
+                <a:latin typeface="Arial" panose="020B0604020202020204"/>
+                <a:ea typeface="+mn-ea"/>
+                <a:cs typeface="+mn-cs"/>
+              </a:rPr>
+              <a:t>AGREE</a:t>
+            </a:r>
+          </a:p>
+        </p:txBody>
+      </p:sp>
+      <p:sp>
+        <p:nvSpPr>
+          <p:cNvPr id="66" name="Rounded Rectangle 14">
+            <a:extLst>
+              <a:ext uri="{FF2B5EF4-FFF2-40B4-BE49-F238E27FC236}">
+                <a16:creationId xmlns:a16="http://schemas.microsoft.com/office/drawing/2014/main" id="{7460D3A4-6490-4FA8-8575-657F977C5245}"/>
+              </a:ext>
+            </a:extLst>
+          </p:cNvPr>
+          <p:cNvSpPr/>
+          <p:nvPr/>
+        </p:nvSpPr>
+        <p:spPr>
+          <a:xfrm>
+            <a:off x="7237880" y="2468478"/>
+            <a:ext cx="1320784" cy="306366"/>
+          </a:xfrm>
+          <a:prstGeom prst="roundRect">
+            <a:avLst>
+              <a:gd name="adj" fmla="val 13390"/>
+            </a:avLst>
+          </a:prstGeom>
+          <a:solidFill>
+            <a:srgbClr val="D6EDBD"/>
+          </a:solidFill>
+          <a:ln w="12700" cap="flat" cmpd="sng" algn="ctr">
+            <a:solidFill>
+              <a:srgbClr val="000000"/>
+            </a:solidFill>
+            <a:prstDash val="solid"/>
+          </a:ln>
+          <a:effectLst/>
+        </p:spPr>
+        <p:txBody>
+          <a:bodyPr rtlCol="0" anchor="t"/>
+          <a:lstStyle/>
+          <a:p>
+            <a:pPr marL="0" marR="0" lvl="0" indent="0" algn="ctr" defTabSz="914400" eaLnBrk="1" fontAlgn="auto" latinLnBrk="0" hangingPunct="1">
+              <a:lnSpc>
+                <a:spcPct val="100000"/>
+              </a:lnSpc>
+              <a:spcBef>
+                <a:spcPts val="0"/>
+              </a:spcBef>
+              <a:spcAft>
+                <a:spcPts val="0"/>
+              </a:spcAft>
+              <a:buClrTx/>
+              <a:buSzTx/>
+              <a:buFontTx/>
+              <a:buNone/>
+              <a:tabLst/>
+              <a:defRPr/>
+            </a:pPr>
+            <a:r>
+              <a:rPr kumimoji="0" lang="en-US" sz="1200" b="0" i="0" u="none" strike="noStrike" kern="0" cap="none" spc="0" normalizeH="0" baseline="0" noProof="0" dirty="0">
+                <a:ln>
+                  <a:noFill/>
+                </a:ln>
+                <a:solidFill>
+                  <a:srgbClr val="000000"/>
+                </a:solidFill>
+                <a:effectLst/>
+                <a:uLnTx/>
+                <a:uFillTx/>
+                <a:latin typeface="Arial" panose="020B0604020202020204"/>
+                <a:ea typeface="+mn-ea"/>
+                <a:cs typeface="+mn-cs"/>
+              </a:rPr>
+              <a:t>Resolute</a:t>
+            </a:r>
+          </a:p>
+        </p:txBody>
+      </p:sp>
+      <p:cxnSp>
+        <p:nvCxnSpPr>
+          <p:cNvPr id="67" name="Straight Arrow Connector 66">
+            <a:extLst>
+              <a:ext uri="{FF2B5EF4-FFF2-40B4-BE49-F238E27FC236}">
+                <a16:creationId xmlns:a16="http://schemas.microsoft.com/office/drawing/2014/main" id="{0E1D2B94-D4D6-421F-AEC6-F4BF80F240F0}"/>
+              </a:ext>
+            </a:extLst>
+          </p:cNvPr>
+          <p:cNvCxnSpPr>
+            <a:cxnSpLocks/>
+            <a:endCxn id="65" idx="0"/>
+          </p:cNvCxnSpPr>
+          <p:nvPr/>
+        </p:nvCxnSpPr>
+        <p:spPr>
+          <a:xfrm>
+            <a:off x="7898273" y="1875191"/>
+            <a:ext cx="0" cy="235977"/>
+          </a:xfrm>
+          <a:prstGeom prst="straightConnector1">
+            <a:avLst/>
+          </a:prstGeom>
+          <a:noFill/>
+          <a:ln w="12700" cap="flat" cmpd="sng" algn="ctr">
+            <a:solidFill>
+              <a:srgbClr val="000000"/>
+            </a:solidFill>
+            <a:prstDash val="solid"/>
+            <a:headEnd type="none" w="med" len="med"/>
+            <a:tailEnd type="arrow" w="med" len="med"/>
+          </a:ln>
+          <a:effectLst/>
+        </p:spPr>
+      </p:cxnSp>
+      <p:cxnSp>
+        <p:nvCxnSpPr>
+          <p:cNvPr id="68" name="Straight Arrow Connector 67">
+            <a:extLst>
+              <a:ext uri="{FF2B5EF4-FFF2-40B4-BE49-F238E27FC236}">
+                <a16:creationId xmlns:a16="http://schemas.microsoft.com/office/drawing/2014/main" id="{795CDE83-07D7-4A17-8D9F-54F36D6F22E7}"/>
+              </a:ext>
+            </a:extLst>
+          </p:cNvPr>
+          <p:cNvCxnSpPr/>
+          <p:nvPr/>
+        </p:nvCxnSpPr>
+        <p:spPr>
+          <a:xfrm flipH="1">
+            <a:off x="6957015" y="2264351"/>
+            <a:ext cx="267695" cy="0"/>
+          </a:xfrm>
+          <a:prstGeom prst="straightConnector1">
+            <a:avLst/>
+          </a:prstGeom>
+          <a:noFill/>
+          <a:ln w="12700" cap="flat" cmpd="sng" algn="ctr">
+            <a:solidFill>
+              <a:srgbClr val="000000"/>
+            </a:solidFill>
+            <a:prstDash val="solid"/>
+            <a:headEnd type="arrow" w="med" len="med"/>
+            <a:tailEnd type="none" w="med" len="med"/>
+          </a:ln>
+          <a:effectLst/>
+        </p:spPr>
+      </p:cxnSp>
+      <p:cxnSp>
+        <p:nvCxnSpPr>
+          <p:cNvPr id="69" name="Straight Arrow Connector 68">
+            <a:extLst>
+              <a:ext uri="{FF2B5EF4-FFF2-40B4-BE49-F238E27FC236}">
+                <a16:creationId xmlns:a16="http://schemas.microsoft.com/office/drawing/2014/main" id="{8F5AB737-40B7-4B38-9882-7F986E9FA9DE}"/>
+              </a:ext>
+            </a:extLst>
+          </p:cNvPr>
+          <p:cNvCxnSpPr/>
+          <p:nvPr/>
+        </p:nvCxnSpPr>
+        <p:spPr>
+          <a:xfrm flipH="1">
+            <a:off x="6957015" y="2621661"/>
+            <a:ext cx="267695" cy="0"/>
+          </a:xfrm>
+          <a:prstGeom prst="straightConnector1">
+            <a:avLst/>
+          </a:prstGeom>
+          <a:noFill/>
+          <a:ln w="12700" cap="flat" cmpd="sng" algn="ctr">
+            <a:solidFill>
+              <a:srgbClr val="000000"/>
+            </a:solidFill>
+            <a:prstDash val="solid"/>
+            <a:headEnd type="arrow" w="med" len="med"/>
+            <a:tailEnd type="none" w="med" len="med"/>
+          </a:ln>
+          <a:effectLst/>
+        </p:spPr>
+      </p:cxnSp>
+      <p:cxnSp>
+        <p:nvCxnSpPr>
+          <p:cNvPr id="70" name="Straight Arrow Connector 69">
+            <a:extLst>
+              <a:ext uri="{FF2B5EF4-FFF2-40B4-BE49-F238E27FC236}">
+                <a16:creationId xmlns:a16="http://schemas.microsoft.com/office/drawing/2014/main" id="{5F481ED9-6271-47B9-8D9F-6637E1171FA7}"/>
+              </a:ext>
+            </a:extLst>
+          </p:cNvPr>
+          <p:cNvCxnSpPr>
+            <a:cxnSpLocks/>
+          </p:cNvCxnSpPr>
+          <p:nvPr/>
+        </p:nvCxnSpPr>
+        <p:spPr>
+          <a:xfrm>
+            <a:off x="5969173" y="1866900"/>
+            <a:ext cx="0" cy="244268"/>
+          </a:xfrm>
+          <a:prstGeom prst="straightConnector1">
+            <a:avLst/>
+          </a:prstGeom>
+          <a:noFill/>
+          <a:ln w="12700" cap="flat" cmpd="sng" algn="ctr">
+            <a:solidFill>
+              <a:srgbClr val="000000"/>
+            </a:solidFill>
+            <a:prstDash val="solid"/>
+            <a:headEnd type="none" w="med" len="med"/>
+            <a:tailEnd type="arrow" w="med" len="med"/>
+          </a:ln>
+          <a:effectLst/>
+        </p:spPr>
+      </p:cxnSp>
+      <p:sp>
+        <p:nvSpPr>
+          <p:cNvPr id="71" name="Rounded Rectangle 45">
+            <a:extLst>
+              <a:ext uri="{FF2B5EF4-FFF2-40B4-BE49-F238E27FC236}">
+                <a16:creationId xmlns:a16="http://schemas.microsoft.com/office/drawing/2014/main" id="{B947BB66-EBBB-466E-8B71-D767F6987FE3}"/>
+              </a:ext>
+            </a:extLst>
+          </p:cNvPr>
+          <p:cNvSpPr/>
+          <p:nvPr/>
+        </p:nvSpPr>
+        <p:spPr>
+          <a:xfrm>
+            <a:off x="5595245" y="3263456"/>
+            <a:ext cx="1361768" cy="687574"/>
+          </a:xfrm>
+          <a:prstGeom prst="roundRect">
+            <a:avLst>
+              <a:gd name="adj" fmla="val 13390"/>
+            </a:avLst>
+          </a:prstGeom>
+          <a:solidFill>
+            <a:srgbClr val="D6EDBD"/>
+          </a:solidFill>
+          <a:ln w="12700" cap="flat" cmpd="sng" algn="ctr">
+            <a:solidFill>
+              <a:srgbClr val="000000"/>
+            </a:solidFill>
+            <a:prstDash val="solid"/>
+          </a:ln>
+          <a:effectLst/>
+        </p:spPr>
+        <p:txBody>
+          <a:bodyPr rtlCol="0" anchor="t"/>
+          <a:lstStyle/>
+          <a:p>
+            <a:pPr marL="0" marR="0" lvl="0" indent="0" algn="ctr" defTabSz="914400" eaLnBrk="1" fontAlgn="auto" latinLnBrk="0" hangingPunct="1">
+              <a:lnSpc>
+                <a:spcPct val="100000"/>
+              </a:lnSpc>
+              <a:spcBef>
+                <a:spcPts val="0"/>
+              </a:spcBef>
+              <a:spcAft>
+                <a:spcPts val="0"/>
+              </a:spcAft>
+              <a:buClrTx/>
+              <a:buSzTx/>
+              <a:buFontTx/>
+              <a:buNone/>
+              <a:tabLst/>
+              <a:defRPr/>
+            </a:pPr>
+            <a:r>
+              <a:rPr kumimoji="0" lang="en-US" sz="1200" b="0" i="0" u="none" strike="noStrike" kern="0" cap="none" spc="0" normalizeH="0" baseline="0" noProof="0" dirty="0">
+                <a:ln>
+                  <a:noFill/>
+                </a:ln>
+                <a:solidFill>
+                  <a:srgbClr val="000000"/>
+                </a:solidFill>
+                <a:effectLst/>
+                <a:uLnTx/>
+                <a:uFillTx/>
+                <a:latin typeface="Arial" panose="020B0604020202020204"/>
+                <a:ea typeface="+mn-ea"/>
+                <a:cs typeface="+mn-cs"/>
+              </a:rPr>
+              <a:t>SPLAT</a:t>
+            </a:r>
+          </a:p>
+        </p:txBody>
+      </p:sp>
+      <p:cxnSp>
+        <p:nvCxnSpPr>
+          <p:cNvPr id="72" name="Straight Arrow Connector 71">
+            <a:extLst>
+              <a:ext uri="{FF2B5EF4-FFF2-40B4-BE49-F238E27FC236}">
+                <a16:creationId xmlns:a16="http://schemas.microsoft.com/office/drawing/2014/main" id="{7BE849D1-BF44-4304-9965-F4071BDCFF23}"/>
+              </a:ext>
+            </a:extLst>
+          </p:cNvPr>
+          <p:cNvCxnSpPr>
+            <a:cxnSpLocks/>
+            <a:stCxn id="64" idx="2"/>
+            <a:endCxn id="71" idx="0"/>
+          </p:cNvCxnSpPr>
+          <p:nvPr/>
+        </p:nvCxnSpPr>
+        <p:spPr>
+          <a:xfrm>
+            <a:off x="6267755" y="2774844"/>
+            <a:ext cx="8374" cy="488612"/>
+          </a:xfrm>
+          <a:prstGeom prst="straightConnector1">
+            <a:avLst/>
+          </a:prstGeom>
+          <a:noFill/>
+          <a:ln w="12700" cap="flat" cmpd="sng" algn="ctr">
+            <a:solidFill>
+              <a:srgbClr val="000000"/>
+            </a:solidFill>
+            <a:prstDash val="solid"/>
+            <a:headEnd type="none" w="med" len="med"/>
+            <a:tailEnd type="arrow" w="med" len="med"/>
+          </a:ln>
+          <a:effectLst/>
+        </p:spPr>
+      </p:cxnSp>
+      <p:sp>
+        <p:nvSpPr>
+          <p:cNvPr id="76" name="Rounded Rectangle 59">
+            <a:extLst>
+              <a:ext uri="{FF2B5EF4-FFF2-40B4-BE49-F238E27FC236}">
+                <a16:creationId xmlns:a16="http://schemas.microsoft.com/office/drawing/2014/main" id="{28AF0974-A4AE-4F51-A466-9DF1F093C8A0}"/>
+              </a:ext>
+            </a:extLst>
+          </p:cNvPr>
+          <p:cNvSpPr/>
+          <p:nvPr/>
+        </p:nvSpPr>
+        <p:spPr>
+          <a:xfrm>
+            <a:off x="4115746" y="2111168"/>
+            <a:ext cx="1131524" cy="663676"/>
+          </a:xfrm>
+          <a:prstGeom prst="roundRect">
+            <a:avLst>
+              <a:gd name="adj" fmla="val 13390"/>
+            </a:avLst>
+          </a:prstGeom>
+          <a:solidFill>
+            <a:srgbClr val="D6EDBD"/>
+          </a:solidFill>
+          <a:ln w="12700" cap="flat" cmpd="sng" algn="ctr">
+            <a:solidFill>
+              <a:srgbClr val="000000"/>
+            </a:solidFill>
+            <a:prstDash val="solid"/>
+          </a:ln>
+          <a:effectLst/>
+        </p:spPr>
+        <p:txBody>
+          <a:bodyPr lIns="0" rIns="0" rtlCol="0" anchor="t"/>
+          <a:lstStyle/>
+          <a:p>
+            <a:pPr marL="0" marR="0" lvl="0" indent="0" algn="ctr" defTabSz="914400" eaLnBrk="1" fontAlgn="auto" latinLnBrk="0" hangingPunct="1">
+              <a:lnSpc>
+                <a:spcPct val="100000"/>
+              </a:lnSpc>
+              <a:spcBef>
+                <a:spcPts val="0"/>
+              </a:spcBef>
+              <a:spcAft>
+                <a:spcPts val="0"/>
+              </a:spcAft>
+              <a:buClrTx/>
+              <a:buSzTx/>
+              <a:buFontTx/>
+              <a:buNone/>
+              <a:tabLst/>
+              <a:defRPr/>
+            </a:pPr>
+            <a:r>
+              <a:rPr kumimoji="0" lang="en-US" sz="1200" b="0" i="0" u="none" strike="noStrike" kern="0" cap="none" spc="0" normalizeH="0" baseline="0" noProof="0" dirty="0">
+                <a:ln>
+                  <a:noFill/>
+                </a:ln>
+                <a:solidFill>
+                  <a:srgbClr val="000000"/>
+                </a:solidFill>
+                <a:effectLst/>
+                <a:uLnTx/>
+                <a:uFillTx/>
+                <a:latin typeface="Arial" panose="020B0604020202020204"/>
+                <a:ea typeface="+mn-ea"/>
+                <a:cs typeface="+mn-cs"/>
+              </a:rPr>
+              <a:t>Requirements Analysis</a:t>
+            </a:r>
+          </a:p>
+        </p:txBody>
+      </p:sp>
+      <p:cxnSp>
+        <p:nvCxnSpPr>
+          <p:cNvPr id="78" name="Straight Arrow Connector 77">
+            <a:extLst>
+              <a:ext uri="{FF2B5EF4-FFF2-40B4-BE49-F238E27FC236}">
+                <a16:creationId xmlns:a16="http://schemas.microsoft.com/office/drawing/2014/main" id="{486FD576-3A48-4230-A178-913BACD135C2}"/>
+              </a:ext>
+            </a:extLst>
+          </p:cNvPr>
+          <p:cNvCxnSpPr>
+            <a:cxnSpLocks/>
+            <a:stCxn id="64" idx="1"/>
+            <a:endCxn id="76" idx="3"/>
+          </p:cNvCxnSpPr>
+          <p:nvPr/>
+        </p:nvCxnSpPr>
+        <p:spPr>
+          <a:xfrm flipH="1">
+            <a:off x="5247270" y="2443006"/>
+            <a:ext cx="316430" cy="0"/>
+          </a:xfrm>
+          <a:prstGeom prst="straightConnector1">
+            <a:avLst/>
+          </a:prstGeom>
+          <a:noFill/>
+          <a:ln w="12700" cap="flat" cmpd="sng" algn="ctr">
+            <a:solidFill>
+              <a:srgbClr val="000000"/>
+            </a:solidFill>
+            <a:prstDash val="solid"/>
+            <a:headEnd type="arrow" w="med" len="med"/>
+            <a:tailEnd type="none" w="med" len="med"/>
+          </a:ln>
+          <a:effectLst/>
+        </p:spPr>
+      </p:cxnSp>
+      <p:cxnSp>
+        <p:nvCxnSpPr>
+          <p:cNvPr id="79" name="Straight Arrow Connector 78">
+            <a:extLst>
+              <a:ext uri="{FF2B5EF4-FFF2-40B4-BE49-F238E27FC236}">
+                <a16:creationId xmlns:a16="http://schemas.microsoft.com/office/drawing/2014/main" id="{EBF4AD0D-BE24-44E4-B73D-65CA7F0AE012}"/>
+              </a:ext>
+            </a:extLst>
+          </p:cNvPr>
+          <p:cNvCxnSpPr>
+            <a:cxnSpLocks/>
+            <a:endCxn id="76" idx="0"/>
+          </p:cNvCxnSpPr>
+          <p:nvPr/>
+        </p:nvCxnSpPr>
+        <p:spPr>
+          <a:xfrm>
+            <a:off x="4679468" y="1872738"/>
+            <a:ext cx="2040" cy="238430"/>
+          </a:xfrm>
+          <a:prstGeom prst="straightConnector1">
+            <a:avLst/>
+          </a:prstGeom>
+          <a:noFill/>
+          <a:ln w="12700" cap="flat" cmpd="sng" algn="ctr">
+            <a:solidFill>
+              <a:srgbClr val="000000"/>
+            </a:solidFill>
+            <a:prstDash val="solid"/>
+            <a:headEnd type="none" w="med" len="med"/>
+            <a:tailEnd type="arrow" w="med" len="med"/>
+          </a:ln>
+          <a:effectLst/>
+        </p:spPr>
+      </p:cxnSp>
+      <p:sp>
+        <p:nvSpPr>
+          <p:cNvPr id="82" name="Rounded Rectangle 72">
+            <a:extLst>
+              <a:ext uri="{FF2B5EF4-FFF2-40B4-BE49-F238E27FC236}">
+                <a16:creationId xmlns:a16="http://schemas.microsoft.com/office/drawing/2014/main" id="{372452D0-90C9-487E-A755-EFA14AC0E0AC}"/>
+              </a:ext>
+            </a:extLst>
+          </p:cNvPr>
+          <p:cNvSpPr/>
+          <p:nvPr/>
+        </p:nvSpPr>
+        <p:spPr>
+          <a:xfrm>
+            <a:off x="4199990" y="4288060"/>
+            <a:ext cx="1129455" cy="557778"/>
+          </a:xfrm>
+          <a:prstGeom prst="roundRect">
+            <a:avLst>
+              <a:gd name="adj" fmla="val 13390"/>
+            </a:avLst>
+          </a:prstGeom>
+          <a:noFill/>
+          <a:ln w="12700" cap="flat" cmpd="sng" algn="ctr">
+            <a:solidFill>
+              <a:srgbClr val="000000"/>
+            </a:solidFill>
+            <a:prstDash val="solid"/>
+          </a:ln>
+          <a:effectLst/>
+        </p:spPr>
+        <p:txBody>
+          <a:bodyPr rtlCol="0" anchor="t"/>
+          <a:lstStyle/>
+          <a:p>
+            <a:pPr marL="0" marR="0" lvl="0" indent="0" algn="ctr" defTabSz="914400" eaLnBrk="1" fontAlgn="auto" latinLnBrk="0" hangingPunct="1">
+              <a:lnSpc>
+                <a:spcPct val="100000"/>
+              </a:lnSpc>
+              <a:spcBef>
+                <a:spcPts val="0"/>
+              </a:spcBef>
+              <a:spcAft>
+                <a:spcPts val="0"/>
+              </a:spcAft>
+              <a:buClrTx/>
+              <a:buSzTx/>
+              <a:buFontTx/>
+              <a:buNone/>
+              <a:tabLst/>
+              <a:defRPr/>
+            </a:pPr>
+            <a:r>
+              <a:rPr kumimoji="0" lang="en-US" sz="1200" b="0" i="0" u="none" strike="noStrike" kern="0" cap="none" spc="0" normalizeH="0" baseline="0" noProof="0" dirty="0" err="1">
+                <a:ln>
+                  <a:noFill/>
+                </a:ln>
+                <a:solidFill>
+                  <a:srgbClr val="000000"/>
+                </a:solidFill>
+                <a:effectLst/>
+                <a:uLnTx/>
+                <a:uFillTx/>
+                <a:latin typeface="Arial" panose="020B0604020202020204"/>
+                <a:ea typeface="+mn-ea"/>
+                <a:cs typeface="+mn-cs"/>
+              </a:rPr>
+              <a:t>CAmkES</a:t>
+            </a:r>
+            <a:endParaRPr kumimoji="0" lang="en-US" sz="1200" b="0" i="0" u="none" strike="noStrike" kern="0" cap="none" spc="0" normalizeH="0" baseline="0" noProof="0" dirty="0">
+              <a:ln>
+                <a:noFill/>
+              </a:ln>
+              <a:solidFill>
+                <a:srgbClr val="000000"/>
+              </a:solidFill>
+              <a:effectLst/>
+              <a:uLnTx/>
+              <a:uFillTx/>
+              <a:latin typeface="Arial" panose="020B0604020202020204"/>
+              <a:ea typeface="+mn-ea"/>
+              <a:cs typeface="+mn-cs"/>
+            </a:endParaRPr>
+          </a:p>
+        </p:txBody>
+      </p:sp>
+      <p:sp>
+        <p:nvSpPr>
+          <p:cNvPr id="89" name="Rounded Rectangle 83">
+            <a:extLst>
+              <a:ext uri="{FF2B5EF4-FFF2-40B4-BE49-F238E27FC236}">
+                <a16:creationId xmlns:a16="http://schemas.microsoft.com/office/drawing/2014/main" id="{A91295DC-1546-4D96-802E-EC2734A8D1A3}"/>
+              </a:ext>
+            </a:extLst>
+          </p:cNvPr>
+          <p:cNvSpPr/>
+          <p:nvPr/>
+        </p:nvSpPr>
+        <p:spPr>
+          <a:xfrm>
+            <a:off x="2842530" y="4288060"/>
+            <a:ext cx="1045657" cy="557778"/>
+          </a:xfrm>
+          <a:prstGeom prst="roundRect">
+            <a:avLst>
+              <a:gd name="adj" fmla="val 13390"/>
+            </a:avLst>
+          </a:prstGeom>
+          <a:noFill/>
+          <a:ln w="12700" cap="flat" cmpd="sng" algn="ctr">
+            <a:solidFill>
+              <a:srgbClr val="000000"/>
+            </a:solidFill>
+            <a:prstDash val="solid"/>
+          </a:ln>
+          <a:effectLst/>
+        </p:spPr>
+        <p:txBody>
+          <a:bodyPr lIns="0" rIns="0" rtlCol="0" anchor="t"/>
+          <a:lstStyle/>
+          <a:p>
+            <a:pPr marL="0" marR="0" lvl="0" indent="0" algn="ctr" defTabSz="914400" eaLnBrk="1" fontAlgn="auto" latinLnBrk="0" hangingPunct="1">
+              <a:lnSpc>
+                <a:spcPct val="100000"/>
+              </a:lnSpc>
+              <a:spcBef>
+                <a:spcPts val="0"/>
+              </a:spcBef>
+              <a:spcAft>
+                <a:spcPts val="0"/>
+              </a:spcAft>
+              <a:buClrTx/>
+              <a:buSzTx/>
+              <a:buFontTx/>
+              <a:buNone/>
+              <a:tabLst/>
+              <a:defRPr/>
+            </a:pPr>
+            <a:r>
+              <a:rPr kumimoji="0" lang="en-US" sz="1200" b="0" i="0" u="none" strike="noStrike" kern="0" cap="none" spc="0" normalizeH="0" baseline="0" noProof="0" dirty="0">
+                <a:ln>
+                  <a:noFill/>
+                </a:ln>
+                <a:solidFill>
+                  <a:srgbClr val="000000"/>
+                </a:solidFill>
+                <a:effectLst/>
+                <a:uLnTx/>
+                <a:uFillTx/>
+                <a:latin typeface="Arial" panose="020B0604020202020204"/>
+                <a:ea typeface="+mn-ea"/>
+                <a:cs typeface="+mn-cs"/>
+              </a:rPr>
+              <a:t>C compiler</a:t>
+            </a:r>
+          </a:p>
+        </p:txBody>
+      </p:sp>
+      <p:sp>
+        <p:nvSpPr>
+          <p:cNvPr id="90" name="Rounded Rectangle 84">
+            <a:extLst>
+              <a:ext uri="{FF2B5EF4-FFF2-40B4-BE49-F238E27FC236}">
+                <a16:creationId xmlns:a16="http://schemas.microsoft.com/office/drawing/2014/main" id="{413F3B59-DEC4-4E55-B74F-C6522F499955}"/>
+              </a:ext>
+            </a:extLst>
+          </p:cNvPr>
+          <p:cNvSpPr/>
+          <p:nvPr/>
+        </p:nvSpPr>
+        <p:spPr>
+          <a:xfrm>
+            <a:off x="7306935" y="4288060"/>
+            <a:ext cx="1018941" cy="557778"/>
+          </a:xfrm>
+          <a:prstGeom prst="roundRect">
+            <a:avLst>
+              <a:gd name="adj" fmla="val 13390"/>
+            </a:avLst>
+          </a:prstGeom>
+          <a:noFill/>
+          <a:ln w="12700" cap="flat" cmpd="sng" algn="ctr">
+            <a:solidFill>
+              <a:srgbClr val="000000"/>
+            </a:solidFill>
+            <a:prstDash val="solid"/>
+          </a:ln>
+          <a:effectLst/>
+        </p:spPr>
+        <p:txBody>
+          <a:bodyPr lIns="0" tIns="0" rIns="0" bIns="0" rtlCol="0" anchor="t"/>
+          <a:lstStyle/>
+          <a:p>
+            <a:pPr marL="0" marR="0" lvl="0" indent="0" algn="ctr" defTabSz="914400" eaLnBrk="1" fontAlgn="auto" latinLnBrk="0" hangingPunct="1">
+              <a:lnSpc>
+                <a:spcPct val="100000"/>
+              </a:lnSpc>
+              <a:spcBef>
+                <a:spcPts val="0"/>
+              </a:spcBef>
+              <a:spcAft>
+                <a:spcPts val="0"/>
+              </a:spcAft>
+              <a:buClrTx/>
+              <a:buSzTx/>
+              <a:buFontTx/>
+              <a:buNone/>
+              <a:tabLst/>
+              <a:defRPr/>
+            </a:pPr>
+            <a:r>
+              <a:rPr kumimoji="0" lang="en-US" sz="1200" b="0" i="0" u="none" strike="noStrike" kern="0" cap="none" spc="0" normalizeH="0" baseline="0" noProof="0" dirty="0" err="1">
+                <a:ln>
+                  <a:noFill/>
+                </a:ln>
+                <a:solidFill>
+                  <a:srgbClr val="000000"/>
+                </a:solidFill>
+                <a:effectLst/>
+                <a:uLnTx/>
+                <a:uFillTx/>
+                <a:latin typeface="Arial" panose="020B0604020202020204"/>
+                <a:ea typeface="+mn-ea"/>
+                <a:cs typeface="+mn-cs"/>
+              </a:rPr>
+              <a:t>CakeML</a:t>
+            </a:r>
+            <a:r>
+              <a:rPr kumimoji="0" lang="en-US" sz="1200" b="0" i="0" u="none" strike="noStrike" kern="0" cap="none" spc="0" normalizeH="0" baseline="0" noProof="0" dirty="0">
+                <a:ln>
+                  <a:noFill/>
+                </a:ln>
+                <a:solidFill>
+                  <a:srgbClr val="000000"/>
+                </a:solidFill>
+                <a:effectLst/>
+                <a:uLnTx/>
+                <a:uFillTx/>
+                <a:latin typeface="Arial" panose="020B0604020202020204"/>
+                <a:ea typeface="+mn-ea"/>
+                <a:cs typeface="+mn-cs"/>
+              </a:rPr>
+              <a:t> </a:t>
+            </a:r>
+          </a:p>
+          <a:p>
+            <a:pPr marL="0" marR="0" lvl="0" indent="0" algn="ctr" defTabSz="914400" eaLnBrk="1" fontAlgn="auto" latinLnBrk="0" hangingPunct="1">
+              <a:lnSpc>
+                <a:spcPct val="100000"/>
+              </a:lnSpc>
+              <a:spcBef>
+                <a:spcPts val="0"/>
+              </a:spcBef>
+              <a:spcAft>
+                <a:spcPts val="0"/>
+              </a:spcAft>
+              <a:buClrTx/>
+              <a:buSzTx/>
+              <a:buFontTx/>
+              <a:buNone/>
+              <a:tabLst/>
+              <a:defRPr/>
+            </a:pPr>
+            <a:r>
+              <a:rPr kumimoji="0" lang="en-US" sz="1200" b="0" i="0" u="none" strike="noStrike" kern="0" cap="none" spc="0" normalizeH="0" baseline="0" noProof="0" dirty="0">
+                <a:ln>
+                  <a:noFill/>
+                </a:ln>
+                <a:solidFill>
+                  <a:srgbClr val="000000"/>
+                </a:solidFill>
+                <a:effectLst/>
+                <a:uLnTx/>
+                <a:uFillTx/>
+                <a:latin typeface="Arial" panose="020B0604020202020204"/>
+                <a:ea typeface="+mn-ea"/>
+                <a:cs typeface="+mn-cs"/>
+              </a:rPr>
+              <a:t>compiler</a:t>
+            </a:r>
+          </a:p>
+        </p:txBody>
+      </p:sp>
+      <p:cxnSp>
+        <p:nvCxnSpPr>
+          <p:cNvPr id="91" name="Straight Arrow Connector 90">
+            <a:extLst>
+              <a:ext uri="{FF2B5EF4-FFF2-40B4-BE49-F238E27FC236}">
+                <a16:creationId xmlns:a16="http://schemas.microsoft.com/office/drawing/2014/main" id="{A7C921A8-DC67-4712-9D7C-BC74D4CCCCF3}"/>
+              </a:ext>
+            </a:extLst>
+          </p:cNvPr>
+          <p:cNvCxnSpPr>
+            <a:cxnSpLocks/>
+            <a:stCxn id="89" idx="3"/>
+            <a:endCxn id="82" idx="1"/>
+          </p:cNvCxnSpPr>
+          <p:nvPr/>
+        </p:nvCxnSpPr>
+        <p:spPr>
+          <a:xfrm>
+            <a:off x="3888187" y="4566949"/>
+            <a:ext cx="311803" cy="0"/>
+          </a:xfrm>
+          <a:prstGeom prst="straightConnector1">
+            <a:avLst/>
+          </a:prstGeom>
+          <a:noFill/>
+          <a:ln w="12700" cap="flat" cmpd="sng" algn="ctr">
+            <a:solidFill>
+              <a:srgbClr val="000000"/>
+            </a:solidFill>
+            <a:prstDash val="solid"/>
+            <a:headEnd type="arrow" w="med" len="med"/>
+            <a:tailEnd type="none" w="med" len="med"/>
+          </a:ln>
+          <a:effectLst/>
+        </p:spPr>
+      </p:cxnSp>
+      <p:cxnSp>
+        <p:nvCxnSpPr>
+          <p:cNvPr id="92" name="Straight Arrow Connector 91">
+            <a:extLst>
+              <a:ext uri="{FF2B5EF4-FFF2-40B4-BE49-F238E27FC236}">
+                <a16:creationId xmlns:a16="http://schemas.microsoft.com/office/drawing/2014/main" id="{D0ECB994-4EA6-40DB-A001-9F86BADC1D7E}"/>
+              </a:ext>
+            </a:extLst>
+          </p:cNvPr>
+          <p:cNvCxnSpPr>
+            <a:cxnSpLocks/>
+            <a:stCxn id="90" idx="1"/>
+            <a:endCxn id="82" idx="3"/>
+          </p:cNvCxnSpPr>
+          <p:nvPr/>
+        </p:nvCxnSpPr>
+        <p:spPr>
+          <a:xfrm flipH="1">
+            <a:off x="5329445" y="4566949"/>
+            <a:ext cx="1977490" cy="0"/>
+          </a:xfrm>
+          <a:prstGeom prst="straightConnector1">
+            <a:avLst/>
+          </a:prstGeom>
+          <a:noFill/>
+          <a:ln w="12700" cap="flat" cmpd="sng" algn="ctr">
+            <a:solidFill>
+              <a:srgbClr val="000000"/>
+            </a:solidFill>
+            <a:prstDash val="solid"/>
+            <a:headEnd type="arrow" w="med" len="med"/>
+            <a:tailEnd type="none" w="med" len="med"/>
+          </a:ln>
+          <a:effectLst/>
+        </p:spPr>
+      </p:cxnSp>
+      <p:sp>
+        <p:nvSpPr>
+          <p:cNvPr id="93" name="Rectangle 92">
+            <a:extLst>
+              <a:ext uri="{FF2B5EF4-FFF2-40B4-BE49-F238E27FC236}">
+                <a16:creationId xmlns:a16="http://schemas.microsoft.com/office/drawing/2014/main" id="{2442851B-0E2B-4CE8-8C18-A1FC719FEFF8}"/>
+              </a:ext>
+            </a:extLst>
+          </p:cNvPr>
+          <p:cNvSpPr/>
+          <p:nvPr/>
+        </p:nvSpPr>
+        <p:spPr>
+          <a:xfrm>
+            <a:off x="2876850" y="3253520"/>
+            <a:ext cx="965102" cy="687574"/>
+          </a:xfrm>
+          <a:prstGeom prst="rect">
+            <a:avLst/>
+          </a:prstGeom>
+          <a:solidFill>
+            <a:schemeClr val="bg1">
+              <a:lumMod val="95000"/>
+            </a:schemeClr>
+          </a:solidFill>
+          <a:ln w="12700" cap="flat" cmpd="sng" algn="ctr">
+            <a:solidFill>
+              <a:srgbClr val="000000"/>
+            </a:solidFill>
+            <a:prstDash val="solid"/>
+          </a:ln>
+          <a:effectLst/>
+        </p:spPr>
+        <p:txBody>
+          <a:bodyPr lIns="0" rIns="0" rtlCol="0" anchor="t"/>
+          <a:lstStyle/>
+          <a:p>
+            <a:pPr marL="0" marR="0" lvl="0" indent="0" algn="ctr" defTabSz="914400" eaLnBrk="1" fontAlgn="auto" latinLnBrk="0" hangingPunct="1">
+              <a:lnSpc>
+                <a:spcPct val="100000"/>
+              </a:lnSpc>
+              <a:spcBef>
+                <a:spcPts val="0"/>
+              </a:spcBef>
+              <a:spcAft>
+                <a:spcPts val="0"/>
+              </a:spcAft>
+              <a:buClrTx/>
+              <a:buSzTx/>
+              <a:buFontTx/>
+              <a:buNone/>
+              <a:tabLst/>
+              <a:defRPr/>
+            </a:pPr>
+            <a:r>
+              <a:rPr kumimoji="0" lang="en-US" sz="1200" b="0" i="0" u="none" strike="noStrike" kern="0" cap="none" spc="0" normalizeH="0" baseline="0" noProof="0" dirty="0">
+                <a:ln>
+                  <a:noFill/>
+                </a:ln>
+                <a:solidFill>
+                  <a:srgbClr val="000000"/>
+                </a:solidFill>
+                <a:effectLst/>
+                <a:uLnTx/>
+                <a:uFillTx/>
+                <a:latin typeface="Arial" panose="020B0604020202020204"/>
+                <a:ea typeface="+mn-ea"/>
+                <a:cs typeface="+mn-cs"/>
+              </a:rPr>
+              <a:t>Generated code</a:t>
+            </a:r>
+          </a:p>
+        </p:txBody>
+      </p:sp>
+      <p:cxnSp>
+        <p:nvCxnSpPr>
+          <p:cNvPr id="96" name="Straight Arrow Connector 95">
+            <a:extLst>
+              <a:ext uri="{FF2B5EF4-FFF2-40B4-BE49-F238E27FC236}">
+                <a16:creationId xmlns:a16="http://schemas.microsoft.com/office/drawing/2014/main" id="{7F190995-C63F-4A1D-8C51-395E8BBE78C1}"/>
+              </a:ext>
+            </a:extLst>
+          </p:cNvPr>
+          <p:cNvCxnSpPr>
+            <a:cxnSpLocks/>
+            <a:stCxn id="62" idx="2"/>
+            <a:endCxn id="93" idx="0"/>
+          </p:cNvCxnSpPr>
+          <p:nvPr/>
+        </p:nvCxnSpPr>
+        <p:spPr>
+          <a:xfrm flipH="1">
+            <a:off x="3359401" y="2774844"/>
+            <a:ext cx="2074" cy="478676"/>
+          </a:xfrm>
+          <a:prstGeom prst="straightConnector1">
+            <a:avLst/>
+          </a:prstGeom>
+          <a:noFill/>
+          <a:ln w="12700" cap="flat" cmpd="sng" algn="ctr">
+            <a:solidFill>
+              <a:srgbClr val="000000"/>
+            </a:solidFill>
+            <a:prstDash val="solid"/>
+            <a:headEnd type="none" w="med" len="med"/>
+            <a:tailEnd type="arrow" w="med" len="med"/>
+          </a:ln>
+          <a:effectLst/>
+        </p:spPr>
+      </p:cxnSp>
+      <p:cxnSp>
+        <p:nvCxnSpPr>
+          <p:cNvPr id="102" name="Straight Arrow Connector 101">
+            <a:extLst>
+              <a:ext uri="{FF2B5EF4-FFF2-40B4-BE49-F238E27FC236}">
+                <a16:creationId xmlns:a16="http://schemas.microsoft.com/office/drawing/2014/main" id="{0DD6A564-904E-4BA8-A4EB-A8990DCA043A}"/>
+              </a:ext>
+            </a:extLst>
+          </p:cNvPr>
+          <p:cNvCxnSpPr>
+            <a:cxnSpLocks/>
+            <a:stCxn id="71" idx="1"/>
+            <a:endCxn id="170" idx="3"/>
+          </p:cNvCxnSpPr>
+          <p:nvPr/>
+        </p:nvCxnSpPr>
+        <p:spPr>
+          <a:xfrm flipH="1">
+            <a:off x="5329445" y="3607243"/>
+            <a:ext cx="265800" cy="0"/>
+          </a:xfrm>
+          <a:prstGeom prst="straightConnector1">
+            <a:avLst/>
+          </a:prstGeom>
+          <a:noFill/>
+          <a:ln w="12700" cap="flat" cmpd="sng" algn="ctr">
+            <a:solidFill>
+              <a:srgbClr val="000000"/>
+            </a:solidFill>
+            <a:prstDash val="solid"/>
+            <a:headEnd type="none" w="med" len="med"/>
+            <a:tailEnd type="arrow" w="med" len="med"/>
+          </a:ln>
+          <a:effectLst/>
+        </p:spPr>
+      </p:cxnSp>
+      <p:sp>
+        <p:nvSpPr>
+          <p:cNvPr id="103" name="Rectangle 102">
+            <a:extLst>
+              <a:ext uri="{FF2B5EF4-FFF2-40B4-BE49-F238E27FC236}">
+                <a16:creationId xmlns:a16="http://schemas.microsoft.com/office/drawing/2014/main" id="{BEDBC5B3-7396-4B30-A4EC-140956B5374C}"/>
+              </a:ext>
+            </a:extLst>
+          </p:cNvPr>
+          <p:cNvSpPr/>
+          <p:nvPr/>
+        </p:nvSpPr>
+        <p:spPr>
+          <a:xfrm>
+            <a:off x="7306936" y="3263456"/>
+            <a:ext cx="1025302" cy="687574"/>
+          </a:xfrm>
+          <a:prstGeom prst="rect">
+            <a:avLst/>
+          </a:prstGeom>
+          <a:solidFill>
+            <a:schemeClr val="bg1">
+              <a:lumMod val="95000"/>
+            </a:schemeClr>
+          </a:solidFill>
+          <a:ln w="12700" cap="flat" cmpd="sng" algn="ctr">
+            <a:solidFill>
+              <a:srgbClr val="000000"/>
+            </a:solidFill>
+            <a:prstDash val="solid"/>
+          </a:ln>
+          <a:effectLst/>
+        </p:spPr>
+        <p:txBody>
+          <a:bodyPr lIns="0" rIns="0" rtlCol="0" anchor="t"/>
+          <a:lstStyle/>
+          <a:p>
+            <a:pPr marL="0" marR="0" lvl="0" indent="0" algn="ctr" defTabSz="914400" eaLnBrk="1" fontAlgn="auto" latinLnBrk="0" hangingPunct="1">
+              <a:lnSpc>
+                <a:spcPct val="100000"/>
+              </a:lnSpc>
+              <a:spcBef>
+                <a:spcPts val="0"/>
+              </a:spcBef>
+              <a:spcAft>
+                <a:spcPts val="0"/>
+              </a:spcAft>
+              <a:buClrTx/>
+              <a:buSzTx/>
+              <a:buFontTx/>
+              <a:buNone/>
+              <a:tabLst/>
+              <a:defRPr/>
+            </a:pPr>
+            <a:r>
+              <a:rPr kumimoji="0" lang="en-US" sz="1200" b="0" i="0" u="none" strike="noStrike" kern="0" cap="none" spc="0" normalizeH="0" baseline="0" noProof="0" dirty="0">
+                <a:ln>
+                  <a:noFill/>
+                </a:ln>
+                <a:solidFill>
+                  <a:srgbClr val="000000"/>
+                </a:solidFill>
+                <a:effectLst/>
+                <a:uLnTx/>
+                <a:uFillTx/>
+                <a:latin typeface="Arial" panose="020B0604020202020204"/>
+                <a:ea typeface="+mn-ea"/>
+                <a:cs typeface="+mn-cs"/>
+              </a:rPr>
+              <a:t>Synthesized </a:t>
+            </a:r>
+          </a:p>
+          <a:p>
+            <a:pPr marL="0" marR="0" lvl="0" indent="0" algn="ctr" defTabSz="914400" eaLnBrk="1" fontAlgn="auto" latinLnBrk="0" hangingPunct="1">
+              <a:lnSpc>
+                <a:spcPct val="100000"/>
+              </a:lnSpc>
+              <a:spcBef>
+                <a:spcPts val="0"/>
+              </a:spcBef>
+              <a:spcAft>
+                <a:spcPts val="0"/>
+              </a:spcAft>
+              <a:buClrTx/>
+              <a:buSzTx/>
+              <a:buFontTx/>
+              <a:buNone/>
+              <a:tabLst/>
+              <a:defRPr/>
+            </a:pPr>
+            <a:r>
+              <a:rPr kumimoji="0" lang="en-US" sz="1200" b="0" i="0" u="none" strike="noStrike" kern="0" cap="none" spc="0" normalizeH="0" baseline="0" noProof="0" dirty="0">
+                <a:ln>
+                  <a:noFill/>
+                </a:ln>
+                <a:solidFill>
+                  <a:srgbClr val="000000"/>
+                </a:solidFill>
+                <a:effectLst/>
+                <a:uLnTx/>
+                <a:uFillTx/>
+                <a:latin typeface="Arial" panose="020B0604020202020204"/>
+                <a:ea typeface="+mn-ea"/>
+                <a:cs typeface="+mn-cs"/>
+              </a:rPr>
+              <a:t>code</a:t>
+            </a:r>
+          </a:p>
+        </p:txBody>
+      </p:sp>
+      <p:cxnSp>
+        <p:nvCxnSpPr>
+          <p:cNvPr id="104" name="Straight Arrow Connector 103">
+            <a:extLst>
+              <a:ext uri="{FF2B5EF4-FFF2-40B4-BE49-F238E27FC236}">
+                <a16:creationId xmlns:a16="http://schemas.microsoft.com/office/drawing/2014/main" id="{36E5A3ED-D39F-4052-9C6F-8857A6706E23}"/>
+              </a:ext>
+            </a:extLst>
+          </p:cNvPr>
+          <p:cNvCxnSpPr>
+            <a:cxnSpLocks/>
+            <a:stCxn id="71" idx="3"/>
+            <a:endCxn id="103" idx="1"/>
+          </p:cNvCxnSpPr>
+          <p:nvPr/>
+        </p:nvCxnSpPr>
+        <p:spPr>
+          <a:xfrm>
+            <a:off x="6957013" y="3607243"/>
+            <a:ext cx="349923" cy="0"/>
+          </a:xfrm>
+          <a:prstGeom prst="straightConnector1">
+            <a:avLst/>
+          </a:prstGeom>
+          <a:noFill/>
+          <a:ln w="12700" cap="flat" cmpd="sng" algn="ctr">
+            <a:solidFill>
+              <a:srgbClr val="000000"/>
+            </a:solidFill>
+            <a:prstDash val="solid"/>
+            <a:headEnd type="none" w="med" len="med"/>
+            <a:tailEnd type="arrow" w="med" len="med"/>
+          </a:ln>
+          <a:effectLst/>
+        </p:spPr>
+      </p:cxnSp>
+      <p:cxnSp>
+        <p:nvCxnSpPr>
+          <p:cNvPr id="105" name="Straight Arrow Connector 104">
+            <a:extLst>
+              <a:ext uri="{FF2B5EF4-FFF2-40B4-BE49-F238E27FC236}">
+                <a16:creationId xmlns:a16="http://schemas.microsoft.com/office/drawing/2014/main" id="{B1368B2C-50A4-457A-9CB9-32CB73EDEFEB}"/>
+              </a:ext>
+            </a:extLst>
+          </p:cNvPr>
+          <p:cNvCxnSpPr>
+            <a:cxnSpLocks/>
+            <a:stCxn id="103" idx="2"/>
+            <a:endCxn id="90" idx="0"/>
+          </p:cNvCxnSpPr>
+          <p:nvPr/>
+        </p:nvCxnSpPr>
+        <p:spPr>
+          <a:xfrm flipH="1">
+            <a:off x="7816406" y="3951030"/>
+            <a:ext cx="3181" cy="337030"/>
+          </a:xfrm>
+          <a:prstGeom prst="straightConnector1">
+            <a:avLst/>
+          </a:prstGeom>
+          <a:noFill/>
+          <a:ln w="12700" cap="flat" cmpd="sng" algn="ctr">
+            <a:solidFill>
+              <a:srgbClr val="000000"/>
+            </a:solidFill>
+            <a:prstDash val="solid"/>
+            <a:headEnd type="none" w="med" len="med"/>
+            <a:tailEnd type="arrow" w="med" len="med"/>
+          </a:ln>
+          <a:effectLst/>
+        </p:spPr>
+      </p:cxnSp>
+      <p:sp>
+        <p:nvSpPr>
+          <p:cNvPr id="107" name="Rectangle 106">
+            <a:extLst>
+              <a:ext uri="{FF2B5EF4-FFF2-40B4-BE49-F238E27FC236}">
+                <a16:creationId xmlns:a16="http://schemas.microsoft.com/office/drawing/2014/main" id="{90184493-08BF-4F5A-BE3D-03334B50ED5E}"/>
+              </a:ext>
+            </a:extLst>
+          </p:cNvPr>
+          <p:cNvSpPr/>
+          <p:nvPr/>
+        </p:nvSpPr>
+        <p:spPr>
+          <a:xfrm>
+            <a:off x="4199991" y="5163806"/>
+            <a:ext cx="2771820" cy="350910"/>
+          </a:xfrm>
+          <a:prstGeom prst="rect">
+            <a:avLst/>
+          </a:prstGeom>
+          <a:noFill/>
+          <a:ln w="12700" cap="flat" cmpd="sng" algn="ctr">
+            <a:solidFill>
+              <a:srgbClr val="000000"/>
+            </a:solidFill>
+            <a:prstDash val="solid"/>
+          </a:ln>
+          <a:effectLst/>
+        </p:spPr>
+        <p:txBody>
+          <a:bodyPr rtlCol="0" anchor="t"/>
+          <a:lstStyle/>
+          <a:p>
+            <a:pPr marL="0" marR="0" lvl="0" indent="0" algn="ctr" defTabSz="914400" eaLnBrk="1" fontAlgn="auto" latinLnBrk="0" hangingPunct="1">
+              <a:lnSpc>
+                <a:spcPct val="100000"/>
+              </a:lnSpc>
+              <a:spcBef>
+                <a:spcPts val="0"/>
+              </a:spcBef>
+              <a:spcAft>
+                <a:spcPts val="0"/>
+              </a:spcAft>
+              <a:buClrTx/>
+              <a:buSzTx/>
+              <a:buFontTx/>
+              <a:buNone/>
+              <a:tabLst/>
+              <a:defRPr/>
+            </a:pPr>
+            <a:r>
+              <a:rPr kumimoji="0" lang="en-US" sz="1200" b="0" i="0" u="none" strike="noStrike" kern="0" cap="none" spc="0" normalizeH="0" baseline="0" noProof="0" dirty="0">
+                <a:ln>
+                  <a:noFill/>
+                </a:ln>
+                <a:solidFill>
+                  <a:srgbClr val="000000"/>
+                </a:solidFill>
+                <a:effectLst/>
+                <a:uLnTx/>
+                <a:uFillTx/>
+                <a:latin typeface="Arial" panose="020B0604020202020204"/>
+                <a:ea typeface="+mn-ea"/>
+                <a:cs typeface="+mn-cs"/>
+              </a:rPr>
+              <a:t>Executable code</a:t>
+            </a:r>
+          </a:p>
+        </p:txBody>
+      </p:sp>
+      <p:cxnSp>
+        <p:nvCxnSpPr>
+          <p:cNvPr id="112" name="Straight Arrow Connector 111">
+            <a:extLst>
+              <a:ext uri="{FF2B5EF4-FFF2-40B4-BE49-F238E27FC236}">
+                <a16:creationId xmlns:a16="http://schemas.microsoft.com/office/drawing/2014/main" id="{380F575F-BFF8-4D1E-BE6B-1E0BE563EF02}"/>
+              </a:ext>
+            </a:extLst>
+          </p:cNvPr>
+          <p:cNvCxnSpPr>
+            <a:cxnSpLocks/>
+            <a:stCxn id="114" idx="2"/>
+          </p:cNvCxnSpPr>
+          <p:nvPr/>
+        </p:nvCxnSpPr>
+        <p:spPr>
+          <a:xfrm>
+            <a:off x="2148811" y="3940968"/>
+            <a:ext cx="785898" cy="345281"/>
+          </a:xfrm>
+          <a:prstGeom prst="straightConnector1">
+            <a:avLst/>
+          </a:prstGeom>
+          <a:noFill/>
+          <a:ln w="12700" cap="flat" cmpd="sng" algn="ctr">
+            <a:solidFill>
+              <a:srgbClr val="000000"/>
+            </a:solidFill>
+            <a:prstDash val="solid"/>
+            <a:headEnd type="none" w="med" len="med"/>
+            <a:tailEnd type="arrow" w="med" len="med"/>
+          </a:ln>
+          <a:effectLst/>
+        </p:spPr>
+      </p:cxnSp>
+      <p:cxnSp>
+        <p:nvCxnSpPr>
+          <p:cNvPr id="113" name="Straight Arrow Connector 112">
+            <a:extLst>
+              <a:ext uri="{FF2B5EF4-FFF2-40B4-BE49-F238E27FC236}">
+                <a16:creationId xmlns:a16="http://schemas.microsoft.com/office/drawing/2014/main" id="{BE44C490-C780-4F1B-A181-807A09ED5996}"/>
+              </a:ext>
+            </a:extLst>
+          </p:cNvPr>
+          <p:cNvCxnSpPr/>
+          <p:nvPr/>
+        </p:nvCxnSpPr>
+        <p:spPr>
+          <a:xfrm>
+            <a:off x="6531424" y="1866900"/>
+            <a:ext cx="0" cy="238430"/>
+          </a:xfrm>
+          <a:prstGeom prst="straightConnector1">
+            <a:avLst/>
+          </a:prstGeom>
+          <a:noFill/>
+          <a:ln w="12700" cap="flat" cmpd="sng" algn="ctr">
+            <a:solidFill>
+              <a:srgbClr val="000000"/>
+            </a:solidFill>
+            <a:prstDash val="solid"/>
+            <a:headEnd type="arrow" w="med" len="med"/>
+            <a:tailEnd type="none" w="med" len="med"/>
+          </a:ln>
+          <a:effectLst/>
+        </p:spPr>
+      </p:cxnSp>
+      <p:sp>
+        <p:nvSpPr>
+          <p:cNvPr id="114" name="Rectangle 113">
+            <a:extLst>
+              <a:ext uri="{FF2B5EF4-FFF2-40B4-BE49-F238E27FC236}">
+                <a16:creationId xmlns:a16="http://schemas.microsoft.com/office/drawing/2014/main" id="{922EF082-6D4C-464F-BF89-5314BCF84569}"/>
+              </a:ext>
+            </a:extLst>
+          </p:cNvPr>
+          <p:cNvSpPr/>
+          <p:nvPr/>
+        </p:nvSpPr>
+        <p:spPr>
+          <a:xfrm>
+            <a:off x="1523193" y="3253394"/>
+            <a:ext cx="1251235" cy="687574"/>
+          </a:xfrm>
+          <a:prstGeom prst="rect">
+            <a:avLst/>
+          </a:prstGeom>
+          <a:solidFill>
+            <a:schemeClr val="bg1">
+              <a:lumMod val="95000"/>
+            </a:schemeClr>
+          </a:solidFill>
+          <a:ln w="12700" cap="flat" cmpd="sng" algn="ctr">
+            <a:solidFill>
+              <a:srgbClr val="000000"/>
+            </a:solidFill>
+            <a:prstDash val="solid"/>
+          </a:ln>
+          <a:effectLst/>
+        </p:spPr>
+        <p:txBody>
+          <a:bodyPr lIns="0" rIns="0" rtlCol="0" anchor="t"/>
+          <a:lstStyle/>
+          <a:p>
+            <a:pPr marL="0" marR="0" lvl="0" indent="0" algn="ctr" defTabSz="914400" eaLnBrk="1" fontAlgn="auto" latinLnBrk="0" hangingPunct="1">
+              <a:lnSpc>
+                <a:spcPct val="100000"/>
+              </a:lnSpc>
+              <a:spcBef>
+                <a:spcPts val="0"/>
+              </a:spcBef>
+              <a:spcAft>
+                <a:spcPts val="0"/>
+              </a:spcAft>
+              <a:buClrTx/>
+              <a:buSzTx/>
+              <a:buFontTx/>
+              <a:buNone/>
+              <a:tabLst/>
+              <a:defRPr/>
+            </a:pPr>
+            <a:r>
+              <a:rPr lang="en-US" sz="1200" kern="0" dirty="0">
+                <a:solidFill>
+                  <a:srgbClr val="000000"/>
+                </a:solidFill>
+                <a:latin typeface="Arial" panose="020B0604020202020204"/>
+              </a:rPr>
+              <a:t>Hand-written component code</a:t>
+            </a:r>
+            <a:endParaRPr kumimoji="0" lang="en-US" sz="1200" b="0" i="0" u="none" strike="noStrike" kern="0" cap="none" spc="0" normalizeH="0" baseline="0" noProof="0" dirty="0">
+              <a:ln>
+                <a:noFill/>
+              </a:ln>
+              <a:solidFill>
+                <a:srgbClr val="000000"/>
+              </a:solidFill>
+              <a:effectLst/>
+              <a:uLnTx/>
+              <a:uFillTx/>
+              <a:latin typeface="Arial" panose="020B0604020202020204"/>
+              <a:ea typeface="+mn-ea"/>
+              <a:cs typeface="+mn-cs"/>
+            </a:endParaRPr>
+          </a:p>
+        </p:txBody>
+      </p:sp>
+      <p:sp>
+        <p:nvSpPr>
+          <p:cNvPr id="115" name="Rectangle 114">
+            <a:extLst>
+              <a:ext uri="{FF2B5EF4-FFF2-40B4-BE49-F238E27FC236}">
+                <a16:creationId xmlns:a16="http://schemas.microsoft.com/office/drawing/2014/main" id="{4DDE2433-5DC8-414A-8297-C1B544705C3E}"/>
+              </a:ext>
+            </a:extLst>
+          </p:cNvPr>
+          <p:cNvSpPr/>
+          <p:nvPr/>
+        </p:nvSpPr>
+        <p:spPr>
+          <a:xfrm>
+            <a:off x="8540710" y="3263456"/>
+            <a:ext cx="1251729" cy="676063"/>
+          </a:xfrm>
+          <a:prstGeom prst="rect">
+            <a:avLst/>
+          </a:prstGeom>
+          <a:solidFill>
+            <a:schemeClr val="bg1">
+              <a:lumMod val="95000"/>
+            </a:schemeClr>
+          </a:solidFill>
+          <a:ln w="12700" cap="flat" cmpd="sng" algn="ctr">
+            <a:solidFill>
+              <a:srgbClr val="000000"/>
+            </a:solidFill>
+            <a:prstDash val="solid"/>
+          </a:ln>
+          <a:effectLst/>
+        </p:spPr>
+        <p:txBody>
+          <a:bodyPr lIns="0" rIns="0" rtlCol="0" anchor="t"/>
+          <a:lstStyle/>
+          <a:p>
+            <a:pPr marL="0" marR="0" lvl="0" indent="0" algn="ctr" defTabSz="914400" eaLnBrk="1" fontAlgn="auto" latinLnBrk="0" hangingPunct="1">
+              <a:lnSpc>
+                <a:spcPct val="100000"/>
+              </a:lnSpc>
+              <a:spcBef>
+                <a:spcPts val="0"/>
+              </a:spcBef>
+              <a:spcAft>
+                <a:spcPts val="0"/>
+              </a:spcAft>
+              <a:buClrTx/>
+              <a:buSzTx/>
+              <a:buFontTx/>
+              <a:buNone/>
+              <a:tabLst/>
+              <a:defRPr/>
+            </a:pPr>
+            <a:r>
+              <a:rPr kumimoji="0" lang="en-US" sz="1200" b="0" i="0" u="none" strike="noStrike" kern="0" cap="none" spc="0" normalizeH="0" baseline="0" noProof="0" dirty="0">
+                <a:ln>
+                  <a:noFill/>
+                </a:ln>
+                <a:solidFill>
+                  <a:srgbClr val="000000"/>
+                </a:solidFill>
+                <a:effectLst/>
+                <a:uLnTx/>
+                <a:uFillTx/>
+                <a:latin typeface="Arial" panose="020B0604020202020204"/>
+                <a:ea typeface="+mn-ea"/>
+                <a:cs typeface="+mn-cs"/>
+              </a:rPr>
+              <a:t>Pre-verified component code (Attestation)</a:t>
+            </a:r>
+          </a:p>
+        </p:txBody>
+      </p:sp>
+      <p:cxnSp>
+        <p:nvCxnSpPr>
+          <p:cNvPr id="119" name="Straight Arrow Connector 118">
+            <a:extLst>
+              <a:ext uri="{FF2B5EF4-FFF2-40B4-BE49-F238E27FC236}">
+                <a16:creationId xmlns:a16="http://schemas.microsoft.com/office/drawing/2014/main" id="{D5425A1C-9D28-4037-8876-54779061E44A}"/>
+              </a:ext>
+            </a:extLst>
+          </p:cNvPr>
+          <p:cNvCxnSpPr>
+            <a:cxnSpLocks/>
+            <a:stCxn id="93" idx="2"/>
+            <a:endCxn id="89" idx="0"/>
+          </p:cNvCxnSpPr>
+          <p:nvPr/>
+        </p:nvCxnSpPr>
+        <p:spPr>
+          <a:xfrm>
+            <a:off x="3359401" y="3941094"/>
+            <a:ext cx="5958" cy="346966"/>
+          </a:xfrm>
+          <a:prstGeom prst="straightConnector1">
+            <a:avLst/>
+          </a:prstGeom>
+          <a:noFill/>
+          <a:ln w="12700" cap="flat" cmpd="sng" algn="ctr">
+            <a:solidFill>
+              <a:srgbClr val="000000"/>
+            </a:solidFill>
+            <a:prstDash val="solid"/>
+            <a:headEnd type="none" w="med" len="med"/>
+            <a:tailEnd type="arrow" w="med" len="med"/>
+          </a:ln>
+          <a:effectLst/>
+        </p:spPr>
+      </p:cxnSp>
+      <p:sp>
+        <p:nvSpPr>
+          <p:cNvPr id="126" name="Rectangle 125">
+            <a:extLst>
+              <a:ext uri="{FF2B5EF4-FFF2-40B4-BE49-F238E27FC236}">
+                <a16:creationId xmlns:a16="http://schemas.microsoft.com/office/drawing/2014/main" id="{3BB61A9D-3B92-4D98-9933-11FCB4BB2EED}"/>
+              </a:ext>
+            </a:extLst>
+          </p:cNvPr>
+          <p:cNvSpPr/>
+          <p:nvPr/>
+        </p:nvSpPr>
+        <p:spPr>
+          <a:xfrm>
+            <a:off x="1513484" y="4286249"/>
+            <a:ext cx="1045658" cy="557779"/>
+          </a:xfrm>
+          <a:prstGeom prst="rect">
+            <a:avLst/>
+          </a:prstGeom>
+          <a:solidFill>
+            <a:schemeClr val="bg1">
+              <a:lumMod val="95000"/>
+            </a:schemeClr>
+          </a:solidFill>
+          <a:ln w="12700" cap="flat" cmpd="sng" algn="ctr">
+            <a:solidFill>
+              <a:srgbClr val="000000"/>
+            </a:solidFill>
+            <a:prstDash val="solid"/>
+          </a:ln>
+          <a:effectLst/>
+        </p:spPr>
+        <p:txBody>
+          <a:bodyPr lIns="0" rIns="0" rtlCol="0" anchor="t"/>
+          <a:lstStyle/>
+          <a:p>
+            <a:pPr marL="0" marR="0" lvl="0" indent="0" algn="ctr" defTabSz="914400" eaLnBrk="1" fontAlgn="auto" latinLnBrk="0" hangingPunct="1">
+              <a:lnSpc>
+                <a:spcPct val="100000"/>
+              </a:lnSpc>
+              <a:spcBef>
+                <a:spcPts val="0"/>
+              </a:spcBef>
+              <a:spcAft>
+                <a:spcPts val="0"/>
+              </a:spcAft>
+              <a:buClrTx/>
+              <a:buSzTx/>
+              <a:buFontTx/>
+              <a:buNone/>
+              <a:tabLst/>
+              <a:defRPr/>
+            </a:pPr>
+            <a:r>
+              <a:rPr kumimoji="0" lang="en-US" sz="1200" b="0" i="0" u="none" strike="noStrike" kern="0" cap="none" spc="0" normalizeH="0" baseline="0" noProof="0" dirty="0">
+                <a:ln>
+                  <a:noFill/>
+                </a:ln>
+                <a:solidFill>
+                  <a:srgbClr val="000000"/>
+                </a:solidFill>
+                <a:effectLst/>
+                <a:uLnTx/>
+                <a:uFillTx/>
+                <a:latin typeface="Arial" panose="020B0604020202020204"/>
+                <a:ea typeface="+mn-ea"/>
+                <a:cs typeface="+mn-cs"/>
+              </a:rPr>
+              <a:t>Pre-verified code (seL4)</a:t>
+            </a:r>
+          </a:p>
+        </p:txBody>
+      </p:sp>
+      <p:cxnSp>
+        <p:nvCxnSpPr>
+          <p:cNvPr id="128" name="Connector: Elbow 127">
+            <a:extLst>
+              <a:ext uri="{FF2B5EF4-FFF2-40B4-BE49-F238E27FC236}">
+                <a16:creationId xmlns:a16="http://schemas.microsoft.com/office/drawing/2014/main" id="{8B7B7870-B6E7-45C2-BB03-FA81926EB055}"/>
+              </a:ext>
+            </a:extLst>
+          </p:cNvPr>
+          <p:cNvCxnSpPr>
+            <a:cxnSpLocks/>
+            <a:stCxn id="115" idx="2"/>
+            <a:endCxn id="90" idx="3"/>
+          </p:cNvCxnSpPr>
+          <p:nvPr/>
+        </p:nvCxnSpPr>
+        <p:spPr>
+          <a:xfrm rot="5400000">
+            <a:off x="8432511" y="3832885"/>
+            <a:ext cx="627430" cy="840699"/>
+          </a:xfrm>
+          <a:prstGeom prst="bentConnector2">
+            <a:avLst/>
+          </a:prstGeom>
+          <a:noFill/>
+          <a:ln w="12700" cap="flat" cmpd="sng" algn="ctr">
+            <a:solidFill>
+              <a:srgbClr val="000000"/>
+            </a:solidFill>
+            <a:prstDash val="solid"/>
+            <a:headEnd type="none" w="med" len="med"/>
+            <a:tailEnd type="arrow" w="med" len="med"/>
+          </a:ln>
+          <a:effectLst/>
+        </p:spPr>
+      </p:cxnSp>
+      <p:cxnSp>
+        <p:nvCxnSpPr>
+          <p:cNvPr id="142" name="Straight Arrow Connector 141">
+            <a:extLst>
+              <a:ext uri="{FF2B5EF4-FFF2-40B4-BE49-F238E27FC236}">
+                <a16:creationId xmlns:a16="http://schemas.microsoft.com/office/drawing/2014/main" id="{69826064-40DE-482F-84A5-76BC2CDB7267}"/>
+              </a:ext>
+            </a:extLst>
+          </p:cNvPr>
+          <p:cNvCxnSpPr>
+            <a:cxnSpLocks/>
+            <a:stCxn id="126" idx="3"/>
+            <a:endCxn id="89" idx="1"/>
+          </p:cNvCxnSpPr>
+          <p:nvPr/>
+        </p:nvCxnSpPr>
+        <p:spPr>
+          <a:xfrm>
+            <a:off x="2559142" y="4565139"/>
+            <a:ext cx="283388" cy="1810"/>
+          </a:xfrm>
+          <a:prstGeom prst="straightConnector1">
+            <a:avLst/>
+          </a:prstGeom>
+          <a:noFill/>
+          <a:ln w="12700" cap="flat" cmpd="sng" algn="ctr">
+            <a:solidFill>
+              <a:srgbClr val="000000"/>
+            </a:solidFill>
+            <a:prstDash val="solid"/>
+            <a:headEnd type="none" w="med" len="med"/>
+            <a:tailEnd type="arrow" w="med" len="med"/>
+          </a:ln>
+          <a:effectLst/>
+        </p:spPr>
+      </p:cxnSp>
+      <p:cxnSp>
+        <p:nvCxnSpPr>
+          <p:cNvPr id="168" name="Straight Arrow Connector 167">
+            <a:extLst>
+              <a:ext uri="{FF2B5EF4-FFF2-40B4-BE49-F238E27FC236}">
+                <a16:creationId xmlns:a16="http://schemas.microsoft.com/office/drawing/2014/main" id="{BE47D892-871D-4EDB-B82A-1AC457583D62}"/>
+              </a:ext>
+            </a:extLst>
+          </p:cNvPr>
+          <p:cNvCxnSpPr>
+            <a:cxnSpLocks/>
+          </p:cNvCxnSpPr>
+          <p:nvPr/>
+        </p:nvCxnSpPr>
+        <p:spPr>
+          <a:xfrm>
+            <a:off x="7439833" y="1875191"/>
+            <a:ext cx="0" cy="600556"/>
+          </a:xfrm>
+          <a:prstGeom prst="straightConnector1">
+            <a:avLst/>
+          </a:prstGeom>
+          <a:noFill/>
+          <a:ln w="12700" cap="flat" cmpd="sng" algn="ctr">
+            <a:solidFill>
+              <a:srgbClr val="000000"/>
+            </a:solidFill>
+            <a:prstDash val="solid"/>
+            <a:headEnd type="none" w="med" len="med"/>
+            <a:tailEnd type="arrow" w="med" len="med"/>
+          </a:ln>
+          <a:effectLst/>
+        </p:spPr>
+      </p:cxnSp>
+      <p:sp>
+        <p:nvSpPr>
+          <p:cNvPr id="170" name="Rectangle 169">
+            <a:extLst>
+              <a:ext uri="{FF2B5EF4-FFF2-40B4-BE49-F238E27FC236}">
+                <a16:creationId xmlns:a16="http://schemas.microsoft.com/office/drawing/2014/main" id="{30A626FF-AF98-4F99-BBB9-6CB9987F2124}"/>
+              </a:ext>
+            </a:extLst>
+          </p:cNvPr>
+          <p:cNvSpPr/>
+          <p:nvPr/>
+        </p:nvSpPr>
+        <p:spPr>
+          <a:xfrm>
+            <a:off x="4199990" y="3263456"/>
+            <a:ext cx="1129455" cy="687574"/>
+          </a:xfrm>
+          <a:prstGeom prst="rect">
+            <a:avLst/>
+          </a:prstGeom>
+          <a:noFill/>
+          <a:ln w="12700" cap="flat" cmpd="sng" algn="ctr">
+            <a:solidFill>
+              <a:srgbClr val="000000"/>
+            </a:solidFill>
+            <a:prstDash val="solid"/>
+          </a:ln>
+          <a:effectLst/>
+        </p:spPr>
+        <p:txBody>
+          <a:bodyPr lIns="0" rIns="0" rtlCol="0" anchor="t"/>
+          <a:lstStyle/>
+          <a:p>
+            <a:pPr marL="0" marR="0" lvl="0" indent="0" algn="ctr" defTabSz="914400" eaLnBrk="1" fontAlgn="auto" latinLnBrk="0" hangingPunct="1">
+              <a:lnSpc>
+                <a:spcPct val="100000"/>
+              </a:lnSpc>
+              <a:spcBef>
+                <a:spcPts val="0"/>
+              </a:spcBef>
+              <a:spcAft>
+                <a:spcPts val="0"/>
+              </a:spcAft>
+              <a:buClrTx/>
+              <a:buSzTx/>
+              <a:buFontTx/>
+              <a:buNone/>
+              <a:tabLst/>
+              <a:defRPr/>
+            </a:pPr>
+            <a:r>
+              <a:rPr kumimoji="0" lang="en-US" sz="1200" b="0" i="0" u="none" strike="noStrike" kern="0" cap="none" spc="0" normalizeH="0" baseline="0" noProof="0" dirty="0" err="1">
+                <a:ln>
+                  <a:noFill/>
+                </a:ln>
+                <a:solidFill>
+                  <a:srgbClr val="000000"/>
+                </a:solidFill>
+                <a:effectLst/>
+                <a:uLnTx/>
+                <a:uFillTx/>
+                <a:latin typeface="Arial" panose="020B0604020202020204"/>
+                <a:ea typeface="+mn-ea"/>
+                <a:cs typeface="+mn-cs"/>
+              </a:rPr>
+              <a:t>CAmkES</a:t>
+            </a:r>
+            <a:r>
+              <a:rPr kumimoji="0" lang="en-US" sz="1200" b="0" i="0" u="none" strike="noStrike" kern="0" cap="none" spc="0" normalizeH="0" baseline="0" noProof="0" dirty="0">
+                <a:ln>
+                  <a:noFill/>
+                </a:ln>
+                <a:solidFill>
+                  <a:srgbClr val="000000"/>
+                </a:solidFill>
+                <a:effectLst/>
+                <a:uLnTx/>
+                <a:uFillTx/>
+                <a:latin typeface="Arial" panose="020B0604020202020204"/>
+                <a:ea typeface="+mn-ea"/>
+                <a:cs typeface="+mn-cs"/>
+              </a:rPr>
+              <a:t> </a:t>
+            </a:r>
+          </a:p>
+          <a:p>
+            <a:pPr marL="0" marR="0" lvl="0" indent="0" algn="ctr" defTabSz="914400" eaLnBrk="1" fontAlgn="auto" latinLnBrk="0" hangingPunct="1">
+              <a:lnSpc>
+                <a:spcPct val="100000"/>
+              </a:lnSpc>
+              <a:spcBef>
+                <a:spcPts val="0"/>
+              </a:spcBef>
+              <a:spcAft>
+                <a:spcPts val="0"/>
+              </a:spcAft>
+              <a:buClrTx/>
+              <a:buSzTx/>
+              <a:buFontTx/>
+              <a:buNone/>
+              <a:tabLst/>
+              <a:defRPr/>
+            </a:pPr>
+            <a:r>
+              <a:rPr kumimoji="0" lang="en-US" sz="1200" b="0" i="0" u="none" strike="noStrike" kern="0" cap="none" spc="0" normalizeH="0" baseline="0" noProof="0" dirty="0">
+                <a:ln>
+                  <a:noFill/>
+                </a:ln>
+                <a:solidFill>
+                  <a:srgbClr val="000000"/>
+                </a:solidFill>
+                <a:effectLst/>
+                <a:uLnTx/>
+                <a:uFillTx/>
+                <a:latin typeface="Arial" panose="020B0604020202020204"/>
+                <a:ea typeface="+mn-ea"/>
+                <a:cs typeface="+mn-cs"/>
+              </a:rPr>
+              <a:t>config files</a:t>
+            </a:r>
+          </a:p>
+        </p:txBody>
+      </p:sp>
+      <p:cxnSp>
+        <p:nvCxnSpPr>
+          <p:cNvPr id="177" name="Straight Arrow Connector 176">
+            <a:extLst>
+              <a:ext uri="{FF2B5EF4-FFF2-40B4-BE49-F238E27FC236}">
+                <a16:creationId xmlns:a16="http://schemas.microsoft.com/office/drawing/2014/main" id="{9D223902-46F5-4E76-AC3D-7235EF9BD2AE}"/>
+              </a:ext>
+            </a:extLst>
+          </p:cNvPr>
+          <p:cNvCxnSpPr>
+            <a:cxnSpLocks/>
+            <a:stCxn id="62" idx="2"/>
+            <a:endCxn id="170" idx="0"/>
+          </p:cNvCxnSpPr>
+          <p:nvPr/>
+        </p:nvCxnSpPr>
+        <p:spPr>
+          <a:xfrm>
+            <a:off x="3361475" y="2774844"/>
+            <a:ext cx="1403243" cy="488612"/>
+          </a:xfrm>
+          <a:prstGeom prst="straightConnector1">
+            <a:avLst/>
+          </a:prstGeom>
+          <a:noFill/>
+          <a:ln w="12700" cap="flat" cmpd="sng" algn="ctr">
+            <a:solidFill>
+              <a:srgbClr val="000000"/>
+            </a:solidFill>
+            <a:prstDash val="solid"/>
+            <a:headEnd type="none" w="med" len="med"/>
+            <a:tailEnd type="arrow" w="med" len="med"/>
+          </a:ln>
+          <a:effectLst/>
+        </p:spPr>
+      </p:cxnSp>
+      <p:cxnSp>
+        <p:nvCxnSpPr>
+          <p:cNvPr id="180" name="Connector: Elbow 179">
+            <a:extLst>
+              <a:ext uri="{FF2B5EF4-FFF2-40B4-BE49-F238E27FC236}">
+                <a16:creationId xmlns:a16="http://schemas.microsoft.com/office/drawing/2014/main" id="{88EDAEDC-7473-489A-B912-FFE6A2D23040}"/>
+              </a:ext>
+            </a:extLst>
+          </p:cNvPr>
+          <p:cNvCxnSpPr>
+            <a:cxnSpLocks/>
+            <a:stCxn id="89" idx="2"/>
+            <a:endCxn id="107" idx="1"/>
+          </p:cNvCxnSpPr>
+          <p:nvPr/>
+        </p:nvCxnSpPr>
+        <p:spPr>
+          <a:xfrm rot="16200000" flipH="1">
+            <a:off x="3535964" y="4675233"/>
+            <a:ext cx="493423" cy="834632"/>
+          </a:xfrm>
+          <a:prstGeom prst="bentConnector2">
+            <a:avLst/>
+          </a:prstGeom>
+          <a:noFill/>
+          <a:ln w="12700" cap="flat" cmpd="sng" algn="ctr">
+            <a:solidFill>
+              <a:srgbClr val="000000"/>
+            </a:solidFill>
+            <a:prstDash val="solid"/>
+            <a:headEnd type="none" w="med" len="med"/>
+            <a:tailEnd type="arrow" w="med" len="med"/>
+          </a:ln>
+          <a:effectLst/>
+        </p:spPr>
+      </p:cxnSp>
+      <p:cxnSp>
+        <p:nvCxnSpPr>
+          <p:cNvPr id="183" name="Connector: Elbow 182">
+            <a:extLst>
+              <a:ext uri="{FF2B5EF4-FFF2-40B4-BE49-F238E27FC236}">
+                <a16:creationId xmlns:a16="http://schemas.microsoft.com/office/drawing/2014/main" id="{4F729DF2-08D9-4E9F-9E75-42BC1EECB09F}"/>
+              </a:ext>
+            </a:extLst>
+          </p:cNvPr>
+          <p:cNvCxnSpPr>
+            <a:cxnSpLocks/>
+            <a:stCxn id="90" idx="2"/>
+            <a:endCxn id="107" idx="3"/>
+          </p:cNvCxnSpPr>
+          <p:nvPr/>
+        </p:nvCxnSpPr>
+        <p:spPr>
+          <a:xfrm rot="5400000">
+            <a:off x="7147398" y="4670252"/>
+            <a:ext cx="493423" cy="844595"/>
+          </a:xfrm>
+          <a:prstGeom prst="bentConnector2">
+            <a:avLst/>
+          </a:prstGeom>
+          <a:noFill/>
+          <a:ln w="12700" cap="flat" cmpd="sng" algn="ctr">
+            <a:solidFill>
+              <a:srgbClr val="000000"/>
+            </a:solidFill>
+            <a:prstDash val="solid"/>
+            <a:headEnd type="none" w="med" len="med"/>
+            <a:tailEnd type="arrow" w="med" len="med"/>
+          </a:ln>
+          <a:effectLst/>
+        </p:spPr>
+      </p:cxnSp>
+      <p:cxnSp>
+        <p:nvCxnSpPr>
+          <p:cNvPr id="195" name="Straight Arrow Connector 194">
+            <a:extLst>
+              <a:ext uri="{FF2B5EF4-FFF2-40B4-BE49-F238E27FC236}">
+                <a16:creationId xmlns:a16="http://schemas.microsoft.com/office/drawing/2014/main" id="{2DA5AFC0-A729-447E-8E21-E66C913343E6}"/>
+              </a:ext>
+            </a:extLst>
+          </p:cNvPr>
+          <p:cNvCxnSpPr>
+            <a:cxnSpLocks/>
+            <a:stCxn id="66" idx="3"/>
+          </p:cNvCxnSpPr>
+          <p:nvPr/>
+        </p:nvCxnSpPr>
+        <p:spPr>
+          <a:xfrm>
+            <a:off x="8558664" y="2621661"/>
+            <a:ext cx="289028" cy="0"/>
+          </a:xfrm>
+          <a:prstGeom prst="straightConnector1">
+            <a:avLst/>
+          </a:prstGeom>
+          <a:noFill/>
+          <a:ln w="12700" cap="flat" cmpd="sng" algn="ctr">
+            <a:solidFill>
+              <a:srgbClr val="000000"/>
+            </a:solidFill>
+            <a:prstDash val="solid"/>
+            <a:headEnd type="none" w="med" len="med"/>
+            <a:tailEnd type="arrow" w="med" len="med"/>
+          </a:ln>
+          <a:effectLst/>
+        </p:spPr>
+      </p:cxnSp>
+      <p:cxnSp>
+        <p:nvCxnSpPr>
+          <p:cNvPr id="216" name="Straight Arrow Connector 215">
+            <a:extLst>
+              <a:ext uri="{FF2B5EF4-FFF2-40B4-BE49-F238E27FC236}">
+                <a16:creationId xmlns:a16="http://schemas.microsoft.com/office/drawing/2014/main" id="{07090243-E285-458A-A5E3-2655E273C41D}"/>
+              </a:ext>
+            </a:extLst>
+          </p:cNvPr>
+          <p:cNvCxnSpPr>
+            <a:cxnSpLocks/>
+            <a:stCxn id="170" idx="2"/>
+            <a:endCxn id="82" idx="0"/>
+          </p:cNvCxnSpPr>
+          <p:nvPr/>
+        </p:nvCxnSpPr>
+        <p:spPr>
+          <a:xfrm>
+            <a:off x="4764718" y="3951030"/>
+            <a:ext cx="0" cy="337030"/>
+          </a:xfrm>
+          <a:prstGeom prst="straightConnector1">
+            <a:avLst/>
+          </a:prstGeom>
+          <a:noFill/>
+          <a:ln w="12700" cap="flat" cmpd="sng" algn="ctr">
+            <a:solidFill>
+              <a:srgbClr val="000000"/>
+            </a:solidFill>
+            <a:prstDash val="solid"/>
+            <a:headEnd type="none" w="med" len="med"/>
+            <a:tailEnd type="arrow" w="med" len="med"/>
+          </a:ln>
+          <a:effectLst/>
+        </p:spPr>
+      </p:cxnSp>
+      <p:sp>
+        <p:nvSpPr>
+          <p:cNvPr id="256" name="Rectangle: Folded Corner 255">
+            <a:extLst>
+              <a:ext uri="{FF2B5EF4-FFF2-40B4-BE49-F238E27FC236}">
+                <a16:creationId xmlns:a16="http://schemas.microsoft.com/office/drawing/2014/main" id="{EAAF9A9E-E074-41F2-B466-63E9B4929F4B}"/>
+              </a:ext>
+            </a:extLst>
+          </p:cNvPr>
+          <p:cNvSpPr/>
+          <p:nvPr/>
+        </p:nvSpPr>
+        <p:spPr>
+          <a:xfrm>
+            <a:off x="8844997" y="2105330"/>
+            <a:ext cx="840177" cy="665741"/>
+          </a:xfrm>
+          <a:prstGeom prst="foldedCorner">
+            <a:avLst/>
+          </a:prstGeom>
+          <a:solidFill>
+            <a:schemeClr val="bg1"/>
+          </a:solidFill>
+          <a:ln>
+            <a:solidFill>
+              <a:schemeClr val="tx1"/>
+            </a:solidFill>
+          </a:ln>
+        </p:spPr>
+        <p:style>
+          <a:lnRef idx="2">
+            <a:schemeClr val="accent1">
+              <a:shade val="50000"/>
+            </a:schemeClr>
+          </a:lnRef>
+          <a:fillRef idx="1">
+            <a:schemeClr val="accent1"/>
+          </a:fillRef>
+          <a:effectRef idx="0">
+            <a:schemeClr val="accent1"/>
+          </a:effectRef>
+          <a:fontRef idx="minor">
+            <a:schemeClr val="lt1"/>
+          </a:fontRef>
+        </p:style>
+        <p:txBody>
+          <a:bodyPr lIns="0" rIns="0" rtlCol="0" anchor="ctr"/>
+          <a:lstStyle/>
+          <a:p>
+            <a:pPr algn="ctr"/>
+            <a:r>
+              <a:rPr lang="en-US" sz="1200" dirty="0">
+                <a:solidFill>
+                  <a:schemeClr val="tx1"/>
+                </a:solidFill>
+                <a:latin typeface="Arial" panose="020B0604020202020204" pitchFamily="34" charset="0"/>
+                <a:cs typeface="Arial" panose="020B0604020202020204" pitchFamily="34" charset="0"/>
+              </a:rPr>
+              <a:t>Assurance Case</a:t>
+            </a:r>
+          </a:p>
+        </p:txBody>
+      </p:sp>
+    </p:spTree>
+    <p:extLst>
+      <p:ext uri="{BB962C8B-B14F-4D97-AF65-F5344CB8AC3E}">
+        <p14:creationId xmlns:p14="http://schemas.microsoft.com/office/powerpoint/2010/main" val="1560974443"/>
       </p:ext>
     </p:extLst>
   </p:cSld>

--- a/figs/figures.pptx
+++ b/figs/figures.pptx
@@ -18,6 +18,9 @@
     <p:sldId id="437" r:id="rId12"/>
     <p:sldId id="441" r:id="rId13"/>
     <p:sldId id="442" r:id="rId14"/>
+    <p:sldId id="443" r:id="rId15"/>
+    <p:sldId id="444" r:id="rId16"/>
+    <p:sldId id="445" r:id="rId17"/>
   </p:sldIdLst>
   <p:sldSz cx="12192000" cy="6858000"/>
   <p:notesSz cx="6858000" cy="9144000"/>
@@ -23911,8 +23914,8 @@
         </p:nvSpPr>
         <p:spPr>
           <a:xfrm>
-            <a:off x="2864018" y="1400790"/>
-            <a:ext cx="5919489" cy="471948"/>
+            <a:off x="2574770" y="1400790"/>
+            <a:ext cx="6208738" cy="471948"/>
           </a:xfrm>
           <a:prstGeom prst="rect">
             <a:avLst/>
@@ -23981,8 +23984,8 @@
         </p:nvSpPr>
         <p:spPr>
           <a:xfrm>
-            <a:off x="2864018" y="2111168"/>
-            <a:ext cx="994914" cy="663676"/>
+            <a:off x="3358540" y="2111168"/>
+            <a:ext cx="845296" cy="663676"/>
           </a:xfrm>
           <a:prstGeom prst="roundRect">
             <a:avLst>
@@ -24058,8 +24061,8 @@
         </p:nvCxnSpPr>
         <p:spPr>
           <a:xfrm>
-            <a:off x="3361475" y="1866900"/>
-            <a:ext cx="0" cy="244268"/>
+            <a:off x="3781188" y="1875191"/>
+            <a:ext cx="0" cy="235977"/>
           </a:xfrm>
           <a:prstGeom prst="straightConnector1">
             <a:avLst/>
@@ -24090,8 +24093,8 @@
         </p:nvSpPr>
         <p:spPr>
           <a:xfrm>
-            <a:off x="5563700" y="2111168"/>
-            <a:ext cx="1408110" cy="663676"/>
+            <a:off x="5705708" y="2111168"/>
+            <a:ext cx="1266101" cy="663676"/>
           </a:xfrm>
           <a:prstGeom prst="roundRect">
             <a:avLst>
@@ -24145,7 +24148,7 @@
                 <a:ea typeface="+mn-ea"/>
                 <a:cs typeface="+mn-cs"/>
               </a:rPr>
-              <a:t>Cyber Transformations</a:t>
+              <a:t>Cyber Transforms</a:t>
             </a:r>
           </a:p>
         </p:txBody>
@@ -24164,8 +24167,8 @@
         </p:nvSpPr>
         <p:spPr>
           <a:xfrm>
-            <a:off x="7237880" y="2111168"/>
-            <a:ext cx="1320784" cy="306366"/>
+            <a:off x="7438808" y="2111168"/>
+            <a:ext cx="1024605" cy="306366"/>
           </a:xfrm>
           <a:prstGeom prst="roundRect">
             <a:avLst>
@@ -24238,7 +24241,7 @@
         </p:nvSpPr>
         <p:spPr>
           <a:xfrm>
-            <a:off x="7237880" y="2468478"/>
+            <a:off x="7161680" y="2468478"/>
             <a:ext cx="1320784" cy="306366"/>
           </a:xfrm>
           <a:prstGeom prst="roundRect">
@@ -24315,7 +24318,7 @@
         </p:nvCxnSpPr>
         <p:spPr>
           <a:xfrm>
-            <a:off x="7898273" y="1875191"/>
+            <a:off x="7951111" y="1875191"/>
             <a:ext cx="0" cy="235977"/>
           </a:xfrm>
           <a:prstGeom prst="straightConnector1">
@@ -24335,70 +24338,6 @@
       </p:cxnSp>
       <p:cxnSp>
         <p:nvCxnSpPr>
-          <p:cNvPr id="68" name="Straight Arrow Connector 67">
-            <a:extLst>
-              <a:ext uri="{FF2B5EF4-FFF2-40B4-BE49-F238E27FC236}">
-                <a16:creationId xmlns:a16="http://schemas.microsoft.com/office/drawing/2014/main" id="{795CDE83-07D7-4A17-8D9F-54F36D6F22E7}"/>
-              </a:ext>
-            </a:extLst>
-          </p:cNvPr>
-          <p:cNvCxnSpPr/>
-          <p:nvPr/>
-        </p:nvCxnSpPr>
-        <p:spPr>
-          <a:xfrm flipH="1">
-            <a:off x="6957015" y="2264351"/>
-            <a:ext cx="267695" cy="0"/>
-          </a:xfrm>
-          <a:prstGeom prst="straightConnector1">
-            <a:avLst/>
-          </a:prstGeom>
-          <a:noFill/>
-          <a:ln w="12700" cap="flat" cmpd="sng" algn="ctr">
-            <a:solidFill>
-              <a:srgbClr val="000000"/>
-            </a:solidFill>
-            <a:prstDash val="solid"/>
-            <a:headEnd type="arrow" w="med" len="med"/>
-            <a:tailEnd type="none" w="med" len="med"/>
-          </a:ln>
-          <a:effectLst/>
-        </p:spPr>
-      </p:cxnSp>
-      <p:cxnSp>
-        <p:nvCxnSpPr>
-          <p:cNvPr id="69" name="Straight Arrow Connector 68">
-            <a:extLst>
-              <a:ext uri="{FF2B5EF4-FFF2-40B4-BE49-F238E27FC236}">
-                <a16:creationId xmlns:a16="http://schemas.microsoft.com/office/drawing/2014/main" id="{8F5AB737-40B7-4B38-9882-7F986E9FA9DE}"/>
-              </a:ext>
-            </a:extLst>
-          </p:cNvPr>
-          <p:cNvCxnSpPr/>
-          <p:nvPr/>
-        </p:nvCxnSpPr>
-        <p:spPr>
-          <a:xfrm flipH="1">
-            <a:off x="6957015" y="2621661"/>
-            <a:ext cx="267695" cy="0"/>
-          </a:xfrm>
-          <a:prstGeom prst="straightConnector1">
-            <a:avLst/>
-          </a:prstGeom>
-          <a:noFill/>
-          <a:ln w="12700" cap="flat" cmpd="sng" algn="ctr">
-            <a:solidFill>
-              <a:srgbClr val="000000"/>
-            </a:solidFill>
-            <a:prstDash val="solid"/>
-            <a:headEnd type="arrow" w="med" len="med"/>
-            <a:tailEnd type="none" w="med" len="med"/>
-          </a:ln>
-          <a:effectLst/>
-        </p:spPr>
-      </p:cxnSp>
-      <p:cxnSp>
-        <p:nvCxnSpPr>
           <p:cNvPr id="70" name="Straight Arrow Connector 69">
             <a:extLst>
               <a:ext uri="{FF2B5EF4-FFF2-40B4-BE49-F238E27FC236}">
@@ -24413,7 +24352,7 @@
         </p:nvCxnSpPr>
         <p:spPr>
           <a:xfrm>
-            <a:off x="5969173" y="1866900"/>
+            <a:off x="6025159" y="1866900"/>
             <a:ext cx="0" cy="244268"/>
           </a:xfrm>
           <a:prstGeom prst="straightConnector1">
@@ -24445,8 +24384,8 @@
         </p:nvSpPr>
         <p:spPr>
           <a:xfrm>
-            <a:off x="5595245" y="3263456"/>
-            <a:ext cx="1361768" cy="687574"/>
+            <a:off x="5732579" y="3263456"/>
+            <a:ext cx="1224433" cy="687574"/>
           </a:xfrm>
           <a:prstGeom prst="roundRect">
             <a:avLst>
@@ -24523,8 +24462,8 @@
         </p:nvCxnSpPr>
         <p:spPr>
           <a:xfrm>
-            <a:off x="6267755" y="2774844"/>
-            <a:ext cx="8374" cy="488612"/>
+            <a:off x="6338759" y="2774844"/>
+            <a:ext cx="6037" cy="488612"/>
           </a:xfrm>
           <a:prstGeom prst="straightConnector1">
             <a:avLst/>
@@ -24555,7 +24494,7 @@
         </p:nvSpPr>
         <p:spPr>
           <a:xfrm>
-            <a:off x="4115746" y="2111168"/>
+            <a:off x="4330347" y="2111168"/>
             <a:ext cx="1131524" cy="663676"/>
           </a:xfrm>
           <a:prstGeom prst="roundRect">
@@ -24633,8 +24572,8 @@
         </p:nvCxnSpPr>
         <p:spPr>
           <a:xfrm flipH="1">
-            <a:off x="5247270" y="2443006"/>
-            <a:ext cx="316430" cy="0"/>
+            <a:off x="5461871" y="2443006"/>
+            <a:ext cx="243837" cy="0"/>
           </a:xfrm>
           <a:prstGeom prst="straightConnector1">
             <a:avLst/>
@@ -24662,13 +24601,12 @@
           </p:cNvPr>
           <p:cNvCxnSpPr>
             <a:cxnSpLocks/>
-            <a:endCxn id="76" idx="0"/>
           </p:cNvCxnSpPr>
           <p:nvPr/>
         </p:nvCxnSpPr>
         <p:spPr>
           <a:xfrm>
-            <a:off x="4679468" y="1872738"/>
+            <a:off x="4670129" y="1872738"/>
             <a:ext cx="2040" cy="238430"/>
           </a:xfrm>
           <a:prstGeom prst="straightConnector1">
@@ -24708,7 +24646,9 @@
               <a:gd name="adj" fmla="val 13390"/>
             </a:avLst>
           </a:prstGeom>
-          <a:noFill/>
+          <a:solidFill>
+            <a:srgbClr val="D6EDBD"/>
+          </a:solidFill>
           <a:ln w="12700" cap="flat" cmpd="sng" algn="ctr">
             <a:solidFill>
               <a:srgbClr val="000000"/>
@@ -25061,11 +25001,7 @@
           <a:prstGeom prst="rect">
             <a:avLst/>
           </a:prstGeom>
-          <a:solidFill>
-            <a:schemeClr val="bg1">
-              <a:lumMod val="95000"/>
-            </a:schemeClr>
-          </a:solidFill>
+          <a:noFill/>
           <a:ln w="12700" cap="flat" cmpd="sng" algn="ctr">
             <a:solidFill>
               <a:srgbClr val="000000"/>
@@ -25134,7 +25070,7 @@
         <p:spPr>
           <a:xfrm flipH="1">
             <a:off x="3359401" y="2774844"/>
-            <a:ext cx="2074" cy="478676"/>
+            <a:ext cx="421787" cy="478676"/>
           </a:xfrm>
           <a:prstGeom prst="straightConnector1">
             <a:avLst/>
@@ -25170,7 +25106,7 @@
         <p:spPr>
           <a:xfrm flipH="1">
             <a:off x="5329445" y="3607243"/>
-            <a:ext cx="265800" cy="0"/>
+            <a:ext cx="403134" cy="0"/>
           </a:xfrm>
           <a:prstGeom prst="straightConnector1">
             <a:avLst/>
@@ -25207,11 +25143,7 @@
           <a:prstGeom prst="rect">
             <a:avLst/>
           </a:prstGeom>
-          <a:solidFill>
-            <a:schemeClr val="bg1">
-              <a:lumMod val="95000"/>
-            </a:schemeClr>
-          </a:solidFill>
+          <a:noFill/>
           <a:ln w="12700" cap="flat" cmpd="sng" algn="ctr">
             <a:solidFill>
               <a:srgbClr val="000000"/>
@@ -25315,8 +25247,8 @@
         </p:nvCxnSpPr>
         <p:spPr>
           <a:xfrm>
-            <a:off x="6957013" y="3607243"/>
-            <a:ext cx="349923" cy="0"/>
+            <a:off x="6957012" y="3607243"/>
+            <a:ext cx="349924" cy="0"/>
           </a:xfrm>
           <a:prstGeom prst="straightConnector1">
             <a:avLst/>
@@ -25488,7 +25420,7 @@
         </p:nvCxnSpPr>
         <p:spPr>
           <a:xfrm>
-            <a:off x="6531424" y="1866900"/>
+            <a:off x="6587410" y="1866900"/>
             <a:ext cx="0" cy="238430"/>
           </a:xfrm>
           <a:prstGeom prst="straightConnector1">
@@ -25526,11 +25458,7 @@
           <a:prstGeom prst="rect">
             <a:avLst/>
           </a:prstGeom>
-          <a:solidFill>
-            <a:schemeClr val="bg1">
-              <a:lumMod val="95000"/>
-            </a:schemeClr>
-          </a:solidFill>
+          <a:noFill/>
           <a:ln w="12700" cap="flat" cmpd="sng" algn="ctr">
             <a:solidFill>
               <a:srgbClr val="000000"/>
@@ -25607,9 +25535,7 @@
             <a:avLst/>
           </a:prstGeom>
           <a:solidFill>
-            <a:schemeClr val="bg1">
-              <a:lumMod val="95000"/>
-            </a:schemeClr>
+            <a:srgbClr val="D6EDBD"/>
           </a:solidFill>
           <a:ln w="12700" cap="flat" cmpd="sng" algn="ctr">
             <a:solidFill>
@@ -25717,9 +25643,7 @@
             <a:avLst/>
           </a:prstGeom>
           <a:solidFill>
-            <a:schemeClr val="bg1">
-              <a:lumMod val="95000"/>
-            </a:schemeClr>
+            <a:srgbClr val="D6EDBD"/>
           </a:solidFill>
           <a:ln w="12700" cap="flat" cmpd="sng" algn="ctr">
             <a:solidFill>
@@ -25858,7 +25782,7 @@
         </p:nvCxnSpPr>
         <p:spPr>
           <a:xfrm>
-            <a:off x="7439833" y="1875191"/>
+            <a:off x="7307453" y="1875191"/>
             <a:ext cx="0" cy="600556"/>
           </a:xfrm>
           <a:prstGeom prst="straightConnector1">
@@ -26017,8 +25941,8 @@
         </p:nvCxnSpPr>
         <p:spPr>
           <a:xfrm>
-            <a:off x="3361475" y="2774844"/>
-            <a:ext cx="1403243" cy="488612"/>
+            <a:off x="3781188" y="2774844"/>
+            <a:ext cx="983530" cy="488612"/>
           </a:xfrm>
           <a:prstGeom prst="straightConnector1">
             <a:avLst/>
@@ -26124,7 +26048,7 @@
         </p:nvCxnSpPr>
         <p:spPr>
           <a:xfrm>
-            <a:off x="8558664" y="2621661"/>
+            <a:off x="8482464" y="2621661"/>
             <a:ext cx="289028" cy="0"/>
           </a:xfrm>
           <a:prstGeom prst="straightConnector1">
@@ -26192,14 +26116,14 @@
         </p:nvSpPr>
         <p:spPr>
           <a:xfrm>
-            <a:off x="8844997" y="2105330"/>
+            <a:off x="8778322" y="2105330"/>
             <a:ext cx="840177" cy="665741"/>
           </a:xfrm>
           <a:prstGeom prst="foldedCorner">
             <a:avLst/>
           </a:prstGeom>
           <a:solidFill>
-            <a:schemeClr val="bg1"/>
+            <a:srgbClr val="D6EDBD"/>
           </a:solidFill>
           <a:ln>
             <a:solidFill>
@@ -26241,10 +26165,8156 @@
           </a:p>
         </p:txBody>
       </p:sp>
+      <p:sp>
+        <p:nvSpPr>
+          <p:cNvPr id="270" name="Rounded Rectangle 6">
+            <a:extLst>
+              <a:ext uri="{FF2B5EF4-FFF2-40B4-BE49-F238E27FC236}">
+                <a16:creationId xmlns:a16="http://schemas.microsoft.com/office/drawing/2014/main" id="{D166B131-0F5D-4F9D-8AD5-57F87C152A61}"/>
+              </a:ext>
+            </a:extLst>
+          </p:cNvPr>
+          <p:cNvSpPr/>
+          <p:nvPr/>
+        </p:nvSpPr>
+        <p:spPr>
+          <a:xfrm>
+            <a:off x="2379059" y="2111168"/>
+            <a:ext cx="845296" cy="663676"/>
+          </a:xfrm>
+          <a:prstGeom prst="roundRect">
+            <a:avLst>
+              <a:gd name="adj" fmla="val 13390"/>
+            </a:avLst>
+          </a:prstGeom>
+          <a:solidFill>
+            <a:srgbClr val="D6EDBD"/>
+          </a:solidFill>
+          <a:ln w="12700" cap="flat" cmpd="sng" algn="ctr">
+            <a:solidFill>
+              <a:srgbClr val="000000"/>
+            </a:solidFill>
+            <a:prstDash val="solid"/>
+          </a:ln>
+          <a:effectLst/>
+        </p:spPr>
+        <p:txBody>
+          <a:bodyPr rtlCol="0" anchor="t"/>
+          <a:lstStyle/>
+          <a:p>
+            <a:pPr marL="0" marR="0" lvl="0" indent="0" algn="ctr" defTabSz="914400" eaLnBrk="1" fontAlgn="auto" latinLnBrk="0" hangingPunct="1">
+              <a:lnSpc>
+                <a:spcPct val="100000"/>
+              </a:lnSpc>
+              <a:spcBef>
+                <a:spcPts val="0"/>
+              </a:spcBef>
+              <a:spcAft>
+                <a:spcPts val="0"/>
+              </a:spcAft>
+              <a:buClrTx/>
+              <a:buSzTx/>
+              <a:buFontTx/>
+              <a:buNone/>
+              <a:tabLst/>
+              <a:defRPr/>
+            </a:pPr>
+            <a:r>
+              <a:rPr kumimoji="0" lang="en-US" sz="1200" b="0" i="0" u="none" strike="noStrike" kern="0" cap="none" spc="0" normalizeH="0" baseline="0" noProof="0" dirty="0" err="1">
+                <a:ln>
+                  <a:noFill/>
+                </a:ln>
+                <a:solidFill>
+                  <a:srgbClr val="000000"/>
+                </a:solidFill>
+                <a:effectLst/>
+                <a:uLnTx/>
+                <a:uFillTx/>
+                <a:latin typeface="Arial" panose="020B0604020202020204"/>
+                <a:ea typeface="+mn-ea"/>
+                <a:cs typeface="+mn-cs"/>
+              </a:rPr>
+              <a:t>Awas</a:t>
+            </a:r>
+            <a:r>
+              <a:rPr kumimoji="0" lang="en-US" sz="1200" b="0" i="0" u="none" strike="noStrike" kern="0" cap="none" spc="0" normalizeH="0" baseline="0" noProof="0" dirty="0">
+                <a:ln>
+                  <a:noFill/>
+                </a:ln>
+                <a:solidFill>
+                  <a:srgbClr val="000000"/>
+                </a:solidFill>
+                <a:effectLst/>
+                <a:uLnTx/>
+                <a:uFillTx/>
+                <a:latin typeface="Arial" panose="020B0604020202020204"/>
+                <a:ea typeface="+mn-ea"/>
+                <a:cs typeface="+mn-cs"/>
+              </a:rPr>
+              <a:t> Info Flow</a:t>
+            </a:r>
+          </a:p>
+        </p:txBody>
+      </p:sp>
+      <p:cxnSp>
+        <p:nvCxnSpPr>
+          <p:cNvPr id="271" name="Straight Arrow Connector 270">
+            <a:extLst>
+              <a:ext uri="{FF2B5EF4-FFF2-40B4-BE49-F238E27FC236}">
+                <a16:creationId xmlns:a16="http://schemas.microsoft.com/office/drawing/2014/main" id="{57772B12-8077-415D-A2BF-8F0438032C56}"/>
+              </a:ext>
+            </a:extLst>
+          </p:cNvPr>
+          <p:cNvCxnSpPr>
+            <a:cxnSpLocks/>
+            <a:endCxn id="270" idx="0"/>
+          </p:cNvCxnSpPr>
+          <p:nvPr/>
+        </p:nvCxnSpPr>
+        <p:spPr>
+          <a:xfrm>
+            <a:off x="2801707" y="1875191"/>
+            <a:ext cx="0" cy="235977"/>
+          </a:xfrm>
+          <a:prstGeom prst="straightConnector1">
+            <a:avLst/>
+          </a:prstGeom>
+          <a:noFill/>
+          <a:ln w="12700" cap="flat" cmpd="sng" algn="ctr">
+            <a:solidFill>
+              <a:srgbClr val="000000"/>
+            </a:solidFill>
+            <a:prstDash val="solid"/>
+            <a:headEnd type="none" w="med" len="med"/>
+            <a:tailEnd type="arrow" w="med" len="med"/>
+          </a:ln>
+          <a:effectLst/>
+        </p:spPr>
+      </p:cxnSp>
+      <p:cxnSp>
+        <p:nvCxnSpPr>
+          <p:cNvPr id="272" name="Straight Arrow Connector 271">
+            <a:extLst>
+              <a:ext uri="{FF2B5EF4-FFF2-40B4-BE49-F238E27FC236}">
+                <a16:creationId xmlns:a16="http://schemas.microsoft.com/office/drawing/2014/main" id="{D4255AA1-0514-46DE-B422-442C29A740B1}"/>
+              </a:ext>
+            </a:extLst>
+          </p:cNvPr>
+          <p:cNvCxnSpPr/>
+          <p:nvPr/>
+        </p:nvCxnSpPr>
+        <p:spPr>
+          <a:xfrm>
+            <a:off x="5153603" y="1870007"/>
+            <a:ext cx="0" cy="238430"/>
+          </a:xfrm>
+          <a:prstGeom prst="straightConnector1">
+            <a:avLst/>
+          </a:prstGeom>
+          <a:noFill/>
+          <a:ln w="12700" cap="flat" cmpd="sng" algn="ctr">
+            <a:solidFill>
+              <a:srgbClr val="000000"/>
+            </a:solidFill>
+            <a:prstDash val="solid"/>
+            <a:headEnd type="arrow" w="med" len="med"/>
+            <a:tailEnd type="none" w="med" len="med"/>
+          </a:ln>
+          <a:effectLst/>
+        </p:spPr>
+      </p:cxnSp>
+      <p:cxnSp>
+        <p:nvCxnSpPr>
+          <p:cNvPr id="277" name="Straight Arrow Connector 276">
+            <a:extLst>
+              <a:ext uri="{FF2B5EF4-FFF2-40B4-BE49-F238E27FC236}">
+                <a16:creationId xmlns:a16="http://schemas.microsoft.com/office/drawing/2014/main" id="{FFADDA0C-0172-4B6D-98D6-8C009B0D7DAD}"/>
+              </a:ext>
+            </a:extLst>
+          </p:cNvPr>
+          <p:cNvCxnSpPr>
+            <a:cxnSpLocks/>
+            <a:stCxn id="65" idx="3"/>
+          </p:cNvCxnSpPr>
+          <p:nvPr/>
+        </p:nvCxnSpPr>
+        <p:spPr>
+          <a:xfrm>
+            <a:off x="8463413" y="2264351"/>
+            <a:ext cx="308079" cy="0"/>
+          </a:xfrm>
+          <a:prstGeom prst="straightConnector1">
+            <a:avLst/>
+          </a:prstGeom>
+          <a:noFill/>
+          <a:ln w="12700" cap="flat" cmpd="sng" algn="ctr">
+            <a:solidFill>
+              <a:srgbClr val="000000"/>
+            </a:solidFill>
+            <a:prstDash val="solid"/>
+            <a:headEnd type="none" w="med" len="med"/>
+            <a:tailEnd type="arrow" w="med" len="med"/>
+          </a:ln>
+          <a:effectLst/>
+        </p:spPr>
+      </p:cxnSp>
     </p:spTree>
     <p:extLst>
       <p:ext uri="{BB962C8B-B14F-4D97-AF65-F5344CB8AC3E}">
         <p14:creationId xmlns:p14="http://schemas.microsoft.com/office/powerpoint/2010/main" val="1560974443"/>
+      </p:ext>
+    </p:extLst>
+  </p:cSld>
+  <p:clrMapOvr>
+    <a:masterClrMapping/>
+  </p:clrMapOvr>
+</p:sld>
+</file>
+
+<file path=ppt/slides/slide13.xml><?xml version="1.0" encoding="utf-8"?>
+<p:sld xmlns:a="http://schemas.openxmlformats.org/drawingml/2006/main" xmlns:r="http://schemas.openxmlformats.org/officeDocument/2006/relationships" xmlns:p="http://schemas.openxmlformats.org/presentationml/2006/main">
+  <p:cSld>
+    <p:spTree>
+      <p:nvGrpSpPr>
+        <p:cNvPr id="1" name=""/>
+        <p:cNvGrpSpPr/>
+        <p:nvPr/>
+      </p:nvGrpSpPr>
+      <p:grpSpPr>
+        <a:xfrm>
+          <a:off x="0" y="0"/>
+          <a:ext cx="0" cy="0"/>
+          <a:chOff x="0" y="0"/>
+          <a:chExt cx="0" cy="0"/>
+        </a:xfrm>
+      </p:grpSpPr>
+      <p:sp>
+        <p:nvSpPr>
+          <p:cNvPr id="60" name="Rounded Rectangle 3">
+            <a:extLst>
+              <a:ext uri="{FF2B5EF4-FFF2-40B4-BE49-F238E27FC236}">
+                <a16:creationId xmlns:a16="http://schemas.microsoft.com/office/drawing/2014/main" id="{FE624042-07D2-4DF4-9D60-2A9B441F1BE0}"/>
+              </a:ext>
+            </a:extLst>
+          </p:cNvPr>
+          <p:cNvSpPr/>
+          <p:nvPr/>
+        </p:nvSpPr>
+        <p:spPr>
+          <a:xfrm>
+            <a:off x="1356993" y="1243472"/>
+            <a:ext cx="8615682" cy="1681317"/>
+          </a:xfrm>
+          <a:prstGeom prst="roundRect">
+            <a:avLst>
+              <a:gd name="adj" fmla="val 6667"/>
+            </a:avLst>
+          </a:prstGeom>
+          <a:noFill/>
+          <a:ln w="12700" cap="flat" cmpd="sng" algn="ctr">
+            <a:solidFill>
+              <a:srgbClr val="000000"/>
+            </a:solidFill>
+            <a:prstDash val="dash"/>
+          </a:ln>
+          <a:effectLst/>
+        </p:spPr>
+        <p:txBody>
+          <a:bodyPr rtlCol="0" anchor="t"/>
+          <a:lstStyle/>
+          <a:p>
+            <a:pPr marL="0" marR="0" lvl="0" indent="0" defTabSz="914400" eaLnBrk="1" fontAlgn="auto" latinLnBrk="0" hangingPunct="1">
+              <a:lnSpc>
+                <a:spcPct val="100000"/>
+              </a:lnSpc>
+              <a:spcBef>
+                <a:spcPts val="0"/>
+              </a:spcBef>
+              <a:spcAft>
+                <a:spcPts val="0"/>
+              </a:spcAft>
+              <a:buClrTx/>
+              <a:buSzTx/>
+              <a:buFontTx/>
+              <a:buNone/>
+              <a:tabLst/>
+              <a:defRPr/>
+            </a:pPr>
+            <a:r>
+              <a:rPr kumimoji="0" lang="en-US" sz="1200" b="0" i="0" u="none" strike="noStrike" kern="0" cap="none" spc="0" normalizeH="0" baseline="0" noProof="0" dirty="0">
+                <a:ln>
+                  <a:noFill/>
+                </a:ln>
+                <a:solidFill>
+                  <a:srgbClr val="000000"/>
+                </a:solidFill>
+                <a:effectLst/>
+                <a:uLnTx/>
+                <a:uFillTx/>
+                <a:latin typeface="Arial" panose="020B0604020202020204"/>
+                <a:ea typeface="+mn-ea"/>
+                <a:cs typeface="+mn-cs"/>
+              </a:rPr>
+              <a:t>OSATE</a:t>
+            </a:r>
+          </a:p>
+          <a:p>
+            <a:pPr marL="0" marR="0" lvl="0" indent="0" defTabSz="914400" eaLnBrk="1" fontAlgn="auto" latinLnBrk="0" hangingPunct="1">
+              <a:lnSpc>
+                <a:spcPct val="100000"/>
+              </a:lnSpc>
+              <a:spcBef>
+                <a:spcPts val="0"/>
+              </a:spcBef>
+              <a:spcAft>
+                <a:spcPts val="0"/>
+              </a:spcAft>
+              <a:buClrTx/>
+              <a:buSzTx/>
+              <a:buFontTx/>
+              <a:buNone/>
+              <a:tabLst/>
+              <a:defRPr/>
+            </a:pPr>
+            <a:r>
+              <a:rPr lang="en-US" sz="1200" kern="0" dirty="0">
+                <a:solidFill>
+                  <a:srgbClr val="000000"/>
+                </a:solidFill>
+                <a:latin typeface="Arial" panose="020B0604020202020204"/>
+              </a:rPr>
+              <a:t>MODELING</a:t>
+            </a:r>
+          </a:p>
+          <a:p>
+            <a:pPr marL="0" marR="0" lvl="0" indent="0" defTabSz="914400" eaLnBrk="1" fontAlgn="auto" latinLnBrk="0" hangingPunct="1">
+              <a:lnSpc>
+                <a:spcPct val="100000"/>
+              </a:lnSpc>
+              <a:spcBef>
+                <a:spcPts val="0"/>
+              </a:spcBef>
+              <a:spcAft>
+                <a:spcPts val="0"/>
+              </a:spcAft>
+              <a:buClrTx/>
+              <a:buSzTx/>
+              <a:buFontTx/>
+              <a:buNone/>
+              <a:tabLst/>
+              <a:defRPr/>
+            </a:pPr>
+            <a:r>
+              <a:rPr lang="en-US" sz="1200" kern="0" dirty="0">
+                <a:solidFill>
+                  <a:srgbClr val="000000"/>
+                </a:solidFill>
+                <a:latin typeface="Arial" panose="020B0604020202020204"/>
+              </a:rPr>
+              <a:t>ENVIRONMENT</a:t>
+            </a:r>
+            <a:endParaRPr kumimoji="0" lang="en-US" sz="1200" b="0" i="0" u="none" strike="noStrike" kern="0" cap="none" spc="0" normalizeH="0" baseline="0" noProof="0" dirty="0">
+              <a:ln>
+                <a:noFill/>
+              </a:ln>
+              <a:solidFill>
+                <a:srgbClr val="000000"/>
+              </a:solidFill>
+              <a:effectLst/>
+              <a:uLnTx/>
+              <a:uFillTx/>
+              <a:latin typeface="Arial" panose="020B0604020202020204"/>
+              <a:ea typeface="+mn-ea"/>
+              <a:cs typeface="+mn-cs"/>
+            </a:endParaRPr>
+          </a:p>
+        </p:txBody>
+      </p:sp>
+      <p:sp>
+        <p:nvSpPr>
+          <p:cNvPr id="61" name="Rectangle 60">
+            <a:extLst>
+              <a:ext uri="{FF2B5EF4-FFF2-40B4-BE49-F238E27FC236}">
+                <a16:creationId xmlns:a16="http://schemas.microsoft.com/office/drawing/2014/main" id="{43BCF27E-FA0B-4588-B8D9-FA4E75F1F0A8}"/>
+              </a:ext>
+            </a:extLst>
+          </p:cNvPr>
+          <p:cNvSpPr/>
+          <p:nvPr/>
+        </p:nvSpPr>
+        <p:spPr>
+          <a:xfrm>
+            <a:off x="2679545" y="1400790"/>
+            <a:ext cx="6208738" cy="471948"/>
+          </a:xfrm>
+          <a:prstGeom prst="rect">
+            <a:avLst/>
+          </a:prstGeom>
+          <a:noFill/>
+          <a:ln w="12700" cap="flat" cmpd="sng" algn="ctr">
+            <a:solidFill>
+              <a:srgbClr val="000000"/>
+            </a:solidFill>
+            <a:prstDash val="solid"/>
+          </a:ln>
+          <a:effectLst/>
+        </p:spPr>
+        <p:txBody>
+          <a:bodyPr rtlCol="0" anchor="t"/>
+          <a:lstStyle/>
+          <a:p>
+            <a:pPr marL="0" marR="0" lvl="0" indent="0" algn="ctr" defTabSz="914400" eaLnBrk="1" fontAlgn="auto" latinLnBrk="0" hangingPunct="1">
+              <a:lnSpc>
+                <a:spcPct val="100000"/>
+              </a:lnSpc>
+              <a:spcBef>
+                <a:spcPts val="0"/>
+              </a:spcBef>
+              <a:spcAft>
+                <a:spcPts val="0"/>
+              </a:spcAft>
+              <a:buClrTx/>
+              <a:buSzTx/>
+              <a:buFontTx/>
+              <a:buNone/>
+              <a:tabLst/>
+              <a:defRPr/>
+            </a:pPr>
+            <a:r>
+              <a:rPr kumimoji="0" lang="en-US" sz="1200" b="0" i="0" u="none" strike="noStrike" kern="0" cap="none" spc="0" normalizeH="0" baseline="0" noProof="0" dirty="0">
+                <a:ln>
+                  <a:noFill/>
+                </a:ln>
+                <a:solidFill>
+                  <a:srgbClr val="000000"/>
+                </a:solidFill>
+                <a:effectLst/>
+                <a:uLnTx/>
+                <a:uFillTx/>
+                <a:latin typeface="Arial" panose="020B0604020202020204"/>
+                <a:ea typeface="+mn-ea"/>
+                <a:cs typeface="+mn-cs"/>
+              </a:rPr>
+              <a:t>AADL model</a:t>
+            </a:r>
+          </a:p>
+        </p:txBody>
+      </p:sp>
+      <p:sp>
+        <p:nvSpPr>
+          <p:cNvPr id="62" name="Rounded Rectangle 6">
+            <a:extLst>
+              <a:ext uri="{FF2B5EF4-FFF2-40B4-BE49-F238E27FC236}">
+                <a16:creationId xmlns:a16="http://schemas.microsoft.com/office/drawing/2014/main" id="{74978FFF-7237-458A-8E97-66F4CB4E910C}"/>
+              </a:ext>
+            </a:extLst>
+          </p:cNvPr>
+          <p:cNvSpPr/>
+          <p:nvPr/>
+        </p:nvSpPr>
+        <p:spPr>
+          <a:xfrm>
+            <a:off x="3358540" y="2111168"/>
+            <a:ext cx="749339" cy="663676"/>
+          </a:xfrm>
+          <a:prstGeom prst="roundRect">
+            <a:avLst>
+              <a:gd name="adj" fmla="val 13390"/>
+            </a:avLst>
+          </a:prstGeom>
+          <a:solidFill>
+            <a:srgbClr val="D6EDBD"/>
+          </a:solidFill>
+          <a:ln w="12700" cap="flat" cmpd="sng" algn="ctr">
+            <a:solidFill>
+              <a:srgbClr val="000000"/>
+            </a:solidFill>
+            <a:prstDash val="solid"/>
+          </a:ln>
+          <a:effectLst/>
+        </p:spPr>
+        <p:txBody>
+          <a:bodyPr rtlCol="0" anchor="t"/>
+          <a:lstStyle/>
+          <a:p>
+            <a:pPr marL="0" marR="0" lvl="0" indent="0" algn="ctr" defTabSz="914400" eaLnBrk="1" fontAlgn="auto" latinLnBrk="0" hangingPunct="1">
+              <a:lnSpc>
+                <a:spcPct val="100000"/>
+              </a:lnSpc>
+              <a:spcBef>
+                <a:spcPts val="0"/>
+              </a:spcBef>
+              <a:spcAft>
+                <a:spcPts val="0"/>
+              </a:spcAft>
+              <a:buClrTx/>
+              <a:buSzTx/>
+              <a:buFontTx/>
+              <a:buNone/>
+              <a:tabLst/>
+              <a:defRPr/>
+            </a:pPr>
+            <a:r>
+              <a:rPr kumimoji="0" lang="en-US" sz="1200" b="0" i="0" u="none" strike="noStrike" kern="0" cap="none" spc="0" normalizeH="0" baseline="0" noProof="0" dirty="0">
+                <a:ln>
+                  <a:noFill/>
+                </a:ln>
+                <a:solidFill>
+                  <a:srgbClr val="000000"/>
+                </a:solidFill>
+                <a:effectLst/>
+                <a:uLnTx/>
+                <a:uFillTx/>
+                <a:latin typeface="Arial" panose="020B0604020202020204"/>
+                <a:ea typeface="+mn-ea"/>
+                <a:cs typeface="+mn-cs"/>
+              </a:rPr>
+              <a:t>HAMR</a:t>
+            </a:r>
+          </a:p>
+        </p:txBody>
+      </p:sp>
+      <p:cxnSp>
+        <p:nvCxnSpPr>
+          <p:cNvPr id="63" name="Straight Arrow Connector 62">
+            <a:extLst>
+              <a:ext uri="{FF2B5EF4-FFF2-40B4-BE49-F238E27FC236}">
+                <a16:creationId xmlns:a16="http://schemas.microsoft.com/office/drawing/2014/main" id="{BEFA455D-7576-4B2A-9919-54716A876357}"/>
+              </a:ext>
+            </a:extLst>
+          </p:cNvPr>
+          <p:cNvCxnSpPr>
+            <a:cxnSpLocks/>
+            <a:endCxn id="62" idx="0"/>
+          </p:cNvCxnSpPr>
+          <p:nvPr/>
+        </p:nvCxnSpPr>
+        <p:spPr>
+          <a:xfrm>
+            <a:off x="3733210" y="1875191"/>
+            <a:ext cx="0" cy="235977"/>
+          </a:xfrm>
+          <a:prstGeom prst="straightConnector1">
+            <a:avLst/>
+          </a:prstGeom>
+          <a:noFill/>
+          <a:ln w="12700" cap="flat" cmpd="sng" algn="ctr">
+            <a:solidFill>
+              <a:srgbClr val="000000"/>
+            </a:solidFill>
+            <a:prstDash val="solid"/>
+            <a:headEnd type="none" w="med" len="med"/>
+            <a:tailEnd type="arrow" w="med" len="med"/>
+          </a:ln>
+          <a:effectLst/>
+        </p:spPr>
+      </p:cxnSp>
+      <p:sp>
+        <p:nvSpPr>
+          <p:cNvPr id="64" name="Rounded Rectangle 12">
+            <a:extLst>
+              <a:ext uri="{FF2B5EF4-FFF2-40B4-BE49-F238E27FC236}">
+                <a16:creationId xmlns:a16="http://schemas.microsoft.com/office/drawing/2014/main" id="{8A53815B-DB3F-4A32-B112-B811B8FF3EDF}"/>
+              </a:ext>
+            </a:extLst>
+          </p:cNvPr>
+          <p:cNvSpPr/>
+          <p:nvPr/>
+        </p:nvSpPr>
+        <p:spPr>
+          <a:xfrm>
+            <a:off x="5534258" y="2111168"/>
+            <a:ext cx="943671" cy="663676"/>
+          </a:xfrm>
+          <a:prstGeom prst="roundRect">
+            <a:avLst>
+              <a:gd name="adj" fmla="val 13390"/>
+            </a:avLst>
+          </a:prstGeom>
+          <a:solidFill>
+            <a:srgbClr val="D6EDBD"/>
+          </a:solidFill>
+          <a:ln w="12700" cap="flat" cmpd="sng" algn="ctr">
+            <a:solidFill>
+              <a:srgbClr val="000000"/>
+            </a:solidFill>
+            <a:prstDash val="solid"/>
+          </a:ln>
+          <a:effectLst/>
+        </p:spPr>
+        <p:txBody>
+          <a:bodyPr lIns="0" tIns="0" rIns="0" bIns="0" rtlCol="0" anchor="t"/>
+          <a:lstStyle/>
+          <a:p>
+            <a:pPr marL="0" marR="0" lvl="0" indent="0" algn="ctr" defTabSz="914400" eaLnBrk="1" fontAlgn="auto" latinLnBrk="0" hangingPunct="1">
+              <a:lnSpc>
+                <a:spcPct val="100000"/>
+              </a:lnSpc>
+              <a:spcBef>
+                <a:spcPts val="0"/>
+              </a:spcBef>
+              <a:spcAft>
+                <a:spcPts val="0"/>
+              </a:spcAft>
+              <a:buClrTx/>
+              <a:buSzTx/>
+              <a:buFontTx/>
+              <a:buNone/>
+              <a:tabLst/>
+              <a:defRPr/>
+            </a:pPr>
+            <a:r>
+              <a:rPr kumimoji="0" lang="en-US" sz="1200" b="0" i="0" u="none" strike="noStrike" kern="0" cap="none" spc="0" normalizeH="0" baseline="0" noProof="0" dirty="0">
+                <a:ln>
+                  <a:noFill/>
+                </a:ln>
+                <a:solidFill>
+                  <a:srgbClr val="000000"/>
+                </a:solidFill>
+                <a:effectLst/>
+                <a:uLnTx/>
+                <a:uFillTx/>
+                <a:latin typeface="Arial" panose="020B0604020202020204"/>
+                <a:ea typeface="+mn-ea"/>
+                <a:cs typeface="+mn-cs"/>
+              </a:rPr>
+              <a:t>Cyber Transforms</a:t>
+            </a:r>
+          </a:p>
+        </p:txBody>
+      </p:sp>
+      <p:sp>
+        <p:nvSpPr>
+          <p:cNvPr id="65" name="Rounded Rectangle 13">
+            <a:extLst>
+              <a:ext uri="{FF2B5EF4-FFF2-40B4-BE49-F238E27FC236}">
+                <a16:creationId xmlns:a16="http://schemas.microsoft.com/office/drawing/2014/main" id="{8586F126-C46A-44DC-8663-26C64309FCCA}"/>
+              </a:ext>
+            </a:extLst>
+          </p:cNvPr>
+          <p:cNvSpPr/>
+          <p:nvPr/>
+        </p:nvSpPr>
+        <p:spPr>
+          <a:xfrm>
+            <a:off x="6648234" y="2111167"/>
+            <a:ext cx="681071" cy="658865"/>
+          </a:xfrm>
+          <a:prstGeom prst="roundRect">
+            <a:avLst>
+              <a:gd name="adj" fmla="val 13390"/>
+            </a:avLst>
+          </a:prstGeom>
+          <a:solidFill>
+            <a:srgbClr val="D6EDBD"/>
+          </a:solidFill>
+          <a:ln w="12700" cap="flat" cmpd="sng" algn="ctr">
+            <a:solidFill>
+              <a:srgbClr val="000000"/>
+            </a:solidFill>
+            <a:prstDash val="solid"/>
+          </a:ln>
+          <a:effectLst/>
+        </p:spPr>
+        <p:txBody>
+          <a:bodyPr lIns="0" rIns="0" rtlCol="0" anchor="t"/>
+          <a:lstStyle/>
+          <a:p>
+            <a:pPr marL="0" marR="0" lvl="0" indent="0" algn="ctr" defTabSz="914400" eaLnBrk="1" fontAlgn="auto" latinLnBrk="0" hangingPunct="1">
+              <a:lnSpc>
+                <a:spcPct val="100000"/>
+              </a:lnSpc>
+              <a:spcBef>
+                <a:spcPts val="0"/>
+              </a:spcBef>
+              <a:spcAft>
+                <a:spcPts val="0"/>
+              </a:spcAft>
+              <a:buClrTx/>
+              <a:buSzTx/>
+              <a:buFontTx/>
+              <a:buNone/>
+              <a:tabLst/>
+              <a:defRPr/>
+            </a:pPr>
+            <a:r>
+              <a:rPr kumimoji="0" lang="en-US" sz="1200" b="0" i="0" u="none" strike="noStrike" kern="0" cap="none" spc="0" normalizeH="0" baseline="0" noProof="0" dirty="0">
+                <a:ln>
+                  <a:noFill/>
+                </a:ln>
+                <a:solidFill>
+                  <a:srgbClr val="000000"/>
+                </a:solidFill>
+                <a:effectLst/>
+                <a:uLnTx/>
+                <a:uFillTx/>
+                <a:latin typeface="Arial" panose="020B0604020202020204"/>
+                <a:ea typeface="+mn-ea"/>
+                <a:cs typeface="+mn-cs"/>
+              </a:rPr>
+              <a:t>AGREE</a:t>
+            </a:r>
+          </a:p>
+        </p:txBody>
+      </p:sp>
+      <p:sp>
+        <p:nvSpPr>
+          <p:cNvPr id="66" name="Rounded Rectangle 14">
+            <a:extLst>
+              <a:ext uri="{FF2B5EF4-FFF2-40B4-BE49-F238E27FC236}">
+                <a16:creationId xmlns:a16="http://schemas.microsoft.com/office/drawing/2014/main" id="{7460D3A4-6490-4FA8-8575-657F977C5245}"/>
+              </a:ext>
+            </a:extLst>
+          </p:cNvPr>
+          <p:cNvSpPr/>
+          <p:nvPr/>
+        </p:nvSpPr>
+        <p:spPr>
+          <a:xfrm>
+            <a:off x="7538526" y="2115979"/>
+            <a:ext cx="696288" cy="658865"/>
+          </a:xfrm>
+          <a:prstGeom prst="roundRect">
+            <a:avLst>
+              <a:gd name="adj" fmla="val 13390"/>
+            </a:avLst>
+          </a:prstGeom>
+          <a:solidFill>
+            <a:srgbClr val="D6EDBD"/>
+          </a:solidFill>
+          <a:ln w="12700" cap="flat" cmpd="sng" algn="ctr">
+            <a:solidFill>
+              <a:srgbClr val="000000"/>
+            </a:solidFill>
+            <a:prstDash val="solid"/>
+          </a:ln>
+          <a:effectLst/>
+        </p:spPr>
+        <p:txBody>
+          <a:bodyPr lIns="0" rIns="0" rtlCol="0" anchor="t"/>
+          <a:lstStyle/>
+          <a:p>
+            <a:pPr algn="ctr"/>
+            <a:r>
+              <a:rPr lang="en-US" sz="1200" kern="0" dirty="0">
+                <a:solidFill>
+                  <a:srgbClr val="000000"/>
+                </a:solidFill>
+                <a:latin typeface="Arial" panose="020B0604020202020204"/>
+              </a:rPr>
+              <a:t>Resolute</a:t>
+            </a:r>
+          </a:p>
+        </p:txBody>
+      </p:sp>
+      <p:cxnSp>
+        <p:nvCxnSpPr>
+          <p:cNvPr id="67" name="Straight Arrow Connector 66">
+            <a:extLst>
+              <a:ext uri="{FF2B5EF4-FFF2-40B4-BE49-F238E27FC236}">
+                <a16:creationId xmlns:a16="http://schemas.microsoft.com/office/drawing/2014/main" id="{0E1D2B94-D4D6-421F-AEC6-F4BF80F240F0}"/>
+              </a:ext>
+            </a:extLst>
+          </p:cNvPr>
+          <p:cNvCxnSpPr>
+            <a:cxnSpLocks/>
+            <a:endCxn id="65" idx="0"/>
+          </p:cNvCxnSpPr>
+          <p:nvPr/>
+        </p:nvCxnSpPr>
+        <p:spPr>
+          <a:xfrm flipH="1">
+            <a:off x="6988770" y="1875191"/>
+            <a:ext cx="1" cy="235976"/>
+          </a:xfrm>
+          <a:prstGeom prst="straightConnector1">
+            <a:avLst/>
+          </a:prstGeom>
+          <a:noFill/>
+          <a:ln w="12700" cap="flat" cmpd="sng" algn="ctr">
+            <a:solidFill>
+              <a:srgbClr val="000000"/>
+            </a:solidFill>
+            <a:prstDash val="solid"/>
+            <a:headEnd type="none" w="med" len="med"/>
+            <a:tailEnd type="arrow" w="med" len="med"/>
+          </a:ln>
+          <a:effectLst/>
+        </p:spPr>
+      </p:cxnSp>
+      <p:cxnSp>
+        <p:nvCxnSpPr>
+          <p:cNvPr id="70" name="Straight Arrow Connector 69">
+            <a:extLst>
+              <a:ext uri="{FF2B5EF4-FFF2-40B4-BE49-F238E27FC236}">
+                <a16:creationId xmlns:a16="http://schemas.microsoft.com/office/drawing/2014/main" id="{5F481ED9-6271-47B9-8D9F-6637E1171FA7}"/>
+              </a:ext>
+            </a:extLst>
+          </p:cNvPr>
+          <p:cNvCxnSpPr>
+            <a:cxnSpLocks/>
+          </p:cNvCxnSpPr>
+          <p:nvPr/>
+        </p:nvCxnSpPr>
+        <p:spPr>
+          <a:xfrm>
+            <a:off x="5853709" y="1866900"/>
+            <a:ext cx="0" cy="244268"/>
+          </a:xfrm>
+          <a:prstGeom prst="straightConnector1">
+            <a:avLst/>
+          </a:prstGeom>
+          <a:noFill/>
+          <a:ln w="12700" cap="flat" cmpd="sng" algn="ctr">
+            <a:solidFill>
+              <a:srgbClr val="000000"/>
+            </a:solidFill>
+            <a:prstDash val="solid"/>
+            <a:headEnd type="none" w="med" len="med"/>
+            <a:tailEnd type="arrow" w="med" len="med"/>
+          </a:ln>
+          <a:effectLst/>
+        </p:spPr>
+      </p:cxnSp>
+      <p:sp>
+        <p:nvSpPr>
+          <p:cNvPr id="71" name="Rounded Rectangle 45">
+            <a:extLst>
+              <a:ext uri="{FF2B5EF4-FFF2-40B4-BE49-F238E27FC236}">
+                <a16:creationId xmlns:a16="http://schemas.microsoft.com/office/drawing/2014/main" id="{B947BB66-EBBB-466E-8B71-D767F6987FE3}"/>
+              </a:ext>
+            </a:extLst>
+          </p:cNvPr>
+          <p:cNvSpPr/>
+          <p:nvPr/>
+        </p:nvSpPr>
+        <p:spPr>
+          <a:xfrm>
+            <a:off x="6164075" y="3415856"/>
+            <a:ext cx="807735" cy="687574"/>
+          </a:xfrm>
+          <a:prstGeom prst="roundRect">
+            <a:avLst>
+              <a:gd name="adj" fmla="val 13390"/>
+            </a:avLst>
+          </a:prstGeom>
+          <a:solidFill>
+            <a:srgbClr val="D6EDBD"/>
+          </a:solidFill>
+          <a:ln w="12700" cap="flat" cmpd="sng" algn="ctr">
+            <a:solidFill>
+              <a:srgbClr val="000000"/>
+            </a:solidFill>
+            <a:prstDash val="solid"/>
+          </a:ln>
+          <a:effectLst/>
+        </p:spPr>
+        <p:txBody>
+          <a:bodyPr rtlCol="0" anchor="t"/>
+          <a:lstStyle/>
+          <a:p>
+            <a:pPr marL="0" marR="0" lvl="0" indent="0" algn="ctr" defTabSz="914400" eaLnBrk="1" fontAlgn="auto" latinLnBrk="0" hangingPunct="1">
+              <a:lnSpc>
+                <a:spcPct val="100000"/>
+              </a:lnSpc>
+              <a:spcBef>
+                <a:spcPts val="0"/>
+              </a:spcBef>
+              <a:spcAft>
+                <a:spcPts val="0"/>
+              </a:spcAft>
+              <a:buClrTx/>
+              <a:buSzTx/>
+              <a:buFontTx/>
+              <a:buNone/>
+              <a:tabLst/>
+              <a:defRPr/>
+            </a:pPr>
+            <a:r>
+              <a:rPr kumimoji="0" lang="en-US" sz="1200" b="0" i="0" u="none" strike="noStrike" kern="0" cap="none" spc="0" normalizeH="0" baseline="0" noProof="0" dirty="0">
+                <a:ln>
+                  <a:noFill/>
+                </a:ln>
+                <a:solidFill>
+                  <a:srgbClr val="000000"/>
+                </a:solidFill>
+                <a:effectLst/>
+                <a:uLnTx/>
+                <a:uFillTx/>
+                <a:latin typeface="Arial" panose="020B0604020202020204"/>
+                <a:ea typeface="+mn-ea"/>
+                <a:cs typeface="+mn-cs"/>
+              </a:rPr>
+              <a:t>SPLAT</a:t>
+            </a:r>
+          </a:p>
+        </p:txBody>
+      </p:sp>
+      <p:cxnSp>
+        <p:nvCxnSpPr>
+          <p:cNvPr id="72" name="Straight Arrow Connector 71">
+            <a:extLst>
+              <a:ext uri="{FF2B5EF4-FFF2-40B4-BE49-F238E27FC236}">
+                <a16:creationId xmlns:a16="http://schemas.microsoft.com/office/drawing/2014/main" id="{7BE849D1-BF44-4304-9965-F4071BDCFF23}"/>
+              </a:ext>
+            </a:extLst>
+          </p:cNvPr>
+          <p:cNvCxnSpPr>
+            <a:cxnSpLocks/>
+            <a:endCxn id="71" idx="0"/>
+          </p:cNvCxnSpPr>
+          <p:nvPr/>
+        </p:nvCxnSpPr>
+        <p:spPr>
+          <a:xfrm>
+            <a:off x="6567943" y="1866900"/>
+            <a:ext cx="0" cy="1548956"/>
+          </a:xfrm>
+          <a:prstGeom prst="straightConnector1">
+            <a:avLst/>
+          </a:prstGeom>
+          <a:noFill/>
+          <a:ln w="12700" cap="flat" cmpd="sng" algn="ctr">
+            <a:solidFill>
+              <a:srgbClr val="000000"/>
+            </a:solidFill>
+            <a:prstDash val="solid"/>
+            <a:headEnd type="none" w="med" len="med"/>
+            <a:tailEnd type="arrow" w="med" len="med"/>
+          </a:ln>
+          <a:effectLst/>
+        </p:spPr>
+      </p:cxnSp>
+      <p:sp>
+        <p:nvSpPr>
+          <p:cNvPr id="76" name="Rounded Rectangle 59">
+            <a:extLst>
+              <a:ext uri="{FF2B5EF4-FFF2-40B4-BE49-F238E27FC236}">
+                <a16:creationId xmlns:a16="http://schemas.microsoft.com/office/drawing/2014/main" id="{28AF0974-A4AE-4F51-A466-9DF1F093C8A0}"/>
+              </a:ext>
+            </a:extLst>
+          </p:cNvPr>
+          <p:cNvSpPr/>
+          <p:nvPr/>
+        </p:nvSpPr>
+        <p:spPr>
+          <a:xfrm>
+            <a:off x="4244622" y="2111168"/>
+            <a:ext cx="1131524" cy="663676"/>
+          </a:xfrm>
+          <a:prstGeom prst="roundRect">
+            <a:avLst>
+              <a:gd name="adj" fmla="val 13390"/>
+            </a:avLst>
+          </a:prstGeom>
+          <a:solidFill>
+            <a:srgbClr val="D6EDBD"/>
+          </a:solidFill>
+          <a:ln w="12700" cap="flat" cmpd="sng" algn="ctr">
+            <a:solidFill>
+              <a:srgbClr val="000000"/>
+            </a:solidFill>
+            <a:prstDash val="solid"/>
+          </a:ln>
+          <a:effectLst/>
+        </p:spPr>
+        <p:txBody>
+          <a:bodyPr lIns="0" rIns="0" rtlCol="0" anchor="t"/>
+          <a:lstStyle/>
+          <a:p>
+            <a:pPr marL="0" marR="0" lvl="0" indent="0" algn="ctr" defTabSz="914400" eaLnBrk="1" fontAlgn="auto" latinLnBrk="0" hangingPunct="1">
+              <a:lnSpc>
+                <a:spcPct val="100000"/>
+              </a:lnSpc>
+              <a:spcBef>
+                <a:spcPts val="0"/>
+              </a:spcBef>
+              <a:spcAft>
+                <a:spcPts val="0"/>
+              </a:spcAft>
+              <a:buClrTx/>
+              <a:buSzTx/>
+              <a:buFontTx/>
+              <a:buNone/>
+              <a:tabLst/>
+              <a:defRPr/>
+            </a:pPr>
+            <a:r>
+              <a:rPr kumimoji="0" lang="en-US" sz="1200" b="0" i="0" u="none" strike="noStrike" kern="0" cap="none" spc="0" normalizeH="0" baseline="0" noProof="0" dirty="0">
+                <a:ln>
+                  <a:noFill/>
+                </a:ln>
+                <a:solidFill>
+                  <a:srgbClr val="000000"/>
+                </a:solidFill>
+                <a:effectLst/>
+                <a:uLnTx/>
+                <a:uFillTx/>
+                <a:latin typeface="Arial" panose="020B0604020202020204"/>
+                <a:ea typeface="+mn-ea"/>
+                <a:cs typeface="+mn-cs"/>
+              </a:rPr>
+              <a:t>Requirements Analysis</a:t>
+            </a:r>
+          </a:p>
+        </p:txBody>
+      </p:sp>
+      <p:cxnSp>
+        <p:nvCxnSpPr>
+          <p:cNvPr id="78" name="Straight Arrow Connector 77">
+            <a:extLst>
+              <a:ext uri="{FF2B5EF4-FFF2-40B4-BE49-F238E27FC236}">
+                <a16:creationId xmlns:a16="http://schemas.microsoft.com/office/drawing/2014/main" id="{486FD576-3A48-4230-A178-913BACD135C2}"/>
+              </a:ext>
+            </a:extLst>
+          </p:cNvPr>
+          <p:cNvCxnSpPr>
+            <a:cxnSpLocks/>
+            <a:stCxn id="64" idx="1"/>
+            <a:endCxn id="76" idx="3"/>
+          </p:cNvCxnSpPr>
+          <p:nvPr/>
+        </p:nvCxnSpPr>
+        <p:spPr>
+          <a:xfrm flipH="1">
+            <a:off x="5376146" y="2443006"/>
+            <a:ext cx="158112" cy="0"/>
+          </a:xfrm>
+          <a:prstGeom prst="straightConnector1">
+            <a:avLst/>
+          </a:prstGeom>
+          <a:noFill/>
+          <a:ln w="12700" cap="flat" cmpd="sng" algn="ctr">
+            <a:solidFill>
+              <a:srgbClr val="000000"/>
+            </a:solidFill>
+            <a:prstDash val="solid"/>
+            <a:headEnd type="arrow" w="med" len="med"/>
+            <a:tailEnd type="none" w="med" len="med"/>
+          </a:ln>
+          <a:effectLst/>
+        </p:spPr>
+      </p:cxnSp>
+      <p:cxnSp>
+        <p:nvCxnSpPr>
+          <p:cNvPr id="79" name="Straight Arrow Connector 78">
+            <a:extLst>
+              <a:ext uri="{FF2B5EF4-FFF2-40B4-BE49-F238E27FC236}">
+                <a16:creationId xmlns:a16="http://schemas.microsoft.com/office/drawing/2014/main" id="{EBF4AD0D-BE24-44E4-B73D-65CA7F0AE012}"/>
+              </a:ext>
+            </a:extLst>
+          </p:cNvPr>
+          <p:cNvCxnSpPr>
+            <a:cxnSpLocks/>
+          </p:cNvCxnSpPr>
+          <p:nvPr/>
+        </p:nvCxnSpPr>
+        <p:spPr>
+          <a:xfrm>
+            <a:off x="4584404" y="1872738"/>
+            <a:ext cx="2040" cy="238430"/>
+          </a:xfrm>
+          <a:prstGeom prst="straightConnector1">
+            <a:avLst/>
+          </a:prstGeom>
+          <a:noFill/>
+          <a:ln w="12700" cap="flat" cmpd="sng" algn="ctr">
+            <a:solidFill>
+              <a:srgbClr val="000000"/>
+            </a:solidFill>
+            <a:prstDash val="solid"/>
+            <a:headEnd type="none" w="med" len="med"/>
+            <a:tailEnd type="arrow" w="med" len="med"/>
+          </a:ln>
+          <a:effectLst/>
+        </p:spPr>
+      </p:cxnSp>
+      <p:sp>
+        <p:nvSpPr>
+          <p:cNvPr id="82" name="Rounded Rectangle 72">
+            <a:extLst>
+              <a:ext uri="{FF2B5EF4-FFF2-40B4-BE49-F238E27FC236}">
+                <a16:creationId xmlns:a16="http://schemas.microsoft.com/office/drawing/2014/main" id="{372452D0-90C9-487E-A755-EFA14AC0E0AC}"/>
+              </a:ext>
+            </a:extLst>
+          </p:cNvPr>
+          <p:cNvSpPr/>
+          <p:nvPr/>
+        </p:nvSpPr>
+        <p:spPr>
+          <a:xfrm>
+            <a:off x="4199990" y="4440460"/>
+            <a:ext cx="1129455" cy="557778"/>
+          </a:xfrm>
+          <a:prstGeom prst="roundRect">
+            <a:avLst>
+              <a:gd name="adj" fmla="val 13390"/>
+            </a:avLst>
+          </a:prstGeom>
+          <a:solidFill>
+            <a:srgbClr val="D6EDBD"/>
+          </a:solidFill>
+          <a:ln w="12700" cap="flat" cmpd="sng" algn="ctr">
+            <a:solidFill>
+              <a:srgbClr val="000000"/>
+            </a:solidFill>
+            <a:prstDash val="solid"/>
+          </a:ln>
+          <a:effectLst/>
+        </p:spPr>
+        <p:txBody>
+          <a:bodyPr rtlCol="0" anchor="t"/>
+          <a:lstStyle/>
+          <a:p>
+            <a:pPr marL="0" marR="0" lvl="0" indent="0" algn="ctr" defTabSz="914400" eaLnBrk="1" fontAlgn="auto" latinLnBrk="0" hangingPunct="1">
+              <a:lnSpc>
+                <a:spcPct val="100000"/>
+              </a:lnSpc>
+              <a:spcBef>
+                <a:spcPts val="0"/>
+              </a:spcBef>
+              <a:spcAft>
+                <a:spcPts val="0"/>
+              </a:spcAft>
+              <a:buClrTx/>
+              <a:buSzTx/>
+              <a:buFontTx/>
+              <a:buNone/>
+              <a:tabLst/>
+              <a:defRPr/>
+            </a:pPr>
+            <a:r>
+              <a:rPr kumimoji="0" lang="en-US" sz="1200" b="0" i="0" u="none" strike="noStrike" kern="0" cap="none" spc="0" normalizeH="0" baseline="0" noProof="0" dirty="0" err="1">
+                <a:ln>
+                  <a:noFill/>
+                </a:ln>
+                <a:solidFill>
+                  <a:srgbClr val="000000"/>
+                </a:solidFill>
+                <a:effectLst/>
+                <a:uLnTx/>
+                <a:uFillTx/>
+                <a:latin typeface="Arial" panose="020B0604020202020204"/>
+                <a:ea typeface="+mn-ea"/>
+                <a:cs typeface="+mn-cs"/>
+              </a:rPr>
+              <a:t>CAmkES</a:t>
+            </a:r>
+            <a:endParaRPr kumimoji="0" lang="en-US" sz="1200" b="0" i="0" u="none" strike="noStrike" kern="0" cap="none" spc="0" normalizeH="0" baseline="0" noProof="0" dirty="0">
+              <a:ln>
+                <a:noFill/>
+              </a:ln>
+              <a:solidFill>
+                <a:srgbClr val="000000"/>
+              </a:solidFill>
+              <a:effectLst/>
+              <a:uLnTx/>
+              <a:uFillTx/>
+              <a:latin typeface="Arial" panose="020B0604020202020204"/>
+              <a:ea typeface="+mn-ea"/>
+              <a:cs typeface="+mn-cs"/>
+            </a:endParaRPr>
+          </a:p>
+        </p:txBody>
+      </p:sp>
+      <p:sp>
+        <p:nvSpPr>
+          <p:cNvPr id="89" name="Rounded Rectangle 83">
+            <a:extLst>
+              <a:ext uri="{FF2B5EF4-FFF2-40B4-BE49-F238E27FC236}">
+                <a16:creationId xmlns:a16="http://schemas.microsoft.com/office/drawing/2014/main" id="{A91295DC-1546-4D96-802E-EC2734A8D1A3}"/>
+              </a:ext>
+            </a:extLst>
+          </p:cNvPr>
+          <p:cNvSpPr/>
+          <p:nvPr/>
+        </p:nvSpPr>
+        <p:spPr>
+          <a:xfrm>
+            <a:off x="2842530" y="4440460"/>
+            <a:ext cx="1045657" cy="557778"/>
+          </a:xfrm>
+          <a:prstGeom prst="roundRect">
+            <a:avLst>
+              <a:gd name="adj" fmla="val 13390"/>
+            </a:avLst>
+          </a:prstGeom>
+          <a:noFill/>
+          <a:ln w="12700" cap="flat" cmpd="sng" algn="ctr">
+            <a:solidFill>
+              <a:srgbClr val="000000"/>
+            </a:solidFill>
+            <a:prstDash val="solid"/>
+          </a:ln>
+          <a:effectLst/>
+        </p:spPr>
+        <p:txBody>
+          <a:bodyPr lIns="0" rIns="0" rtlCol="0" anchor="t"/>
+          <a:lstStyle/>
+          <a:p>
+            <a:pPr marL="0" marR="0" lvl="0" indent="0" algn="ctr" defTabSz="914400" eaLnBrk="1" fontAlgn="auto" latinLnBrk="0" hangingPunct="1">
+              <a:lnSpc>
+                <a:spcPct val="100000"/>
+              </a:lnSpc>
+              <a:spcBef>
+                <a:spcPts val="0"/>
+              </a:spcBef>
+              <a:spcAft>
+                <a:spcPts val="0"/>
+              </a:spcAft>
+              <a:buClrTx/>
+              <a:buSzTx/>
+              <a:buFontTx/>
+              <a:buNone/>
+              <a:tabLst/>
+              <a:defRPr/>
+            </a:pPr>
+            <a:r>
+              <a:rPr kumimoji="0" lang="en-US" sz="1200" b="0" i="0" u="none" strike="noStrike" kern="0" cap="none" spc="0" normalizeH="0" baseline="0" noProof="0" dirty="0">
+                <a:ln>
+                  <a:noFill/>
+                </a:ln>
+                <a:solidFill>
+                  <a:srgbClr val="000000"/>
+                </a:solidFill>
+                <a:effectLst/>
+                <a:uLnTx/>
+                <a:uFillTx/>
+                <a:latin typeface="Arial" panose="020B0604020202020204"/>
+                <a:ea typeface="+mn-ea"/>
+                <a:cs typeface="+mn-cs"/>
+              </a:rPr>
+              <a:t>C compiler</a:t>
+            </a:r>
+          </a:p>
+        </p:txBody>
+      </p:sp>
+      <p:sp>
+        <p:nvSpPr>
+          <p:cNvPr id="90" name="Rounded Rectangle 84">
+            <a:extLst>
+              <a:ext uri="{FF2B5EF4-FFF2-40B4-BE49-F238E27FC236}">
+                <a16:creationId xmlns:a16="http://schemas.microsoft.com/office/drawing/2014/main" id="{413F3B59-DEC4-4E55-B74F-C6522F499955}"/>
+              </a:ext>
+            </a:extLst>
+          </p:cNvPr>
+          <p:cNvSpPr/>
+          <p:nvPr/>
+        </p:nvSpPr>
+        <p:spPr>
+          <a:xfrm>
+            <a:off x="7306935" y="4440460"/>
+            <a:ext cx="1018941" cy="557778"/>
+          </a:xfrm>
+          <a:prstGeom prst="roundRect">
+            <a:avLst>
+              <a:gd name="adj" fmla="val 13390"/>
+            </a:avLst>
+          </a:prstGeom>
+          <a:noFill/>
+          <a:ln w="12700" cap="flat" cmpd="sng" algn="ctr">
+            <a:solidFill>
+              <a:srgbClr val="000000"/>
+            </a:solidFill>
+            <a:prstDash val="solid"/>
+          </a:ln>
+          <a:effectLst/>
+        </p:spPr>
+        <p:txBody>
+          <a:bodyPr lIns="0" tIns="0" rIns="0" bIns="0" rtlCol="0" anchor="t"/>
+          <a:lstStyle/>
+          <a:p>
+            <a:pPr marL="0" marR="0" lvl="0" indent="0" algn="ctr" defTabSz="914400" eaLnBrk="1" fontAlgn="auto" latinLnBrk="0" hangingPunct="1">
+              <a:lnSpc>
+                <a:spcPct val="100000"/>
+              </a:lnSpc>
+              <a:spcBef>
+                <a:spcPts val="0"/>
+              </a:spcBef>
+              <a:spcAft>
+                <a:spcPts val="0"/>
+              </a:spcAft>
+              <a:buClrTx/>
+              <a:buSzTx/>
+              <a:buFontTx/>
+              <a:buNone/>
+              <a:tabLst/>
+              <a:defRPr/>
+            </a:pPr>
+            <a:r>
+              <a:rPr kumimoji="0" lang="en-US" sz="1200" b="0" i="0" u="none" strike="noStrike" kern="0" cap="none" spc="0" normalizeH="0" baseline="0" noProof="0" dirty="0" err="1">
+                <a:ln>
+                  <a:noFill/>
+                </a:ln>
+                <a:solidFill>
+                  <a:srgbClr val="000000"/>
+                </a:solidFill>
+                <a:effectLst/>
+                <a:uLnTx/>
+                <a:uFillTx/>
+                <a:latin typeface="Arial" panose="020B0604020202020204"/>
+                <a:ea typeface="+mn-ea"/>
+                <a:cs typeface="+mn-cs"/>
+              </a:rPr>
+              <a:t>CakeML</a:t>
+            </a:r>
+            <a:r>
+              <a:rPr kumimoji="0" lang="en-US" sz="1200" b="0" i="0" u="none" strike="noStrike" kern="0" cap="none" spc="0" normalizeH="0" baseline="0" noProof="0" dirty="0">
+                <a:ln>
+                  <a:noFill/>
+                </a:ln>
+                <a:solidFill>
+                  <a:srgbClr val="000000"/>
+                </a:solidFill>
+                <a:effectLst/>
+                <a:uLnTx/>
+                <a:uFillTx/>
+                <a:latin typeface="Arial" panose="020B0604020202020204"/>
+                <a:ea typeface="+mn-ea"/>
+                <a:cs typeface="+mn-cs"/>
+              </a:rPr>
+              <a:t> </a:t>
+            </a:r>
+          </a:p>
+          <a:p>
+            <a:pPr marL="0" marR="0" lvl="0" indent="0" algn="ctr" defTabSz="914400" eaLnBrk="1" fontAlgn="auto" latinLnBrk="0" hangingPunct="1">
+              <a:lnSpc>
+                <a:spcPct val="100000"/>
+              </a:lnSpc>
+              <a:spcBef>
+                <a:spcPts val="0"/>
+              </a:spcBef>
+              <a:spcAft>
+                <a:spcPts val="0"/>
+              </a:spcAft>
+              <a:buClrTx/>
+              <a:buSzTx/>
+              <a:buFontTx/>
+              <a:buNone/>
+              <a:tabLst/>
+              <a:defRPr/>
+            </a:pPr>
+            <a:r>
+              <a:rPr kumimoji="0" lang="en-US" sz="1200" b="0" i="0" u="none" strike="noStrike" kern="0" cap="none" spc="0" normalizeH="0" baseline="0" noProof="0" dirty="0">
+                <a:ln>
+                  <a:noFill/>
+                </a:ln>
+                <a:solidFill>
+                  <a:srgbClr val="000000"/>
+                </a:solidFill>
+                <a:effectLst/>
+                <a:uLnTx/>
+                <a:uFillTx/>
+                <a:latin typeface="Arial" panose="020B0604020202020204"/>
+                <a:ea typeface="+mn-ea"/>
+                <a:cs typeface="+mn-cs"/>
+              </a:rPr>
+              <a:t>compiler</a:t>
+            </a:r>
+          </a:p>
+        </p:txBody>
+      </p:sp>
+      <p:cxnSp>
+        <p:nvCxnSpPr>
+          <p:cNvPr id="91" name="Straight Arrow Connector 90">
+            <a:extLst>
+              <a:ext uri="{FF2B5EF4-FFF2-40B4-BE49-F238E27FC236}">
+                <a16:creationId xmlns:a16="http://schemas.microsoft.com/office/drawing/2014/main" id="{A7C921A8-DC67-4712-9D7C-BC74D4CCCCF3}"/>
+              </a:ext>
+            </a:extLst>
+          </p:cNvPr>
+          <p:cNvCxnSpPr>
+            <a:cxnSpLocks/>
+            <a:stCxn id="89" idx="3"/>
+            <a:endCxn id="82" idx="1"/>
+          </p:cNvCxnSpPr>
+          <p:nvPr/>
+        </p:nvCxnSpPr>
+        <p:spPr>
+          <a:xfrm>
+            <a:off x="3888187" y="4719349"/>
+            <a:ext cx="311803" cy="0"/>
+          </a:xfrm>
+          <a:prstGeom prst="straightConnector1">
+            <a:avLst/>
+          </a:prstGeom>
+          <a:noFill/>
+          <a:ln w="12700" cap="flat" cmpd="sng" algn="ctr">
+            <a:solidFill>
+              <a:srgbClr val="000000"/>
+            </a:solidFill>
+            <a:prstDash val="solid"/>
+            <a:headEnd type="arrow" w="med" len="med"/>
+            <a:tailEnd type="none" w="med" len="med"/>
+          </a:ln>
+          <a:effectLst/>
+        </p:spPr>
+      </p:cxnSp>
+      <p:cxnSp>
+        <p:nvCxnSpPr>
+          <p:cNvPr id="92" name="Straight Arrow Connector 91">
+            <a:extLst>
+              <a:ext uri="{FF2B5EF4-FFF2-40B4-BE49-F238E27FC236}">
+                <a16:creationId xmlns:a16="http://schemas.microsoft.com/office/drawing/2014/main" id="{D0ECB994-4EA6-40DB-A001-9F86BADC1D7E}"/>
+              </a:ext>
+            </a:extLst>
+          </p:cNvPr>
+          <p:cNvCxnSpPr>
+            <a:cxnSpLocks/>
+            <a:stCxn id="90" idx="1"/>
+            <a:endCxn id="82" idx="3"/>
+          </p:cNvCxnSpPr>
+          <p:nvPr/>
+        </p:nvCxnSpPr>
+        <p:spPr>
+          <a:xfrm flipH="1">
+            <a:off x="5329445" y="4719349"/>
+            <a:ext cx="1977490" cy="0"/>
+          </a:xfrm>
+          <a:prstGeom prst="straightConnector1">
+            <a:avLst/>
+          </a:prstGeom>
+          <a:noFill/>
+          <a:ln w="12700" cap="flat" cmpd="sng" algn="ctr">
+            <a:solidFill>
+              <a:srgbClr val="000000"/>
+            </a:solidFill>
+            <a:prstDash val="solid"/>
+            <a:headEnd type="arrow" w="med" len="med"/>
+            <a:tailEnd type="none" w="med" len="med"/>
+          </a:ln>
+          <a:effectLst/>
+        </p:spPr>
+      </p:cxnSp>
+      <p:sp>
+        <p:nvSpPr>
+          <p:cNvPr id="93" name="Rectangle 92">
+            <a:extLst>
+              <a:ext uri="{FF2B5EF4-FFF2-40B4-BE49-F238E27FC236}">
+                <a16:creationId xmlns:a16="http://schemas.microsoft.com/office/drawing/2014/main" id="{2442851B-0E2B-4CE8-8C18-A1FC719FEFF8}"/>
+              </a:ext>
+            </a:extLst>
+          </p:cNvPr>
+          <p:cNvSpPr/>
+          <p:nvPr/>
+        </p:nvSpPr>
+        <p:spPr>
+          <a:xfrm>
+            <a:off x="2876850" y="3405920"/>
+            <a:ext cx="965102" cy="687574"/>
+          </a:xfrm>
+          <a:prstGeom prst="rect">
+            <a:avLst/>
+          </a:prstGeom>
+          <a:noFill/>
+          <a:ln w="12700" cap="flat" cmpd="sng" algn="ctr">
+            <a:solidFill>
+              <a:srgbClr val="000000"/>
+            </a:solidFill>
+            <a:prstDash val="solid"/>
+          </a:ln>
+          <a:effectLst/>
+        </p:spPr>
+        <p:txBody>
+          <a:bodyPr lIns="0" rIns="0" rtlCol="0" anchor="t"/>
+          <a:lstStyle/>
+          <a:p>
+            <a:pPr marL="0" marR="0" lvl="0" indent="0" algn="ctr" defTabSz="914400" eaLnBrk="1" fontAlgn="auto" latinLnBrk="0" hangingPunct="1">
+              <a:lnSpc>
+                <a:spcPct val="100000"/>
+              </a:lnSpc>
+              <a:spcBef>
+                <a:spcPts val="0"/>
+              </a:spcBef>
+              <a:spcAft>
+                <a:spcPts val="0"/>
+              </a:spcAft>
+              <a:buClrTx/>
+              <a:buSzTx/>
+              <a:buFontTx/>
+              <a:buNone/>
+              <a:tabLst/>
+              <a:defRPr/>
+            </a:pPr>
+            <a:r>
+              <a:rPr kumimoji="0" lang="en-US" sz="1200" b="0" i="0" u="none" strike="noStrike" kern="0" cap="none" spc="0" normalizeH="0" baseline="0" noProof="0" dirty="0">
+                <a:ln>
+                  <a:noFill/>
+                </a:ln>
+                <a:solidFill>
+                  <a:srgbClr val="000000"/>
+                </a:solidFill>
+                <a:effectLst/>
+                <a:uLnTx/>
+                <a:uFillTx/>
+                <a:latin typeface="Arial" panose="020B0604020202020204"/>
+                <a:ea typeface="+mn-ea"/>
+                <a:cs typeface="+mn-cs"/>
+              </a:rPr>
+              <a:t>Generated code</a:t>
+            </a:r>
+          </a:p>
+        </p:txBody>
+      </p:sp>
+      <p:cxnSp>
+        <p:nvCxnSpPr>
+          <p:cNvPr id="96" name="Straight Arrow Connector 95">
+            <a:extLst>
+              <a:ext uri="{FF2B5EF4-FFF2-40B4-BE49-F238E27FC236}">
+                <a16:creationId xmlns:a16="http://schemas.microsoft.com/office/drawing/2014/main" id="{7F190995-C63F-4A1D-8C51-395E8BBE78C1}"/>
+              </a:ext>
+            </a:extLst>
+          </p:cNvPr>
+          <p:cNvCxnSpPr>
+            <a:cxnSpLocks/>
+            <a:stCxn id="62" idx="2"/>
+            <a:endCxn id="93" idx="0"/>
+          </p:cNvCxnSpPr>
+          <p:nvPr/>
+        </p:nvCxnSpPr>
+        <p:spPr>
+          <a:xfrm flipH="1">
+            <a:off x="3359401" y="2774844"/>
+            <a:ext cx="373809" cy="631076"/>
+          </a:xfrm>
+          <a:prstGeom prst="straightConnector1">
+            <a:avLst/>
+          </a:prstGeom>
+          <a:noFill/>
+          <a:ln w="12700" cap="flat" cmpd="sng" algn="ctr">
+            <a:solidFill>
+              <a:srgbClr val="000000"/>
+            </a:solidFill>
+            <a:prstDash val="solid"/>
+            <a:headEnd type="none" w="med" len="med"/>
+            <a:tailEnd type="arrow" w="med" len="med"/>
+          </a:ln>
+          <a:effectLst/>
+        </p:spPr>
+      </p:cxnSp>
+      <p:sp>
+        <p:nvSpPr>
+          <p:cNvPr id="103" name="Rectangle 102">
+            <a:extLst>
+              <a:ext uri="{FF2B5EF4-FFF2-40B4-BE49-F238E27FC236}">
+                <a16:creationId xmlns:a16="http://schemas.microsoft.com/office/drawing/2014/main" id="{BEDBC5B3-7396-4B30-A4EC-140956B5374C}"/>
+              </a:ext>
+            </a:extLst>
+          </p:cNvPr>
+          <p:cNvSpPr/>
+          <p:nvPr/>
+        </p:nvSpPr>
+        <p:spPr>
+          <a:xfrm>
+            <a:off x="7306936" y="3415856"/>
+            <a:ext cx="1025302" cy="687574"/>
+          </a:xfrm>
+          <a:prstGeom prst="rect">
+            <a:avLst/>
+          </a:prstGeom>
+          <a:noFill/>
+          <a:ln w="12700" cap="flat" cmpd="sng" algn="ctr">
+            <a:solidFill>
+              <a:srgbClr val="000000"/>
+            </a:solidFill>
+            <a:prstDash val="solid"/>
+          </a:ln>
+          <a:effectLst/>
+        </p:spPr>
+        <p:txBody>
+          <a:bodyPr lIns="0" rIns="0" rtlCol="0" anchor="t"/>
+          <a:lstStyle/>
+          <a:p>
+            <a:pPr marL="0" marR="0" lvl="0" indent="0" algn="ctr" defTabSz="914400" eaLnBrk="1" fontAlgn="auto" latinLnBrk="0" hangingPunct="1">
+              <a:lnSpc>
+                <a:spcPct val="100000"/>
+              </a:lnSpc>
+              <a:spcBef>
+                <a:spcPts val="0"/>
+              </a:spcBef>
+              <a:spcAft>
+                <a:spcPts val="0"/>
+              </a:spcAft>
+              <a:buClrTx/>
+              <a:buSzTx/>
+              <a:buFontTx/>
+              <a:buNone/>
+              <a:tabLst/>
+              <a:defRPr/>
+            </a:pPr>
+            <a:r>
+              <a:rPr kumimoji="0" lang="en-US" sz="1200" b="0" i="0" u="none" strike="noStrike" kern="0" cap="none" spc="0" normalizeH="0" baseline="0" noProof="0" dirty="0">
+                <a:ln>
+                  <a:noFill/>
+                </a:ln>
+                <a:solidFill>
+                  <a:srgbClr val="000000"/>
+                </a:solidFill>
+                <a:effectLst/>
+                <a:uLnTx/>
+                <a:uFillTx/>
+                <a:latin typeface="Arial" panose="020B0604020202020204"/>
+                <a:ea typeface="+mn-ea"/>
+                <a:cs typeface="+mn-cs"/>
+              </a:rPr>
+              <a:t>Synthesized </a:t>
+            </a:r>
+          </a:p>
+          <a:p>
+            <a:pPr marL="0" marR="0" lvl="0" indent="0" algn="ctr" defTabSz="914400" eaLnBrk="1" fontAlgn="auto" latinLnBrk="0" hangingPunct="1">
+              <a:lnSpc>
+                <a:spcPct val="100000"/>
+              </a:lnSpc>
+              <a:spcBef>
+                <a:spcPts val="0"/>
+              </a:spcBef>
+              <a:spcAft>
+                <a:spcPts val="0"/>
+              </a:spcAft>
+              <a:buClrTx/>
+              <a:buSzTx/>
+              <a:buFontTx/>
+              <a:buNone/>
+              <a:tabLst/>
+              <a:defRPr/>
+            </a:pPr>
+            <a:r>
+              <a:rPr kumimoji="0" lang="en-US" sz="1200" b="0" i="0" u="none" strike="noStrike" kern="0" cap="none" spc="0" normalizeH="0" baseline="0" noProof="0" dirty="0">
+                <a:ln>
+                  <a:noFill/>
+                </a:ln>
+                <a:solidFill>
+                  <a:srgbClr val="000000"/>
+                </a:solidFill>
+                <a:effectLst/>
+                <a:uLnTx/>
+                <a:uFillTx/>
+                <a:latin typeface="Arial" panose="020B0604020202020204"/>
+                <a:ea typeface="+mn-ea"/>
+                <a:cs typeface="+mn-cs"/>
+              </a:rPr>
+              <a:t>code</a:t>
+            </a:r>
+          </a:p>
+        </p:txBody>
+      </p:sp>
+      <p:cxnSp>
+        <p:nvCxnSpPr>
+          <p:cNvPr id="104" name="Straight Arrow Connector 103">
+            <a:extLst>
+              <a:ext uri="{FF2B5EF4-FFF2-40B4-BE49-F238E27FC236}">
+                <a16:creationId xmlns:a16="http://schemas.microsoft.com/office/drawing/2014/main" id="{36E5A3ED-D39F-4052-9C6F-8857A6706E23}"/>
+              </a:ext>
+            </a:extLst>
+          </p:cNvPr>
+          <p:cNvCxnSpPr>
+            <a:cxnSpLocks/>
+            <a:stCxn id="71" idx="3"/>
+            <a:endCxn id="103" idx="1"/>
+          </p:cNvCxnSpPr>
+          <p:nvPr/>
+        </p:nvCxnSpPr>
+        <p:spPr>
+          <a:xfrm>
+            <a:off x="6971810" y="3759643"/>
+            <a:ext cx="335126" cy="0"/>
+          </a:xfrm>
+          <a:prstGeom prst="straightConnector1">
+            <a:avLst/>
+          </a:prstGeom>
+          <a:noFill/>
+          <a:ln w="12700" cap="flat" cmpd="sng" algn="ctr">
+            <a:solidFill>
+              <a:srgbClr val="000000"/>
+            </a:solidFill>
+            <a:prstDash val="solid"/>
+            <a:headEnd type="none" w="med" len="med"/>
+            <a:tailEnd type="arrow" w="med" len="med"/>
+          </a:ln>
+          <a:effectLst/>
+        </p:spPr>
+      </p:cxnSp>
+      <p:cxnSp>
+        <p:nvCxnSpPr>
+          <p:cNvPr id="105" name="Straight Arrow Connector 104">
+            <a:extLst>
+              <a:ext uri="{FF2B5EF4-FFF2-40B4-BE49-F238E27FC236}">
+                <a16:creationId xmlns:a16="http://schemas.microsoft.com/office/drawing/2014/main" id="{B1368B2C-50A4-457A-9CB9-32CB73EDEFEB}"/>
+              </a:ext>
+            </a:extLst>
+          </p:cNvPr>
+          <p:cNvCxnSpPr>
+            <a:cxnSpLocks/>
+            <a:stCxn id="103" idx="2"/>
+            <a:endCxn id="90" idx="0"/>
+          </p:cNvCxnSpPr>
+          <p:nvPr/>
+        </p:nvCxnSpPr>
+        <p:spPr>
+          <a:xfrm flipH="1">
+            <a:off x="7816406" y="4103430"/>
+            <a:ext cx="3181" cy="337030"/>
+          </a:xfrm>
+          <a:prstGeom prst="straightConnector1">
+            <a:avLst/>
+          </a:prstGeom>
+          <a:noFill/>
+          <a:ln w="12700" cap="flat" cmpd="sng" algn="ctr">
+            <a:solidFill>
+              <a:srgbClr val="000000"/>
+            </a:solidFill>
+            <a:prstDash val="solid"/>
+            <a:headEnd type="none" w="med" len="med"/>
+            <a:tailEnd type="arrow" w="med" len="med"/>
+          </a:ln>
+          <a:effectLst/>
+        </p:spPr>
+      </p:cxnSp>
+      <p:sp>
+        <p:nvSpPr>
+          <p:cNvPr id="107" name="Rectangle 106">
+            <a:extLst>
+              <a:ext uri="{FF2B5EF4-FFF2-40B4-BE49-F238E27FC236}">
+                <a16:creationId xmlns:a16="http://schemas.microsoft.com/office/drawing/2014/main" id="{90184493-08BF-4F5A-BE3D-03334B50ED5E}"/>
+              </a:ext>
+            </a:extLst>
+          </p:cNvPr>
+          <p:cNvSpPr/>
+          <p:nvPr/>
+        </p:nvSpPr>
+        <p:spPr>
+          <a:xfrm>
+            <a:off x="4199991" y="5259056"/>
+            <a:ext cx="2771820" cy="350910"/>
+          </a:xfrm>
+          <a:prstGeom prst="rect">
+            <a:avLst/>
+          </a:prstGeom>
+          <a:noFill/>
+          <a:ln w="12700" cap="flat" cmpd="sng" algn="ctr">
+            <a:solidFill>
+              <a:srgbClr val="000000"/>
+            </a:solidFill>
+            <a:prstDash val="solid"/>
+          </a:ln>
+          <a:effectLst/>
+        </p:spPr>
+        <p:txBody>
+          <a:bodyPr rtlCol="0" anchor="t"/>
+          <a:lstStyle/>
+          <a:p>
+            <a:pPr marL="0" marR="0" lvl="0" indent="0" algn="ctr" defTabSz="914400" eaLnBrk="1" fontAlgn="auto" latinLnBrk="0" hangingPunct="1">
+              <a:lnSpc>
+                <a:spcPct val="100000"/>
+              </a:lnSpc>
+              <a:spcBef>
+                <a:spcPts val="0"/>
+              </a:spcBef>
+              <a:spcAft>
+                <a:spcPts val="0"/>
+              </a:spcAft>
+              <a:buClrTx/>
+              <a:buSzTx/>
+              <a:buFontTx/>
+              <a:buNone/>
+              <a:tabLst/>
+              <a:defRPr/>
+            </a:pPr>
+            <a:r>
+              <a:rPr kumimoji="0" lang="en-US" sz="1200" b="0" i="0" u="none" strike="noStrike" kern="0" cap="none" spc="0" normalizeH="0" baseline="0" noProof="0" dirty="0">
+                <a:ln>
+                  <a:noFill/>
+                </a:ln>
+                <a:solidFill>
+                  <a:srgbClr val="000000"/>
+                </a:solidFill>
+                <a:effectLst/>
+                <a:uLnTx/>
+                <a:uFillTx/>
+                <a:latin typeface="Arial" panose="020B0604020202020204"/>
+                <a:ea typeface="+mn-ea"/>
+                <a:cs typeface="+mn-cs"/>
+              </a:rPr>
+              <a:t>Executable code</a:t>
+            </a:r>
+          </a:p>
+        </p:txBody>
+      </p:sp>
+      <p:cxnSp>
+        <p:nvCxnSpPr>
+          <p:cNvPr id="112" name="Straight Arrow Connector 111">
+            <a:extLst>
+              <a:ext uri="{FF2B5EF4-FFF2-40B4-BE49-F238E27FC236}">
+                <a16:creationId xmlns:a16="http://schemas.microsoft.com/office/drawing/2014/main" id="{380F575F-BFF8-4D1E-BE6B-1E0BE563EF02}"/>
+              </a:ext>
+            </a:extLst>
+          </p:cNvPr>
+          <p:cNvCxnSpPr>
+            <a:cxnSpLocks/>
+            <a:stCxn id="114" idx="2"/>
+          </p:cNvCxnSpPr>
+          <p:nvPr/>
+        </p:nvCxnSpPr>
+        <p:spPr>
+          <a:xfrm>
+            <a:off x="2148811" y="4093368"/>
+            <a:ext cx="785898" cy="345281"/>
+          </a:xfrm>
+          <a:prstGeom prst="straightConnector1">
+            <a:avLst/>
+          </a:prstGeom>
+          <a:noFill/>
+          <a:ln w="12700" cap="flat" cmpd="sng" algn="ctr">
+            <a:solidFill>
+              <a:srgbClr val="000000"/>
+            </a:solidFill>
+            <a:prstDash val="solid"/>
+            <a:headEnd type="none" w="med" len="med"/>
+            <a:tailEnd type="arrow" w="med" len="med"/>
+          </a:ln>
+          <a:effectLst/>
+        </p:spPr>
+      </p:cxnSp>
+      <p:cxnSp>
+        <p:nvCxnSpPr>
+          <p:cNvPr id="113" name="Straight Arrow Connector 112">
+            <a:extLst>
+              <a:ext uri="{FF2B5EF4-FFF2-40B4-BE49-F238E27FC236}">
+                <a16:creationId xmlns:a16="http://schemas.microsoft.com/office/drawing/2014/main" id="{BE44C490-C780-4F1B-A181-807A09ED5996}"/>
+              </a:ext>
+            </a:extLst>
+          </p:cNvPr>
+          <p:cNvCxnSpPr/>
+          <p:nvPr/>
+        </p:nvCxnSpPr>
+        <p:spPr>
+          <a:xfrm>
+            <a:off x="6215935" y="1866900"/>
+            <a:ext cx="0" cy="238430"/>
+          </a:xfrm>
+          <a:prstGeom prst="straightConnector1">
+            <a:avLst/>
+          </a:prstGeom>
+          <a:noFill/>
+          <a:ln w="12700" cap="flat" cmpd="sng" algn="ctr">
+            <a:solidFill>
+              <a:srgbClr val="000000"/>
+            </a:solidFill>
+            <a:prstDash val="solid"/>
+            <a:headEnd type="arrow" w="med" len="med"/>
+            <a:tailEnd type="none" w="med" len="med"/>
+          </a:ln>
+          <a:effectLst/>
+        </p:spPr>
+      </p:cxnSp>
+      <p:sp>
+        <p:nvSpPr>
+          <p:cNvPr id="114" name="Rectangle 113">
+            <a:extLst>
+              <a:ext uri="{FF2B5EF4-FFF2-40B4-BE49-F238E27FC236}">
+                <a16:creationId xmlns:a16="http://schemas.microsoft.com/office/drawing/2014/main" id="{922EF082-6D4C-464F-BF89-5314BCF84569}"/>
+              </a:ext>
+            </a:extLst>
+          </p:cNvPr>
+          <p:cNvSpPr/>
+          <p:nvPr/>
+        </p:nvSpPr>
+        <p:spPr>
+          <a:xfrm>
+            <a:off x="1523193" y="3405794"/>
+            <a:ext cx="1251235" cy="687574"/>
+          </a:xfrm>
+          <a:prstGeom prst="rect">
+            <a:avLst/>
+          </a:prstGeom>
+          <a:noFill/>
+          <a:ln w="12700" cap="flat" cmpd="sng" algn="ctr">
+            <a:solidFill>
+              <a:srgbClr val="000000"/>
+            </a:solidFill>
+            <a:prstDash val="solid"/>
+          </a:ln>
+          <a:effectLst/>
+        </p:spPr>
+        <p:txBody>
+          <a:bodyPr lIns="0" rIns="0" rtlCol="0" anchor="t"/>
+          <a:lstStyle/>
+          <a:p>
+            <a:pPr marL="0" marR="0" lvl="0" indent="0" algn="ctr" defTabSz="914400" eaLnBrk="1" fontAlgn="auto" latinLnBrk="0" hangingPunct="1">
+              <a:lnSpc>
+                <a:spcPct val="100000"/>
+              </a:lnSpc>
+              <a:spcBef>
+                <a:spcPts val="0"/>
+              </a:spcBef>
+              <a:spcAft>
+                <a:spcPts val="0"/>
+              </a:spcAft>
+              <a:buClrTx/>
+              <a:buSzTx/>
+              <a:buFontTx/>
+              <a:buNone/>
+              <a:tabLst/>
+              <a:defRPr/>
+            </a:pPr>
+            <a:r>
+              <a:rPr lang="en-US" sz="1200" kern="0" dirty="0">
+                <a:solidFill>
+                  <a:srgbClr val="000000"/>
+                </a:solidFill>
+                <a:latin typeface="Arial" panose="020B0604020202020204"/>
+              </a:rPr>
+              <a:t>Hand-written component code</a:t>
+            </a:r>
+            <a:endParaRPr kumimoji="0" lang="en-US" sz="1200" b="0" i="0" u="none" strike="noStrike" kern="0" cap="none" spc="0" normalizeH="0" baseline="0" noProof="0" dirty="0">
+              <a:ln>
+                <a:noFill/>
+              </a:ln>
+              <a:solidFill>
+                <a:srgbClr val="000000"/>
+              </a:solidFill>
+              <a:effectLst/>
+              <a:uLnTx/>
+              <a:uFillTx/>
+              <a:latin typeface="Arial" panose="020B0604020202020204"/>
+              <a:ea typeface="+mn-ea"/>
+              <a:cs typeface="+mn-cs"/>
+            </a:endParaRPr>
+          </a:p>
+        </p:txBody>
+      </p:sp>
+      <p:sp>
+        <p:nvSpPr>
+          <p:cNvPr id="115" name="Rectangle 114">
+            <a:extLst>
+              <a:ext uri="{FF2B5EF4-FFF2-40B4-BE49-F238E27FC236}">
+                <a16:creationId xmlns:a16="http://schemas.microsoft.com/office/drawing/2014/main" id="{4DDE2433-5DC8-414A-8297-C1B544705C3E}"/>
+              </a:ext>
+            </a:extLst>
+          </p:cNvPr>
+          <p:cNvSpPr/>
+          <p:nvPr/>
+        </p:nvSpPr>
+        <p:spPr>
+          <a:xfrm>
+            <a:off x="8540710" y="3415856"/>
+            <a:ext cx="1251729" cy="676063"/>
+          </a:xfrm>
+          <a:prstGeom prst="rect">
+            <a:avLst/>
+          </a:prstGeom>
+          <a:solidFill>
+            <a:srgbClr val="D6EDBD"/>
+          </a:solidFill>
+          <a:ln w="12700" cap="flat" cmpd="sng" algn="ctr">
+            <a:solidFill>
+              <a:srgbClr val="000000"/>
+            </a:solidFill>
+            <a:prstDash val="solid"/>
+          </a:ln>
+          <a:effectLst/>
+        </p:spPr>
+        <p:txBody>
+          <a:bodyPr lIns="0" rIns="0" rtlCol="0" anchor="t"/>
+          <a:lstStyle/>
+          <a:p>
+            <a:pPr marL="0" marR="0" lvl="0" indent="0" algn="ctr" defTabSz="914400" eaLnBrk="1" fontAlgn="auto" latinLnBrk="0" hangingPunct="1">
+              <a:lnSpc>
+                <a:spcPct val="100000"/>
+              </a:lnSpc>
+              <a:spcBef>
+                <a:spcPts val="0"/>
+              </a:spcBef>
+              <a:spcAft>
+                <a:spcPts val="0"/>
+              </a:spcAft>
+              <a:buClrTx/>
+              <a:buSzTx/>
+              <a:buFontTx/>
+              <a:buNone/>
+              <a:tabLst/>
+              <a:defRPr/>
+            </a:pPr>
+            <a:r>
+              <a:rPr kumimoji="0" lang="en-US" sz="1200" b="0" i="0" u="none" strike="noStrike" kern="0" cap="none" spc="0" normalizeH="0" baseline="0" noProof="0" dirty="0">
+                <a:ln>
+                  <a:noFill/>
+                </a:ln>
+                <a:solidFill>
+                  <a:srgbClr val="000000"/>
+                </a:solidFill>
+                <a:effectLst/>
+                <a:uLnTx/>
+                <a:uFillTx/>
+                <a:latin typeface="Arial" panose="020B0604020202020204"/>
+                <a:ea typeface="+mn-ea"/>
+                <a:cs typeface="+mn-cs"/>
+              </a:rPr>
+              <a:t>Pre-verified component code (Attestation)</a:t>
+            </a:r>
+          </a:p>
+        </p:txBody>
+      </p:sp>
+      <p:cxnSp>
+        <p:nvCxnSpPr>
+          <p:cNvPr id="119" name="Straight Arrow Connector 118">
+            <a:extLst>
+              <a:ext uri="{FF2B5EF4-FFF2-40B4-BE49-F238E27FC236}">
+                <a16:creationId xmlns:a16="http://schemas.microsoft.com/office/drawing/2014/main" id="{D5425A1C-9D28-4037-8876-54779061E44A}"/>
+              </a:ext>
+            </a:extLst>
+          </p:cNvPr>
+          <p:cNvCxnSpPr>
+            <a:cxnSpLocks/>
+            <a:stCxn id="93" idx="2"/>
+            <a:endCxn id="89" idx="0"/>
+          </p:cNvCxnSpPr>
+          <p:nvPr/>
+        </p:nvCxnSpPr>
+        <p:spPr>
+          <a:xfrm>
+            <a:off x="3359401" y="4093494"/>
+            <a:ext cx="5958" cy="346966"/>
+          </a:xfrm>
+          <a:prstGeom prst="straightConnector1">
+            <a:avLst/>
+          </a:prstGeom>
+          <a:noFill/>
+          <a:ln w="12700" cap="flat" cmpd="sng" algn="ctr">
+            <a:solidFill>
+              <a:srgbClr val="000000"/>
+            </a:solidFill>
+            <a:prstDash val="solid"/>
+            <a:headEnd type="none" w="med" len="med"/>
+            <a:tailEnd type="arrow" w="med" len="med"/>
+          </a:ln>
+          <a:effectLst/>
+        </p:spPr>
+      </p:cxnSp>
+      <p:sp>
+        <p:nvSpPr>
+          <p:cNvPr id="126" name="Rectangle 125">
+            <a:extLst>
+              <a:ext uri="{FF2B5EF4-FFF2-40B4-BE49-F238E27FC236}">
+                <a16:creationId xmlns:a16="http://schemas.microsoft.com/office/drawing/2014/main" id="{3BB61A9D-3B92-4D98-9933-11FCB4BB2EED}"/>
+              </a:ext>
+            </a:extLst>
+          </p:cNvPr>
+          <p:cNvSpPr/>
+          <p:nvPr/>
+        </p:nvSpPr>
+        <p:spPr>
+          <a:xfrm>
+            <a:off x="1513484" y="4438649"/>
+            <a:ext cx="1045658" cy="557779"/>
+          </a:xfrm>
+          <a:prstGeom prst="rect">
+            <a:avLst/>
+          </a:prstGeom>
+          <a:solidFill>
+            <a:srgbClr val="D6EDBD"/>
+          </a:solidFill>
+          <a:ln w="12700" cap="flat" cmpd="sng" algn="ctr">
+            <a:solidFill>
+              <a:srgbClr val="000000"/>
+            </a:solidFill>
+            <a:prstDash val="solid"/>
+          </a:ln>
+          <a:effectLst/>
+        </p:spPr>
+        <p:txBody>
+          <a:bodyPr lIns="0" rIns="0" rtlCol="0" anchor="t"/>
+          <a:lstStyle/>
+          <a:p>
+            <a:pPr marL="0" marR="0" lvl="0" indent="0" algn="ctr" defTabSz="914400" eaLnBrk="1" fontAlgn="auto" latinLnBrk="0" hangingPunct="1">
+              <a:lnSpc>
+                <a:spcPct val="100000"/>
+              </a:lnSpc>
+              <a:spcBef>
+                <a:spcPts val="0"/>
+              </a:spcBef>
+              <a:spcAft>
+                <a:spcPts val="0"/>
+              </a:spcAft>
+              <a:buClrTx/>
+              <a:buSzTx/>
+              <a:buFontTx/>
+              <a:buNone/>
+              <a:tabLst/>
+              <a:defRPr/>
+            </a:pPr>
+            <a:r>
+              <a:rPr kumimoji="0" lang="en-US" sz="1200" b="0" i="0" u="none" strike="noStrike" kern="0" cap="none" spc="0" normalizeH="0" baseline="0" noProof="0" dirty="0">
+                <a:ln>
+                  <a:noFill/>
+                </a:ln>
+                <a:solidFill>
+                  <a:srgbClr val="000000"/>
+                </a:solidFill>
+                <a:effectLst/>
+                <a:uLnTx/>
+                <a:uFillTx/>
+                <a:latin typeface="Arial" panose="020B0604020202020204"/>
+                <a:ea typeface="+mn-ea"/>
+                <a:cs typeface="+mn-cs"/>
+              </a:rPr>
+              <a:t>Pre-verified code (seL4)</a:t>
+            </a:r>
+          </a:p>
+        </p:txBody>
+      </p:sp>
+      <p:cxnSp>
+        <p:nvCxnSpPr>
+          <p:cNvPr id="128" name="Connector: Elbow 127">
+            <a:extLst>
+              <a:ext uri="{FF2B5EF4-FFF2-40B4-BE49-F238E27FC236}">
+                <a16:creationId xmlns:a16="http://schemas.microsoft.com/office/drawing/2014/main" id="{8B7B7870-B6E7-45C2-BB03-FA81926EB055}"/>
+              </a:ext>
+            </a:extLst>
+          </p:cNvPr>
+          <p:cNvCxnSpPr>
+            <a:cxnSpLocks/>
+            <a:stCxn id="115" idx="2"/>
+            <a:endCxn id="90" idx="3"/>
+          </p:cNvCxnSpPr>
+          <p:nvPr/>
+        </p:nvCxnSpPr>
+        <p:spPr>
+          <a:xfrm rot="5400000">
+            <a:off x="8432511" y="3985285"/>
+            <a:ext cx="627430" cy="840699"/>
+          </a:xfrm>
+          <a:prstGeom prst="bentConnector2">
+            <a:avLst/>
+          </a:prstGeom>
+          <a:noFill/>
+          <a:ln w="12700" cap="flat" cmpd="sng" algn="ctr">
+            <a:solidFill>
+              <a:srgbClr val="000000"/>
+            </a:solidFill>
+            <a:prstDash val="solid"/>
+            <a:headEnd type="none" w="med" len="med"/>
+            <a:tailEnd type="arrow" w="med" len="med"/>
+          </a:ln>
+          <a:effectLst/>
+        </p:spPr>
+      </p:cxnSp>
+      <p:cxnSp>
+        <p:nvCxnSpPr>
+          <p:cNvPr id="142" name="Straight Arrow Connector 141">
+            <a:extLst>
+              <a:ext uri="{FF2B5EF4-FFF2-40B4-BE49-F238E27FC236}">
+                <a16:creationId xmlns:a16="http://schemas.microsoft.com/office/drawing/2014/main" id="{69826064-40DE-482F-84A5-76BC2CDB7267}"/>
+              </a:ext>
+            </a:extLst>
+          </p:cNvPr>
+          <p:cNvCxnSpPr>
+            <a:cxnSpLocks/>
+            <a:stCxn id="126" idx="3"/>
+            <a:endCxn id="89" idx="1"/>
+          </p:cNvCxnSpPr>
+          <p:nvPr/>
+        </p:nvCxnSpPr>
+        <p:spPr>
+          <a:xfrm>
+            <a:off x="2559142" y="4717539"/>
+            <a:ext cx="283388" cy="1810"/>
+          </a:xfrm>
+          <a:prstGeom prst="straightConnector1">
+            <a:avLst/>
+          </a:prstGeom>
+          <a:noFill/>
+          <a:ln w="12700" cap="flat" cmpd="sng" algn="ctr">
+            <a:solidFill>
+              <a:srgbClr val="000000"/>
+            </a:solidFill>
+            <a:prstDash val="solid"/>
+            <a:headEnd type="none" w="med" len="med"/>
+            <a:tailEnd type="arrow" w="med" len="med"/>
+          </a:ln>
+          <a:effectLst/>
+        </p:spPr>
+      </p:cxnSp>
+      <p:cxnSp>
+        <p:nvCxnSpPr>
+          <p:cNvPr id="168" name="Straight Arrow Connector 167">
+            <a:extLst>
+              <a:ext uri="{FF2B5EF4-FFF2-40B4-BE49-F238E27FC236}">
+                <a16:creationId xmlns:a16="http://schemas.microsoft.com/office/drawing/2014/main" id="{BE47D892-871D-4EDB-B82A-1AC457583D62}"/>
+              </a:ext>
+            </a:extLst>
+          </p:cNvPr>
+          <p:cNvCxnSpPr>
+            <a:cxnSpLocks/>
+            <a:endCxn id="66" idx="0"/>
+          </p:cNvCxnSpPr>
+          <p:nvPr/>
+        </p:nvCxnSpPr>
+        <p:spPr>
+          <a:xfrm>
+            <a:off x="7886670" y="1875191"/>
+            <a:ext cx="0" cy="240788"/>
+          </a:xfrm>
+          <a:prstGeom prst="straightConnector1">
+            <a:avLst/>
+          </a:prstGeom>
+          <a:noFill/>
+          <a:ln w="12700" cap="flat" cmpd="sng" algn="ctr">
+            <a:solidFill>
+              <a:srgbClr val="000000"/>
+            </a:solidFill>
+            <a:prstDash val="solid"/>
+            <a:headEnd type="none" w="med" len="med"/>
+            <a:tailEnd type="arrow" w="med" len="med"/>
+          </a:ln>
+          <a:effectLst/>
+        </p:spPr>
+      </p:cxnSp>
+      <p:sp>
+        <p:nvSpPr>
+          <p:cNvPr id="170" name="Rectangle 169">
+            <a:extLst>
+              <a:ext uri="{FF2B5EF4-FFF2-40B4-BE49-F238E27FC236}">
+                <a16:creationId xmlns:a16="http://schemas.microsoft.com/office/drawing/2014/main" id="{30A626FF-AF98-4F99-BBB9-6CB9987F2124}"/>
+              </a:ext>
+            </a:extLst>
+          </p:cNvPr>
+          <p:cNvSpPr/>
+          <p:nvPr/>
+        </p:nvSpPr>
+        <p:spPr>
+          <a:xfrm>
+            <a:off x="4199990" y="3415856"/>
+            <a:ext cx="1129455" cy="687574"/>
+          </a:xfrm>
+          <a:prstGeom prst="rect">
+            <a:avLst/>
+          </a:prstGeom>
+          <a:noFill/>
+          <a:ln w="12700" cap="flat" cmpd="sng" algn="ctr">
+            <a:solidFill>
+              <a:srgbClr val="000000"/>
+            </a:solidFill>
+            <a:prstDash val="solid"/>
+          </a:ln>
+          <a:effectLst/>
+        </p:spPr>
+        <p:txBody>
+          <a:bodyPr lIns="0" rIns="0" rtlCol="0" anchor="t"/>
+          <a:lstStyle/>
+          <a:p>
+            <a:pPr marL="0" marR="0" lvl="0" indent="0" algn="ctr" defTabSz="914400" eaLnBrk="1" fontAlgn="auto" latinLnBrk="0" hangingPunct="1">
+              <a:lnSpc>
+                <a:spcPct val="100000"/>
+              </a:lnSpc>
+              <a:spcBef>
+                <a:spcPts val="0"/>
+              </a:spcBef>
+              <a:spcAft>
+                <a:spcPts val="0"/>
+              </a:spcAft>
+              <a:buClrTx/>
+              <a:buSzTx/>
+              <a:buFontTx/>
+              <a:buNone/>
+              <a:tabLst/>
+              <a:defRPr/>
+            </a:pPr>
+            <a:r>
+              <a:rPr kumimoji="0" lang="en-US" sz="1200" b="0" i="0" u="none" strike="noStrike" kern="0" cap="none" spc="0" normalizeH="0" baseline="0" noProof="0" dirty="0" err="1">
+                <a:ln>
+                  <a:noFill/>
+                </a:ln>
+                <a:solidFill>
+                  <a:srgbClr val="000000"/>
+                </a:solidFill>
+                <a:effectLst/>
+                <a:uLnTx/>
+                <a:uFillTx/>
+                <a:latin typeface="Arial" panose="020B0604020202020204"/>
+                <a:ea typeface="+mn-ea"/>
+                <a:cs typeface="+mn-cs"/>
+              </a:rPr>
+              <a:t>CAmkES</a:t>
+            </a:r>
+            <a:r>
+              <a:rPr kumimoji="0" lang="en-US" sz="1200" b="0" i="0" u="none" strike="noStrike" kern="0" cap="none" spc="0" normalizeH="0" baseline="0" noProof="0" dirty="0">
+                <a:ln>
+                  <a:noFill/>
+                </a:ln>
+                <a:solidFill>
+                  <a:srgbClr val="000000"/>
+                </a:solidFill>
+                <a:effectLst/>
+                <a:uLnTx/>
+                <a:uFillTx/>
+                <a:latin typeface="Arial" panose="020B0604020202020204"/>
+                <a:ea typeface="+mn-ea"/>
+                <a:cs typeface="+mn-cs"/>
+              </a:rPr>
+              <a:t> </a:t>
+            </a:r>
+          </a:p>
+          <a:p>
+            <a:pPr marL="0" marR="0" lvl="0" indent="0" algn="ctr" defTabSz="914400" eaLnBrk="1" fontAlgn="auto" latinLnBrk="0" hangingPunct="1">
+              <a:lnSpc>
+                <a:spcPct val="100000"/>
+              </a:lnSpc>
+              <a:spcBef>
+                <a:spcPts val="0"/>
+              </a:spcBef>
+              <a:spcAft>
+                <a:spcPts val="0"/>
+              </a:spcAft>
+              <a:buClrTx/>
+              <a:buSzTx/>
+              <a:buFontTx/>
+              <a:buNone/>
+              <a:tabLst/>
+              <a:defRPr/>
+            </a:pPr>
+            <a:r>
+              <a:rPr kumimoji="0" lang="en-US" sz="1200" b="0" i="0" u="none" strike="noStrike" kern="0" cap="none" spc="0" normalizeH="0" baseline="0" noProof="0" dirty="0">
+                <a:ln>
+                  <a:noFill/>
+                </a:ln>
+                <a:solidFill>
+                  <a:srgbClr val="000000"/>
+                </a:solidFill>
+                <a:effectLst/>
+                <a:uLnTx/>
+                <a:uFillTx/>
+                <a:latin typeface="Arial" panose="020B0604020202020204"/>
+                <a:ea typeface="+mn-ea"/>
+                <a:cs typeface="+mn-cs"/>
+              </a:rPr>
+              <a:t>config files</a:t>
+            </a:r>
+          </a:p>
+        </p:txBody>
+      </p:sp>
+      <p:cxnSp>
+        <p:nvCxnSpPr>
+          <p:cNvPr id="177" name="Straight Arrow Connector 176">
+            <a:extLst>
+              <a:ext uri="{FF2B5EF4-FFF2-40B4-BE49-F238E27FC236}">
+                <a16:creationId xmlns:a16="http://schemas.microsoft.com/office/drawing/2014/main" id="{9D223902-46F5-4E76-AC3D-7235EF9BD2AE}"/>
+              </a:ext>
+            </a:extLst>
+          </p:cNvPr>
+          <p:cNvCxnSpPr>
+            <a:cxnSpLocks/>
+            <a:stCxn id="62" idx="2"/>
+            <a:endCxn id="170" idx="0"/>
+          </p:cNvCxnSpPr>
+          <p:nvPr/>
+        </p:nvCxnSpPr>
+        <p:spPr>
+          <a:xfrm>
+            <a:off x="3733210" y="2774844"/>
+            <a:ext cx="1031508" cy="641012"/>
+          </a:xfrm>
+          <a:prstGeom prst="straightConnector1">
+            <a:avLst/>
+          </a:prstGeom>
+          <a:noFill/>
+          <a:ln w="12700" cap="flat" cmpd="sng" algn="ctr">
+            <a:solidFill>
+              <a:srgbClr val="000000"/>
+            </a:solidFill>
+            <a:prstDash val="solid"/>
+            <a:headEnd type="none" w="med" len="med"/>
+            <a:tailEnd type="arrow" w="med" len="med"/>
+          </a:ln>
+          <a:effectLst/>
+        </p:spPr>
+      </p:cxnSp>
+      <p:cxnSp>
+        <p:nvCxnSpPr>
+          <p:cNvPr id="180" name="Connector: Elbow 179">
+            <a:extLst>
+              <a:ext uri="{FF2B5EF4-FFF2-40B4-BE49-F238E27FC236}">
+                <a16:creationId xmlns:a16="http://schemas.microsoft.com/office/drawing/2014/main" id="{88EDAEDC-7473-489A-B912-FFE6A2D23040}"/>
+              </a:ext>
+            </a:extLst>
+          </p:cNvPr>
+          <p:cNvCxnSpPr>
+            <a:cxnSpLocks/>
+            <a:stCxn id="89" idx="2"/>
+            <a:endCxn id="107" idx="1"/>
+          </p:cNvCxnSpPr>
+          <p:nvPr/>
+        </p:nvCxnSpPr>
+        <p:spPr>
+          <a:xfrm rot="16200000" flipH="1">
+            <a:off x="3564539" y="4799058"/>
+            <a:ext cx="436273" cy="834632"/>
+          </a:xfrm>
+          <a:prstGeom prst="bentConnector2">
+            <a:avLst/>
+          </a:prstGeom>
+          <a:noFill/>
+          <a:ln w="12700" cap="flat" cmpd="sng" algn="ctr">
+            <a:solidFill>
+              <a:srgbClr val="000000"/>
+            </a:solidFill>
+            <a:prstDash val="solid"/>
+            <a:headEnd type="none" w="med" len="med"/>
+            <a:tailEnd type="arrow" w="med" len="med"/>
+          </a:ln>
+          <a:effectLst/>
+        </p:spPr>
+      </p:cxnSp>
+      <p:cxnSp>
+        <p:nvCxnSpPr>
+          <p:cNvPr id="183" name="Connector: Elbow 182">
+            <a:extLst>
+              <a:ext uri="{FF2B5EF4-FFF2-40B4-BE49-F238E27FC236}">
+                <a16:creationId xmlns:a16="http://schemas.microsoft.com/office/drawing/2014/main" id="{4F729DF2-08D9-4E9F-9E75-42BC1EECB09F}"/>
+              </a:ext>
+            </a:extLst>
+          </p:cNvPr>
+          <p:cNvCxnSpPr>
+            <a:cxnSpLocks/>
+            <a:stCxn id="90" idx="2"/>
+            <a:endCxn id="107" idx="3"/>
+          </p:cNvCxnSpPr>
+          <p:nvPr/>
+        </p:nvCxnSpPr>
+        <p:spPr>
+          <a:xfrm rot="5400000">
+            <a:off x="7175973" y="4794077"/>
+            <a:ext cx="436273" cy="844595"/>
+          </a:xfrm>
+          <a:prstGeom prst="bentConnector2">
+            <a:avLst/>
+          </a:prstGeom>
+          <a:noFill/>
+          <a:ln w="12700" cap="flat" cmpd="sng" algn="ctr">
+            <a:solidFill>
+              <a:srgbClr val="000000"/>
+            </a:solidFill>
+            <a:prstDash val="solid"/>
+            <a:headEnd type="none" w="med" len="med"/>
+            <a:tailEnd type="arrow" w="med" len="med"/>
+          </a:ln>
+          <a:effectLst/>
+        </p:spPr>
+      </p:cxnSp>
+      <p:cxnSp>
+        <p:nvCxnSpPr>
+          <p:cNvPr id="195" name="Straight Arrow Connector 194">
+            <a:extLst>
+              <a:ext uri="{FF2B5EF4-FFF2-40B4-BE49-F238E27FC236}">
+                <a16:creationId xmlns:a16="http://schemas.microsoft.com/office/drawing/2014/main" id="{2DA5AFC0-A729-447E-8E21-E66C913343E6}"/>
+              </a:ext>
+            </a:extLst>
+          </p:cNvPr>
+          <p:cNvCxnSpPr>
+            <a:cxnSpLocks/>
+            <a:stCxn id="66" idx="3"/>
+            <a:endCxn id="256" idx="1"/>
+          </p:cNvCxnSpPr>
+          <p:nvPr/>
+        </p:nvCxnSpPr>
+        <p:spPr>
+          <a:xfrm flipV="1">
+            <a:off x="8234814" y="2438201"/>
+            <a:ext cx="295858" cy="7211"/>
+          </a:xfrm>
+          <a:prstGeom prst="straightConnector1">
+            <a:avLst/>
+          </a:prstGeom>
+          <a:noFill/>
+          <a:ln w="12700" cap="flat" cmpd="sng" algn="ctr">
+            <a:solidFill>
+              <a:srgbClr val="000000"/>
+            </a:solidFill>
+            <a:prstDash val="solid"/>
+            <a:headEnd type="none" w="med" len="med"/>
+            <a:tailEnd type="arrow" w="med" len="med"/>
+          </a:ln>
+          <a:effectLst/>
+        </p:spPr>
+      </p:cxnSp>
+      <p:cxnSp>
+        <p:nvCxnSpPr>
+          <p:cNvPr id="216" name="Straight Arrow Connector 215">
+            <a:extLst>
+              <a:ext uri="{FF2B5EF4-FFF2-40B4-BE49-F238E27FC236}">
+                <a16:creationId xmlns:a16="http://schemas.microsoft.com/office/drawing/2014/main" id="{07090243-E285-458A-A5E3-2655E273C41D}"/>
+              </a:ext>
+            </a:extLst>
+          </p:cNvPr>
+          <p:cNvCxnSpPr>
+            <a:cxnSpLocks/>
+            <a:stCxn id="170" idx="2"/>
+            <a:endCxn id="82" idx="0"/>
+          </p:cNvCxnSpPr>
+          <p:nvPr/>
+        </p:nvCxnSpPr>
+        <p:spPr>
+          <a:xfrm>
+            <a:off x="4764718" y="4103430"/>
+            <a:ext cx="0" cy="337030"/>
+          </a:xfrm>
+          <a:prstGeom prst="straightConnector1">
+            <a:avLst/>
+          </a:prstGeom>
+          <a:noFill/>
+          <a:ln w="12700" cap="flat" cmpd="sng" algn="ctr">
+            <a:solidFill>
+              <a:srgbClr val="000000"/>
+            </a:solidFill>
+            <a:prstDash val="solid"/>
+            <a:headEnd type="none" w="med" len="med"/>
+            <a:tailEnd type="arrow" w="med" len="med"/>
+          </a:ln>
+          <a:effectLst/>
+        </p:spPr>
+      </p:cxnSp>
+      <p:sp>
+        <p:nvSpPr>
+          <p:cNvPr id="256" name="Rectangle: Folded Corner 255">
+            <a:extLst>
+              <a:ext uri="{FF2B5EF4-FFF2-40B4-BE49-F238E27FC236}">
+                <a16:creationId xmlns:a16="http://schemas.microsoft.com/office/drawing/2014/main" id="{EAAF9A9E-E074-41F2-B466-63E9B4929F4B}"/>
+              </a:ext>
+            </a:extLst>
+          </p:cNvPr>
+          <p:cNvSpPr/>
+          <p:nvPr/>
+        </p:nvSpPr>
+        <p:spPr>
+          <a:xfrm>
+            <a:off x="8530672" y="2105330"/>
+            <a:ext cx="840177" cy="665741"/>
+          </a:xfrm>
+          <a:prstGeom prst="foldedCorner">
+            <a:avLst/>
+          </a:prstGeom>
+          <a:solidFill>
+            <a:srgbClr val="D6EDBD"/>
+          </a:solidFill>
+          <a:ln>
+            <a:solidFill>
+              <a:schemeClr val="tx1"/>
+            </a:solidFill>
+          </a:ln>
+        </p:spPr>
+        <p:style>
+          <a:lnRef idx="2">
+            <a:schemeClr val="accent1">
+              <a:shade val="50000"/>
+            </a:schemeClr>
+          </a:lnRef>
+          <a:fillRef idx="1">
+            <a:schemeClr val="accent1"/>
+          </a:fillRef>
+          <a:effectRef idx="0">
+            <a:schemeClr val="accent1"/>
+          </a:effectRef>
+          <a:fontRef idx="minor">
+            <a:schemeClr val="lt1"/>
+          </a:fontRef>
+        </p:style>
+        <p:txBody>
+          <a:bodyPr lIns="0" rIns="0" rtlCol="0" anchor="ctr"/>
+          <a:lstStyle/>
+          <a:p>
+            <a:pPr algn="ctr"/>
+            <a:r>
+              <a:rPr lang="en-US" sz="1200" dirty="0">
+                <a:solidFill>
+                  <a:schemeClr val="tx1"/>
+                </a:solidFill>
+                <a:latin typeface="Arial" panose="020B0604020202020204" pitchFamily="34" charset="0"/>
+                <a:cs typeface="Arial" panose="020B0604020202020204" pitchFamily="34" charset="0"/>
+              </a:rPr>
+              <a:t>Assurance Case</a:t>
+            </a:r>
+          </a:p>
+        </p:txBody>
+      </p:sp>
+      <p:sp>
+        <p:nvSpPr>
+          <p:cNvPr id="270" name="Rounded Rectangle 6">
+            <a:extLst>
+              <a:ext uri="{FF2B5EF4-FFF2-40B4-BE49-F238E27FC236}">
+                <a16:creationId xmlns:a16="http://schemas.microsoft.com/office/drawing/2014/main" id="{D166B131-0F5D-4F9D-8AD5-57F87C152A61}"/>
+              </a:ext>
+            </a:extLst>
+          </p:cNvPr>
+          <p:cNvSpPr/>
+          <p:nvPr/>
+        </p:nvSpPr>
+        <p:spPr>
+          <a:xfrm>
+            <a:off x="2379059" y="2111168"/>
+            <a:ext cx="845296" cy="663676"/>
+          </a:xfrm>
+          <a:prstGeom prst="roundRect">
+            <a:avLst>
+              <a:gd name="adj" fmla="val 13390"/>
+            </a:avLst>
+          </a:prstGeom>
+          <a:solidFill>
+            <a:srgbClr val="D6EDBD"/>
+          </a:solidFill>
+          <a:ln w="12700" cap="flat" cmpd="sng" algn="ctr">
+            <a:solidFill>
+              <a:srgbClr val="000000"/>
+            </a:solidFill>
+            <a:prstDash val="solid"/>
+          </a:ln>
+          <a:effectLst/>
+        </p:spPr>
+        <p:txBody>
+          <a:bodyPr rtlCol="0" anchor="t"/>
+          <a:lstStyle/>
+          <a:p>
+            <a:pPr marL="0" marR="0" lvl="0" indent="0" algn="ctr" defTabSz="914400" eaLnBrk="1" fontAlgn="auto" latinLnBrk="0" hangingPunct="1">
+              <a:lnSpc>
+                <a:spcPct val="100000"/>
+              </a:lnSpc>
+              <a:spcBef>
+                <a:spcPts val="0"/>
+              </a:spcBef>
+              <a:spcAft>
+                <a:spcPts val="0"/>
+              </a:spcAft>
+              <a:buClrTx/>
+              <a:buSzTx/>
+              <a:buFontTx/>
+              <a:buNone/>
+              <a:tabLst/>
+              <a:defRPr/>
+            </a:pPr>
+            <a:r>
+              <a:rPr kumimoji="0" lang="en-US" sz="1200" b="0" i="0" u="none" strike="noStrike" kern="0" cap="none" spc="0" normalizeH="0" baseline="0" noProof="0" dirty="0" err="1">
+                <a:ln>
+                  <a:noFill/>
+                </a:ln>
+                <a:solidFill>
+                  <a:srgbClr val="000000"/>
+                </a:solidFill>
+                <a:effectLst/>
+                <a:uLnTx/>
+                <a:uFillTx/>
+                <a:latin typeface="Arial" panose="020B0604020202020204"/>
+                <a:ea typeface="+mn-ea"/>
+                <a:cs typeface="+mn-cs"/>
+              </a:rPr>
+              <a:t>Awas</a:t>
+            </a:r>
+            <a:r>
+              <a:rPr kumimoji="0" lang="en-US" sz="1200" b="0" i="0" u="none" strike="noStrike" kern="0" cap="none" spc="0" normalizeH="0" baseline="0" noProof="0" dirty="0">
+                <a:ln>
+                  <a:noFill/>
+                </a:ln>
+                <a:solidFill>
+                  <a:srgbClr val="000000"/>
+                </a:solidFill>
+                <a:effectLst/>
+                <a:uLnTx/>
+                <a:uFillTx/>
+                <a:latin typeface="Arial" panose="020B0604020202020204"/>
+                <a:ea typeface="+mn-ea"/>
+                <a:cs typeface="+mn-cs"/>
+              </a:rPr>
+              <a:t> Info Flow</a:t>
+            </a:r>
+          </a:p>
+        </p:txBody>
+      </p:sp>
+      <p:cxnSp>
+        <p:nvCxnSpPr>
+          <p:cNvPr id="271" name="Straight Arrow Connector 270">
+            <a:extLst>
+              <a:ext uri="{FF2B5EF4-FFF2-40B4-BE49-F238E27FC236}">
+                <a16:creationId xmlns:a16="http://schemas.microsoft.com/office/drawing/2014/main" id="{57772B12-8077-415D-A2BF-8F0438032C56}"/>
+              </a:ext>
+            </a:extLst>
+          </p:cNvPr>
+          <p:cNvCxnSpPr>
+            <a:cxnSpLocks/>
+            <a:endCxn id="270" idx="0"/>
+          </p:cNvCxnSpPr>
+          <p:nvPr/>
+        </p:nvCxnSpPr>
+        <p:spPr>
+          <a:xfrm>
+            <a:off x="2801707" y="1875191"/>
+            <a:ext cx="0" cy="235977"/>
+          </a:xfrm>
+          <a:prstGeom prst="straightConnector1">
+            <a:avLst/>
+          </a:prstGeom>
+          <a:noFill/>
+          <a:ln w="12700" cap="flat" cmpd="sng" algn="ctr">
+            <a:solidFill>
+              <a:srgbClr val="000000"/>
+            </a:solidFill>
+            <a:prstDash val="solid"/>
+            <a:headEnd type="none" w="med" len="med"/>
+            <a:tailEnd type="arrow" w="med" len="med"/>
+          </a:ln>
+          <a:effectLst/>
+        </p:spPr>
+      </p:cxnSp>
+      <p:cxnSp>
+        <p:nvCxnSpPr>
+          <p:cNvPr id="272" name="Straight Arrow Connector 271">
+            <a:extLst>
+              <a:ext uri="{FF2B5EF4-FFF2-40B4-BE49-F238E27FC236}">
+                <a16:creationId xmlns:a16="http://schemas.microsoft.com/office/drawing/2014/main" id="{D4255AA1-0514-46DE-B422-442C29A740B1}"/>
+              </a:ext>
+            </a:extLst>
+          </p:cNvPr>
+          <p:cNvCxnSpPr/>
+          <p:nvPr/>
+        </p:nvCxnSpPr>
+        <p:spPr>
+          <a:xfrm>
+            <a:off x="5067878" y="1870007"/>
+            <a:ext cx="0" cy="238430"/>
+          </a:xfrm>
+          <a:prstGeom prst="straightConnector1">
+            <a:avLst/>
+          </a:prstGeom>
+          <a:noFill/>
+          <a:ln w="12700" cap="flat" cmpd="sng" algn="ctr">
+            <a:solidFill>
+              <a:srgbClr val="000000"/>
+            </a:solidFill>
+            <a:prstDash val="solid"/>
+            <a:headEnd type="arrow" w="med" len="med"/>
+            <a:tailEnd type="none" w="med" len="med"/>
+          </a:ln>
+          <a:effectLst/>
+        </p:spPr>
+      </p:cxnSp>
+      <p:cxnSp>
+        <p:nvCxnSpPr>
+          <p:cNvPr id="277" name="Straight Arrow Connector 276">
+            <a:extLst>
+              <a:ext uri="{FF2B5EF4-FFF2-40B4-BE49-F238E27FC236}">
+                <a16:creationId xmlns:a16="http://schemas.microsoft.com/office/drawing/2014/main" id="{FFADDA0C-0172-4B6D-98D6-8C009B0D7DAD}"/>
+              </a:ext>
+            </a:extLst>
+          </p:cNvPr>
+          <p:cNvCxnSpPr>
+            <a:cxnSpLocks/>
+            <a:stCxn id="65" idx="3"/>
+            <a:endCxn id="66" idx="1"/>
+          </p:cNvCxnSpPr>
+          <p:nvPr/>
+        </p:nvCxnSpPr>
+        <p:spPr>
+          <a:xfrm>
+            <a:off x="7329305" y="2440600"/>
+            <a:ext cx="209221" cy="4812"/>
+          </a:xfrm>
+          <a:prstGeom prst="straightConnector1">
+            <a:avLst/>
+          </a:prstGeom>
+          <a:noFill/>
+          <a:ln w="12700" cap="flat" cmpd="sng" algn="ctr">
+            <a:solidFill>
+              <a:srgbClr val="000000"/>
+            </a:solidFill>
+            <a:prstDash val="solid"/>
+            <a:headEnd type="none" w="med" len="med"/>
+            <a:tailEnd type="arrow" w="med" len="med"/>
+          </a:ln>
+          <a:effectLst/>
+        </p:spPr>
+      </p:cxnSp>
+      <p:sp>
+        <p:nvSpPr>
+          <p:cNvPr id="74" name="Rounded Rectangle 3">
+            <a:extLst>
+              <a:ext uri="{FF2B5EF4-FFF2-40B4-BE49-F238E27FC236}">
+                <a16:creationId xmlns:a16="http://schemas.microsoft.com/office/drawing/2014/main" id="{6F091CDF-5D23-4F37-89DE-6FAC33B4C054}"/>
+              </a:ext>
+            </a:extLst>
+          </p:cNvPr>
+          <p:cNvSpPr/>
+          <p:nvPr/>
+        </p:nvSpPr>
+        <p:spPr>
+          <a:xfrm>
+            <a:off x="1356993" y="3046145"/>
+            <a:ext cx="8615682" cy="2117660"/>
+          </a:xfrm>
+          <a:prstGeom prst="roundRect">
+            <a:avLst>
+              <a:gd name="adj" fmla="val 6667"/>
+            </a:avLst>
+          </a:prstGeom>
+          <a:noFill/>
+          <a:ln w="12700" cap="flat" cmpd="sng" algn="ctr">
+            <a:solidFill>
+              <a:srgbClr val="000000"/>
+            </a:solidFill>
+            <a:prstDash val="dash"/>
+          </a:ln>
+          <a:effectLst/>
+        </p:spPr>
+        <p:txBody>
+          <a:bodyPr rtlCol="0" anchor="t"/>
+          <a:lstStyle/>
+          <a:p>
+            <a:pPr marL="0" marR="0" lvl="0" indent="0" defTabSz="914400" eaLnBrk="1" fontAlgn="auto" latinLnBrk="0" hangingPunct="1">
+              <a:lnSpc>
+                <a:spcPct val="100000"/>
+              </a:lnSpc>
+              <a:spcBef>
+                <a:spcPts val="0"/>
+              </a:spcBef>
+              <a:spcAft>
+                <a:spcPts val="0"/>
+              </a:spcAft>
+              <a:buClrTx/>
+              <a:buSzTx/>
+              <a:buFontTx/>
+              <a:buNone/>
+              <a:tabLst/>
+              <a:defRPr/>
+            </a:pPr>
+            <a:r>
+              <a:rPr kumimoji="0" lang="en-US" sz="1200" b="0" i="0" u="none" strike="noStrike" kern="0" cap="none" spc="0" normalizeH="0" baseline="0" noProof="0" dirty="0">
+                <a:ln>
+                  <a:noFill/>
+                </a:ln>
+                <a:solidFill>
+                  <a:srgbClr val="000000"/>
+                </a:solidFill>
+                <a:effectLst/>
+                <a:uLnTx/>
+                <a:uFillTx/>
+                <a:latin typeface="Arial" panose="020B0604020202020204"/>
+                <a:ea typeface="+mn-ea"/>
+                <a:cs typeface="+mn-cs"/>
+              </a:rPr>
+              <a:t>BUILD ENVIRONMENT</a:t>
+            </a:r>
+          </a:p>
+        </p:txBody>
+      </p:sp>
+      <p:cxnSp>
+        <p:nvCxnSpPr>
+          <p:cNvPr id="75" name="Straight Arrow Connector 74">
+            <a:extLst>
+              <a:ext uri="{FF2B5EF4-FFF2-40B4-BE49-F238E27FC236}">
+                <a16:creationId xmlns:a16="http://schemas.microsoft.com/office/drawing/2014/main" id="{7699F29B-3BF0-4561-AADC-29ABA3E3ED7C}"/>
+              </a:ext>
+            </a:extLst>
+          </p:cNvPr>
+          <p:cNvCxnSpPr>
+            <a:cxnSpLocks/>
+            <a:endCxn id="66" idx="2"/>
+          </p:cNvCxnSpPr>
+          <p:nvPr/>
+        </p:nvCxnSpPr>
+        <p:spPr>
+          <a:xfrm flipV="1">
+            <a:off x="7886670" y="2774844"/>
+            <a:ext cx="0" cy="271302"/>
+          </a:xfrm>
+          <a:prstGeom prst="straightConnector1">
+            <a:avLst/>
+          </a:prstGeom>
+          <a:noFill/>
+          <a:ln w="12700" cap="flat" cmpd="sng" algn="ctr">
+            <a:solidFill>
+              <a:srgbClr val="000000"/>
+            </a:solidFill>
+            <a:prstDash val="solid"/>
+            <a:headEnd type="none" w="med" len="med"/>
+            <a:tailEnd type="arrow" w="med" len="med"/>
+          </a:ln>
+          <a:effectLst/>
+        </p:spPr>
+      </p:cxnSp>
+    </p:spTree>
+    <p:extLst>
+      <p:ext uri="{BB962C8B-B14F-4D97-AF65-F5344CB8AC3E}">
+        <p14:creationId xmlns:p14="http://schemas.microsoft.com/office/powerpoint/2010/main" val="931247018"/>
+      </p:ext>
+    </p:extLst>
+  </p:cSld>
+  <p:clrMapOvr>
+    <a:masterClrMapping/>
+  </p:clrMapOvr>
+</p:sld>
+</file>
+
+<file path=ppt/slides/slide14.xml><?xml version="1.0" encoding="utf-8"?>
+<p:sld xmlns:a="http://schemas.openxmlformats.org/drawingml/2006/main" xmlns:r="http://schemas.openxmlformats.org/officeDocument/2006/relationships" xmlns:p="http://schemas.openxmlformats.org/presentationml/2006/main">
+  <p:cSld>
+    <p:spTree>
+      <p:nvGrpSpPr>
+        <p:cNvPr id="1" name=""/>
+        <p:cNvGrpSpPr/>
+        <p:nvPr/>
+      </p:nvGrpSpPr>
+      <p:grpSpPr>
+        <a:xfrm>
+          <a:off x="0" y="0"/>
+          <a:ext cx="0" cy="0"/>
+          <a:chOff x="0" y="0"/>
+          <a:chExt cx="0" cy="0"/>
+        </a:xfrm>
+      </p:grpSpPr>
+      <p:sp>
+        <p:nvSpPr>
+          <p:cNvPr id="60" name="Rounded Rectangle 3">
+            <a:extLst>
+              <a:ext uri="{FF2B5EF4-FFF2-40B4-BE49-F238E27FC236}">
+                <a16:creationId xmlns:a16="http://schemas.microsoft.com/office/drawing/2014/main" id="{FE624042-07D2-4DF4-9D60-2A9B441F1BE0}"/>
+              </a:ext>
+            </a:extLst>
+          </p:cNvPr>
+          <p:cNvSpPr/>
+          <p:nvPr/>
+        </p:nvSpPr>
+        <p:spPr>
+          <a:xfrm>
+            <a:off x="1356993" y="1243472"/>
+            <a:ext cx="8377551" cy="1681317"/>
+          </a:xfrm>
+          <a:prstGeom prst="roundRect">
+            <a:avLst>
+              <a:gd name="adj" fmla="val 6667"/>
+            </a:avLst>
+          </a:prstGeom>
+          <a:noFill/>
+          <a:ln w="12700" cap="flat" cmpd="sng" algn="ctr">
+            <a:solidFill>
+              <a:srgbClr val="000000"/>
+            </a:solidFill>
+            <a:prstDash val="dash"/>
+          </a:ln>
+          <a:effectLst/>
+        </p:spPr>
+        <p:txBody>
+          <a:bodyPr rtlCol="0" anchor="t"/>
+          <a:lstStyle/>
+          <a:p>
+            <a:pPr marL="0" marR="0" lvl="0" indent="0" defTabSz="914400" eaLnBrk="1" fontAlgn="auto" latinLnBrk="0" hangingPunct="1">
+              <a:lnSpc>
+                <a:spcPct val="100000"/>
+              </a:lnSpc>
+              <a:spcBef>
+                <a:spcPts val="0"/>
+              </a:spcBef>
+              <a:spcAft>
+                <a:spcPts val="0"/>
+              </a:spcAft>
+              <a:buClrTx/>
+              <a:buSzTx/>
+              <a:buFontTx/>
+              <a:buNone/>
+              <a:tabLst/>
+              <a:defRPr/>
+            </a:pPr>
+            <a:r>
+              <a:rPr kumimoji="0" lang="en-US" sz="1200" b="0" i="0" u="none" strike="noStrike" kern="0" cap="none" spc="0" normalizeH="0" baseline="0" noProof="0" dirty="0">
+                <a:ln>
+                  <a:noFill/>
+                </a:ln>
+                <a:solidFill>
+                  <a:srgbClr val="000000"/>
+                </a:solidFill>
+                <a:effectLst/>
+                <a:uLnTx/>
+                <a:uFillTx/>
+                <a:latin typeface="Arial" panose="020B0604020202020204"/>
+                <a:ea typeface="+mn-ea"/>
+                <a:cs typeface="+mn-cs"/>
+              </a:rPr>
+              <a:t>OSATE</a:t>
+            </a:r>
+          </a:p>
+          <a:p>
+            <a:pPr marL="0" marR="0" lvl="0" indent="0" defTabSz="914400" eaLnBrk="1" fontAlgn="auto" latinLnBrk="0" hangingPunct="1">
+              <a:lnSpc>
+                <a:spcPct val="100000"/>
+              </a:lnSpc>
+              <a:spcBef>
+                <a:spcPts val="0"/>
+              </a:spcBef>
+              <a:spcAft>
+                <a:spcPts val="0"/>
+              </a:spcAft>
+              <a:buClrTx/>
+              <a:buSzTx/>
+              <a:buFontTx/>
+              <a:buNone/>
+              <a:tabLst/>
+              <a:defRPr/>
+            </a:pPr>
+            <a:r>
+              <a:rPr lang="en-US" sz="1200" kern="0" dirty="0">
+                <a:solidFill>
+                  <a:srgbClr val="000000"/>
+                </a:solidFill>
+                <a:latin typeface="Arial" panose="020B0604020202020204"/>
+              </a:rPr>
+              <a:t>MODELING</a:t>
+            </a:r>
+          </a:p>
+          <a:p>
+            <a:pPr marL="0" marR="0" lvl="0" indent="0" defTabSz="914400" eaLnBrk="1" fontAlgn="auto" latinLnBrk="0" hangingPunct="1">
+              <a:lnSpc>
+                <a:spcPct val="100000"/>
+              </a:lnSpc>
+              <a:spcBef>
+                <a:spcPts val="0"/>
+              </a:spcBef>
+              <a:spcAft>
+                <a:spcPts val="0"/>
+              </a:spcAft>
+              <a:buClrTx/>
+              <a:buSzTx/>
+              <a:buFontTx/>
+              <a:buNone/>
+              <a:tabLst/>
+              <a:defRPr/>
+            </a:pPr>
+            <a:r>
+              <a:rPr lang="en-US" sz="1200" kern="0" dirty="0">
+                <a:solidFill>
+                  <a:srgbClr val="000000"/>
+                </a:solidFill>
+                <a:latin typeface="Arial" panose="020B0604020202020204"/>
+              </a:rPr>
+              <a:t>ENVIRONMENT</a:t>
+            </a:r>
+            <a:endParaRPr kumimoji="0" lang="en-US" sz="1200" b="0" i="0" u="none" strike="noStrike" kern="0" cap="none" spc="0" normalizeH="0" baseline="0" noProof="0" dirty="0">
+              <a:ln>
+                <a:noFill/>
+              </a:ln>
+              <a:solidFill>
+                <a:srgbClr val="000000"/>
+              </a:solidFill>
+              <a:effectLst/>
+              <a:uLnTx/>
+              <a:uFillTx/>
+              <a:latin typeface="Arial" panose="020B0604020202020204"/>
+              <a:ea typeface="+mn-ea"/>
+              <a:cs typeface="+mn-cs"/>
+            </a:endParaRPr>
+          </a:p>
+        </p:txBody>
+      </p:sp>
+      <p:sp>
+        <p:nvSpPr>
+          <p:cNvPr id="61" name="Rectangle 60">
+            <a:extLst>
+              <a:ext uri="{FF2B5EF4-FFF2-40B4-BE49-F238E27FC236}">
+                <a16:creationId xmlns:a16="http://schemas.microsoft.com/office/drawing/2014/main" id="{43BCF27E-FA0B-4588-B8D9-FA4E75F1F0A8}"/>
+              </a:ext>
+            </a:extLst>
+          </p:cNvPr>
+          <p:cNvSpPr/>
+          <p:nvPr/>
+        </p:nvSpPr>
+        <p:spPr>
+          <a:xfrm>
+            <a:off x="2679545" y="1400790"/>
+            <a:ext cx="6208738" cy="471948"/>
+          </a:xfrm>
+          <a:prstGeom prst="rect">
+            <a:avLst/>
+          </a:prstGeom>
+          <a:noFill/>
+          <a:ln w="12700" cap="flat" cmpd="sng" algn="ctr">
+            <a:solidFill>
+              <a:srgbClr val="000000"/>
+            </a:solidFill>
+            <a:prstDash val="solid"/>
+          </a:ln>
+          <a:effectLst/>
+        </p:spPr>
+        <p:txBody>
+          <a:bodyPr rtlCol="0" anchor="t"/>
+          <a:lstStyle/>
+          <a:p>
+            <a:pPr marL="0" marR="0" lvl="0" indent="0" algn="ctr" defTabSz="914400" eaLnBrk="1" fontAlgn="auto" latinLnBrk="0" hangingPunct="1">
+              <a:lnSpc>
+                <a:spcPct val="100000"/>
+              </a:lnSpc>
+              <a:spcBef>
+                <a:spcPts val="0"/>
+              </a:spcBef>
+              <a:spcAft>
+                <a:spcPts val="0"/>
+              </a:spcAft>
+              <a:buClrTx/>
+              <a:buSzTx/>
+              <a:buFontTx/>
+              <a:buNone/>
+              <a:tabLst/>
+              <a:defRPr/>
+            </a:pPr>
+            <a:r>
+              <a:rPr kumimoji="0" lang="en-US" sz="1200" b="0" i="0" u="none" strike="noStrike" kern="0" cap="none" spc="0" normalizeH="0" baseline="0" noProof="0" dirty="0">
+                <a:ln>
+                  <a:noFill/>
+                </a:ln>
+                <a:solidFill>
+                  <a:srgbClr val="000000"/>
+                </a:solidFill>
+                <a:effectLst/>
+                <a:uLnTx/>
+                <a:uFillTx/>
+                <a:latin typeface="Arial" panose="020B0604020202020204"/>
+                <a:ea typeface="+mn-ea"/>
+                <a:cs typeface="+mn-cs"/>
+              </a:rPr>
+              <a:t>AADL model</a:t>
+            </a:r>
+          </a:p>
+        </p:txBody>
+      </p:sp>
+      <p:sp>
+        <p:nvSpPr>
+          <p:cNvPr id="62" name="Rounded Rectangle 6">
+            <a:extLst>
+              <a:ext uri="{FF2B5EF4-FFF2-40B4-BE49-F238E27FC236}">
+                <a16:creationId xmlns:a16="http://schemas.microsoft.com/office/drawing/2014/main" id="{74978FFF-7237-458A-8E97-66F4CB4E910C}"/>
+              </a:ext>
+            </a:extLst>
+          </p:cNvPr>
+          <p:cNvSpPr/>
+          <p:nvPr/>
+        </p:nvSpPr>
+        <p:spPr>
+          <a:xfrm>
+            <a:off x="3358540" y="2111168"/>
+            <a:ext cx="749339" cy="663676"/>
+          </a:xfrm>
+          <a:prstGeom prst="roundRect">
+            <a:avLst>
+              <a:gd name="adj" fmla="val 13390"/>
+            </a:avLst>
+          </a:prstGeom>
+          <a:solidFill>
+            <a:srgbClr val="D6EDBD"/>
+          </a:solidFill>
+          <a:ln w="12700" cap="flat" cmpd="sng" algn="ctr">
+            <a:solidFill>
+              <a:srgbClr val="000000"/>
+            </a:solidFill>
+            <a:prstDash val="solid"/>
+          </a:ln>
+          <a:effectLst/>
+        </p:spPr>
+        <p:txBody>
+          <a:bodyPr rtlCol="0" anchor="t"/>
+          <a:lstStyle/>
+          <a:p>
+            <a:pPr marL="0" marR="0" lvl="0" indent="0" algn="ctr" defTabSz="914400" eaLnBrk="1" fontAlgn="auto" latinLnBrk="0" hangingPunct="1">
+              <a:lnSpc>
+                <a:spcPct val="100000"/>
+              </a:lnSpc>
+              <a:spcBef>
+                <a:spcPts val="0"/>
+              </a:spcBef>
+              <a:spcAft>
+                <a:spcPts val="0"/>
+              </a:spcAft>
+              <a:buClrTx/>
+              <a:buSzTx/>
+              <a:buFontTx/>
+              <a:buNone/>
+              <a:tabLst/>
+              <a:defRPr/>
+            </a:pPr>
+            <a:r>
+              <a:rPr kumimoji="0" lang="en-US" sz="1200" b="0" i="0" u="none" strike="noStrike" kern="0" cap="none" spc="0" normalizeH="0" baseline="0" noProof="0" dirty="0">
+                <a:ln>
+                  <a:noFill/>
+                </a:ln>
+                <a:solidFill>
+                  <a:srgbClr val="000000"/>
+                </a:solidFill>
+                <a:effectLst/>
+                <a:uLnTx/>
+                <a:uFillTx/>
+                <a:latin typeface="Arial" panose="020B0604020202020204"/>
+                <a:ea typeface="+mn-ea"/>
+                <a:cs typeface="+mn-cs"/>
+              </a:rPr>
+              <a:t>HAMR</a:t>
+            </a:r>
+          </a:p>
+        </p:txBody>
+      </p:sp>
+      <p:cxnSp>
+        <p:nvCxnSpPr>
+          <p:cNvPr id="63" name="Straight Arrow Connector 62">
+            <a:extLst>
+              <a:ext uri="{FF2B5EF4-FFF2-40B4-BE49-F238E27FC236}">
+                <a16:creationId xmlns:a16="http://schemas.microsoft.com/office/drawing/2014/main" id="{BEFA455D-7576-4B2A-9919-54716A876357}"/>
+              </a:ext>
+            </a:extLst>
+          </p:cNvPr>
+          <p:cNvCxnSpPr>
+            <a:cxnSpLocks/>
+            <a:endCxn id="62" idx="0"/>
+          </p:cNvCxnSpPr>
+          <p:nvPr/>
+        </p:nvCxnSpPr>
+        <p:spPr>
+          <a:xfrm>
+            <a:off x="3733210" y="1875191"/>
+            <a:ext cx="0" cy="235977"/>
+          </a:xfrm>
+          <a:prstGeom prst="straightConnector1">
+            <a:avLst/>
+          </a:prstGeom>
+          <a:noFill/>
+          <a:ln w="12700" cap="flat" cmpd="sng" algn="ctr">
+            <a:solidFill>
+              <a:srgbClr val="000000"/>
+            </a:solidFill>
+            <a:prstDash val="solid"/>
+            <a:headEnd type="none" w="med" len="med"/>
+            <a:tailEnd type="arrow" w="med" len="med"/>
+          </a:ln>
+          <a:effectLst/>
+        </p:spPr>
+      </p:cxnSp>
+      <p:sp>
+        <p:nvSpPr>
+          <p:cNvPr id="64" name="Rounded Rectangle 12">
+            <a:extLst>
+              <a:ext uri="{FF2B5EF4-FFF2-40B4-BE49-F238E27FC236}">
+                <a16:creationId xmlns:a16="http://schemas.microsoft.com/office/drawing/2014/main" id="{8A53815B-DB3F-4A32-B112-B811B8FF3EDF}"/>
+              </a:ext>
+            </a:extLst>
+          </p:cNvPr>
+          <p:cNvSpPr/>
+          <p:nvPr/>
+        </p:nvSpPr>
+        <p:spPr>
+          <a:xfrm>
+            <a:off x="5534258" y="2111168"/>
+            <a:ext cx="943671" cy="663676"/>
+          </a:xfrm>
+          <a:prstGeom prst="roundRect">
+            <a:avLst>
+              <a:gd name="adj" fmla="val 13390"/>
+            </a:avLst>
+          </a:prstGeom>
+          <a:solidFill>
+            <a:srgbClr val="D6EDBD"/>
+          </a:solidFill>
+          <a:ln w="12700" cap="flat" cmpd="sng" algn="ctr">
+            <a:solidFill>
+              <a:srgbClr val="000000"/>
+            </a:solidFill>
+            <a:prstDash val="solid"/>
+          </a:ln>
+          <a:effectLst/>
+        </p:spPr>
+        <p:txBody>
+          <a:bodyPr lIns="0" tIns="0" rIns="0" bIns="0" rtlCol="0" anchor="t"/>
+          <a:lstStyle/>
+          <a:p>
+            <a:pPr marL="0" marR="0" lvl="0" indent="0" algn="ctr" defTabSz="914400" eaLnBrk="1" fontAlgn="auto" latinLnBrk="0" hangingPunct="1">
+              <a:lnSpc>
+                <a:spcPct val="100000"/>
+              </a:lnSpc>
+              <a:spcBef>
+                <a:spcPts val="0"/>
+              </a:spcBef>
+              <a:spcAft>
+                <a:spcPts val="0"/>
+              </a:spcAft>
+              <a:buClrTx/>
+              <a:buSzTx/>
+              <a:buFontTx/>
+              <a:buNone/>
+              <a:tabLst/>
+              <a:defRPr/>
+            </a:pPr>
+            <a:r>
+              <a:rPr kumimoji="0" lang="en-US" sz="1200" b="0" i="0" u="none" strike="noStrike" kern="0" cap="none" spc="0" normalizeH="0" baseline="0" noProof="0" dirty="0">
+                <a:ln>
+                  <a:noFill/>
+                </a:ln>
+                <a:solidFill>
+                  <a:srgbClr val="000000"/>
+                </a:solidFill>
+                <a:effectLst/>
+                <a:uLnTx/>
+                <a:uFillTx/>
+                <a:latin typeface="Arial" panose="020B0604020202020204"/>
+                <a:ea typeface="+mn-ea"/>
+                <a:cs typeface="+mn-cs"/>
+              </a:rPr>
+              <a:t>Cyber Transforms</a:t>
+            </a:r>
+          </a:p>
+        </p:txBody>
+      </p:sp>
+      <p:sp>
+        <p:nvSpPr>
+          <p:cNvPr id="65" name="Rounded Rectangle 13">
+            <a:extLst>
+              <a:ext uri="{FF2B5EF4-FFF2-40B4-BE49-F238E27FC236}">
+                <a16:creationId xmlns:a16="http://schemas.microsoft.com/office/drawing/2014/main" id="{8586F126-C46A-44DC-8663-26C64309FCCA}"/>
+              </a:ext>
+            </a:extLst>
+          </p:cNvPr>
+          <p:cNvSpPr/>
+          <p:nvPr/>
+        </p:nvSpPr>
+        <p:spPr>
+          <a:xfrm>
+            <a:off x="6648234" y="2111167"/>
+            <a:ext cx="681071" cy="658865"/>
+          </a:xfrm>
+          <a:prstGeom prst="roundRect">
+            <a:avLst>
+              <a:gd name="adj" fmla="val 13390"/>
+            </a:avLst>
+          </a:prstGeom>
+          <a:solidFill>
+            <a:srgbClr val="D6EDBD"/>
+          </a:solidFill>
+          <a:ln w="12700" cap="flat" cmpd="sng" algn="ctr">
+            <a:solidFill>
+              <a:srgbClr val="000000"/>
+            </a:solidFill>
+            <a:prstDash val="solid"/>
+          </a:ln>
+          <a:effectLst/>
+        </p:spPr>
+        <p:txBody>
+          <a:bodyPr lIns="0" rIns="0" rtlCol="0" anchor="t"/>
+          <a:lstStyle/>
+          <a:p>
+            <a:pPr marL="0" marR="0" lvl="0" indent="0" algn="ctr" defTabSz="914400" eaLnBrk="1" fontAlgn="auto" latinLnBrk="0" hangingPunct="1">
+              <a:lnSpc>
+                <a:spcPct val="100000"/>
+              </a:lnSpc>
+              <a:spcBef>
+                <a:spcPts val="0"/>
+              </a:spcBef>
+              <a:spcAft>
+                <a:spcPts val="0"/>
+              </a:spcAft>
+              <a:buClrTx/>
+              <a:buSzTx/>
+              <a:buFontTx/>
+              <a:buNone/>
+              <a:tabLst/>
+              <a:defRPr/>
+            </a:pPr>
+            <a:r>
+              <a:rPr kumimoji="0" lang="en-US" sz="1200" b="0" i="0" u="none" strike="noStrike" kern="0" cap="none" spc="0" normalizeH="0" baseline="0" noProof="0" dirty="0">
+                <a:ln>
+                  <a:noFill/>
+                </a:ln>
+                <a:solidFill>
+                  <a:srgbClr val="000000"/>
+                </a:solidFill>
+                <a:effectLst/>
+                <a:uLnTx/>
+                <a:uFillTx/>
+                <a:latin typeface="Arial" panose="020B0604020202020204"/>
+                <a:ea typeface="+mn-ea"/>
+                <a:cs typeface="+mn-cs"/>
+              </a:rPr>
+              <a:t>AGREE</a:t>
+            </a:r>
+          </a:p>
+        </p:txBody>
+      </p:sp>
+      <p:sp>
+        <p:nvSpPr>
+          <p:cNvPr id="66" name="Rounded Rectangle 14">
+            <a:extLst>
+              <a:ext uri="{FF2B5EF4-FFF2-40B4-BE49-F238E27FC236}">
+                <a16:creationId xmlns:a16="http://schemas.microsoft.com/office/drawing/2014/main" id="{7460D3A4-6490-4FA8-8575-657F977C5245}"/>
+              </a:ext>
+            </a:extLst>
+          </p:cNvPr>
+          <p:cNvSpPr/>
+          <p:nvPr/>
+        </p:nvSpPr>
+        <p:spPr>
+          <a:xfrm>
+            <a:off x="7538526" y="2115979"/>
+            <a:ext cx="696288" cy="658865"/>
+          </a:xfrm>
+          <a:prstGeom prst="roundRect">
+            <a:avLst>
+              <a:gd name="adj" fmla="val 13390"/>
+            </a:avLst>
+          </a:prstGeom>
+          <a:solidFill>
+            <a:srgbClr val="D6EDBD"/>
+          </a:solidFill>
+          <a:ln w="12700" cap="flat" cmpd="sng" algn="ctr">
+            <a:solidFill>
+              <a:srgbClr val="000000"/>
+            </a:solidFill>
+            <a:prstDash val="solid"/>
+          </a:ln>
+          <a:effectLst/>
+        </p:spPr>
+        <p:txBody>
+          <a:bodyPr lIns="0" rIns="0" rtlCol="0" anchor="t"/>
+          <a:lstStyle/>
+          <a:p>
+            <a:pPr algn="ctr"/>
+            <a:r>
+              <a:rPr lang="en-US" sz="1200" kern="0" dirty="0">
+                <a:solidFill>
+                  <a:srgbClr val="000000"/>
+                </a:solidFill>
+                <a:latin typeface="Arial" panose="020B0604020202020204"/>
+              </a:rPr>
+              <a:t>Resolute</a:t>
+            </a:r>
+          </a:p>
+        </p:txBody>
+      </p:sp>
+      <p:cxnSp>
+        <p:nvCxnSpPr>
+          <p:cNvPr id="67" name="Straight Arrow Connector 66">
+            <a:extLst>
+              <a:ext uri="{FF2B5EF4-FFF2-40B4-BE49-F238E27FC236}">
+                <a16:creationId xmlns:a16="http://schemas.microsoft.com/office/drawing/2014/main" id="{0E1D2B94-D4D6-421F-AEC6-F4BF80F240F0}"/>
+              </a:ext>
+            </a:extLst>
+          </p:cNvPr>
+          <p:cNvCxnSpPr>
+            <a:cxnSpLocks/>
+            <a:endCxn id="65" idx="0"/>
+          </p:cNvCxnSpPr>
+          <p:nvPr/>
+        </p:nvCxnSpPr>
+        <p:spPr>
+          <a:xfrm flipH="1">
+            <a:off x="6988770" y="1875191"/>
+            <a:ext cx="1" cy="235976"/>
+          </a:xfrm>
+          <a:prstGeom prst="straightConnector1">
+            <a:avLst/>
+          </a:prstGeom>
+          <a:noFill/>
+          <a:ln w="12700" cap="flat" cmpd="sng" algn="ctr">
+            <a:solidFill>
+              <a:srgbClr val="000000"/>
+            </a:solidFill>
+            <a:prstDash val="solid"/>
+            <a:headEnd type="none" w="med" len="med"/>
+            <a:tailEnd type="arrow" w="med" len="med"/>
+          </a:ln>
+          <a:effectLst/>
+        </p:spPr>
+      </p:cxnSp>
+      <p:cxnSp>
+        <p:nvCxnSpPr>
+          <p:cNvPr id="70" name="Straight Arrow Connector 69">
+            <a:extLst>
+              <a:ext uri="{FF2B5EF4-FFF2-40B4-BE49-F238E27FC236}">
+                <a16:creationId xmlns:a16="http://schemas.microsoft.com/office/drawing/2014/main" id="{5F481ED9-6271-47B9-8D9F-6637E1171FA7}"/>
+              </a:ext>
+            </a:extLst>
+          </p:cNvPr>
+          <p:cNvCxnSpPr>
+            <a:cxnSpLocks/>
+          </p:cNvCxnSpPr>
+          <p:nvPr/>
+        </p:nvCxnSpPr>
+        <p:spPr>
+          <a:xfrm>
+            <a:off x="5853709" y="1866900"/>
+            <a:ext cx="0" cy="244268"/>
+          </a:xfrm>
+          <a:prstGeom prst="straightConnector1">
+            <a:avLst/>
+          </a:prstGeom>
+          <a:noFill/>
+          <a:ln w="12700" cap="flat" cmpd="sng" algn="ctr">
+            <a:solidFill>
+              <a:srgbClr val="000000"/>
+            </a:solidFill>
+            <a:prstDash val="solid"/>
+            <a:headEnd type="none" w="med" len="med"/>
+            <a:tailEnd type="arrow" w="med" len="med"/>
+          </a:ln>
+          <a:effectLst/>
+        </p:spPr>
+      </p:cxnSp>
+      <p:sp>
+        <p:nvSpPr>
+          <p:cNvPr id="71" name="Rounded Rectangle 45">
+            <a:extLst>
+              <a:ext uri="{FF2B5EF4-FFF2-40B4-BE49-F238E27FC236}">
+                <a16:creationId xmlns:a16="http://schemas.microsoft.com/office/drawing/2014/main" id="{B947BB66-EBBB-466E-8B71-D767F6987FE3}"/>
+              </a:ext>
+            </a:extLst>
+          </p:cNvPr>
+          <p:cNvSpPr/>
+          <p:nvPr/>
+        </p:nvSpPr>
+        <p:spPr>
+          <a:xfrm>
+            <a:off x="6154550" y="3415856"/>
+            <a:ext cx="807735" cy="687574"/>
+          </a:xfrm>
+          <a:prstGeom prst="roundRect">
+            <a:avLst>
+              <a:gd name="adj" fmla="val 13390"/>
+            </a:avLst>
+          </a:prstGeom>
+          <a:solidFill>
+            <a:srgbClr val="D6EDBD"/>
+          </a:solidFill>
+          <a:ln w="12700" cap="flat" cmpd="sng" algn="ctr">
+            <a:solidFill>
+              <a:srgbClr val="000000"/>
+            </a:solidFill>
+            <a:prstDash val="solid"/>
+          </a:ln>
+          <a:effectLst/>
+        </p:spPr>
+        <p:txBody>
+          <a:bodyPr rtlCol="0" anchor="t"/>
+          <a:lstStyle/>
+          <a:p>
+            <a:pPr marL="0" marR="0" lvl="0" indent="0" algn="ctr" defTabSz="914400" eaLnBrk="1" fontAlgn="auto" latinLnBrk="0" hangingPunct="1">
+              <a:lnSpc>
+                <a:spcPct val="100000"/>
+              </a:lnSpc>
+              <a:spcBef>
+                <a:spcPts val="0"/>
+              </a:spcBef>
+              <a:spcAft>
+                <a:spcPts val="0"/>
+              </a:spcAft>
+              <a:buClrTx/>
+              <a:buSzTx/>
+              <a:buFontTx/>
+              <a:buNone/>
+              <a:tabLst/>
+              <a:defRPr/>
+            </a:pPr>
+            <a:r>
+              <a:rPr kumimoji="0" lang="en-US" sz="1200" b="0" i="0" u="none" strike="noStrike" kern="0" cap="none" spc="0" normalizeH="0" baseline="0" noProof="0" dirty="0">
+                <a:ln>
+                  <a:noFill/>
+                </a:ln>
+                <a:solidFill>
+                  <a:srgbClr val="000000"/>
+                </a:solidFill>
+                <a:effectLst/>
+                <a:uLnTx/>
+                <a:uFillTx/>
+                <a:latin typeface="Arial" panose="020B0604020202020204"/>
+                <a:ea typeface="+mn-ea"/>
+                <a:cs typeface="+mn-cs"/>
+              </a:rPr>
+              <a:t>SPLAT</a:t>
+            </a:r>
+          </a:p>
+        </p:txBody>
+      </p:sp>
+      <p:cxnSp>
+        <p:nvCxnSpPr>
+          <p:cNvPr id="72" name="Straight Arrow Connector 71">
+            <a:extLst>
+              <a:ext uri="{FF2B5EF4-FFF2-40B4-BE49-F238E27FC236}">
+                <a16:creationId xmlns:a16="http://schemas.microsoft.com/office/drawing/2014/main" id="{7BE849D1-BF44-4304-9965-F4071BDCFF23}"/>
+              </a:ext>
+            </a:extLst>
+          </p:cNvPr>
+          <p:cNvCxnSpPr>
+            <a:cxnSpLocks/>
+            <a:endCxn id="71" idx="0"/>
+          </p:cNvCxnSpPr>
+          <p:nvPr/>
+        </p:nvCxnSpPr>
+        <p:spPr>
+          <a:xfrm>
+            <a:off x="6558418" y="1866900"/>
+            <a:ext cx="0" cy="1548956"/>
+          </a:xfrm>
+          <a:prstGeom prst="straightConnector1">
+            <a:avLst/>
+          </a:prstGeom>
+          <a:noFill/>
+          <a:ln w="12700" cap="flat" cmpd="sng" algn="ctr">
+            <a:solidFill>
+              <a:srgbClr val="000000"/>
+            </a:solidFill>
+            <a:prstDash val="solid"/>
+            <a:headEnd type="none" w="med" len="med"/>
+            <a:tailEnd type="arrow" w="med" len="med"/>
+          </a:ln>
+          <a:effectLst/>
+        </p:spPr>
+      </p:cxnSp>
+      <p:sp>
+        <p:nvSpPr>
+          <p:cNvPr id="76" name="Rounded Rectangle 59">
+            <a:extLst>
+              <a:ext uri="{FF2B5EF4-FFF2-40B4-BE49-F238E27FC236}">
+                <a16:creationId xmlns:a16="http://schemas.microsoft.com/office/drawing/2014/main" id="{28AF0974-A4AE-4F51-A466-9DF1F093C8A0}"/>
+              </a:ext>
+            </a:extLst>
+          </p:cNvPr>
+          <p:cNvSpPr/>
+          <p:nvPr/>
+        </p:nvSpPr>
+        <p:spPr>
+          <a:xfrm>
+            <a:off x="4244622" y="2111168"/>
+            <a:ext cx="1131524" cy="663676"/>
+          </a:xfrm>
+          <a:prstGeom prst="roundRect">
+            <a:avLst>
+              <a:gd name="adj" fmla="val 13390"/>
+            </a:avLst>
+          </a:prstGeom>
+          <a:solidFill>
+            <a:srgbClr val="D6EDBD"/>
+          </a:solidFill>
+          <a:ln w="12700" cap="flat" cmpd="sng" algn="ctr">
+            <a:solidFill>
+              <a:srgbClr val="000000"/>
+            </a:solidFill>
+            <a:prstDash val="solid"/>
+          </a:ln>
+          <a:effectLst/>
+        </p:spPr>
+        <p:txBody>
+          <a:bodyPr lIns="0" rIns="0" rtlCol="0" anchor="t"/>
+          <a:lstStyle/>
+          <a:p>
+            <a:pPr marL="0" marR="0" lvl="0" indent="0" algn="ctr" defTabSz="914400" eaLnBrk="1" fontAlgn="auto" latinLnBrk="0" hangingPunct="1">
+              <a:lnSpc>
+                <a:spcPct val="100000"/>
+              </a:lnSpc>
+              <a:spcBef>
+                <a:spcPts val="0"/>
+              </a:spcBef>
+              <a:spcAft>
+                <a:spcPts val="0"/>
+              </a:spcAft>
+              <a:buClrTx/>
+              <a:buSzTx/>
+              <a:buFontTx/>
+              <a:buNone/>
+              <a:tabLst/>
+              <a:defRPr/>
+            </a:pPr>
+            <a:r>
+              <a:rPr kumimoji="0" lang="en-US" sz="1200" b="0" i="0" u="none" strike="noStrike" kern="0" cap="none" spc="0" normalizeH="0" baseline="0" noProof="0" dirty="0">
+                <a:ln>
+                  <a:noFill/>
+                </a:ln>
+                <a:solidFill>
+                  <a:srgbClr val="000000"/>
+                </a:solidFill>
+                <a:effectLst/>
+                <a:uLnTx/>
+                <a:uFillTx/>
+                <a:latin typeface="Arial" panose="020B0604020202020204"/>
+                <a:ea typeface="+mn-ea"/>
+                <a:cs typeface="+mn-cs"/>
+              </a:rPr>
+              <a:t>Requirements Analysis</a:t>
+            </a:r>
+          </a:p>
+        </p:txBody>
+      </p:sp>
+      <p:cxnSp>
+        <p:nvCxnSpPr>
+          <p:cNvPr id="78" name="Straight Arrow Connector 77">
+            <a:extLst>
+              <a:ext uri="{FF2B5EF4-FFF2-40B4-BE49-F238E27FC236}">
+                <a16:creationId xmlns:a16="http://schemas.microsoft.com/office/drawing/2014/main" id="{486FD576-3A48-4230-A178-913BACD135C2}"/>
+              </a:ext>
+            </a:extLst>
+          </p:cNvPr>
+          <p:cNvCxnSpPr>
+            <a:cxnSpLocks/>
+            <a:stCxn id="64" idx="1"/>
+            <a:endCxn id="76" idx="3"/>
+          </p:cNvCxnSpPr>
+          <p:nvPr/>
+        </p:nvCxnSpPr>
+        <p:spPr>
+          <a:xfrm flipH="1">
+            <a:off x="5376146" y="2443006"/>
+            <a:ext cx="158112" cy="0"/>
+          </a:xfrm>
+          <a:prstGeom prst="straightConnector1">
+            <a:avLst/>
+          </a:prstGeom>
+          <a:noFill/>
+          <a:ln w="12700" cap="flat" cmpd="sng" algn="ctr">
+            <a:solidFill>
+              <a:srgbClr val="000000"/>
+            </a:solidFill>
+            <a:prstDash val="solid"/>
+            <a:headEnd type="arrow" w="med" len="med"/>
+            <a:tailEnd type="none" w="med" len="med"/>
+          </a:ln>
+          <a:effectLst/>
+        </p:spPr>
+      </p:cxnSp>
+      <p:cxnSp>
+        <p:nvCxnSpPr>
+          <p:cNvPr id="79" name="Straight Arrow Connector 78">
+            <a:extLst>
+              <a:ext uri="{FF2B5EF4-FFF2-40B4-BE49-F238E27FC236}">
+                <a16:creationId xmlns:a16="http://schemas.microsoft.com/office/drawing/2014/main" id="{EBF4AD0D-BE24-44E4-B73D-65CA7F0AE012}"/>
+              </a:ext>
+            </a:extLst>
+          </p:cNvPr>
+          <p:cNvCxnSpPr>
+            <a:cxnSpLocks/>
+          </p:cNvCxnSpPr>
+          <p:nvPr/>
+        </p:nvCxnSpPr>
+        <p:spPr>
+          <a:xfrm>
+            <a:off x="4584404" y="1872738"/>
+            <a:ext cx="2040" cy="238430"/>
+          </a:xfrm>
+          <a:prstGeom prst="straightConnector1">
+            <a:avLst/>
+          </a:prstGeom>
+          <a:noFill/>
+          <a:ln w="12700" cap="flat" cmpd="sng" algn="ctr">
+            <a:solidFill>
+              <a:srgbClr val="000000"/>
+            </a:solidFill>
+            <a:prstDash val="solid"/>
+            <a:headEnd type="none" w="med" len="med"/>
+            <a:tailEnd type="arrow" w="med" len="med"/>
+          </a:ln>
+          <a:effectLst/>
+        </p:spPr>
+      </p:cxnSp>
+      <p:sp>
+        <p:nvSpPr>
+          <p:cNvPr id="82" name="Rounded Rectangle 72">
+            <a:extLst>
+              <a:ext uri="{FF2B5EF4-FFF2-40B4-BE49-F238E27FC236}">
+                <a16:creationId xmlns:a16="http://schemas.microsoft.com/office/drawing/2014/main" id="{372452D0-90C9-487E-A755-EFA14AC0E0AC}"/>
+              </a:ext>
+            </a:extLst>
+          </p:cNvPr>
+          <p:cNvSpPr/>
+          <p:nvPr/>
+        </p:nvSpPr>
+        <p:spPr>
+          <a:xfrm>
+            <a:off x="4199990" y="4440460"/>
+            <a:ext cx="1129455" cy="557778"/>
+          </a:xfrm>
+          <a:prstGeom prst="roundRect">
+            <a:avLst>
+              <a:gd name="adj" fmla="val 13390"/>
+            </a:avLst>
+          </a:prstGeom>
+          <a:solidFill>
+            <a:srgbClr val="D6EDBD"/>
+          </a:solidFill>
+          <a:ln w="12700" cap="flat" cmpd="sng" algn="ctr">
+            <a:solidFill>
+              <a:srgbClr val="000000"/>
+            </a:solidFill>
+            <a:prstDash val="solid"/>
+          </a:ln>
+          <a:effectLst/>
+        </p:spPr>
+        <p:txBody>
+          <a:bodyPr rtlCol="0" anchor="t"/>
+          <a:lstStyle/>
+          <a:p>
+            <a:pPr marL="0" marR="0" lvl="0" indent="0" algn="ctr" defTabSz="914400" eaLnBrk="1" fontAlgn="auto" latinLnBrk="0" hangingPunct="1">
+              <a:lnSpc>
+                <a:spcPct val="100000"/>
+              </a:lnSpc>
+              <a:spcBef>
+                <a:spcPts val="0"/>
+              </a:spcBef>
+              <a:spcAft>
+                <a:spcPts val="0"/>
+              </a:spcAft>
+              <a:buClrTx/>
+              <a:buSzTx/>
+              <a:buFontTx/>
+              <a:buNone/>
+              <a:tabLst/>
+              <a:defRPr/>
+            </a:pPr>
+            <a:r>
+              <a:rPr kumimoji="0" lang="en-US" sz="1200" b="0" i="0" u="none" strike="noStrike" kern="0" cap="none" spc="0" normalizeH="0" baseline="0" noProof="0" dirty="0" err="1">
+                <a:ln>
+                  <a:noFill/>
+                </a:ln>
+                <a:solidFill>
+                  <a:srgbClr val="000000"/>
+                </a:solidFill>
+                <a:effectLst/>
+                <a:uLnTx/>
+                <a:uFillTx/>
+                <a:latin typeface="Arial" panose="020B0604020202020204"/>
+                <a:ea typeface="+mn-ea"/>
+                <a:cs typeface="+mn-cs"/>
+              </a:rPr>
+              <a:t>CAmkES</a:t>
+            </a:r>
+            <a:endParaRPr kumimoji="0" lang="en-US" sz="1200" b="0" i="0" u="none" strike="noStrike" kern="0" cap="none" spc="0" normalizeH="0" baseline="0" noProof="0" dirty="0">
+              <a:ln>
+                <a:noFill/>
+              </a:ln>
+              <a:solidFill>
+                <a:srgbClr val="000000"/>
+              </a:solidFill>
+              <a:effectLst/>
+              <a:uLnTx/>
+              <a:uFillTx/>
+              <a:latin typeface="Arial" panose="020B0604020202020204"/>
+              <a:ea typeface="+mn-ea"/>
+              <a:cs typeface="+mn-cs"/>
+            </a:endParaRPr>
+          </a:p>
+        </p:txBody>
+      </p:sp>
+      <p:sp>
+        <p:nvSpPr>
+          <p:cNvPr id="89" name="Rounded Rectangle 83">
+            <a:extLst>
+              <a:ext uri="{FF2B5EF4-FFF2-40B4-BE49-F238E27FC236}">
+                <a16:creationId xmlns:a16="http://schemas.microsoft.com/office/drawing/2014/main" id="{A91295DC-1546-4D96-802E-EC2734A8D1A3}"/>
+              </a:ext>
+            </a:extLst>
+          </p:cNvPr>
+          <p:cNvSpPr/>
+          <p:nvPr/>
+        </p:nvSpPr>
+        <p:spPr>
+          <a:xfrm>
+            <a:off x="2890155" y="4440460"/>
+            <a:ext cx="1045657" cy="557778"/>
+          </a:xfrm>
+          <a:prstGeom prst="roundRect">
+            <a:avLst>
+              <a:gd name="adj" fmla="val 13390"/>
+            </a:avLst>
+          </a:prstGeom>
+          <a:noFill/>
+          <a:ln w="12700" cap="flat" cmpd="sng" algn="ctr">
+            <a:solidFill>
+              <a:srgbClr val="000000"/>
+            </a:solidFill>
+            <a:prstDash val="solid"/>
+          </a:ln>
+          <a:effectLst/>
+        </p:spPr>
+        <p:txBody>
+          <a:bodyPr lIns="0" rIns="0" rtlCol="0" anchor="t"/>
+          <a:lstStyle/>
+          <a:p>
+            <a:pPr marL="0" marR="0" lvl="0" indent="0" algn="ctr" defTabSz="914400" eaLnBrk="1" fontAlgn="auto" latinLnBrk="0" hangingPunct="1">
+              <a:lnSpc>
+                <a:spcPct val="100000"/>
+              </a:lnSpc>
+              <a:spcBef>
+                <a:spcPts val="0"/>
+              </a:spcBef>
+              <a:spcAft>
+                <a:spcPts val="0"/>
+              </a:spcAft>
+              <a:buClrTx/>
+              <a:buSzTx/>
+              <a:buFontTx/>
+              <a:buNone/>
+              <a:tabLst/>
+              <a:defRPr/>
+            </a:pPr>
+            <a:r>
+              <a:rPr kumimoji="0" lang="en-US" sz="1200" b="0" i="0" u="none" strike="noStrike" kern="0" cap="none" spc="0" normalizeH="0" baseline="0" noProof="0" dirty="0">
+                <a:ln>
+                  <a:noFill/>
+                </a:ln>
+                <a:solidFill>
+                  <a:srgbClr val="000000"/>
+                </a:solidFill>
+                <a:effectLst/>
+                <a:uLnTx/>
+                <a:uFillTx/>
+                <a:latin typeface="Arial" panose="020B0604020202020204"/>
+                <a:ea typeface="+mn-ea"/>
+                <a:cs typeface="+mn-cs"/>
+              </a:rPr>
+              <a:t>C compiler</a:t>
+            </a:r>
+          </a:p>
+        </p:txBody>
+      </p:sp>
+      <p:sp>
+        <p:nvSpPr>
+          <p:cNvPr id="90" name="Rounded Rectangle 84">
+            <a:extLst>
+              <a:ext uri="{FF2B5EF4-FFF2-40B4-BE49-F238E27FC236}">
+                <a16:creationId xmlns:a16="http://schemas.microsoft.com/office/drawing/2014/main" id="{413F3B59-DEC4-4E55-B74F-C6522F499955}"/>
+              </a:ext>
+            </a:extLst>
+          </p:cNvPr>
+          <p:cNvSpPr/>
+          <p:nvPr/>
+        </p:nvSpPr>
+        <p:spPr>
+          <a:xfrm>
+            <a:off x="7173585" y="4440460"/>
+            <a:ext cx="1018941" cy="557778"/>
+          </a:xfrm>
+          <a:prstGeom prst="roundRect">
+            <a:avLst>
+              <a:gd name="adj" fmla="val 13390"/>
+            </a:avLst>
+          </a:prstGeom>
+          <a:noFill/>
+          <a:ln w="12700" cap="flat" cmpd="sng" algn="ctr">
+            <a:solidFill>
+              <a:srgbClr val="000000"/>
+            </a:solidFill>
+            <a:prstDash val="solid"/>
+          </a:ln>
+          <a:effectLst/>
+        </p:spPr>
+        <p:txBody>
+          <a:bodyPr lIns="0" tIns="0" rIns="0" bIns="0" rtlCol="0" anchor="t"/>
+          <a:lstStyle/>
+          <a:p>
+            <a:pPr marL="0" marR="0" lvl="0" indent="0" algn="ctr" defTabSz="914400" eaLnBrk="1" fontAlgn="auto" latinLnBrk="0" hangingPunct="1">
+              <a:lnSpc>
+                <a:spcPct val="100000"/>
+              </a:lnSpc>
+              <a:spcBef>
+                <a:spcPts val="0"/>
+              </a:spcBef>
+              <a:spcAft>
+                <a:spcPts val="0"/>
+              </a:spcAft>
+              <a:buClrTx/>
+              <a:buSzTx/>
+              <a:buFontTx/>
+              <a:buNone/>
+              <a:tabLst/>
+              <a:defRPr/>
+            </a:pPr>
+            <a:r>
+              <a:rPr kumimoji="0" lang="en-US" sz="1200" b="0" i="0" u="none" strike="noStrike" kern="0" cap="none" spc="0" normalizeH="0" baseline="0" noProof="0" dirty="0" err="1">
+                <a:ln>
+                  <a:noFill/>
+                </a:ln>
+                <a:solidFill>
+                  <a:srgbClr val="000000"/>
+                </a:solidFill>
+                <a:effectLst/>
+                <a:uLnTx/>
+                <a:uFillTx/>
+                <a:latin typeface="Arial" panose="020B0604020202020204"/>
+                <a:ea typeface="+mn-ea"/>
+                <a:cs typeface="+mn-cs"/>
+              </a:rPr>
+              <a:t>CakeML</a:t>
+            </a:r>
+            <a:r>
+              <a:rPr kumimoji="0" lang="en-US" sz="1200" b="0" i="0" u="none" strike="noStrike" kern="0" cap="none" spc="0" normalizeH="0" baseline="0" noProof="0" dirty="0">
+                <a:ln>
+                  <a:noFill/>
+                </a:ln>
+                <a:solidFill>
+                  <a:srgbClr val="000000"/>
+                </a:solidFill>
+                <a:effectLst/>
+                <a:uLnTx/>
+                <a:uFillTx/>
+                <a:latin typeface="Arial" panose="020B0604020202020204"/>
+                <a:ea typeface="+mn-ea"/>
+                <a:cs typeface="+mn-cs"/>
+              </a:rPr>
+              <a:t> </a:t>
+            </a:r>
+          </a:p>
+          <a:p>
+            <a:pPr marL="0" marR="0" lvl="0" indent="0" algn="ctr" defTabSz="914400" eaLnBrk="1" fontAlgn="auto" latinLnBrk="0" hangingPunct="1">
+              <a:lnSpc>
+                <a:spcPct val="100000"/>
+              </a:lnSpc>
+              <a:spcBef>
+                <a:spcPts val="0"/>
+              </a:spcBef>
+              <a:spcAft>
+                <a:spcPts val="0"/>
+              </a:spcAft>
+              <a:buClrTx/>
+              <a:buSzTx/>
+              <a:buFontTx/>
+              <a:buNone/>
+              <a:tabLst/>
+              <a:defRPr/>
+            </a:pPr>
+            <a:r>
+              <a:rPr kumimoji="0" lang="en-US" sz="1200" b="0" i="0" u="none" strike="noStrike" kern="0" cap="none" spc="0" normalizeH="0" baseline="0" noProof="0" dirty="0">
+                <a:ln>
+                  <a:noFill/>
+                </a:ln>
+                <a:solidFill>
+                  <a:srgbClr val="000000"/>
+                </a:solidFill>
+                <a:effectLst/>
+                <a:uLnTx/>
+                <a:uFillTx/>
+                <a:latin typeface="Arial" panose="020B0604020202020204"/>
+                <a:ea typeface="+mn-ea"/>
+                <a:cs typeface="+mn-cs"/>
+              </a:rPr>
+              <a:t>compiler</a:t>
+            </a:r>
+          </a:p>
+        </p:txBody>
+      </p:sp>
+      <p:cxnSp>
+        <p:nvCxnSpPr>
+          <p:cNvPr id="91" name="Straight Arrow Connector 90">
+            <a:extLst>
+              <a:ext uri="{FF2B5EF4-FFF2-40B4-BE49-F238E27FC236}">
+                <a16:creationId xmlns:a16="http://schemas.microsoft.com/office/drawing/2014/main" id="{A7C921A8-DC67-4712-9D7C-BC74D4CCCCF3}"/>
+              </a:ext>
+            </a:extLst>
+          </p:cNvPr>
+          <p:cNvCxnSpPr>
+            <a:cxnSpLocks/>
+            <a:stCxn id="89" idx="3"/>
+            <a:endCxn id="82" idx="1"/>
+          </p:cNvCxnSpPr>
+          <p:nvPr/>
+        </p:nvCxnSpPr>
+        <p:spPr>
+          <a:xfrm>
+            <a:off x="3935812" y="4719349"/>
+            <a:ext cx="264178" cy="0"/>
+          </a:xfrm>
+          <a:prstGeom prst="straightConnector1">
+            <a:avLst/>
+          </a:prstGeom>
+          <a:noFill/>
+          <a:ln w="12700" cap="flat" cmpd="sng" algn="ctr">
+            <a:solidFill>
+              <a:srgbClr val="000000"/>
+            </a:solidFill>
+            <a:prstDash val="solid"/>
+            <a:headEnd type="arrow" w="med" len="med"/>
+            <a:tailEnd type="arrow" w="med" len="med"/>
+          </a:ln>
+          <a:effectLst/>
+        </p:spPr>
+      </p:cxnSp>
+      <p:cxnSp>
+        <p:nvCxnSpPr>
+          <p:cNvPr id="92" name="Straight Arrow Connector 91">
+            <a:extLst>
+              <a:ext uri="{FF2B5EF4-FFF2-40B4-BE49-F238E27FC236}">
+                <a16:creationId xmlns:a16="http://schemas.microsoft.com/office/drawing/2014/main" id="{D0ECB994-4EA6-40DB-A001-9F86BADC1D7E}"/>
+              </a:ext>
+            </a:extLst>
+          </p:cNvPr>
+          <p:cNvCxnSpPr>
+            <a:cxnSpLocks/>
+            <a:stCxn id="90" idx="1"/>
+            <a:endCxn id="82" idx="3"/>
+          </p:cNvCxnSpPr>
+          <p:nvPr/>
+        </p:nvCxnSpPr>
+        <p:spPr>
+          <a:xfrm flipH="1">
+            <a:off x="5329445" y="4719349"/>
+            <a:ext cx="1844140" cy="0"/>
+          </a:xfrm>
+          <a:prstGeom prst="straightConnector1">
+            <a:avLst/>
+          </a:prstGeom>
+          <a:noFill/>
+          <a:ln w="12700" cap="flat" cmpd="sng" algn="ctr">
+            <a:solidFill>
+              <a:srgbClr val="000000"/>
+            </a:solidFill>
+            <a:prstDash val="solid"/>
+            <a:headEnd type="arrow" w="med" len="med"/>
+            <a:tailEnd type="arrow" w="med" len="med"/>
+          </a:ln>
+          <a:effectLst/>
+        </p:spPr>
+      </p:cxnSp>
+      <p:sp>
+        <p:nvSpPr>
+          <p:cNvPr id="93" name="Rectangle 92">
+            <a:extLst>
+              <a:ext uri="{FF2B5EF4-FFF2-40B4-BE49-F238E27FC236}">
+                <a16:creationId xmlns:a16="http://schemas.microsoft.com/office/drawing/2014/main" id="{2442851B-0E2B-4CE8-8C18-A1FC719FEFF8}"/>
+              </a:ext>
+            </a:extLst>
+          </p:cNvPr>
+          <p:cNvSpPr/>
+          <p:nvPr/>
+        </p:nvSpPr>
+        <p:spPr>
+          <a:xfrm>
+            <a:off x="2924475" y="3405920"/>
+            <a:ext cx="965102" cy="687574"/>
+          </a:xfrm>
+          <a:prstGeom prst="rect">
+            <a:avLst/>
+          </a:prstGeom>
+          <a:noFill/>
+          <a:ln w="12700" cap="flat" cmpd="sng" algn="ctr">
+            <a:solidFill>
+              <a:srgbClr val="000000"/>
+            </a:solidFill>
+            <a:prstDash val="solid"/>
+          </a:ln>
+          <a:effectLst/>
+        </p:spPr>
+        <p:txBody>
+          <a:bodyPr lIns="0" rIns="0" rtlCol="0" anchor="t"/>
+          <a:lstStyle/>
+          <a:p>
+            <a:pPr marL="0" marR="0" lvl="0" indent="0" algn="ctr" defTabSz="914400" eaLnBrk="1" fontAlgn="auto" latinLnBrk="0" hangingPunct="1">
+              <a:lnSpc>
+                <a:spcPct val="100000"/>
+              </a:lnSpc>
+              <a:spcBef>
+                <a:spcPts val="0"/>
+              </a:spcBef>
+              <a:spcAft>
+                <a:spcPts val="0"/>
+              </a:spcAft>
+              <a:buClrTx/>
+              <a:buSzTx/>
+              <a:buFontTx/>
+              <a:buNone/>
+              <a:tabLst/>
+              <a:defRPr/>
+            </a:pPr>
+            <a:r>
+              <a:rPr kumimoji="0" lang="en-US" sz="1200" b="0" i="0" u="none" strike="noStrike" kern="0" cap="none" spc="0" normalizeH="0" baseline="0" noProof="0" dirty="0">
+                <a:ln>
+                  <a:noFill/>
+                </a:ln>
+                <a:solidFill>
+                  <a:srgbClr val="000000"/>
+                </a:solidFill>
+                <a:effectLst/>
+                <a:uLnTx/>
+                <a:uFillTx/>
+                <a:latin typeface="Arial" panose="020B0604020202020204"/>
+                <a:ea typeface="+mn-ea"/>
+                <a:cs typeface="+mn-cs"/>
+              </a:rPr>
+              <a:t>Generated code</a:t>
+            </a:r>
+          </a:p>
+        </p:txBody>
+      </p:sp>
+      <p:cxnSp>
+        <p:nvCxnSpPr>
+          <p:cNvPr id="96" name="Straight Arrow Connector 95">
+            <a:extLst>
+              <a:ext uri="{FF2B5EF4-FFF2-40B4-BE49-F238E27FC236}">
+                <a16:creationId xmlns:a16="http://schemas.microsoft.com/office/drawing/2014/main" id="{7F190995-C63F-4A1D-8C51-395E8BBE78C1}"/>
+              </a:ext>
+            </a:extLst>
+          </p:cNvPr>
+          <p:cNvCxnSpPr>
+            <a:cxnSpLocks/>
+            <a:stCxn id="62" idx="2"/>
+            <a:endCxn id="93" idx="0"/>
+          </p:cNvCxnSpPr>
+          <p:nvPr/>
+        </p:nvCxnSpPr>
+        <p:spPr>
+          <a:xfrm flipH="1">
+            <a:off x="3407026" y="2774844"/>
+            <a:ext cx="326184" cy="631076"/>
+          </a:xfrm>
+          <a:prstGeom prst="straightConnector1">
+            <a:avLst/>
+          </a:prstGeom>
+          <a:noFill/>
+          <a:ln w="12700" cap="flat" cmpd="sng" algn="ctr">
+            <a:solidFill>
+              <a:srgbClr val="000000"/>
+            </a:solidFill>
+            <a:prstDash val="solid"/>
+            <a:headEnd type="none" w="med" len="med"/>
+            <a:tailEnd type="arrow" w="med" len="med"/>
+          </a:ln>
+          <a:effectLst/>
+        </p:spPr>
+      </p:cxnSp>
+      <p:sp>
+        <p:nvSpPr>
+          <p:cNvPr id="103" name="Rectangle 102">
+            <a:extLst>
+              <a:ext uri="{FF2B5EF4-FFF2-40B4-BE49-F238E27FC236}">
+                <a16:creationId xmlns:a16="http://schemas.microsoft.com/office/drawing/2014/main" id="{BEDBC5B3-7396-4B30-A4EC-140956B5374C}"/>
+              </a:ext>
+            </a:extLst>
+          </p:cNvPr>
+          <p:cNvSpPr/>
+          <p:nvPr/>
+        </p:nvSpPr>
+        <p:spPr>
+          <a:xfrm>
+            <a:off x="7173586" y="3415856"/>
+            <a:ext cx="1025302" cy="687574"/>
+          </a:xfrm>
+          <a:prstGeom prst="rect">
+            <a:avLst/>
+          </a:prstGeom>
+          <a:noFill/>
+          <a:ln w="12700" cap="flat" cmpd="sng" algn="ctr">
+            <a:solidFill>
+              <a:srgbClr val="000000"/>
+            </a:solidFill>
+            <a:prstDash val="solid"/>
+          </a:ln>
+          <a:effectLst/>
+        </p:spPr>
+        <p:txBody>
+          <a:bodyPr lIns="0" rIns="0" rtlCol="0" anchor="t"/>
+          <a:lstStyle/>
+          <a:p>
+            <a:pPr marL="0" marR="0" lvl="0" indent="0" algn="ctr" defTabSz="914400" eaLnBrk="1" fontAlgn="auto" latinLnBrk="0" hangingPunct="1">
+              <a:lnSpc>
+                <a:spcPct val="100000"/>
+              </a:lnSpc>
+              <a:spcBef>
+                <a:spcPts val="0"/>
+              </a:spcBef>
+              <a:spcAft>
+                <a:spcPts val="0"/>
+              </a:spcAft>
+              <a:buClrTx/>
+              <a:buSzTx/>
+              <a:buFontTx/>
+              <a:buNone/>
+              <a:tabLst/>
+              <a:defRPr/>
+            </a:pPr>
+            <a:r>
+              <a:rPr kumimoji="0" lang="en-US" sz="1200" b="0" i="0" u="none" strike="noStrike" kern="0" cap="none" spc="0" normalizeH="0" baseline="0" noProof="0" dirty="0">
+                <a:ln>
+                  <a:noFill/>
+                </a:ln>
+                <a:solidFill>
+                  <a:srgbClr val="000000"/>
+                </a:solidFill>
+                <a:effectLst/>
+                <a:uLnTx/>
+                <a:uFillTx/>
+                <a:latin typeface="Arial" panose="020B0604020202020204"/>
+                <a:ea typeface="+mn-ea"/>
+                <a:cs typeface="+mn-cs"/>
+              </a:rPr>
+              <a:t>Synthesized </a:t>
+            </a:r>
+          </a:p>
+          <a:p>
+            <a:pPr marL="0" marR="0" lvl="0" indent="0" algn="ctr" defTabSz="914400" eaLnBrk="1" fontAlgn="auto" latinLnBrk="0" hangingPunct="1">
+              <a:lnSpc>
+                <a:spcPct val="100000"/>
+              </a:lnSpc>
+              <a:spcBef>
+                <a:spcPts val="0"/>
+              </a:spcBef>
+              <a:spcAft>
+                <a:spcPts val="0"/>
+              </a:spcAft>
+              <a:buClrTx/>
+              <a:buSzTx/>
+              <a:buFontTx/>
+              <a:buNone/>
+              <a:tabLst/>
+              <a:defRPr/>
+            </a:pPr>
+            <a:r>
+              <a:rPr kumimoji="0" lang="en-US" sz="1200" b="0" i="0" u="none" strike="noStrike" kern="0" cap="none" spc="0" normalizeH="0" baseline="0" noProof="0" dirty="0">
+                <a:ln>
+                  <a:noFill/>
+                </a:ln>
+                <a:solidFill>
+                  <a:srgbClr val="000000"/>
+                </a:solidFill>
+                <a:effectLst/>
+                <a:uLnTx/>
+                <a:uFillTx/>
+                <a:latin typeface="Arial" panose="020B0604020202020204"/>
+                <a:ea typeface="+mn-ea"/>
+                <a:cs typeface="+mn-cs"/>
+              </a:rPr>
+              <a:t>code</a:t>
+            </a:r>
+          </a:p>
+        </p:txBody>
+      </p:sp>
+      <p:cxnSp>
+        <p:nvCxnSpPr>
+          <p:cNvPr id="104" name="Straight Arrow Connector 103">
+            <a:extLst>
+              <a:ext uri="{FF2B5EF4-FFF2-40B4-BE49-F238E27FC236}">
+                <a16:creationId xmlns:a16="http://schemas.microsoft.com/office/drawing/2014/main" id="{36E5A3ED-D39F-4052-9C6F-8857A6706E23}"/>
+              </a:ext>
+            </a:extLst>
+          </p:cNvPr>
+          <p:cNvCxnSpPr>
+            <a:cxnSpLocks/>
+            <a:stCxn id="71" idx="3"/>
+            <a:endCxn id="103" idx="1"/>
+          </p:cNvCxnSpPr>
+          <p:nvPr/>
+        </p:nvCxnSpPr>
+        <p:spPr>
+          <a:xfrm>
+            <a:off x="6962285" y="3759643"/>
+            <a:ext cx="211301" cy="0"/>
+          </a:xfrm>
+          <a:prstGeom prst="straightConnector1">
+            <a:avLst/>
+          </a:prstGeom>
+          <a:noFill/>
+          <a:ln w="12700" cap="flat" cmpd="sng" algn="ctr">
+            <a:solidFill>
+              <a:srgbClr val="000000"/>
+            </a:solidFill>
+            <a:prstDash val="solid"/>
+            <a:headEnd type="none" w="med" len="med"/>
+            <a:tailEnd type="arrow" w="med" len="med"/>
+          </a:ln>
+          <a:effectLst/>
+        </p:spPr>
+      </p:cxnSp>
+      <p:cxnSp>
+        <p:nvCxnSpPr>
+          <p:cNvPr id="105" name="Straight Arrow Connector 104">
+            <a:extLst>
+              <a:ext uri="{FF2B5EF4-FFF2-40B4-BE49-F238E27FC236}">
+                <a16:creationId xmlns:a16="http://schemas.microsoft.com/office/drawing/2014/main" id="{B1368B2C-50A4-457A-9CB9-32CB73EDEFEB}"/>
+              </a:ext>
+            </a:extLst>
+          </p:cNvPr>
+          <p:cNvCxnSpPr>
+            <a:cxnSpLocks/>
+            <a:stCxn id="103" idx="2"/>
+            <a:endCxn id="90" idx="0"/>
+          </p:cNvCxnSpPr>
+          <p:nvPr/>
+        </p:nvCxnSpPr>
+        <p:spPr>
+          <a:xfrm flipH="1">
+            <a:off x="7683056" y="4103430"/>
+            <a:ext cx="3181" cy="337030"/>
+          </a:xfrm>
+          <a:prstGeom prst="straightConnector1">
+            <a:avLst/>
+          </a:prstGeom>
+          <a:noFill/>
+          <a:ln w="12700" cap="flat" cmpd="sng" algn="ctr">
+            <a:solidFill>
+              <a:srgbClr val="000000"/>
+            </a:solidFill>
+            <a:prstDash val="solid"/>
+            <a:headEnd type="none" w="med" len="med"/>
+            <a:tailEnd type="arrow" w="med" len="med"/>
+          </a:ln>
+          <a:effectLst/>
+        </p:spPr>
+      </p:cxnSp>
+      <p:sp>
+        <p:nvSpPr>
+          <p:cNvPr id="107" name="Rectangle 106">
+            <a:extLst>
+              <a:ext uri="{FF2B5EF4-FFF2-40B4-BE49-F238E27FC236}">
+                <a16:creationId xmlns:a16="http://schemas.microsoft.com/office/drawing/2014/main" id="{90184493-08BF-4F5A-BE3D-03334B50ED5E}"/>
+              </a:ext>
+            </a:extLst>
+          </p:cNvPr>
+          <p:cNvSpPr/>
+          <p:nvPr/>
+        </p:nvSpPr>
+        <p:spPr>
+          <a:xfrm>
+            <a:off x="3380841" y="5306681"/>
+            <a:ext cx="2771820" cy="350910"/>
+          </a:xfrm>
+          <a:prstGeom prst="rect">
+            <a:avLst/>
+          </a:prstGeom>
+          <a:noFill/>
+          <a:ln w="12700" cap="flat" cmpd="sng" algn="ctr">
+            <a:solidFill>
+              <a:srgbClr val="000000"/>
+            </a:solidFill>
+            <a:prstDash val="solid"/>
+          </a:ln>
+          <a:effectLst/>
+        </p:spPr>
+        <p:txBody>
+          <a:bodyPr rtlCol="0" anchor="t"/>
+          <a:lstStyle/>
+          <a:p>
+            <a:pPr marL="0" marR="0" lvl="0" indent="0" algn="ctr" defTabSz="914400" eaLnBrk="1" fontAlgn="auto" latinLnBrk="0" hangingPunct="1">
+              <a:lnSpc>
+                <a:spcPct val="100000"/>
+              </a:lnSpc>
+              <a:spcBef>
+                <a:spcPts val="0"/>
+              </a:spcBef>
+              <a:spcAft>
+                <a:spcPts val="0"/>
+              </a:spcAft>
+              <a:buClrTx/>
+              <a:buSzTx/>
+              <a:buFontTx/>
+              <a:buNone/>
+              <a:tabLst/>
+              <a:defRPr/>
+            </a:pPr>
+            <a:r>
+              <a:rPr kumimoji="0" lang="en-US" sz="1200" b="0" i="0" u="none" strike="noStrike" kern="0" cap="none" spc="0" normalizeH="0" baseline="0" noProof="0" dirty="0">
+                <a:ln>
+                  <a:noFill/>
+                </a:ln>
+                <a:solidFill>
+                  <a:srgbClr val="000000"/>
+                </a:solidFill>
+                <a:effectLst/>
+                <a:uLnTx/>
+                <a:uFillTx/>
+                <a:latin typeface="Arial" panose="020B0604020202020204"/>
+                <a:ea typeface="+mn-ea"/>
+                <a:cs typeface="+mn-cs"/>
+              </a:rPr>
+              <a:t>System executable</a:t>
+            </a:r>
+          </a:p>
+        </p:txBody>
+      </p:sp>
+      <p:cxnSp>
+        <p:nvCxnSpPr>
+          <p:cNvPr id="112" name="Straight Arrow Connector 111">
+            <a:extLst>
+              <a:ext uri="{FF2B5EF4-FFF2-40B4-BE49-F238E27FC236}">
+                <a16:creationId xmlns:a16="http://schemas.microsoft.com/office/drawing/2014/main" id="{380F575F-BFF8-4D1E-BE6B-1E0BE563EF02}"/>
+              </a:ext>
+            </a:extLst>
+          </p:cNvPr>
+          <p:cNvCxnSpPr>
+            <a:cxnSpLocks/>
+            <a:stCxn id="114" idx="2"/>
+          </p:cNvCxnSpPr>
+          <p:nvPr/>
+        </p:nvCxnSpPr>
+        <p:spPr>
+          <a:xfrm>
+            <a:off x="2196436" y="4093368"/>
+            <a:ext cx="785898" cy="345281"/>
+          </a:xfrm>
+          <a:prstGeom prst="straightConnector1">
+            <a:avLst/>
+          </a:prstGeom>
+          <a:noFill/>
+          <a:ln w="12700" cap="flat" cmpd="sng" algn="ctr">
+            <a:solidFill>
+              <a:srgbClr val="000000"/>
+            </a:solidFill>
+            <a:prstDash val="solid"/>
+            <a:headEnd type="none" w="med" len="med"/>
+            <a:tailEnd type="arrow" w="med" len="med"/>
+          </a:ln>
+          <a:effectLst/>
+        </p:spPr>
+      </p:cxnSp>
+      <p:cxnSp>
+        <p:nvCxnSpPr>
+          <p:cNvPr id="113" name="Straight Arrow Connector 112">
+            <a:extLst>
+              <a:ext uri="{FF2B5EF4-FFF2-40B4-BE49-F238E27FC236}">
+                <a16:creationId xmlns:a16="http://schemas.microsoft.com/office/drawing/2014/main" id="{BE44C490-C780-4F1B-A181-807A09ED5996}"/>
+              </a:ext>
+            </a:extLst>
+          </p:cNvPr>
+          <p:cNvCxnSpPr/>
+          <p:nvPr/>
+        </p:nvCxnSpPr>
+        <p:spPr>
+          <a:xfrm>
+            <a:off x="6215935" y="1866900"/>
+            <a:ext cx="0" cy="238430"/>
+          </a:xfrm>
+          <a:prstGeom prst="straightConnector1">
+            <a:avLst/>
+          </a:prstGeom>
+          <a:noFill/>
+          <a:ln w="12700" cap="flat" cmpd="sng" algn="ctr">
+            <a:solidFill>
+              <a:srgbClr val="000000"/>
+            </a:solidFill>
+            <a:prstDash val="solid"/>
+            <a:headEnd type="arrow" w="med" len="med"/>
+            <a:tailEnd type="none" w="med" len="med"/>
+          </a:ln>
+          <a:effectLst/>
+        </p:spPr>
+      </p:cxnSp>
+      <p:sp>
+        <p:nvSpPr>
+          <p:cNvPr id="114" name="Rectangle 113">
+            <a:extLst>
+              <a:ext uri="{FF2B5EF4-FFF2-40B4-BE49-F238E27FC236}">
+                <a16:creationId xmlns:a16="http://schemas.microsoft.com/office/drawing/2014/main" id="{922EF082-6D4C-464F-BF89-5314BCF84569}"/>
+              </a:ext>
+            </a:extLst>
+          </p:cNvPr>
+          <p:cNvSpPr/>
+          <p:nvPr/>
+        </p:nvSpPr>
+        <p:spPr>
+          <a:xfrm>
+            <a:off x="1570818" y="3405794"/>
+            <a:ext cx="1251235" cy="687574"/>
+          </a:xfrm>
+          <a:prstGeom prst="rect">
+            <a:avLst/>
+          </a:prstGeom>
+          <a:noFill/>
+          <a:ln w="12700" cap="flat" cmpd="sng" algn="ctr">
+            <a:solidFill>
+              <a:srgbClr val="000000"/>
+            </a:solidFill>
+            <a:prstDash val="solid"/>
+          </a:ln>
+          <a:effectLst/>
+        </p:spPr>
+        <p:txBody>
+          <a:bodyPr lIns="0" rIns="0" rtlCol="0" anchor="t"/>
+          <a:lstStyle/>
+          <a:p>
+            <a:pPr marL="0" marR="0" lvl="0" indent="0" algn="ctr" defTabSz="914400" eaLnBrk="1" fontAlgn="auto" latinLnBrk="0" hangingPunct="1">
+              <a:lnSpc>
+                <a:spcPct val="100000"/>
+              </a:lnSpc>
+              <a:spcBef>
+                <a:spcPts val="0"/>
+              </a:spcBef>
+              <a:spcAft>
+                <a:spcPts val="0"/>
+              </a:spcAft>
+              <a:buClrTx/>
+              <a:buSzTx/>
+              <a:buFontTx/>
+              <a:buNone/>
+              <a:tabLst/>
+              <a:defRPr/>
+            </a:pPr>
+            <a:r>
+              <a:rPr lang="en-US" sz="1200" kern="0" dirty="0">
+                <a:solidFill>
+                  <a:srgbClr val="000000"/>
+                </a:solidFill>
+                <a:latin typeface="Arial" panose="020B0604020202020204"/>
+              </a:rPr>
+              <a:t>Hand-written component code</a:t>
+            </a:r>
+            <a:endParaRPr kumimoji="0" lang="en-US" sz="1200" b="0" i="0" u="none" strike="noStrike" kern="0" cap="none" spc="0" normalizeH="0" baseline="0" noProof="0" dirty="0">
+              <a:ln>
+                <a:noFill/>
+              </a:ln>
+              <a:solidFill>
+                <a:srgbClr val="000000"/>
+              </a:solidFill>
+              <a:effectLst/>
+              <a:uLnTx/>
+              <a:uFillTx/>
+              <a:latin typeface="Arial" panose="020B0604020202020204"/>
+              <a:ea typeface="+mn-ea"/>
+              <a:cs typeface="+mn-cs"/>
+            </a:endParaRPr>
+          </a:p>
+        </p:txBody>
+      </p:sp>
+      <p:sp>
+        <p:nvSpPr>
+          <p:cNvPr id="115" name="Rectangle 114">
+            <a:extLst>
+              <a:ext uri="{FF2B5EF4-FFF2-40B4-BE49-F238E27FC236}">
+                <a16:creationId xmlns:a16="http://schemas.microsoft.com/office/drawing/2014/main" id="{4DDE2433-5DC8-414A-8297-C1B544705C3E}"/>
+              </a:ext>
+            </a:extLst>
+          </p:cNvPr>
+          <p:cNvSpPr/>
+          <p:nvPr/>
+        </p:nvSpPr>
+        <p:spPr>
+          <a:xfrm>
+            <a:off x="8359735" y="3415856"/>
+            <a:ext cx="1251729" cy="676063"/>
+          </a:xfrm>
+          <a:prstGeom prst="rect">
+            <a:avLst/>
+          </a:prstGeom>
+          <a:solidFill>
+            <a:srgbClr val="D6EDBD"/>
+          </a:solidFill>
+          <a:ln w="12700" cap="flat" cmpd="sng" algn="ctr">
+            <a:solidFill>
+              <a:srgbClr val="000000"/>
+            </a:solidFill>
+            <a:prstDash val="solid"/>
+          </a:ln>
+          <a:effectLst/>
+        </p:spPr>
+        <p:txBody>
+          <a:bodyPr lIns="0" rIns="0" rtlCol="0" anchor="t"/>
+          <a:lstStyle/>
+          <a:p>
+            <a:pPr marL="0" marR="0" lvl="0" indent="0" algn="ctr" defTabSz="914400" eaLnBrk="1" fontAlgn="auto" latinLnBrk="0" hangingPunct="1">
+              <a:lnSpc>
+                <a:spcPct val="100000"/>
+              </a:lnSpc>
+              <a:spcBef>
+                <a:spcPts val="0"/>
+              </a:spcBef>
+              <a:spcAft>
+                <a:spcPts val="0"/>
+              </a:spcAft>
+              <a:buClrTx/>
+              <a:buSzTx/>
+              <a:buFontTx/>
+              <a:buNone/>
+              <a:tabLst/>
+              <a:defRPr/>
+            </a:pPr>
+            <a:r>
+              <a:rPr kumimoji="0" lang="en-US" sz="1200" b="0" i="0" u="none" strike="noStrike" kern="0" cap="none" spc="0" normalizeH="0" baseline="0" noProof="0" dirty="0">
+                <a:ln>
+                  <a:noFill/>
+                </a:ln>
+                <a:solidFill>
+                  <a:srgbClr val="000000"/>
+                </a:solidFill>
+                <a:effectLst/>
+                <a:uLnTx/>
+                <a:uFillTx/>
+                <a:latin typeface="Arial" panose="020B0604020202020204"/>
+                <a:ea typeface="+mn-ea"/>
+                <a:cs typeface="+mn-cs"/>
+              </a:rPr>
+              <a:t>Pre-verified component code (Attestation)</a:t>
+            </a:r>
+          </a:p>
+        </p:txBody>
+      </p:sp>
+      <p:cxnSp>
+        <p:nvCxnSpPr>
+          <p:cNvPr id="119" name="Straight Arrow Connector 118">
+            <a:extLst>
+              <a:ext uri="{FF2B5EF4-FFF2-40B4-BE49-F238E27FC236}">
+                <a16:creationId xmlns:a16="http://schemas.microsoft.com/office/drawing/2014/main" id="{D5425A1C-9D28-4037-8876-54779061E44A}"/>
+              </a:ext>
+            </a:extLst>
+          </p:cNvPr>
+          <p:cNvCxnSpPr>
+            <a:cxnSpLocks/>
+            <a:stCxn id="93" idx="2"/>
+            <a:endCxn id="89" idx="0"/>
+          </p:cNvCxnSpPr>
+          <p:nvPr/>
+        </p:nvCxnSpPr>
+        <p:spPr>
+          <a:xfrm>
+            <a:off x="3407026" y="4093494"/>
+            <a:ext cx="5958" cy="346966"/>
+          </a:xfrm>
+          <a:prstGeom prst="straightConnector1">
+            <a:avLst/>
+          </a:prstGeom>
+          <a:noFill/>
+          <a:ln w="12700" cap="flat" cmpd="sng" algn="ctr">
+            <a:solidFill>
+              <a:srgbClr val="000000"/>
+            </a:solidFill>
+            <a:prstDash val="solid"/>
+            <a:headEnd type="none" w="med" len="med"/>
+            <a:tailEnd type="arrow" w="med" len="med"/>
+          </a:ln>
+          <a:effectLst/>
+        </p:spPr>
+      </p:cxnSp>
+      <p:sp>
+        <p:nvSpPr>
+          <p:cNvPr id="126" name="Rectangle 125">
+            <a:extLst>
+              <a:ext uri="{FF2B5EF4-FFF2-40B4-BE49-F238E27FC236}">
+                <a16:creationId xmlns:a16="http://schemas.microsoft.com/office/drawing/2014/main" id="{3BB61A9D-3B92-4D98-9933-11FCB4BB2EED}"/>
+              </a:ext>
+            </a:extLst>
+          </p:cNvPr>
+          <p:cNvSpPr/>
+          <p:nvPr/>
+        </p:nvSpPr>
+        <p:spPr>
+          <a:xfrm>
+            <a:off x="1589684" y="4438649"/>
+            <a:ext cx="1045658" cy="557779"/>
+          </a:xfrm>
+          <a:prstGeom prst="rect">
+            <a:avLst/>
+          </a:prstGeom>
+          <a:solidFill>
+            <a:srgbClr val="D6EDBD"/>
+          </a:solidFill>
+          <a:ln w="12700" cap="flat" cmpd="sng" algn="ctr">
+            <a:solidFill>
+              <a:srgbClr val="000000"/>
+            </a:solidFill>
+            <a:prstDash val="solid"/>
+          </a:ln>
+          <a:effectLst/>
+        </p:spPr>
+        <p:txBody>
+          <a:bodyPr lIns="0" rIns="0" rtlCol="0" anchor="t"/>
+          <a:lstStyle/>
+          <a:p>
+            <a:pPr marL="0" marR="0" lvl="0" indent="0" algn="ctr" defTabSz="914400" eaLnBrk="1" fontAlgn="auto" latinLnBrk="0" hangingPunct="1">
+              <a:lnSpc>
+                <a:spcPct val="100000"/>
+              </a:lnSpc>
+              <a:spcBef>
+                <a:spcPts val="0"/>
+              </a:spcBef>
+              <a:spcAft>
+                <a:spcPts val="0"/>
+              </a:spcAft>
+              <a:buClrTx/>
+              <a:buSzTx/>
+              <a:buFontTx/>
+              <a:buNone/>
+              <a:tabLst/>
+              <a:defRPr/>
+            </a:pPr>
+            <a:r>
+              <a:rPr kumimoji="0" lang="en-US" sz="1200" b="0" i="0" u="none" strike="noStrike" kern="0" cap="none" spc="0" normalizeH="0" baseline="0" noProof="0" dirty="0">
+                <a:ln>
+                  <a:noFill/>
+                </a:ln>
+                <a:solidFill>
+                  <a:srgbClr val="000000"/>
+                </a:solidFill>
+                <a:effectLst/>
+                <a:uLnTx/>
+                <a:uFillTx/>
+                <a:latin typeface="Arial" panose="020B0604020202020204"/>
+                <a:ea typeface="+mn-ea"/>
+                <a:cs typeface="+mn-cs"/>
+              </a:rPr>
+              <a:t>Pre-verified code (seL4)</a:t>
+            </a:r>
+          </a:p>
+        </p:txBody>
+      </p:sp>
+      <p:cxnSp>
+        <p:nvCxnSpPr>
+          <p:cNvPr id="128" name="Connector: Elbow 127">
+            <a:extLst>
+              <a:ext uri="{FF2B5EF4-FFF2-40B4-BE49-F238E27FC236}">
+                <a16:creationId xmlns:a16="http://schemas.microsoft.com/office/drawing/2014/main" id="{8B7B7870-B6E7-45C2-BB03-FA81926EB055}"/>
+              </a:ext>
+            </a:extLst>
+          </p:cNvPr>
+          <p:cNvCxnSpPr>
+            <a:cxnSpLocks/>
+            <a:stCxn id="115" idx="2"/>
+            <a:endCxn id="90" idx="3"/>
+          </p:cNvCxnSpPr>
+          <p:nvPr/>
+        </p:nvCxnSpPr>
+        <p:spPr>
+          <a:xfrm rot="5400000">
+            <a:off x="8275348" y="4009097"/>
+            <a:ext cx="627430" cy="793074"/>
+          </a:xfrm>
+          <a:prstGeom prst="bentConnector2">
+            <a:avLst/>
+          </a:prstGeom>
+          <a:noFill/>
+          <a:ln w="12700" cap="flat" cmpd="sng" algn="ctr">
+            <a:solidFill>
+              <a:srgbClr val="000000"/>
+            </a:solidFill>
+            <a:prstDash val="solid"/>
+            <a:headEnd type="none" w="med" len="med"/>
+            <a:tailEnd type="arrow" w="med" len="med"/>
+          </a:ln>
+          <a:effectLst/>
+        </p:spPr>
+      </p:cxnSp>
+      <p:cxnSp>
+        <p:nvCxnSpPr>
+          <p:cNvPr id="142" name="Straight Arrow Connector 141">
+            <a:extLst>
+              <a:ext uri="{FF2B5EF4-FFF2-40B4-BE49-F238E27FC236}">
+                <a16:creationId xmlns:a16="http://schemas.microsoft.com/office/drawing/2014/main" id="{69826064-40DE-482F-84A5-76BC2CDB7267}"/>
+              </a:ext>
+            </a:extLst>
+          </p:cNvPr>
+          <p:cNvCxnSpPr>
+            <a:cxnSpLocks/>
+            <a:stCxn id="126" idx="3"/>
+            <a:endCxn id="89" idx="1"/>
+          </p:cNvCxnSpPr>
+          <p:nvPr/>
+        </p:nvCxnSpPr>
+        <p:spPr>
+          <a:xfrm>
+            <a:off x="2635342" y="4717539"/>
+            <a:ext cx="254813" cy="1810"/>
+          </a:xfrm>
+          <a:prstGeom prst="straightConnector1">
+            <a:avLst/>
+          </a:prstGeom>
+          <a:noFill/>
+          <a:ln w="12700" cap="flat" cmpd="sng" algn="ctr">
+            <a:solidFill>
+              <a:srgbClr val="000000"/>
+            </a:solidFill>
+            <a:prstDash val="solid"/>
+            <a:headEnd type="none" w="med" len="med"/>
+            <a:tailEnd type="arrow" w="med" len="med"/>
+          </a:ln>
+          <a:effectLst/>
+        </p:spPr>
+      </p:cxnSp>
+      <p:cxnSp>
+        <p:nvCxnSpPr>
+          <p:cNvPr id="168" name="Straight Arrow Connector 167">
+            <a:extLst>
+              <a:ext uri="{FF2B5EF4-FFF2-40B4-BE49-F238E27FC236}">
+                <a16:creationId xmlns:a16="http://schemas.microsoft.com/office/drawing/2014/main" id="{BE47D892-871D-4EDB-B82A-1AC457583D62}"/>
+              </a:ext>
+            </a:extLst>
+          </p:cNvPr>
+          <p:cNvCxnSpPr>
+            <a:cxnSpLocks/>
+            <a:endCxn id="66" idx="0"/>
+          </p:cNvCxnSpPr>
+          <p:nvPr/>
+        </p:nvCxnSpPr>
+        <p:spPr>
+          <a:xfrm>
+            <a:off x="7886670" y="1875191"/>
+            <a:ext cx="0" cy="240788"/>
+          </a:xfrm>
+          <a:prstGeom prst="straightConnector1">
+            <a:avLst/>
+          </a:prstGeom>
+          <a:noFill/>
+          <a:ln w="12700" cap="flat" cmpd="sng" algn="ctr">
+            <a:solidFill>
+              <a:srgbClr val="000000"/>
+            </a:solidFill>
+            <a:prstDash val="solid"/>
+            <a:headEnd type="none" w="med" len="med"/>
+            <a:tailEnd type="arrow" w="med" len="med"/>
+          </a:ln>
+          <a:effectLst/>
+        </p:spPr>
+      </p:cxnSp>
+      <p:sp>
+        <p:nvSpPr>
+          <p:cNvPr id="170" name="Rectangle 169">
+            <a:extLst>
+              <a:ext uri="{FF2B5EF4-FFF2-40B4-BE49-F238E27FC236}">
+                <a16:creationId xmlns:a16="http://schemas.microsoft.com/office/drawing/2014/main" id="{30A626FF-AF98-4F99-BBB9-6CB9987F2124}"/>
+              </a:ext>
+            </a:extLst>
+          </p:cNvPr>
+          <p:cNvSpPr/>
+          <p:nvPr/>
+        </p:nvSpPr>
+        <p:spPr>
+          <a:xfrm>
+            <a:off x="4199990" y="3415856"/>
+            <a:ext cx="1129455" cy="687574"/>
+          </a:xfrm>
+          <a:prstGeom prst="rect">
+            <a:avLst/>
+          </a:prstGeom>
+          <a:noFill/>
+          <a:ln w="12700" cap="flat" cmpd="sng" algn="ctr">
+            <a:solidFill>
+              <a:srgbClr val="000000"/>
+            </a:solidFill>
+            <a:prstDash val="solid"/>
+          </a:ln>
+          <a:effectLst/>
+        </p:spPr>
+        <p:txBody>
+          <a:bodyPr lIns="0" rIns="0" rtlCol="0" anchor="t"/>
+          <a:lstStyle/>
+          <a:p>
+            <a:pPr marL="0" marR="0" lvl="0" indent="0" algn="ctr" defTabSz="914400" eaLnBrk="1" fontAlgn="auto" latinLnBrk="0" hangingPunct="1">
+              <a:lnSpc>
+                <a:spcPct val="100000"/>
+              </a:lnSpc>
+              <a:spcBef>
+                <a:spcPts val="0"/>
+              </a:spcBef>
+              <a:spcAft>
+                <a:spcPts val="0"/>
+              </a:spcAft>
+              <a:buClrTx/>
+              <a:buSzTx/>
+              <a:buFontTx/>
+              <a:buNone/>
+              <a:tabLst/>
+              <a:defRPr/>
+            </a:pPr>
+            <a:r>
+              <a:rPr kumimoji="0" lang="en-US" sz="1200" b="0" i="0" u="none" strike="noStrike" kern="0" cap="none" spc="0" normalizeH="0" baseline="0" noProof="0" dirty="0" err="1">
+                <a:ln>
+                  <a:noFill/>
+                </a:ln>
+                <a:solidFill>
+                  <a:srgbClr val="000000"/>
+                </a:solidFill>
+                <a:effectLst/>
+                <a:uLnTx/>
+                <a:uFillTx/>
+                <a:latin typeface="Arial" panose="020B0604020202020204"/>
+                <a:ea typeface="+mn-ea"/>
+                <a:cs typeface="+mn-cs"/>
+              </a:rPr>
+              <a:t>CAmkES</a:t>
+            </a:r>
+            <a:r>
+              <a:rPr kumimoji="0" lang="en-US" sz="1200" b="0" i="0" u="none" strike="noStrike" kern="0" cap="none" spc="0" normalizeH="0" baseline="0" noProof="0" dirty="0">
+                <a:ln>
+                  <a:noFill/>
+                </a:ln>
+                <a:solidFill>
+                  <a:srgbClr val="000000"/>
+                </a:solidFill>
+                <a:effectLst/>
+                <a:uLnTx/>
+                <a:uFillTx/>
+                <a:latin typeface="Arial" panose="020B0604020202020204"/>
+                <a:ea typeface="+mn-ea"/>
+                <a:cs typeface="+mn-cs"/>
+              </a:rPr>
+              <a:t> </a:t>
+            </a:r>
+          </a:p>
+          <a:p>
+            <a:pPr marL="0" marR="0" lvl="0" indent="0" algn="ctr" defTabSz="914400" eaLnBrk="1" fontAlgn="auto" latinLnBrk="0" hangingPunct="1">
+              <a:lnSpc>
+                <a:spcPct val="100000"/>
+              </a:lnSpc>
+              <a:spcBef>
+                <a:spcPts val="0"/>
+              </a:spcBef>
+              <a:spcAft>
+                <a:spcPts val="0"/>
+              </a:spcAft>
+              <a:buClrTx/>
+              <a:buSzTx/>
+              <a:buFontTx/>
+              <a:buNone/>
+              <a:tabLst/>
+              <a:defRPr/>
+            </a:pPr>
+            <a:r>
+              <a:rPr kumimoji="0" lang="en-US" sz="1200" b="0" i="0" u="none" strike="noStrike" kern="0" cap="none" spc="0" normalizeH="0" baseline="0" noProof="0" dirty="0">
+                <a:ln>
+                  <a:noFill/>
+                </a:ln>
+                <a:solidFill>
+                  <a:srgbClr val="000000"/>
+                </a:solidFill>
+                <a:effectLst/>
+                <a:uLnTx/>
+                <a:uFillTx/>
+                <a:latin typeface="Arial" panose="020B0604020202020204"/>
+                <a:ea typeface="+mn-ea"/>
+                <a:cs typeface="+mn-cs"/>
+              </a:rPr>
+              <a:t>config files</a:t>
+            </a:r>
+          </a:p>
+        </p:txBody>
+      </p:sp>
+      <p:cxnSp>
+        <p:nvCxnSpPr>
+          <p:cNvPr id="177" name="Straight Arrow Connector 176">
+            <a:extLst>
+              <a:ext uri="{FF2B5EF4-FFF2-40B4-BE49-F238E27FC236}">
+                <a16:creationId xmlns:a16="http://schemas.microsoft.com/office/drawing/2014/main" id="{9D223902-46F5-4E76-AC3D-7235EF9BD2AE}"/>
+              </a:ext>
+            </a:extLst>
+          </p:cNvPr>
+          <p:cNvCxnSpPr>
+            <a:cxnSpLocks/>
+            <a:stCxn id="62" idx="2"/>
+            <a:endCxn id="170" idx="0"/>
+          </p:cNvCxnSpPr>
+          <p:nvPr/>
+        </p:nvCxnSpPr>
+        <p:spPr>
+          <a:xfrm>
+            <a:off x="3733210" y="2774844"/>
+            <a:ext cx="1031508" cy="641012"/>
+          </a:xfrm>
+          <a:prstGeom prst="straightConnector1">
+            <a:avLst/>
+          </a:prstGeom>
+          <a:noFill/>
+          <a:ln w="12700" cap="flat" cmpd="sng" algn="ctr">
+            <a:solidFill>
+              <a:srgbClr val="000000"/>
+            </a:solidFill>
+            <a:prstDash val="solid"/>
+            <a:headEnd type="none" w="med" len="med"/>
+            <a:tailEnd type="arrow" w="med" len="med"/>
+          </a:ln>
+          <a:effectLst/>
+        </p:spPr>
+      </p:cxnSp>
+      <p:cxnSp>
+        <p:nvCxnSpPr>
+          <p:cNvPr id="195" name="Straight Arrow Connector 194">
+            <a:extLst>
+              <a:ext uri="{FF2B5EF4-FFF2-40B4-BE49-F238E27FC236}">
+                <a16:creationId xmlns:a16="http://schemas.microsoft.com/office/drawing/2014/main" id="{2DA5AFC0-A729-447E-8E21-E66C913343E6}"/>
+              </a:ext>
+            </a:extLst>
+          </p:cNvPr>
+          <p:cNvCxnSpPr>
+            <a:cxnSpLocks/>
+            <a:stCxn id="66" idx="3"/>
+            <a:endCxn id="256" idx="1"/>
+          </p:cNvCxnSpPr>
+          <p:nvPr/>
+        </p:nvCxnSpPr>
+        <p:spPr>
+          <a:xfrm flipV="1">
+            <a:off x="8234814" y="2438201"/>
+            <a:ext cx="295858" cy="7211"/>
+          </a:xfrm>
+          <a:prstGeom prst="straightConnector1">
+            <a:avLst/>
+          </a:prstGeom>
+          <a:noFill/>
+          <a:ln w="12700" cap="flat" cmpd="sng" algn="ctr">
+            <a:solidFill>
+              <a:srgbClr val="000000"/>
+            </a:solidFill>
+            <a:prstDash val="solid"/>
+            <a:headEnd type="none" w="med" len="med"/>
+            <a:tailEnd type="arrow" w="med" len="med"/>
+          </a:ln>
+          <a:effectLst/>
+        </p:spPr>
+      </p:cxnSp>
+      <p:cxnSp>
+        <p:nvCxnSpPr>
+          <p:cNvPr id="216" name="Straight Arrow Connector 215">
+            <a:extLst>
+              <a:ext uri="{FF2B5EF4-FFF2-40B4-BE49-F238E27FC236}">
+                <a16:creationId xmlns:a16="http://schemas.microsoft.com/office/drawing/2014/main" id="{07090243-E285-458A-A5E3-2655E273C41D}"/>
+              </a:ext>
+            </a:extLst>
+          </p:cNvPr>
+          <p:cNvCxnSpPr>
+            <a:cxnSpLocks/>
+            <a:stCxn id="170" idx="2"/>
+            <a:endCxn id="82" idx="0"/>
+          </p:cNvCxnSpPr>
+          <p:nvPr/>
+        </p:nvCxnSpPr>
+        <p:spPr>
+          <a:xfrm>
+            <a:off x="4764718" y="4103430"/>
+            <a:ext cx="0" cy="337030"/>
+          </a:xfrm>
+          <a:prstGeom prst="straightConnector1">
+            <a:avLst/>
+          </a:prstGeom>
+          <a:noFill/>
+          <a:ln w="12700" cap="flat" cmpd="sng" algn="ctr">
+            <a:solidFill>
+              <a:srgbClr val="000000"/>
+            </a:solidFill>
+            <a:prstDash val="solid"/>
+            <a:headEnd type="none" w="med" len="med"/>
+            <a:tailEnd type="arrow" w="med" len="med"/>
+          </a:ln>
+          <a:effectLst/>
+        </p:spPr>
+      </p:cxnSp>
+      <p:sp>
+        <p:nvSpPr>
+          <p:cNvPr id="256" name="Rectangle: Folded Corner 255">
+            <a:extLst>
+              <a:ext uri="{FF2B5EF4-FFF2-40B4-BE49-F238E27FC236}">
+                <a16:creationId xmlns:a16="http://schemas.microsoft.com/office/drawing/2014/main" id="{EAAF9A9E-E074-41F2-B466-63E9B4929F4B}"/>
+              </a:ext>
+            </a:extLst>
+          </p:cNvPr>
+          <p:cNvSpPr/>
+          <p:nvPr/>
+        </p:nvSpPr>
+        <p:spPr>
+          <a:xfrm>
+            <a:off x="8530672" y="2105330"/>
+            <a:ext cx="840177" cy="665741"/>
+          </a:xfrm>
+          <a:prstGeom prst="foldedCorner">
+            <a:avLst/>
+          </a:prstGeom>
+          <a:solidFill>
+            <a:srgbClr val="D6EDBD"/>
+          </a:solidFill>
+          <a:ln>
+            <a:solidFill>
+              <a:schemeClr val="tx1"/>
+            </a:solidFill>
+          </a:ln>
+        </p:spPr>
+        <p:style>
+          <a:lnRef idx="2">
+            <a:schemeClr val="accent1">
+              <a:shade val="50000"/>
+            </a:schemeClr>
+          </a:lnRef>
+          <a:fillRef idx="1">
+            <a:schemeClr val="accent1"/>
+          </a:fillRef>
+          <a:effectRef idx="0">
+            <a:schemeClr val="accent1"/>
+          </a:effectRef>
+          <a:fontRef idx="minor">
+            <a:schemeClr val="lt1"/>
+          </a:fontRef>
+        </p:style>
+        <p:txBody>
+          <a:bodyPr lIns="0" rIns="0" rtlCol="0" anchor="ctr"/>
+          <a:lstStyle/>
+          <a:p>
+            <a:pPr algn="ctr"/>
+            <a:r>
+              <a:rPr lang="en-US" sz="1200" dirty="0">
+                <a:solidFill>
+                  <a:schemeClr val="tx1"/>
+                </a:solidFill>
+                <a:latin typeface="Arial" panose="020B0604020202020204" pitchFamily="34" charset="0"/>
+                <a:cs typeface="Arial" panose="020B0604020202020204" pitchFamily="34" charset="0"/>
+              </a:rPr>
+              <a:t>Assurance Case</a:t>
+            </a:r>
+          </a:p>
+        </p:txBody>
+      </p:sp>
+      <p:sp>
+        <p:nvSpPr>
+          <p:cNvPr id="270" name="Rounded Rectangle 6">
+            <a:extLst>
+              <a:ext uri="{FF2B5EF4-FFF2-40B4-BE49-F238E27FC236}">
+                <a16:creationId xmlns:a16="http://schemas.microsoft.com/office/drawing/2014/main" id="{D166B131-0F5D-4F9D-8AD5-57F87C152A61}"/>
+              </a:ext>
+            </a:extLst>
+          </p:cNvPr>
+          <p:cNvSpPr/>
+          <p:nvPr/>
+        </p:nvSpPr>
+        <p:spPr>
+          <a:xfrm>
+            <a:off x="2379059" y="2111168"/>
+            <a:ext cx="845296" cy="663676"/>
+          </a:xfrm>
+          <a:prstGeom prst="roundRect">
+            <a:avLst>
+              <a:gd name="adj" fmla="val 13390"/>
+            </a:avLst>
+          </a:prstGeom>
+          <a:solidFill>
+            <a:srgbClr val="D6EDBD"/>
+          </a:solidFill>
+          <a:ln w="12700" cap="flat" cmpd="sng" algn="ctr">
+            <a:solidFill>
+              <a:srgbClr val="000000"/>
+            </a:solidFill>
+            <a:prstDash val="solid"/>
+          </a:ln>
+          <a:effectLst/>
+        </p:spPr>
+        <p:txBody>
+          <a:bodyPr rtlCol="0" anchor="t"/>
+          <a:lstStyle/>
+          <a:p>
+            <a:pPr marL="0" marR="0" lvl="0" indent="0" algn="ctr" defTabSz="914400" eaLnBrk="1" fontAlgn="auto" latinLnBrk="0" hangingPunct="1">
+              <a:lnSpc>
+                <a:spcPct val="100000"/>
+              </a:lnSpc>
+              <a:spcBef>
+                <a:spcPts val="0"/>
+              </a:spcBef>
+              <a:spcAft>
+                <a:spcPts val="0"/>
+              </a:spcAft>
+              <a:buClrTx/>
+              <a:buSzTx/>
+              <a:buFontTx/>
+              <a:buNone/>
+              <a:tabLst/>
+              <a:defRPr/>
+            </a:pPr>
+            <a:r>
+              <a:rPr kumimoji="0" lang="en-US" sz="1200" b="0" i="0" u="none" strike="noStrike" kern="0" cap="none" spc="0" normalizeH="0" baseline="0" noProof="0" dirty="0" err="1">
+                <a:ln>
+                  <a:noFill/>
+                </a:ln>
+                <a:solidFill>
+                  <a:srgbClr val="000000"/>
+                </a:solidFill>
+                <a:effectLst/>
+                <a:uLnTx/>
+                <a:uFillTx/>
+                <a:latin typeface="Arial" panose="020B0604020202020204"/>
+                <a:ea typeface="+mn-ea"/>
+                <a:cs typeface="+mn-cs"/>
+              </a:rPr>
+              <a:t>Awas</a:t>
+            </a:r>
+            <a:r>
+              <a:rPr kumimoji="0" lang="en-US" sz="1200" b="0" i="0" u="none" strike="noStrike" kern="0" cap="none" spc="0" normalizeH="0" baseline="0" noProof="0" dirty="0">
+                <a:ln>
+                  <a:noFill/>
+                </a:ln>
+                <a:solidFill>
+                  <a:srgbClr val="000000"/>
+                </a:solidFill>
+                <a:effectLst/>
+                <a:uLnTx/>
+                <a:uFillTx/>
+                <a:latin typeface="Arial" panose="020B0604020202020204"/>
+                <a:ea typeface="+mn-ea"/>
+                <a:cs typeface="+mn-cs"/>
+              </a:rPr>
+              <a:t> Info Flow</a:t>
+            </a:r>
+          </a:p>
+        </p:txBody>
+      </p:sp>
+      <p:cxnSp>
+        <p:nvCxnSpPr>
+          <p:cNvPr id="271" name="Straight Arrow Connector 270">
+            <a:extLst>
+              <a:ext uri="{FF2B5EF4-FFF2-40B4-BE49-F238E27FC236}">
+                <a16:creationId xmlns:a16="http://schemas.microsoft.com/office/drawing/2014/main" id="{57772B12-8077-415D-A2BF-8F0438032C56}"/>
+              </a:ext>
+            </a:extLst>
+          </p:cNvPr>
+          <p:cNvCxnSpPr>
+            <a:cxnSpLocks/>
+            <a:endCxn id="270" idx="0"/>
+          </p:cNvCxnSpPr>
+          <p:nvPr/>
+        </p:nvCxnSpPr>
+        <p:spPr>
+          <a:xfrm>
+            <a:off x="2801707" y="1875191"/>
+            <a:ext cx="0" cy="235977"/>
+          </a:xfrm>
+          <a:prstGeom prst="straightConnector1">
+            <a:avLst/>
+          </a:prstGeom>
+          <a:noFill/>
+          <a:ln w="12700" cap="flat" cmpd="sng" algn="ctr">
+            <a:solidFill>
+              <a:srgbClr val="000000"/>
+            </a:solidFill>
+            <a:prstDash val="solid"/>
+            <a:headEnd type="none" w="med" len="med"/>
+            <a:tailEnd type="arrow" w="med" len="med"/>
+          </a:ln>
+          <a:effectLst/>
+        </p:spPr>
+      </p:cxnSp>
+      <p:cxnSp>
+        <p:nvCxnSpPr>
+          <p:cNvPr id="272" name="Straight Arrow Connector 271">
+            <a:extLst>
+              <a:ext uri="{FF2B5EF4-FFF2-40B4-BE49-F238E27FC236}">
+                <a16:creationId xmlns:a16="http://schemas.microsoft.com/office/drawing/2014/main" id="{D4255AA1-0514-46DE-B422-442C29A740B1}"/>
+              </a:ext>
+            </a:extLst>
+          </p:cNvPr>
+          <p:cNvCxnSpPr/>
+          <p:nvPr/>
+        </p:nvCxnSpPr>
+        <p:spPr>
+          <a:xfrm>
+            <a:off x="5067878" y="1870007"/>
+            <a:ext cx="0" cy="238430"/>
+          </a:xfrm>
+          <a:prstGeom prst="straightConnector1">
+            <a:avLst/>
+          </a:prstGeom>
+          <a:noFill/>
+          <a:ln w="12700" cap="flat" cmpd="sng" algn="ctr">
+            <a:solidFill>
+              <a:srgbClr val="000000"/>
+            </a:solidFill>
+            <a:prstDash val="solid"/>
+            <a:headEnd type="arrow" w="med" len="med"/>
+            <a:tailEnd type="none" w="med" len="med"/>
+          </a:ln>
+          <a:effectLst/>
+        </p:spPr>
+      </p:cxnSp>
+      <p:cxnSp>
+        <p:nvCxnSpPr>
+          <p:cNvPr id="277" name="Straight Arrow Connector 276">
+            <a:extLst>
+              <a:ext uri="{FF2B5EF4-FFF2-40B4-BE49-F238E27FC236}">
+                <a16:creationId xmlns:a16="http://schemas.microsoft.com/office/drawing/2014/main" id="{FFADDA0C-0172-4B6D-98D6-8C009B0D7DAD}"/>
+              </a:ext>
+            </a:extLst>
+          </p:cNvPr>
+          <p:cNvCxnSpPr>
+            <a:cxnSpLocks/>
+            <a:stCxn id="65" idx="3"/>
+            <a:endCxn id="66" idx="1"/>
+          </p:cNvCxnSpPr>
+          <p:nvPr/>
+        </p:nvCxnSpPr>
+        <p:spPr>
+          <a:xfrm>
+            <a:off x="7329305" y="2440600"/>
+            <a:ext cx="209221" cy="4812"/>
+          </a:xfrm>
+          <a:prstGeom prst="straightConnector1">
+            <a:avLst/>
+          </a:prstGeom>
+          <a:noFill/>
+          <a:ln w="12700" cap="flat" cmpd="sng" algn="ctr">
+            <a:solidFill>
+              <a:srgbClr val="000000"/>
+            </a:solidFill>
+            <a:prstDash val="solid"/>
+            <a:headEnd type="none" w="med" len="med"/>
+            <a:tailEnd type="arrow" w="med" len="med"/>
+          </a:ln>
+          <a:effectLst/>
+        </p:spPr>
+      </p:cxnSp>
+      <p:sp>
+        <p:nvSpPr>
+          <p:cNvPr id="74" name="Rounded Rectangle 3">
+            <a:extLst>
+              <a:ext uri="{FF2B5EF4-FFF2-40B4-BE49-F238E27FC236}">
+                <a16:creationId xmlns:a16="http://schemas.microsoft.com/office/drawing/2014/main" id="{6F091CDF-5D23-4F37-89DE-6FAC33B4C054}"/>
+              </a:ext>
+            </a:extLst>
+          </p:cNvPr>
+          <p:cNvSpPr/>
+          <p:nvPr/>
+        </p:nvSpPr>
+        <p:spPr>
+          <a:xfrm>
+            <a:off x="1356993" y="3046145"/>
+            <a:ext cx="8377551" cy="2117660"/>
+          </a:xfrm>
+          <a:prstGeom prst="roundRect">
+            <a:avLst>
+              <a:gd name="adj" fmla="val 6667"/>
+            </a:avLst>
+          </a:prstGeom>
+          <a:noFill/>
+          <a:ln w="12700" cap="flat" cmpd="sng" algn="ctr">
+            <a:solidFill>
+              <a:srgbClr val="000000"/>
+            </a:solidFill>
+            <a:prstDash val="dash"/>
+          </a:ln>
+          <a:effectLst/>
+        </p:spPr>
+        <p:txBody>
+          <a:bodyPr rtlCol="0" anchor="t"/>
+          <a:lstStyle/>
+          <a:p>
+            <a:pPr marL="0" marR="0" lvl="0" indent="0" defTabSz="914400" eaLnBrk="1" fontAlgn="auto" latinLnBrk="0" hangingPunct="1">
+              <a:lnSpc>
+                <a:spcPct val="100000"/>
+              </a:lnSpc>
+              <a:spcBef>
+                <a:spcPts val="0"/>
+              </a:spcBef>
+              <a:spcAft>
+                <a:spcPts val="0"/>
+              </a:spcAft>
+              <a:buClrTx/>
+              <a:buSzTx/>
+              <a:buFontTx/>
+              <a:buNone/>
+              <a:tabLst/>
+              <a:defRPr/>
+            </a:pPr>
+            <a:r>
+              <a:rPr kumimoji="0" lang="en-US" sz="1200" b="0" i="0" u="none" strike="noStrike" kern="0" cap="none" spc="0" normalizeH="0" baseline="0" noProof="0" dirty="0">
+                <a:ln>
+                  <a:noFill/>
+                </a:ln>
+                <a:solidFill>
+                  <a:srgbClr val="000000"/>
+                </a:solidFill>
+                <a:effectLst/>
+                <a:uLnTx/>
+                <a:uFillTx/>
+                <a:latin typeface="Arial" panose="020B0604020202020204"/>
+                <a:ea typeface="+mn-ea"/>
+                <a:cs typeface="+mn-cs"/>
+              </a:rPr>
+              <a:t>BUILD ENVIRONMENT</a:t>
+            </a:r>
+          </a:p>
+        </p:txBody>
+      </p:sp>
+      <p:cxnSp>
+        <p:nvCxnSpPr>
+          <p:cNvPr id="75" name="Straight Arrow Connector 74">
+            <a:extLst>
+              <a:ext uri="{FF2B5EF4-FFF2-40B4-BE49-F238E27FC236}">
+                <a16:creationId xmlns:a16="http://schemas.microsoft.com/office/drawing/2014/main" id="{7699F29B-3BF0-4561-AADC-29ABA3E3ED7C}"/>
+              </a:ext>
+            </a:extLst>
+          </p:cNvPr>
+          <p:cNvCxnSpPr>
+            <a:cxnSpLocks/>
+            <a:endCxn id="66" idx="2"/>
+          </p:cNvCxnSpPr>
+          <p:nvPr/>
+        </p:nvCxnSpPr>
+        <p:spPr>
+          <a:xfrm flipV="1">
+            <a:off x="7886670" y="2774844"/>
+            <a:ext cx="0" cy="271302"/>
+          </a:xfrm>
+          <a:prstGeom prst="straightConnector1">
+            <a:avLst/>
+          </a:prstGeom>
+          <a:noFill/>
+          <a:ln w="12700" cap="flat" cmpd="sng" algn="ctr">
+            <a:solidFill>
+              <a:srgbClr val="000000"/>
+            </a:solidFill>
+            <a:prstDash val="solid"/>
+            <a:headEnd type="none" w="med" len="med"/>
+            <a:tailEnd type="arrow" w="med" len="med"/>
+          </a:ln>
+          <a:effectLst/>
+        </p:spPr>
+      </p:cxnSp>
+      <p:cxnSp>
+        <p:nvCxnSpPr>
+          <p:cNvPr id="49" name="Straight Arrow Connector 48">
+            <a:extLst>
+              <a:ext uri="{FF2B5EF4-FFF2-40B4-BE49-F238E27FC236}">
+                <a16:creationId xmlns:a16="http://schemas.microsoft.com/office/drawing/2014/main" id="{F60EEBB5-4858-4595-985F-4872A13E62F1}"/>
+              </a:ext>
+            </a:extLst>
+          </p:cNvPr>
+          <p:cNvCxnSpPr>
+            <a:cxnSpLocks/>
+            <a:stCxn id="107" idx="0"/>
+            <a:endCxn id="82" idx="2"/>
+          </p:cNvCxnSpPr>
+          <p:nvPr/>
+        </p:nvCxnSpPr>
+        <p:spPr>
+          <a:xfrm flipH="1" flipV="1">
+            <a:off x="4764718" y="4998238"/>
+            <a:ext cx="2033" cy="308443"/>
+          </a:xfrm>
+          <a:prstGeom prst="straightConnector1">
+            <a:avLst/>
+          </a:prstGeom>
+          <a:noFill/>
+          <a:ln w="12700" cap="flat" cmpd="sng" algn="ctr">
+            <a:solidFill>
+              <a:srgbClr val="000000"/>
+            </a:solidFill>
+            <a:prstDash val="solid"/>
+            <a:headEnd type="arrow" w="med" len="med"/>
+            <a:tailEnd type="none" w="med" len="med"/>
+          </a:ln>
+          <a:effectLst/>
+        </p:spPr>
+      </p:cxnSp>
+    </p:spTree>
+    <p:extLst>
+      <p:ext uri="{BB962C8B-B14F-4D97-AF65-F5344CB8AC3E}">
+        <p14:creationId xmlns:p14="http://schemas.microsoft.com/office/powerpoint/2010/main" val="2568105877"/>
+      </p:ext>
+    </p:extLst>
+  </p:cSld>
+  <p:clrMapOvr>
+    <a:masterClrMapping/>
+  </p:clrMapOvr>
+</p:sld>
+</file>
+
+<file path=ppt/slides/slide15.xml><?xml version="1.0" encoding="utf-8"?>
+<p:sld xmlns:a="http://schemas.openxmlformats.org/drawingml/2006/main" xmlns:r="http://schemas.openxmlformats.org/officeDocument/2006/relationships" xmlns:p="http://schemas.openxmlformats.org/presentationml/2006/main">
+  <p:cSld>
+    <p:spTree>
+      <p:nvGrpSpPr>
+        <p:cNvPr id="1" name=""/>
+        <p:cNvGrpSpPr/>
+        <p:nvPr/>
+      </p:nvGrpSpPr>
+      <p:grpSpPr>
+        <a:xfrm>
+          <a:off x="0" y="0"/>
+          <a:ext cx="0" cy="0"/>
+          <a:chOff x="0" y="0"/>
+          <a:chExt cx="0" cy="0"/>
+        </a:xfrm>
+      </p:grpSpPr>
+      <p:sp>
+        <p:nvSpPr>
+          <p:cNvPr id="60" name="Rounded Rectangle 3">
+            <a:extLst>
+              <a:ext uri="{FF2B5EF4-FFF2-40B4-BE49-F238E27FC236}">
+                <a16:creationId xmlns:a16="http://schemas.microsoft.com/office/drawing/2014/main" id="{FE624042-07D2-4DF4-9D60-2A9B441F1BE0}"/>
+              </a:ext>
+            </a:extLst>
+          </p:cNvPr>
+          <p:cNvSpPr/>
+          <p:nvPr/>
+        </p:nvSpPr>
+        <p:spPr>
+          <a:xfrm>
+            <a:off x="1356994" y="1243472"/>
+            <a:ext cx="8314720" cy="1681317"/>
+          </a:xfrm>
+          <a:prstGeom prst="roundRect">
+            <a:avLst>
+              <a:gd name="adj" fmla="val 6667"/>
+            </a:avLst>
+          </a:prstGeom>
+          <a:noFill/>
+          <a:ln w="12700" cap="flat" cmpd="sng" algn="ctr">
+            <a:solidFill>
+              <a:srgbClr val="000000"/>
+            </a:solidFill>
+            <a:prstDash val="dash"/>
+          </a:ln>
+          <a:effectLst/>
+        </p:spPr>
+        <p:txBody>
+          <a:bodyPr rtlCol="0" anchor="t"/>
+          <a:lstStyle/>
+          <a:p>
+            <a:pPr marL="0" marR="0" lvl="0" indent="0" defTabSz="914400" eaLnBrk="1" fontAlgn="auto" latinLnBrk="0" hangingPunct="1">
+              <a:lnSpc>
+                <a:spcPct val="100000"/>
+              </a:lnSpc>
+              <a:spcBef>
+                <a:spcPts val="0"/>
+              </a:spcBef>
+              <a:spcAft>
+                <a:spcPts val="0"/>
+              </a:spcAft>
+              <a:buClrTx/>
+              <a:buSzTx/>
+              <a:buFontTx/>
+              <a:buNone/>
+              <a:tabLst/>
+              <a:defRPr/>
+            </a:pPr>
+            <a:r>
+              <a:rPr kumimoji="0" lang="en-US" sz="1200" b="0" i="0" u="none" strike="noStrike" kern="0" cap="none" spc="0" normalizeH="0" baseline="0" noProof="0" dirty="0">
+                <a:ln>
+                  <a:noFill/>
+                </a:ln>
+                <a:solidFill>
+                  <a:srgbClr val="000000"/>
+                </a:solidFill>
+                <a:effectLst/>
+                <a:uLnTx/>
+                <a:uFillTx/>
+                <a:latin typeface="Arial" panose="020B0604020202020204"/>
+                <a:ea typeface="+mn-ea"/>
+                <a:cs typeface="+mn-cs"/>
+              </a:rPr>
+              <a:t>OSATE</a:t>
+            </a:r>
+          </a:p>
+          <a:p>
+            <a:pPr marL="0" marR="0" lvl="0" indent="0" defTabSz="914400" eaLnBrk="1" fontAlgn="auto" latinLnBrk="0" hangingPunct="1">
+              <a:lnSpc>
+                <a:spcPct val="100000"/>
+              </a:lnSpc>
+              <a:spcBef>
+                <a:spcPts val="0"/>
+              </a:spcBef>
+              <a:spcAft>
+                <a:spcPts val="0"/>
+              </a:spcAft>
+              <a:buClrTx/>
+              <a:buSzTx/>
+              <a:buFontTx/>
+              <a:buNone/>
+              <a:tabLst/>
+              <a:defRPr/>
+            </a:pPr>
+            <a:r>
+              <a:rPr lang="en-US" sz="1200" kern="0" dirty="0">
+                <a:solidFill>
+                  <a:srgbClr val="000000"/>
+                </a:solidFill>
+                <a:latin typeface="Arial" panose="020B0604020202020204"/>
+              </a:rPr>
+              <a:t>MODELING</a:t>
+            </a:r>
+          </a:p>
+          <a:p>
+            <a:pPr marL="0" marR="0" lvl="0" indent="0" defTabSz="914400" eaLnBrk="1" fontAlgn="auto" latinLnBrk="0" hangingPunct="1">
+              <a:lnSpc>
+                <a:spcPct val="100000"/>
+              </a:lnSpc>
+              <a:spcBef>
+                <a:spcPts val="0"/>
+              </a:spcBef>
+              <a:spcAft>
+                <a:spcPts val="0"/>
+              </a:spcAft>
+              <a:buClrTx/>
+              <a:buSzTx/>
+              <a:buFontTx/>
+              <a:buNone/>
+              <a:tabLst/>
+              <a:defRPr/>
+            </a:pPr>
+            <a:r>
+              <a:rPr lang="en-US" sz="1200" kern="0" dirty="0">
+                <a:solidFill>
+                  <a:srgbClr val="000000"/>
+                </a:solidFill>
+                <a:latin typeface="Arial" panose="020B0604020202020204"/>
+              </a:rPr>
+              <a:t>ENVIRONMENT</a:t>
+            </a:r>
+            <a:endParaRPr kumimoji="0" lang="en-US" sz="1200" b="0" i="0" u="none" strike="noStrike" kern="0" cap="none" spc="0" normalizeH="0" baseline="0" noProof="0" dirty="0">
+              <a:ln>
+                <a:noFill/>
+              </a:ln>
+              <a:solidFill>
+                <a:srgbClr val="000000"/>
+              </a:solidFill>
+              <a:effectLst/>
+              <a:uLnTx/>
+              <a:uFillTx/>
+              <a:latin typeface="Arial" panose="020B0604020202020204"/>
+              <a:ea typeface="+mn-ea"/>
+              <a:cs typeface="+mn-cs"/>
+            </a:endParaRPr>
+          </a:p>
+        </p:txBody>
+      </p:sp>
+      <p:sp>
+        <p:nvSpPr>
+          <p:cNvPr id="61" name="Rectangle 60">
+            <a:extLst>
+              <a:ext uri="{FF2B5EF4-FFF2-40B4-BE49-F238E27FC236}">
+                <a16:creationId xmlns:a16="http://schemas.microsoft.com/office/drawing/2014/main" id="{43BCF27E-FA0B-4588-B8D9-FA4E75F1F0A8}"/>
+              </a:ext>
+            </a:extLst>
+          </p:cNvPr>
+          <p:cNvSpPr/>
+          <p:nvPr/>
+        </p:nvSpPr>
+        <p:spPr>
+          <a:xfrm>
+            <a:off x="2679545" y="1400790"/>
+            <a:ext cx="6208738" cy="471948"/>
+          </a:xfrm>
+          <a:prstGeom prst="rect">
+            <a:avLst/>
+          </a:prstGeom>
+          <a:noFill/>
+          <a:ln w="12700" cap="flat" cmpd="sng" algn="ctr">
+            <a:solidFill>
+              <a:srgbClr val="000000"/>
+            </a:solidFill>
+            <a:prstDash val="solid"/>
+          </a:ln>
+          <a:effectLst/>
+        </p:spPr>
+        <p:txBody>
+          <a:bodyPr rtlCol="0" anchor="t"/>
+          <a:lstStyle/>
+          <a:p>
+            <a:pPr marL="0" marR="0" lvl="0" indent="0" algn="ctr" defTabSz="914400" eaLnBrk="1" fontAlgn="auto" latinLnBrk="0" hangingPunct="1">
+              <a:lnSpc>
+                <a:spcPct val="100000"/>
+              </a:lnSpc>
+              <a:spcBef>
+                <a:spcPts val="0"/>
+              </a:spcBef>
+              <a:spcAft>
+                <a:spcPts val="0"/>
+              </a:spcAft>
+              <a:buClrTx/>
+              <a:buSzTx/>
+              <a:buFontTx/>
+              <a:buNone/>
+              <a:tabLst/>
+              <a:defRPr/>
+            </a:pPr>
+            <a:r>
+              <a:rPr kumimoji="0" lang="en-US" sz="1200" b="0" i="0" u="none" strike="noStrike" kern="0" cap="none" spc="0" normalizeH="0" baseline="0" noProof="0" dirty="0">
+                <a:ln>
+                  <a:noFill/>
+                </a:ln>
+                <a:solidFill>
+                  <a:srgbClr val="000000"/>
+                </a:solidFill>
+                <a:effectLst/>
+                <a:uLnTx/>
+                <a:uFillTx/>
+                <a:latin typeface="Arial" panose="020B0604020202020204"/>
+                <a:ea typeface="+mn-ea"/>
+                <a:cs typeface="+mn-cs"/>
+              </a:rPr>
+              <a:t>AADL model</a:t>
+            </a:r>
+          </a:p>
+        </p:txBody>
+      </p:sp>
+      <p:sp>
+        <p:nvSpPr>
+          <p:cNvPr id="62" name="Rounded Rectangle 6">
+            <a:extLst>
+              <a:ext uri="{FF2B5EF4-FFF2-40B4-BE49-F238E27FC236}">
+                <a16:creationId xmlns:a16="http://schemas.microsoft.com/office/drawing/2014/main" id="{74978FFF-7237-458A-8E97-66F4CB4E910C}"/>
+              </a:ext>
+            </a:extLst>
+          </p:cNvPr>
+          <p:cNvSpPr/>
+          <p:nvPr/>
+        </p:nvSpPr>
+        <p:spPr>
+          <a:xfrm>
+            <a:off x="3358540" y="2111168"/>
+            <a:ext cx="749339" cy="663676"/>
+          </a:xfrm>
+          <a:prstGeom prst="roundRect">
+            <a:avLst>
+              <a:gd name="adj" fmla="val 13390"/>
+            </a:avLst>
+          </a:prstGeom>
+          <a:solidFill>
+            <a:srgbClr val="D6EDBD"/>
+          </a:solidFill>
+          <a:ln w="12700" cap="flat" cmpd="sng" algn="ctr">
+            <a:solidFill>
+              <a:srgbClr val="000000"/>
+            </a:solidFill>
+            <a:prstDash val="solid"/>
+          </a:ln>
+          <a:effectLst/>
+        </p:spPr>
+        <p:txBody>
+          <a:bodyPr rtlCol="0" anchor="t"/>
+          <a:lstStyle/>
+          <a:p>
+            <a:pPr marL="0" marR="0" lvl="0" indent="0" algn="ctr" defTabSz="914400" eaLnBrk="1" fontAlgn="auto" latinLnBrk="0" hangingPunct="1">
+              <a:lnSpc>
+                <a:spcPct val="100000"/>
+              </a:lnSpc>
+              <a:spcBef>
+                <a:spcPts val="0"/>
+              </a:spcBef>
+              <a:spcAft>
+                <a:spcPts val="0"/>
+              </a:spcAft>
+              <a:buClrTx/>
+              <a:buSzTx/>
+              <a:buFontTx/>
+              <a:buNone/>
+              <a:tabLst/>
+              <a:defRPr/>
+            </a:pPr>
+            <a:r>
+              <a:rPr kumimoji="0" lang="en-US" sz="1200" b="0" i="0" u="none" strike="noStrike" kern="0" cap="none" spc="0" normalizeH="0" baseline="0" noProof="0" dirty="0">
+                <a:ln>
+                  <a:noFill/>
+                </a:ln>
+                <a:solidFill>
+                  <a:srgbClr val="000000"/>
+                </a:solidFill>
+                <a:effectLst/>
+                <a:uLnTx/>
+                <a:uFillTx/>
+                <a:latin typeface="Arial" panose="020B0604020202020204"/>
+                <a:ea typeface="+mn-ea"/>
+                <a:cs typeface="+mn-cs"/>
+              </a:rPr>
+              <a:t>HAMR</a:t>
+            </a:r>
+          </a:p>
+        </p:txBody>
+      </p:sp>
+      <p:cxnSp>
+        <p:nvCxnSpPr>
+          <p:cNvPr id="63" name="Straight Arrow Connector 62">
+            <a:extLst>
+              <a:ext uri="{FF2B5EF4-FFF2-40B4-BE49-F238E27FC236}">
+                <a16:creationId xmlns:a16="http://schemas.microsoft.com/office/drawing/2014/main" id="{BEFA455D-7576-4B2A-9919-54716A876357}"/>
+              </a:ext>
+            </a:extLst>
+          </p:cNvPr>
+          <p:cNvCxnSpPr>
+            <a:cxnSpLocks/>
+            <a:endCxn id="62" idx="0"/>
+          </p:cNvCxnSpPr>
+          <p:nvPr/>
+        </p:nvCxnSpPr>
+        <p:spPr>
+          <a:xfrm>
+            <a:off x="3733210" y="1875191"/>
+            <a:ext cx="0" cy="235977"/>
+          </a:xfrm>
+          <a:prstGeom prst="straightConnector1">
+            <a:avLst/>
+          </a:prstGeom>
+          <a:noFill/>
+          <a:ln w="12700" cap="flat" cmpd="sng" algn="ctr">
+            <a:solidFill>
+              <a:srgbClr val="000000"/>
+            </a:solidFill>
+            <a:prstDash val="solid"/>
+            <a:headEnd type="none" w="med" len="med"/>
+            <a:tailEnd type="arrow" w="med" len="med"/>
+          </a:ln>
+          <a:effectLst/>
+        </p:spPr>
+      </p:cxnSp>
+      <p:sp>
+        <p:nvSpPr>
+          <p:cNvPr id="64" name="Rounded Rectangle 12">
+            <a:extLst>
+              <a:ext uri="{FF2B5EF4-FFF2-40B4-BE49-F238E27FC236}">
+                <a16:creationId xmlns:a16="http://schemas.microsoft.com/office/drawing/2014/main" id="{8A53815B-DB3F-4A32-B112-B811B8FF3EDF}"/>
+              </a:ext>
+            </a:extLst>
+          </p:cNvPr>
+          <p:cNvSpPr/>
+          <p:nvPr/>
+        </p:nvSpPr>
+        <p:spPr>
+          <a:xfrm>
+            <a:off x="5534258" y="2111168"/>
+            <a:ext cx="943671" cy="663676"/>
+          </a:xfrm>
+          <a:prstGeom prst="roundRect">
+            <a:avLst>
+              <a:gd name="adj" fmla="val 13390"/>
+            </a:avLst>
+          </a:prstGeom>
+          <a:solidFill>
+            <a:srgbClr val="D6EDBD"/>
+          </a:solidFill>
+          <a:ln w="12700" cap="flat" cmpd="sng" algn="ctr">
+            <a:solidFill>
+              <a:srgbClr val="000000"/>
+            </a:solidFill>
+            <a:prstDash val="solid"/>
+          </a:ln>
+          <a:effectLst/>
+        </p:spPr>
+        <p:txBody>
+          <a:bodyPr lIns="0" tIns="0" rIns="0" bIns="0" rtlCol="0" anchor="t"/>
+          <a:lstStyle/>
+          <a:p>
+            <a:pPr marL="0" marR="0" lvl="0" indent="0" algn="ctr" defTabSz="914400" eaLnBrk="1" fontAlgn="auto" latinLnBrk="0" hangingPunct="1">
+              <a:lnSpc>
+                <a:spcPct val="100000"/>
+              </a:lnSpc>
+              <a:spcBef>
+                <a:spcPts val="0"/>
+              </a:spcBef>
+              <a:spcAft>
+                <a:spcPts val="0"/>
+              </a:spcAft>
+              <a:buClrTx/>
+              <a:buSzTx/>
+              <a:buFontTx/>
+              <a:buNone/>
+              <a:tabLst/>
+              <a:defRPr/>
+            </a:pPr>
+            <a:r>
+              <a:rPr kumimoji="0" lang="en-US" sz="1200" b="0" i="0" u="none" strike="noStrike" kern="0" cap="none" spc="0" normalizeH="0" baseline="0" noProof="0" dirty="0">
+                <a:ln>
+                  <a:noFill/>
+                </a:ln>
+                <a:solidFill>
+                  <a:srgbClr val="000000"/>
+                </a:solidFill>
+                <a:effectLst/>
+                <a:uLnTx/>
+                <a:uFillTx/>
+                <a:latin typeface="Arial" panose="020B0604020202020204"/>
+                <a:ea typeface="+mn-ea"/>
+                <a:cs typeface="+mn-cs"/>
+              </a:rPr>
+              <a:t>Cyber Transforms</a:t>
+            </a:r>
+          </a:p>
+        </p:txBody>
+      </p:sp>
+      <p:sp>
+        <p:nvSpPr>
+          <p:cNvPr id="65" name="Rounded Rectangle 13">
+            <a:extLst>
+              <a:ext uri="{FF2B5EF4-FFF2-40B4-BE49-F238E27FC236}">
+                <a16:creationId xmlns:a16="http://schemas.microsoft.com/office/drawing/2014/main" id="{8586F126-C46A-44DC-8663-26C64309FCCA}"/>
+              </a:ext>
+            </a:extLst>
+          </p:cNvPr>
+          <p:cNvSpPr/>
+          <p:nvPr/>
+        </p:nvSpPr>
+        <p:spPr>
+          <a:xfrm>
+            <a:off x="6648234" y="2111167"/>
+            <a:ext cx="681071" cy="658865"/>
+          </a:xfrm>
+          <a:prstGeom prst="roundRect">
+            <a:avLst>
+              <a:gd name="adj" fmla="val 13390"/>
+            </a:avLst>
+          </a:prstGeom>
+          <a:solidFill>
+            <a:srgbClr val="D6EDBD"/>
+          </a:solidFill>
+          <a:ln w="12700" cap="flat" cmpd="sng" algn="ctr">
+            <a:solidFill>
+              <a:srgbClr val="000000"/>
+            </a:solidFill>
+            <a:prstDash val="solid"/>
+          </a:ln>
+          <a:effectLst/>
+        </p:spPr>
+        <p:txBody>
+          <a:bodyPr lIns="0" rIns="0" rtlCol="0" anchor="t"/>
+          <a:lstStyle/>
+          <a:p>
+            <a:pPr marL="0" marR="0" lvl="0" indent="0" algn="ctr" defTabSz="914400" eaLnBrk="1" fontAlgn="auto" latinLnBrk="0" hangingPunct="1">
+              <a:lnSpc>
+                <a:spcPct val="100000"/>
+              </a:lnSpc>
+              <a:spcBef>
+                <a:spcPts val="0"/>
+              </a:spcBef>
+              <a:spcAft>
+                <a:spcPts val="0"/>
+              </a:spcAft>
+              <a:buClrTx/>
+              <a:buSzTx/>
+              <a:buFontTx/>
+              <a:buNone/>
+              <a:tabLst/>
+              <a:defRPr/>
+            </a:pPr>
+            <a:r>
+              <a:rPr kumimoji="0" lang="en-US" sz="1200" b="0" i="0" u="none" strike="noStrike" kern="0" cap="none" spc="0" normalizeH="0" baseline="0" noProof="0" dirty="0">
+                <a:ln>
+                  <a:noFill/>
+                </a:ln>
+                <a:solidFill>
+                  <a:srgbClr val="000000"/>
+                </a:solidFill>
+                <a:effectLst/>
+                <a:uLnTx/>
+                <a:uFillTx/>
+                <a:latin typeface="Arial" panose="020B0604020202020204"/>
+                <a:ea typeface="+mn-ea"/>
+                <a:cs typeface="+mn-cs"/>
+              </a:rPr>
+              <a:t>AGREE</a:t>
+            </a:r>
+          </a:p>
+        </p:txBody>
+      </p:sp>
+      <p:sp>
+        <p:nvSpPr>
+          <p:cNvPr id="66" name="Rounded Rectangle 14">
+            <a:extLst>
+              <a:ext uri="{FF2B5EF4-FFF2-40B4-BE49-F238E27FC236}">
+                <a16:creationId xmlns:a16="http://schemas.microsoft.com/office/drawing/2014/main" id="{7460D3A4-6490-4FA8-8575-657F977C5245}"/>
+              </a:ext>
+            </a:extLst>
+          </p:cNvPr>
+          <p:cNvSpPr/>
+          <p:nvPr/>
+        </p:nvSpPr>
+        <p:spPr>
+          <a:xfrm>
+            <a:off x="7538526" y="2111167"/>
+            <a:ext cx="696288" cy="658865"/>
+          </a:xfrm>
+          <a:prstGeom prst="roundRect">
+            <a:avLst>
+              <a:gd name="adj" fmla="val 13390"/>
+            </a:avLst>
+          </a:prstGeom>
+          <a:solidFill>
+            <a:srgbClr val="D6EDBD"/>
+          </a:solidFill>
+          <a:ln w="12700" cap="flat" cmpd="sng" algn="ctr">
+            <a:solidFill>
+              <a:srgbClr val="000000"/>
+            </a:solidFill>
+            <a:prstDash val="solid"/>
+          </a:ln>
+          <a:effectLst/>
+        </p:spPr>
+        <p:txBody>
+          <a:bodyPr lIns="0" rIns="0" rtlCol="0" anchor="t"/>
+          <a:lstStyle/>
+          <a:p>
+            <a:pPr algn="ctr"/>
+            <a:r>
+              <a:rPr lang="en-US" sz="1200" kern="0" dirty="0">
+                <a:solidFill>
+                  <a:srgbClr val="000000"/>
+                </a:solidFill>
+                <a:latin typeface="Arial" panose="020B0604020202020204"/>
+              </a:rPr>
+              <a:t>Resolute</a:t>
+            </a:r>
+          </a:p>
+        </p:txBody>
+      </p:sp>
+      <p:cxnSp>
+        <p:nvCxnSpPr>
+          <p:cNvPr id="67" name="Straight Arrow Connector 66">
+            <a:extLst>
+              <a:ext uri="{FF2B5EF4-FFF2-40B4-BE49-F238E27FC236}">
+                <a16:creationId xmlns:a16="http://schemas.microsoft.com/office/drawing/2014/main" id="{0E1D2B94-D4D6-421F-AEC6-F4BF80F240F0}"/>
+              </a:ext>
+            </a:extLst>
+          </p:cNvPr>
+          <p:cNvCxnSpPr>
+            <a:cxnSpLocks/>
+            <a:endCxn id="65" idx="0"/>
+          </p:cNvCxnSpPr>
+          <p:nvPr/>
+        </p:nvCxnSpPr>
+        <p:spPr>
+          <a:xfrm flipH="1">
+            <a:off x="6988770" y="1875191"/>
+            <a:ext cx="1" cy="235976"/>
+          </a:xfrm>
+          <a:prstGeom prst="straightConnector1">
+            <a:avLst/>
+          </a:prstGeom>
+          <a:noFill/>
+          <a:ln w="12700" cap="flat" cmpd="sng" algn="ctr">
+            <a:solidFill>
+              <a:srgbClr val="000000"/>
+            </a:solidFill>
+            <a:prstDash val="solid"/>
+            <a:headEnd type="none" w="med" len="med"/>
+            <a:tailEnd type="arrow" w="med" len="med"/>
+          </a:ln>
+          <a:effectLst/>
+        </p:spPr>
+      </p:cxnSp>
+      <p:cxnSp>
+        <p:nvCxnSpPr>
+          <p:cNvPr id="70" name="Straight Arrow Connector 69">
+            <a:extLst>
+              <a:ext uri="{FF2B5EF4-FFF2-40B4-BE49-F238E27FC236}">
+                <a16:creationId xmlns:a16="http://schemas.microsoft.com/office/drawing/2014/main" id="{5F481ED9-6271-47B9-8D9F-6637E1171FA7}"/>
+              </a:ext>
+            </a:extLst>
+          </p:cNvPr>
+          <p:cNvCxnSpPr>
+            <a:cxnSpLocks/>
+          </p:cNvCxnSpPr>
+          <p:nvPr/>
+        </p:nvCxnSpPr>
+        <p:spPr>
+          <a:xfrm>
+            <a:off x="5853709" y="1866900"/>
+            <a:ext cx="0" cy="244268"/>
+          </a:xfrm>
+          <a:prstGeom prst="straightConnector1">
+            <a:avLst/>
+          </a:prstGeom>
+          <a:noFill/>
+          <a:ln w="12700" cap="flat" cmpd="sng" algn="ctr">
+            <a:solidFill>
+              <a:srgbClr val="000000"/>
+            </a:solidFill>
+            <a:prstDash val="solid"/>
+            <a:headEnd type="none" w="med" len="med"/>
+            <a:tailEnd type="arrow" w="med" len="med"/>
+          </a:ln>
+          <a:effectLst/>
+        </p:spPr>
+      </p:cxnSp>
+      <p:sp>
+        <p:nvSpPr>
+          <p:cNvPr id="71" name="Rounded Rectangle 45">
+            <a:extLst>
+              <a:ext uri="{FF2B5EF4-FFF2-40B4-BE49-F238E27FC236}">
+                <a16:creationId xmlns:a16="http://schemas.microsoft.com/office/drawing/2014/main" id="{B947BB66-EBBB-466E-8B71-D767F6987FE3}"/>
+              </a:ext>
+            </a:extLst>
+          </p:cNvPr>
+          <p:cNvSpPr/>
+          <p:nvPr/>
+        </p:nvSpPr>
+        <p:spPr>
+          <a:xfrm>
+            <a:off x="7354700" y="3415856"/>
+            <a:ext cx="935575" cy="687574"/>
+          </a:xfrm>
+          <a:prstGeom prst="roundRect">
+            <a:avLst>
+              <a:gd name="adj" fmla="val 13390"/>
+            </a:avLst>
+          </a:prstGeom>
+          <a:solidFill>
+            <a:srgbClr val="D6EDBD"/>
+          </a:solidFill>
+          <a:ln w="12700" cap="flat" cmpd="sng" algn="ctr">
+            <a:solidFill>
+              <a:srgbClr val="000000"/>
+            </a:solidFill>
+            <a:prstDash val="solid"/>
+          </a:ln>
+          <a:effectLst/>
+        </p:spPr>
+        <p:txBody>
+          <a:bodyPr rtlCol="0" anchor="t"/>
+          <a:lstStyle/>
+          <a:p>
+            <a:pPr marL="0" marR="0" lvl="0" indent="0" algn="ctr" defTabSz="914400" eaLnBrk="1" fontAlgn="auto" latinLnBrk="0" hangingPunct="1">
+              <a:lnSpc>
+                <a:spcPct val="100000"/>
+              </a:lnSpc>
+              <a:spcBef>
+                <a:spcPts val="0"/>
+              </a:spcBef>
+              <a:spcAft>
+                <a:spcPts val="0"/>
+              </a:spcAft>
+              <a:buClrTx/>
+              <a:buSzTx/>
+              <a:buFontTx/>
+              <a:buNone/>
+              <a:tabLst/>
+              <a:defRPr/>
+            </a:pPr>
+            <a:r>
+              <a:rPr kumimoji="0" lang="en-US" sz="1200" b="0" i="0" u="none" strike="noStrike" kern="0" cap="none" spc="0" normalizeH="0" baseline="0" noProof="0" dirty="0">
+                <a:ln>
+                  <a:noFill/>
+                </a:ln>
+                <a:solidFill>
+                  <a:srgbClr val="000000"/>
+                </a:solidFill>
+                <a:effectLst/>
+                <a:uLnTx/>
+                <a:uFillTx/>
+                <a:latin typeface="Arial" panose="020B0604020202020204"/>
+                <a:ea typeface="+mn-ea"/>
+                <a:cs typeface="+mn-cs"/>
+              </a:rPr>
+              <a:t>SPLAT</a:t>
+            </a:r>
+          </a:p>
+        </p:txBody>
+      </p:sp>
+      <p:cxnSp>
+        <p:nvCxnSpPr>
+          <p:cNvPr id="72" name="Straight Arrow Connector 71">
+            <a:extLst>
+              <a:ext uri="{FF2B5EF4-FFF2-40B4-BE49-F238E27FC236}">
+                <a16:creationId xmlns:a16="http://schemas.microsoft.com/office/drawing/2014/main" id="{7BE849D1-BF44-4304-9965-F4071BDCFF23}"/>
+              </a:ext>
+            </a:extLst>
+          </p:cNvPr>
+          <p:cNvCxnSpPr>
+            <a:cxnSpLocks/>
+            <a:stCxn id="115" idx="1"/>
+            <a:endCxn id="90" idx="3"/>
+          </p:cNvCxnSpPr>
+          <p:nvPr/>
+        </p:nvCxnSpPr>
+        <p:spPr>
+          <a:xfrm flipH="1">
+            <a:off x="7065135" y="4717538"/>
+            <a:ext cx="286282" cy="1811"/>
+          </a:xfrm>
+          <a:prstGeom prst="straightConnector1">
+            <a:avLst/>
+          </a:prstGeom>
+          <a:noFill/>
+          <a:ln w="12700" cap="flat" cmpd="sng" algn="ctr">
+            <a:solidFill>
+              <a:srgbClr val="000000"/>
+            </a:solidFill>
+            <a:prstDash val="solid"/>
+            <a:headEnd type="none" w="med" len="med"/>
+            <a:tailEnd type="arrow" w="med" len="med"/>
+          </a:ln>
+          <a:effectLst/>
+        </p:spPr>
+      </p:cxnSp>
+      <p:sp>
+        <p:nvSpPr>
+          <p:cNvPr id="76" name="Rounded Rectangle 59">
+            <a:extLst>
+              <a:ext uri="{FF2B5EF4-FFF2-40B4-BE49-F238E27FC236}">
+                <a16:creationId xmlns:a16="http://schemas.microsoft.com/office/drawing/2014/main" id="{28AF0974-A4AE-4F51-A466-9DF1F093C8A0}"/>
+              </a:ext>
+            </a:extLst>
+          </p:cNvPr>
+          <p:cNvSpPr/>
+          <p:nvPr/>
+        </p:nvSpPr>
+        <p:spPr>
+          <a:xfrm>
+            <a:off x="4244622" y="2111168"/>
+            <a:ext cx="1131524" cy="663676"/>
+          </a:xfrm>
+          <a:prstGeom prst="roundRect">
+            <a:avLst>
+              <a:gd name="adj" fmla="val 13390"/>
+            </a:avLst>
+          </a:prstGeom>
+          <a:solidFill>
+            <a:srgbClr val="D6EDBD"/>
+          </a:solidFill>
+          <a:ln w="12700" cap="flat" cmpd="sng" algn="ctr">
+            <a:solidFill>
+              <a:srgbClr val="000000"/>
+            </a:solidFill>
+            <a:prstDash val="solid"/>
+          </a:ln>
+          <a:effectLst/>
+        </p:spPr>
+        <p:txBody>
+          <a:bodyPr lIns="0" rIns="0" rtlCol="0" anchor="t"/>
+          <a:lstStyle/>
+          <a:p>
+            <a:pPr marL="0" marR="0" lvl="0" indent="0" algn="ctr" defTabSz="914400" eaLnBrk="1" fontAlgn="auto" latinLnBrk="0" hangingPunct="1">
+              <a:lnSpc>
+                <a:spcPct val="100000"/>
+              </a:lnSpc>
+              <a:spcBef>
+                <a:spcPts val="0"/>
+              </a:spcBef>
+              <a:spcAft>
+                <a:spcPts val="0"/>
+              </a:spcAft>
+              <a:buClrTx/>
+              <a:buSzTx/>
+              <a:buFontTx/>
+              <a:buNone/>
+              <a:tabLst/>
+              <a:defRPr/>
+            </a:pPr>
+            <a:r>
+              <a:rPr kumimoji="0" lang="en-US" sz="1200" b="0" i="0" u="none" strike="noStrike" kern="0" cap="none" spc="0" normalizeH="0" baseline="0" noProof="0" dirty="0">
+                <a:ln>
+                  <a:noFill/>
+                </a:ln>
+                <a:solidFill>
+                  <a:srgbClr val="000000"/>
+                </a:solidFill>
+                <a:effectLst/>
+                <a:uLnTx/>
+                <a:uFillTx/>
+                <a:latin typeface="Arial" panose="020B0604020202020204"/>
+                <a:ea typeface="+mn-ea"/>
+                <a:cs typeface="+mn-cs"/>
+              </a:rPr>
+              <a:t>Requirements Analysis</a:t>
+            </a:r>
+          </a:p>
+        </p:txBody>
+      </p:sp>
+      <p:cxnSp>
+        <p:nvCxnSpPr>
+          <p:cNvPr id="78" name="Straight Arrow Connector 77">
+            <a:extLst>
+              <a:ext uri="{FF2B5EF4-FFF2-40B4-BE49-F238E27FC236}">
+                <a16:creationId xmlns:a16="http://schemas.microsoft.com/office/drawing/2014/main" id="{486FD576-3A48-4230-A178-913BACD135C2}"/>
+              </a:ext>
+            </a:extLst>
+          </p:cNvPr>
+          <p:cNvCxnSpPr>
+            <a:cxnSpLocks/>
+            <a:stCxn id="64" idx="1"/>
+            <a:endCxn id="76" idx="3"/>
+          </p:cNvCxnSpPr>
+          <p:nvPr/>
+        </p:nvCxnSpPr>
+        <p:spPr>
+          <a:xfrm flipH="1">
+            <a:off x="5376146" y="2443006"/>
+            <a:ext cx="158112" cy="0"/>
+          </a:xfrm>
+          <a:prstGeom prst="straightConnector1">
+            <a:avLst/>
+          </a:prstGeom>
+          <a:noFill/>
+          <a:ln w="12700" cap="flat" cmpd="sng" algn="ctr">
+            <a:solidFill>
+              <a:srgbClr val="000000"/>
+            </a:solidFill>
+            <a:prstDash val="solid"/>
+            <a:headEnd type="arrow" w="med" len="med"/>
+            <a:tailEnd type="none" w="med" len="med"/>
+          </a:ln>
+          <a:effectLst/>
+        </p:spPr>
+      </p:cxnSp>
+      <p:cxnSp>
+        <p:nvCxnSpPr>
+          <p:cNvPr id="79" name="Straight Arrow Connector 78">
+            <a:extLst>
+              <a:ext uri="{FF2B5EF4-FFF2-40B4-BE49-F238E27FC236}">
+                <a16:creationId xmlns:a16="http://schemas.microsoft.com/office/drawing/2014/main" id="{EBF4AD0D-BE24-44E4-B73D-65CA7F0AE012}"/>
+              </a:ext>
+            </a:extLst>
+          </p:cNvPr>
+          <p:cNvCxnSpPr>
+            <a:cxnSpLocks/>
+          </p:cNvCxnSpPr>
+          <p:nvPr/>
+        </p:nvCxnSpPr>
+        <p:spPr>
+          <a:xfrm>
+            <a:off x="4584404" y="1872738"/>
+            <a:ext cx="2040" cy="238430"/>
+          </a:xfrm>
+          <a:prstGeom prst="straightConnector1">
+            <a:avLst/>
+          </a:prstGeom>
+          <a:noFill/>
+          <a:ln w="12700" cap="flat" cmpd="sng" algn="ctr">
+            <a:solidFill>
+              <a:srgbClr val="000000"/>
+            </a:solidFill>
+            <a:prstDash val="solid"/>
+            <a:headEnd type="none" w="med" len="med"/>
+            <a:tailEnd type="arrow" w="med" len="med"/>
+          </a:ln>
+          <a:effectLst/>
+        </p:spPr>
+      </p:cxnSp>
+      <p:sp>
+        <p:nvSpPr>
+          <p:cNvPr id="82" name="Rounded Rectangle 72">
+            <a:extLst>
+              <a:ext uri="{FF2B5EF4-FFF2-40B4-BE49-F238E27FC236}">
+                <a16:creationId xmlns:a16="http://schemas.microsoft.com/office/drawing/2014/main" id="{372452D0-90C9-487E-A755-EFA14AC0E0AC}"/>
+              </a:ext>
+            </a:extLst>
+          </p:cNvPr>
+          <p:cNvSpPr/>
+          <p:nvPr/>
+        </p:nvSpPr>
+        <p:spPr>
+          <a:xfrm>
+            <a:off x="4619090" y="4440460"/>
+            <a:ext cx="1129455" cy="557778"/>
+          </a:xfrm>
+          <a:prstGeom prst="roundRect">
+            <a:avLst>
+              <a:gd name="adj" fmla="val 13390"/>
+            </a:avLst>
+          </a:prstGeom>
+          <a:solidFill>
+            <a:srgbClr val="D6EDBD"/>
+          </a:solidFill>
+          <a:ln w="12700" cap="flat" cmpd="sng" algn="ctr">
+            <a:solidFill>
+              <a:srgbClr val="000000"/>
+            </a:solidFill>
+            <a:prstDash val="solid"/>
+          </a:ln>
+          <a:effectLst/>
+        </p:spPr>
+        <p:txBody>
+          <a:bodyPr rtlCol="0" anchor="t"/>
+          <a:lstStyle/>
+          <a:p>
+            <a:pPr marL="0" marR="0" lvl="0" indent="0" algn="ctr" defTabSz="914400" eaLnBrk="1" fontAlgn="auto" latinLnBrk="0" hangingPunct="1">
+              <a:lnSpc>
+                <a:spcPct val="100000"/>
+              </a:lnSpc>
+              <a:spcBef>
+                <a:spcPts val="0"/>
+              </a:spcBef>
+              <a:spcAft>
+                <a:spcPts val="0"/>
+              </a:spcAft>
+              <a:buClrTx/>
+              <a:buSzTx/>
+              <a:buFontTx/>
+              <a:buNone/>
+              <a:tabLst/>
+              <a:defRPr/>
+            </a:pPr>
+            <a:r>
+              <a:rPr kumimoji="0" lang="en-US" sz="1200" b="0" i="0" u="none" strike="noStrike" kern="0" cap="none" spc="0" normalizeH="0" baseline="0" noProof="0" dirty="0" err="1">
+                <a:ln>
+                  <a:noFill/>
+                </a:ln>
+                <a:solidFill>
+                  <a:srgbClr val="000000"/>
+                </a:solidFill>
+                <a:effectLst/>
+                <a:uLnTx/>
+                <a:uFillTx/>
+                <a:latin typeface="Arial" panose="020B0604020202020204"/>
+                <a:ea typeface="+mn-ea"/>
+                <a:cs typeface="+mn-cs"/>
+              </a:rPr>
+              <a:t>CAmkES</a:t>
+            </a:r>
+            <a:endParaRPr kumimoji="0" lang="en-US" sz="1200" b="0" i="0" u="none" strike="noStrike" kern="0" cap="none" spc="0" normalizeH="0" baseline="0" noProof="0" dirty="0">
+              <a:ln>
+                <a:noFill/>
+              </a:ln>
+              <a:solidFill>
+                <a:srgbClr val="000000"/>
+              </a:solidFill>
+              <a:effectLst/>
+              <a:uLnTx/>
+              <a:uFillTx/>
+              <a:latin typeface="Arial" panose="020B0604020202020204"/>
+              <a:ea typeface="+mn-ea"/>
+              <a:cs typeface="+mn-cs"/>
+            </a:endParaRPr>
+          </a:p>
+        </p:txBody>
+      </p:sp>
+      <p:sp>
+        <p:nvSpPr>
+          <p:cNvPr id="89" name="Rounded Rectangle 83">
+            <a:extLst>
+              <a:ext uri="{FF2B5EF4-FFF2-40B4-BE49-F238E27FC236}">
+                <a16:creationId xmlns:a16="http://schemas.microsoft.com/office/drawing/2014/main" id="{A91295DC-1546-4D96-802E-EC2734A8D1A3}"/>
+              </a:ext>
+            </a:extLst>
+          </p:cNvPr>
+          <p:cNvSpPr/>
+          <p:nvPr/>
+        </p:nvSpPr>
+        <p:spPr>
+          <a:xfrm>
+            <a:off x="3214005" y="4440460"/>
+            <a:ext cx="1045657" cy="557778"/>
+          </a:xfrm>
+          <a:prstGeom prst="roundRect">
+            <a:avLst>
+              <a:gd name="adj" fmla="val 13390"/>
+            </a:avLst>
+          </a:prstGeom>
+          <a:noFill/>
+          <a:ln w="12700" cap="flat" cmpd="sng" algn="ctr">
+            <a:solidFill>
+              <a:srgbClr val="000000"/>
+            </a:solidFill>
+            <a:prstDash val="solid"/>
+          </a:ln>
+          <a:effectLst/>
+        </p:spPr>
+        <p:txBody>
+          <a:bodyPr lIns="0" rIns="0" rtlCol="0" anchor="t"/>
+          <a:lstStyle/>
+          <a:p>
+            <a:pPr marL="0" marR="0" lvl="0" indent="0" algn="ctr" defTabSz="914400" eaLnBrk="1" fontAlgn="auto" latinLnBrk="0" hangingPunct="1">
+              <a:lnSpc>
+                <a:spcPct val="100000"/>
+              </a:lnSpc>
+              <a:spcBef>
+                <a:spcPts val="0"/>
+              </a:spcBef>
+              <a:spcAft>
+                <a:spcPts val="0"/>
+              </a:spcAft>
+              <a:buClrTx/>
+              <a:buSzTx/>
+              <a:buFontTx/>
+              <a:buNone/>
+              <a:tabLst/>
+              <a:defRPr/>
+            </a:pPr>
+            <a:r>
+              <a:rPr kumimoji="0" lang="en-US" sz="1200" b="0" i="0" u="none" strike="noStrike" kern="0" cap="none" spc="0" normalizeH="0" baseline="0" noProof="0" dirty="0">
+                <a:ln>
+                  <a:noFill/>
+                </a:ln>
+                <a:solidFill>
+                  <a:srgbClr val="000000"/>
+                </a:solidFill>
+                <a:effectLst/>
+                <a:uLnTx/>
+                <a:uFillTx/>
+                <a:latin typeface="Arial" panose="020B0604020202020204"/>
+                <a:ea typeface="+mn-ea"/>
+                <a:cs typeface="+mn-cs"/>
+              </a:rPr>
+              <a:t>C compiler</a:t>
+            </a:r>
+          </a:p>
+        </p:txBody>
+      </p:sp>
+      <p:sp>
+        <p:nvSpPr>
+          <p:cNvPr id="90" name="Rounded Rectangle 84">
+            <a:extLst>
+              <a:ext uri="{FF2B5EF4-FFF2-40B4-BE49-F238E27FC236}">
+                <a16:creationId xmlns:a16="http://schemas.microsoft.com/office/drawing/2014/main" id="{413F3B59-DEC4-4E55-B74F-C6522F499955}"/>
+              </a:ext>
+            </a:extLst>
+          </p:cNvPr>
+          <p:cNvSpPr/>
+          <p:nvPr/>
+        </p:nvSpPr>
+        <p:spPr>
+          <a:xfrm>
+            <a:off x="6135360" y="4440460"/>
+            <a:ext cx="929775" cy="557778"/>
+          </a:xfrm>
+          <a:prstGeom prst="roundRect">
+            <a:avLst>
+              <a:gd name="adj" fmla="val 13390"/>
+            </a:avLst>
+          </a:prstGeom>
+          <a:noFill/>
+          <a:ln w="12700" cap="flat" cmpd="sng" algn="ctr">
+            <a:solidFill>
+              <a:srgbClr val="000000"/>
+            </a:solidFill>
+            <a:prstDash val="solid"/>
+          </a:ln>
+          <a:effectLst/>
+        </p:spPr>
+        <p:txBody>
+          <a:bodyPr lIns="0" tIns="0" rIns="0" bIns="0" rtlCol="0" anchor="t"/>
+          <a:lstStyle/>
+          <a:p>
+            <a:pPr marL="0" marR="0" lvl="0" indent="0" algn="ctr" defTabSz="914400" eaLnBrk="1" fontAlgn="auto" latinLnBrk="0" hangingPunct="1">
+              <a:lnSpc>
+                <a:spcPct val="100000"/>
+              </a:lnSpc>
+              <a:spcBef>
+                <a:spcPts val="0"/>
+              </a:spcBef>
+              <a:spcAft>
+                <a:spcPts val="0"/>
+              </a:spcAft>
+              <a:buClrTx/>
+              <a:buSzTx/>
+              <a:buFontTx/>
+              <a:buNone/>
+              <a:tabLst/>
+              <a:defRPr/>
+            </a:pPr>
+            <a:r>
+              <a:rPr kumimoji="0" lang="en-US" sz="1200" b="0" i="0" u="none" strike="noStrike" kern="0" cap="none" spc="0" normalizeH="0" baseline="0" noProof="0" dirty="0" err="1">
+                <a:ln>
+                  <a:noFill/>
+                </a:ln>
+                <a:solidFill>
+                  <a:srgbClr val="000000"/>
+                </a:solidFill>
+                <a:effectLst/>
+                <a:uLnTx/>
+                <a:uFillTx/>
+                <a:latin typeface="Arial" panose="020B0604020202020204"/>
+                <a:ea typeface="+mn-ea"/>
+                <a:cs typeface="+mn-cs"/>
+              </a:rPr>
+              <a:t>CakeML</a:t>
+            </a:r>
+            <a:r>
+              <a:rPr kumimoji="0" lang="en-US" sz="1200" b="0" i="0" u="none" strike="noStrike" kern="0" cap="none" spc="0" normalizeH="0" baseline="0" noProof="0" dirty="0">
+                <a:ln>
+                  <a:noFill/>
+                </a:ln>
+                <a:solidFill>
+                  <a:srgbClr val="000000"/>
+                </a:solidFill>
+                <a:effectLst/>
+                <a:uLnTx/>
+                <a:uFillTx/>
+                <a:latin typeface="Arial" panose="020B0604020202020204"/>
+                <a:ea typeface="+mn-ea"/>
+                <a:cs typeface="+mn-cs"/>
+              </a:rPr>
+              <a:t> </a:t>
+            </a:r>
+          </a:p>
+          <a:p>
+            <a:pPr marL="0" marR="0" lvl="0" indent="0" algn="ctr" defTabSz="914400" eaLnBrk="1" fontAlgn="auto" latinLnBrk="0" hangingPunct="1">
+              <a:lnSpc>
+                <a:spcPct val="100000"/>
+              </a:lnSpc>
+              <a:spcBef>
+                <a:spcPts val="0"/>
+              </a:spcBef>
+              <a:spcAft>
+                <a:spcPts val="0"/>
+              </a:spcAft>
+              <a:buClrTx/>
+              <a:buSzTx/>
+              <a:buFontTx/>
+              <a:buNone/>
+              <a:tabLst/>
+              <a:defRPr/>
+            </a:pPr>
+            <a:r>
+              <a:rPr kumimoji="0" lang="en-US" sz="1200" b="0" i="0" u="none" strike="noStrike" kern="0" cap="none" spc="0" normalizeH="0" baseline="0" noProof="0" dirty="0">
+                <a:ln>
+                  <a:noFill/>
+                </a:ln>
+                <a:solidFill>
+                  <a:srgbClr val="000000"/>
+                </a:solidFill>
+                <a:effectLst/>
+                <a:uLnTx/>
+                <a:uFillTx/>
+                <a:latin typeface="Arial" panose="020B0604020202020204"/>
+                <a:ea typeface="+mn-ea"/>
+                <a:cs typeface="+mn-cs"/>
+              </a:rPr>
+              <a:t>compiler</a:t>
+            </a:r>
+          </a:p>
+        </p:txBody>
+      </p:sp>
+      <p:cxnSp>
+        <p:nvCxnSpPr>
+          <p:cNvPr id="91" name="Straight Arrow Connector 90">
+            <a:extLst>
+              <a:ext uri="{FF2B5EF4-FFF2-40B4-BE49-F238E27FC236}">
+                <a16:creationId xmlns:a16="http://schemas.microsoft.com/office/drawing/2014/main" id="{A7C921A8-DC67-4712-9D7C-BC74D4CCCCF3}"/>
+              </a:ext>
+            </a:extLst>
+          </p:cNvPr>
+          <p:cNvCxnSpPr>
+            <a:cxnSpLocks/>
+            <a:stCxn id="89" idx="3"/>
+            <a:endCxn id="82" idx="1"/>
+          </p:cNvCxnSpPr>
+          <p:nvPr/>
+        </p:nvCxnSpPr>
+        <p:spPr>
+          <a:xfrm>
+            <a:off x="4259662" y="4719349"/>
+            <a:ext cx="359428" cy="0"/>
+          </a:xfrm>
+          <a:prstGeom prst="straightConnector1">
+            <a:avLst/>
+          </a:prstGeom>
+          <a:noFill/>
+          <a:ln w="12700" cap="flat" cmpd="sng" algn="ctr">
+            <a:solidFill>
+              <a:srgbClr val="000000"/>
+            </a:solidFill>
+            <a:prstDash val="solid"/>
+            <a:headEnd type="arrow" w="med" len="med"/>
+            <a:tailEnd type="arrow" w="med" len="med"/>
+          </a:ln>
+          <a:effectLst/>
+        </p:spPr>
+      </p:cxnSp>
+      <p:cxnSp>
+        <p:nvCxnSpPr>
+          <p:cNvPr id="92" name="Straight Arrow Connector 91">
+            <a:extLst>
+              <a:ext uri="{FF2B5EF4-FFF2-40B4-BE49-F238E27FC236}">
+                <a16:creationId xmlns:a16="http://schemas.microsoft.com/office/drawing/2014/main" id="{D0ECB994-4EA6-40DB-A001-9F86BADC1D7E}"/>
+              </a:ext>
+            </a:extLst>
+          </p:cNvPr>
+          <p:cNvCxnSpPr>
+            <a:cxnSpLocks/>
+            <a:stCxn id="90" idx="1"/>
+            <a:endCxn id="82" idx="3"/>
+          </p:cNvCxnSpPr>
+          <p:nvPr/>
+        </p:nvCxnSpPr>
+        <p:spPr>
+          <a:xfrm flipH="1">
+            <a:off x="5748545" y="4719349"/>
+            <a:ext cx="386815" cy="0"/>
+          </a:xfrm>
+          <a:prstGeom prst="straightConnector1">
+            <a:avLst/>
+          </a:prstGeom>
+          <a:noFill/>
+          <a:ln w="12700" cap="flat" cmpd="sng" algn="ctr">
+            <a:solidFill>
+              <a:srgbClr val="000000"/>
+            </a:solidFill>
+            <a:prstDash val="solid"/>
+            <a:headEnd type="arrow" w="med" len="med"/>
+            <a:tailEnd type="arrow" w="med" len="med"/>
+          </a:ln>
+          <a:effectLst/>
+        </p:spPr>
+      </p:cxnSp>
+      <p:sp>
+        <p:nvSpPr>
+          <p:cNvPr id="93" name="Rectangle 92">
+            <a:extLst>
+              <a:ext uri="{FF2B5EF4-FFF2-40B4-BE49-F238E27FC236}">
+                <a16:creationId xmlns:a16="http://schemas.microsoft.com/office/drawing/2014/main" id="{2442851B-0E2B-4CE8-8C18-A1FC719FEFF8}"/>
+              </a:ext>
+            </a:extLst>
+          </p:cNvPr>
+          <p:cNvSpPr/>
+          <p:nvPr/>
+        </p:nvSpPr>
+        <p:spPr>
+          <a:xfrm>
+            <a:off x="3248325" y="3405920"/>
+            <a:ext cx="965102" cy="687574"/>
+          </a:xfrm>
+          <a:prstGeom prst="rect">
+            <a:avLst/>
+          </a:prstGeom>
+          <a:noFill/>
+          <a:ln w="12700" cap="flat" cmpd="sng" algn="ctr">
+            <a:solidFill>
+              <a:srgbClr val="000000"/>
+            </a:solidFill>
+            <a:prstDash val="solid"/>
+          </a:ln>
+          <a:effectLst/>
+        </p:spPr>
+        <p:txBody>
+          <a:bodyPr lIns="0" rIns="0" rtlCol="0" anchor="t"/>
+          <a:lstStyle/>
+          <a:p>
+            <a:pPr marL="0" marR="0" lvl="0" indent="0" algn="ctr" defTabSz="914400" eaLnBrk="1" fontAlgn="auto" latinLnBrk="0" hangingPunct="1">
+              <a:lnSpc>
+                <a:spcPct val="100000"/>
+              </a:lnSpc>
+              <a:spcBef>
+                <a:spcPts val="0"/>
+              </a:spcBef>
+              <a:spcAft>
+                <a:spcPts val="0"/>
+              </a:spcAft>
+              <a:buClrTx/>
+              <a:buSzTx/>
+              <a:buFontTx/>
+              <a:buNone/>
+              <a:tabLst/>
+              <a:defRPr/>
+            </a:pPr>
+            <a:r>
+              <a:rPr kumimoji="0" lang="en-US" sz="1200" b="0" i="0" u="none" strike="noStrike" kern="0" cap="none" spc="0" normalizeH="0" baseline="0" noProof="0" dirty="0">
+                <a:ln>
+                  <a:noFill/>
+                </a:ln>
+                <a:solidFill>
+                  <a:srgbClr val="000000"/>
+                </a:solidFill>
+                <a:effectLst/>
+                <a:uLnTx/>
+                <a:uFillTx/>
+                <a:latin typeface="Arial" panose="020B0604020202020204"/>
+                <a:ea typeface="+mn-ea"/>
+                <a:cs typeface="+mn-cs"/>
+              </a:rPr>
+              <a:t>Generated code</a:t>
+            </a:r>
+          </a:p>
+        </p:txBody>
+      </p:sp>
+      <p:cxnSp>
+        <p:nvCxnSpPr>
+          <p:cNvPr id="96" name="Straight Arrow Connector 95">
+            <a:extLst>
+              <a:ext uri="{FF2B5EF4-FFF2-40B4-BE49-F238E27FC236}">
+                <a16:creationId xmlns:a16="http://schemas.microsoft.com/office/drawing/2014/main" id="{7F190995-C63F-4A1D-8C51-395E8BBE78C1}"/>
+              </a:ext>
+            </a:extLst>
+          </p:cNvPr>
+          <p:cNvCxnSpPr>
+            <a:cxnSpLocks/>
+            <a:stCxn id="62" idx="2"/>
+            <a:endCxn id="93" idx="0"/>
+          </p:cNvCxnSpPr>
+          <p:nvPr/>
+        </p:nvCxnSpPr>
+        <p:spPr>
+          <a:xfrm flipH="1">
+            <a:off x="3730876" y="2774844"/>
+            <a:ext cx="2334" cy="631076"/>
+          </a:xfrm>
+          <a:prstGeom prst="straightConnector1">
+            <a:avLst/>
+          </a:prstGeom>
+          <a:noFill/>
+          <a:ln w="12700" cap="flat" cmpd="sng" algn="ctr">
+            <a:solidFill>
+              <a:srgbClr val="000000"/>
+            </a:solidFill>
+            <a:prstDash val="solid"/>
+            <a:headEnd type="none" w="med" len="med"/>
+            <a:tailEnd type="arrow" w="med" len="med"/>
+          </a:ln>
+          <a:effectLst/>
+        </p:spPr>
+      </p:cxnSp>
+      <p:sp>
+        <p:nvSpPr>
+          <p:cNvPr id="103" name="Rectangle 102">
+            <a:extLst>
+              <a:ext uri="{FF2B5EF4-FFF2-40B4-BE49-F238E27FC236}">
+                <a16:creationId xmlns:a16="http://schemas.microsoft.com/office/drawing/2014/main" id="{BEDBC5B3-7396-4B30-A4EC-140956B5374C}"/>
+              </a:ext>
+            </a:extLst>
+          </p:cNvPr>
+          <p:cNvSpPr/>
+          <p:nvPr/>
+        </p:nvSpPr>
+        <p:spPr>
+          <a:xfrm>
+            <a:off x="6135361" y="3415856"/>
+            <a:ext cx="935579" cy="687574"/>
+          </a:xfrm>
+          <a:prstGeom prst="rect">
+            <a:avLst/>
+          </a:prstGeom>
+          <a:noFill/>
+          <a:ln w="12700" cap="flat" cmpd="sng" algn="ctr">
+            <a:solidFill>
+              <a:srgbClr val="000000"/>
+            </a:solidFill>
+            <a:prstDash val="solid"/>
+          </a:ln>
+          <a:effectLst/>
+        </p:spPr>
+        <p:txBody>
+          <a:bodyPr lIns="0" rIns="0" rtlCol="0" anchor="t"/>
+          <a:lstStyle/>
+          <a:p>
+            <a:pPr marL="0" marR="0" lvl="0" indent="0" algn="ctr" defTabSz="914400" eaLnBrk="1" fontAlgn="auto" latinLnBrk="0" hangingPunct="1">
+              <a:lnSpc>
+                <a:spcPct val="100000"/>
+              </a:lnSpc>
+              <a:spcBef>
+                <a:spcPts val="0"/>
+              </a:spcBef>
+              <a:spcAft>
+                <a:spcPts val="0"/>
+              </a:spcAft>
+              <a:buClrTx/>
+              <a:buSzTx/>
+              <a:buFontTx/>
+              <a:buNone/>
+              <a:tabLst/>
+              <a:defRPr/>
+            </a:pPr>
+            <a:r>
+              <a:rPr kumimoji="0" lang="en-US" sz="1200" b="0" i="0" u="none" strike="noStrike" kern="0" cap="none" spc="0" normalizeH="0" baseline="0" noProof="0" dirty="0">
+                <a:ln>
+                  <a:noFill/>
+                </a:ln>
+                <a:solidFill>
+                  <a:srgbClr val="000000"/>
+                </a:solidFill>
+                <a:effectLst/>
+                <a:uLnTx/>
+                <a:uFillTx/>
+                <a:latin typeface="Arial" panose="020B0604020202020204"/>
+                <a:ea typeface="+mn-ea"/>
+                <a:cs typeface="+mn-cs"/>
+              </a:rPr>
+              <a:t>Synthesized </a:t>
+            </a:r>
+          </a:p>
+          <a:p>
+            <a:pPr marL="0" marR="0" lvl="0" indent="0" algn="ctr" defTabSz="914400" eaLnBrk="1" fontAlgn="auto" latinLnBrk="0" hangingPunct="1">
+              <a:lnSpc>
+                <a:spcPct val="100000"/>
+              </a:lnSpc>
+              <a:spcBef>
+                <a:spcPts val="0"/>
+              </a:spcBef>
+              <a:spcAft>
+                <a:spcPts val="0"/>
+              </a:spcAft>
+              <a:buClrTx/>
+              <a:buSzTx/>
+              <a:buFontTx/>
+              <a:buNone/>
+              <a:tabLst/>
+              <a:defRPr/>
+            </a:pPr>
+            <a:r>
+              <a:rPr kumimoji="0" lang="en-US" sz="1200" b="0" i="0" u="none" strike="noStrike" kern="0" cap="none" spc="0" normalizeH="0" baseline="0" noProof="0" dirty="0">
+                <a:ln>
+                  <a:noFill/>
+                </a:ln>
+                <a:solidFill>
+                  <a:srgbClr val="000000"/>
+                </a:solidFill>
+                <a:effectLst/>
+                <a:uLnTx/>
+                <a:uFillTx/>
+                <a:latin typeface="Arial" panose="020B0604020202020204"/>
+                <a:ea typeface="+mn-ea"/>
+                <a:cs typeface="+mn-cs"/>
+              </a:rPr>
+              <a:t>code</a:t>
+            </a:r>
+          </a:p>
+        </p:txBody>
+      </p:sp>
+      <p:cxnSp>
+        <p:nvCxnSpPr>
+          <p:cNvPr id="104" name="Straight Arrow Connector 103">
+            <a:extLst>
+              <a:ext uri="{FF2B5EF4-FFF2-40B4-BE49-F238E27FC236}">
+                <a16:creationId xmlns:a16="http://schemas.microsoft.com/office/drawing/2014/main" id="{36E5A3ED-D39F-4052-9C6F-8857A6706E23}"/>
+              </a:ext>
+            </a:extLst>
+          </p:cNvPr>
+          <p:cNvCxnSpPr>
+            <a:cxnSpLocks/>
+            <a:stCxn id="71" idx="1"/>
+            <a:endCxn id="103" idx="3"/>
+          </p:cNvCxnSpPr>
+          <p:nvPr/>
+        </p:nvCxnSpPr>
+        <p:spPr>
+          <a:xfrm flipH="1">
+            <a:off x="7070940" y="3759643"/>
+            <a:ext cx="283760" cy="0"/>
+          </a:xfrm>
+          <a:prstGeom prst="straightConnector1">
+            <a:avLst/>
+          </a:prstGeom>
+          <a:noFill/>
+          <a:ln w="12700" cap="flat" cmpd="sng" algn="ctr">
+            <a:solidFill>
+              <a:srgbClr val="000000"/>
+            </a:solidFill>
+            <a:prstDash val="solid"/>
+            <a:headEnd type="none" w="med" len="med"/>
+            <a:tailEnd type="arrow" w="med" len="med"/>
+          </a:ln>
+          <a:effectLst/>
+        </p:spPr>
+      </p:cxnSp>
+      <p:cxnSp>
+        <p:nvCxnSpPr>
+          <p:cNvPr id="105" name="Straight Arrow Connector 104">
+            <a:extLst>
+              <a:ext uri="{FF2B5EF4-FFF2-40B4-BE49-F238E27FC236}">
+                <a16:creationId xmlns:a16="http://schemas.microsoft.com/office/drawing/2014/main" id="{B1368B2C-50A4-457A-9CB9-32CB73EDEFEB}"/>
+              </a:ext>
+            </a:extLst>
+          </p:cNvPr>
+          <p:cNvCxnSpPr>
+            <a:cxnSpLocks/>
+            <a:stCxn id="103" idx="2"/>
+            <a:endCxn id="90" idx="0"/>
+          </p:cNvCxnSpPr>
+          <p:nvPr/>
+        </p:nvCxnSpPr>
+        <p:spPr>
+          <a:xfrm flipH="1">
+            <a:off x="6600248" y="4103430"/>
+            <a:ext cx="2903" cy="337030"/>
+          </a:xfrm>
+          <a:prstGeom prst="straightConnector1">
+            <a:avLst/>
+          </a:prstGeom>
+          <a:noFill/>
+          <a:ln w="12700" cap="flat" cmpd="sng" algn="ctr">
+            <a:solidFill>
+              <a:srgbClr val="000000"/>
+            </a:solidFill>
+            <a:prstDash val="solid"/>
+            <a:headEnd type="none" w="med" len="med"/>
+            <a:tailEnd type="arrow" w="med" len="med"/>
+          </a:ln>
+          <a:effectLst/>
+        </p:spPr>
+      </p:cxnSp>
+      <p:sp>
+        <p:nvSpPr>
+          <p:cNvPr id="107" name="Rectangle 106">
+            <a:extLst>
+              <a:ext uri="{FF2B5EF4-FFF2-40B4-BE49-F238E27FC236}">
+                <a16:creationId xmlns:a16="http://schemas.microsoft.com/office/drawing/2014/main" id="{90184493-08BF-4F5A-BE3D-03334B50ED5E}"/>
+              </a:ext>
+            </a:extLst>
+          </p:cNvPr>
+          <p:cNvSpPr/>
+          <p:nvPr/>
+        </p:nvSpPr>
+        <p:spPr>
+          <a:xfrm>
+            <a:off x="3799941" y="5306681"/>
+            <a:ext cx="2771820" cy="350910"/>
+          </a:xfrm>
+          <a:prstGeom prst="rect">
+            <a:avLst/>
+          </a:prstGeom>
+          <a:noFill/>
+          <a:ln w="12700" cap="flat" cmpd="sng" algn="ctr">
+            <a:solidFill>
+              <a:srgbClr val="000000"/>
+            </a:solidFill>
+            <a:prstDash val="solid"/>
+          </a:ln>
+          <a:effectLst/>
+        </p:spPr>
+        <p:txBody>
+          <a:bodyPr rtlCol="0" anchor="t"/>
+          <a:lstStyle/>
+          <a:p>
+            <a:pPr marL="0" marR="0" lvl="0" indent="0" algn="ctr" defTabSz="914400" eaLnBrk="1" fontAlgn="auto" latinLnBrk="0" hangingPunct="1">
+              <a:lnSpc>
+                <a:spcPct val="100000"/>
+              </a:lnSpc>
+              <a:spcBef>
+                <a:spcPts val="0"/>
+              </a:spcBef>
+              <a:spcAft>
+                <a:spcPts val="0"/>
+              </a:spcAft>
+              <a:buClrTx/>
+              <a:buSzTx/>
+              <a:buFontTx/>
+              <a:buNone/>
+              <a:tabLst/>
+              <a:defRPr/>
+            </a:pPr>
+            <a:r>
+              <a:rPr kumimoji="0" lang="en-US" sz="1200" b="0" i="0" u="none" strike="noStrike" kern="0" cap="none" spc="0" normalizeH="0" baseline="0" noProof="0" dirty="0">
+                <a:ln>
+                  <a:noFill/>
+                </a:ln>
+                <a:solidFill>
+                  <a:srgbClr val="000000"/>
+                </a:solidFill>
+                <a:effectLst/>
+                <a:uLnTx/>
+                <a:uFillTx/>
+                <a:latin typeface="Arial" panose="020B0604020202020204"/>
+                <a:ea typeface="+mn-ea"/>
+                <a:cs typeface="+mn-cs"/>
+              </a:rPr>
+              <a:t>System executable</a:t>
+            </a:r>
+          </a:p>
+        </p:txBody>
+      </p:sp>
+      <p:cxnSp>
+        <p:nvCxnSpPr>
+          <p:cNvPr id="112" name="Straight Arrow Connector 111">
+            <a:extLst>
+              <a:ext uri="{FF2B5EF4-FFF2-40B4-BE49-F238E27FC236}">
+                <a16:creationId xmlns:a16="http://schemas.microsoft.com/office/drawing/2014/main" id="{380F575F-BFF8-4D1E-BE6B-1E0BE563EF02}"/>
+              </a:ext>
+            </a:extLst>
+          </p:cNvPr>
+          <p:cNvCxnSpPr>
+            <a:cxnSpLocks/>
+            <a:stCxn id="114" idx="2"/>
+          </p:cNvCxnSpPr>
+          <p:nvPr/>
+        </p:nvCxnSpPr>
+        <p:spPr>
+          <a:xfrm>
+            <a:off x="2425691" y="4093368"/>
+            <a:ext cx="782357" cy="411957"/>
+          </a:xfrm>
+          <a:prstGeom prst="straightConnector1">
+            <a:avLst/>
+          </a:prstGeom>
+          <a:noFill/>
+          <a:ln w="12700" cap="flat" cmpd="sng" algn="ctr">
+            <a:solidFill>
+              <a:srgbClr val="000000"/>
+            </a:solidFill>
+            <a:prstDash val="solid"/>
+            <a:headEnd type="none" w="med" len="med"/>
+            <a:tailEnd type="arrow" w="med" len="med"/>
+          </a:ln>
+          <a:effectLst/>
+        </p:spPr>
+      </p:cxnSp>
+      <p:cxnSp>
+        <p:nvCxnSpPr>
+          <p:cNvPr id="113" name="Straight Arrow Connector 112">
+            <a:extLst>
+              <a:ext uri="{FF2B5EF4-FFF2-40B4-BE49-F238E27FC236}">
+                <a16:creationId xmlns:a16="http://schemas.microsoft.com/office/drawing/2014/main" id="{BE44C490-C780-4F1B-A181-807A09ED5996}"/>
+              </a:ext>
+            </a:extLst>
+          </p:cNvPr>
+          <p:cNvCxnSpPr/>
+          <p:nvPr/>
+        </p:nvCxnSpPr>
+        <p:spPr>
+          <a:xfrm>
+            <a:off x="6215935" y="1866900"/>
+            <a:ext cx="0" cy="238430"/>
+          </a:xfrm>
+          <a:prstGeom prst="straightConnector1">
+            <a:avLst/>
+          </a:prstGeom>
+          <a:noFill/>
+          <a:ln w="12700" cap="flat" cmpd="sng" algn="ctr">
+            <a:solidFill>
+              <a:srgbClr val="000000"/>
+            </a:solidFill>
+            <a:prstDash val="solid"/>
+            <a:headEnd type="arrow" w="med" len="med"/>
+            <a:tailEnd type="none" w="med" len="med"/>
+          </a:ln>
+          <a:effectLst/>
+        </p:spPr>
+      </p:cxnSp>
+      <p:sp>
+        <p:nvSpPr>
+          <p:cNvPr id="114" name="Rectangle 113">
+            <a:extLst>
+              <a:ext uri="{FF2B5EF4-FFF2-40B4-BE49-F238E27FC236}">
+                <a16:creationId xmlns:a16="http://schemas.microsoft.com/office/drawing/2014/main" id="{922EF082-6D4C-464F-BF89-5314BCF84569}"/>
+              </a:ext>
+            </a:extLst>
+          </p:cNvPr>
+          <p:cNvSpPr/>
+          <p:nvPr/>
+        </p:nvSpPr>
+        <p:spPr>
+          <a:xfrm>
+            <a:off x="1797718" y="3405794"/>
+            <a:ext cx="1255945" cy="687574"/>
+          </a:xfrm>
+          <a:prstGeom prst="rect">
+            <a:avLst/>
+          </a:prstGeom>
+          <a:noFill/>
+          <a:ln w="12700" cap="flat" cmpd="sng" algn="ctr">
+            <a:solidFill>
+              <a:srgbClr val="000000"/>
+            </a:solidFill>
+            <a:prstDash val="solid"/>
+          </a:ln>
+          <a:effectLst/>
+        </p:spPr>
+        <p:txBody>
+          <a:bodyPr lIns="0" rIns="0" rtlCol="0" anchor="t"/>
+          <a:lstStyle/>
+          <a:p>
+            <a:pPr marL="0" marR="0" lvl="0" indent="0" algn="ctr" defTabSz="914400" eaLnBrk="1" fontAlgn="auto" latinLnBrk="0" hangingPunct="1">
+              <a:lnSpc>
+                <a:spcPct val="100000"/>
+              </a:lnSpc>
+              <a:spcBef>
+                <a:spcPts val="0"/>
+              </a:spcBef>
+              <a:spcAft>
+                <a:spcPts val="0"/>
+              </a:spcAft>
+              <a:buClrTx/>
+              <a:buSzTx/>
+              <a:buFontTx/>
+              <a:buNone/>
+              <a:tabLst/>
+              <a:defRPr/>
+            </a:pPr>
+            <a:r>
+              <a:rPr lang="en-US" sz="1200" kern="0" dirty="0">
+                <a:solidFill>
+                  <a:srgbClr val="000000"/>
+                </a:solidFill>
+                <a:latin typeface="Arial" panose="020B0604020202020204"/>
+              </a:rPr>
+              <a:t>Hand-written component code</a:t>
+            </a:r>
+            <a:endParaRPr kumimoji="0" lang="en-US" sz="1200" b="0" i="0" u="none" strike="noStrike" kern="0" cap="none" spc="0" normalizeH="0" baseline="0" noProof="0" dirty="0">
+              <a:ln>
+                <a:noFill/>
+              </a:ln>
+              <a:solidFill>
+                <a:srgbClr val="000000"/>
+              </a:solidFill>
+              <a:effectLst/>
+              <a:uLnTx/>
+              <a:uFillTx/>
+              <a:latin typeface="Arial" panose="020B0604020202020204"/>
+              <a:ea typeface="+mn-ea"/>
+              <a:cs typeface="+mn-cs"/>
+            </a:endParaRPr>
+          </a:p>
+        </p:txBody>
+      </p:sp>
+      <p:sp>
+        <p:nvSpPr>
+          <p:cNvPr id="115" name="Rectangle 114">
+            <a:extLst>
+              <a:ext uri="{FF2B5EF4-FFF2-40B4-BE49-F238E27FC236}">
+                <a16:creationId xmlns:a16="http://schemas.microsoft.com/office/drawing/2014/main" id="{4DDE2433-5DC8-414A-8297-C1B544705C3E}"/>
+              </a:ext>
+            </a:extLst>
+          </p:cNvPr>
+          <p:cNvSpPr/>
+          <p:nvPr/>
+        </p:nvSpPr>
+        <p:spPr>
+          <a:xfrm>
+            <a:off x="7351417" y="4438650"/>
+            <a:ext cx="1792583" cy="557776"/>
+          </a:xfrm>
+          <a:prstGeom prst="rect">
+            <a:avLst/>
+          </a:prstGeom>
+          <a:solidFill>
+            <a:srgbClr val="D6EDBD"/>
+          </a:solidFill>
+          <a:ln w="12700" cap="flat" cmpd="sng" algn="ctr">
+            <a:solidFill>
+              <a:srgbClr val="000000"/>
+            </a:solidFill>
+            <a:prstDash val="solid"/>
+          </a:ln>
+          <a:effectLst/>
+        </p:spPr>
+        <p:txBody>
+          <a:bodyPr lIns="0" rIns="0" rtlCol="0" anchor="t"/>
+          <a:lstStyle/>
+          <a:p>
+            <a:pPr marL="0" marR="0" lvl="0" indent="0" algn="ctr" defTabSz="914400" eaLnBrk="1" fontAlgn="auto" latinLnBrk="0" hangingPunct="1">
+              <a:lnSpc>
+                <a:spcPct val="100000"/>
+              </a:lnSpc>
+              <a:spcBef>
+                <a:spcPts val="0"/>
+              </a:spcBef>
+              <a:spcAft>
+                <a:spcPts val="0"/>
+              </a:spcAft>
+              <a:buClrTx/>
+              <a:buSzTx/>
+              <a:buFontTx/>
+              <a:buNone/>
+              <a:tabLst/>
+              <a:defRPr/>
+            </a:pPr>
+            <a:r>
+              <a:rPr kumimoji="0" lang="en-US" sz="1200" b="0" i="0" u="none" strike="noStrike" kern="0" cap="none" spc="0" normalizeH="0" baseline="0" noProof="0" dirty="0">
+                <a:ln>
+                  <a:noFill/>
+                </a:ln>
+                <a:solidFill>
+                  <a:srgbClr val="000000"/>
+                </a:solidFill>
+                <a:effectLst/>
+                <a:uLnTx/>
+                <a:uFillTx/>
+                <a:latin typeface="Arial" panose="020B0604020202020204"/>
+                <a:ea typeface="+mn-ea"/>
+                <a:cs typeface="+mn-cs"/>
+              </a:rPr>
+              <a:t>Pre-verified component code (Attestation)</a:t>
+            </a:r>
+          </a:p>
+        </p:txBody>
+      </p:sp>
+      <p:cxnSp>
+        <p:nvCxnSpPr>
+          <p:cNvPr id="119" name="Straight Arrow Connector 118">
+            <a:extLst>
+              <a:ext uri="{FF2B5EF4-FFF2-40B4-BE49-F238E27FC236}">
+                <a16:creationId xmlns:a16="http://schemas.microsoft.com/office/drawing/2014/main" id="{D5425A1C-9D28-4037-8876-54779061E44A}"/>
+              </a:ext>
+            </a:extLst>
+          </p:cNvPr>
+          <p:cNvCxnSpPr>
+            <a:cxnSpLocks/>
+            <a:stCxn id="93" idx="2"/>
+            <a:endCxn id="89" idx="0"/>
+          </p:cNvCxnSpPr>
+          <p:nvPr/>
+        </p:nvCxnSpPr>
+        <p:spPr>
+          <a:xfrm>
+            <a:off x="3730876" y="4093494"/>
+            <a:ext cx="5958" cy="346966"/>
+          </a:xfrm>
+          <a:prstGeom prst="straightConnector1">
+            <a:avLst/>
+          </a:prstGeom>
+          <a:noFill/>
+          <a:ln w="12700" cap="flat" cmpd="sng" algn="ctr">
+            <a:solidFill>
+              <a:srgbClr val="000000"/>
+            </a:solidFill>
+            <a:prstDash val="solid"/>
+            <a:headEnd type="none" w="med" len="med"/>
+            <a:tailEnd type="arrow" w="med" len="med"/>
+          </a:ln>
+          <a:effectLst/>
+        </p:spPr>
+      </p:cxnSp>
+      <p:sp>
+        <p:nvSpPr>
+          <p:cNvPr id="126" name="Rectangle 125">
+            <a:extLst>
+              <a:ext uri="{FF2B5EF4-FFF2-40B4-BE49-F238E27FC236}">
+                <a16:creationId xmlns:a16="http://schemas.microsoft.com/office/drawing/2014/main" id="{3BB61A9D-3B92-4D98-9933-11FCB4BB2EED}"/>
+              </a:ext>
+            </a:extLst>
+          </p:cNvPr>
+          <p:cNvSpPr/>
+          <p:nvPr/>
+        </p:nvSpPr>
+        <p:spPr>
+          <a:xfrm>
+            <a:off x="1832512" y="4438649"/>
+            <a:ext cx="1126680" cy="557779"/>
+          </a:xfrm>
+          <a:prstGeom prst="rect">
+            <a:avLst/>
+          </a:prstGeom>
+          <a:solidFill>
+            <a:srgbClr val="D6EDBD"/>
+          </a:solidFill>
+          <a:ln w="12700" cap="flat" cmpd="sng" algn="ctr">
+            <a:solidFill>
+              <a:srgbClr val="000000"/>
+            </a:solidFill>
+            <a:prstDash val="solid"/>
+          </a:ln>
+          <a:effectLst/>
+        </p:spPr>
+        <p:txBody>
+          <a:bodyPr lIns="0" rIns="0" rtlCol="0" anchor="t"/>
+          <a:lstStyle/>
+          <a:p>
+            <a:pPr marL="0" marR="0" lvl="0" indent="0" algn="ctr" defTabSz="914400" eaLnBrk="1" fontAlgn="auto" latinLnBrk="0" hangingPunct="1">
+              <a:lnSpc>
+                <a:spcPct val="100000"/>
+              </a:lnSpc>
+              <a:spcBef>
+                <a:spcPts val="0"/>
+              </a:spcBef>
+              <a:spcAft>
+                <a:spcPts val="0"/>
+              </a:spcAft>
+              <a:buClrTx/>
+              <a:buSzTx/>
+              <a:buFontTx/>
+              <a:buNone/>
+              <a:tabLst/>
+              <a:defRPr/>
+            </a:pPr>
+            <a:r>
+              <a:rPr kumimoji="0" lang="en-US" sz="1200" b="0" i="0" u="none" strike="noStrike" kern="0" cap="none" spc="0" normalizeH="0" baseline="0" noProof="0" dirty="0">
+                <a:ln>
+                  <a:noFill/>
+                </a:ln>
+                <a:solidFill>
+                  <a:srgbClr val="000000"/>
+                </a:solidFill>
+                <a:effectLst/>
+                <a:uLnTx/>
+                <a:uFillTx/>
+                <a:latin typeface="Arial" panose="020B0604020202020204"/>
+                <a:ea typeface="+mn-ea"/>
+                <a:cs typeface="+mn-cs"/>
+              </a:rPr>
+              <a:t>Pre-verified code (seL4)</a:t>
+            </a:r>
+          </a:p>
+        </p:txBody>
+      </p:sp>
+      <p:cxnSp>
+        <p:nvCxnSpPr>
+          <p:cNvPr id="128" name="Connector: Elbow 127">
+            <a:extLst>
+              <a:ext uri="{FF2B5EF4-FFF2-40B4-BE49-F238E27FC236}">
+                <a16:creationId xmlns:a16="http://schemas.microsoft.com/office/drawing/2014/main" id="{8B7B7870-B6E7-45C2-BB03-FA81926EB055}"/>
+              </a:ext>
+            </a:extLst>
+          </p:cNvPr>
+          <p:cNvCxnSpPr>
+            <a:cxnSpLocks/>
+            <a:stCxn id="61" idx="3"/>
+            <a:endCxn id="71" idx="3"/>
+          </p:cNvCxnSpPr>
+          <p:nvPr/>
+        </p:nvCxnSpPr>
+        <p:spPr>
+          <a:xfrm flipH="1">
+            <a:off x="8290275" y="1636764"/>
+            <a:ext cx="598008" cy="2122879"/>
+          </a:xfrm>
+          <a:prstGeom prst="bentConnector3">
+            <a:avLst>
+              <a:gd name="adj1" fmla="val -95567"/>
+            </a:avLst>
+          </a:prstGeom>
+          <a:noFill/>
+          <a:ln w="12700" cap="flat" cmpd="sng" algn="ctr">
+            <a:solidFill>
+              <a:srgbClr val="000000"/>
+            </a:solidFill>
+            <a:prstDash val="solid"/>
+            <a:headEnd type="none" w="med" len="med"/>
+            <a:tailEnd type="arrow" w="med" len="med"/>
+          </a:ln>
+          <a:effectLst/>
+        </p:spPr>
+      </p:cxnSp>
+      <p:cxnSp>
+        <p:nvCxnSpPr>
+          <p:cNvPr id="142" name="Straight Arrow Connector 141">
+            <a:extLst>
+              <a:ext uri="{FF2B5EF4-FFF2-40B4-BE49-F238E27FC236}">
+                <a16:creationId xmlns:a16="http://schemas.microsoft.com/office/drawing/2014/main" id="{69826064-40DE-482F-84A5-76BC2CDB7267}"/>
+              </a:ext>
+            </a:extLst>
+          </p:cNvPr>
+          <p:cNvCxnSpPr>
+            <a:cxnSpLocks/>
+            <a:stCxn id="126" idx="3"/>
+            <a:endCxn id="89" idx="1"/>
+          </p:cNvCxnSpPr>
+          <p:nvPr/>
+        </p:nvCxnSpPr>
+        <p:spPr>
+          <a:xfrm>
+            <a:off x="2959192" y="4717539"/>
+            <a:ext cx="254813" cy="1810"/>
+          </a:xfrm>
+          <a:prstGeom prst="straightConnector1">
+            <a:avLst/>
+          </a:prstGeom>
+          <a:noFill/>
+          <a:ln w="12700" cap="flat" cmpd="sng" algn="ctr">
+            <a:solidFill>
+              <a:srgbClr val="000000"/>
+            </a:solidFill>
+            <a:prstDash val="solid"/>
+            <a:headEnd type="none" w="med" len="med"/>
+            <a:tailEnd type="arrow" w="med" len="med"/>
+          </a:ln>
+          <a:effectLst/>
+        </p:spPr>
+      </p:cxnSp>
+      <p:cxnSp>
+        <p:nvCxnSpPr>
+          <p:cNvPr id="168" name="Straight Arrow Connector 167">
+            <a:extLst>
+              <a:ext uri="{FF2B5EF4-FFF2-40B4-BE49-F238E27FC236}">
+                <a16:creationId xmlns:a16="http://schemas.microsoft.com/office/drawing/2014/main" id="{BE47D892-871D-4EDB-B82A-1AC457583D62}"/>
+              </a:ext>
+            </a:extLst>
+          </p:cNvPr>
+          <p:cNvCxnSpPr>
+            <a:cxnSpLocks/>
+            <a:endCxn id="66" idx="0"/>
+          </p:cNvCxnSpPr>
+          <p:nvPr/>
+        </p:nvCxnSpPr>
+        <p:spPr>
+          <a:xfrm>
+            <a:off x="7886670" y="1875191"/>
+            <a:ext cx="0" cy="235976"/>
+          </a:xfrm>
+          <a:prstGeom prst="straightConnector1">
+            <a:avLst/>
+          </a:prstGeom>
+          <a:noFill/>
+          <a:ln w="12700" cap="flat" cmpd="sng" algn="ctr">
+            <a:solidFill>
+              <a:srgbClr val="000000"/>
+            </a:solidFill>
+            <a:prstDash val="solid"/>
+            <a:headEnd type="none" w="med" len="med"/>
+            <a:tailEnd type="arrow" w="med" len="med"/>
+          </a:ln>
+          <a:effectLst/>
+        </p:spPr>
+      </p:cxnSp>
+      <p:sp>
+        <p:nvSpPr>
+          <p:cNvPr id="170" name="Rectangle 169">
+            <a:extLst>
+              <a:ext uri="{FF2B5EF4-FFF2-40B4-BE49-F238E27FC236}">
+                <a16:creationId xmlns:a16="http://schemas.microsoft.com/office/drawing/2014/main" id="{30A626FF-AF98-4F99-BBB9-6CB9987F2124}"/>
+              </a:ext>
+            </a:extLst>
+          </p:cNvPr>
+          <p:cNvSpPr/>
+          <p:nvPr/>
+        </p:nvSpPr>
+        <p:spPr>
+          <a:xfrm>
+            <a:off x="4619090" y="3415856"/>
+            <a:ext cx="1129455" cy="687574"/>
+          </a:xfrm>
+          <a:prstGeom prst="rect">
+            <a:avLst/>
+          </a:prstGeom>
+          <a:noFill/>
+          <a:ln w="12700" cap="flat" cmpd="sng" algn="ctr">
+            <a:solidFill>
+              <a:srgbClr val="000000"/>
+            </a:solidFill>
+            <a:prstDash val="solid"/>
+          </a:ln>
+          <a:effectLst/>
+        </p:spPr>
+        <p:txBody>
+          <a:bodyPr lIns="0" rIns="0" rtlCol="0" anchor="t"/>
+          <a:lstStyle/>
+          <a:p>
+            <a:pPr marL="0" marR="0" lvl="0" indent="0" algn="ctr" defTabSz="914400" eaLnBrk="1" fontAlgn="auto" latinLnBrk="0" hangingPunct="1">
+              <a:lnSpc>
+                <a:spcPct val="100000"/>
+              </a:lnSpc>
+              <a:spcBef>
+                <a:spcPts val="0"/>
+              </a:spcBef>
+              <a:spcAft>
+                <a:spcPts val="0"/>
+              </a:spcAft>
+              <a:buClrTx/>
+              <a:buSzTx/>
+              <a:buFontTx/>
+              <a:buNone/>
+              <a:tabLst/>
+              <a:defRPr/>
+            </a:pPr>
+            <a:r>
+              <a:rPr kumimoji="0" lang="en-US" sz="1200" b="0" i="0" u="none" strike="noStrike" kern="0" cap="none" spc="0" normalizeH="0" baseline="0" noProof="0" dirty="0" err="1">
+                <a:ln>
+                  <a:noFill/>
+                </a:ln>
+                <a:solidFill>
+                  <a:srgbClr val="000000"/>
+                </a:solidFill>
+                <a:effectLst/>
+                <a:uLnTx/>
+                <a:uFillTx/>
+                <a:latin typeface="Arial" panose="020B0604020202020204"/>
+                <a:ea typeface="+mn-ea"/>
+                <a:cs typeface="+mn-cs"/>
+              </a:rPr>
+              <a:t>CAmkES</a:t>
+            </a:r>
+            <a:r>
+              <a:rPr kumimoji="0" lang="en-US" sz="1200" b="0" i="0" u="none" strike="noStrike" kern="0" cap="none" spc="0" normalizeH="0" baseline="0" noProof="0" dirty="0">
+                <a:ln>
+                  <a:noFill/>
+                </a:ln>
+                <a:solidFill>
+                  <a:srgbClr val="000000"/>
+                </a:solidFill>
+                <a:effectLst/>
+                <a:uLnTx/>
+                <a:uFillTx/>
+                <a:latin typeface="Arial" panose="020B0604020202020204"/>
+                <a:ea typeface="+mn-ea"/>
+                <a:cs typeface="+mn-cs"/>
+              </a:rPr>
+              <a:t> </a:t>
+            </a:r>
+          </a:p>
+          <a:p>
+            <a:pPr marL="0" marR="0" lvl="0" indent="0" algn="ctr" defTabSz="914400" eaLnBrk="1" fontAlgn="auto" latinLnBrk="0" hangingPunct="1">
+              <a:lnSpc>
+                <a:spcPct val="100000"/>
+              </a:lnSpc>
+              <a:spcBef>
+                <a:spcPts val="0"/>
+              </a:spcBef>
+              <a:spcAft>
+                <a:spcPts val="0"/>
+              </a:spcAft>
+              <a:buClrTx/>
+              <a:buSzTx/>
+              <a:buFontTx/>
+              <a:buNone/>
+              <a:tabLst/>
+              <a:defRPr/>
+            </a:pPr>
+            <a:r>
+              <a:rPr kumimoji="0" lang="en-US" sz="1200" b="0" i="0" u="none" strike="noStrike" kern="0" cap="none" spc="0" normalizeH="0" baseline="0" noProof="0" dirty="0">
+                <a:ln>
+                  <a:noFill/>
+                </a:ln>
+                <a:solidFill>
+                  <a:srgbClr val="000000"/>
+                </a:solidFill>
+                <a:effectLst/>
+                <a:uLnTx/>
+                <a:uFillTx/>
+                <a:latin typeface="Arial" panose="020B0604020202020204"/>
+                <a:ea typeface="+mn-ea"/>
+                <a:cs typeface="+mn-cs"/>
+              </a:rPr>
+              <a:t>config files</a:t>
+            </a:r>
+          </a:p>
+        </p:txBody>
+      </p:sp>
+      <p:cxnSp>
+        <p:nvCxnSpPr>
+          <p:cNvPr id="177" name="Straight Arrow Connector 176">
+            <a:extLst>
+              <a:ext uri="{FF2B5EF4-FFF2-40B4-BE49-F238E27FC236}">
+                <a16:creationId xmlns:a16="http://schemas.microsoft.com/office/drawing/2014/main" id="{9D223902-46F5-4E76-AC3D-7235EF9BD2AE}"/>
+              </a:ext>
+            </a:extLst>
+          </p:cNvPr>
+          <p:cNvCxnSpPr>
+            <a:cxnSpLocks/>
+            <a:stCxn id="62" idx="2"/>
+            <a:endCxn id="170" idx="0"/>
+          </p:cNvCxnSpPr>
+          <p:nvPr/>
+        </p:nvCxnSpPr>
+        <p:spPr>
+          <a:xfrm>
+            <a:off x="3733210" y="2774844"/>
+            <a:ext cx="1450608" cy="641012"/>
+          </a:xfrm>
+          <a:prstGeom prst="straightConnector1">
+            <a:avLst/>
+          </a:prstGeom>
+          <a:noFill/>
+          <a:ln w="12700" cap="flat" cmpd="sng" algn="ctr">
+            <a:solidFill>
+              <a:srgbClr val="000000"/>
+            </a:solidFill>
+            <a:prstDash val="solid"/>
+            <a:headEnd type="none" w="med" len="med"/>
+            <a:tailEnd type="arrow" w="med" len="med"/>
+          </a:ln>
+          <a:effectLst/>
+        </p:spPr>
+      </p:cxnSp>
+      <p:cxnSp>
+        <p:nvCxnSpPr>
+          <p:cNvPr id="195" name="Straight Arrow Connector 194">
+            <a:extLst>
+              <a:ext uri="{FF2B5EF4-FFF2-40B4-BE49-F238E27FC236}">
+                <a16:creationId xmlns:a16="http://schemas.microsoft.com/office/drawing/2014/main" id="{2DA5AFC0-A729-447E-8E21-E66C913343E6}"/>
+              </a:ext>
+            </a:extLst>
+          </p:cNvPr>
+          <p:cNvCxnSpPr>
+            <a:cxnSpLocks/>
+            <a:stCxn id="66" idx="3"/>
+            <a:endCxn id="256" idx="1"/>
+          </p:cNvCxnSpPr>
+          <p:nvPr/>
+        </p:nvCxnSpPr>
+        <p:spPr>
+          <a:xfrm flipV="1">
+            <a:off x="8234814" y="2438201"/>
+            <a:ext cx="229183" cy="2399"/>
+          </a:xfrm>
+          <a:prstGeom prst="straightConnector1">
+            <a:avLst/>
+          </a:prstGeom>
+          <a:noFill/>
+          <a:ln w="12700" cap="flat" cmpd="sng" algn="ctr">
+            <a:solidFill>
+              <a:srgbClr val="000000"/>
+            </a:solidFill>
+            <a:prstDash val="solid"/>
+            <a:headEnd type="none" w="med" len="med"/>
+            <a:tailEnd type="arrow" w="med" len="med"/>
+          </a:ln>
+          <a:effectLst/>
+        </p:spPr>
+      </p:cxnSp>
+      <p:cxnSp>
+        <p:nvCxnSpPr>
+          <p:cNvPr id="216" name="Straight Arrow Connector 215">
+            <a:extLst>
+              <a:ext uri="{FF2B5EF4-FFF2-40B4-BE49-F238E27FC236}">
+                <a16:creationId xmlns:a16="http://schemas.microsoft.com/office/drawing/2014/main" id="{07090243-E285-458A-A5E3-2655E273C41D}"/>
+              </a:ext>
+            </a:extLst>
+          </p:cNvPr>
+          <p:cNvCxnSpPr>
+            <a:cxnSpLocks/>
+            <a:stCxn id="170" idx="2"/>
+            <a:endCxn id="82" idx="0"/>
+          </p:cNvCxnSpPr>
+          <p:nvPr/>
+        </p:nvCxnSpPr>
+        <p:spPr>
+          <a:xfrm>
+            <a:off x="5183818" y="4103430"/>
+            <a:ext cx="0" cy="337030"/>
+          </a:xfrm>
+          <a:prstGeom prst="straightConnector1">
+            <a:avLst/>
+          </a:prstGeom>
+          <a:noFill/>
+          <a:ln w="12700" cap="flat" cmpd="sng" algn="ctr">
+            <a:solidFill>
+              <a:srgbClr val="000000"/>
+            </a:solidFill>
+            <a:prstDash val="solid"/>
+            <a:headEnd type="none" w="med" len="med"/>
+            <a:tailEnd type="arrow" w="med" len="med"/>
+          </a:ln>
+          <a:effectLst/>
+        </p:spPr>
+      </p:cxnSp>
+      <p:sp>
+        <p:nvSpPr>
+          <p:cNvPr id="256" name="Rectangle: Folded Corner 255">
+            <a:extLst>
+              <a:ext uri="{FF2B5EF4-FFF2-40B4-BE49-F238E27FC236}">
+                <a16:creationId xmlns:a16="http://schemas.microsoft.com/office/drawing/2014/main" id="{EAAF9A9E-E074-41F2-B466-63E9B4929F4B}"/>
+              </a:ext>
+            </a:extLst>
+          </p:cNvPr>
+          <p:cNvSpPr/>
+          <p:nvPr/>
+        </p:nvSpPr>
+        <p:spPr>
+          <a:xfrm>
+            <a:off x="8463997" y="2105330"/>
+            <a:ext cx="840177" cy="665741"/>
+          </a:xfrm>
+          <a:prstGeom prst="foldedCorner">
+            <a:avLst/>
+          </a:prstGeom>
+          <a:solidFill>
+            <a:srgbClr val="D6EDBD"/>
+          </a:solidFill>
+          <a:ln w="12700" cap="flat" cmpd="sng" algn="ctr">
+            <a:solidFill>
+              <a:srgbClr val="000000"/>
+            </a:solidFill>
+            <a:prstDash val="solid"/>
+          </a:ln>
+          <a:effectLst/>
+        </p:spPr>
+        <p:txBody>
+          <a:bodyPr lIns="0" rIns="0" rtlCol="0" anchor="t"/>
+          <a:lstStyle/>
+          <a:p>
+            <a:pPr algn="ctr"/>
+            <a:r>
+              <a:rPr lang="en-US" sz="1200" kern="0" dirty="0">
+                <a:solidFill>
+                  <a:srgbClr val="000000"/>
+                </a:solidFill>
+                <a:latin typeface="Arial" panose="020B0604020202020204"/>
+              </a:rPr>
+              <a:t>Assurance Case</a:t>
+            </a:r>
+          </a:p>
+        </p:txBody>
+      </p:sp>
+      <p:sp>
+        <p:nvSpPr>
+          <p:cNvPr id="270" name="Rounded Rectangle 6">
+            <a:extLst>
+              <a:ext uri="{FF2B5EF4-FFF2-40B4-BE49-F238E27FC236}">
+                <a16:creationId xmlns:a16="http://schemas.microsoft.com/office/drawing/2014/main" id="{D166B131-0F5D-4F9D-8AD5-57F87C152A61}"/>
+              </a:ext>
+            </a:extLst>
+          </p:cNvPr>
+          <p:cNvSpPr/>
+          <p:nvPr/>
+        </p:nvSpPr>
+        <p:spPr>
+          <a:xfrm>
+            <a:off x="2379059" y="2111168"/>
+            <a:ext cx="845296" cy="663676"/>
+          </a:xfrm>
+          <a:prstGeom prst="roundRect">
+            <a:avLst>
+              <a:gd name="adj" fmla="val 13390"/>
+            </a:avLst>
+          </a:prstGeom>
+          <a:solidFill>
+            <a:srgbClr val="D6EDBD"/>
+          </a:solidFill>
+          <a:ln w="12700" cap="flat" cmpd="sng" algn="ctr">
+            <a:solidFill>
+              <a:srgbClr val="000000"/>
+            </a:solidFill>
+            <a:prstDash val="solid"/>
+          </a:ln>
+          <a:effectLst/>
+        </p:spPr>
+        <p:txBody>
+          <a:bodyPr rtlCol="0" anchor="t"/>
+          <a:lstStyle/>
+          <a:p>
+            <a:pPr marL="0" marR="0" lvl="0" indent="0" algn="ctr" defTabSz="914400" eaLnBrk="1" fontAlgn="auto" latinLnBrk="0" hangingPunct="1">
+              <a:lnSpc>
+                <a:spcPct val="100000"/>
+              </a:lnSpc>
+              <a:spcBef>
+                <a:spcPts val="0"/>
+              </a:spcBef>
+              <a:spcAft>
+                <a:spcPts val="0"/>
+              </a:spcAft>
+              <a:buClrTx/>
+              <a:buSzTx/>
+              <a:buFontTx/>
+              <a:buNone/>
+              <a:tabLst/>
+              <a:defRPr/>
+            </a:pPr>
+            <a:r>
+              <a:rPr kumimoji="0" lang="en-US" sz="1200" b="0" i="0" u="none" strike="noStrike" kern="0" cap="none" spc="0" normalizeH="0" baseline="0" noProof="0" dirty="0" err="1">
+                <a:ln>
+                  <a:noFill/>
+                </a:ln>
+                <a:solidFill>
+                  <a:srgbClr val="000000"/>
+                </a:solidFill>
+                <a:effectLst/>
+                <a:uLnTx/>
+                <a:uFillTx/>
+                <a:latin typeface="Arial" panose="020B0604020202020204"/>
+                <a:ea typeface="+mn-ea"/>
+                <a:cs typeface="+mn-cs"/>
+              </a:rPr>
+              <a:t>Awas</a:t>
+            </a:r>
+            <a:r>
+              <a:rPr kumimoji="0" lang="en-US" sz="1200" b="0" i="0" u="none" strike="noStrike" kern="0" cap="none" spc="0" normalizeH="0" baseline="0" noProof="0" dirty="0">
+                <a:ln>
+                  <a:noFill/>
+                </a:ln>
+                <a:solidFill>
+                  <a:srgbClr val="000000"/>
+                </a:solidFill>
+                <a:effectLst/>
+                <a:uLnTx/>
+                <a:uFillTx/>
+                <a:latin typeface="Arial" panose="020B0604020202020204"/>
+                <a:ea typeface="+mn-ea"/>
+                <a:cs typeface="+mn-cs"/>
+              </a:rPr>
+              <a:t> Info Flow</a:t>
+            </a:r>
+          </a:p>
+        </p:txBody>
+      </p:sp>
+      <p:cxnSp>
+        <p:nvCxnSpPr>
+          <p:cNvPr id="271" name="Straight Arrow Connector 270">
+            <a:extLst>
+              <a:ext uri="{FF2B5EF4-FFF2-40B4-BE49-F238E27FC236}">
+                <a16:creationId xmlns:a16="http://schemas.microsoft.com/office/drawing/2014/main" id="{57772B12-8077-415D-A2BF-8F0438032C56}"/>
+              </a:ext>
+            </a:extLst>
+          </p:cNvPr>
+          <p:cNvCxnSpPr>
+            <a:cxnSpLocks/>
+            <a:endCxn id="270" idx="0"/>
+          </p:cNvCxnSpPr>
+          <p:nvPr/>
+        </p:nvCxnSpPr>
+        <p:spPr>
+          <a:xfrm>
+            <a:off x="2801707" y="1875191"/>
+            <a:ext cx="0" cy="235977"/>
+          </a:xfrm>
+          <a:prstGeom prst="straightConnector1">
+            <a:avLst/>
+          </a:prstGeom>
+          <a:noFill/>
+          <a:ln w="12700" cap="flat" cmpd="sng" algn="ctr">
+            <a:solidFill>
+              <a:srgbClr val="000000"/>
+            </a:solidFill>
+            <a:prstDash val="solid"/>
+            <a:headEnd type="none" w="med" len="med"/>
+            <a:tailEnd type="arrow" w="med" len="med"/>
+          </a:ln>
+          <a:effectLst/>
+        </p:spPr>
+      </p:cxnSp>
+      <p:cxnSp>
+        <p:nvCxnSpPr>
+          <p:cNvPr id="272" name="Straight Arrow Connector 271">
+            <a:extLst>
+              <a:ext uri="{FF2B5EF4-FFF2-40B4-BE49-F238E27FC236}">
+                <a16:creationId xmlns:a16="http://schemas.microsoft.com/office/drawing/2014/main" id="{D4255AA1-0514-46DE-B422-442C29A740B1}"/>
+              </a:ext>
+            </a:extLst>
+          </p:cNvPr>
+          <p:cNvCxnSpPr/>
+          <p:nvPr/>
+        </p:nvCxnSpPr>
+        <p:spPr>
+          <a:xfrm>
+            <a:off x="5067878" y="1870007"/>
+            <a:ext cx="0" cy="238430"/>
+          </a:xfrm>
+          <a:prstGeom prst="straightConnector1">
+            <a:avLst/>
+          </a:prstGeom>
+          <a:noFill/>
+          <a:ln w="12700" cap="flat" cmpd="sng" algn="ctr">
+            <a:solidFill>
+              <a:srgbClr val="000000"/>
+            </a:solidFill>
+            <a:prstDash val="solid"/>
+            <a:headEnd type="arrow" w="med" len="med"/>
+            <a:tailEnd type="none" w="med" len="med"/>
+          </a:ln>
+          <a:effectLst/>
+        </p:spPr>
+      </p:cxnSp>
+      <p:cxnSp>
+        <p:nvCxnSpPr>
+          <p:cNvPr id="277" name="Straight Arrow Connector 276">
+            <a:extLst>
+              <a:ext uri="{FF2B5EF4-FFF2-40B4-BE49-F238E27FC236}">
+                <a16:creationId xmlns:a16="http://schemas.microsoft.com/office/drawing/2014/main" id="{FFADDA0C-0172-4B6D-98D6-8C009B0D7DAD}"/>
+              </a:ext>
+            </a:extLst>
+          </p:cNvPr>
+          <p:cNvCxnSpPr>
+            <a:cxnSpLocks/>
+            <a:stCxn id="65" idx="3"/>
+            <a:endCxn id="66" idx="1"/>
+          </p:cNvCxnSpPr>
+          <p:nvPr/>
+        </p:nvCxnSpPr>
+        <p:spPr>
+          <a:xfrm>
+            <a:off x="7329305" y="2440600"/>
+            <a:ext cx="209221" cy="0"/>
+          </a:xfrm>
+          <a:prstGeom prst="straightConnector1">
+            <a:avLst/>
+          </a:prstGeom>
+          <a:noFill/>
+          <a:ln w="12700" cap="flat" cmpd="sng" algn="ctr">
+            <a:solidFill>
+              <a:srgbClr val="000000"/>
+            </a:solidFill>
+            <a:prstDash val="solid"/>
+            <a:headEnd type="none" w="med" len="med"/>
+            <a:tailEnd type="arrow" w="med" len="med"/>
+          </a:ln>
+          <a:effectLst/>
+        </p:spPr>
+      </p:cxnSp>
+      <p:sp>
+        <p:nvSpPr>
+          <p:cNvPr id="74" name="Rounded Rectangle 3">
+            <a:extLst>
+              <a:ext uri="{FF2B5EF4-FFF2-40B4-BE49-F238E27FC236}">
+                <a16:creationId xmlns:a16="http://schemas.microsoft.com/office/drawing/2014/main" id="{6F091CDF-5D23-4F37-89DE-6FAC33B4C054}"/>
+              </a:ext>
+            </a:extLst>
+          </p:cNvPr>
+          <p:cNvSpPr/>
+          <p:nvPr/>
+        </p:nvSpPr>
+        <p:spPr>
+          <a:xfrm>
+            <a:off x="1356994" y="3046145"/>
+            <a:ext cx="8314720" cy="2117660"/>
+          </a:xfrm>
+          <a:prstGeom prst="roundRect">
+            <a:avLst>
+              <a:gd name="adj" fmla="val 6667"/>
+            </a:avLst>
+          </a:prstGeom>
+          <a:noFill/>
+          <a:ln w="12700" cap="flat" cmpd="sng" algn="ctr">
+            <a:solidFill>
+              <a:srgbClr val="000000"/>
+            </a:solidFill>
+            <a:prstDash val="dash"/>
+          </a:ln>
+          <a:effectLst/>
+        </p:spPr>
+        <p:txBody>
+          <a:bodyPr rtlCol="0" anchor="t"/>
+          <a:lstStyle/>
+          <a:p>
+            <a:pPr marL="0" marR="0" lvl="0" indent="0" defTabSz="914400" eaLnBrk="1" fontAlgn="auto" latinLnBrk="0" hangingPunct="1">
+              <a:lnSpc>
+                <a:spcPct val="100000"/>
+              </a:lnSpc>
+              <a:spcBef>
+                <a:spcPts val="0"/>
+              </a:spcBef>
+              <a:spcAft>
+                <a:spcPts val="0"/>
+              </a:spcAft>
+              <a:buClrTx/>
+              <a:buSzTx/>
+              <a:buFontTx/>
+              <a:buNone/>
+              <a:tabLst/>
+              <a:defRPr/>
+            </a:pPr>
+            <a:r>
+              <a:rPr kumimoji="0" lang="en-US" sz="1200" b="0" i="0" u="none" strike="noStrike" kern="0" cap="none" spc="0" normalizeH="0" baseline="0" noProof="0" dirty="0">
+                <a:ln>
+                  <a:noFill/>
+                </a:ln>
+                <a:solidFill>
+                  <a:srgbClr val="000000"/>
+                </a:solidFill>
+                <a:effectLst/>
+                <a:uLnTx/>
+                <a:uFillTx/>
+                <a:latin typeface="Arial" panose="020B0604020202020204"/>
+                <a:ea typeface="+mn-ea"/>
+                <a:cs typeface="+mn-cs"/>
+              </a:rPr>
+              <a:t>BUILD ENVIRONMENT</a:t>
+            </a:r>
+          </a:p>
+        </p:txBody>
+      </p:sp>
+      <p:cxnSp>
+        <p:nvCxnSpPr>
+          <p:cNvPr id="75" name="Straight Arrow Connector 74">
+            <a:extLst>
+              <a:ext uri="{FF2B5EF4-FFF2-40B4-BE49-F238E27FC236}">
+                <a16:creationId xmlns:a16="http://schemas.microsoft.com/office/drawing/2014/main" id="{7699F29B-3BF0-4561-AADC-29ABA3E3ED7C}"/>
+              </a:ext>
+            </a:extLst>
+          </p:cNvPr>
+          <p:cNvCxnSpPr>
+            <a:cxnSpLocks/>
+            <a:endCxn id="66" idx="2"/>
+          </p:cNvCxnSpPr>
+          <p:nvPr/>
+        </p:nvCxnSpPr>
+        <p:spPr>
+          <a:xfrm flipV="1">
+            <a:off x="7886670" y="2770032"/>
+            <a:ext cx="0" cy="276114"/>
+          </a:xfrm>
+          <a:prstGeom prst="straightConnector1">
+            <a:avLst/>
+          </a:prstGeom>
+          <a:noFill/>
+          <a:ln w="12700" cap="flat" cmpd="sng" algn="ctr">
+            <a:solidFill>
+              <a:srgbClr val="000000"/>
+            </a:solidFill>
+            <a:prstDash val="solid"/>
+            <a:headEnd type="none" w="med" len="med"/>
+            <a:tailEnd type="arrow" w="med" len="med"/>
+          </a:ln>
+          <a:effectLst/>
+        </p:spPr>
+      </p:cxnSp>
+      <p:cxnSp>
+        <p:nvCxnSpPr>
+          <p:cNvPr id="49" name="Straight Arrow Connector 48">
+            <a:extLst>
+              <a:ext uri="{FF2B5EF4-FFF2-40B4-BE49-F238E27FC236}">
+                <a16:creationId xmlns:a16="http://schemas.microsoft.com/office/drawing/2014/main" id="{F60EEBB5-4858-4595-985F-4872A13E62F1}"/>
+              </a:ext>
+            </a:extLst>
+          </p:cNvPr>
+          <p:cNvCxnSpPr>
+            <a:cxnSpLocks/>
+            <a:stCxn id="107" idx="0"/>
+            <a:endCxn id="82" idx="2"/>
+          </p:cNvCxnSpPr>
+          <p:nvPr/>
+        </p:nvCxnSpPr>
+        <p:spPr>
+          <a:xfrm flipH="1" flipV="1">
+            <a:off x="5183818" y="4998238"/>
+            <a:ext cx="2033" cy="308443"/>
+          </a:xfrm>
+          <a:prstGeom prst="straightConnector1">
+            <a:avLst/>
+          </a:prstGeom>
+          <a:noFill/>
+          <a:ln w="12700" cap="flat" cmpd="sng" algn="ctr">
+            <a:solidFill>
+              <a:srgbClr val="000000"/>
+            </a:solidFill>
+            <a:prstDash val="solid"/>
+            <a:headEnd type="arrow" w="med" len="med"/>
+            <a:tailEnd type="none" w="med" len="med"/>
+          </a:ln>
+          <a:effectLst/>
+        </p:spPr>
+      </p:cxnSp>
+    </p:spTree>
+    <p:extLst>
+      <p:ext uri="{BB962C8B-B14F-4D97-AF65-F5344CB8AC3E}">
+        <p14:creationId xmlns:p14="http://schemas.microsoft.com/office/powerpoint/2010/main" val="64176578"/>
       </p:ext>
     </p:extLst>
   </p:cSld>
@@ -28164,7 +36234,7 @@
                   <a:ea typeface="+mn-ea"/>
                   <a:cs typeface="Arial" panose="020B0604020202020204" pitchFamily="34" charset="0"/>
                 </a:rPr>
-                <a:t>Change network topology to use Vision Processing Module (VPM) as secure gateway between lower assurance wireless network/components and rest of CAAS</a:t>
+                <a:t>Change network topology to use Video Processing Module (VPM) as secure gateway between lower assurance wireless network/components and rest of CAAS</a:t>
               </a:r>
             </a:p>
           </p:txBody>

--- a/figs/figures.pptx
+++ b/figs/figures.pptx
@@ -14,13 +14,14 @@
     <p:sldId id="438" r:id="rId8"/>
     <p:sldId id="439" r:id="rId9"/>
     <p:sldId id="440" r:id="rId10"/>
-    <p:sldId id="436" r:id="rId11"/>
-    <p:sldId id="437" r:id="rId12"/>
-    <p:sldId id="441" r:id="rId13"/>
-    <p:sldId id="442" r:id="rId14"/>
-    <p:sldId id="443" r:id="rId15"/>
-    <p:sldId id="444" r:id="rId16"/>
-    <p:sldId id="445" r:id="rId17"/>
+    <p:sldId id="446" r:id="rId11"/>
+    <p:sldId id="436" r:id="rId12"/>
+    <p:sldId id="437" r:id="rId13"/>
+    <p:sldId id="441" r:id="rId14"/>
+    <p:sldId id="442" r:id="rId15"/>
+    <p:sldId id="443" r:id="rId16"/>
+    <p:sldId id="444" r:id="rId17"/>
+    <p:sldId id="445" r:id="rId18"/>
   </p:sldIdLst>
   <p:sldSz cx="12192000" cy="6858000"/>
   <p:notesSz cx="6858000" cy="9144000"/>
@@ -9749,7 +9750,7 @@
           <a:p>
             <a:fld id="{5C6EBB67-6EE7-4C23-B985-43789AB9C88F}" type="datetimeFigureOut">
               <a:rPr lang="en-US" smtClean="0"/>
-              <a:t>1/30/2022</a:t>
+              <a:t>2/2/2022</a:t>
             </a:fld>
             <a:endParaRPr lang="en-US"/>
           </a:p>
@@ -10384,7 +10385,7 @@
           <a:p>
             <a:fld id="{DF8FEDC4-D0B3-4856-9A38-C1252647D9D9}" type="datetimeFigureOut">
               <a:rPr lang="en-US" smtClean="0"/>
-              <a:t>1/30/2022</a:t>
+              <a:t>2/2/2022</a:t>
             </a:fld>
             <a:endParaRPr lang="en-US"/>
           </a:p>
@@ -10582,7 +10583,7 @@
           <a:p>
             <a:fld id="{DF8FEDC4-D0B3-4856-9A38-C1252647D9D9}" type="datetimeFigureOut">
               <a:rPr lang="en-US" smtClean="0"/>
-              <a:t>1/30/2022</a:t>
+              <a:t>2/2/2022</a:t>
             </a:fld>
             <a:endParaRPr lang="en-US"/>
           </a:p>
@@ -10857,7 +10858,7 @@
           <a:p>
             <a:fld id="{DF8FEDC4-D0B3-4856-9A38-C1252647D9D9}" type="datetimeFigureOut">
               <a:rPr lang="en-US" smtClean="0"/>
-              <a:t>1/30/2022</a:t>
+              <a:t>2/2/2022</a:t>
             </a:fld>
             <a:endParaRPr lang="en-US"/>
           </a:p>
@@ -11122,7 +11123,7 @@
           <a:p>
             <a:fld id="{DF8FEDC4-D0B3-4856-9A38-C1252647D9D9}" type="datetimeFigureOut">
               <a:rPr lang="en-US" smtClean="0"/>
-              <a:t>1/30/2022</a:t>
+              <a:t>2/2/2022</a:t>
             </a:fld>
             <a:endParaRPr lang="en-US"/>
           </a:p>
@@ -11534,7 +11535,7 @@
           <a:p>
             <a:fld id="{DF8FEDC4-D0B3-4856-9A38-C1252647D9D9}" type="datetimeFigureOut">
               <a:rPr lang="en-US" smtClean="0"/>
-              <a:t>1/30/2022</a:t>
+              <a:t>2/2/2022</a:t>
             </a:fld>
             <a:endParaRPr lang="en-US"/>
           </a:p>
@@ -11675,7 +11676,7 @@
           <a:p>
             <a:fld id="{DF8FEDC4-D0B3-4856-9A38-C1252647D9D9}" type="datetimeFigureOut">
               <a:rPr lang="en-US" smtClean="0"/>
-              <a:t>1/30/2022</a:t>
+              <a:t>2/2/2022</a:t>
             </a:fld>
             <a:endParaRPr lang="en-US"/>
           </a:p>
@@ -11921,7 +11922,7 @@
           <a:p>
             <a:fld id="{DF8FEDC4-D0B3-4856-9A38-C1252647D9D9}" type="datetimeFigureOut">
               <a:rPr lang="en-US" smtClean="0"/>
-              <a:t>1/30/2022</a:t>
+              <a:t>2/2/2022</a:t>
             </a:fld>
             <a:endParaRPr lang="en-US"/>
           </a:p>
@@ -12232,7 +12233,7 @@
           <a:p>
             <a:fld id="{DF8FEDC4-D0B3-4856-9A38-C1252647D9D9}" type="datetimeFigureOut">
               <a:rPr lang="en-US" smtClean="0"/>
-              <a:t>1/30/2022</a:t>
+              <a:t>2/2/2022</a:t>
             </a:fld>
             <a:endParaRPr lang="en-US"/>
           </a:p>
@@ -12520,7 +12521,7 @@
           <a:p>
             <a:fld id="{DF8FEDC4-D0B3-4856-9A38-C1252647D9D9}" type="datetimeFigureOut">
               <a:rPr lang="en-US" smtClean="0"/>
-              <a:t>1/30/2022</a:t>
+              <a:t>2/2/2022</a:t>
             </a:fld>
             <a:endParaRPr lang="en-US"/>
           </a:p>
@@ -12718,7 +12719,7 @@
           <a:p>
             <a:fld id="{DF8FEDC4-D0B3-4856-9A38-C1252647D9D9}" type="datetimeFigureOut">
               <a:rPr lang="en-US" smtClean="0"/>
-              <a:t>1/30/2022</a:t>
+              <a:t>2/2/2022</a:t>
             </a:fld>
             <a:endParaRPr lang="en-US"/>
           </a:p>
@@ -12926,7 +12927,7 @@
           <a:p>
             <a:fld id="{DF8FEDC4-D0B3-4856-9A38-C1252647D9D9}" type="datetimeFigureOut">
               <a:rPr lang="en-US" smtClean="0"/>
-              <a:t>1/30/2022</a:t>
+              <a:t>2/2/2022</a:t>
             </a:fld>
             <a:endParaRPr lang="en-US"/>
           </a:p>
@@ -17793,7 +17794,7 @@
           <a:p>
             <a:fld id="{DF8FEDC4-D0B3-4856-9A38-C1252647D9D9}" type="datetimeFigureOut">
               <a:rPr lang="en-US" smtClean="0"/>
-              <a:t>1/30/2022</a:t>
+              <a:t>2/2/2022</a:t>
             </a:fld>
             <a:endParaRPr lang="en-US"/>
           </a:p>
@@ -20053,6 +20054,434 @@
       </p:pic>
       <p:sp>
         <p:nvSpPr>
+          <p:cNvPr id="8" name="Arrow: Down 7">
+            <a:extLst>
+              <a:ext uri="{FF2B5EF4-FFF2-40B4-BE49-F238E27FC236}">
+                <a16:creationId xmlns:a16="http://schemas.microsoft.com/office/drawing/2014/main" id="{2C43146B-C46F-4A97-9945-E52665B23B7E}"/>
+              </a:ext>
+            </a:extLst>
+          </p:cNvPr>
+          <p:cNvSpPr/>
+          <p:nvPr/>
+        </p:nvSpPr>
+        <p:spPr>
+          <a:xfrm>
+            <a:off x="7715590" y="4838700"/>
+            <a:ext cx="165339" cy="491921"/>
+          </a:xfrm>
+          <a:prstGeom prst="downArrow">
+            <a:avLst>
+              <a:gd name="adj1" fmla="val 50000"/>
+              <a:gd name="adj2" fmla="val 52029"/>
+            </a:avLst>
+          </a:prstGeom>
+          <a:solidFill>
+            <a:srgbClr val="FF0000"/>
+          </a:solidFill>
+          <a:ln>
+            <a:noFill/>
+          </a:ln>
+        </p:spPr>
+        <p:style>
+          <a:lnRef idx="2">
+            <a:schemeClr val="accent1">
+              <a:shade val="50000"/>
+            </a:schemeClr>
+          </a:lnRef>
+          <a:fillRef idx="1">
+            <a:schemeClr val="accent1"/>
+          </a:fillRef>
+          <a:effectRef idx="0">
+            <a:schemeClr val="accent1"/>
+          </a:effectRef>
+          <a:fontRef idx="minor">
+            <a:schemeClr val="lt1"/>
+          </a:fontRef>
+        </p:style>
+        <p:txBody>
+          <a:bodyPr rtlCol="0" anchor="ctr"/>
+          <a:lstStyle/>
+          <a:p>
+            <a:pPr algn="ctr"/>
+            <a:endParaRPr lang="en-US"/>
+          </a:p>
+        </p:txBody>
+      </p:sp>
+      <p:sp>
+        <p:nvSpPr>
+          <p:cNvPr id="2" name="Rectangle 1">
+            <a:extLst>
+              <a:ext uri="{FF2B5EF4-FFF2-40B4-BE49-F238E27FC236}">
+                <a16:creationId xmlns:a16="http://schemas.microsoft.com/office/drawing/2014/main" id="{9A6AE1AE-87B9-4E1E-B831-8823F158BBE4}"/>
+              </a:ext>
+            </a:extLst>
+          </p:cNvPr>
+          <p:cNvSpPr/>
+          <p:nvPr/>
+        </p:nvSpPr>
+        <p:spPr>
+          <a:xfrm>
+            <a:off x="837610" y="295275"/>
+            <a:ext cx="9844677" cy="381000"/>
+          </a:xfrm>
+          <a:prstGeom prst="rect">
+            <a:avLst/>
+          </a:prstGeom>
+          <a:solidFill>
+            <a:schemeClr val="bg1">
+              <a:lumMod val="85000"/>
+            </a:schemeClr>
+          </a:solidFill>
+          <a:ln>
+            <a:noFill/>
+          </a:ln>
+        </p:spPr>
+        <p:style>
+          <a:lnRef idx="2">
+            <a:schemeClr val="accent1">
+              <a:shade val="50000"/>
+            </a:schemeClr>
+          </a:lnRef>
+          <a:fillRef idx="1">
+            <a:schemeClr val="accent1"/>
+          </a:fillRef>
+          <a:effectRef idx="0">
+            <a:schemeClr val="accent1"/>
+          </a:effectRef>
+          <a:fontRef idx="minor">
+            <a:schemeClr val="lt1"/>
+          </a:fontRef>
+        </p:style>
+        <p:txBody>
+          <a:bodyPr rtlCol="0" anchor="ctr"/>
+          <a:lstStyle/>
+          <a:p>
+            <a:r>
+              <a:rPr lang="en-US" sz="1600" dirty="0">
+                <a:solidFill>
+                  <a:schemeClr val="tx1"/>
+                </a:solidFill>
+              </a:rPr>
+              <a:t>How does map information propagate from Ground Station through UAV Mission Software to produce a waypoint?</a:t>
+            </a:r>
+          </a:p>
+        </p:txBody>
+      </p:sp>
+      <p:sp>
+        <p:nvSpPr>
+          <p:cNvPr id="4" name="Rectangle 3">
+            <a:extLst>
+              <a:ext uri="{FF2B5EF4-FFF2-40B4-BE49-F238E27FC236}">
+                <a16:creationId xmlns:a16="http://schemas.microsoft.com/office/drawing/2014/main" id="{45F72F0F-9410-46F9-9CA6-688B0CFC8477}"/>
+              </a:ext>
+            </a:extLst>
+          </p:cNvPr>
+          <p:cNvSpPr/>
+          <p:nvPr/>
+        </p:nvSpPr>
+        <p:spPr>
+          <a:xfrm>
+            <a:off x="952501" y="1685925"/>
+            <a:ext cx="2781299" cy="495300"/>
+          </a:xfrm>
+          <a:prstGeom prst="rect">
+            <a:avLst/>
+          </a:prstGeom>
+          <a:solidFill>
+            <a:srgbClr val="4F94CC"/>
+          </a:solidFill>
+          <a:ln>
+            <a:noFill/>
+          </a:ln>
+        </p:spPr>
+        <p:style>
+          <a:lnRef idx="2">
+            <a:schemeClr val="accent1">
+              <a:shade val="50000"/>
+            </a:schemeClr>
+          </a:lnRef>
+          <a:fillRef idx="1">
+            <a:schemeClr val="accent1"/>
+          </a:fillRef>
+          <a:effectRef idx="0">
+            <a:schemeClr val="accent1"/>
+          </a:effectRef>
+          <a:fontRef idx="minor">
+            <a:schemeClr val="lt1"/>
+          </a:fontRef>
+        </p:style>
+        <p:txBody>
+          <a:bodyPr rtlCol="0" anchor="ctr"/>
+          <a:lstStyle/>
+          <a:p>
+            <a:r>
+              <a:rPr lang="en-US" sz="1400" b="1" dirty="0">
+                <a:solidFill>
+                  <a:schemeClr val="bg1"/>
+                </a:solidFill>
+              </a:rPr>
+              <a:t>Compute “forward propagation” from GS “send_map” output port</a:t>
+            </a:r>
+          </a:p>
+        </p:txBody>
+      </p:sp>
+      <p:sp>
+        <p:nvSpPr>
+          <p:cNvPr id="7" name="Arrow: Down 6">
+            <a:extLst>
+              <a:ext uri="{FF2B5EF4-FFF2-40B4-BE49-F238E27FC236}">
+                <a16:creationId xmlns:a16="http://schemas.microsoft.com/office/drawing/2014/main" id="{38C53A7C-5A8A-4E3E-8ED6-F2FCF62C0CDC}"/>
+              </a:ext>
+            </a:extLst>
+          </p:cNvPr>
+          <p:cNvSpPr/>
+          <p:nvPr/>
+        </p:nvSpPr>
+        <p:spPr>
+          <a:xfrm rot="10800000">
+            <a:off x="7715591" y="3329023"/>
+            <a:ext cx="165339" cy="1195861"/>
+          </a:xfrm>
+          <a:prstGeom prst="downArrow">
+            <a:avLst>
+              <a:gd name="adj1" fmla="val 50000"/>
+              <a:gd name="adj2" fmla="val 52029"/>
+            </a:avLst>
+          </a:prstGeom>
+          <a:solidFill>
+            <a:srgbClr val="FF0000"/>
+          </a:solidFill>
+          <a:ln>
+            <a:noFill/>
+          </a:ln>
+        </p:spPr>
+        <p:style>
+          <a:lnRef idx="2">
+            <a:schemeClr val="accent1">
+              <a:shade val="50000"/>
+            </a:schemeClr>
+          </a:lnRef>
+          <a:fillRef idx="1">
+            <a:schemeClr val="accent1"/>
+          </a:fillRef>
+          <a:effectRef idx="0">
+            <a:schemeClr val="accent1"/>
+          </a:effectRef>
+          <a:fontRef idx="minor">
+            <a:schemeClr val="lt1"/>
+          </a:fontRef>
+        </p:style>
+        <p:txBody>
+          <a:bodyPr rtlCol="0" anchor="ctr"/>
+          <a:lstStyle/>
+          <a:p>
+            <a:pPr algn="ctr"/>
+            <a:endParaRPr lang="en-US"/>
+          </a:p>
+        </p:txBody>
+      </p:sp>
+      <p:sp>
+        <p:nvSpPr>
+          <p:cNvPr id="5" name="Rectangle 4">
+            <a:extLst>
+              <a:ext uri="{FF2B5EF4-FFF2-40B4-BE49-F238E27FC236}">
+                <a16:creationId xmlns:a16="http://schemas.microsoft.com/office/drawing/2014/main" id="{EEDAABC1-468F-4DB5-8ACE-3E2803630C39}"/>
+              </a:ext>
+            </a:extLst>
+          </p:cNvPr>
+          <p:cNvSpPr/>
+          <p:nvPr/>
+        </p:nvSpPr>
+        <p:spPr>
+          <a:xfrm>
+            <a:off x="7638869" y="4429125"/>
+            <a:ext cx="2848156" cy="495300"/>
+          </a:xfrm>
+          <a:prstGeom prst="rect">
+            <a:avLst/>
+          </a:prstGeom>
+          <a:solidFill>
+            <a:srgbClr val="FF0000"/>
+          </a:solidFill>
+          <a:ln>
+            <a:noFill/>
+          </a:ln>
+        </p:spPr>
+        <p:style>
+          <a:lnRef idx="2">
+            <a:schemeClr val="accent1">
+              <a:shade val="50000"/>
+            </a:schemeClr>
+          </a:lnRef>
+          <a:fillRef idx="1">
+            <a:schemeClr val="accent1"/>
+          </a:fillRef>
+          <a:effectRef idx="0">
+            <a:schemeClr val="accent1"/>
+          </a:effectRef>
+          <a:fontRef idx="minor">
+            <a:schemeClr val="lt1"/>
+          </a:fontRef>
+        </p:style>
+        <p:txBody>
+          <a:bodyPr rtlCol="0" anchor="ctr"/>
+          <a:lstStyle/>
+          <a:p>
+            <a:r>
+              <a:rPr lang="en-US" sz="1400" b="1" dirty="0">
+                <a:solidFill>
+                  <a:schemeClr val="bg1"/>
+                </a:solidFill>
+              </a:rPr>
+              <a:t>Resulting information flows displayed for different subsystems</a:t>
+            </a:r>
+          </a:p>
+        </p:txBody>
+      </p:sp>
+      <p:sp>
+        <p:nvSpPr>
+          <p:cNvPr id="3" name="Arrow: Down 2">
+            <a:extLst>
+              <a:ext uri="{FF2B5EF4-FFF2-40B4-BE49-F238E27FC236}">
+                <a16:creationId xmlns:a16="http://schemas.microsoft.com/office/drawing/2014/main" id="{5398BFF5-F9E6-49AB-8A46-B51FAD5B70C1}"/>
+              </a:ext>
+            </a:extLst>
+          </p:cNvPr>
+          <p:cNvSpPr/>
+          <p:nvPr/>
+        </p:nvSpPr>
+        <p:spPr>
+          <a:xfrm>
+            <a:off x="3429000" y="2152650"/>
+            <a:ext cx="190500" cy="552450"/>
+          </a:xfrm>
+          <a:prstGeom prst="downArrow">
+            <a:avLst/>
+          </a:prstGeom>
+          <a:solidFill>
+            <a:srgbClr val="4F94CC"/>
+          </a:solidFill>
+          <a:ln>
+            <a:noFill/>
+          </a:ln>
+        </p:spPr>
+        <p:style>
+          <a:lnRef idx="2">
+            <a:schemeClr val="accent1">
+              <a:shade val="50000"/>
+            </a:schemeClr>
+          </a:lnRef>
+          <a:fillRef idx="1">
+            <a:schemeClr val="accent1"/>
+          </a:fillRef>
+          <a:effectRef idx="0">
+            <a:schemeClr val="accent1"/>
+          </a:effectRef>
+          <a:fontRef idx="minor">
+            <a:schemeClr val="lt1"/>
+          </a:fontRef>
+        </p:style>
+        <p:txBody>
+          <a:bodyPr rtlCol="0" anchor="ctr"/>
+          <a:lstStyle/>
+          <a:p>
+            <a:pPr algn="ctr"/>
+            <a:endParaRPr lang="en-US"/>
+          </a:p>
+        </p:txBody>
+      </p:sp>
+    </p:spTree>
+    <p:extLst>
+      <p:ext uri="{BB962C8B-B14F-4D97-AF65-F5344CB8AC3E}">
+        <p14:creationId xmlns:p14="http://schemas.microsoft.com/office/powerpoint/2010/main" val="1307168581"/>
+      </p:ext>
+    </p:extLst>
+  </p:cSld>
+  <p:clrMapOvr>
+    <a:masterClrMapping/>
+  </p:clrMapOvr>
+</p:sld>
+</file>
+
+<file path=ppt/slides/slide11.xml><?xml version="1.0" encoding="utf-8"?>
+<p:sld xmlns:a="http://schemas.openxmlformats.org/drawingml/2006/main" xmlns:r="http://schemas.openxmlformats.org/officeDocument/2006/relationships" xmlns:p="http://schemas.openxmlformats.org/presentationml/2006/main">
+  <p:cSld>
+    <p:spTree>
+      <p:nvGrpSpPr>
+        <p:cNvPr id="1" name=""/>
+        <p:cNvGrpSpPr/>
+        <p:nvPr/>
+      </p:nvGrpSpPr>
+      <p:grpSpPr>
+        <a:xfrm>
+          <a:off x="0" y="0"/>
+          <a:ext cx="0" cy="0"/>
+          <a:chOff x="0" y="0"/>
+          <a:chExt cx="0" cy="0"/>
+        </a:xfrm>
+      </p:grpSpPr>
+      <p:pic>
+        <p:nvPicPr>
+          <p:cNvPr id="1026" name="32AF38A6-5F4A-40E4-BD5E-B2A2CE11100D">
+            <a:extLst>
+              <a:ext uri="{FF2B5EF4-FFF2-40B4-BE49-F238E27FC236}">
+                <a16:creationId xmlns:a16="http://schemas.microsoft.com/office/drawing/2014/main" id="{9AB57185-BD20-4B1E-9934-F9215A538A76}"/>
+              </a:ext>
+            </a:extLst>
+          </p:cNvPr>
+          <p:cNvPicPr>
+            <a:picLocks noChangeAspect="1" noChangeArrowheads="1"/>
+          </p:cNvPicPr>
+          <p:nvPr/>
+        </p:nvPicPr>
+        <p:blipFill>
+          <a:blip r:embed="rId2">
+            <a:extLst>
+              <a:ext uri="{28A0092B-C50C-407E-A947-70E740481C1C}">
+                <a14:useLocalDpi xmlns:a14="http://schemas.microsoft.com/office/drawing/2010/main" val="0"/>
+              </a:ext>
+            </a:extLst>
+          </a:blip>
+          <a:srcRect/>
+          <a:stretch>
+            <a:fillRect/>
+          </a:stretch>
+        </p:blipFill>
+        <p:spPr bwMode="auto">
+          <a:xfrm>
+            <a:off x="837611" y="733425"/>
+            <a:ext cx="9844677" cy="5900738"/>
+          </a:xfrm>
+          <a:prstGeom prst="rect">
+            <a:avLst/>
+          </a:prstGeom>
+          <a:noFill/>
+          <a:ln>
+            <a:noFill/>
+          </a:ln>
+          <a:extLst>
+            <a:ext uri="{909E8E84-426E-40DD-AFC4-6F175D3DCCD1}">
+              <a14:hiddenFill xmlns:a14="http://schemas.microsoft.com/office/drawing/2010/main">
+                <a:solidFill>
+                  <a:srgbClr val="FFFFFF"/>
+                </a:solidFill>
+              </a14:hiddenFill>
+            </a:ext>
+            <a:ext uri="{91240B29-F687-4F45-9708-019B960494DF}">
+              <a14:hiddenLine xmlns:a14="http://schemas.microsoft.com/office/drawing/2010/main" w="9525">
+                <a:solidFill>
+                  <a:srgbClr val="000000"/>
+                </a:solidFill>
+                <a:miter lim="800000"/>
+                <a:headEnd/>
+                <a:tailEnd/>
+              </a14:hiddenLine>
+            </a:ext>
+          </a:extLst>
+        </p:spPr>
+      </p:pic>
+      <p:sp>
+        <p:nvSpPr>
           <p:cNvPr id="2" name="Rectangle 1">
             <a:extLst>
               <a:ext uri="{FF2B5EF4-FFF2-40B4-BE49-F238E27FC236}">
@@ -20408,7 +20837,7 @@
 </p:sld>
 </file>
 
-<file path=ppt/slides/slide11.xml><?xml version="1.0" encoding="utf-8"?>
+<file path=ppt/slides/slide12.xml><?xml version="1.0" encoding="utf-8"?>
 <p:sld xmlns:a="http://schemas.openxmlformats.org/drawingml/2006/main" xmlns:r="http://schemas.openxmlformats.org/officeDocument/2006/relationships" xmlns:p="http://schemas.openxmlformats.org/presentationml/2006/main">
   <p:cSld>
     <p:spTree>
@@ -23811,7 +24240,7 @@
 </p:sld>
 </file>
 
-<file path=ppt/slides/slide12.xml><?xml version="1.0" encoding="utf-8"?>
+<file path=ppt/slides/slide13.xml><?xml version="1.0" encoding="utf-8"?>
 <p:sld xmlns:a="http://schemas.openxmlformats.org/drawingml/2006/main" xmlns:r="http://schemas.openxmlformats.org/officeDocument/2006/relationships" xmlns:p="http://schemas.openxmlformats.org/presentationml/2006/main">
   <p:cSld>
     <p:spTree>
@@ -26362,2685 +26791,6 @@
     <p:extLst>
       <p:ext uri="{BB962C8B-B14F-4D97-AF65-F5344CB8AC3E}">
         <p14:creationId xmlns:p14="http://schemas.microsoft.com/office/powerpoint/2010/main" val="1560974443"/>
-      </p:ext>
-    </p:extLst>
-  </p:cSld>
-  <p:clrMapOvr>
-    <a:masterClrMapping/>
-  </p:clrMapOvr>
-</p:sld>
-</file>
-
-<file path=ppt/slides/slide13.xml><?xml version="1.0" encoding="utf-8"?>
-<p:sld xmlns:a="http://schemas.openxmlformats.org/drawingml/2006/main" xmlns:r="http://schemas.openxmlformats.org/officeDocument/2006/relationships" xmlns:p="http://schemas.openxmlformats.org/presentationml/2006/main">
-  <p:cSld>
-    <p:spTree>
-      <p:nvGrpSpPr>
-        <p:cNvPr id="1" name=""/>
-        <p:cNvGrpSpPr/>
-        <p:nvPr/>
-      </p:nvGrpSpPr>
-      <p:grpSpPr>
-        <a:xfrm>
-          <a:off x="0" y="0"/>
-          <a:ext cx="0" cy="0"/>
-          <a:chOff x="0" y="0"/>
-          <a:chExt cx="0" cy="0"/>
-        </a:xfrm>
-      </p:grpSpPr>
-      <p:sp>
-        <p:nvSpPr>
-          <p:cNvPr id="60" name="Rounded Rectangle 3">
-            <a:extLst>
-              <a:ext uri="{FF2B5EF4-FFF2-40B4-BE49-F238E27FC236}">
-                <a16:creationId xmlns:a16="http://schemas.microsoft.com/office/drawing/2014/main" id="{FE624042-07D2-4DF4-9D60-2A9B441F1BE0}"/>
-              </a:ext>
-            </a:extLst>
-          </p:cNvPr>
-          <p:cNvSpPr/>
-          <p:nvPr/>
-        </p:nvSpPr>
-        <p:spPr>
-          <a:xfrm>
-            <a:off x="1356993" y="1243472"/>
-            <a:ext cx="8615682" cy="1681317"/>
-          </a:xfrm>
-          <a:prstGeom prst="roundRect">
-            <a:avLst>
-              <a:gd name="adj" fmla="val 6667"/>
-            </a:avLst>
-          </a:prstGeom>
-          <a:noFill/>
-          <a:ln w="12700" cap="flat" cmpd="sng" algn="ctr">
-            <a:solidFill>
-              <a:srgbClr val="000000"/>
-            </a:solidFill>
-            <a:prstDash val="dash"/>
-          </a:ln>
-          <a:effectLst/>
-        </p:spPr>
-        <p:txBody>
-          <a:bodyPr rtlCol="0" anchor="t"/>
-          <a:lstStyle/>
-          <a:p>
-            <a:pPr marL="0" marR="0" lvl="0" indent="0" defTabSz="914400" eaLnBrk="1" fontAlgn="auto" latinLnBrk="0" hangingPunct="1">
-              <a:lnSpc>
-                <a:spcPct val="100000"/>
-              </a:lnSpc>
-              <a:spcBef>
-                <a:spcPts val="0"/>
-              </a:spcBef>
-              <a:spcAft>
-                <a:spcPts val="0"/>
-              </a:spcAft>
-              <a:buClrTx/>
-              <a:buSzTx/>
-              <a:buFontTx/>
-              <a:buNone/>
-              <a:tabLst/>
-              <a:defRPr/>
-            </a:pPr>
-            <a:r>
-              <a:rPr kumimoji="0" lang="en-US" sz="1200" b="0" i="0" u="none" strike="noStrike" kern="0" cap="none" spc="0" normalizeH="0" baseline="0" noProof="0" dirty="0">
-                <a:ln>
-                  <a:noFill/>
-                </a:ln>
-                <a:solidFill>
-                  <a:srgbClr val="000000"/>
-                </a:solidFill>
-                <a:effectLst/>
-                <a:uLnTx/>
-                <a:uFillTx/>
-                <a:latin typeface="Arial" panose="020B0604020202020204"/>
-                <a:ea typeface="+mn-ea"/>
-                <a:cs typeface="+mn-cs"/>
-              </a:rPr>
-              <a:t>OSATE</a:t>
-            </a:r>
-          </a:p>
-          <a:p>
-            <a:pPr marL="0" marR="0" lvl="0" indent="0" defTabSz="914400" eaLnBrk="1" fontAlgn="auto" latinLnBrk="0" hangingPunct="1">
-              <a:lnSpc>
-                <a:spcPct val="100000"/>
-              </a:lnSpc>
-              <a:spcBef>
-                <a:spcPts val="0"/>
-              </a:spcBef>
-              <a:spcAft>
-                <a:spcPts val="0"/>
-              </a:spcAft>
-              <a:buClrTx/>
-              <a:buSzTx/>
-              <a:buFontTx/>
-              <a:buNone/>
-              <a:tabLst/>
-              <a:defRPr/>
-            </a:pPr>
-            <a:r>
-              <a:rPr lang="en-US" sz="1200" kern="0" dirty="0">
-                <a:solidFill>
-                  <a:srgbClr val="000000"/>
-                </a:solidFill>
-                <a:latin typeface="Arial" panose="020B0604020202020204"/>
-              </a:rPr>
-              <a:t>MODELING</a:t>
-            </a:r>
-          </a:p>
-          <a:p>
-            <a:pPr marL="0" marR="0" lvl="0" indent="0" defTabSz="914400" eaLnBrk="1" fontAlgn="auto" latinLnBrk="0" hangingPunct="1">
-              <a:lnSpc>
-                <a:spcPct val="100000"/>
-              </a:lnSpc>
-              <a:spcBef>
-                <a:spcPts val="0"/>
-              </a:spcBef>
-              <a:spcAft>
-                <a:spcPts val="0"/>
-              </a:spcAft>
-              <a:buClrTx/>
-              <a:buSzTx/>
-              <a:buFontTx/>
-              <a:buNone/>
-              <a:tabLst/>
-              <a:defRPr/>
-            </a:pPr>
-            <a:r>
-              <a:rPr lang="en-US" sz="1200" kern="0" dirty="0">
-                <a:solidFill>
-                  <a:srgbClr val="000000"/>
-                </a:solidFill>
-                <a:latin typeface="Arial" panose="020B0604020202020204"/>
-              </a:rPr>
-              <a:t>ENVIRONMENT</a:t>
-            </a:r>
-            <a:endParaRPr kumimoji="0" lang="en-US" sz="1200" b="0" i="0" u="none" strike="noStrike" kern="0" cap="none" spc="0" normalizeH="0" baseline="0" noProof="0" dirty="0">
-              <a:ln>
-                <a:noFill/>
-              </a:ln>
-              <a:solidFill>
-                <a:srgbClr val="000000"/>
-              </a:solidFill>
-              <a:effectLst/>
-              <a:uLnTx/>
-              <a:uFillTx/>
-              <a:latin typeface="Arial" panose="020B0604020202020204"/>
-              <a:ea typeface="+mn-ea"/>
-              <a:cs typeface="+mn-cs"/>
-            </a:endParaRPr>
-          </a:p>
-        </p:txBody>
-      </p:sp>
-      <p:sp>
-        <p:nvSpPr>
-          <p:cNvPr id="61" name="Rectangle 60">
-            <a:extLst>
-              <a:ext uri="{FF2B5EF4-FFF2-40B4-BE49-F238E27FC236}">
-                <a16:creationId xmlns:a16="http://schemas.microsoft.com/office/drawing/2014/main" id="{43BCF27E-FA0B-4588-B8D9-FA4E75F1F0A8}"/>
-              </a:ext>
-            </a:extLst>
-          </p:cNvPr>
-          <p:cNvSpPr/>
-          <p:nvPr/>
-        </p:nvSpPr>
-        <p:spPr>
-          <a:xfrm>
-            <a:off x="2679545" y="1400790"/>
-            <a:ext cx="6208738" cy="471948"/>
-          </a:xfrm>
-          <a:prstGeom prst="rect">
-            <a:avLst/>
-          </a:prstGeom>
-          <a:noFill/>
-          <a:ln w="12700" cap="flat" cmpd="sng" algn="ctr">
-            <a:solidFill>
-              <a:srgbClr val="000000"/>
-            </a:solidFill>
-            <a:prstDash val="solid"/>
-          </a:ln>
-          <a:effectLst/>
-        </p:spPr>
-        <p:txBody>
-          <a:bodyPr rtlCol="0" anchor="t"/>
-          <a:lstStyle/>
-          <a:p>
-            <a:pPr marL="0" marR="0" lvl="0" indent="0" algn="ctr" defTabSz="914400" eaLnBrk="1" fontAlgn="auto" latinLnBrk="0" hangingPunct="1">
-              <a:lnSpc>
-                <a:spcPct val="100000"/>
-              </a:lnSpc>
-              <a:spcBef>
-                <a:spcPts val="0"/>
-              </a:spcBef>
-              <a:spcAft>
-                <a:spcPts val="0"/>
-              </a:spcAft>
-              <a:buClrTx/>
-              <a:buSzTx/>
-              <a:buFontTx/>
-              <a:buNone/>
-              <a:tabLst/>
-              <a:defRPr/>
-            </a:pPr>
-            <a:r>
-              <a:rPr kumimoji="0" lang="en-US" sz="1200" b="0" i="0" u="none" strike="noStrike" kern="0" cap="none" spc="0" normalizeH="0" baseline="0" noProof="0" dirty="0">
-                <a:ln>
-                  <a:noFill/>
-                </a:ln>
-                <a:solidFill>
-                  <a:srgbClr val="000000"/>
-                </a:solidFill>
-                <a:effectLst/>
-                <a:uLnTx/>
-                <a:uFillTx/>
-                <a:latin typeface="Arial" panose="020B0604020202020204"/>
-                <a:ea typeface="+mn-ea"/>
-                <a:cs typeface="+mn-cs"/>
-              </a:rPr>
-              <a:t>AADL model</a:t>
-            </a:r>
-          </a:p>
-        </p:txBody>
-      </p:sp>
-      <p:sp>
-        <p:nvSpPr>
-          <p:cNvPr id="62" name="Rounded Rectangle 6">
-            <a:extLst>
-              <a:ext uri="{FF2B5EF4-FFF2-40B4-BE49-F238E27FC236}">
-                <a16:creationId xmlns:a16="http://schemas.microsoft.com/office/drawing/2014/main" id="{74978FFF-7237-458A-8E97-66F4CB4E910C}"/>
-              </a:ext>
-            </a:extLst>
-          </p:cNvPr>
-          <p:cNvSpPr/>
-          <p:nvPr/>
-        </p:nvSpPr>
-        <p:spPr>
-          <a:xfrm>
-            <a:off x="3358540" y="2111168"/>
-            <a:ext cx="749339" cy="663676"/>
-          </a:xfrm>
-          <a:prstGeom prst="roundRect">
-            <a:avLst>
-              <a:gd name="adj" fmla="val 13390"/>
-            </a:avLst>
-          </a:prstGeom>
-          <a:solidFill>
-            <a:srgbClr val="D6EDBD"/>
-          </a:solidFill>
-          <a:ln w="12700" cap="flat" cmpd="sng" algn="ctr">
-            <a:solidFill>
-              <a:srgbClr val="000000"/>
-            </a:solidFill>
-            <a:prstDash val="solid"/>
-          </a:ln>
-          <a:effectLst/>
-        </p:spPr>
-        <p:txBody>
-          <a:bodyPr rtlCol="0" anchor="t"/>
-          <a:lstStyle/>
-          <a:p>
-            <a:pPr marL="0" marR="0" lvl="0" indent="0" algn="ctr" defTabSz="914400" eaLnBrk="1" fontAlgn="auto" latinLnBrk="0" hangingPunct="1">
-              <a:lnSpc>
-                <a:spcPct val="100000"/>
-              </a:lnSpc>
-              <a:spcBef>
-                <a:spcPts val="0"/>
-              </a:spcBef>
-              <a:spcAft>
-                <a:spcPts val="0"/>
-              </a:spcAft>
-              <a:buClrTx/>
-              <a:buSzTx/>
-              <a:buFontTx/>
-              <a:buNone/>
-              <a:tabLst/>
-              <a:defRPr/>
-            </a:pPr>
-            <a:r>
-              <a:rPr kumimoji="0" lang="en-US" sz="1200" b="0" i="0" u="none" strike="noStrike" kern="0" cap="none" spc="0" normalizeH="0" baseline="0" noProof="0" dirty="0">
-                <a:ln>
-                  <a:noFill/>
-                </a:ln>
-                <a:solidFill>
-                  <a:srgbClr val="000000"/>
-                </a:solidFill>
-                <a:effectLst/>
-                <a:uLnTx/>
-                <a:uFillTx/>
-                <a:latin typeface="Arial" panose="020B0604020202020204"/>
-                <a:ea typeface="+mn-ea"/>
-                <a:cs typeface="+mn-cs"/>
-              </a:rPr>
-              <a:t>HAMR</a:t>
-            </a:r>
-          </a:p>
-        </p:txBody>
-      </p:sp>
-      <p:cxnSp>
-        <p:nvCxnSpPr>
-          <p:cNvPr id="63" name="Straight Arrow Connector 62">
-            <a:extLst>
-              <a:ext uri="{FF2B5EF4-FFF2-40B4-BE49-F238E27FC236}">
-                <a16:creationId xmlns:a16="http://schemas.microsoft.com/office/drawing/2014/main" id="{BEFA455D-7576-4B2A-9919-54716A876357}"/>
-              </a:ext>
-            </a:extLst>
-          </p:cNvPr>
-          <p:cNvCxnSpPr>
-            <a:cxnSpLocks/>
-            <a:endCxn id="62" idx="0"/>
-          </p:cNvCxnSpPr>
-          <p:nvPr/>
-        </p:nvCxnSpPr>
-        <p:spPr>
-          <a:xfrm>
-            <a:off x="3733210" y="1875191"/>
-            <a:ext cx="0" cy="235977"/>
-          </a:xfrm>
-          <a:prstGeom prst="straightConnector1">
-            <a:avLst/>
-          </a:prstGeom>
-          <a:noFill/>
-          <a:ln w="12700" cap="flat" cmpd="sng" algn="ctr">
-            <a:solidFill>
-              <a:srgbClr val="000000"/>
-            </a:solidFill>
-            <a:prstDash val="solid"/>
-            <a:headEnd type="none" w="med" len="med"/>
-            <a:tailEnd type="arrow" w="med" len="med"/>
-          </a:ln>
-          <a:effectLst/>
-        </p:spPr>
-      </p:cxnSp>
-      <p:sp>
-        <p:nvSpPr>
-          <p:cNvPr id="64" name="Rounded Rectangle 12">
-            <a:extLst>
-              <a:ext uri="{FF2B5EF4-FFF2-40B4-BE49-F238E27FC236}">
-                <a16:creationId xmlns:a16="http://schemas.microsoft.com/office/drawing/2014/main" id="{8A53815B-DB3F-4A32-B112-B811B8FF3EDF}"/>
-              </a:ext>
-            </a:extLst>
-          </p:cNvPr>
-          <p:cNvSpPr/>
-          <p:nvPr/>
-        </p:nvSpPr>
-        <p:spPr>
-          <a:xfrm>
-            <a:off x="5534258" y="2111168"/>
-            <a:ext cx="943671" cy="663676"/>
-          </a:xfrm>
-          <a:prstGeom prst="roundRect">
-            <a:avLst>
-              <a:gd name="adj" fmla="val 13390"/>
-            </a:avLst>
-          </a:prstGeom>
-          <a:solidFill>
-            <a:srgbClr val="D6EDBD"/>
-          </a:solidFill>
-          <a:ln w="12700" cap="flat" cmpd="sng" algn="ctr">
-            <a:solidFill>
-              <a:srgbClr val="000000"/>
-            </a:solidFill>
-            <a:prstDash val="solid"/>
-          </a:ln>
-          <a:effectLst/>
-        </p:spPr>
-        <p:txBody>
-          <a:bodyPr lIns="0" tIns="0" rIns="0" bIns="0" rtlCol="0" anchor="t"/>
-          <a:lstStyle/>
-          <a:p>
-            <a:pPr marL="0" marR="0" lvl="0" indent="0" algn="ctr" defTabSz="914400" eaLnBrk="1" fontAlgn="auto" latinLnBrk="0" hangingPunct="1">
-              <a:lnSpc>
-                <a:spcPct val="100000"/>
-              </a:lnSpc>
-              <a:spcBef>
-                <a:spcPts val="0"/>
-              </a:spcBef>
-              <a:spcAft>
-                <a:spcPts val="0"/>
-              </a:spcAft>
-              <a:buClrTx/>
-              <a:buSzTx/>
-              <a:buFontTx/>
-              <a:buNone/>
-              <a:tabLst/>
-              <a:defRPr/>
-            </a:pPr>
-            <a:r>
-              <a:rPr kumimoji="0" lang="en-US" sz="1200" b="0" i="0" u="none" strike="noStrike" kern="0" cap="none" spc="0" normalizeH="0" baseline="0" noProof="0" dirty="0">
-                <a:ln>
-                  <a:noFill/>
-                </a:ln>
-                <a:solidFill>
-                  <a:srgbClr val="000000"/>
-                </a:solidFill>
-                <a:effectLst/>
-                <a:uLnTx/>
-                <a:uFillTx/>
-                <a:latin typeface="Arial" panose="020B0604020202020204"/>
-                <a:ea typeface="+mn-ea"/>
-                <a:cs typeface="+mn-cs"/>
-              </a:rPr>
-              <a:t>Cyber Transforms</a:t>
-            </a:r>
-          </a:p>
-        </p:txBody>
-      </p:sp>
-      <p:sp>
-        <p:nvSpPr>
-          <p:cNvPr id="65" name="Rounded Rectangle 13">
-            <a:extLst>
-              <a:ext uri="{FF2B5EF4-FFF2-40B4-BE49-F238E27FC236}">
-                <a16:creationId xmlns:a16="http://schemas.microsoft.com/office/drawing/2014/main" id="{8586F126-C46A-44DC-8663-26C64309FCCA}"/>
-              </a:ext>
-            </a:extLst>
-          </p:cNvPr>
-          <p:cNvSpPr/>
-          <p:nvPr/>
-        </p:nvSpPr>
-        <p:spPr>
-          <a:xfrm>
-            <a:off x="6648234" y="2111167"/>
-            <a:ext cx="681071" cy="658865"/>
-          </a:xfrm>
-          <a:prstGeom prst="roundRect">
-            <a:avLst>
-              <a:gd name="adj" fmla="val 13390"/>
-            </a:avLst>
-          </a:prstGeom>
-          <a:solidFill>
-            <a:srgbClr val="D6EDBD"/>
-          </a:solidFill>
-          <a:ln w="12700" cap="flat" cmpd="sng" algn="ctr">
-            <a:solidFill>
-              <a:srgbClr val="000000"/>
-            </a:solidFill>
-            <a:prstDash val="solid"/>
-          </a:ln>
-          <a:effectLst/>
-        </p:spPr>
-        <p:txBody>
-          <a:bodyPr lIns="0" rIns="0" rtlCol="0" anchor="t"/>
-          <a:lstStyle/>
-          <a:p>
-            <a:pPr marL="0" marR="0" lvl="0" indent="0" algn="ctr" defTabSz="914400" eaLnBrk="1" fontAlgn="auto" latinLnBrk="0" hangingPunct="1">
-              <a:lnSpc>
-                <a:spcPct val="100000"/>
-              </a:lnSpc>
-              <a:spcBef>
-                <a:spcPts val="0"/>
-              </a:spcBef>
-              <a:spcAft>
-                <a:spcPts val="0"/>
-              </a:spcAft>
-              <a:buClrTx/>
-              <a:buSzTx/>
-              <a:buFontTx/>
-              <a:buNone/>
-              <a:tabLst/>
-              <a:defRPr/>
-            </a:pPr>
-            <a:r>
-              <a:rPr kumimoji="0" lang="en-US" sz="1200" b="0" i="0" u="none" strike="noStrike" kern="0" cap="none" spc="0" normalizeH="0" baseline="0" noProof="0" dirty="0">
-                <a:ln>
-                  <a:noFill/>
-                </a:ln>
-                <a:solidFill>
-                  <a:srgbClr val="000000"/>
-                </a:solidFill>
-                <a:effectLst/>
-                <a:uLnTx/>
-                <a:uFillTx/>
-                <a:latin typeface="Arial" panose="020B0604020202020204"/>
-                <a:ea typeface="+mn-ea"/>
-                <a:cs typeface="+mn-cs"/>
-              </a:rPr>
-              <a:t>AGREE</a:t>
-            </a:r>
-          </a:p>
-        </p:txBody>
-      </p:sp>
-      <p:sp>
-        <p:nvSpPr>
-          <p:cNvPr id="66" name="Rounded Rectangle 14">
-            <a:extLst>
-              <a:ext uri="{FF2B5EF4-FFF2-40B4-BE49-F238E27FC236}">
-                <a16:creationId xmlns:a16="http://schemas.microsoft.com/office/drawing/2014/main" id="{7460D3A4-6490-4FA8-8575-657F977C5245}"/>
-              </a:ext>
-            </a:extLst>
-          </p:cNvPr>
-          <p:cNvSpPr/>
-          <p:nvPr/>
-        </p:nvSpPr>
-        <p:spPr>
-          <a:xfrm>
-            <a:off x="7538526" y="2115979"/>
-            <a:ext cx="696288" cy="658865"/>
-          </a:xfrm>
-          <a:prstGeom prst="roundRect">
-            <a:avLst>
-              <a:gd name="adj" fmla="val 13390"/>
-            </a:avLst>
-          </a:prstGeom>
-          <a:solidFill>
-            <a:srgbClr val="D6EDBD"/>
-          </a:solidFill>
-          <a:ln w="12700" cap="flat" cmpd="sng" algn="ctr">
-            <a:solidFill>
-              <a:srgbClr val="000000"/>
-            </a:solidFill>
-            <a:prstDash val="solid"/>
-          </a:ln>
-          <a:effectLst/>
-        </p:spPr>
-        <p:txBody>
-          <a:bodyPr lIns="0" rIns="0" rtlCol="0" anchor="t"/>
-          <a:lstStyle/>
-          <a:p>
-            <a:pPr algn="ctr"/>
-            <a:r>
-              <a:rPr lang="en-US" sz="1200" kern="0" dirty="0">
-                <a:solidFill>
-                  <a:srgbClr val="000000"/>
-                </a:solidFill>
-                <a:latin typeface="Arial" panose="020B0604020202020204"/>
-              </a:rPr>
-              <a:t>Resolute</a:t>
-            </a:r>
-          </a:p>
-        </p:txBody>
-      </p:sp>
-      <p:cxnSp>
-        <p:nvCxnSpPr>
-          <p:cNvPr id="67" name="Straight Arrow Connector 66">
-            <a:extLst>
-              <a:ext uri="{FF2B5EF4-FFF2-40B4-BE49-F238E27FC236}">
-                <a16:creationId xmlns:a16="http://schemas.microsoft.com/office/drawing/2014/main" id="{0E1D2B94-D4D6-421F-AEC6-F4BF80F240F0}"/>
-              </a:ext>
-            </a:extLst>
-          </p:cNvPr>
-          <p:cNvCxnSpPr>
-            <a:cxnSpLocks/>
-            <a:endCxn id="65" idx="0"/>
-          </p:cNvCxnSpPr>
-          <p:nvPr/>
-        </p:nvCxnSpPr>
-        <p:spPr>
-          <a:xfrm flipH="1">
-            <a:off x="6988770" y="1875191"/>
-            <a:ext cx="1" cy="235976"/>
-          </a:xfrm>
-          <a:prstGeom prst="straightConnector1">
-            <a:avLst/>
-          </a:prstGeom>
-          <a:noFill/>
-          <a:ln w="12700" cap="flat" cmpd="sng" algn="ctr">
-            <a:solidFill>
-              <a:srgbClr val="000000"/>
-            </a:solidFill>
-            <a:prstDash val="solid"/>
-            <a:headEnd type="none" w="med" len="med"/>
-            <a:tailEnd type="arrow" w="med" len="med"/>
-          </a:ln>
-          <a:effectLst/>
-        </p:spPr>
-      </p:cxnSp>
-      <p:cxnSp>
-        <p:nvCxnSpPr>
-          <p:cNvPr id="70" name="Straight Arrow Connector 69">
-            <a:extLst>
-              <a:ext uri="{FF2B5EF4-FFF2-40B4-BE49-F238E27FC236}">
-                <a16:creationId xmlns:a16="http://schemas.microsoft.com/office/drawing/2014/main" id="{5F481ED9-6271-47B9-8D9F-6637E1171FA7}"/>
-              </a:ext>
-            </a:extLst>
-          </p:cNvPr>
-          <p:cNvCxnSpPr>
-            <a:cxnSpLocks/>
-          </p:cNvCxnSpPr>
-          <p:nvPr/>
-        </p:nvCxnSpPr>
-        <p:spPr>
-          <a:xfrm>
-            <a:off x="5853709" y="1866900"/>
-            <a:ext cx="0" cy="244268"/>
-          </a:xfrm>
-          <a:prstGeom prst="straightConnector1">
-            <a:avLst/>
-          </a:prstGeom>
-          <a:noFill/>
-          <a:ln w="12700" cap="flat" cmpd="sng" algn="ctr">
-            <a:solidFill>
-              <a:srgbClr val="000000"/>
-            </a:solidFill>
-            <a:prstDash val="solid"/>
-            <a:headEnd type="none" w="med" len="med"/>
-            <a:tailEnd type="arrow" w="med" len="med"/>
-          </a:ln>
-          <a:effectLst/>
-        </p:spPr>
-      </p:cxnSp>
-      <p:sp>
-        <p:nvSpPr>
-          <p:cNvPr id="71" name="Rounded Rectangle 45">
-            <a:extLst>
-              <a:ext uri="{FF2B5EF4-FFF2-40B4-BE49-F238E27FC236}">
-                <a16:creationId xmlns:a16="http://schemas.microsoft.com/office/drawing/2014/main" id="{B947BB66-EBBB-466E-8B71-D767F6987FE3}"/>
-              </a:ext>
-            </a:extLst>
-          </p:cNvPr>
-          <p:cNvSpPr/>
-          <p:nvPr/>
-        </p:nvSpPr>
-        <p:spPr>
-          <a:xfrm>
-            <a:off x="6164075" y="3415856"/>
-            <a:ext cx="807735" cy="687574"/>
-          </a:xfrm>
-          <a:prstGeom prst="roundRect">
-            <a:avLst>
-              <a:gd name="adj" fmla="val 13390"/>
-            </a:avLst>
-          </a:prstGeom>
-          <a:solidFill>
-            <a:srgbClr val="D6EDBD"/>
-          </a:solidFill>
-          <a:ln w="12700" cap="flat" cmpd="sng" algn="ctr">
-            <a:solidFill>
-              <a:srgbClr val="000000"/>
-            </a:solidFill>
-            <a:prstDash val="solid"/>
-          </a:ln>
-          <a:effectLst/>
-        </p:spPr>
-        <p:txBody>
-          <a:bodyPr rtlCol="0" anchor="t"/>
-          <a:lstStyle/>
-          <a:p>
-            <a:pPr marL="0" marR="0" lvl="0" indent="0" algn="ctr" defTabSz="914400" eaLnBrk="1" fontAlgn="auto" latinLnBrk="0" hangingPunct="1">
-              <a:lnSpc>
-                <a:spcPct val="100000"/>
-              </a:lnSpc>
-              <a:spcBef>
-                <a:spcPts val="0"/>
-              </a:spcBef>
-              <a:spcAft>
-                <a:spcPts val="0"/>
-              </a:spcAft>
-              <a:buClrTx/>
-              <a:buSzTx/>
-              <a:buFontTx/>
-              <a:buNone/>
-              <a:tabLst/>
-              <a:defRPr/>
-            </a:pPr>
-            <a:r>
-              <a:rPr kumimoji="0" lang="en-US" sz="1200" b="0" i="0" u="none" strike="noStrike" kern="0" cap="none" spc="0" normalizeH="0" baseline="0" noProof="0" dirty="0">
-                <a:ln>
-                  <a:noFill/>
-                </a:ln>
-                <a:solidFill>
-                  <a:srgbClr val="000000"/>
-                </a:solidFill>
-                <a:effectLst/>
-                <a:uLnTx/>
-                <a:uFillTx/>
-                <a:latin typeface="Arial" panose="020B0604020202020204"/>
-                <a:ea typeface="+mn-ea"/>
-                <a:cs typeface="+mn-cs"/>
-              </a:rPr>
-              <a:t>SPLAT</a:t>
-            </a:r>
-          </a:p>
-        </p:txBody>
-      </p:sp>
-      <p:cxnSp>
-        <p:nvCxnSpPr>
-          <p:cNvPr id="72" name="Straight Arrow Connector 71">
-            <a:extLst>
-              <a:ext uri="{FF2B5EF4-FFF2-40B4-BE49-F238E27FC236}">
-                <a16:creationId xmlns:a16="http://schemas.microsoft.com/office/drawing/2014/main" id="{7BE849D1-BF44-4304-9965-F4071BDCFF23}"/>
-              </a:ext>
-            </a:extLst>
-          </p:cNvPr>
-          <p:cNvCxnSpPr>
-            <a:cxnSpLocks/>
-            <a:endCxn id="71" idx="0"/>
-          </p:cNvCxnSpPr>
-          <p:nvPr/>
-        </p:nvCxnSpPr>
-        <p:spPr>
-          <a:xfrm>
-            <a:off x="6567943" y="1866900"/>
-            <a:ext cx="0" cy="1548956"/>
-          </a:xfrm>
-          <a:prstGeom prst="straightConnector1">
-            <a:avLst/>
-          </a:prstGeom>
-          <a:noFill/>
-          <a:ln w="12700" cap="flat" cmpd="sng" algn="ctr">
-            <a:solidFill>
-              <a:srgbClr val="000000"/>
-            </a:solidFill>
-            <a:prstDash val="solid"/>
-            <a:headEnd type="none" w="med" len="med"/>
-            <a:tailEnd type="arrow" w="med" len="med"/>
-          </a:ln>
-          <a:effectLst/>
-        </p:spPr>
-      </p:cxnSp>
-      <p:sp>
-        <p:nvSpPr>
-          <p:cNvPr id="76" name="Rounded Rectangle 59">
-            <a:extLst>
-              <a:ext uri="{FF2B5EF4-FFF2-40B4-BE49-F238E27FC236}">
-                <a16:creationId xmlns:a16="http://schemas.microsoft.com/office/drawing/2014/main" id="{28AF0974-A4AE-4F51-A466-9DF1F093C8A0}"/>
-              </a:ext>
-            </a:extLst>
-          </p:cNvPr>
-          <p:cNvSpPr/>
-          <p:nvPr/>
-        </p:nvSpPr>
-        <p:spPr>
-          <a:xfrm>
-            <a:off x="4244622" y="2111168"/>
-            <a:ext cx="1131524" cy="663676"/>
-          </a:xfrm>
-          <a:prstGeom prst="roundRect">
-            <a:avLst>
-              <a:gd name="adj" fmla="val 13390"/>
-            </a:avLst>
-          </a:prstGeom>
-          <a:solidFill>
-            <a:srgbClr val="D6EDBD"/>
-          </a:solidFill>
-          <a:ln w="12700" cap="flat" cmpd="sng" algn="ctr">
-            <a:solidFill>
-              <a:srgbClr val="000000"/>
-            </a:solidFill>
-            <a:prstDash val="solid"/>
-          </a:ln>
-          <a:effectLst/>
-        </p:spPr>
-        <p:txBody>
-          <a:bodyPr lIns="0" rIns="0" rtlCol="0" anchor="t"/>
-          <a:lstStyle/>
-          <a:p>
-            <a:pPr marL="0" marR="0" lvl="0" indent="0" algn="ctr" defTabSz="914400" eaLnBrk="1" fontAlgn="auto" latinLnBrk="0" hangingPunct="1">
-              <a:lnSpc>
-                <a:spcPct val="100000"/>
-              </a:lnSpc>
-              <a:spcBef>
-                <a:spcPts val="0"/>
-              </a:spcBef>
-              <a:spcAft>
-                <a:spcPts val="0"/>
-              </a:spcAft>
-              <a:buClrTx/>
-              <a:buSzTx/>
-              <a:buFontTx/>
-              <a:buNone/>
-              <a:tabLst/>
-              <a:defRPr/>
-            </a:pPr>
-            <a:r>
-              <a:rPr kumimoji="0" lang="en-US" sz="1200" b="0" i="0" u="none" strike="noStrike" kern="0" cap="none" spc="0" normalizeH="0" baseline="0" noProof="0" dirty="0">
-                <a:ln>
-                  <a:noFill/>
-                </a:ln>
-                <a:solidFill>
-                  <a:srgbClr val="000000"/>
-                </a:solidFill>
-                <a:effectLst/>
-                <a:uLnTx/>
-                <a:uFillTx/>
-                <a:latin typeface="Arial" panose="020B0604020202020204"/>
-                <a:ea typeface="+mn-ea"/>
-                <a:cs typeface="+mn-cs"/>
-              </a:rPr>
-              <a:t>Requirements Analysis</a:t>
-            </a:r>
-          </a:p>
-        </p:txBody>
-      </p:sp>
-      <p:cxnSp>
-        <p:nvCxnSpPr>
-          <p:cNvPr id="78" name="Straight Arrow Connector 77">
-            <a:extLst>
-              <a:ext uri="{FF2B5EF4-FFF2-40B4-BE49-F238E27FC236}">
-                <a16:creationId xmlns:a16="http://schemas.microsoft.com/office/drawing/2014/main" id="{486FD576-3A48-4230-A178-913BACD135C2}"/>
-              </a:ext>
-            </a:extLst>
-          </p:cNvPr>
-          <p:cNvCxnSpPr>
-            <a:cxnSpLocks/>
-            <a:stCxn id="64" idx="1"/>
-            <a:endCxn id="76" idx="3"/>
-          </p:cNvCxnSpPr>
-          <p:nvPr/>
-        </p:nvCxnSpPr>
-        <p:spPr>
-          <a:xfrm flipH="1">
-            <a:off x="5376146" y="2443006"/>
-            <a:ext cx="158112" cy="0"/>
-          </a:xfrm>
-          <a:prstGeom prst="straightConnector1">
-            <a:avLst/>
-          </a:prstGeom>
-          <a:noFill/>
-          <a:ln w="12700" cap="flat" cmpd="sng" algn="ctr">
-            <a:solidFill>
-              <a:srgbClr val="000000"/>
-            </a:solidFill>
-            <a:prstDash val="solid"/>
-            <a:headEnd type="arrow" w="med" len="med"/>
-            <a:tailEnd type="none" w="med" len="med"/>
-          </a:ln>
-          <a:effectLst/>
-        </p:spPr>
-      </p:cxnSp>
-      <p:cxnSp>
-        <p:nvCxnSpPr>
-          <p:cNvPr id="79" name="Straight Arrow Connector 78">
-            <a:extLst>
-              <a:ext uri="{FF2B5EF4-FFF2-40B4-BE49-F238E27FC236}">
-                <a16:creationId xmlns:a16="http://schemas.microsoft.com/office/drawing/2014/main" id="{EBF4AD0D-BE24-44E4-B73D-65CA7F0AE012}"/>
-              </a:ext>
-            </a:extLst>
-          </p:cNvPr>
-          <p:cNvCxnSpPr>
-            <a:cxnSpLocks/>
-          </p:cNvCxnSpPr>
-          <p:nvPr/>
-        </p:nvCxnSpPr>
-        <p:spPr>
-          <a:xfrm>
-            <a:off x="4584404" y="1872738"/>
-            <a:ext cx="2040" cy="238430"/>
-          </a:xfrm>
-          <a:prstGeom prst="straightConnector1">
-            <a:avLst/>
-          </a:prstGeom>
-          <a:noFill/>
-          <a:ln w="12700" cap="flat" cmpd="sng" algn="ctr">
-            <a:solidFill>
-              <a:srgbClr val="000000"/>
-            </a:solidFill>
-            <a:prstDash val="solid"/>
-            <a:headEnd type="none" w="med" len="med"/>
-            <a:tailEnd type="arrow" w="med" len="med"/>
-          </a:ln>
-          <a:effectLst/>
-        </p:spPr>
-      </p:cxnSp>
-      <p:sp>
-        <p:nvSpPr>
-          <p:cNvPr id="82" name="Rounded Rectangle 72">
-            <a:extLst>
-              <a:ext uri="{FF2B5EF4-FFF2-40B4-BE49-F238E27FC236}">
-                <a16:creationId xmlns:a16="http://schemas.microsoft.com/office/drawing/2014/main" id="{372452D0-90C9-487E-A755-EFA14AC0E0AC}"/>
-              </a:ext>
-            </a:extLst>
-          </p:cNvPr>
-          <p:cNvSpPr/>
-          <p:nvPr/>
-        </p:nvSpPr>
-        <p:spPr>
-          <a:xfrm>
-            <a:off x="4199990" y="4440460"/>
-            <a:ext cx="1129455" cy="557778"/>
-          </a:xfrm>
-          <a:prstGeom prst="roundRect">
-            <a:avLst>
-              <a:gd name="adj" fmla="val 13390"/>
-            </a:avLst>
-          </a:prstGeom>
-          <a:solidFill>
-            <a:srgbClr val="D6EDBD"/>
-          </a:solidFill>
-          <a:ln w="12700" cap="flat" cmpd="sng" algn="ctr">
-            <a:solidFill>
-              <a:srgbClr val="000000"/>
-            </a:solidFill>
-            <a:prstDash val="solid"/>
-          </a:ln>
-          <a:effectLst/>
-        </p:spPr>
-        <p:txBody>
-          <a:bodyPr rtlCol="0" anchor="t"/>
-          <a:lstStyle/>
-          <a:p>
-            <a:pPr marL="0" marR="0" lvl="0" indent="0" algn="ctr" defTabSz="914400" eaLnBrk="1" fontAlgn="auto" latinLnBrk="0" hangingPunct="1">
-              <a:lnSpc>
-                <a:spcPct val="100000"/>
-              </a:lnSpc>
-              <a:spcBef>
-                <a:spcPts val="0"/>
-              </a:spcBef>
-              <a:spcAft>
-                <a:spcPts val="0"/>
-              </a:spcAft>
-              <a:buClrTx/>
-              <a:buSzTx/>
-              <a:buFontTx/>
-              <a:buNone/>
-              <a:tabLst/>
-              <a:defRPr/>
-            </a:pPr>
-            <a:r>
-              <a:rPr kumimoji="0" lang="en-US" sz="1200" b="0" i="0" u="none" strike="noStrike" kern="0" cap="none" spc="0" normalizeH="0" baseline="0" noProof="0" dirty="0" err="1">
-                <a:ln>
-                  <a:noFill/>
-                </a:ln>
-                <a:solidFill>
-                  <a:srgbClr val="000000"/>
-                </a:solidFill>
-                <a:effectLst/>
-                <a:uLnTx/>
-                <a:uFillTx/>
-                <a:latin typeface="Arial" panose="020B0604020202020204"/>
-                <a:ea typeface="+mn-ea"/>
-                <a:cs typeface="+mn-cs"/>
-              </a:rPr>
-              <a:t>CAmkES</a:t>
-            </a:r>
-            <a:endParaRPr kumimoji="0" lang="en-US" sz="1200" b="0" i="0" u="none" strike="noStrike" kern="0" cap="none" spc="0" normalizeH="0" baseline="0" noProof="0" dirty="0">
-              <a:ln>
-                <a:noFill/>
-              </a:ln>
-              <a:solidFill>
-                <a:srgbClr val="000000"/>
-              </a:solidFill>
-              <a:effectLst/>
-              <a:uLnTx/>
-              <a:uFillTx/>
-              <a:latin typeface="Arial" panose="020B0604020202020204"/>
-              <a:ea typeface="+mn-ea"/>
-              <a:cs typeface="+mn-cs"/>
-            </a:endParaRPr>
-          </a:p>
-        </p:txBody>
-      </p:sp>
-      <p:sp>
-        <p:nvSpPr>
-          <p:cNvPr id="89" name="Rounded Rectangle 83">
-            <a:extLst>
-              <a:ext uri="{FF2B5EF4-FFF2-40B4-BE49-F238E27FC236}">
-                <a16:creationId xmlns:a16="http://schemas.microsoft.com/office/drawing/2014/main" id="{A91295DC-1546-4D96-802E-EC2734A8D1A3}"/>
-              </a:ext>
-            </a:extLst>
-          </p:cNvPr>
-          <p:cNvSpPr/>
-          <p:nvPr/>
-        </p:nvSpPr>
-        <p:spPr>
-          <a:xfrm>
-            <a:off x="2842530" y="4440460"/>
-            <a:ext cx="1045657" cy="557778"/>
-          </a:xfrm>
-          <a:prstGeom prst="roundRect">
-            <a:avLst>
-              <a:gd name="adj" fmla="val 13390"/>
-            </a:avLst>
-          </a:prstGeom>
-          <a:noFill/>
-          <a:ln w="12700" cap="flat" cmpd="sng" algn="ctr">
-            <a:solidFill>
-              <a:srgbClr val="000000"/>
-            </a:solidFill>
-            <a:prstDash val="solid"/>
-          </a:ln>
-          <a:effectLst/>
-        </p:spPr>
-        <p:txBody>
-          <a:bodyPr lIns="0" rIns="0" rtlCol="0" anchor="t"/>
-          <a:lstStyle/>
-          <a:p>
-            <a:pPr marL="0" marR="0" lvl="0" indent="0" algn="ctr" defTabSz="914400" eaLnBrk="1" fontAlgn="auto" latinLnBrk="0" hangingPunct="1">
-              <a:lnSpc>
-                <a:spcPct val="100000"/>
-              </a:lnSpc>
-              <a:spcBef>
-                <a:spcPts val="0"/>
-              </a:spcBef>
-              <a:spcAft>
-                <a:spcPts val="0"/>
-              </a:spcAft>
-              <a:buClrTx/>
-              <a:buSzTx/>
-              <a:buFontTx/>
-              <a:buNone/>
-              <a:tabLst/>
-              <a:defRPr/>
-            </a:pPr>
-            <a:r>
-              <a:rPr kumimoji="0" lang="en-US" sz="1200" b="0" i="0" u="none" strike="noStrike" kern="0" cap="none" spc="0" normalizeH="0" baseline="0" noProof="0" dirty="0">
-                <a:ln>
-                  <a:noFill/>
-                </a:ln>
-                <a:solidFill>
-                  <a:srgbClr val="000000"/>
-                </a:solidFill>
-                <a:effectLst/>
-                <a:uLnTx/>
-                <a:uFillTx/>
-                <a:latin typeface="Arial" panose="020B0604020202020204"/>
-                <a:ea typeface="+mn-ea"/>
-                <a:cs typeface="+mn-cs"/>
-              </a:rPr>
-              <a:t>C compiler</a:t>
-            </a:r>
-          </a:p>
-        </p:txBody>
-      </p:sp>
-      <p:sp>
-        <p:nvSpPr>
-          <p:cNvPr id="90" name="Rounded Rectangle 84">
-            <a:extLst>
-              <a:ext uri="{FF2B5EF4-FFF2-40B4-BE49-F238E27FC236}">
-                <a16:creationId xmlns:a16="http://schemas.microsoft.com/office/drawing/2014/main" id="{413F3B59-DEC4-4E55-B74F-C6522F499955}"/>
-              </a:ext>
-            </a:extLst>
-          </p:cNvPr>
-          <p:cNvSpPr/>
-          <p:nvPr/>
-        </p:nvSpPr>
-        <p:spPr>
-          <a:xfrm>
-            <a:off x="7306935" y="4440460"/>
-            <a:ext cx="1018941" cy="557778"/>
-          </a:xfrm>
-          <a:prstGeom prst="roundRect">
-            <a:avLst>
-              <a:gd name="adj" fmla="val 13390"/>
-            </a:avLst>
-          </a:prstGeom>
-          <a:noFill/>
-          <a:ln w="12700" cap="flat" cmpd="sng" algn="ctr">
-            <a:solidFill>
-              <a:srgbClr val="000000"/>
-            </a:solidFill>
-            <a:prstDash val="solid"/>
-          </a:ln>
-          <a:effectLst/>
-        </p:spPr>
-        <p:txBody>
-          <a:bodyPr lIns="0" tIns="0" rIns="0" bIns="0" rtlCol="0" anchor="t"/>
-          <a:lstStyle/>
-          <a:p>
-            <a:pPr marL="0" marR="0" lvl="0" indent="0" algn="ctr" defTabSz="914400" eaLnBrk="1" fontAlgn="auto" latinLnBrk="0" hangingPunct="1">
-              <a:lnSpc>
-                <a:spcPct val="100000"/>
-              </a:lnSpc>
-              <a:spcBef>
-                <a:spcPts val="0"/>
-              </a:spcBef>
-              <a:spcAft>
-                <a:spcPts val="0"/>
-              </a:spcAft>
-              <a:buClrTx/>
-              <a:buSzTx/>
-              <a:buFontTx/>
-              <a:buNone/>
-              <a:tabLst/>
-              <a:defRPr/>
-            </a:pPr>
-            <a:r>
-              <a:rPr kumimoji="0" lang="en-US" sz="1200" b="0" i="0" u="none" strike="noStrike" kern="0" cap="none" spc="0" normalizeH="0" baseline="0" noProof="0" dirty="0" err="1">
-                <a:ln>
-                  <a:noFill/>
-                </a:ln>
-                <a:solidFill>
-                  <a:srgbClr val="000000"/>
-                </a:solidFill>
-                <a:effectLst/>
-                <a:uLnTx/>
-                <a:uFillTx/>
-                <a:latin typeface="Arial" panose="020B0604020202020204"/>
-                <a:ea typeface="+mn-ea"/>
-                <a:cs typeface="+mn-cs"/>
-              </a:rPr>
-              <a:t>CakeML</a:t>
-            </a:r>
-            <a:r>
-              <a:rPr kumimoji="0" lang="en-US" sz="1200" b="0" i="0" u="none" strike="noStrike" kern="0" cap="none" spc="0" normalizeH="0" baseline="0" noProof="0" dirty="0">
-                <a:ln>
-                  <a:noFill/>
-                </a:ln>
-                <a:solidFill>
-                  <a:srgbClr val="000000"/>
-                </a:solidFill>
-                <a:effectLst/>
-                <a:uLnTx/>
-                <a:uFillTx/>
-                <a:latin typeface="Arial" panose="020B0604020202020204"/>
-                <a:ea typeface="+mn-ea"/>
-                <a:cs typeface="+mn-cs"/>
-              </a:rPr>
-              <a:t> </a:t>
-            </a:r>
-          </a:p>
-          <a:p>
-            <a:pPr marL="0" marR="0" lvl="0" indent="0" algn="ctr" defTabSz="914400" eaLnBrk="1" fontAlgn="auto" latinLnBrk="0" hangingPunct="1">
-              <a:lnSpc>
-                <a:spcPct val="100000"/>
-              </a:lnSpc>
-              <a:spcBef>
-                <a:spcPts val="0"/>
-              </a:spcBef>
-              <a:spcAft>
-                <a:spcPts val="0"/>
-              </a:spcAft>
-              <a:buClrTx/>
-              <a:buSzTx/>
-              <a:buFontTx/>
-              <a:buNone/>
-              <a:tabLst/>
-              <a:defRPr/>
-            </a:pPr>
-            <a:r>
-              <a:rPr kumimoji="0" lang="en-US" sz="1200" b="0" i="0" u="none" strike="noStrike" kern="0" cap="none" spc="0" normalizeH="0" baseline="0" noProof="0" dirty="0">
-                <a:ln>
-                  <a:noFill/>
-                </a:ln>
-                <a:solidFill>
-                  <a:srgbClr val="000000"/>
-                </a:solidFill>
-                <a:effectLst/>
-                <a:uLnTx/>
-                <a:uFillTx/>
-                <a:latin typeface="Arial" panose="020B0604020202020204"/>
-                <a:ea typeface="+mn-ea"/>
-                <a:cs typeface="+mn-cs"/>
-              </a:rPr>
-              <a:t>compiler</a:t>
-            </a:r>
-          </a:p>
-        </p:txBody>
-      </p:sp>
-      <p:cxnSp>
-        <p:nvCxnSpPr>
-          <p:cNvPr id="91" name="Straight Arrow Connector 90">
-            <a:extLst>
-              <a:ext uri="{FF2B5EF4-FFF2-40B4-BE49-F238E27FC236}">
-                <a16:creationId xmlns:a16="http://schemas.microsoft.com/office/drawing/2014/main" id="{A7C921A8-DC67-4712-9D7C-BC74D4CCCCF3}"/>
-              </a:ext>
-            </a:extLst>
-          </p:cNvPr>
-          <p:cNvCxnSpPr>
-            <a:cxnSpLocks/>
-            <a:stCxn id="89" idx="3"/>
-            <a:endCxn id="82" idx="1"/>
-          </p:cNvCxnSpPr>
-          <p:nvPr/>
-        </p:nvCxnSpPr>
-        <p:spPr>
-          <a:xfrm>
-            <a:off x="3888187" y="4719349"/>
-            <a:ext cx="311803" cy="0"/>
-          </a:xfrm>
-          <a:prstGeom prst="straightConnector1">
-            <a:avLst/>
-          </a:prstGeom>
-          <a:noFill/>
-          <a:ln w="12700" cap="flat" cmpd="sng" algn="ctr">
-            <a:solidFill>
-              <a:srgbClr val="000000"/>
-            </a:solidFill>
-            <a:prstDash val="solid"/>
-            <a:headEnd type="arrow" w="med" len="med"/>
-            <a:tailEnd type="none" w="med" len="med"/>
-          </a:ln>
-          <a:effectLst/>
-        </p:spPr>
-      </p:cxnSp>
-      <p:cxnSp>
-        <p:nvCxnSpPr>
-          <p:cNvPr id="92" name="Straight Arrow Connector 91">
-            <a:extLst>
-              <a:ext uri="{FF2B5EF4-FFF2-40B4-BE49-F238E27FC236}">
-                <a16:creationId xmlns:a16="http://schemas.microsoft.com/office/drawing/2014/main" id="{D0ECB994-4EA6-40DB-A001-9F86BADC1D7E}"/>
-              </a:ext>
-            </a:extLst>
-          </p:cNvPr>
-          <p:cNvCxnSpPr>
-            <a:cxnSpLocks/>
-            <a:stCxn id="90" idx="1"/>
-            <a:endCxn id="82" idx="3"/>
-          </p:cNvCxnSpPr>
-          <p:nvPr/>
-        </p:nvCxnSpPr>
-        <p:spPr>
-          <a:xfrm flipH="1">
-            <a:off x="5329445" y="4719349"/>
-            <a:ext cx="1977490" cy="0"/>
-          </a:xfrm>
-          <a:prstGeom prst="straightConnector1">
-            <a:avLst/>
-          </a:prstGeom>
-          <a:noFill/>
-          <a:ln w="12700" cap="flat" cmpd="sng" algn="ctr">
-            <a:solidFill>
-              <a:srgbClr val="000000"/>
-            </a:solidFill>
-            <a:prstDash val="solid"/>
-            <a:headEnd type="arrow" w="med" len="med"/>
-            <a:tailEnd type="none" w="med" len="med"/>
-          </a:ln>
-          <a:effectLst/>
-        </p:spPr>
-      </p:cxnSp>
-      <p:sp>
-        <p:nvSpPr>
-          <p:cNvPr id="93" name="Rectangle 92">
-            <a:extLst>
-              <a:ext uri="{FF2B5EF4-FFF2-40B4-BE49-F238E27FC236}">
-                <a16:creationId xmlns:a16="http://schemas.microsoft.com/office/drawing/2014/main" id="{2442851B-0E2B-4CE8-8C18-A1FC719FEFF8}"/>
-              </a:ext>
-            </a:extLst>
-          </p:cNvPr>
-          <p:cNvSpPr/>
-          <p:nvPr/>
-        </p:nvSpPr>
-        <p:spPr>
-          <a:xfrm>
-            <a:off x="2876850" y="3405920"/>
-            <a:ext cx="965102" cy="687574"/>
-          </a:xfrm>
-          <a:prstGeom prst="rect">
-            <a:avLst/>
-          </a:prstGeom>
-          <a:noFill/>
-          <a:ln w="12700" cap="flat" cmpd="sng" algn="ctr">
-            <a:solidFill>
-              <a:srgbClr val="000000"/>
-            </a:solidFill>
-            <a:prstDash val="solid"/>
-          </a:ln>
-          <a:effectLst/>
-        </p:spPr>
-        <p:txBody>
-          <a:bodyPr lIns="0" rIns="0" rtlCol="0" anchor="t"/>
-          <a:lstStyle/>
-          <a:p>
-            <a:pPr marL="0" marR="0" lvl="0" indent="0" algn="ctr" defTabSz="914400" eaLnBrk="1" fontAlgn="auto" latinLnBrk="0" hangingPunct="1">
-              <a:lnSpc>
-                <a:spcPct val="100000"/>
-              </a:lnSpc>
-              <a:spcBef>
-                <a:spcPts val="0"/>
-              </a:spcBef>
-              <a:spcAft>
-                <a:spcPts val="0"/>
-              </a:spcAft>
-              <a:buClrTx/>
-              <a:buSzTx/>
-              <a:buFontTx/>
-              <a:buNone/>
-              <a:tabLst/>
-              <a:defRPr/>
-            </a:pPr>
-            <a:r>
-              <a:rPr kumimoji="0" lang="en-US" sz="1200" b="0" i="0" u="none" strike="noStrike" kern="0" cap="none" spc="0" normalizeH="0" baseline="0" noProof="0" dirty="0">
-                <a:ln>
-                  <a:noFill/>
-                </a:ln>
-                <a:solidFill>
-                  <a:srgbClr val="000000"/>
-                </a:solidFill>
-                <a:effectLst/>
-                <a:uLnTx/>
-                <a:uFillTx/>
-                <a:latin typeface="Arial" panose="020B0604020202020204"/>
-                <a:ea typeface="+mn-ea"/>
-                <a:cs typeface="+mn-cs"/>
-              </a:rPr>
-              <a:t>Generated code</a:t>
-            </a:r>
-          </a:p>
-        </p:txBody>
-      </p:sp>
-      <p:cxnSp>
-        <p:nvCxnSpPr>
-          <p:cNvPr id="96" name="Straight Arrow Connector 95">
-            <a:extLst>
-              <a:ext uri="{FF2B5EF4-FFF2-40B4-BE49-F238E27FC236}">
-                <a16:creationId xmlns:a16="http://schemas.microsoft.com/office/drawing/2014/main" id="{7F190995-C63F-4A1D-8C51-395E8BBE78C1}"/>
-              </a:ext>
-            </a:extLst>
-          </p:cNvPr>
-          <p:cNvCxnSpPr>
-            <a:cxnSpLocks/>
-            <a:stCxn id="62" idx="2"/>
-            <a:endCxn id="93" idx="0"/>
-          </p:cNvCxnSpPr>
-          <p:nvPr/>
-        </p:nvCxnSpPr>
-        <p:spPr>
-          <a:xfrm flipH="1">
-            <a:off x="3359401" y="2774844"/>
-            <a:ext cx="373809" cy="631076"/>
-          </a:xfrm>
-          <a:prstGeom prst="straightConnector1">
-            <a:avLst/>
-          </a:prstGeom>
-          <a:noFill/>
-          <a:ln w="12700" cap="flat" cmpd="sng" algn="ctr">
-            <a:solidFill>
-              <a:srgbClr val="000000"/>
-            </a:solidFill>
-            <a:prstDash val="solid"/>
-            <a:headEnd type="none" w="med" len="med"/>
-            <a:tailEnd type="arrow" w="med" len="med"/>
-          </a:ln>
-          <a:effectLst/>
-        </p:spPr>
-      </p:cxnSp>
-      <p:sp>
-        <p:nvSpPr>
-          <p:cNvPr id="103" name="Rectangle 102">
-            <a:extLst>
-              <a:ext uri="{FF2B5EF4-FFF2-40B4-BE49-F238E27FC236}">
-                <a16:creationId xmlns:a16="http://schemas.microsoft.com/office/drawing/2014/main" id="{BEDBC5B3-7396-4B30-A4EC-140956B5374C}"/>
-              </a:ext>
-            </a:extLst>
-          </p:cNvPr>
-          <p:cNvSpPr/>
-          <p:nvPr/>
-        </p:nvSpPr>
-        <p:spPr>
-          <a:xfrm>
-            <a:off x="7306936" y="3415856"/>
-            <a:ext cx="1025302" cy="687574"/>
-          </a:xfrm>
-          <a:prstGeom prst="rect">
-            <a:avLst/>
-          </a:prstGeom>
-          <a:noFill/>
-          <a:ln w="12700" cap="flat" cmpd="sng" algn="ctr">
-            <a:solidFill>
-              <a:srgbClr val="000000"/>
-            </a:solidFill>
-            <a:prstDash val="solid"/>
-          </a:ln>
-          <a:effectLst/>
-        </p:spPr>
-        <p:txBody>
-          <a:bodyPr lIns="0" rIns="0" rtlCol="0" anchor="t"/>
-          <a:lstStyle/>
-          <a:p>
-            <a:pPr marL="0" marR="0" lvl="0" indent="0" algn="ctr" defTabSz="914400" eaLnBrk="1" fontAlgn="auto" latinLnBrk="0" hangingPunct="1">
-              <a:lnSpc>
-                <a:spcPct val="100000"/>
-              </a:lnSpc>
-              <a:spcBef>
-                <a:spcPts val="0"/>
-              </a:spcBef>
-              <a:spcAft>
-                <a:spcPts val="0"/>
-              </a:spcAft>
-              <a:buClrTx/>
-              <a:buSzTx/>
-              <a:buFontTx/>
-              <a:buNone/>
-              <a:tabLst/>
-              <a:defRPr/>
-            </a:pPr>
-            <a:r>
-              <a:rPr kumimoji="0" lang="en-US" sz="1200" b="0" i="0" u="none" strike="noStrike" kern="0" cap="none" spc="0" normalizeH="0" baseline="0" noProof="0" dirty="0">
-                <a:ln>
-                  <a:noFill/>
-                </a:ln>
-                <a:solidFill>
-                  <a:srgbClr val="000000"/>
-                </a:solidFill>
-                <a:effectLst/>
-                <a:uLnTx/>
-                <a:uFillTx/>
-                <a:latin typeface="Arial" panose="020B0604020202020204"/>
-                <a:ea typeface="+mn-ea"/>
-                <a:cs typeface="+mn-cs"/>
-              </a:rPr>
-              <a:t>Synthesized </a:t>
-            </a:r>
-          </a:p>
-          <a:p>
-            <a:pPr marL="0" marR="0" lvl="0" indent="0" algn="ctr" defTabSz="914400" eaLnBrk="1" fontAlgn="auto" latinLnBrk="0" hangingPunct="1">
-              <a:lnSpc>
-                <a:spcPct val="100000"/>
-              </a:lnSpc>
-              <a:spcBef>
-                <a:spcPts val="0"/>
-              </a:spcBef>
-              <a:spcAft>
-                <a:spcPts val="0"/>
-              </a:spcAft>
-              <a:buClrTx/>
-              <a:buSzTx/>
-              <a:buFontTx/>
-              <a:buNone/>
-              <a:tabLst/>
-              <a:defRPr/>
-            </a:pPr>
-            <a:r>
-              <a:rPr kumimoji="0" lang="en-US" sz="1200" b="0" i="0" u="none" strike="noStrike" kern="0" cap="none" spc="0" normalizeH="0" baseline="0" noProof="0" dirty="0">
-                <a:ln>
-                  <a:noFill/>
-                </a:ln>
-                <a:solidFill>
-                  <a:srgbClr val="000000"/>
-                </a:solidFill>
-                <a:effectLst/>
-                <a:uLnTx/>
-                <a:uFillTx/>
-                <a:latin typeface="Arial" panose="020B0604020202020204"/>
-                <a:ea typeface="+mn-ea"/>
-                <a:cs typeface="+mn-cs"/>
-              </a:rPr>
-              <a:t>code</a:t>
-            </a:r>
-          </a:p>
-        </p:txBody>
-      </p:sp>
-      <p:cxnSp>
-        <p:nvCxnSpPr>
-          <p:cNvPr id="104" name="Straight Arrow Connector 103">
-            <a:extLst>
-              <a:ext uri="{FF2B5EF4-FFF2-40B4-BE49-F238E27FC236}">
-                <a16:creationId xmlns:a16="http://schemas.microsoft.com/office/drawing/2014/main" id="{36E5A3ED-D39F-4052-9C6F-8857A6706E23}"/>
-              </a:ext>
-            </a:extLst>
-          </p:cNvPr>
-          <p:cNvCxnSpPr>
-            <a:cxnSpLocks/>
-            <a:stCxn id="71" idx="3"/>
-            <a:endCxn id="103" idx="1"/>
-          </p:cNvCxnSpPr>
-          <p:nvPr/>
-        </p:nvCxnSpPr>
-        <p:spPr>
-          <a:xfrm>
-            <a:off x="6971810" y="3759643"/>
-            <a:ext cx="335126" cy="0"/>
-          </a:xfrm>
-          <a:prstGeom prst="straightConnector1">
-            <a:avLst/>
-          </a:prstGeom>
-          <a:noFill/>
-          <a:ln w="12700" cap="flat" cmpd="sng" algn="ctr">
-            <a:solidFill>
-              <a:srgbClr val="000000"/>
-            </a:solidFill>
-            <a:prstDash val="solid"/>
-            <a:headEnd type="none" w="med" len="med"/>
-            <a:tailEnd type="arrow" w="med" len="med"/>
-          </a:ln>
-          <a:effectLst/>
-        </p:spPr>
-      </p:cxnSp>
-      <p:cxnSp>
-        <p:nvCxnSpPr>
-          <p:cNvPr id="105" name="Straight Arrow Connector 104">
-            <a:extLst>
-              <a:ext uri="{FF2B5EF4-FFF2-40B4-BE49-F238E27FC236}">
-                <a16:creationId xmlns:a16="http://schemas.microsoft.com/office/drawing/2014/main" id="{B1368B2C-50A4-457A-9CB9-32CB73EDEFEB}"/>
-              </a:ext>
-            </a:extLst>
-          </p:cNvPr>
-          <p:cNvCxnSpPr>
-            <a:cxnSpLocks/>
-            <a:stCxn id="103" idx="2"/>
-            <a:endCxn id="90" idx="0"/>
-          </p:cNvCxnSpPr>
-          <p:nvPr/>
-        </p:nvCxnSpPr>
-        <p:spPr>
-          <a:xfrm flipH="1">
-            <a:off x="7816406" y="4103430"/>
-            <a:ext cx="3181" cy="337030"/>
-          </a:xfrm>
-          <a:prstGeom prst="straightConnector1">
-            <a:avLst/>
-          </a:prstGeom>
-          <a:noFill/>
-          <a:ln w="12700" cap="flat" cmpd="sng" algn="ctr">
-            <a:solidFill>
-              <a:srgbClr val="000000"/>
-            </a:solidFill>
-            <a:prstDash val="solid"/>
-            <a:headEnd type="none" w="med" len="med"/>
-            <a:tailEnd type="arrow" w="med" len="med"/>
-          </a:ln>
-          <a:effectLst/>
-        </p:spPr>
-      </p:cxnSp>
-      <p:sp>
-        <p:nvSpPr>
-          <p:cNvPr id="107" name="Rectangle 106">
-            <a:extLst>
-              <a:ext uri="{FF2B5EF4-FFF2-40B4-BE49-F238E27FC236}">
-                <a16:creationId xmlns:a16="http://schemas.microsoft.com/office/drawing/2014/main" id="{90184493-08BF-4F5A-BE3D-03334B50ED5E}"/>
-              </a:ext>
-            </a:extLst>
-          </p:cNvPr>
-          <p:cNvSpPr/>
-          <p:nvPr/>
-        </p:nvSpPr>
-        <p:spPr>
-          <a:xfrm>
-            <a:off x="4199991" y="5259056"/>
-            <a:ext cx="2771820" cy="350910"/>
-          </a:xfrm>
-          <a:prstGeom prst="rect">
-            <a:avLst/>
-          </a:prstGeom>
-          <a:noFill/>
-          <a:ln w="12700" cap="flat" cmpd="sng" algn="ctr">
-            <a:solidFill>
-              <a:srgbClr val="000000"/>
-            </a:solidFill>
-            <a:prstDash val="solid"/>
-          </a:ln>
-          <a:effectLst/>
-        </p:spPr>
-        <p:txBody>
-          <a:bodyPr rtlCol="0" anchor="t"/>
-          <a:lstStyle/>
-          <a:p>
-            <a:pPr marL="0" marR="0" lvl="0" indent="0" algn="ctr" defTabSz="914400" eaLnBrk="1" fontAlgn="auto" latinLnBrk="0" hangingPunct="1">
-              <a:lnSpc>
-                <a:spcPct val="100000"/>
-              </a:lnSpc>
-              <a:spcBef>
-                <a:spcPts val="0"/>
-              </a:spcBef>
-              <a:spcAft>
-                <a:spcPts val="0"/>
-              </a:spcAft>
-              <a:buClrTx/>
-              <a:buSzTx/>
-              <a:buFontTx/>
-              <a:buNone/>
-              <a:tabLst/>
-              <a:defRPr/>
-            </a:pPr>
-            <a:r>
-              <a:rPr kumimoji="0" lang="en-US" sz="1200" b="0" i="0" u="none" strike="noStrike" kern="0" cap="none" spc="0" normalizeH="0" baseline="0" noProof="0" dirty="0">
-                <a:ln>
-                  <a:noFill/>
-                </a:ln>
-                <a:solidFill>
-                  <a:srgbClr val="000000"/>
-                </a:solidFill>
-                <a:effectLst/>
-                <a:uLnTx/>
-                <a:uFillTx/>
-                <a:latin typeface="Arial" panose="020B0604020202020204"/>
-                <a:ea typeface="+mn-ea"/>
-                <a:cs typeface="+mn-cs"/>
-              </a:rPr>
-              <a:t>Executable code</a:t>
-            </a:r>
-          </a:p>
-        </p:txBody>
-      </p:sp>
-      <p:cxnSp>
-        <p:nvCxnSpPr>
-          <p:cNvPr id="112" name="Straight Arrow Connector 111">
-            <a:extLst>
-              <a:ext uri="{FF2B5EF4-FFF2-40B4-BE49-F238E27FC236}">
-                <a16:creationId xmlns:a16="http://schemas.microsoft.com/office/drawing/2014/main" id="{380F575F-BFF8-4D1E-BE6B-1E0BE563EF02}"/>
-              </a:ext>
-            </a:extLst>
-          </p:cNvPr>
-          <p:cNvCxnSpPr>
-            <a:cxnSpLocks/>
-            <a:stCxn id="114" idx="2"/>
-          </p:cNvCxnSpPr>
-          <p:nvPr/>
-        </p:nvCxnSpPr>
-        <p:spPr>
-          <a:xfrm>
-            <a:off x="2148811" y="4093368"/>
-            <a:ext cx="785898" cy="345281"/>
-          </a:xfrm>
-          <a:prstGeom prst="straightConnector1">
-            <a:avLst/>
-          </a:prstGeom>
-          <a:noFill/>
-          <a:ln w="12700" cap="flat" cmpd="sng" algn="ctr">
-            <a:solidFill>
-              <a:srgbClr val="000000"/>
-            </a:solidFill>
-            <a:prstDash val="solid"/>
-            <a:headEnd type="none" w="med" len="med"/>
-            <a:tailEnd type="arrow" w="med" len="med"/>
-          </a:ln>
-          <a:effectLst/>
-        </p:spPr>
-      </p:cxnSp>
-      <p:cxnSp>
-        <p:nvCxnSpPr>
-          <p:cNvPr id="113" name="Straight Arrow Connector 112">
-            <a:extLst>
-              <a:ext uri="{FF2B5EF4-FFF2-40B4-BE49-F238E27FC236}">
-                <a16:creationId xmlns:a16="http://schemas.microsoft.com/office/drawing/2014/main" id="{BE44C490-C780-4F1B-A181-807A09ED5996}"/>
-              </a:ext>
-            </a:extLst>
-          </p:cNvPr>
-          <p:cNvCxnSpPr/>
-          <p:nvPr/>
-        </p:nvCxnSpPr>
-        <p:spPr>
-          <a:xfrm>
-            <a:off x="6215935" y="1866900"/>
-            <a:ext cx="0" cy="238430"/>
-          </a:xfrm>
-          <a:prstGeom prst="straightConnector1">
-            <a:avLst/>
-          </a:prstGeom>
-          <a:noFill/>
-          <a:ln w="12700" cap="flat" cmpd="sng" algn="ctr">
-            <a:solidFill>
-              <a:srgbClr val="000000"/>
-            </a:solidFill>
-            <a:prstDash val="solid"/>
-            <a:headEnd type="arrow" w="med" len="med"/>
-            <a:tailEnd type="none" w="med" len="med"/>
-          </a:ln>
-          <a:effectLst/>
-        </p:spPr>
-      </p:cxnSp>
-      <p:sp>
-        <p:nvSpPr>
-          <p:cNvPr id="114" name="Rectangle 113">
-            <a:extLst>
-              <a:ext uri="{FF2B5EF4-FFF2-40B4-BE49-F238E27FC236}">
-                <a16:creationId xmlns:a16="http://schemas.microsoft.com/office/drawing/2014/main" id="{922EF082-6D4C-464F-BF89-5314BCF84569}"/>
-              </a:ext>
-            </a:extLst>
-          </p:cNvPr>
-          <p:cNvSpPr/>
-          <p:nvPr/>
-        </p:nvSpPr>
-        <p:spPr>
-          <a:xfrm>
-            <a:off x="1523193" y="3405794"/>
-            <a:ext cx="1251235" cy="687574"/>
-          </a:xfrm>
-          <a:prstGeom prst="rect">
-            <a:avLst/>
-          </a:prstGeom>
-          <a:noFill/>
-          <a:ln w="12700" cap="flat" cmpd="sng" algn="ctr">
-            <a:solidFill>
-              <a:srgbClr val="000000"/>
-            </a:solidFill>
-            <a:prstDash val="solid"/>
-          </a:ln>
-          <a:effectLst/>
-        </p:spPr>
-        <p:txBody>
-          <a:bodyPr lIns="0" rIns="0" rtlCol="0" anchor="t"/>
-          <a:lstStyle/>
-          <a:p>
-            <a:pPr marL="0" marR="0" lvl="0" indent="0" algn="ctr" defTabSz="914400" eaLnBrk="1" fontAlgn="auto" latinLnBrk="0" hangingPunct="1">
-              <a:lnSpc>
-                <a:spcPct val="100000"/>
-              </a:lnSpc>
-              <a:spcBef>
-                <a:spcPts val="0"/>
-              </a:spcBef>
-              <a:spcAft>
-                <a:spcPts val="0"/>
-              </a:spcAft>
-              <a:buClrTx/>
-              <a:buSzTx/>
-              <a:buFontTx/>
-              <a:buNone/>
-              <a:tabLst/>
-              <a:defRPr/>
-            </a:pPr>
-            <a:r>
-              <a:rPr lang="en-US" sz="1200" kern="0" dirty="0">
-                <a:solidFill>
-                  <a:srgbClr val="000000"/>
-                </a:solidFill>
-                <a:latin typeface="Arial" panose="020B0604020202020204"/>
-              </a:rPr>
-              <a:t>Hand-written component code</a:t>
-            </a:r>
-            <a:endParaRPr kumimoji="0" lang="en-US" sz="1200" b="0" i="0" u="none" strike="noStrike" kern="0" cap="none" spc="0" normalizeH="0" baseline="0" noProof="0" dirty="0">
-              <a:ln>
-                <a:noFill/>
-              </a:ln>
-              <a:solidFill>
-                <a:srgbClr val="000000"/>
-              </a:solidFill>
-              <a:effectLst/>
-              <a:uLnTx/>
-              <a:uFillTx/>
-              <a:latin typeface="Arial" panose="020B0604020202020204"/>
-              <a:ea typeface="+mn-ea"/>
-              <a:cs typeface="+mn-cs"/>
-            </a:endParaRPr>
-          </a:p>
-        </p:txBody>
-      </p:sp>
-      <p:sp>
-        <p:nvSpPr>
-          <p:cNvPr id="115" name="Rectangle 114">
-            <a:extLst>
-              <a:ext uri="{FF2B5EF4-FFF2-40B4-BE49-F238E27FC236}">
-                <a16:creationId xmlns:a16="http://schemas.microsoft.com/office/drawing/2014/main" id="{4DDE2433-5DC8-414A-8297-C1B544705C3E}"/>
-              </a:ext>
-            </a:extLst>
-          </p:cNvPr>
-          <p:cNvSpPr/>
-          <p:nvPr/>
-        </p:nvSpPr>
-        <p:spPr>
-          <a:xfrm>
-            <a:off x="8540710" y="3415856"/>
-            <a:ext cx="1251729" cy="676063"/>
-          </a:xfrm>
-          <a:prstGeom prst="rect">
-            <a:avLst/>
-          </a:prstGeom>
-          <a:solidFill>
-            <a:srgbClr val="D6EDBD"/>
-          </a:solidFill>
-          <a:ln w="12700" cap="flat" cmpd="sng" algn="ctr">
-            <a:solidFill>
-              <a:srgbClr val="000000"/>
-            </a:solidFill>
-            <a:prstDash val="solid"/>
-          </a:ln>
-          <a:effectLst/>
-        </p:spPr>
-        <p:txBody>
-          <a:bodyPr lIns="0" rIns="0" rtlCol="0" anchor="t"/>
-          <a:lstStyle/>
-          <a:p>
-            <a:pPr marL="0" marR="0" lvl="0" indent="0" algn="ctr" defTabSz="914400" eaLnBrk="1" fontAlgn="auto" latinLnBrk="0" hangingPunct="1">
-              <a:lnSpc>
-                <a:spcPct val="100000"/>
-              </a:lnSpc>
-              <a:spcBef>
-                <a:spcPts val="0"/>
-              </a:spcBef>
-              <a:spcAft>
-                <a:spcPts val="0"/>
-              </a:spcAft>
-              <a:buClrTx/>
-              <a:buSzTx/>
-              <a:buFontTx/>
-              <a:buNone/>
-              <a:tabLst/>
-              <a:defRPr/>
-            </a:pPr>
-            <a:r>
-              <a:rPr kumimoji="0" lang="en-US" sz="1200" b="0" i="0" u="none" strike="noStrike" kern="0" cap="none" spc="0" normalizeH="0" baseline="0" noProof="0" dirty="0">
-                <a:ln>
-                  <a:noFill/>
-                </a:ln>
-                <a:solidFill>
-                  <a:srgbClr val="000000"/>
-                </a:solidFill>
-                <a:effectLst/>
-                <a:uLnTx/>
-                <a:uFillTx/>
-                <a:latin typeface="Arial" panose="020B0604020202020204"/>
-                <a:ea typeface="+mn-ea"/>
-                <a:cs typeface="+mn-cs"/>
-              </a:rPr>
-              <a:t>Pre-verified component code (Attestation)</a:t>
-            </a:r>
-          </a:p>
-        </p:txBody>
-      </p:sp>
-      <p:cxnSp>
-        <p:nvCxnSpPr>
-          <p:cNvPr id="119" name="Straight Arrow Connector 118">
-            <a:extLst>
-              <a:ext uri="{FF2B5EF4-FFF2-40B4-BE49-F238E27FC236}">
-                <a16:creationId xmlns:a16="http://schemas.microsoft.com/office/drawing/2014/main" id="{D5425A1C-9D28-4037-8876-54779061E44A}"/>
-              </a:ext>
-            </a:extLst>
-          </p:cNvPr>
-          <p:cNvCxnSpPr>
-            <a:cxnSpLocks/>
-            <a:stCxn id="93" idx="2"/>
-            <a:endCxn id="89" idx="0"/>
-          </p:cNvCxnSpPr>
-          <p:nvPr/>
-        </p:nvCxnSpPr>
-        <p:spPr>
-          <a:xfrm>
-            <a:off x="3359401" y="4093494"/>
-            <a:ext cx="5958" cy="346966"/>
-          </a:xfrm>
-          <a:prstGeom prst="straightConnector1">
-            <a:avLst/>
-          </a:prstGeom>
-          <a:noFill/>
-          <a:ln w="12700" cap="flat" cmpd="sng" algn="ctr">
-            <a:solidFill>
-              <a:srgbClr val="000000"/>
-            </a:solidFill>
-            <a:prstDash val="solid"/>
-            <a:headEnd type="none" w="med" len="med"/>
-            <a:tailEnd type="arrow" w="med" len="med"/>
-          </a:ln>
-          <a:effectLst/>
-        </p:spPr>
-      </p:cxnSp>
-      <p:sp>
-        <p:nvSpPr>
-          <p:cNvPr id="126" name="Rectangle 125">
-            <a:extLst>
-              <a:ext uri="{FF2B5EF4-FFF2-40B4-BE49-F238E27FC236}">
-                <a16:creationId xmlns:a16="http://schemas.microsoft.com/office/drawing/2014/main" id="{3BB61A9D-3B92-4D98-9933-11FCB4BB2EED}"/>
-              </a:ext>
-            </a:extLst>
-          </p:cNvPr>
-          <p:cNvSpPr/>
-          <p:nvPr/>
-        </p:nvSpPr>
-        <p:spPr>
-          <a:xfrm>
-            <a:off x="1513484" y="4438649"/>
-            <a:ext cx="1045658" cy="557779"/>
-          </a:xfrm>
-          <a:prstGeom prst="rect">
-            <a:avLst/>
-          </a:prstGeom>
-          <a:solidFill>
-            <a:srgbClr val="D6EDBD"/>
-          </a:solidFill>
-          <a:ln w="12700" cap="flat" cmpd="sng" algn="ctr">
-            <a:solidFill>
-              <a:srgbClr val="000000"/>
-            </a:solidFill>
-            <a:prstDash val="solid"/>
-          </a:ln>
-          <a:effectLst/>
-        </p:spPr>
-        <p:txBody>
-          <a:bodyPr lIns="0" rIns="0" rtlCol="0" anchor="t"/>
-          <a:lstStyle/>
-          <a:p>
-            <a:pPr marL="0" marR="0" lvl="0" indent="0" algn="ctr" defTabSz="914400" eaLnBrk="1" fontAlgn="auto" latinLnBrk="0" hangingPunct="1">
-              <a:lnSpc>
-                <a:spcPct val="100000"/>
-              </a:lnSpc>
-              <a:spcBef>
-                <a:spcPts val="0"/>
-              </a:spcBef>
-              <a:spcAft>
-                <a:spcPts val="0"/>
-              </a:spcAft>
-              <a:buClrTx/>
-              <a:buSzTx/>
-              <a:buFontTx/>
-              <a:buNone/>
-              <a:tabLst/>
-              <a:defRPr/>
-            </a:pPr>
-            <a:r>
-              <a:rPr kumimoji="0" lang="en-US" sz="1200" b="0" i="0" u="none" strike="noStrike" kern="0" cap="none" spc="0" normalizeH="0" baseline="0" noProof="0" dirty="0">
-                <a:ln>
-                  <a:noFill/>
-                </a:ln>
-                <a:solidFill>
-                  <a:srgbClr val="000000"/>
-                </a:solidFill>
-                <a:effectLst/>
-                <a:uLnTx/>
-                <a:uFillTx/>
-                <a:latin typeface="Arial" panose="020B0604020202020204"/>
-                <a:ea typeface="+mn-ea"/>
-                <a:cs typeface="+mn-cs"/>
-              </a:rPr>
-              <a:t>Pre-verified code (seL4)</a:t>
-            </a:r>
-          </a:p>
-        </p:txBody>
-      </p:sp>
-      <p:cxnSp>
-        <p:nvCxnSpPr>
-          <p:cNvPr id="128" name="Connector: Elbow 127">
-            <a:extLst>
-              <a:ext uri="{FF2B5EF4-FFF2-40B4-BE49-F238E27FC236}">
-                <a16:creationId xmlns:a16="http://schemas.microsoft.com/office/drawing/2014/main" id="{8B7B7870-B6E7-45C2-BB03-FA81926EB055}"/>
-              </a:ext>
-            </a:extLst>
-          </p:cNvPr>
-          <p:cNvCxnSpPr>
-            <a:cxnSpLocks/>
-            <a:stCxn id="115" idx="2"/>
-            <a:endCxn id="90" idx="3"/>
-          </p:cNvCxnSpPr>
-          <p:nvPr/>
-        </p:nvCxnSpPr>
-        <p:spPr>
-          <a:xfrm rot="5400000">
-            <a:off x="8432511" y="3985285"/>
-            <a:ext cx="627430" cy="840699"/>
-          </a:xfrm>
-          <a:prstGeom prst="bentConnector2">
-            <a:avLst/>
-          </a:prstGeom>
-          <a:noFill/>
-          <a:ln w="12700" cap="flat" cmpd="sng" algn="ctr">
-            <a:solidFill>
-              <a:srgbClr val="000000"/>
-            </a:solidFill>
-            <a:prstDash val="solid"/>
-            <a:headEnd type="none" w="med" len="med"/>
-            <a:tailEnd type="arrow" w="med" len="med"/>
-          </a:ln>
-          <a:effectLst/>
-        </p:spPr>
-      </p:cxnSp>
-      <p:cxnSp>
-        <p:nvCxnSpPr>
-          <p:cNvPr id="142" name="Straight Arrow Connector 141">
-            <a:extLst>
-              <a:ext uri="{FF2B5EF4-FFF2-40B4-BE49-F238E27FC236}">
-                <a16:creationId xmlns:a16="http://schemas.microsoft.com/office/drawing/2014/main" id="{69826064-40DE-482F-84A5-76BC2CDB7267}"/>
-              </a:ext>
-            </a:extLst>
-          </p:cNvPr>
-          <p:cNvCxnSpPr>
-            <a:cxnSpLocks/>
-            <a:stCxn id="126" idx="3"/>
-            <a:endCxn id="89" idx="1"/>
-          </p:cNvCxnSpPr>
-          <p:nvPr/>
-        </p:nvCxnSpPr>
-        <p:spPr>
-          <a:xfrm>
-            <a:off x="2559142" y="4717539"/>
-            <a:ext cx="283388" cy="1810"/>
-          </a:xfrm>
-          <a:prstGeom prst="straightConnector1">
-            <a:avLst/>
-          </a:prstGeom>
-          <a:noFill/>
-          <a:ln w="12700" cap="flat" cmpd="sng" algn="ctr">
-            <a:solidFill>
-              <a:srgbClr val="000000"/>
-            </a:solidFill>
-            <a:prstDash val="solid"/>
-            <a:headEnd type="none" w="med" len="med"/>
-            <a:tailEnd type="arrow" w="med" len="med"/>
-          </a:ln>
-          <a:effectLst/>
-        </p:spPr>
-      </p:cxnSp>
-      <p:cxnSp>
-        <p:nvCxnSpPr>
-          <p:cNvPr id="168" name="Straight Arrow Connector 167">
-            <a:extLst>
-              <a:ext uri="{FF2B5EF4-FFF2-40B4-BE49-F238E27FC236}">
-                <a16:creationId xmlns:a16="http://schemas.microsoft.com/office/drawing/2014/main" id="{BE47D892-871D-4EDB-B82A-1AC457583D62}"/>
-              </a:ext>
-            </a:extLst>
-          </p:cNvPr>
-          <p:cNvCxnSpPr>
-            <a:cxnSpLocks/>
-            <a:endCxn id="66" idx="0"/>
-          </p:cNvCxnSpPr>
-          <p:nvPr/>
-        </p:nvCxnSpPr>
-        <p:spPr>
-          <a:xfrm>
-            <a:off x="7886670" y="1875191"/>
-            <a:ext cx="0" cy="240788"/>
-          </a:xfrm>
-          <a:prstGeom prst="straightConnector1">
-            <a:avLst/>
-          </a:prstGeom>
-          <a:noFill/>
-          <a:ln w="12700" cap="flat" cmpd="sng" algn="ctr">
-            <a:solidFill>
-              <a:srgbClr val="000000"/>
-            </a:solidFill>
-            <a:prstDash val="solid"/>
-            <a:headEnd type="none" w="med" len="med"/>
-            <a:tailEnd type="arrow" w="med" len="med"/>
-          </a:ln>
-          <a:effectLst/>
-        </p:spPr>
-      </p:cxnSp>
-      <p:sp>
-        <p:nvSpPr>
-          <p:cNvPr id="170" name="Rectangle 169">
-            <a:extLst>
-              <a:ext uri="{FF2B5EF4-FFF2-40B4-BE49-F238E27FC236}">
-                <a16:creationId xmlns:a16="http://schemas.microsoft.com/office/drawing/2014/main" id="{30A626FF-AF98-4F99-BBB9-6CB9987F2124}"/>
-              </a:ext>
-            </a:extLst>
-          </p:cNvPr>
-          <p:cNvSpPr/>
-          <p:nvPr/>
-        </p:nvSpPr>
-        <p:spPr>
-          <a:xfrm>
-            <a:off x="4199990" y="3415856"/>
-            <a:ext cx="1129455" cy="687574"/>
-          </a:xfrm>
-          <a:prstGeom prst="rect">
-            <a:avLst/>
-          </a:prstGeom>
-          <a:noFill/>
-          <a:ln w="12700" cap="flat" cmpd="sng" algn="ctr">
-            <a:solidFill>
-              <a:srgbClr val="000000"/>
-            </a:solidFill>
-            <a:prstDash val="solid"/>
-          </a:ln>
-          <a:effectLst/>
-        </p:spPr>
-        <p:txBody>
-          <a:bodyPr lIns="0" rIns="0" rtlCol="0" anchor="t"/>
-          <a:lstStyle/>
-          <a:p>
-            <a:pPr marL="0" marR="0" lvl="0" indent="0" algn="ctr" defTabSz="914400" eaLnBrk="1" fontAlgn="auto" latinLnBrk="0" hangingPunct="1">
-              <a:lnSpc>
-                <a:spcPct val="100000"/>
-              </a:lnSpc>
-              <a:spcBef>
-                <a:spcPts val="0"/>
-              </a:spcBef>
-              <a:spcAft>
-                <a:spcPts val="0"/>
-              </a:spcAft>
-              <a:buClrTx/>
-              <a:buSzTx/>
-              <a:buFontTx/>
-              <a:buNone/>
-              <a:tabLst/>
-              <a:defRPr/>
-            </a:pPr>
-            <a:r>
-              <a:rPr kumimoji="0" lang="en-US" sz="1200" b="0" i="0" u="none" strike="noStrike" kern="0" cap="none" spc="0" normalizeH="0" baseline="0" noProof="0" dirty="0" err="1">
-                <a:ln>
-                  <a:noFill/>
-                </a:ln>
-                <a:solidFill>
-                  <a:srgbClr val="000000"/>
-                </a:solidFill>
-                <a:effectLst/>
-                <a:uLnTx/>
-                <a:uFillTx/>
-                <a:latin typeface="Arial" panose="020B0604020202020204"/>
-                <a:ea typeface="+mn-ea"/>
-                <a:cs typeface="+mn-cs"/>
-              </a:rPr>
-              <a:t>CAmkES</a:t>
-            </a:r>
-            <a:r>
-              <a:rPr kumimoji="0" lang="en-US" sz="1200" b="0" i="0" u="none" strike="noStrike" kern="0" cap="none" spc="0" normalizeH="0" baseline="0" noProof="0" dirty="0">
-                <a:ln>
-                  <a:noFill/>
-                </a:ln>
-                <a:solidFill>
-                  <a:srgbClr val="000000"/>
-                </a:solidFill>
-                <a:effectLst/>
-                <a:uLnTx/>
-                <a:uFillTx/>
-                <a:latin typeface="Arial" panose="020B0604020202020204"/>
-                <a:ea typeface="+mn-ea"/>
-                <a:cs typeface="+mn-cs"/>
-              </a:rPr>
-              <a:t> </a:t>
-            </a:r>
-          </a:p>
-          <a:p>
-            <a:pPr marL="0" marR="0" lvl="0" indent="0" algn="ctr" defTabSz="914400" eaLnBrk="1" fontAlgn="auto" latinLnBrk="0" hangingPunct="1">
-              <a:lnSpc>
-                <a:spcPct val="100000"/>
-              </a:lnSpc>
-              <a:spcBef>
-                <a:spcPts val="0"/>
-              </a:spcBef>
-              <a:spcAft>
-                <a:spcPts val="0"/>
-              </a:spcAft>
-              <a:buClrTx/>
-              <a:buSzTx/>
-              <a:buFontTx/>
-              <a:buNone/>
-              <a:tabLst/>
-              <a:defRPr/>
-            </a:pPr>
-            <a:r>
-              <a:rPr kumimoji="0" lang="en-US" sz="1200" b="0" i="0" u="none" strike="noStrike" kern="0" cap="none" spc="0" normalizeH="0" baseline="0" noProof="0" dirty="0">
-                <a:ln>
-                  <a:noFill/>
-                </a:ln>
-                <a:solidFill>
-                  <a:srgbClr val="000000"/>
-                </a:solidFill>
-                <a:effectLst/>
-                <a:uLnTx/>
-                <a:uFillTx/>
-                <a:latin typeface="Arial" panose="020B0604020202020204"/>
-                <a:ea typeface="+mn-ea"/>
-                <a:cs typeface="+mn-cs"/>
-              </a:rPr>
-              <a:t>config files</a:t>
-            </a:r>
-          </a:p>
-        </p:txBody>
-      </p:sp>
-      <p:cxnSp>
-        <p:nvCxnSpPr>
-          <p:cNvPr id="177" name="Straight Arrow Connector 176">
-            <a:extLst>
-              <a:ext uri="{FF2B5EF4-FFF2-40B4-BE49-F238E27FC236}">
-                <a16:creationId xmlns:a16="http://schemas.microsoft.com/office/drawing/2014/main" id="{9D223902-46F5-4E76-AC3D-7235EF9BD2AE}"/>
-              </a:ext>
-            </a:extLst>
-          </p:cNvPr>
-          <p:cNvCxnSpPr>
-            <a:cxnSpLocks/>
-            <a:stCxn id="62" idx="2"/>
-            <a:endCxn id="170" idx="0"/>
-          </p:cNvCxnSpPr>
-          <p:nvPr/>
-        </p:nvCxnSpPr>
-        <p:spPr>
-          <a:xfrm>
-            <a:off x="3733210" y="2774844"/>
-            <a:ext cx="1031508" cy="641012"/>
-          </a:xfrm>
-          <a:prstGeom prst="straightConnector1">
-            <a:avLst/>
-          </a:prstGeom>
-          <a:noFill/>
-          <a:ln w="12700" cap="flat" cmpd="sng" algn="ctr">
-            <a:solidFill>
-              <a:srgbClr val="000000"/>
-            </a:solidFill>
-            <a:prstDash val="solid"/>
-            <a:headEnd type="none" w="med" len="med"/>
-            <a:tailEnd type="arrow" w="med" len="med"/>
-          </a:ln>
-          <a:effectLst/>
-        </p:spPr>
-      </p:cxnSp>
-      <p:cxnSp>
-        <p:nvCxnSpPr>
-          <p:cNvPr id="180" name="Connector: Elbow 179">
-            <a:extLst>
-              <a:ext uri="{FF2B5EF4-FFF2-40B4-BE49-F238E27FC236}">
-                <a16:creationId xmlns:a16="http://schemas.microsoft.com/office/drawing/2014/main" id="{88EDAEDC-7473-489A-B912-FFE6A2D23040}"/>
-              </a:ext>
-            </a:extLst>
-          </p:cNvPr>
-          <p:cNvCxnSpPr>
-            <a:cxnSpLocks/>
-            <a:stCxn id="89" idx="2"/>
-            <a:endCxn id="107" idx="1"/>
-          </p:cNvCxnSpPr>
-          <p:nvPr/>
-        </p:nvCxnSpPr>
-        <p:spPr>
-          <a:xfrm rot="16200000" flipH="1">
-            <a:off x="3564539" y="4799058"/>
-            <a:ext cx="436273" cy="834632"/>
-          </a:xfrm>
-          <a:prstGeom prst="bentConnector2">
-            <a:avLst/>
-          </a:prstGeom>
-          <a:noFill/>
-          <a:ln w="12700" cap="flat" cmpd="sng" algn="ctr">
-            <a:solidFill>
-              <a:srgbClr val="000000"/>
-            </a:solidFill>
-            <a:prstDash val="solid"/>
-            <a:headEnd type="none" w="med" len="med"/>
-            <a:tailEnd type="arrow" w="med" len="med"/>
-          </a:ln>
-          <a:effectLst/>
-        </p:spPr>
-      </p:cxnSp>
-      <p:cxnSp>
-        <p:nvCxnSpPr>
-          <p:cNvPr id="183" name="Connector: Elbow 182">
-            <a:extLst>
-              <a:ext uri="{FF2B5EF4-FFF2-40B4-BE49-F238E27FC236}">
-                <a16:creationId xmlns:a16="http://schemas.microsoft.com/office/drawing/2014/main" id="{4F729DF2-08D9-4E9F-9E75-42BC1EECB09F}"/>
-              </a:ext>
-            </a:extLst>
-          </p:cNvPr>
-          <p:cNvCxnSpPr>
-            <a:cxnSpLocks/>
-            <a:stCxn id="90" idx="2"/>
-            <a:endCxn id="107" idx="3"/>
-          </p:cNvCxnSpPr>
-          <p:nvPr/>
-        </p:nvCxnSpPr>
-        <p:spPr>
-          <a:xfrm rot="5400000">
-            <a:off x="7175973" y="4794077"/>
-            <a:ext cx="436273" cy="844595"/>
-          </a:xfrm>
-          <a:prstGeom prst="bentConnector2">
-            <a:avLst/>
-          </a:prstGeom>
-          <a:noFill/>
-          <a:ln w="12700" cap="flat" cmpd="sng" algn="ctr">
-            <a:solidFill>
-              <a:srgbClr val="000000"/>
-            </a:solidFill>
-            <a:prstDash val="solid"/>
-            <a:headEnd type="none" w="med" len="med"/>
-            <a:tailEnd type="arrow" w="med" len="med"/>
-          </a:ln>
-          <a:effectLst/>
-        </p:spPr>
-      </p:cxnSp>
-      <p:cxnSp>
-        <p:nvCxnSpPr>
-          <p:cNvPr id="195" name="Straight Arrow Connector 194">
-            <a:extLst>
-              <a:ext uri="{FF2B5EF4-FFF2-40B4-BE49-F238E27FC236}">
-                <a16:creationId xmlns:a16="http://schemas.microsoft.com/office/drawing/2014/main" id="{2DA5AFC0-A729-447E-8E21-E66C913343E6}"/>
-              </a:ext>
-            </a:extLst>
-          </p:cNvPr>
-          <p:cNvCxnSpPr>
-            <a:cxnSpLocks/>
-            <a:stCxn id="66" idx="3"/>
-            <a:endCxn id="256" idx="1"/>
-          </p:cNvCxnSpPr>
-          <p:nvPr/>
-        </p:nvCxnSpPr>
-        <p:spPr>
-          <a:xfrm flipV="1">
-            <a:off x="8234814" y="2438201"/>
-            <a:ext cx="295858" cy="7211"/>
-          </a:xfrm>
-          <a:prstGeom prst="straightConnector1">
-            <a:avLst/>
-          </a:prstGeom>
-          <a:noFill/>
-          <a:ln w="12700" cap="flat" cmpd="sng" algn="ctr">
-            <a:solidFill>
-              <a:srgbClr val="000000"/>
-            </a:solidFill>
-            <a:prstDash val="solid"/>
-            <a:headEnd type="none" w="med" len="med"/>
-            <a:tailEnd type="arrow" w="med" len="med"/>
-          </a:ln>
-          <a:effectLst/>
-        </p:spPr>
-      </p:cxnSp>
-      <p:cxnSp>
-        <p:nvCxnSpPr>
-          <p:cNvPr id="216" name="Straight Arrow Connector 215">
-            <a:extLst>
-              <a:ext uri="{FF2B5EF4-FFF2-40B4-BE49-F238E27FC236}">
-                <a16:creationId xmlns:a16="http://schemas.microsoft.com/office/drawing/2014/main" id="{07090243-E285-458A-A5E3-2655E273C41D}"/>
-              </a:ext>
-            </a:extLst>
-          </p:cNvPr>
-          <p:cNvCxnSpPr>
-            <a:cxnSpLocks/>
-            <a:stCxn id="170" idx="2"/>
-            <a:endCxn id="82" idx="0"/>
-          </p:cNvCxnSpPr>
-          <p:nvPr/>
-        </p:nvCxnSpPr>
-        <p:spPr>
-          <a:xfrm>
-            <a:off x="4764718" y="4103430"/>
-            <a:ext cx="0" cy="337030"/>
-          </a:xfrm>
-          <a:prstGeom prst="straightConnector1">
-            <a:avLst/>
-          </a:prstGeom>
-          <a:noFill/>
-          <a:ln w="12700" cap="flat" cmpd="sng" algn="ctr">
-            <a:solidFill>
-              <a:srgbClr val="000000"/>
-            </a:solidFill>
-            <a:prstDash val="solid"/>
-            <a:headEnd type="none" w="med" len="med"/>
-            <a:tailEnd type="arrow" w="med" len="med"/>
-          </a:ln>
-          <a:effectLst/>
-        </p:spPr>
-      </p:cxnSp>
-      <p:sp>
-        <p:nvSpPr>
-          <p:cNvPr id="256" name="Rectangle: Folded Corner 255">
-            <a:extLst>
-              <a:ext uri="{FF2B5EF4-FFF2-40B4-BE49-F238E27FC236}">
-                <a16:creationId xmlns:a16="http://schemas.microsoft.com/office/drawing/2014/main" id="{EAAF9A9E-E074-41F2-B466-63E9B4929F4B}"/>
-              </a:ext>
-            </a:extLst>
-          </p:cNvPr>
-          <p:cNvSpPr/>
-          <p:nvPr/>
-        </p:nvSpPr>
-        <p:spPr>
-          <a:xfrm>
-            <a:off x="8530672" y="2105330"/>
-            <a:ext cx="840177" cy="665741"/>
-          </a:xfrm>
-          <a:prstGeom prst="foldedCorner">
-            <a:avLst/>
-          </a:prstGeom>
-          <a:solidFill>
-            <a:srgbClr val="D6EDBD"/>
-          </a:solidFill>
-          <a:ln>
-            <a:solidFill>
-              <a:schemeClr val="tx1"/>
-            </a:solidFill>
-          </a:ln>
-        </p:spPr>
-        <p:style>
-          <a:lnRef idx="2">
-            <a:schemeClr val="accent1">
-              <a:shade val="50000"/>
-            </a:schemeClr>
-          </a:lnRef>
-          <a:fillRef idx="1">
-            <a:schemeClr val="accent1"/>
-          </a:fillRef>
-          <a:effectRef idx="0">
-            <a:schemeClr val="accent1"/>
-          </a:effectRef>
-          <a:fontRef idx="minor">
-            <a:schemeClr val="lt1"/>
-          </a:fontRef>
-        </p:style>
-        <p:txBody>
-          <a:bodyPr lIns="0" rIns="0" rtlCol="0" anchor="ctr"/>
-          <a:lstStyle/>
-          <a:p>
-            <a:pPr algn="ctr"/>
-            <a:r>
-              <a:rPr lang="en-US" sz="1200" dirty="0">
-                <a:solidFill>
-                  <a:schemeClr val="tx1"/>
-                </a:solidFill>
-                <a:latin typeface="Arial" panose="020B0604020202020204" pitchFamily="34" charset="0"/>
-                <a:cs typeface="Arial" panose="020B0604020202020204" pitchFamily="34" charset="0"/>
-              </a:rPr>
-              <a:t>Assurance Case</a:t>
-            </a:r>
-          </a:p>
-        </p:txBody>
-      </p:sp>
-      <p:sp>
-        <p:nvSpPr>
-          <p:cNvPr id="270" name="Rounded Rectangle 6">
-            <a:extLst>
-              <a:ext uri="{FF2B5EF4-FFF2-40B4-BE49-F238E27FC236}">
-                <a16:creationId xmlns:a16="http://schemas.microsoft.com/office/drawing/2014/main" id="{D166B131-0F5D-4F9D-8AD5-57F87C152A61}"/>
-              </a:ext>
-            </a:extLst>
-          </p:cNvPr>
-          <p:cNvSpPr/>
-          <p:nvPr/>
-        </p:nvSpPr>
-        <p:spPr>
-          <a:xfrm>
-            <a:off x="2379059" y="2111168"/>
-            <a:ext cx="845296" cy="663676"/>
-          </a:xfrm>
-          <a:prstGeom prst="roundRect">
-            <a:avLst>
-              <a:gd name="adj" fmla="val 13390"/>
-            </a:avLst>
-          </a:prstGeom>
-          <a:solidFill>
-            <a:srgbClr val="D6EDBD"/>
-          </a:solidFill>
-          <a:ln w="12700" cap="flat" cmpd="sng" algn="ctr">
-            <a:solidFill>
-              <a:srgbClr val="000000"/>
-            </a:solidFill>
-            <a:prstDash val="solid"/>
-          </a:ln>
-          <a:effectLst/>
-        </p:spPr>
-        <p:txBody>
-          <a:bodyPr rtlCol="0" anchor="t"/>
-          <a:lstStyle/>
-          <a:p>
-            <a:pPr marL="0" marR="0" lvl="0" indent="0" algn="ctr" defTabSz="914400" eaLnBrk="1" fontAlgn="auto" latinLnBrk="0" hangingPunct="1">
-              <a:lnSpc>
-                <a:spcPct val="100000"/>
-              </a:lnSpc>
-              <a:spcBef>
-                <a:spcPts val="0"/>
-              </a:spcBef>
-              <a:spcAft>
-                <a:spcPts val="0"/>
-              </a:spcAft>
-              <a:buClrTx/>
-              <a:buSzTx/>
-              <a:buFontTx/>
-              <a:buNone/>
-              <a:tabLst/>
-              <a:defRPr/>
-            </a:pPr>
-            <a:r>
-              <a:rPr kumimoji="0" lang="en-US" sz="1200" b="0" i="0" u="none" strike="noStrike" kern="0" cap="none" spc="0" normalizeH="0" baseline="0" noProof="0" dirty="0" err="1">
-                <a:ln>
-                  <a:noFill/>
-                </a:ln>
-                <a:solidFill>
-                  <a:srgbClr val="000000"/>
-                </a:solidFill>
-                <a:effectLst/>
-                <a:uLnTx/>
-                <a:uFillTx/>
-                <a:latin typeface="Arial" panose="020B0604020202020204"/>
-                <a:ea typeface="+mn-ea"/>
-                <a:cs typeface="+mn-cs"/>
-              </a:rPr>
-              <a:t>Awas</a:t>
-            </a:r>
-            <a:r>
-              <a:rPr kumimoji="0" lang="en-US" sz="1200" b="0" i="0" u="none" strike="noStrike" kern="0" cap="none" spc="0" normalizeH="0" baseline="0" noProof="0" dirty="0">
-                <a:ln>
-                  <a:noFill/>
-                </a:ln>
-                <a:solidFill>
-                  <a:srgbClr val="000000"/>
-                </a:solidFill>
-                <a:effectLst/>
-                <a:uLnTx/>
-                <a:uFillTx/>
-                <a:latin typeface="Arial" panose="020B0604020202020204"/>
-                <a:ea typeface="+mn-ea"/>
-                <a:cs typeface="+mn-cs"/>
-              </a:rPr>
-              <a:t> Info Flow</a:t>
-            </a:r>
-          </a:p>
-        </p:txBody>
-      </p:sp>
-      <p:cxnSp>
-        <p:nvCxnSpPr>
-          <p:cNvPr id="271" name="Straight Arrow Connector 270">
-            <a:extLst>
-              <a:ext uri="{FF2B5EF4-FFF2-40B4-BE49-F238E27FC236}">
-                <a16:creationId xmlns:a16="http://schemas.microsoft.com/office/drawing/2014/main" id="{57772B12-8077-415D-A2BF-8F0438032C56}"/>
-              </a:ext>
-            </a:extLst>
-          </p:cNvPr>
-          <p:cNvCxnSpPr>
-            <a:cxnSpLocks/>
-            <a:endCxn id="270" idx="0"/>
-          </p:cNvCxnSpPr>
-          <p:nvPr/>
-        </p:nvCxnSpPr>
-        <p:spPr>
-          <a:xfrm>
-            <a:off x="2801707" y="1875191"/>
-            <a:ext cx="0" cy="235977"/>
-          </a:xfrm>
-          <a:prstGeom prst="straightConnector1">
-            <a:avLst/>
-          </a:prstGeom>
-          <a:noFill/>
-          <a:ln w="12700" cap="flat" cmpd="sng" algn="ctr">
-            <a:solidFill>
-              <a:srgbClr val="000000"/>
-            </a:solidFill>
-            <a:prstDash val="solid"/>
-            <a:headEnd type="none" w="med" len="med"/>
-            <a:tailEnd type="arrow" w="med" len="med"/>
-          </a:ln>
-          <a:effectLst/>
-        </p:spPr>
-      </p:cxnSp>
-      <p:cxnSp>
-        <p:nvCxnSpPr>
-          <p:cNvPr id="272" name="Straight Arrow Connector 271">
-            <a:extLst>
-              <a:ext uri="{FF2B5EF4-FFF2-40B4-BE49-F238E27FC236}">
-                <a16:creationId xmlns:a16="http://schemas.microsoft.com/office/drawing/2014/main" id="{D4255AA1-0514-46DE-B422-442C29A740B1}"/>
-              </a:ext>
-            </a:extLst>
-          </p:cNvPr>
-          <p:cNvCxnSpPr/>
-          <p:nvPr/>
-        </p:nvCxnSpPr>
-        <p:spPr>
-          <a:xfrm>
-            <a:off x="5067878" y="1870007"/>
-            <a:ext cx="0" cy="238430"/>
-          </a:xfrm>
-          <a:prstGeom prst="straightConnector1">
-            <a:avLst/>
-          </a:prstGeom>
-          <a:noFill/>
-          <a:ln w="12700" cap="flat" cmpd="sng" algn="ctr">
-            <a:solidFill>
-              <a:srgbClr val="000000"/>
-            </a:solidFill>
-            <a:prstDash val="solid"/>
-            <a:headEnd type="arrow" w="med" len="med"/>
-            <a:tailEnd type="none" w="med" len="med"/>
-          </a:ln>
-          <a:effectLst/>
-        </p:spPr>
-      </p:cxnSp>
-      <p:cxnSp>
-        <p:nvCxnSpPr>
-          <p:cNvPr id="277" name="Straight Arrow Connector 276">
-            <a:extLst>
-              <a:ext uri="{FF2B5EF4-FFF2-40B4-BE49-F238E27FC236}">
-                <a16:creationId xmlns:a16="http://schemas.microsoft.com/office/drawing/2014/main" id="{FFADDA0C-0172-4B6D-98D6-8C009B0D7DAD}"/>
-              </a:ext>
-            </a:extLst>
-          </p:cNvPr>
-          <p:cNvCxnSpPr>
-            <a:cxnSpLocks/>
-            <a:stCxn id="65" idx="3"/>
-            <a:endCxn id="66" idx="1"/>
-          </p:cNvCxnSpPr>
-          <p:nvPr/>
-        </p:nvCxnSpPr>
-        <p:spPr>
-          <a:xfrm>
-            <a:off x="7329305" y="2440600"/>
-            <a:ext cx="209221" cy="4812"/>
-          </a:xfrm>
-          <a:prstGeom prst="straightConnector1">
-            <a:avLst/>
-          </a:prstGeom>
-          <a:noFill/>
-          <a:ln w="12700" cap="flat" cmpd="sng" algn="ctr">
-            <a:solidFill>
-              <a:srgbClr val="000000"/>
-            </a:solidFill>
-            <a:prstDash val="solid"/>
-            <a:headEnd type="none" w="med" len="med"/>
-            <a:tailEnd type="arrow" w="med" len="med"/>
-          </a:ln>
-          <a:effectLst/>
-        </p:spPr>
-      </p:cxnSp>
-      <p:sp>
-        <p:nvSpPr>
-          <p:cNvPr id="74" name="Rounded Rectangle 3">
-            <a:extLst>
-              <a:ext uri="{FF2B5EF4-FFF2-40B4-BE49-F238E27FC236}">
-                <a16:creationId xmlns:a16="http://schemas.microsoft.com/office/drawing/2014/main" id="{6F091CDF-5D23-4F37-89DE-6FAC33B4C054}"/>
-              </a:ext>
-            </a:extLst>
-          </p:cNvPr>
-          <p:cNvSpPr/>
-          <p:nvPr/>
-        </p:nvSpPr>
-        <p:spPr>
-          <a:xfrm>
-            <a:off x="1356993" y="3046145"/>
-            <a:ext cx="8615682" cy="2117660"/>
-          </a:xfrm>
-          <a:prstGeom prst="roundRect">
-            <a:avLst>
-              <a:gd name="adj" fmla="val 6667"/>
-            </a:avLst>
-          </a:prstGeom>
-          <a:noFill/>
-          <a:ln w="12700" cap="flat" cmpd="sng" algn="ctr">
-            <a:solidFill>
-              <a:srgbClr val="000000"/>
-            </a:solidFill>
-            <a:prstDash val="dash"/>
-          </a:ln>
-          <a:effectLst/>
-        </p:spPr>
-        <p:txBody>
-          <a:bodyPr rtlCol="0" anchor="t"/>
-          <a:lstStyle/>
-          <a:p>
-            <a:pPr marL="0" marR="0" lvl="0" indent="0" defTabSz="914400" eaLnBrk="1" fontAlgn="auto" latinLnBrk="0" hangingPunct="1">
-              <a:lnSpc>
-                <a:spcPct val="100000"/>
-              </a:lnSpc>
-              <a:spcBef>
-                <a:spcPts val="0"/>
-              </a:spcBef>
-              <a:spcAft>
-                <a:spcPts val="0"/>
-              </a:spcAft>
-              <a:buClrTx/>
-              <a:buSzTx/>
-              <a:buFontTx/>
-              <a:buNone/>
-              <a:tabLst/>
-              <a:defRPr/>
-            </a:pPr>
-            <a:r>
-              <a:rPr kumimoji="0" lang="en-US" sz="1200" b="0" i="0" u="none" strike="noStrike" kern="0" cap="none" spc="0" normalizeH="0" baseline="0" noProof="0" dirty="0">
-                <a:ln>
-                  <a:noFill/>
-                </a:ln>
-                <a:solidFill>
-                  <a:srgbClr val="000000"/>
-                </a:solidFill>
-                <a:effectLst/>
-                <a:uLnTx/>
-                <a:uFillTx/>
-                <a:latin typeface="Arial" panose="020B0604020202020204"/>
-                <a:ea typeface="+mn-ea"/>
-                <a:cs typeface="+mn-cs"/>
-              </a:rPr>
-              <a:t>BUILD ENVIRONMENT</a:t>
-            </a:r>
-          </a:p>
-        </p:txBody>
-      </p:sp>
-      <p:cxnSp>
-        <p:nvCxnSpPr>
-          <p:cNvPr id="75" name="Straight Arrow Connector 74">
-            <a:extLst>
-              <a:ext uri="{FF2B5EF4-FFF2-40B4-BE49-F238E27FC236}">
-                <a16:creationId xmlns:a16="http://schemas.microsoft.com/office/drawing/2014/main" id="{7699F29B-3BF0-4561-AADC-29ABA3E3ED7C}"/>
-              </a:ext>
-            </a:extLst>
-          </p:cNvPr>
-          <p:cNvCxnSpPr>
-            <a:cxnSpLocks/>
-            <a:endCxn id="66" idx="2"/>
-          </p:cNvCxnSpPr>
-          <p:nvPr/>
-        </p:nvCxnSpPr>
-        <p:spPr>
-          <a:xfrm flipV="1">
-            <a:off x="7886670" y="2774844"/>
-            <a:ext cx="0" cy="271302"/>
-          </a:xfrm>
-          <a:prstGeom prst="straightConnector1">
-            <a:avLst/>
-          </a:prstGeom>
-          <a:noFill/>
-          <a:ln w="12700" cap="flat" cmpd="sng" algn="ctr">
-            <a:solidFill>
-              <a:srgbClr val="000000"/>
-            </a:solidFill>
-            <a:prstDash val="solid"/>
-            <a:headEnd type="none" w="med" len="med"/>
-            <a:tailEnd type="arrow" w="med" len="med"/>
-          </a:ln>
-          <a:effectLst/>
-        </p:spPr>
-      </p:cxnSp>
-    </p:spTree>
-    <p:extLst>
-      <p:ext uri="{BB962C8B-B14F-4D97-AF65-F5344CB8AC3E}">
-        <p14:creationId xmlns:p14="http://schemas.microsoft.com/office/powerpoint/2010/main" val="931247018"/>
       </p:ext>
     </p:extLst>
   </p:cSld>
@@ -29082,7 +26832,7 @@
         <p:spPr>
           <a:xfrm>
             <a:off x="1356993" y="1243472"/>
-            <a:ext cx="8377551" cy="1681317"/>
+            <a:ext cx="8615682" cy="1681317"/>
           </a:xfrm>
           <a:prstGeom prst="roundRect">
             <a:avLst>
@@ -29669,7 +27419,7 @@
         </p:nvSpPr>
         <p:spPr>
           <a:xfrm>
-            <a:off x="6154550" y="3415856"/>
+            <a:off x="6164075" y="3415856"/>
             <a:ext cx="807735" cy="687574"/>
           </a:xfrm>
           <a:prstGeom prst="roundRect">
@@ -29746,7 +27496,7 @@
         </p:nvCxnSpPr>
         <p:spPr>
           <a:xfrm>
-            <a:off x="6558418" y="1866900"/>
+            <a:off x="6567943" y="1866900"/>
             <a:ext cx="0" cy="1548956"/>
           </a:xfrm>
           <a:prstGeom prst="straightConnector1">
@@ -30010,7 +27760,7 @@
         </p:nvSpPr>
         <p:spPr>
           <a:xfrm>
-            <a:off x="2890155" y="4440460"/>
+            <a:off x="2842530" y="4440460"/>
             <a:ext cx="1045657" cy="557778"/>
           </a:xfrm>
           <a:prstGeom prst="roundRect">
@@ -30082,7 +27832,7 @@
         </p:nvSpPr>
         <p:spPr>
           <a:xfrm>
-            <a:off x="7173585" y="4440460"/>
+            <a:off x="7306935" y="4440460"/>
             <a:ext cx="1018941" cy="557778"/>
           </a:xfrm>
           <a:prstGeom prst="roundRect">
@@ -30211,8 +27961,8 @@
         </p:nvCxnSpPr>
         <p:spPr>
           <a:xfrm>
-            <a:off x="3935812" y="4719349"/>
-            <a:ext cx="264178" cy="0"/>
+            <a:off x="3888187" y="4719349"/>
+            <a:ext cx="311803" cy="0"/>
           </a:xfrm>
           <a:prstGeom prst="straightConnector1">
             <a:avLst/>
@@ -30224,7 +27974,7 @@
             </a:solidFill>
             <a:prstDash val="solid"/>
             <a:headEnd type="arrow" w="med" len="med"/>
-            <a:tailEnd type="arrow" w="med" len="med"/>
+            <a:tailEnd type="none" w="med" len="med"/>
           </a:ln>
           <a:effectLst/>
         </p:spPr>
@@ -30248,7 +27998,7 @@
         <p:spPr>
           <a:xfrm flipH="1">
             <a:off x="5329445" y="4719349"/>
-            <a:ext cx="1844140" cy="0"/>
+            <a:ext cx="1977490" cy="0"/>
           </a:xfrm>
           <a:prstGeom prst="straightConnector1">
             <a:avLst/>
@@ -30260,7 +28010,7 @@
             </a:solidFill>
             <a:prstDash val="solid"/>
             <a:headEnd type="arrow" w="med" len="med"/>
-            <a:tailEnd type="arrow" w="med" len="med"/>
+            <a:tailEnd type="none" w="med" len="med"/>
           </a:ln>
           <a:effectLst/>
         </p:spPr>
@@ -30279,7 +28029,7 @@
         </p:nvSpPr>
         <p:spPr>
           <a:xfrm>
-            <a:off x="2924475" y="3405920"/>
+            <a:off x="2876850" y="3405920"/>
             <a:ext cx="965102" cy="687574"/>
           </a:xfrm>
           <a:prstGeom prst="rect">
@@ -30353,8 +28103,8 @@
         </p:nvCxnSpPr>
         <p:spPr>
           <a:xfrm flipH="1">
-            <a:off x="3407026" y="2774844"/>
-            <a:ext cx="326184" cy="631076"/>
+            <a:off x="3359401" y="2774844"/>
+            <a:ext cx="373809" cy="631076"/>
           </a:xfrm>
           <a:prstGeom prst="straightConnector1">
             <a:avLst/>
@@ -30385,7 +28135,7 @@
         </p:nvSpPr>
         <p:spPr>
           <a:xfrm>
-            <a:off x="7173586" y="3415856"/>
+            <a:off x="7306936" y="3415856"/>
             <a:ext cx="1025302" cy="687574"/>
           </a:xfrm>
           <a:prstGeom prst="rect">
@@ -30495,8 +28245,8 @@
         </p:nvCxnSpPr>
         <p:spPr>
           <a:xfrm>
-            <a:off x="6962285" y="3759643"/>
-            <a:ext cx="211301" cy="0"/>
+            <a:off x="6971810" y="3759643"/>
+            <a:ext cx="335126" cy="0"/>
           </a:xfrm>
           <a:prstGeom prst="straightConnector1">
             <a:avLst/>
@@ -30531,7 +28281,7 @@
         </p:nvCxnSpPr>
         <p:spPr>
           <a:xfrm flipH="1">
-            <a:off x="7683056" y="4103430"/>
+            <a:off x="7816406" y="4103430"/>
             <a:ext cx="3181" cy="337030"/>
           </a:xfrm>
           <a:prstGeom prst="straightConnector1">
@@ -30563,7 +28313,7 @@
         </p:nvSpPr>
         <p:spPr>
           <a:xfrm>
-            <a:off x="3380841" y="5306681"/>
+            <a:off x="4199991" y="5259056"/>
             <a:ext cx="2771820" cy="350910"/>
           </a:xfrm>
           <a:prstGeom prst="rect">
@@ -30614,7 +28364,7 @@
                 <a:ea typeface="+mn-ea"/>
                 <a:cs typeface="+mn-cs"/>
               </a:rPr>
-              <a:t>System executable</a:t>
+              <a:t>Executable code</a:t>
             </a:r>
           </a:p>
         </p:txBody>
@@ -30636,7 +28386,7 @@
         </p:nvCxnSpPr>
         <p:spPr>
           <a:xfrm>
-            <a:off x="2196436" y="4093368"/>
+            <a:off x="2148811" y="4093368"/>
             <a:ext cx="785898" cy="345281"/>
           </a:xfrm>
           <a:prstGeom prst="straightConnector1">
@@ -30700,7 +28450,7 @@
         </p:nvSpPr>
         <p:spPr>
           <a:xfrm>
-            <a:off x="1570818" y="3405794"/>
+            <a:off x="1523193" y="3405794"/>
             <a:ext cx="1251235" cy="687574"/>
           </a:xfrm>
           <a:prstGeom prst="rect">
@@ -30776,7 +28526,7 @@
         </p:nvSpPr>
         <p:spPr>
           <a:xfrm>
-            <a:off x="8359735" y="3415856"/>
+            <a:off x="8540710" y="3415856"/>
             <a:ext cx="1251729" cy="676063"/>
           </a:xfrm>
           <a:prstGeom prst="rect">
@@ -30852,7 +28602,7 @@
         </p:nvCxnSpPr>
         <p:spPr>
           <a:xfrm>
-            <a:off x="3407026" y="4093494"/>
+            <a:off x="3359401" y="4093494"/>
             <a:ext cx="5958" cy="346966"/>
           </a:xfrm>
           <a:prstGeom prst="straightConnector1">
@@ -30884,7 +28634,7 @@
         </p:nvSpPr>
         <p:spPr>
           <a:xfrm>
-            <a:off x="1589684" y="4438649"/>
+            <a:off x="1513484" y="4438649"/>
             <a:ext cx="1045658" cy="557779"/>
           </a:xfrm>
           <a:prstGeom prst="rect">
@@ -30960,8 +28710,8 @@
         </p:nvCxnSpPr>
         <p:spPr>
           <a:xfrm rot="5400000">
-            <a:off x="8275348" y="4009097"/>
-            <a:ext cx="627430" cy="793074"/>
+            <a:off x="8432511" y="3985285"/>
+            <a:ext cx="627430" cy="840699"/>
           </a:xfrm>
           <a:prstGeom prst="bentConnector2">
             <a:avLst/>
@@ -30996,8 +28746,8 @@
         </p:nvCxnSpPr>
         <p:spPr>
           <a:xfrm>
-            <a:off x="2635342" y="4717539"/>
-            <a:ext cx="254813" cy="1810"/>
+            <a:off x="2559142" y="4717539"/>
+            <a:ext cx="283388" cy="1810"/>
           </a:xfrm>
           <a:prstGeom prst="straightConnector1">
             <a:avLst/>
@@ -31210,6 +28960,78 @@
       </p:cxnSp>
       <p:cxnSp>
         <p:nvCxnSpPr>
+          <p:cNvPr id="180" name="Connector: Elbow 179">
+            <a:extLst>
+              <a:ext uri="{FF2B5EF4-FFF2-40B4-BE49-F238E27FC236}">
+                <a16:creationId xmlns:a16="http://schemas.microsoft.com/office/drawing/2014/main" id="{88EDAEDC-7473-489A-B912-FFE6A2D23040}"/>
+              </a:ext>
+            </a:extLst>
+          </p:cNvPr>
+          <p:cNvCxnSpPr>
+            <a:cxnSpLocks/>
+            <a:stCxn id="89" idx="2"/>
+            <a:endCxn id="107" idx="1"/>
+          </p:cNvCxnSpPr>
+          <p:nvPr/>
+        </p:nvCxnSpPr>
+        <p:spPr>
+          <a:xfrm rot="16200000" flipH="1">
+            <a:off x="3564539" y="4799058"/>
+            <a:ext cx="436273" cy="834632"/>
+          </a:xfrm>
+          <a:prstGeom prst="bentConnector2">
+            <a:avLst/>
+          </a:prstGeom>
+          <a:noFill/>
+          <a:ln w="12700" cap="flat" cmpd="sng" algn="ctr">
+            <a:solidFill>
+              <a:srgbClr val="000000"/>
+            </a:solidFill>
+            <a:prstDash val="solid"/>
+            <a:headEnd type="none" w="med" len="med"/>
+            <a:tailEnd type="arrow" w="med" len="med"/>
+          </a:ln>
+          <a:effectLst/>
+        </p:spPr>
+      </p:cxnSp>
+      <p:cxnSp>
+        <p:nvCxnSpPr>
+          <p:cNvPr id="183" name="Connector: Elbow 182">
+            <a:extLst>
+              <a:ext uri="{FF2B5EF4-FFF2-40B4-BE49-F238E27FC236}">
+                <a16:creationId xmlns:a16="http://schemas.microsoft.com/office/drawing/2014/main" id="{4F729DF2-08D9-4E9F-9E75-42BC1EECB09F}"/>
+              </a:ext>
+            </a:extLst>
+          </p:cNvPr>
+          <p:cNvCxnSpPr>
+            <a:cxnSpLocks/>
+            <a:stCxn id="90" idx="2"/>
+            <a:endCxn id="107" idx="3"/>
+          </p:cNvCxnSpPr>
+          <p:nvPr/>
+        </p:nvCxnSpPr>
+        <p:spPr>
+          <a:xfrm rot="5400000">
+            <a:off x="7175973" y="4794077"/>
+            <a:ext cx="436273" cy="844595"/>
+          </a:xfrm>
+          <a:prstGeom prst="bentConnector2">
+            <a:avLst/>
+          </a:prstGeom>
+          <a:noFill/>
+          <a:ln w="12700" cap="flat" cmpd="sng" algn="ctr">
+            <a:solidFill>
+              <a:srgbClr val="000000"/>
+            </a:solidFill>
+            <a:prstDash val="solid"/>
+            <a:headEnd type="none" w="med" len="med"/>
+            <a:tailEnd type="arrow" w="med" len="med"/>
+          </a:ln>
+          <a:effectLst/>
+        </p:spPr>
+      </p:cxnSp>
+      <p:cxnSp>
+        <p:nvCxnSpPr>
           <p:cNvPr id="195" name="Straight Arrow Connector 194">
             <a:extLst>
               <a:ext uri="{FF2B5EF4-FFF2-40B4-BE49-F238E27FC236}">
@@ -31552,7 +29374,7 @@
         <p:spPr>
           <a:xfrm>
             <a:off x="1356993" y="3046145"/>
-            <a:ext cx="8377551" cy="2117660"/>
+            <a:ext cx="8615682" cy="2117660"/>
           </a:xfrm>
           <a:prstGeom prst="roundRect">
             <a:avLst>
@@ -31644,6 +29466,2613 @@
           <a:effectLst/>
         </p:spPr>
       </p:cxnSp>
+    </p:spTree>
+    <p:extLst>
+      <p:ext uri="{BB962C8B-B14F-4D97-AF65-F5344CB8AC3E}">
+        <p14:creationId xmlns:p14="http://schemas.microsoft.com/office/powerpoint/2010/main" val="931247018"/>
+      </p:ext>
+    </p:extLst>
+  </p:cSld>
+  <p:clrMapOvr>
+    <a:masterClrMapping/>
+  </p:clrMapOvr>
+</p:sld>
+</file>
+
+<file path=ppt/slides/slide15.xml><?xml version="1.0" encoding="utf-8"?>
+<p:sld xmlns:a="http://schemas.openxmlformats.org/drawingml/2006/main" xmlns:r="http://schemas.openxmlformats.org/officeDocument/2006/relationships" xmlns:p="http://schemas.openxmlformats.org/presentationml/2006/main">
+  <p:cSld>
+    <p:spTree>
+      <p:nvGrpSpPr>
+        <p:cNvPr id="1" name=""/>
+        <p:cNvGrpSpPr/>
+        <p:nvPr/>
+      </p:nvGrpSpPr>
+      <p:grpSpPr>
+        <a:xfrm>
+          <a:off x="0" y="0"/>
+          <a:ext cx="0" cy="0"/>
+          <a:chOff x="0" y="0"/>
+          <a:chExt cx="0" cy="0"/>
+        </a:xfrm>
+      </p:grpSpPr>
+      <p:sp>
+        <p:nvSpPr>
+          <p:cNvPr id="60" name="Rounded Rectangle 3">
+            <a:extLst>
+              <a:ext uri="{FF2B5EF4-FFF2-40B4-BE49-F238E27FC236}">
+                <a16:creationId xmlns:a16="http://schemas.microsoft.com/office/drawing/2014/main" id="{FE624042-07D2-4DF4-9D60-2A9B441F1BE0}"/>
+              </a:ext>
+            </a:extLst>
+          </p:cNvPr>
+          <p:cNvSpPr/>
+          <p:nvPr/>
+        </p:nvSpPr>
+        <p:spPr>
+          <a:xfrm>
+            <a:off x="1356993" y="1243472"/>
+            <a:ext cx="8377551" cy="1681317"/>
+          </a:xfrm>
+          <a:prstGeom prst="roundRect">
+            <a:avLst>
+              <a:gd name="adj" fmla="val 6667"/>
+            </a:avLst>
+          </a:prstGeom>
+          <a:noFill/>
+          <a:ln w="12700" cap="flat" cmpd="sng" algn="ctr">
+            <a:solidFill>
+              <a:srgbClr val="000000"/>
+            </a:solidFill>
+            <a:prstDash val="dash"/>
+          </a:ln>
+          <a:effectLst/>
+        </p:spPr>
+        <p:txBody>
+          <a:bodyPr rtlCol="0" anchor="t"/>
+          <a:lstStyle/>
+          <a:p>
+            <a:pPr marL="0" marR="0" lvl="0" indent="0" defTabSz="914400" eaLnBrk="1" fontAlgn="auto" latinLnBrk="0" hangingPunct="1">
+              <a:lnSpc>
+                <a:spcPct val="100000"/>
+              </a:lnSpc>
+              <a:spcBef>
+                <a:spcPts val="0"/>
+              </a:spcBef>
+              <a:spcAft>
+                <a:spcPts val="0"/>
+              </a:spcAft>
+              <a:buClrTx/>
+              <a:buSzTx/>
+              <a:buFontTx/>
+              <a:buNone/>
+              <a:tabLst/>
+              <a:defRPr/>
+            </a:pPr>
+            <a:r>
+              <a:rPr kumimoji="0" lang="en-US" sz="1200" b="0" i="0" u="none" strike="noStrike" kern="0" cap="none" spc="0" normalizeH="0" baseline="0" noProof="0" dirty="0">
+                <a:ln>
+                  <a:noFill/>
+                </a:ln>
+                <a:solidFill>
+                  <a:srgbClr val="000000"/>
+                </a:solidFill>
+                <a:effectLst/>
+                <a:uLnTx/>
+                <a:uFillTx/>
+                <a:latin typeface="Arial" panose="020B0604020202020204"/>
+                <a:ea typeface="+mn-ea"/>
+                <a:cs typeface="+mn-cs"/>
+              </a:rPr>
+              <a:t>OSATE</a:t>
+            </a:r>
+          </a:p>
+          <a:p>
+            <a:pPr marL="0" marR="0" lvl="0" indent="0" defTabSz="914400" eaLnBrk="1" fontAlgn="auto" latinLnBrk="0" hangingPunct="1">
+              <a:lnSpc>
+                <a:spcPct val="100000"/>
+              </a:lnSpc>
+              <a:spcBef>
+                <a:spcPts val="0"/>
+              </a:spcBef>
+              <a:spcAft>
+                <a:spcPts val="0"/>
+              </a:spcAft>
+              <a:buClrTx/>
+              <a:buSzTx/>
+              <a:buFontTx/>
+              <a:buNone/>
+              <a:tabLst/>
+              <a:defRPr/>
+            </a:pPr>
+            <a:r>
+              <a:rPr lang="en-US" sz="1200" kern="0" dirty="0">
+                <a:solidFill>
+                  <a:srgbClr val="000000"/>
+                </a:solidFill>
+                <a:latin typeface="Arial" panose="020B0604020202020204"/>
+              </a:rPr>
+              <a:t>MODELING</a:t>
+            </a:r>
+          </a:p>
+          <a:p>
+            <a:pPr marL="0" marR="0" lvl="0" indent="0" defTabSz="914400" eaLnBrk="1" fontAlgn="auto" latinLnBrk="0" hangingPunct="1">
+              <a:lnSpc>
+                <a:spcPct val="100000"/>
+              </a:lnSpc>
+              <a:spcBef>
+                <a:spcPts val="0"/>
+              </a:spcBef>
+              <a:spcAft>
+                <a:spcPts val="0"/>
+              </a:spcAft>
+              <a:buClrTx/>
+              <a:buSzTx/>
+              <a:buFontTx/>
+              <a:buNone/>
+              <a:tabLst/>
+              <a:defRPr/>
+            </a:pPr>
+            <a:r>
+              <a:rPr lang="en-US" sz="1200" kern="0" dirty="0">
+                <a:solidFill>
+                  <a:srgbClr val="000000"/>
+                </a:solidFill>
+                <a:latin typeface="Arial" panose="020B0604020202020204"/>
+              </a:rPr>
+              <a:t>ENVIRONMENT</a:t>
+            </a:r>
+            <a:endParaRPr kumimoji="0" lang="en-US" sz="1200" b="0" i="0" u="none" strike="noStrike" kern="0" cap="none" spc="0" normalizeH="0" baseline="0" noProof="0" dirty="0">
+              <a:ln>
+                <a:noFill/>
+              </a:ln>
+              <a:solidFill>
+                <a:srgbClr val="000000"/>
+              </a:solidFill>
+              <a:effectLst/>
+              <a:uLnTx/>
+              <a:uFillTx/>
+              <a:latin typeface="Arial" panose="020B0604020202020204"/>
+              <a:ea typeface="+mn-ea"/>
+              <a:cs typeface="+mn-cs"/>
+            </a:endParaRPr>
+          </a:p>
+        </p:txBody>
+      </p:sp>
+      <p:sp>
+        <p:nvSpPr>
+          <p:cNvPr id="61" name="Rectangle 60">
+            <a:extLst>
+              <a:ext uri="{FF2B5EF4-FFF2-40B4-BE49-F238E27FC236}">
+                <a16:creationId xmlns:a16="http://schemas.microsoft.com/office/drawing/2014/main" id="{43BCF27E-FA0B-4588-B8D9-FA4E75F1F0A8}"/>
+              </a:ext>
+            </a:extLst>
+          </p:cNvPr>
+          <p:cNvSpPr/>
+          <p:nvPr/>
+        </p:nvSpPr>
+        <p:spPr>
+          <a:xfrm>
+            <a:off x="2679545" y="1400790"/>
+            <a:ext cx="6208738" cy="471948"/>
+          </a:xfrm>
+          <a:prstGeom prst="rect">
+            <a:avLst/>
+          </a:prstGeom>
+          <a:noFill/>
+          <a:ln w="12700" cap="flat" cmpd="sng" algn="ctr">
+            <a:solidFill>
+              <a:srgbClr val="000000"/>
+            </a:solidFill>
+            <a:prstDash val="solid"/>
+          </a:ln>
+          <a:effectLst/>
+        </p:spPr>
+        <p:txBody>
+          <a:bodyPr rtlCol="0" anchor="t"/>
+          <a:lstStyle/>
+          <a:p>
+            <a:pPr marL="0" marR="0" lvl="0" indent="0" algn="ctr" defTabSz="914400" eaLnBrk="1" fontAlgn="auto" latinLnBrk="0" hangingPunct="1">
+              <a:lnSpc>
+                <a:spcPct val="100000"/>
+              </a:lnSpc>
+              <a:spcBef>
+                <a:spcPts val="0"/>
+              </a:spcBef>
+              <a:spcAft>
+                <a:spcPts val="0"/>
+              </a:spcAft>
+              <a:buClrTx/>
+              <a:buSzTx/>
+              <a:buFontTx/>
+              <a:buNone/>
+              <a:tabLst/>
+              <a:defRPr/>
+            </a:pPr>
+            <a:r>
+              <a:rPr kumimoji="0" lang="en-US" sz="1200" b="0" i="0" u="none" strike="noStrike" kern="0" cap="none" spc="0" normalizeH="0" baseline="0" noProof="0" dirty="0">
+                <a:ln>
+                  <a:noFill/>
+                </a:ln>
+                <a:solidFill>
+                  <a:srgbClr val="000000"/>
+                </a:solidFill>
+                <a:effectLst/>
+                <a:uLnTx/>
+                <a:uFillTx/>
+                <a:latin typeface="Arial" panose="020B0604020202020204"/>
+                <a:ea typeface="+mn-ea"/>
+                <a:cs typeface="+mn-cs"/>
+              </a:rPr>
+              <a:t>AADL model</a:t>
+            </a:r>
+          </a:p>
+        </p:txBody>
+      </p:sp>
+      <p:sp>
+        <p:nvSpPr>
+          <p:cNvPr id="62" name="Rounded Rectangle 6">
+            <a:extLst>
+              <a:ext uri="{FF2B5EF4-FFF2-40B4-BE49-F238E27FC236}">
+                <a16:creationId xmlns:a16="http://schemas.microsoft.com/office/drawing/2014/main" id="{74978FFF-7237-458A-8E97-66F4CB4E910C}"/>
+              </a:ext>
+            </a:extLst>
+          </p:cNvPr>
+          <p:cNvSpPr/>
+          <p:nvPr/>
+        </p:nvSpPr>
+        <p:spPr>
+          <a:xfrm>
+            <a:off x="3358540" y="2111168"/>
+            <a:ext cx="749339" cy="663676"/>
+          </a:xfrm>
+          <a:prstGeom prst="roundRect">
+            <a:avLst>
+              <a:gd name="adj" fmla="val 13390"/>
+            </a:avLst>
+          </a:prstGeom>
+          <a:solidFill>
+            <a:srgbClr val="D6EDBD"/>
+          </a:solidFill>
+          <a:ln w="12700" cap="flat" cmpd="sng" algn="ctr">
+            <a:solidFill>
+              <a:srgbClr val="000000"/>
+            </a:solidFill>
+            <a:prstDash val="solid"/>
+          </a:ln>
+          <a:effectLst/>
+        </p:spPr>
+        <p:txBody>
+          <a:bodyPr rtlCol="0" anchor="t"/>
+          <a:lstStyle/>
+          <a:p>
+            <a:pPr marL="0" marR="0" lvl="0" indent="0" algn="ctr" defTabSz="914400" eaLnBrk="1" fontAlgn="auto" latinLnBrk="0" hangingPunct="1">
+              <a:lnSpc>
+                <a:spcPct val="100000"/>
+              </a:lnSpc>
+              <a:spcBef>
+                <a:spcPts val="0"/>
+              </a:spcBef>
+              <a:spcAft>
+                <a:spcPts val="0"/>
+              </a:spcAft>
+              <a:buClrTx/>
+              <a:buSzTx/>
+              <a:buFontTx/>
+              <a:buNone/>
+              <a:tabLst/>
+              <a:defRPr/>
+            </a:pPr>
+            <a:r>
+              <a:rPr kumimoji="0" lang="en-US" sz="1200" b="0" i="0" u="none" strike="noStrike" kern="0" cap="none" spc="0" normalizeH="0" baseline="0" noProof="0" dirty="0">
+                <a:ln>
+                  <a:noFill/>
+                </a:ln>
+                <a:solidFill>
+                  <a:srgbClr val="000000"/>
+                </a:solidFill>
+                <a:effectLst/>
+                <a:uLnTx/>
+                <a:uFillTx/>
+                <a:latin typeface="Arial" panose="020B0604020202020204"/>
+                <a:ea typeface="+mn-ea"/>
+                <a:cs typeface="+mn-cs"/>
+              </a:rPr>
+              <a:t>HAMR</a:t>
+            </a:r>
+          </a:p>
+        </p:txBody>
+      </p:sp>
+      <p:cxnSp>
+        <p:nvCxnSpPr>
+          <p:cNvPr id="63" name="Straight Arrow Connector 62">
+            <a:extLst>
+              <a:ext uri="{FF2B5EF4-FFF2-40B4-BE49-F238E27FC236}">
+                <a16:creationId xmlns:a16="http://schemas.microsoft.com/office/drawing/2014/main" id="{BEFA455D-7576-4B2A-9919-54716A876357}"/>
+              </a:ext>
+            </a:extLst>
+          </p:cNvPr>
+          <p:cNvCxnSpPr>
+            <a:cxnSpLocks/>
+            <a:endCxn id="62" idx="0"/>
+          </p:cNvCxnSpPr>
+          <p:nvPr/>
+        </p:nvCxnSpPr>
+        <p:spPr>
+          <a:xfrm>
+            <a:off x="3733210" y="1875191"/>
+            <a:ext cx="0" cy="235977"/>
+          </a:xfrm>
+          <a:prstGeom prst="straightConnector1">
+            <a:avLst/>
+          </a:prstGeom>
+          <a:noFill/>
+          <a:ln w="12700" cap="flat" cmpd="sng" algn="ctr">
+            <a:solidFill>
+              <a:srgbClr val="000000"/>
+            </a:solidFill>
+            <a:prstDash val="solid"/>
+            <a:headEnd type="none" w="med" len="med"/>
+            <a:tailEnd type="arrow" w="med" len="med"/>
+          </a:ln>
+          <a:effectLst/>
+        </p:spPr>
+      </p:cxnSp>
+      <p:sp>
+        <p:nvSpPr>
+          <p:cNvPr id="64" name="Rounded Rectangle 12">
+            <a:extLst>
+              <a:ext uri="{FF2B5EF4-FFF2-40B4-BE49-F238E27FC236}">
+                <a16:creationId xmlns:a16="http://schemas.microsoft.com/office/drawing/2014/main" id="{8A53815B-DB3F-4A32-B112-B811B8FF3EDF}"/>
+              </a:ext>
+            </a:extLst>
+          </p:cNvPr>
+          <p:cNvSpPr/>
+          <p:nvPr/>
+        </p:nvSpPr>
+        <p:spPr>
+          <a:xfrm>
+            <a:off x="5534258" y="2111168"/>
+            <a:ext cx="943671" cy="663676"/>
+          </a:xfrm>
+          <a:prstGeom prst="roundRect">
+            <a:avLst>
+              <a:gd name="adj" fmla="val 13390"/>
+            </a:avLst>
+          </a:prstGeom>
+          <a:solidFill>
+            <a:srgbClr val="D6EDBD"/>
+          </a:solidFill>
+          <a:ln w="12700" cap="flat" cmpd="sng" algn="ctr">
+            <a:solidFill>
+              <a:srgbClr val="000000"/>
+            </a:solidFill>
+            <a:prstDash val="solid"/>
+          </a:ln>
+          <a:effectLst/>
+        </p:spPr>
+        <p:txBody>
+          <a:bodyPr lIns="0" tIns="0" rIns="0" bIns="0" rtlCol="0" anchor="t"/>
+          <a:lstStyle/>
+          <a:p>
+            <a:pPr marL="0" marR="0" lvl="0" indent="0" algn="ctr" defTabSz="914400" eaLnBrk="1" fontAlgn="auto" latinLnBrk="0" hangingPunct="1">
+              <a:lnSpc>
+                <a:spcPct val="100000"/>
+              </a:lnSpc>
+              <a:spcBef>
+                <a:spcPts val="0"/>
+              </a:spcBef>
+              <a:spcAft>
+                <a:spcPts val="0"/>
+              </a:spcAft>
+              <a:buClrTx/>
+              <a:buSzTx/>
+              <a:buFontTx/>
+              <a:buNone/>
+              <a:tabLst/>
+              <a:defRPr/>
+            </a:pPr>
+            <a:r>
+              <a:rPr kumimoji="0" lang="en-US" sz="1200" b="0" i="0" u="none" strike="noStrike" kern="0" cap="none" spc="0" normalizeH="0" baseline="0" noProof="0" dirty="0">
+                <a:ln>
+                  <a:noFill/>
+                </a:ln>
+                <a:solidFill>
+                  <a:srgbClr val="000000"/>
+                </a:solidFill>
+                <a:effectLst/>
+                <a:uLnTx/>
+                <a:uFillTx/>
+                <a:latin typeface="Arial" panose="020B0604020202020204"/>
+                <a:ea typeface="+mn-ea"/>
+                <a:cs typeface="+mn-cs"/>
+              </a:rPr>
+              <a:t>Cyber Transforms</a:t>
+            </a:r>
+          </a:p>
+        </p:txBody>
+      </p:sp>
+      <p:sp>
+        <p:nvSpPr>
+          <p:cNvPr id="65" name="Rounded Rectangle 13">
+            <a:extLst>
+              <a:ext uri="{FF2B5EF4-FFF2-40B4-BE49-F238E27FC236}">
+                <a16:creationId xmlns:a16="http://schemas.microsoft.com/office/drawing/2014/main" id="{8586F126-C46A-44DC-8663-26C64309FCCA}"/>
+              </a:ext>
+            </a:extLst>
+          </p:cNvPr>
+          <p:cNvSpPr/>
+          <p:nvPr/>
+        </p:nvSpPr>
+        <p:spPr>
+          <a:xfrm>
+            <a:off x="6648234" y="2111167"/>
+            <a:ext cx="681071" cy="658865"/>
+          </a:xfrm>
+          <a:prstGeom prst="roundRect">
+            <a:avLst>
+              <a:gd name="adj" fmla="val 13390"/>
+            </a:avLst>
+          </a:prstGeom>
+          <a:solidFill>
+            <a:srgbClr val="D6EDBD"/>
+          </a:solidFill>
+          <a:ln w="12700" cap="flat" cmpd="sng" algn="ctr">
+            <a:solidFill>
+              <a:srgbClr val="000000"/>
+            </a:solidFill>
+            <a:prstDash val="solid"/>
+          </a:ln>
+          <a:effectLst/>
+        </p:spPr>
+        <p:txBody>
+          <a:bodyPr lIns="0" rIns="0" rtlCol="0" anchor="t"/>
+          <a:lstStyle/>
+          <a:p>
+            <a:pPr marL="0" marR="0" lvl="0" indent="0" algn="ctr" defTabSz="914400" eaLnBrk="1" fontAlgn="auto" latinLnBrk="0" hangingPunct="1">
+              <a:lnSpc>
+                <a:spcPct val="100000"/>
+              </a:lnSpc>
+              <a:spcBef>
+                <a:spcPts val="0"/>
+              </a:spcBef>
+              <a:spcAft>
+                <a:spcPts val="0"/>
+              </a:spcAft>
+              <a:buClrTx/>
+              <a:buSzTx/>
+              <a:buFontTx/>
+              <a:buNone/>
+              <a:tabLst/>
+              <a:defRPr/>
+            </a:pPr>
+            <a:r>
+              <a:rPr kumimoji="0" lang="en-US" sz="1200" b="0" i="0" u="none" strike="noStrike" kern="0" cap="none" spc="0" normalizeH="0" baseline="0" noProof="0" dirty="0">
+                <a:ln>
+                  <a:noFill/>
+                </a:ln>
+                <a:solidFill>
+                  <a:srgbClr val="000000"/>
+                </a:solidFill>
+                <a:effectLst/>
+                <a:uLnTx/>
+                <a:uFillTx/>
+                <a:latin typeface="Arial" panose="020B0604020202020204"/>
+                <a:ea typeface="+mn-ea"/>
+                <a:cs typeface="+mn-cs"/>
+              </a:rPr>
+              <a:t>AGREE</a:t>
+            </a:r>
+          </a:p>
+        </p:txBody>
+      </p:sp>
+      <p:sp>
+        <p:nvSpPr>
+          <p:cNvPr id="66" name="Rounded Rectangle 14">
+            <a:extLst>
+              <a:ext uri="{FF2B5EF4-FFF2-40B4-BE49-F238E27FC236}">
+                <a16:creationId xmlns:a16="http://schemas.microsoft.com/office/drawing/2014/main" id="{7460D3A4-6490-4FA8-8575-657F977C5245}"/>
+              </a:ext>
+            </a:extLst>
+          </p:cNvPr>
+          <p:cNvSpPr/>
+          <p:nvPr/>
+        </p:nvSpPr>
+        <p:spPr>
+          <a:xfrm>
+            <a:off x="7538526" y="2115979"/>
+            <a:ext cx="696288" cy="658865"/>
+          </a:xfrm>
+          <a:prstGeom prst="roundRect">
+            <a:avLst>
+              <a:gd name="adj" fmla="val 13390"/>
+            </a:avLst>
+          </a:prstGeom>
+          <a:solidFill>
+            <a:srgbClr val="D6EDBD"/>
+          </a:solidFill>
+          <a:ln w="12700" cap="flat" cmpd="sng" algn="ctr">
+            <a:solidFill>
+              <a:srgbClr val="000000"/>
+            </a:solidFill>
+            <a:prstDash val="solid"/>
+          </a:ln>
+          <a:effectLst/>
+        </p:spPr>
+        <p:txBody>
+          <a:bodyPr lIns="0" rIns="0" rtlCol="0" anchor="t"/>
+          <a:lstStyle/>
+          <a:p>
+            <a:pPr algn="ctr"/>
+            <a:r>
+              <a:rPr lang="en-US" sz="1200" kern="0" dirty="0">
+                <a:solidFill>
+                  <a:srgbClr val="000000"/>
+                </a:solidFill>
+                <a:latin typeface="Arial" panose="020B0604020202020204"/>
+              </a:rPr>
+              <a:t>Resolute</a:t>
+            </a:r>
+          </a:p>
+        </p:txBody>
+      </p:sp>
+      <p:cxnSp>
+        <p:nvCxnSpPr>
+          <p:cNvPr id="67" name="Straight Arrow Connector 66">
+            <a:extLst>
+              <a:ext uri="{FF2B5EF4-FFF2-40B4-BE49-F238E27FC236}">
+                <a16:creationId xmlns:a16="http://schemas.microsoft.com/office/drawing/2014/main" id="{0E1D2B94-D4D6-421F-AEC6-F4BF80F240F0}"/>
+              </a:ext>
+            </a:extLst>
+          </p:cNvPr>
+          <p:cNvCxnSpPr>
+            <a:cxnSpLocks/>
+            <a:endCxn id="65" idx="0"/>
+          </p:cNvCxnSpPr>
+          <p:nvPr/>
+        </p:nvCxnSpPr>
+        <p:spPr>
+          <a:xfrm flipH="1">
+            <a:off x="6988770" y="1875191"/>
+            <a:ext cx="1" cy="235976"/>
+          </a:xfrm>
+          <a:prstGeom prst="straightConnector1">
+            <a:avLst/>
+          </a:prstGeom>
+          <a:noFill/>
+          <a:ln w="12700" cap="flat" cmpd="sng" algn="ctr">
+            <a:solidFill>
+              <a:srgbClr val="000000"/>
+            </a:solidFill>
+            <a:prstDash val="solid"/>
+            <a:headEnd type="none" w="med" len="med"/>
+            <a:tailEnd type="arrow" w="med" len="med"/>
+          </a:ln>
+          <a:effectLst/>
+        </p:spPr>
+      </p:cxnSp>
+      <p:cxnSp>
+        <p:nvCxnSpPr>
+          <p:cNvPr id="70" name="Straight Arrow Connector 69">
+            <a:extLst>
+              <a:ext uri="{FF2B5EF4-FFF2-40B4-BE49-F238E27FC236}">
+                <a16:creationId xmlns:a16="http://schemas.microsoft.com/office/drawing/2014/main" id="{5F481ED9-6271-47B9-8D9F-6637E1171FA7}"/>
+              </a:ext>
+            </a:extLst>
+          </p:cNvPr>
+          <p:cNvCxnSpPr>
+            <a:cxnSpLocks/>
+          </p:cNvCxnSpPr>
+          <p:nvPr/>
+        </p:nvCxnSpPr>
+        <p:spPr>
+          <a:xfrm>
+            <a:off x="5853709" y="1866900"/>
+            <a:ext cx="0" cy="244268"/>
+          </a:xfrm>
+          <a:prstGeom prst="straightConnector1">
+            <a:avLst/>
+          </a:prstGeom>
+          <a:noFill/>
+          <a:ln w="12700" cap="flat" cmpd="sng" algn="ctr">
+            <a:solidFill>
+              <a:srgbClr val="000000"/>
+            </a:solidFill>
+            <a:prstDash val="solid"/>
+            <a:headEnd type="none" w="med" len="med"/>
+            <a:tailEnd type="arrow" w="med" len="med"/>
+          </a:ln>
+          <a:effectLst/>
+        </p:spPr>
+      </p:cxnSp>
+      <p:sp>
+        <p:nvSpPr>
+          <p:cNvPr id="71" name="Rounded Rectangle 45">
+            <a:extLst>
+              <a:ext uri="{FF2B5EF4-FFF2-40B4-BE49-F238E27FC236}">
+                <a16:creationId xmlns:a16="http://schemas.microsoft.com/office/drawing/2014/main" id="{B947BB66-EBBB-466E-8B71-D767F6987FE3}"/>
+              </a:ext>
+            </a:extLst>
+          </p:cNvPr>
+          <p:cNvSpPr/>
+          <p:nvPr/>
+        </p:nvSpPr>
+        <p:spPr>
+          <a:xfrm>
+            <a:off x="6154550" y="3415856"/>
+            <a:ext cx="807735" cy="687574"/>
+          </a:xfrm>
+          <a:prstGeom prst="roundRect">
+            <a:avLst>
+              <a:gd name="adj" fmla="val 13390"/>
+            </a:avLst>
+          </a:prstGeom>
+          <a:solidFill>
+            <a:srgbClr val="D6EDBD"/>
+          </a:solidFill>
+          <a:ln w="12700" cap="flat" cmpd="sng" algn="ctr">
+            <a:solidFill>
+              <a:srgbClr val="000000"/>
+            </a:solidFill>
+            <a:prstDash val="solid"/>
+          </a:ln>
+          <a:effectLst/>
+        </p:spPr>
+        <p:txBody>
+          <a:bodyPr rtlCol="0" anchor="t"/>
+          <a:lstStyle/>
+          <a:p>
+            <a:pPr marL="0" marR="0" lvl="0" indent="0" algn="ctr" defTabSz="914400" eaLnBrk="1" fontAlgn="auto" latinLnBrk="0" hangingPunct="1">
+              <a:lnSpc>
+                <a:spcPct val="100000"/>
+              </a:lnSpc>
+              <a:spcBef>
+                <a:spcPts val="0"/>
+              </a:spcBef>
+              <a:spcAft>
+                <a:spcPts val="0"/>
+              </a:spcAft>
+              <a:buClrTx/>
+              <a:buSzTx/>
+              <a:buFontTx/>
+              <a:buNone/>
+              <a:tabLst/>
+              <a:defRPr/>
+            </a:pPr>
+            <a:r>
+              <a:rPr kumimoji="0" lang="en-US" sz="1200" b="0" i="0" u="none" strike="noStrike" kern="0" cap="none" spc="0" normalizeH="0" baseline="0" noProof="0" dirty="0">
+                <a:ln>
+                  <a:noFill/>
+                </a:ln>
+                <a:solidFill>
+                  <a:srgbClr val="000000"/>
+                </a:solidFill>
+                <a:effectLst/>
+                <a:uLnTx/>
+                <a:uFillTx/>
+                <a:latin typeface="Arial" panose="020B0604020202020204"/>
+                <a:ea typeface="+mn-ea"/>
+                <a:cs typeface="+mn-cs"/>
+              </a:rPr>
+              <a:t>SPLAT</a:t>
+            </a:r>
+          </a:p>
+        </p:txBody>
+      </p:sp>
+      <p:cxnSp>
+        <p:nvCxnSpPr>
+          <p:cNvPr id="72" name="Straight Arrow Connector 71">
+            <a:extLst>
+              <a:ext uri="{FF2B5EF4-FFF2-40B4-BE49-F238E27FC236}">
+                <a16:creationId xmlns:a16="http://schemas.microsoft.com/office/drawing/2014/main" id="{7BE849D1-BF44-4304-9965-F4071BDCFF23}"/>
+              </a:ext>
+            </a:extLst>
+          </p:cNvPr>
+          <p:cNvCxnSpPr>
+            <a:cxnSpLocks/>
+            <a:endCxn id="71" idx="0"/>
+          </p:cNvCxnSpPr>
+          <p:nvPr/>
+        </p:nvCxnSpPr>
+        <p:spPr>
+          <a:xfrm>
+            <a:off x="6558418" y="1866900"/>
+            <a:ext cx="0" cy="1548956"/>
+          </a:xfrm>
+          <a:prstGeom prst="straightConnector1">
+            <a:avLst/>
+          </a:prstGeom>
+          <a:noFill/>
+          <a:ln w="12700" cap="flat" cmpd="sng" algn="ctr">
+            <a:solidFill>
+              <a:srgbClr val="000000"/>
+            </a:solidFill>
+            <a:prstDash val="solid"/>
+            <a:headEnd type="none" w="med" len="med"/>
+            <a:tailEnd type="arrow" w="med" len="med"/>
+          </a:ln>
+          <a:effectLst/>
+        </p:spPr>
+      </p:cxnSp>
+      <p:sp>
+        <p:nvSpPr>
+          <p:cNvPr id="76" name="Rounded Rectangle 59">
+            <a:extLst>
+              <a:ext uri="{FF2B5EF4-FFF2-40B4-BE49-F238E27FC236}">
+                <a16:creationId xmlns:a16="http://schemas.microsoft.com/office/drawing/2014/main" id="{28AF0974-A4AE-4F51-A466-9DF1F093C8A0}"/>
+              </a:ext>
+            </a:extLst>
+          </p:cNvPr>
+          <p:cNvSpPr/>
+          <p:nvPr/>
+        </p:nvSpPr>
+        <p:spPr>
+          <a:xfrm>
+            <a:off x="4244622" y="2111168"/>
+            <a:ext cx="1131524" cy="663676"/>
+          </a:xfrm>
+          <a:prstGeom prst="roundRect">
+            <a:avLst>
+              <a:gd name="adj" fmla="val 13390"/>
+            </a:avLst>
+          </a:prstGeom>
+          <a:solidFill>
+            <a:srgbClr val="D6EDBD"/>
+          </a:solidFill>
+          <a:ln w="12700" cap="flat" cmpd="sng" algn="ctr">
+            <a:solidFill>
+              <a:srgbClr val="000000"/>
+            </a:solidFill>
+            <a:prstDash val="solid"/>
+          </a:ln>
+          <a:effectLst/>
+        </p:spPr>
+        <p:txBody>
+          <a:bodyPr lIns="0" rIns="0" rtlCol="0" anchor="t"/>
+          <a:lstStyle/>
+          <a:p>
+            <a:pPr marL="0" marR="0" lvl="0" indent="0" algn="ctr" defTabSz="914400" eaLnBrk="1" fontAlgn="auto" latinLnBrk="0" hangingPunct="1">
+              <a:lnSpc>
+                <a:spcPct val="100000"/>
+              </a:lnSpc>
+              <a:spcBef>
+                <a:spcPts val="0"/>
+              </a:spcBef>
+              <a:spcAft>
+                <a:spcPts val="0"/>
+              </a:spcAft>
+              <a:buClrTx/>
+              <a:buSzTx/>
+              <a:buFontTx/>
+              <a:buNone/>
+              <a:tabLst/>
+              <a:defRPr/>
+            </a:pPr>
+            <a:r>
+              <a:rPr kumimoji="0" lang="en-US" sz="1200" b="0" i="0" u="none" strike="noStrike" kern="0" cap="none" spc="0" normalizeH="0" baseline="0" noProof="0" dirty="0">
+                <a:ln>
+                  <a:noFill/>
+                </a:ln>
+                <a:solidFill>
+                  <a:srgbClr val="000000"/>
+                </a:solidFill>
+                <a:effectLst/>
+                <a:uLnTx/>
+                <a:uFillTx/>
+                <a:latin typeface="Arial" panose="020B0604020202020204"/>
+                <a:ea typeface="+mn-ea"/>
+                <a:cs typeface="+mn-cs"/>
+              </a:rPr>
+              <a:t>Requirements Analysis</a:t>
+            </a:r>
+          </a:p>
+        </p:txBody>
+      </p:sp>
+      <p:cxnSp>
+        <p:nvCxnSpPr>
+          <p:cNvPr id="78" name="Straight Arrow Connector 77">
+            <a:extLst>
+              <a:ext uri="{FF2B5EF4-FFF2-40B4-BE49-F238E27FC236}">
+                <a16:creationId xmlns:a16="http://schemas.microsoft.com/office/drawing/2014/main" id="{486FD576-3A48-4230-A178-913BACD135C2}"/>
+              </a:ext>
+            </a:extLst>
+          </p:cNvPr>
+          <p:cNvCxnSpPr>
+            <a:cxnSpLocks/>
+            <a:stCxn id="64" idx="1"/>
+            <a:endCxn id="76" idx="3"/>
+          </p:cNvCxnSpPr>
+          <p:nvPr/>
+        </p:nvCxnSpPr>
+        <p:spPr>
+          <a:xfrm flipH="1">
+            <a:off x="5376146" y="2443006"/>
+            <a:ext cx="158112" cy="0"/>
+          </a:xfrm>
+          <a:prstGeom prst="straightConnector1">
+            <a:avLst/>
+          </a:prstGeom>
+          <a:noFill/>
+          <a:ln w="12700" cap="flat" cmpd="sng" algn="ctr">
+            <a:solidFill>
+              <a:srgbClr val="000000"/>
+            </a:solidFill>
+            <a:prstDash val="solid"/>
+            <a:headEnd type="arrow" w="med" len="med"/>
+            <a:tailEnd type="none" w="med" len="med"/>
+          </a:ln>
+          <a:effectLst/>
+        </p:spPr>
+      </p:cxnSp>
+      <p:cxnSp>
+        <p:nvCxnSpPr>
+          <p:cNvPr id="79" name="Straight Arrow Connector 78">
+            <a:extLst>
+              <a:ext uri="{FF2B5EF4-FFF2-40B4-BE49-F238E27FC236}">
+                <a16:creationId xmlns:a16="http://schemas.microsoft.com/office/drawing/2014/main" id="{EBF4AD0D-BE24-44E4-B73D-65CA7F0AE012}"/>
+              </a:ext>
+            </a:extLst>
+          </p:cNvPr>
+          <p:cNvCxnSpPr>
+            <a:cxnSpLocks/>
+          </p:cNvCxnSpPr>
+          <p:nvPr/>
+        </p:nvCxnSpPr>
+        <p:spPr>
+          <a:xfrm>
+            <a:off x="4584404" y="1872738"/>
+            <a:ext cx="2040" cy="238430"/>
+          </a:xfrm>
+          <a:prstGeom prst="straightConnector1">
+            <a:avLst/>
+          </a:prstGeom>
+          <a:noFill/>
+          <a:ln w="12700" cap="flat" cmpd="sng" algn="ctr">
+            <a:solidFill>
+              <a:srgbClr val="000000"/>
+            </a:solidFill>
+            <a:prstDash val="solid"/>
+            <a:headEnd type="none" w="med" len="med"/>
+            <a:tailEnd type="arrow" w="med" len="med"/>
+          </a:ln>
+          <a:effectLst/>
+        </p:spPr>
+      </p:cxnSp>
+      <p:sp>
+        <p:nvSpPr>
+          <p:cNvPr id="82" name="Rounded Rectangle 72">
+            <a:extLst>
+              <a:ext uri="{FF2B5EF4-FFF2-40B4-BE49-F238E27FC236}">
+                <a16:creationId xmlns:a16="http://schemas.microsoft.com/office/drawing/2014/main" id="{372452D0-90C9-487E-A755-EFA14AC0E0AC}"/>
+              </a:ext>
+            </a:extLst>
+          </p:cNvPr>
+          <p:cNvSpPr/>
+          <p:nvPr/>
+        </p:nvSpPr>
+        <p:spPr>
+          <a:xfrm>
+            <a:off x="4199990" y="4440460"/>
+            <a:ext cx="1129455" cy="557778"/>
+          </a:xfrm>
+          <a:prstGeom prst="roundRect">
+            <a:avLst>
+              <a:gd name="adj" fmla="val 13390"/>
+            </a:avLst>
+          </a:prstGeom>
+          <a:solidFill>
+            <a:srgbClr val="D6EDBD"/>
+          </a:solidFill>
+          <a:ln w="12700" cap="flat" cmpd="sng" algn="ctr">
+            <a:solidFill>
+              <a:srgbClr val="000000"/>
+            </a:solidFill>
+            <a:prstDash val="solid"/>
+          </a:ln>
+          <a:effectLst/>
+        </p:spPr>
+        <p:txBody>
+          <a:bodyPr rtlCol="0" anchor="t"/>
+          <a:lstStyle/>
+          <a:p>
+            <a:pPr marL="0" marR="0" lvl="0" indent="0" algn="ctr" defTabSz="914400" eaLnBrk="1" fontAlgn="auto" latinLnBrk="0" hangingPunct="1">
+              <a:lnSpc>
+                <a:spcPct val="100000"/>
+              </a:lnSpc>
+              <a:spcBef>
+                <a:spcPts val="0"/>
+              </a:spcBef>
+              <a:spcAft>
+                <a:spcPts val="0"/>
+              </a:spcAft>
+              <a:buClrTx/>
+              <a:buSzTx/>
+              <a:buFontTx/>
+              <a:buNone/>
+              <a:tabLst/>
+              <a:defRPr/>
+            </a:pPr>
+            <a:r>
+              <a:rPr kumimoji="0" lang="en-US" sz="1200" b="0" i="0" u="none" strike="noStrike" kern="0" cap="none" spc="0" normalizeH="0" baseline="0" noProof="0" dirty="0" err="1">
+                <a:ln>
+                  <a:noFill/>
+                </a:ln>
+                <a:solidFill>
+                  <a:srgbClr val="000000"/>
+                </a:solidFill>
+                <a:effectLst/>
+                <a:uLnTx/>
+                <a:uFillTx/>
+                <a:latin typeface="Arial" panose="020B0604020202020204"/>
+                <a:ea typeface="+mn-ea"/>
+                <a:cs typeface="+mn-cs"/>
+              </a:rPr>
+              <a:t>CAmkES</a:t>
+            </a:r>
+            <a:endParaRPr kumimoji="0" lang="en-US" sz="1200" b="0" i="0" u="none" strike="noStrike" kern="0" cap="none" spc="0" normalizeH="0" baseline="0" noProof="0" dirty="0">
+              <a:ln>
+                <a:noFill/>
+              </a:ln>
+              <a:solidFill>
+                <a:srgbClr val="000000"/>
+              </a:solidFill>
+              <a:effectLst/>
+              <a:uLnTx/>
+              <a:uFillTx/>
+              <a:latin typeface="Arial" panose="020B0604020202020204"/>
+              <a:ea typeface="+mn-ea"/>
+              <a:cs typeface="+mn-cs"/>
+            </a:endParaRPr>
+          </a:p>
+        </p:txBody>
+      </p:sp>
+      <p:sp>
+        <p:nvSpPr>
+          <p:cNvPr id="89" name="Rounded Rectangle 83">
+            <a:extLst>
+              <a:ext uri="{FF2B5EF4-FFF2-40B4-BE49-F238E27FC236}">
+                <a16:creationId xmlns:a16="http://schemas.microsoft.com/office/drawing/2014/main" id="{A91295DC-1546-4D96-802E-EC2734A8D1A3}"/>
+              </a:ext>
+            </a:extLst>
+          </p:cNvPr>
+          <p:cNvSpPr/>
+          <p:nvPr/>
+        </p:nvSpPr>
+        <p:spPr>
+          <a:xfrm>
+            <a:off x="2890155" y="4440460"/>
+            <a:ext cx="1045657" cy="557778"/>
+          </a:xfrm>
+          <a:prstGeom prst="roundRect">
+            <a:avLst>
+              <a:gd name="adj" fmla="val 13390"/>
+            </a:avLst>
+          </a:prstGeom>
+          <a:noFill/>
+          <a:ln w="12700" cap="flat" cmpd="sng" algn="ctr">
+            <a:solidFill>
+              <a:srgbClr val="000000"/>
+            </a:solidFill>
+            <a:prstDash val="solid"/>
+          </a:ln>
+          <a:effectLst/>
+        </p:spPr>
+        <p:txBody>
+          <a:bodyPr lIns="0" rIns="0" rtlCol="0" anchor="t"/>
+          <a:lstStyle/>
+          <a:p>
+            <a:pPr marL="0" marR="0" lvl="0" indent="0" algn="ctr" defTabSz="914400" eaLnBrk="1" fontAlgn="auto" latinLnBrk="0" hangingPunct="1">
+              <a:lnSpc>
+                <a:spcPct val="100000"/>
+              </a:lnSpc>
+              <a:spcBef>
+                <a:spcPts val="0"/>
+              </a:spcBef>
+              <a:spcAft>
+                <a:spcPts val="0"/>
+              </a:spcAft>
+              <a:buClrTx/>
+              <a:buSzTx/>
+              <a:buFontTx/>
+              <a:buNone/>
+              <a:tabLst/>
+              <a:defRPr/>
+            </a:pPr>
+            <a:r>
+              <a:rPr kumimoji="0" lang="en-US" sz="1200" b="0" i="0" u="none" strike="noStrike" kern="0" cap="none" spc="0" normalizeH="0" baseline="0" noProof="0" dirty="0">
+                <a:ln>
+                  <a:noFill/>
+                </a:ln>
+                <a:solidFill>
+                  <a:srgbClr val="000000"/>
+                </a:solidFill>
+                <a:effectLst/>
+                <a:uLnTx/>
+                <a:uFillTx/>
+                <a:latin typeface="Arial" panose="020B0604020202020204"/>
+                <a:ea typeface="+mn-ea"/>
+                <a:cs typeface="+mn-cs"/>
+              </a:rPr>
+              <a:t>C compiler</a:t>
+            </a:r>
+          </a:p>
+        </p:txBody>
+      </p:sp>
+      <p:sp>
+        <p:nvSpPr>
+          <p:cNvPr id="90" name="Rounded Rectangle 84">
+            <a:extLst>
+              <a:ext uri="{FF2B5EF4-FFF2-40B4-BE49-F238E27FC236}">
+                <a16:creationId xmlns:a16="http://schemas.microsoft.com/office/drawing/2014/main" id="{413F3B59-DEC4-4E55-B74F-C6522F499955}"/>
+              </a:ext>
+            </a:extLst>
+          </p:cNvPr>
+          <p:cNvSpPr/>
+          <p:nvPr/>
+        </p:nvSpPr>
+        <p:spPr>
+          <a:xfrm>
+            <a:off x="7173585" y="4440460"/>
+            <a:ext cx="1018941" cy="557778"/>
+          </a:xfrm>
+          <a:prstGeom prst="roundRect">
+            <a:avLst>
+              <a:gd name="adj" fmla="val 13390"/>
+            </a:avLst>
+          </a:prstGeom>
+          <a:noFill/>
+          <a:ln w="12700" cap="flat" cmpd="sng" algn="ctr">
+            <a:solidFill>
+              <a:srgbClr val="000000"/>
+            </a:solidFill>
+            <a:prstDash val="solid"/>
+          </a:ln>
+          <a:effectLst/>
+        </p:spPr>
+        <p:txBody>
+          <a:bodyPr lIns="0" tIns="0" rIns="0" bIns="0" rtlCol="0" anchor="t"/>
+          <a:lstStyle/>
+          <a:p>
+            <a:pPr marL="0" marR="0" lvl="0" indent="0" algn="ctr" defTabSz="914400" eaLnBrk="1" fontAlgn="auto" latinLnBrk="0" hangingPunct="1">
+              <a:lnSpc>
+                <a:spcPct val="100000"/>
+              </a:lnSpc>
+              <a:spcBef>
+                <a:spcPts val="0"/>
+              </a:spcBef>
+              <a:spcAft>
+                <a:spcPts val="0"/>
+              </a:spcAft>
+              <a:buClrTx/>
+              <a:buSzTx/>
+              <a:buFontTx/>
+              <a:buNone/>
+              <a:tabLst/>
+              <a:defRPr/>
+            </a:pPr>
+            <a:r>
+              <a:rPr kumimoji="0" lang="en-US" sz="1200" b="0" i="0" u="none" strike="noStrike" kern="0" cap="none" spc="0" normalizeH="0" baseline="0" noProof="0" dirty="0" err="1">
+                <a:ln>
+                  <a:noFill/>
+                </a:ln>
+                <a:solidFill>
+                  <a:srgbClr val="000000"/>
+                </a:solidFill>
+                <a:effectLst/>
+                <a:uLnTx/>
+                <a:uFillTx/>
+                <a:latin typeface="Arial" panose="020B0604020202020204"/>
+                <a:ea typeface="+mn-ea"/>
+                <a:cs typeface="+mn-cs"/>
+              </a:rPr>
+              <a:t>CakeML</a:t>
+            </a:r>
+            <a:r>
+              <a:rPr kumimoji="0" lang="en-US" sz="1200" b="0" i="0" u="none" strike="noStrike" kern="0" cap="none" spc="0" normalizeH="0" baseline="0" noProof="0" dirty="0">
+                <a:ln>
+                  <a:noFill/>
+                </a:ln>
+                <a:solidFill>
+                  <a:srgbClr val="000000"/>
+                </a:solidFill>
+                <a:effectLst/>
+                <a:uLnTx/>
+                <a:uFillTx/>
+                <a:latin typeface="Arial" panose="020B0604020202020204"/>
+                <a:ea typeface="+mn-ea"/>
+                <a:cs typeface="+mn-cs"/>
+              </a:rPr>
+              <a:t> </a:t>
+            </a:r>
+          </a:p>
+          <a:p>
+            <a:pPr marL="0" marR="0" lvl="0" indent="0" algn="ctr" defTabSz="914400" eaLnBrk="1" fontAlgn="auto" latinLnBrk="0" hangingPunct="1">
+              <a:lnSpc>
+                <a:spcPct val="100000"/>
+              </a:lnSpc>
+              <a:spcBef>
+                <a:spcPts val="0"/>
+              </a:spcBef>
+              <a:spcAft>
+                <a:spcPts val="0"/>
+              </a:spcAft>
+              <a:buClrTx/>
+              <a:buSzTx/>
+              <a:buFontTx/>
+              <a:buNone/>
+              <a:tabLst/>
+              <a:defRPr/>
+            </a:pPr>
+            <a:r>
+              <a:rPr kumimoji="0" lang="en-US" sz="1200" b="0" i="0" u="none" strike="noStrike" kern="0" cap="none" spc="0" normalizeH="0" baseline="0" noProof="0" dirty="0">
+                <a:ln>
+                  <a:noFill/>
+                </a:ln>
+                <a:solidFill>
+                  <a:srgbClr val="000000"/>
+                </a:solidFill>
+                <a:effectLst/>
+                <a:uLnTx/>
+                <a:uFillTx/>
+                <a:latin typeface="Arial" panose="020B0604020202020204"/>
+                <a:ea typeface="+mn-ea"/>
+                <a:cs typeface="+mn-cs"/>
+              </a:rPr>
+              <a:t>compiler</a:t>
+            </a:r>
+          </a:p>
+        </p:txBody>
+      </p:sp>
+      <p:cxnSp>
+        <p:nvCxnSpPr>
+          <p:cNvPr id="91" name="Straight Arrow Connector 90">
+            <a:extLst>
+              <a:ext uri="{FF2B5EF4-FFF2-40B4-BE49-F238E27FC236}">
+                <a16:creationId xmlns:a16="http://schemas.microsoft.com/office/drawing/2014/main" id="{A7C921A8-DC67-4712-9D7C-BC74D4CCCCF3}"/>
+              </a:ext>
+            </a:extLst>
+          </p:cNvPr>
+          <p:cNvCxnSpPr>
+            <a:cxnSpLocks/>
+            <a:stCxn id="89" idx="3"/>
+            <a:endCxn id="82" idx="1"/>
+          </p:cNvCxnSpPr>
+          <p:nvPr/>
+        </p:nvCxnSpPr>
+        <p:spPr>
+          <a:xfrm>
+            <a:off x="3935812" y="4719349"/>
+            <a:ext cx="264178" cy="0"/>
+          </a:xfrm>
+          <a:prstGeom prst="straightConnector1">
+            <a:avLst/>
+          </a:prstGeom>
+          <a:noFill/>
+          <a:ln w="12700" cap="flat" cmpd="sng" algn="ctr">
+            <a:solidFill>
+              <a:srgbClr val="000000"/>
+            </a:solidFill>
+            <a:prstDash val="solid"/>
+            <a:headEnd type="arrow" w="med" len="med"/>
+            <a:tailEnd type="arrow" w="med" len="med"/>
+          </a:ln>
+          <a:effectLst/>
+        </p:spPr>
+      </p:cxnSp>
+      <p:cxnSp>
+        <p:nvCxnSpPr>
+          <p:cNvPr id="92" name="Straight Arrow Connector 91">
+            <a:extLst>
+              <a:ext uri="{FF2B5EF4-FFF2-40B4-BE49-F238E27FC236}">
+                <a16:creationId xmlns:a16="http://schemas.microsoft.com/office/drawing/2014/main" id="{D0ECB994-4EA6-40DB-A001-9F86BADC1D7E}"/>
+              </a:ext>
+            </a:extLst>
+          </p:cNvPr>
+          <p:cNvCxnSpPr>
+            <a:cxnSpLocks/>
+            <a:stCxn id="90" idx="1"/>
+            <a:endCxn id="82" idx="3"/>
+          </p:cNvCxnSpPr>
+          <p:nvPr/>
+        </p:nvCxnSpPr>
+        <p:spPr>
+          <a:xfrm flipH="1">
+            <a:off x="5329445" y="4719349"/>
+            <a:ext cx="1844140" cy="0"/>
+          </a:xfrm>
+          <a:prstGeom prst="straightConnector1">
+            <a:avLst/>
+          </a:prstGeom>
+          <a:noFill/>
+          <a:ln w="12700" cap="flat" cmpd="sng" algn="ctr">
+            <a:solidFill>
+              <a:srgbClr val="000000"/>
+            </a:solidFill>
+            <a:prstDash val="solid"/>
+            <a:headEnd type="arrow" w="med" len="med"/>
+            <a:tailEnd type="arrow" w="med" len="med"/>
+          </a:ln>
+          <a:effectLst/>
+        </p:spPr>
+      </p:cxnSp>
+      <p:sp>
+        <p:nvSpPr>
+          <p:cNvPr id="93" name="Rectangle 92">
+            <a:extLst>
+              <a:ext uri="{FF2B5EF4-FFF2-40B4-BE49-F238E27FC236}">
+                <a16:creationId xmlns:a16="http://schemas.microsoft.com/office/drawing/2014/main" id="{2442851B-0E2B-4CE8-8C18-A1FC719FEFF8}"/>
+              </a:ext>
+            </a:extLst>
+          </p:cNvPr>
+          <p:cNvSpPr/>
+          <p:nvPr/>
+        </p:nvSpPr>
+        <p:spPr>
+          <a:xfrm>
+            <a:off x="2924475" y="3405920"/>
+            <a:ext cx="965102" cy="687574"/>
+          </a:xfrm>
+          <a:prstGeom prst="rect">
+            <a:avLst/>
+          </a:prstGeom>
+          <a:noFill/>
+          <a:ln w="12700" cap="flat" cmpd="sng" algn="ctr">
+            <a:solidFill>
+              <a:srgbClr val="000000"/>
+            </a:solidFill>
+            <a:prstDash val="solid"/>
+          </a:ln>
+          <a:effectLst/>
+        </p:spPr>
+        <p:txBody>
+          <a:bodyPr lIns="0" rIns="0" rtlCol="0" anchor="t"/>
+          <a:lstStyle/>
+          <a:p>
+            <a:pPr marL="0" marR="0" lvl="0" indent="0" algn="ctr" defTabSz="914400" eaLnBrk="1" fontAlgn="auto" latinLnBrk="0" hangingPunct="1">
+              <a:lnSpc>
+                <a:spcPct val="100000"/>
+              </a:lnSpc>
+              <a:spcBef>
+                <a:spcPts val="0"/>
+              </a:spcBef>
+              <a:spcAft>
+                <a:spcPts val="0"/>
+              </a:spcAft>
+              <a:buClrTx/>
+              <a:buSzTx/>
+              <a:buFontTx/>
+              <a:buNone/>
+              <a:tabLst/>
+              <a:defRPr/>
+            </a:pPr>
+            <a:r>
+              <a:rPr kumimoji="0" lang="en-US" sz="1200" b="0" i="0" u="none" strike="noStrike" kern="0" cap="none" spc="0" normalizeH="0" baseline="0" noProof="0" dirty="0">
+                <a:ln>
+                  <a:noFill/>
+                </a:ln>
+                <a:solidFill>
+                  <a:srgbClr val="000000"/>
+                </a:solidFill>
+                <a:effectLst/>
+                <a:uLnTx/>
+                <a:uFillTx/>
+                <a:latin typeface="Arial" panose="020B0604020202020204"/>
+                <a:ea typeface="+mn-ea"/>
+                <a:cs typeface="+mn-cs"/>
+              </a:rPr>
+              <a:t>Generated code</a:t>
+            </a:r>
+          </a:p>
+        </p:txBody>
+      </p:sp>
+      <p:cxnSp>
+        <p:nvCxnSpPr>
+          <p:cNvPr id="96" name="Straight Arrow Connector 95">
+            <a:extLst>
+              <a:ext uri="{FF2B5EF4-FFF2-40B4-BE49-F238E27FC236}">
+                <a16:creationId xmlns:a16="http://schemas.microsoft.com/office/drawing/2014/main" id="{7F190995-C63F-4A1D-8C51-395E8BBE78C1}"/>
+              </a:ext>
+            </a:extLst>
+          </p:cNvPr>
+          <p:cNvCxnSpPr>
+            <a:cxnSpLocks/>
+            <a:stCxn id="62" idx="2"/>
+            <a:endCxn id="93" idx="0"/>
+          </p:cNvCxnSpPr>
+          <p:nvPr/>
+        </p:nvCxnSpPr>
+        <p:spPr>
+          <a:xfrm flipH="1">
+            <a:off x="3407026" y="2774844"/>
+            <a:ext cx="326184" cy="631076"/>
+          </a:xfrm>
+          <a:prstGeom prst="straightConnector1">
+            <a:avLst/>
+          </a:prstGeom>
+          <a:noFill/>
+          <a:ln w="12700" cap="flat" cmpd="sng" algn="ctr">
+            <a:solidFill>
+              <a:srgbClr val="000000"/>
+            </a:solidFill>
+            <a:prstDash val="solid"/>
+            <a:headEnd type="none" w="med" len="med"/>
+            <a:tailEnd type="arrow" w="med" len="med"/>
+          </a:ln>
+          <a:effectLst/>
+        </p:spPr>
+      </p:cxnSp>
+      <p:sp>
+        <p:nvSpPr>
+          <p:cNvPr id="103" name="Rectangle 102">
+            <a:extLst>
+              <a:ext uri="{FF2B5EF4-FFF2-40B4-BE49-F238E27FC236}">
+                <a16:creationId xmlns:a16="http://schemas.microsoft.com/office/drawing/2014/main" id="{BEDBC5B3-7396-4B30-A4EC-140956B5374C}"/>
+              </a:ext>
+            </a:extLst>
+          </p:cNvPr>
+          <p:cNvSpPr/>
+          <p:nvPr/>
+        </p:nvSpPr>
+        <p:spPr>
+          <a:xfrm>
+            <a:off x="7173586" y="3415856"/>
+            <a:ext cx="1025302" cy="687574"/>
+          </a:xfrm>
+          <a:prstGeom prst="rect">
+            <a:avLst/>
+          </a:prstGeom>
+          <a:noFill/>
+          <a:ln w="12700" cap="flat" cmpd="sng" algn="ctr">
+            <a:solidFill>
+              <a:srgbClr val="000000"/>
+            </a:solidFill>
+            <a:prstDash val="solid"/>
+          </a:ln>
+          <a:effectLst/>
+        </p:spPr>
+        <p:txBody>
+          <a:bodyPr lIns="0" rIns="0" rtlCol="0" anchor="t"/>
+          <a:lstStyle/>
+          <a:p>
+            <a:pPr marL="0" marR="0" lvl="0" indent="0" algn="ctr" defTabSz="914400" eaLnBrk="1" fontAlgn="auto" latinLnBrk="0" hangingPunct="1">
+              <a:lnSpc>
+                <a:spcPct val="100000"/>
+              </a:lnSpc>
+              <a:spcBef>
+                <a:spcPts val="0"/>
+              </a:spcBef>
+              <a:spcAft>
+                <a:spcPts val="0"/>
+              </a:spcAft>
+              <a:buClrTx/>
+              <a:buSzTx/>
+              <a:buFontTx/>
+              <a:buNone/>
+              <a:tabLst/>
+              <a:defRPr/>
+            </a:pPr>
+            <a:r>
+              <a:rPr kumimoji="0" lang="en-US" sz="1200" b="0" i="0" u="none" strike="noStrike" kern="0" cap="none" spc="0" normalizeH="0" baseline="0" noProof="0" dirty="0">
+                <a:ln>
+                  <a:noFill/>
+                </a:ln>
+                <a:solidFill>
+                  <a:srgbClr val="000000"/>
+                </a:solidFill>
+                <a:effectLst/>
+                <a:uLnTx/>
+                <a:uFillTx/>
+                <a:latin typeface="Arial" panose="020B0604020202020204"/>
+                <a:ea typeface="+mn-ea"/>
+                <a:cs typeface="+mn-cs"/>
+              </a:rPr>
+              <a:t>Synthesized </a:t>
+            </a:r>
+          </a:p>
+          <a:p>
+            <a:pPr marL="0" marR="0" lvl="0" indent="0" algn="ctr" defTabSz="914400" eaLnBrk="1" fontAlgn="auto" latinLnBrk="0" hangingPunct="1">
+              <a:lnSpc>
+                <a:spcPct val="100000"/>
+              </a:lnSpc>
+              <a:spcBef>
+                <a:spcPts val="0"/>
+              </a:spcBef>
+              <a:spcAft>
+                <a:spcPts val="0"/>
+              </a:spcAft>
+              <a:buClrTx/>
+              <a:buSzTx/>
+              <a:buFontTx/>
+              <a:buNone/>
+              <a:tabLst/>
+              <a:defRPr/>
+            </a:pPr>
+            <a:r>
+              <a:rPr kumimoji="0" lang="en-US" sz="1200" b="0" i="0" u="none" strike="noStrike" kern="0" cap="none" spc="0" normalizeH="0" baseline="0" noProof="0" dirty="0">
+                <a:ln>
+                  <a:noFill/>
+                </a:ln>
+                <a:solidFill>
+                  <a:srgbClr val="000000"/>
+                </a:solidFill>
+                <a:effectLst/>
+                <a:uLnTx/>
+                <a:uFillTx/>
+                <a:latin typeface="Arial" panose="020B0604020202020204"/>
+                <a:ea typeface="+mn-ea"/>
+                <a:cs typeface="+mn-cs"/>
+              </a:rPr>
+              <a:t>code</a:t>
+            </a:r>
+          </a:p>
+        </p:txBody>
+      </p:sp>
+      <p:cxnSp>
+        <p:nvCxnSpPr>
+          <p:cNvPr id="104" name="Straight Arrow Connector 103">
+            <a:extLst>
+              <a:ext uri="{FF2B5EF4-FFF2-40B4-BE49-F238E27FC236}">
+                <a16:creationId xmlns:a16="http://schemas.microsoft.com/office/drawing/2014/main" id="{36E5A3ED-D39F-4052-9C6F-8857A6706E23}"/>
+              </a:ext>
+            </a:extLst>
+          </p:cNvPr>
+          <p:cNvCxnSpPr>
+            <a:cxnSpLocks/>
+            <a:stCxn id="71" idx="3"/>
+            <a:endCxn id="103" idx="1"/>
+          </p:cNvCxnSpPr>
+          <p:nvPr/>
+        </p:nvCxnSpPr>
+        <p:spPr>
+          <a:xfrm>
+            <a:off x="6962285" y="3759643"/>
+            <a:ext cx="211301" cy="0"/>
+          </a:xfrm>
+          <a:prstGeom prst="straightConnector1">
+            <a:avLst/>
+          </a:prstGeom>
+          <a:noFill/>
+          <a:ln w="12700" cap="flat" cmpd="sng" algn="ctr">
+            <a:solidFill>
+              <a:srgbClr val="000000"/>
+            </a:solidFill>
+            <a:prstDash val="solid"/>
+            <a:headEnd type="none" w="med" len="med"/>
+            <a:tailEnd type="arrow" w="med" len="med"/>
+          </a:ln>
+          <a:effectLst/>
+        </p:spPr>
+      </p:cxnSp>
+      <p:cxnSp>
+        <p:nvCxnSpPr>
+          <p:cNvPr id="105" name="Straight Arrow Connector 104">
+            <a:extLst>
+              <a:ext uri="{FF2B5EF4-FFF2-40B4-BE49-F238E27FC236}">
+                <a16:creationId xmlns:a16="http://schemas.microsoft.com/office/drawing/2014/main" id="{B1368B2C-50A4-457A-9CB9-32CB73EDEFEB}"/>
+              </a:ext>
+            </a:extLst>
+          </p:cNvPr>
+          <p:cNvCxnSpPr>
+            <a:cxnSpLocks/>
+            <a:stCxn id="103" idx="2"/>
+            <a:endCxn id="90" idx="0"/>
+          </p:cNvCxnSpPr>
+          <p:nvPr/>
+        </p:nvCxnSpPr>
+        <p:spPr>
+          <a:xfrm flipH="1">
+            <a:off x="7683056" y="4103430"/>
+            <a:ext cx="3181" cy="337030"/>
+          </a:xfrm>
+          <a:prstGeom prst="straightConnector1">
+            <a:avLst/>
+          </a:prstGeom>
+          <a:noFill/>
+          <a:ln w="12700" cap="flat" cmpd="sng" algn="ctr">
+            <a:solidFill>
+              <a:srgbClr val="000000"/>
+            </a:solidFill>
+            <a:prstDash val="solid"/>
+            <a:headEnd type="none" w="med" len="med"/>
+            <a:tailEnd type="arrow" w="med" len="med"/>
+          </a:ln>
+          <a:effectLst/>
+        </p:spPr>
+      </p:cxnSp>
+      <p:sp>
+        <p:nvSpPr>
+          <p:cNvPr id="107" name="Rectangle 106">
+            <a:extLst>
+              <a:ext uri="{FF2B5EF4-FFF2-40B4-BE49-F238E27FC236}">
+                <a16:creationId xmlns:a16="http://schemas.microsoft.com/office/drawing/2014/main" id="{90184493-08BF-4F5A-BE3D-03334B50ED5E}"/>
+              </a:ext>
+            </a:extLst>
+          </p:cNvPr>
+          <p:cNvSpPr/>
+          <p:nvPr/>
+        </p:nvSpPr>
+        <p:spPr>
+          <a:xfrm>
+            <a:off x="3380841" y="5306681"/>
+            <a:ext cx="2771820" cy="350910"/>
+          </a:xfrm>
+          <a:prstGeom prst="rect">
+            <a:avLst/>
+          </a:prstGeom>
+          <a:noFill/>
+          <a:ln w="12700" cap="flat" cmpd="sng" algn="ctr">
+            <a:solidFill>
+              <a:srgbClr val="000000"/>
+            </a:solidFill>
+            <a:prstDash val="solid"/>
+          </a:ln>
+          <a:effectLst/>
+        </p:spPr>
+        <p:txBody>
+          <a:bodyPr rtlCol="0" anchor="t"/>
+          <a:lstStyle/>
+          <a:p>
+            <a:pPr marL="0" marR="0" lvl="0" indent="0" algn="ctr" defTabSz="914400" eaLnBrk="1" fontAlgn="auto" latinLnBrk="0" hangingPunct="1">
+              <a:lnSpc>
+                <a:spcPct val="100000"/>
+              </a:lnSpc>
+              <a:spcBef>
+                <a:spcPts val="0"/>
+              </a:spcBef>
+              <a:spcAft>
+                <a:spcPts val="0"/>
+              </a:spcAft>
+              <a:buClrTx/>
+              <a:buSzTx/>
+              <a:buFontTx/>
+              <a:buNone/>
+              <a:tabLst/>
+              <a:defRPr/>
+            </a:pPr>
+            <a:r>
+              <a:rPr kumimoji="0" lang="en-US" sz="1200" b="0" i="0" u="none" strike="noStrike" kern="0" cap="none" spc="0" normalizeH="0" baseline="0" noProof="0" dirty="0">
+                <a:ln>
+                  <a:noFill/>
+                </a:ln>
+                <a:solidFill>
+                  <a:srgbClr val="000000"/>
+                </a:solidFill>
+                <a:effectLst/>
+                <a:uLnTx/>
+                <a:uFillTx/>
+                <a:latin typeface="Arial" panose="020B0604020202020204"/>
+                <a:ea typeface="+mn-ea"/>
+                <a:cs typeface="+mn-cs"/>
+              </a:rPr>
+              <a:t>System executable</a:t>
+            </a:r>
+          </a:p>
+        </p:txBody>
+      </p:sp>
+      <p:cxnSp>
+        <p:nvCxnSpPr>
+          <p:cNvPr id="112" name="Straight Arrow Connector 111">
+            <a:extLst>
+              <a:ext uri="{FF2B5EF4-FFF2-40B4-BE49-F238E27FC236}">
+                <a16:creationId xmlns:a16="http://schemas.microsoft.com/office/drawing/2014/main" id="{380F575F-BFF8-4D1E-BE6B-1E0BE563EF02}"/>
+              </a:ext>
+            </a:extLst>
+          </p:cNvPr>
+          <p:cNvCxnSpPr>
+            <a:cxnSpLocks/>
+            <a:stCxn id="114" idx="2"/>
+          </p:cNvCxnSpPr>
+          <p:nvPr/>
+        </p:nvCxnSpPr>
+        <p:spPr>
+          <a:xfrm>
+            <a:off x="2196436" y="4093368"/>
+            <a:ext cx="785898" cy="345281"/>
+          </a:xfrm>
+          <a:prstGeom prst="straightConnector1">
+            <a:avLst/>
+          </a:prstGeom>
+          <a:noFill/>
+          <a:ln w="12700" cap="flat" cmpd="sng" algn="ctr">
+            <a:solidFill>
+              <a:srgbClr val="000000"/>
+            </a:solidFill>
+            <a:prstDash val="solid"/>
+            <a:headEnd type="none" w="med" len="med"/>
+            <a:tailEnd type="arrow" w="med" len="med"/>
+          </a:ln>
+          <a:effectLst/>
+        </p:spPr>
+      </p:cxnSp>
+      <p:cxnSp>
+        <p:nvCxnSpPr>
+          <p:cNvPr id="113" name="Straight Arrow Connector 112">
+            <a:extLst>
+              <a:ext uri="{FF2B5EF4-FFF2-40B4-BE49-F238E27FC236}">
+                <a16:creationId xmlns:a16="http://schemas.microsoft.com/office/drawing/2014/main" id="{BE44C490-C780-4F1B-A181-807A09ED5996}"/>
+              </a:ext>
+            </a:extLst>
+          </p:cNvPr>
+          <p:cNvCxnSpPr/>
+          <p:nvPr/>
+        </p:nvCxnSpPr>
+        <p:spPr>
+          <a:xfrm>
+            <a:off x="6215935" y="1866900"/>
+            <a:ext cx="0" cy="238430"/>
+          </a:xfrm>
+          <a:prstGeom prst="straightConnector1">
+            <a:avLst/>
+          </a:prstGeom>
+          <a:noFill/>
+          <a:ln w="12700" cap="flat" cmpd="sng" algn="ctr">
+            <a:solidFill>
+              <a:srgbClr val="000000"/>
+            </a:solidFill>
+            <a:prstDash val="solid"/>
+            <a:headEnd type="arrow" w="med" len="med"/>
+            <a:tailEnd type="none" w="med" len="med"/>
+          </a:ln>
+          <a:effectLst/>
+        </p:spPr>
+      </p:cxnSp>
+      <p:sp>
+        <p:nvSpPr>
+          <p:cNvPr id="114" name="Rectangle 113">
+            <a:extLst>
+              <a:ext uri="{FF2B5EF4-FFF2-40B4-BE49-F238E27FC236}">
+                <a16:creationId xmlns:a16="http://schemas.microsoft.com/office/drawing/2014/main" id="{922EF082-6D4C-464F-BF89-5314BCF84569}"/>
+              </a:ext>
+            </a:extLst>
+          </p:cNvPr>
+          <p:cNvSpPr/>
+          <p:nvPr/>
+        </p:nvSpPr>
+        <p:spPr>
+          <a:xfrm>
+            <a:off x="1570818" y="3405794"/>
+            <a:ext cx="1251235" cy="687574"/>
+          </a:xfrm>
+          <a:prstGeom prst="rect">
+            <a:avLst/>
+          </a:prstGeom>
+          <a:noFill/>
+          <a:ln w="12700" cap="flat" cmpd="sng" algn="ctr">
+            <a:solidFill>
+              <a:srgbClr val="000000"/>
+            </a:solidFill>
+            <a:prstDash val="solid"/>
+          </a:ln>
+          <a:effectLst/>
+        </p:spPr>
+        <p:txBody>
+          <a:bodyPr lIns="0" rIns="0" rtlCol="0" anchor="t"/>
+          <a:lstStyle/>
+          <a:p>
+            <a:pPr marL="0" marR="0" lvl="0" indent="0" algn="ctr" defTabSz="914400" eaLnBrk="1" fontAlgn="auto" latinLnBrk="0" hangingPunct="1">
+              <a:lnSpc>
+                <a:spcPct val="100000"/>
+              </a:lnSpc>
+              <a:spcBef>
+                <a:spcPts val="0"/>
+              </a:spcBef>
+              <a:spcAft>
+                <a:spcPts val="0"/>
+              </a:spcAft>
+              <a:buClrTx/>
+              <a:buSzTx/>
+              <a:buFontTx/>
+              <a:buNone/>
+              <a:tabLst/>
+              <a:defRPr/>
+            </a:pPr>
+            <a:r>
+              <a:rPr lang="en-US" sz="1200" kern="0" dirty="0">
+                <a:solidFill>
+                  <a:srgbClr val="000000"/>
+                </a:solidFill>
+                <a:latin typeface="Arial" panose="020B0604020202020204"/>
+              </a:rPr>
+              <a:t>Hand-written component code</a:t>
+            </a:r>
+            <a:endParaRPr kumimoji="0" lang="en-US" sz="1200" b="0" i="0" u="none" strike="noStrike" kern="0" cap="none" spc="0" normalizeH="0" baseline="0" noProof="0" dirty="0">
+              <a:ln>
+                <a:noFill/>
+              </a:ln>
+              <a:solidFill>
+                <a:srgbClr val="000000"/>
+              </a:solidFill>
+              <a:effectLst/>
+              <a:uLnTx/>
+              <a:uFillTx/>
+              <a:latin typeface="Arial" panose="020B0604020202020204"/>
+              <a:ea typeface="+mn-ea"/>
+              <a:cs typeface="+mn-cs"/>
+            </a:endParaRPr>
+          </a:p>
+        </p:txBody>
+      </p:sp>
+      <p:sp>
+        <p:nvSpPr>
+          <p:cNvPr id="115" name="Rectangle 114">
+            <a:extLst>
+              <a:ext uri="{FF2B5EF4-FFF2-40B4-BE49-F238E27FC236}">
+                <a16:creationId xmlns:a16="http://schemas.microsoft.com/office/drawing/2014/main" id="{4DDE2433-5DC8-414A-8297-C1B544705C3E}"/>
+              </a:ext>
+            </a:extLst>
+          </p:cNvPr>
+          <p:cNvSpPr/>
+          <p:nvPr/>
+        </p:nvSpPr>
+        <p:spPr>
+          <a:xfrm>
+            <a:off x="8359735" y="3415856"/>
+            <a:ext cx="1251729" cy="676063"/>
+          </a:xfrm>
+          <a:prstGeom prst="rect">
+            <a:avLst/>
+          </a:prstGeom>
+          <a:solidFill>
+            <a:srgbClr val="D6EDBD"/>
+          </a:solidFill>
+          <a:ln w="12700" cap="flat" cmpd="sng" algn="ctr">
+            <a:solidFill>
+              <a:srgbClr val="000000"/>
+            </a:solidFill>
+            <a:prstDash val="solid"/>
+          </a:ln>
+          <a:effectLst/>
+        </p:spPr>
+        <p:txBody>
+          <a:bodyPr lIns="0" rIns="0" rtlCol="0" anchor="t"/>
+          <a:lstStyle/>
+          <a:p>
+            <a:pPr marL="0" marR="0" lvl="0" indent="0" algn="ctr" defTabSz="914400" eaLnBrk="1" fontAlgn="auto" latinLnBrk="0" hangingPunct="1">
+              <a:lnSpc>
+                <a:spcPct val="100000"/>
+              </a:lnSpc>
+              <a:spcBef>
+                <a:spcPts val="0"/>
+              </a:spcBef>
+              <a:spcAft>
+                <a:spcPts val="0"/>
+              </a:spcAft>
+              <a:buClrTx/>
+              <a:buSzTx/>
+              <a:buFontTx/>
+              <a:buNone/>
+              <a:tabLst/>
+              <a:defRPr/>
+            </a:pPr>
+            <a:r>
+              <a:rPr kumimoji="0" lang="en-US" sz="1200" b="0" i="0" u="none" strike="noStrike" kern="0" cap="none" spc="0" normalizeH="0" baseline="0" noProof="0" dirty="0">
+                <a:ln>
+                  <a:noFill/>
+                </a:ln>
+                <a:solidFill>
+                  <a:srgbClr val="000000"/>
+                </a:solidFill>
+                <a:effectLst/>
+                <a:uLnTx/>
+                <a:uFillTx/>
+                <a:latin typeface="Arial" panose="020B0604020202020204"/>
+                <a:ea typeface="+mn-ea"/>
+                <a:cs typeface="+mn-cs"/>
+              </a:rPr>
+              <a:t>Pre-verified component code (Attestation)</a:t>
+            </a:r>
+          </a:p>
+        </p:txBody>
+      </p:sp>
+      <p:cxnSp>
+        <p:nvCxnSpPr>
+          <p:cNvPr id="119" name="Straight Arrow Connector 118">
+            <a:extLst>
+              <a:ext uri="{FF2B5EF4-FFF2-40B4-BE49-F238E27FC236}">
+                <a16:creationId xmlns:a16="http://schemas.microsoft.com/office/drawing/2014/main" id="{D5425A1C-9D28-4037-8876-54779061E44A}"/>
+              </a:ext>
+            </a:extLst>
+          </p:cNvPr>
+          <p:cNvCxnSpPr>
+            <a:cxnSpLocks/>
+            <a:stCxn id="93" idx="2"/>
+            <a:endCxn id="89" idx="0"/>
+          </p:cNvCxnSpPr>
+          <p:nvPr/>
+        </p:nvCxnSpPr>
+        <p:spPr>
+          <a:xfrm>
+            <a:off x="3407026" y="4093494"/>
+            <a:ext cx="5958" cy="346966"/>
+          </a:xfrm>
+          <a:prstGeom prst="straightConnector1">
+            <a:avLst/>
+          </a:prstGeom>
+          <a:noFill/>
+          <a:ln w="12700" cap="flat" cmpd="sng" algn="ctr">
+            <a:solidFill>
+              <a:srgbClr val="000000"/>
+            </a:solidFill>
+            <a:prstDash val="solid"/>
+            <a:headEnd type="none" w="med" len="med"/>
+            <a:tailEnd type="arrow" w="med" len="med"/>
+          </a:ln>
+          <a:effectLst/>
+        </p:spPr>
+      </p:cxnSp>
+      <p:sp>
+        <p:nvSpPr>
+          <p:cNvPr id="126" name="Rectangle 125">
+            <a:extLst>
+              <a:ext uri="{FF2B5EF4-FFF2-40B4-BE49-F238E27FC236}">
+                <a16:creationId xmlns:a16="http://schemas.microsoft.com/office/drawing/2014/main" id="{3BB61A9D-3B92-4D98-9933-11FCB4BB2EED}"/>
+              </a:ext>
+            </a:extLst>
+          </p:cNvPr>
+          <p:cNvSpPr/>
+          <p:nvPr/>
+        </p:nvSpPr>
+        <p:spPr>
+          <a:xfrm>
+            <a:off x="1589684" y="4438649"/>
+            <a:ext cx="1045658" cy="557779"/>
+          </a:xfrm>
+          <a:prstGeom prst="rect">
+            <a:avLst/>
+          </a:prstGeom>
+          <a:solidFill>
+            <a:srgbClr val="D6EDBD"/>
+          </a:solidFill>
+          <a:ln w="12700" cap="flat" cmpd="sng" algn="ctr">
+            <a:solidFill>
+              <a:srgbClr val="000000"/>
+            </a:solidFill>
+            <a:prstDash val="solid"/>
+          </a:ln>
+          <a:effectLst/>
+        </p:spPr>
+        <p:txBody>
+          <a:bodyPr lIns="0" rIns="0" rtlCol="0" anchor="t"/>
+          <a:lstStyle/>
+          <a:p>
+            <a:pPr marL="0" marR="0" lvl="0" indent="0" algn="ctr" defTabSz="914400" eaLnBrk="1" fontAlgn="auto" latinLnBrk="0" hangingPunct="1">
+              <a:lnSpc>
+                <a:spcPct val="100000"/>
+              </a:lnSpc>
+              <a:spcBef>
+                <a:spcPts val="0"/>
+              </a:spcBef>
+              <a:spcAft>
+                <a:spcPts val="0"/>
+              </a:spcAft>
+              <a:buClrTx/>
+              <a:buSzTx/>
+              <a:buFontTx/>
+              <a:buNone/>
+              <a:tabLst/>
+              <a:defRPr/>
+            </a:pPr>
+            <a:r>
+              <a:rPr kumimoji="0" lang="en-US" sz="1200" b="0" i="0" u="none" strike="noStrike" kern="0" cap="none" spc="0" normalizeH="0" baseline="0" noProof="0" dirty="0">
+                <a:ln>
+                  <a:noFill/>
+                </a:ln>
+                <a:solidFill>
+                  <a:srgbClr val="000000"/>
+                </a:solidFill>
+                <a:effectLst/>
+                <a:uLnTx/>
+                <a:uFillTx/>
+                <a:latin typeface="Arial" panose="020B0604020202020204"/>
+                <a:ea typeface="+mn-ea"/>
+                <a:cs typeface="+mn-cs"/>
+              </a:rPr>
+              <a:t>Pre-verified code (seL4)</a:t>
+            </a:r>
+          </a:p>
+        </p:txBody>
+      </p:sp>
+      <p:cxnSp>
+        <p:nvCxnSpPr>
+          <p:cNvPr id="128" name="Connector: Elbow 127">
+            <a:extLst>
+              <a:ext uri="{FF2B5EF4-FFF2-40B4-BE49-F238E27FC236}">
+                <a16:creationId xmlns:a16="http://schemas.microsoft.com/office/drawing/2014/main" id="{8B7B7870-B6E7-45C2-BB03-FA81926EB055}"/>
+              </a:ext>
+            </a:extLst>
+          </p:cNvPr>
+          <p:cNvCxnSpPr>
+            <a:cxnSpLocks/>
+            <a:stCxn id="115" idx="2"/>
+            <a:endCxn id="90" idx="3"/>
+          </p:cNvCxnSpPr>
+          <p:nvPr/>
+        </p:nvCxnSpPr>
+        <p:spPr>
+          <a:xfrm rot="5400000">
+            <a:off x="8275348" y="4009097"/>
+            <a:ext cx="627430" cy="793074"/>
+          </a:xfrm>
+          <a:prstGeom prst="bentConnector2">
+            <a:avLst/>
+          </a:prstGeom>
+          <a:noFill/>
+          <a:ln w="12700" cap="flat" cmpd="sng" algn="ctr">
+            <a:solidFill>
+              <a:srgbClr val="000000"/>
+            </a:solidFill>
+            <a:prstDash val="solid"/>
+            <a:headEnd type="none" w="med" len="med"/>
+            <a:tailEnd type="arrow" w="med" len="med"/>
+          </a:ln>
+          <a:effectLst/>
+        </p:spPr>
+      </p:cxnSp>
+      <p:cxnSp>
+        <p:nvCxnSpPr>
+          <p:cNvPr id="142" name="Straight Arrow Connector 141">
+            <a:extLst>
+              <a:ext uri="{FF2B5EF4-FFF2-40B4-BE49-F238E27FC236}">
+                <a16:creationId xmlns:a16="http://schemas.microsoft.com/office/drawing/2014/main" id="{69826064-40DE-482F-84A5-76BC2CDB7267}"/>
+              </a:ext>
+            </a:extLst>
+          </p:cNvPr>
+          <p:cNvCxnSpPr>
+            <a:cxnSpLocks/>
+            <a:stCxn id="126" idx="3"/>
+            <a:endCxn id="89" idx="1"/>
+          </p:cNvCxnSpPr>
+          <p:nvPr/>
+        </p:nvCxnSpPr>
+        <p:spPr>
+          <a:xfrm>
+            <a:off x="2635342" y="4717539"/>
+            <a:ext cx="254813" cy="1810"/>
+          </a:xfrm>
+          <a:prstGeom prst="straightConnector1">
+            <a:avLst/>
+          </a:prstGeom>
+          <a:noFill/>
+          <a:ln w="12700" cap="flat" cmpd="sng" algn="ctr">
+            <a:solidFill>
+              <a:srgbClr val="000000"/>
+            </a:solidFill>
+            <a:prstDash val="solid"/>
+            <a:headEnd type="none" w="med" len="med"/>
+            <a:tailEnd type="arrow" w="med" len="med"/>
+          </a:ln>
+          <a:effectLst/>
+        </p:spPr>
+      </p:cxnSp>
+      <p:cxnSp>
+        <p:nvCxnSpPr>
+          <p:cNvPr id="168" name="Straight Arrow Connector 167">
+            <a:extLst>
+              <a:ext uri="{FF2B5EF4-FFF2-40B4-BE49-F238E27FC236}">
+                <a16:creationId xmlns:a16="http://schemas.microsoft.com/office/drawing/2014/main" id="{BE47D892-871D-4EDB-B82A-1AC457583D62}"/>
+              </a:ext>
+            </a:extLst>
+          </p:cNvPr>
+          <p:cNvCxnSpPr>
+            <a:cxnSpLocks/>
+            <a:endCxn id="66" idx="0"/>
+          </p:cNvCxnSpPr>
+          <p:nvPr/>
+        </p:nvCxnSpPr>
+        <p:spPr>
+          <a:xfrm>
+            <a:off x="7886670" y="1875191"/>
+            <a:ext cx="0" cy="240788"/>
+          </a:xfrm>
+          <a:prstGeom prst="straightConnector1">
+            <a:avLst/>
+          </a:prstGeom>
+          <a:noFill/>
+          <a:ln w="12700" cap="flat" cmpd="sng" algn="ctr">
+            <a:solidFill>
+              <a:srgbClr val="000000"/>
+            </a:solidFill>
+            <a:prstDash val="solid"/>
+            <a:headEnd type="none" w="med" len="med"/>
+            <a:tailEnd type="arrow" w="med" len="med"/>
+          </a:ln>
+          <a:effectLst/>
+        </p:spPr>
+      </p:cxnSp>
+      <p:sp>
+        <p:nvSpPr>
+          <p:cNvPr id="170" name="Rectangle 169">
+            <a:extLst>
+              <a:ext uri="{FF2B5EF4-FFF2-40B4-BE49-F238E27FC236}">
+                <a16:creationId xmlns:a16="http://schemas.microsoft.com/office/drawing/2014/main" id="{30A626FF-AF98-4F99-BBB9-6CB9987F2124}"/>
+              </a:ext>
+            </a:extLst>
+          </p:cNvPr>
+          <p:cNvSpPr/>
+          <p:nvPr/>
+        </p:nvSpPr>
+        <p:spPr>
+          <a:xfrm>
+            <a:off x="4199990" y="3415856"/>
+            <a:ext cx="1129455" cy="687574"/>
+          </a:xfrm>
+          <a:prstGeom prst="rect">
+            <a:avLst/>
+          </a:prstGeom>
+          <a:noFill/>
+          <a:ln w="12700" cap="flat" cmpd="sng" algn="ctr">
+            <a:solidFill>
+              <a:srgbClr val="000000"/>
+            </a:solidFill>
+            <a:prstDash val="solid"/>
+          </a:ln>
+          <a:effectLst/>
+        </p:spPr>
+        <p:txBody>
+          <a:bodyPr lIns="0" rIns="0" rtlCol="0" anchor="t"/>
+          <a:lstStyle/>
+          <a:p>
+            <a:pPr marL="0" marR="0" lvl="0" indent="0" algn="ctr" defTabSz="914400" eaLnBrk="1" fontAlgn="auto" latinLnBrk="0" hangingPunct="1">
+              <a:lnSpc>
+                <a:spcPct val="100000"/>
+              </a:lnSpc>
+              <a:spcBef>
+                <a:spcPts val="0"/>
+              </a:spcBef>
+              <a:spcAft>
+                <a:spcPts val="0"/>
+              </a:spcAft>
+              <a:buClrTx/>
+              <a:buSzTx/>
+              <a:buFontTx/>
+              <a:buNone/>
+              <a:tabLst/>
+              <a:defRPr/>
+            </a:pPr>
+            <a:r>
+              <a:rPr kumimoji="0" lang="en-US" sz="1200" b="0" i="0" u="none" strike="noStrike" kern="0" cap="none" spc="0" normalizeH="0" baseline="0" noProof="0" dirty="0" err="1">
+                <a:ln>
+                  <a:noFill/>
+                </a:ln>
+                <a:solidFill>
+                  <a:srgbClr val="000000"/>
+                </a:solidFill>
+                <a:effectLst/>
+                <a:uLnTx/>
+                <a:uFillTx/>
+                <a:latin typeface="Arial" panose="020B0604020202020204"/>
+                <a:ea typeface="+mn-ea"/>
+                <a:cs typeface="+mn-cs"/>
+              </a:rPr>
+              <a:t>CAmkES</a:t>
+            </a:r>
+            <a:r>
+              <a:rPr kumimoji="0" lang="en-US" sz="1200" b="0" i="0" u="none" strike="noStrike" kern="0" cap="none" spc="0" normalizeH="0" baseline="0" noProof="0" dirty="0">
+                <a:ln>
+                  <a:noFill/>
+                </a:ln>
+                <a:solidFill>
+                  <a:srgbClr val="000000"/>
+                </a:solidFill>
+                <a:effectLst/>
+                <a:uLnTx/>
+                <a:uFillTx/>
+                <a:latin typeface="Arial" panose="020B0604020202020204"/>
+                <a:ea typeface="+mn-ea"/>
+                <a:cs typeface="+mn-cs"/>
+              </a:rPr>
+              <a:t> </a:t>
+            </a:r>
+          </a:p>
+          <a:p>
+            <a:pPr marL="0" marR="0" lvl="0" indent="0" algn="ctr" defTabSz="914400" eaLnBrk="1" fontAlgn="auto" latinLnBrk="0" hangingPunct="1">
+              <a:lnSpc>
+                <a:spcPct val="100000"/>
+              </a:lnSpc>
+              <a:spcBef>
+                <a:spcPts val="0"/>
+              </a:spcBef>
+              <a:spcAft>
+                <a:spcPts val="0"/>
+              </a:spcAft>
+              <a:buClrTx/>
+              <a:buSzTx/>
+              <a:buFontTx/>
+              <a:buNone/>
+              <a:tabLst/>
+              <a:defRPr/>
+            </a:pPr>
+            <a:r>
+              <a:rPr kumimoji="0" lang="en-US" sz="1200" b="0" i="0" u="none" strike="noStrike" kern="0" cap="none" spc="0" normalizeH="0" baseline="0" noProof="0" dirty="0">
+                <a:ln>
+                  <a:noFill/>
+                </a:ln>
+                <a:solidFill>
+                  <a:srgbClr val="000000"/>
+                </a:solidFill>
+                <a:effectLst/>
+                <a:uLnTx/>
+                <a:uFillTx/>
+                <a:latin typeface="Arial" panose="020B0604020202020204"/>
+                <a:ea typeface="+mn-ea"/>
+                <a:cs typeface="+mn-cs"/>
+              </a:rPr>
+              <a:t>config files</a:t>
+            </a:r>
+          </a:p>
+        </p:txBody>
+      </p:sp>
+      <p:cxnSp>
+        <p:nvCxnSpPr>
+          <p:cNvPr id="177" name="Straight Arrow Connector 176">
+            <a:extLst>
+              <a:ext uri="{FF2B5EF4-FFF2-40B4-BE49-F238E27FC236}">
+                <a16:creationId xmlns:a16="http://schemas.microsoft.com/office/drawing/2014/main" id="{9D223902-46F5-4E76-AC3D-7235EF9BD2AE}"/>
+              </a:ext>
+            </a:extLst>
+          </p:cNvPr>
+          <p:cNvCxnSpPr>
+            <a:cxnSpLocks/>
+            <a:stCxn id="62" idx="2"/>
+            <a:endCxn id="170" idx="0"/>
+          </p:cNvCxnSpPr>
+          <p:nvPr/>
+        </p:nvCxnSpPr>
+        <p:spPr>
+          <a:xfrm>
+            <a:off x="3733210" y="2774844"/>
+            <a:ext cx="1031508" cy="641012"/>
+          </a:xfrm>
+          <a:prstGeom prst="straightConnector1">
+            <a:avLst/>
+          </a:prstGeom>
+          <a:noFill/>
+          <a:ln w="12700" cap="flat" cmpd="sng" algn="ctr">
+            <a:solidFill>
+              <a:srgbClr val="000000"/>
+            </a:solidFill>
+            <a:prstDash val="solid"/>
+            <a:headEnd type="none" w="med" len="med"/>
+            <a:tailEnd type="arrow" w="med" len="med"/>
+          </a:ln>
+          <a:effectLst/>
+        </p:spPr>
+      </p:cxnSp>
+      <p:cxnSp>
+        <p:nvCxnSpPr>
+          <p:cNvPr id="195" name="Straight Arrow Connector 194">
+            <a:extLst>
+              <a:ext uri="{FF2B5EF4-FFF2-40B4-BE49-F238E27FC236}">
+                <a16:creationId xmlns:a16="http://schemas.microsoft.com/office/drawing/2014/main" id="{2DA5AFC0-A729-447E-8E21-E66C913343E6}"/>
+              </a:ext>
+            </a:extLst>
+          </p:cNvPr>
+          <p:cNvCxnSpPr>
+            <a:cxnSpLocks/>
+            <a:stCxn id="66" idx="3"/>
+            <a:endCxn id="256" idx="1"/>
+          </p:cNvCxnSpPr>
+          <p:nvPr/>
+        </p:nvCxnSpPr>
+        <p:spPr>
+          <a:xfrm flipV="1">
+            <a:off x="8234814" y="2438201"/>
+            <a:ext cx="295858" cy="7211"/>
+          </a:xfrm>
+          <a:prstGeom prst="straightConnector1">
+            <a:avLst/>
+          </a:prstGeom>
+          <a:noFill/>
+          <a:ln w="12700" cap="flat" cmpd="sng" algn="ctr">
+            <a:solidFill>
+              <a:srgbClr val="000000"/>
+            </a:solidFill>
+            <a:prstDash val="solid"/>
+            <a:headEnd type="none" w="med" len="med"/>
+            <a:tailEnd type="arrow" w="med" len="med"/>
+          </a:ln>
+          <a:effectLst/>
+        </p:spPr>
+      </p:cxnSp>
+      <p:cxnSp>
+        <p:nvCxnSpPr>
+          <p:cNvPr id="216" name="Straight Arrow Connector 215">
+            <a:extLst>
+              <a:ext uri="{FF2B5EF4-FFF2-40B4-BE49-F238E27FC236}">
+                <a16:creationId xmlns:a16="http://schemas.microsoft.com/office/drawing/2014/main" id="{07090243-E285-458A-A5E3-2655E273C41D}"/>
+              </a:ext>
+            </a:extLst>
+          </p:cNvPr>
+          <p:cNvCxnSpPr>
+            <a:cxnSpLocks/>
+            <a:stCxn id="170" idx="2"/>
+            <a:endCxn id="82" idx="0"/>
+          </p:cNvCxnSpPr>
+          <p:nvPr/>
+        </p:nvCxnSpPr>
+        <p:spPr>
+          <a:xfrm>
+            <a:off x="4764718" y="4103430"/>
+            <a:ext cx="0" cy="337030"/>
+          </a:xfrm>
+          <a:prstGeom prst="straightConnector1">
+            <a:avLst/>
+          </a:prstGeom>
+          <a:noFill/>
+          <a:ln w="12700" cap="flat" cmpd="sng" algn="ctr">
+            <a:solidFill>
+              <a:srgbClr val="000000"/>
+            </a:solidFill>
+            <a:prstDash val="solid"/>
+            <a:headEnd type="none" w="med" len="med"/>
+            <a:tailEnd type="arrow" w="med" len="med"/>
+          </a:ln>
+          <a:effectLst/>
+        </p:spPr>
+      </p:cxnSp>
+      <p:sp>
+        <p:nvSpPr>
+          <p:cNvPr id="256" name="Rectangle: Folded Corner 255">
+            <a:extLst>
+              <a:ext uri="{FF2B5EF4-FFF2-40B4-BE49-F238E27FC236}">
+                <a16:creationId xmlns:a16="http://schemas.microsoft.com/office/drawing/2014/main" id="{EAAF9A9E-E074-41F2-B466-63E9B4929F4B}"/>
+              </a:ext>
+            </a:extLst>
+          </p:cNvPr>
+          <p:cNvSpPr/>
+          <p:nvPr/>
+        </p:nvSpPr>
+        <p:spPr>
+          <a:xfrm>
+            <a:off x="8530672" y="2105330"/>
+            <a:ext cx="840177" cy="665741"/>
+          </a:xfrm>
+          <a:prstGeom prst="foldedCorner">
+            <a:avLst/>
+          </a:prstGeom>
+          <a:solidFill>
+            <a:srgbClr val="D6EDBD"/>
+          </a:solidFill>
+          <a:ln>
+            <a:solidFill>
+              <a:schemeClr val="tx1"/>
+            </a:solidFill>
+          </a:ln>
+        </p:spPr>
+        <p:style>
+          <a:lnRef idx="2">
+            <a:schemeClr val="accent1">
+              <a:shade val="50000"/>
+            </a:schemeClr>
+          </a:lnRef>
+          <a:fillRef idx="1">
+            <a:schemeClr val="accent1"/>
+          </a:fillRef>
+          <a:effectRef idx="0">
+            <a:schemeClr val="accent1"/>
+          </a:effectRef>
+          <a:fontRef idx="minor">
+            <a:schemeClr val="lt1"/>
+          </a:fontRef>
+        </p:style>
+        <p:txBody>
+          <a:bodyPr lIns="0" rIns="0" rtlCol="0" anchor="ctr"/>
+          <a:lstStyle/>
+          <a:p>
+            <a:pPr algn="ctr"/>
+            <a:r>
+              <a:rPr lang="en-US" sz="1200" dirty="0">
+                <a:solidFill>
+                  <a:schemeClr val="tx1"/>
+                </a:solidFill>
+                <a:latin typeface="Arial" panose="020B0604020202020204" pitchFamily="34" charset="0"/>
+                <a:cs typeface="Arial" panose="020B0604020202020204" pitchFamily="34" charset="0"/>
+              </a:rPr>
+              <a:t>Assurance Case</a:t>
+            </a:r>
+          </a:p>
+        </p:txBody>
+      </p:sp>
+      <p:sp>
+        <p:nvSpPr>
+          <p:cNvPr id="270" name="Rounded Rectangle 6">
+            <a:extLst>
+              <a:ext uri="{FF2B5EF4-FFF2-40B4-BE49-F238E27FC236}">
+                <a16:creationId xmlns:a16="http://schemas.microsoft.com/office/drawing/2014/main" id="{D166B131-0F5D-4F9D-8AD5-57F87C152A61}"/>
+              </a:ext>
+            </a:extLst>
+          </p:cNvPr>
+          <p:cNvSpPr/>
+          <p:nvPr/>
+        </p:nvSpPr>
+        <p:spPr>
+          <a:xfrm>
+            <a:off x="2379059" y="2111168"/>
+            <a:ext cx="845296" cy="663676"/>
+          </a:xfrm>
+          <a:prstGeom prst="roundRect">
+            <a:avLst>
+              <a:gd name="adj" fmla="val 13390"/>
+            </a:avLst>
+          </a:prstGeom>
+          <a:solidFill>
+            <a:srgbClr val="D6EDBD"/>
+          </a:solidFill>
+          <a:ln w="12700" cap="flat" cmpd="sng" algn="ctr">
+            <a:solidFill>
+              <a:srgbClr val="000000"/>
+            </a:solidFill>
+            <a:prstDash val="solid"/>
+          </a:ln>
+          <a:effectLst/>
+        </p:spPr>
+        <p:txBody>
+          <a:bodyPr rtlCol="0" anchor="t"/>
+          <a:lstStyle/>
+          <a:p>
+            <a:pPr marL="0" marR="0" lvl="0" indent="0" algn="ctr" defTabSz="914400" eaLnBrk="1" fontAlgn="auto" latinLnBrk="0" hangingPunct="1">
+              <a:lnSpc>
+                <a:spcPct val="100000"/>
+              </a:lnSpc>
+              <a:spcBef>
+                <a:spcPts val="0"/>
+              </a:spcBef>
+              <a:spcAft>
+                <a:spcPts val="0"/>
+              </a:spcAft>
+              <a:buClrTx/>
+              <a:buSzTx/>
+              <a:buFontTx/>
+              <a:buNone/>
+              <a:tabLst/>
+              <a:defRPr/>
+            </a:pPr>
+            <a:r>
+              <a:rPr kumimoji="0" lang="en-US" sz="1200" b="0" i="0" u="none" strike="noStrike" kern="0" cap="none" spc="0" normalizeH="0" baseline="0" noProof="0" dirty="0" err="1">
+                <a:ln>
+                  <a:noFill/>
+                </a:ln>
+                <a:solidFill>
+                  <a:srgbClr val="000000"/>
+                </a:solidFill>
+                <a:effectLst/>
+                <a:uLnTx/>
+                <a:uFillTx/>
+                <a:latin typeface="Arial" panose="020B0604020202020204"/>
+                <a:ea typeface="+mn-ea"/>
+                <a:cs typeface="+mn-cs"/>
+              </a:rPr>
+              <a:t>Awas</a:t>
+            </a:r>
+            <a:r>
+              <a:rPr kumimoji="0" lang="en-US" sz="1200" b="0" i="0" u="none" strike="noStrike" kern="0" cap="none" spc="0" normalizeH="0" baseline="0" noProof="0" dirty="0">
+                <a:ln>
+                  <a:noFill/>
+                </a:ln>
+                <a:solidFill>
+                  <a:srgbClr val="000000"/>
+                </a:solidFill>
+                <a:effectLst/>
+                <a:uLnTx/>
+                <a:uFillTx/>
+                <a:latin typeface="Arial" panose="020B0604020202020204"/>
+                <a:ea typeface="+mn-ea"/>
+                <a:cs typeface="+mn-cs"/>
+              </a:rPr>
+              <a:t> Info Flow</a:t>
+            </a:r>
+          </a:p>
+        </p:txBody>
+      </p:sp>
+      <p:cxnSp>
+        <p:nvCxnSpPr>
+          <p:cNvPr id="271" name="Straight Arrow Connector 270">
+            <a:extLst>
+              <a:ext uri="{FF2B5EF4-FFF2-40B4-BE49-F238E27FC236}">
+                <a16:creationId xmlns:a16="http://schemas.microsoft.com/office/drawing/2014/main" id="{57772B12-8077-415D-A2BF-8F0438032C56}"/>
+              </a:ext>
+            </a:extLst>
+          </p:cNvPr>
+          <p:cNvCxnSpPr>
+            <a:cxnSpLocks/>
+            <a:endCxn id="270" idx="0"/>
+          </p:cNvCxnSpPr>
+          <p:nvPr/>
+        </p:nvCxnSpPr>
+        <p:spPr>
+          <a:xfrm>
+            <a:off x="2801707" y="1875191"/>
+            <a:ext cx="0" cy="235977"/>
+          </a:xfrm>
+          <a:prstGeom prst="straightConnector1">
+            <a:avLst/>
+          </a:prstGeom>
+          <a:noFill/>
+          <a:ln w="12700" cap="flat" cmpd="sng" algn="ctr">
+            <a:solidFill>
+              <a:srgbClr val="000000"/>
+            </a:solidFill>
+            <a:prstDash val="solid"/>
+            <a:headEnd type="none" w="med" len="med"/>
+            <a:tailEnd type="arrow" w="med" len="med"/>
+          </a:ln>
+          <a:effectLst/>
+        </p:spPr>
+      </p:cxnSp>
+      <p:cxnSp>
+        <p:nvCxnSpPr>
+          <p:cNvPr id="272" name="Straight Arrow Connector 271">
+            <a:extLst>
+              <a:ext uri="{FF2B5EF4-FFF2-40B4-BE49-F238E27FC236}">
+                <a16:creationId xmlns:a16="http://schemas.microsoft.com/office/drawing/2014/main" id="{D4255AA1-0514-46DE-B422-442C29A740B1}"/>
+              </a:ext>
+            </a:extLst>
+          </p:cNvPr>
+          <p:cNvCxnSpPr/>
+          <p:nvPr/>
+        </p:nvCxnSpPr>
+        <p:spPr>
+          <a:xfrm>
+            <a:off x="5067878" y="1870007"/>
+            <a:ext cx="0" cy="238430"/>
+          </a:xfrm>
+          <a:prstGeom prst="straightConnector1">
+            <a:avLst/>
+          </a:prstGeom>
+          <a:noFill/>
+          <a:ln w="12700" cap="flat" cmpd="sng" algn="ctr">
+            <a:solidFill>
+              <a:srgbClr val="000000"/>
+            </a:solidFill>
+            <a:prstDash val="solid"/>
+            <a:headEnd type="arrow" w="med" len="med"/>
+            <a:tailEnd type="none" w="med" len="med"/>
+          </a:ln>
+          <a:effectLst/>
+        </p:spPr>
+      </p:cxnSp>
+      <p:cxnSp>
+        <p:nvCxnSpPr>
+          <p:cNvPr id="277" name="Straight Arrow Connector 276">
+            <a:extLst>
+              <a:ext uri="{FF2B5EF4-FFF2-40B4-BE49-F238E27FC236}">
+                <a16:creationId xmlns:a16="http://schemas.microsoft.com/office/drawing/2014/main" id="{FFADDA0C-0172-4B6D-98D6-8C009B0D7DAD}"/>
+              </a:ext>
+            </a:extLst>
+          </p:cNvPr>
+          <p:cNvCxnSpPr>
+            <a:cxnSpLocks/>
+            <a:stCxn id="65" idx="3"/>
+            <a:endCxn id="66" idx="1"/>
+          </p:cNvCxnSpPr>
+          <p:nvPr/>
+        </p:nvCxnSpPr>
+        <p:spPr>
+          <a:xfrm>
+            <a:off x="7329305" y="2440600"/>
+            <a:ext cx="209221" cy="4812"/>
+          </a:xfrm>
+          <a:prstGeom prst="straightConnector1">
+            <a:avLst/>
+          </a:prstGeom>
+          <a:noFill/>
+          <a:ln w="12700" cap="flat" cmpd="sng" algn="ctr">
+            <a:solidFill>
+              <a:srgbClr val="000000"/>
+            </a:solidFill>
+            <a:prstDash val="solid"/>
+            <a:headEnd type="none" w="med" len="med"/>
+            <a:tailEnd type="arrow" w="med" len="med"/>
+          </a:ln>
+          <a:effectLst/>
+        </p:spPr>
+      </p:cxnSp>
+      <p:sp>
+        <p:nvSpPr>
+          <p:cNvPr id="74" name="Rounded Rectangle 3">
+            <a:extLst>
+              <a:ext uri="{FF2B5EF4-FFF2-40B4-BE49-F238E27FC236}">
+                <a16:creationId xmlns:a16="http://schemas.microsoft.com/office/drawing/2014/main" id="{6F091CDF-5D23-4F37-89DE-6FAC33B4C054}"/>
+              </a:ext>
+            </a:extLst>
+          </p:cNvPr>
+          <p:cNvSpPr/>
+          <p:nvPr/>
+        </p:nvSpPr>
+        <p:spPr>
+          <a:xfrm>
+            <a:off x="1356993" y="3046145"/>
+            <a:ext cx="8377551" cy="2117660"/>
+          </a:xfrm>
+          <a:prstGeom prst="roundRect">
+            <a:avLst>
+              <a:gd name="adj" fmla="val 6667"/>
+            </a:avLst>
+          </a:prstGeom>
+          <a:noFill/>
+          <a:ln w="12700" cap="flat" cmpd="sng" algn="ctr">
+            <a:solidFill>
+              <a:srgbClr val="000000"/>
+            </a:solidFill>
+            <a:prstDash val="dash"/>
+          </a:ln>
+          <a:effectLst/>
+        </p:spPr>
+        <p:txBody>
+          <a:bodyPr rtlCol="0" anchor="t"/>
+          <a:lstStyle/>
+          <a:p>
+            <a:pPr marL="0" marR="0" lvl="0" indent="0" defTabSz="914400" eaLnBrk="1" fontAlgn="auto" latinLnBrk="0" hangingPunct="1">
+              <a:lnSpc>
+                <a:spcPct val="100000"/>
+              </a:lnSpc>
+              <a:spcBef>
+                <a:spcPts val="0"/>
+              </a:spcBef>
+              <a:spcAft>
+                <a:spcPts val="0"/>
+              </a:spcAft>
+              <a:buClrTx/>
+              <a:buSzTx/>
+              <a:buFontTx/>
+              <a:buNone/>
+              <a:tabLst/>
+              <a:defRPr/>
+            </a:pPr>
+            <a:r>
+              <a:rPr kumimoji="0" lang="en-US" sz="1200" b="0" i="0" u="none" strike="noStrike" kern="0" cap="none" spc="0" normalizeH="0" baseline="0" noProof="0" dirty="0">
+                <a:ln>
+                  <a:noFill/>
+                </a:ln>
+                <a:solidFill>
+                  <a:srgbClr val="000000"/>
+                </a:solidFill>
+                <a:effectLst/>
+                <a:uLnTx/>
+                <a:uFillTx/>
+                <a:latin typeface="Arial" panose="020B0604020202020204"/>
+                <a:ea typeface="+mn-ea"/>
+                <a:cs typeface="+mn-cs"/>
+              </a:rPr>
+              <a:t>BUILD ENVIRONMENT</a:t>
+            </a:r>
+          </a:p>
+        </p:txBody>
+      </p:sp>
+      <p:cxnSp>
+        <p:nvCxnSpPr>
+          <p:cNvPr id="75" name="Straight Arrow Connector 74">
+            <a:extLst>
+              <a:ext uri="{FF2B5EF4-FFF2-40B4-BE49-F238E27FC236}">
+                <a16:creationId xmlns:a16="http://schemas.microsoft.com/office/drawing/2014/main" id="{7699F29B-3BF0-4561-AADC-29ABA3E3ED7C}"/>
+              </a:ext>
+            </a:extLst>
+          </p:cNvPr>
+          <p:cNvCxnSpPr>
+            <a:cxnSpLocks/>
+            <a:endCxn id="66" idx="2"/>
+          </p:cNvCxnSpPr>
+          <p:nvPr/>
+        </p:nvCxnSpPr>
+        <p:spPr>
+          <a:xfrm flipV="1">
+            <a:off x="7886670" y="2774844"/>
+            <a:ext cx="0" cy="271302"/>
+          </a:xfrm>
+          <a:prstGeom prst="straightConnector1">
+            <a:avLst/>
+          </a:prstGeom>
+          <a:noFill/>
+          <a:ln w="12700" cap="flat" cmpd="sng" algn="ctr">
+            <a:solidFill>
+              <a:srgbClr val="000000"/>
+            </a:solidFill>
+            <a:prstDash val="solid"/>
+            <a:headEnd type="none" w="med" len="med"/>
+            <a:tailEnd type="arrow" w="med" len="med"/>
+          </a:ln>
+          <a:effectLst/>
+        </p:spPr>
+      </p:cxnSp>
       <p:cxnSp>
         <p:nvCxnSpPr>
           <p:cNvPr id="49" name="Straight Arrow Connector 48">
@@ -31693,7 +32122,7 @@
 </p:sld>
 </file>
 
-<file path=ppt/slides/slide15.xml><?xml version="1.0" encoding="utf-8"?>
+<file path=ppt/slides/slide16.xml><?xml version="1.0" encoding="utf-8"?>
 <p:sld xmlns:a="http://schemas.openxmlformats.org/drawingml/2006/main" xmlns:r="http://schemas.openxmlformats.org/officeDocument/2006/relationships" xmlns:p="http://schemas.openxmlformats.org/presentationml/2006/main">
   <p:cSld>
     <p:spTree>
@@ -42226,408 +42655,623 @@
           <a:chExt cx="0" cy="0"/>
         </a:xfrm>
       </p:grpSpPr>
+      <p:grpSp>
+        <p:nvGrpSpPr>
+          <p:cNvPr id="19" name="Group 18">
+            <a:extLst>
+              <a:ext uri="{FF2B5EF4-FFF2-40B4-BE49-F238E27FC236}">
+                <a16:creationId xmlns:a16="http://schemas.microsoft.com/office/drawing/2014/main" id="{176B2BCF-3D67-4A8E-91E3-F3AD10D71B58}"/>
+              </a:ext>
+            </a:extLst>
+          </p:cNvPr>
+          <p:cNvGrpSpPr/>
+          <p:nvPr/>
+        </p:nvGrpSpPr>
+        <p:grpSpPr>
+          <a:xfrm>
+            <a:off x="92194" y="347639"/>
+            <a:ext cx="11857216" cy="4187701"/>
+            <a:chOff x="92194" y="347639"/>
+            <a:chExt cx="11857216" cy="4187701"/>
+          </a:xfrm>
+        </p:grpSpPr>
+        <p:pic>
+          <p:nvPicPr>
+            <p:cNvPr id="5" name="Picture 4" descr="Diagram, schematic&#10;&#10;Description automatically generated">
+              <a:extLst>
+                <a:ext uri="{FF2B5EF4-FFF2-40B4-BE49-F238E27FC236}">
+                  <a16:creationId xmlns:a16="http://schemas.microsoft.com/office/drawing/2014/main" id="{E42F021C-0D33-4A8B-9E5D-56F0C3213111}"/>
+                </a:ext>
+              </a:extLst>
+            </p:cNvPr>
+            <p:cNvPicPr>
+              <a:picLocks noChangeAspect="1"/>
+            </p:cNvPicPr>
+            <p:nvPr/>
+          </p:nvPicPr>
+          <p:blipFill>
+            <a:blip r:embed="rId2">
+              <a:extLst>
+                <a:ext uri="{28A0092B-C50C-407E-A947-70E740481C1C}">
+                  <a14:useLocalDpi xmlns:a14="http://schemas.microsoft.com/office/drawing/2010/main" val="0"/>
+                </a:ext>
+              </a:extLst>
+            </a:blip>
+            <a:stretch>
+              <a:fillRect/>
+            </a:stretch>
+          </p:blipFill>
+          <p:spPr>
+            <a:xfrm>
+              <a:off x="92194" y="459217"/>
+              <a:ext cx="5733272" cy="2283983"/>
+            </a:xfrm>
+            <a:prstGeom prst="rect">
+              <a:avLst/>
+            </a:prstGeom>
+          </p:spPr>
+        </p:pic>
+        <p:sp>
+          <p:nvSpPr>
+            <p:cNvPr id="12" name="Rectangle: Rounded Corners 11">
+              <a:extLst>
+                <a:ext uri="{FF2B5EF4-FFF2-40B4-BE49-F238E27FC236}">
+                  <a16:creationId xmlns:a16="http://schemas.microsoft.com/office/drawing/2014/main" id="{3BA0369D-4D73-45F2-BC34-41193516C1C5}"/>
+                </a:ext>
+              </a:extLst>
+            </p:cNvPr>
+            <p:cNvSpPr/>
+            <p:nvPr/>
+          </p:nvSpPr>
+          <p:spPr>
+            <a:xfrm>
+              <a:off x="5525729" y="347639"/>
+              <a:ext cx="6423681" cy="4187701"/>
+            </a:xfrm>
+            <a:prstGeom prst="roundRect">
+              <a:avLst>
+                <a:gd name="adj" fmla="val 6774"/>
+              </a:avLst>
+            </a:prstGeom>
+            <a:solidFill>
+              <a:schemeClr val="bg1"/>
+            </a:solidFill>
+            <a:ln w="28575">
+              <a:solidFill>
+                <a:schemeClr val="accent1">
+                  <a:lumMod val="75000"/>
+                </a:schemeClr>
+              </a:solidFill>
+            </a:ln>
+          </p:spPr>
+          <p:style>
+            <a:lnRef idx="2">
+              <a:schemeClr val="accent1">
+                <a:shade val="50000"/>
+              </a:schemeClr>
+            </a:lnRef>
+            <a:fillRef idx="1">
+              <a:schemeClr val="accent1"/>
+            </a:fillRef>
+            <a:effectRef idx="0">
+              <a:schemeClr val="accent1"/>
+            </a:effectRef>
+            <a:fontRef idx="minor">
+              <a:schemeClr val="lt1"/>
+            </a:fontRef>
+          </p:style>
+          <p:txBody>
+            <a:bodyPr rtlCol="0" anchor="ctr"/>
+            <a:lstStyle/>
+            <a:p>
+              <a:pPr marL="0" marR="0" lvl="0" indent="0" algn="ctr" defTabSz="914400" rtl="0" eaLnBrk="1" fontAlgn="auto" latinLnBrk="0" hangingPunct="1">
+                <a:lnSpc>
+                  <a:spcPct val="100000"/>
+                </a:lnSpc>
+                <a:spcBef>
+                  <a:spcPts val="0"/>
+                </a:spcBef>
+                <a:spcAft>
+                  <a:spcPts val="0"/>
+                </a:spcAft>
+                <a:buClrTx/>
+                <a:buSzTx/>
+                <a:buFontTx/>
+                <a:buNone/>
+                <a:tabLst/>
+                <a:defRPr/>
+              </a:pPr>
+              <a:endParaRPr kumimoji="0" lang="en-US" sz="1800" b="0" i="0" u="none" strike="noStrike" kern="1200" cap="none" spc="0" normalizeH="0" baseline="0" noProof="0">
+                <a:ln>
+                  <a:noFill/>
+                </a:ln>
+                <a:solidFill>
+                  <a:prstClr val="white"/>
+                </a:solidFill>
+                <a:effectLst/>
+                <a:uLnTx/>
+                <a:uFillTx/>
+                <a:latin typeface="Calibri" panose="020F0502020204030204"/>
+                <a:ea typeface="+mn-ea"/>
+                <a:cs typeface="+mn-cs"/>
+              </a:endParaRPr>
+            </a:p>
+          </p:txBody>
+        </p:sp>
+        <p:sp>
+          <p:nvSpPr>
+            <p:cNvPr id="8" name="Rectangle: Rounded Corners 7">
+              <a:extLst>
+                <a:ext uri="{FF2B5EF4-FFF2-40B4-BE49-F238E27FC236}">
+                  <a16:creationId xmlns:a16="http://schemas.microsoft.com/office/drawing/2014/main" id="{DA578B76-71DB-455C-98D8-17903CFEEFDB}"/>
+                </a:ext>
+              </a:extLst>
+            </p:cNvPr>
+            <p:cNvSpPr/>
+            <p:nvPr/>
+          </p:nvSpPr>
+          <p:spPr>
+            <a:xfrm>
+              <a:off x="1572855" y="731183"/>
+              <a:ext cx="1240979" cy="1018959"/>
+            </a:xfrm>
+            <a:prstGeom prst="roundRect">
+              <a:avLst>
+                <a:gd name="adj" fmla="val 6774"/>
+              </a:avLst>
+            </a:prstGeom>
+            <a:noFill/>
+            <a:ln w="28575">
+              <a:solidFill>
+                <a:schemeClr val="accent1">
+                  <a:lumMod val="75000"/>
+                </a:schemeClr>
+              </a:solidFill>
+            </a:ln>
+          </p:spPr>
+          <p:style>
+            <a:lnRef idx="2">
+              <a:schemeClr val="accent1">
+                <a:shade val="50000"/>
+              </a:schemeClr>
+            </a:lnRef>
+            <a:fillRef idx="1">
+              <a:schemeClr val="accent1"/>
+            </a:fillRef>
+            <a:effectRef idx="0">
+              <a:schemeClr val="accent1"/>
+            </a:effectRef>
+            <a:fontRef idx="minor">
+              <a:schemeClr val="lt1"/>
+            </a:fontRef>
+          </p:style>
+          <p:txBody>
+            <a:bodyPr rtlCol="0" anchor="ctr"/>
+            <a:lstStyle/>
+            <a:p>
+              <a:pPr marL="0" marR="0" lvl="0" indent="0" algn="ctr" defTabSz="914400" rtl="0" eaLnBrk="1" fontAlgn="auto" latinLnBrk="0" hangingPunct="1">
+                <a:lnSpc>
+                  <a:spcPct val="100000"/>
+                </a:lnSpc>
+                <a:spcBef>
+                  <a:spcPts val="0"/>
+                </a:spcBef>
+                <a:spcAft>
+                  <a:spcPts val="0"/>
+                </a:spcAft>
+                <a:buClrTx/>
+                <a:buSzTx/>
+                <a:buFontTx/>
+                <a:buNone/>
+                <a:tabLst/>
+                <a:defRPr/>
+              </a:pPr>
+              <a:endParaRPr kumimoji="0" lang="en-US" sz="1800" b="0" i="0" u="none" strike="noStrike" kern="1200" cap="none" spc="0" normalizeH="0" baseline="0" noProof="0">
+                <a:ln>
+                  <a:noFill/>
+                </a:ln>
+                <a:solidFill>
+                  <a:prstClr val="white"/>
+                </a:solidFill>
+                <a:effectLst/>
+                <a:uLnTx/>
+                <a:uFillTx/>
+                <a:latin typeface="Calibri" panose="020F0502020204030204"/>
+                <a:ea typeface="+mn-ea"/>
+                <a:cs typeface="+mn-cs"/>
+              </a:endParaRPr>
+            </a:p>
+          </p:txBody>
+        </p:sp>
+        <p:sp>
+          <p:nvSpPr>
+            <p:cNvPr id="2" name="Rectangle 1">
+              <a:extLst>
+                <a:ext uri="{FF2B5EF4-FFF2-40B4-BE49-F238E27FC236}">
+                  <a16:creationId xmlns:a16="http://schemas.microsoft.com/office/drawing/2014/main" id="{D9684363-3B25-4F52-9659-F179364319FB}"/>
+                </a:ext>
+              </a:extLst>
+            </p:cNvPr>
+            <p:cNvSpPr/>
+            <p:nvPr/>
+          </p:nvSpPr>
+          <p:spPr>
+            <a:xfrm>
+              <a:off x="242590" y="3618162"/>
+              <a:ext cx="1987421" cy="814190"/>
+            </a:xfrm>
+            <a:prstGeom prst="rect">
+              <a:avLst/>
+            </a:prstGeom>
+            <a:solidFill>
+              <a:srgbClr val="BFDBF4"/>
+            </a:solidFill>
+          </p:spPr>
+          <p:style>
+            <a:lnRef idx="2">
+              <a:schemeClr val="accent1">
+                <a:shade val="50000"/>
+              </a:schemeClr>
+            </a:lnRef>
+            <a:fillRef idx="1">
+              <a:schemeClr val="accent1"/>
+            </a:fillRef>
+            <a:effectRef idx="0">
+              <a:schemeClr val="accent1"/>
+            </a:effectRef>
+            <a:fontRef idx="minor">
+              <a:schemeClr val="lt1"/>
+            </a:fontRef>
+          </p:style>
+          <p:txBody>
+            <a:bodyPr rtlCol="0" anchor="ctr"/>
+            <a:lstStyle/>
+            <a:p>
+              <a:r>
+                <a:rPr lang="en-US" sz="1400" dirty="0">
+                  <a:solidFill>
+                    <a:schemeClr val="tx1"/>
+                  </a:solidFill>
+                </a:rPr>
+                <a:t>Blue nodes: </a:t>
+              </a:r>
+            </a:p>
+            <a:p>
+              <a:r>
+                <a:rPr lang="en-US" sz="1400" dirty="0">
+                  <a:solidFill>
+                    <a:schemeClr val="tx1"/>
+                  </a:solidFill>
+                </a:rPr>
+                <a:t>Evidence derived from AADL model analysis</a:t>
+              </a:r>
+            </a:p>
+          </p:txBody>
+        </p:sp>
+        <p:sp>
+          <p:nvSpPr>
+            <p:cNvPr id="25" name="Rectangle 24">
+              <a:extLst>
+                <a:ext uri="{FF2B5EF4-FFF2-40B4-BE49-F238E27FC236}">
+                  <a16:creationId xmlns:a16="http://schemas.microsoft.com/office/drawing/2014/main" id="{2552D582-B727-4AC1-BC2E-BC572A1D3CA9}"/>
+                </a:ext>
+              </a:extLst>
+            </p:cNvPr>
+            <p:cNvSpPr/>
+            <p:nvPr/>
+          </p:nvSpPr>
+          <p:spPr>
+            <a:xfrm>
+              <a:off x="2411467" y="3618162"/>
+              <a:ext cx="1987421" cy="814190"/>
+            </a:xfrm>
+            <a:prstGeom prst="rect">
+              <a:avLst/>
+            </a:prstGeom>
+            <a:solidFill>
+              <a:srgbClr val="F5DFBC"/>
+            </a:solidFill>
+          </p:spPr>
+          <p:style>
+            <a:lnRef idx="2">
+              <a:schemeClr val="accent1">
+                <a:shade val="50000"/>
+              </a:schemeClr>
+            </a:lnRef>
+            <a:fillRef idx="1">
+              <a:schemeClr val="accent1"/>
+            </a:fillRef>
+            <a:effectRef idx="0">
+              <a:schemeClr val="accent1"/>
+            </a:effectRef>
+            <a:fontRef idx="minor">
+              <a:schemeClr val="lt1"/>
+            </a:fontRef>
+          </p:style>
+          <p:txBody>
+            <a:bodyPr rtlCol="0" anchor="ctr"/>
+            <a:lstStyle/>
+            <a:p>
+              <a:r>
+                <a:rPr lang="en-US" sz="1400" dirty="0">
+                  <a:solidFill>
+                    <a:schemeClr val="tx1"/>
+                  </a:solidFill>
+                </a:rPr>
+                <a:t>Orange nodes: </a:t>
+              </a:r>
+            </a:p>
+            <a:p>
+              <a:r>
+                <a:rPr lang="en-US" sz="1400" dirty="0">
+                  <a:solidFill>
+                    <a:schemeClr val="tx1"/>
+                  </a:solidFill>
+                </a:rPr>
+                <a:t>Evidence based on verified code synthesis</a:t>
+              </a:r>
+            </a:p>
+          </p:txBody>
+        </p:sp>
+        <p:sp>
+          <p:nvSpPr>
+            <p:cNvPr id="14" name="TextBox 13">
+              <a:extLst>
+                <a:ext uri="{FF2B5EF4-FFF2-40B4-BE49-F238E27FC236}">
+                  <a16:creationId xmlns:a16="http://schemas.microsoft.com/office/drawing/2014/main" id="{84A25977-122B-4175-9102-C551427403DC}"/>
+                </a:ext>
+              </a:extLst>
+            </p:cNvPr>
+            <p:cNvSpPr txBox="1"/>
+            <p:nvPr/>
+          </p:nvSpPr>
+          <p:spPr>
+            <a:xfrm>
+              <a:off x="5602038" y="457701"/>
+              <a:ext cx="3632718" cy="1169551"/>
+            </a:xfrm>
+            <a:prstGeom prst="rect">
+              <a:avLst/>
+            </a:prstGeom>
+            <a:noFill/>
+          </p:spPr>
+          <p:txBody>
+            <a:bodyPr wrap="square">
+              <a:spAutoFit/>
+            </a:bodyPr>
+            <a:lstStyle/>
+            <a:p>
+              <a:r>
+                <a:rPr kumimoji="0" lang="en-US" sz="1400" i="0" u="none" strike="noStrike" kern="1200" cap="none" spc="0" normalizeH="0" baseline="0" noProof="0" dirty="0">
+                  <a:ln>
+                    <a:noFill/>
+                  </a:ln>
+                  <a:effectLst/>
+                  <a:uLnTx/>
+                  <a:uFillTx/>
+                  <a:latin typeface="Calibri" panose="020F0502020204030204"/>
+                  <a:ea typeface="+mn-ea"/>
+                  <a:cs typeface="+mn-cs"/>
+                </a:rPr>
+                <a:t>Filter: </a:t>
+              </a:r>
+            </a:p>
+            <a:p>
+              <a:r>
+                <a:rPr kumimoji="0" lang="en-US" sz="1400" i="0" u="none" strike="noStrike" kern="1200" cap="none" spc="0" normalizeH="0" baseline="0" noProof="0" dirty="0">
+                  <a:ln>
+                    <a:noFill/>
+                  </a:ln>
+                  <a:effectLst/>
+                  <a:uLnTx/>
+                  <a:uFillTx/>
+                  <a:latin typeface="Calibri" panose="020F0502020204030204"/>
+                  <a:ea typeface="+mn-ea"/>
+                  <a:cs typeface="+mn-cs"/>
+                </a:rPr>
+                <a:t>“Operating Region” requests</a:t>
+              </a:r>
+              <a:endParaRPr lang="en-US" sz="1400" dirty="0">
+                <a:latin typeface="Calibri" panose="020F0502020204030204"/>
+              </a:endParaRPr>
+            </a:p>
+            <a:p>
+              <a:r>
+                <a:rPr lang="en-US" sz="1400" dirty="0">
+                  <a:latin typeface="Calibri" panose="020F0502020204030204"/>
+                </a:rPr>
+                <a:t>are w</a:t>
+              </a:r>
+              <a:r>
+                <a:rPr kumimoji="0" lang="en-US" sz="1400" i="0" u="none" strike="noStrike" kern="1200" cap="none" spc="0" normalizeH="0" baseline="0" noProof="0" dirty="0">
+                  <a:ln>
+                    <a:noFill/>
+                  </a:ln>
+                  <a:effectLst/>
+                  <a:uLnTx/>
+                  <a:uFillTx/>
+                  <a:latin typeface="Calibri" panose="020F0502020204030204"/>
+                  <a:ea typeface="+mn-ea"/>
+                  <a:cs typeface="+mn-cs"/>
+                </a:rPr>
+                <a:t>ell-formed with respect to</a:t>
+              </a:r>
+            </a:p>
+            <a:p>
+              <a:r>
+                <a:rPr lang="en-US" sz="1400" dirty="0">
+                  <a:latin typeface="Calibri" panose="020F0502020204030204"/>
+                </a:rPr>
+                <a:t>message specification</a:t>
+              </a:r>
+              <a:endParaRPr kumimoji="0" lang="en-US" sz="1400" i="0" u="none" strike="noStrike" kern="1200" cap="none" spc="0" normalizeH="0" baseline="0" noProof="0" dirty="0">
+                <a:ln>
+                  <a:noFill/>
+                </a:ln>
+                <a:effectLst/>
+                <a:uLnTx/>
+                <a:uFillTx/>
+                <a:latin typeface="Calibri" panose="020F0502020204030204"/>
+                <a:ea typeface="+mn-ea"/>
+                <a:cs typeface="+mn-cs"/>
+              </a:endParaRPr>
+            </a:p>
+            <a:p>
+              <a:endParaRPr lang="en-US" sz="1400" dirty="0"/>
+            </a:p>
+          </p:txBody>
+        </p:sp>
+        <p:cxnSp>
+          <p:nvCxnSpPr>
+            <p:cNvPr id="13" name="Straight Connector 12">
+              <a:extLst>
+                <a:ext uri="{FF2B5EF4-FFF2-40B4-BE49-F238E27FC236}">
+                  <a16:creationId xmlns:a16="http://schemas.microsoft.com/office/drawing/2014/main" id="{D558E8F1-6A8B-4C2F-8318-64E579FB54E5}"/>
+                </a:ext>
+              </a:extLst>
+            </p:cNvPr>
+            <p:cNvCxnSpPr>
+              <a:cxnSpLocks/>
+              <a:stCxn id="8" idx="0"/>
+            </p:cNvCxnSpPr>
+            <p:nvPr/>
+          </p:nvCxnSpPr>
+          <p:spPr>
+            <a:xfrm flipV="1">
+              <a:off x="2193345" y="366403"/>
+              <a:ext cx="3516845" cy="364780"/>
+            </a:xfrm>
+            <a:prstGeom prst="line">
+              <a:avLst/>
+            </a:prstGeom>
+            <a:noFill/>
+            <a:ln w="28575">
+              <a:solidFill>
+                <a:schemeClr val="accent1">
+                  <a:lumMod val="75000"/>
+                </a:schemeClr>
+              </a:solidFill>
+              <a:prstDash val="sysDash"/>
+            </a:ln>
+          </p:spPr>
+          <p:style>
+            <a:lnRef idx="2">
+              <a:schemeClr val="accent1">
+                <a:shade val="50000"/>
+              </a:schemeClr>
+            </a:lnRef>
+            <a:fillRef idx="1">
+              <a:schemeClr val="accent1"/>
+            </a:fillRef>
+            <a:effectRef idx="0">
+              <a:schemeClr val="accent1"/>
+            </a:effectRef>
+            <a:fontRef idx="minor">
+              <a:schemeClr val="lt1"/>
+            </a:fontRef>
+          </p:style>
+        </p:cxnSp>
+        <p:cxnSp>
+          <p:nvCxnSpPr>
+            <p:cNvPr id="17" name="Straight Connector 16">
+              <a:extLst>
+                <a:ext uri="{FF2B5EF4-FFF2-40B4-BE49-F238E27FC236}">
+                  <a16:creationId xmlns:a16="http://schemas.microsoft.com/office/drawing/2014/main" id="{C3EE1196-1538-493A-B7EA-A53D77859884}"/>
+                </a:ext>
+              </a:extLst>
+            </p:cNvPr>
+            <p:cNvCxnSpPr>
+              <a:cxnSpLocks/>
+              <a:stCxn id="8" idx="2"/>
+            </p:cNvCxnSpPr>
+            <p:nvPr/>
+          </p:nvCxnSpPr>
+          <p:spPr>
+            <a:xfrm>
+              <a:off x="2193345" y="1750142"/>
+              <a:ext cx="3369050" cy="2682210"/>
+            </a:xfrm>
+            <a:prstGeom prst="line">
+              <a:avLst/>
+            </a:prstGeom>
+            <a:noFill/>
+            <a:ln w="28575">
+              <a:solidFill>
+                <a:schemeClr val="accent1">
+                  <a:lumMod val="75000"/>
+                </a:schemeClr>
+              </a:solidFill>
+              <a:prstDash val="sysDash"/>
+            </a:ln>
+          </p:spPr>
+          <p:style>
+            <a:lnRef idx="2">
+              <a:schemeClr val="accent1">
+                <a:shade val="50000"/>
+              </a:schemeClr>
+            </a:lnRef>
+            <a:fillRef idx="1">
+              <a:schemeClr val="accent1"/>
+            </a:fillRef>
+            <a:effectRef idx="0">
+              <a:schemeClr val="accent1"/>
+            </a:effectRef>
+            <a:fontRef idx="minor">
+              <a:schemeClr val="lt1"/>
+            </a:fontRef>
+          </p:style>
+        </p:cxnSp>
+      </p:grpSp>
       <p:pic>
         <p:nvPicPr>
-          <p:cNvPr id="1026" name="32AF38A6-5F4A-40E4-BD5E-B2A2CE11100D">
-            <a:extLst>
-              <a:ext uri="{FF2B5EF4-FFF2-40B4-BE49-F238E27FC236}">
-                <a16:creationId xmlns:a16="http://schemas.microsoft.com/office/drawing/2014/main" id="{9AB57185-BD20-4B1E-9934-F9215A538A76}"/>
+          <p:cNvPr id="4" name="Picture 3" descr="Diagram&#10;&#10;Description automatically generated">
+            <a:extLst>
+              <a:ext uri="{FF2B5EF4-FFF2-40B4-BE49-F238E27FC236}">
+                <a16:creationId xmlns:a16="http://schemas.microsoft.com/office/drawing/2014/main" id="{919AD2AD-62AE-417A-AD1C-19A37B40A186}"/>
               </a:ext>
             </a:extLst>
           </p:cNvPr>
           <p:cNvPicPr>
-            <a:picLocks noChangeAspect="1" noChangeArrowheads="1"/>
+            <a:picLocks noChangeAspect="1"/>
           </p:cNvPicPr>
           <p:nvPr/>
         </p:nvPicPr>
         <p:blipFill>
-          <a:blip r:embed="rId2">
+          <a:blip r:embed="rId3">
+            <a:clrChange>
+              <a:clrFrom>
+                <a:srgbClr val="FFFFFF"/>
+              </a:clrFrom>
+              <a:clrTo>
+                <a:srgbClr val="FFFFFF">
+                  <a:alpha val="0"/>
+                </a:srgbClr>
+              </a:clrTo>
+            </a:clrChange>
             <a:extLst>
               <a:ext uri="{28A0092B-C50C-407E-A947-70E740481C1C}">
                 <a14:useLocalDpi xmlns:a14="http://schemas.microsoft.com/office/drawing/2010/main" val="0"/>
               </a:ext>
             </a:extLst>
           </a:blip>
-          <a:srcRect/>
           <a:stretch>
             <a:fillRect/>
           </a:stretch>
         </p:blipFill>
-        <p:spPr bwMode="auto">
+        <p:spPr>
           <a:xfrm>
-            <a:off x="837611" y="733425"/>
-            <a:ext cx="9844677" cy="5900738"/>
+            <a:off x="5665818" y="366403"/>
+            <a:ext cx="6162281" cy="4168937"/>
           </a:xfrm>
           <a:prstGeom prst="rect">
             <a:avLst/>
           </a:prstGeom>
-          <a:noFill/>
-          <a:ln>
-            <a:noFill/>
-          </a:ln>
-          <a:extLst>
-            <a:ext uri="{909E8E84-426E-40DD-AFC4-6F175D3DCCD1}">
-              <a14:hiddenFill xmlns:a14="http://schemas.microsoft.com/office/drawing/2010/main">
-                <a:solidFill>
-                  <a:srgbClr val="FFFFFF"/>
-                </a:solidFill>
-              </a14:hiddenFill>
-            </a:ext>
-            <a:ext uri="{91240B29-F687-4F45-9708-019B960494DF}">
-              <a14:hiddenLine xmlns:a14="http://schemas.microsoft.com/office/drawing/2010/main" w="9525">
-                <a:solidFill>
-                  <a:srgbClr val="000000"/>
-                </a:solidFill>
-                <a:miter lim="800000"/>
-                <a:headEnd/>
-                <a:tailEnd/>
-              </a14:hiddenLine>
-            </a:ext>
-          </a:extLst>
         </p:spPr>
       </p:pic>
-      <p:sp>
-        <p:nvSpPr>
-          <p:cNvPr id="8" name="Arrow: Down 7">
-            <a:extLst>
-              <a:ext uri="{FF2B5EF4-FFF2-40B4-BE49-F238E27FC236}">
-                <a16:creationId xmlns:a16="http://schemas.microsoft.com/office/drawing/2014/main" id="{2C43146B-C46F-4A97-9945-E52665B23B7E}"/>
-              </a:ext>
-            </a:extLst>
-          </p:cNvPr>
-          <p:cNvSpPr/>
-          <p:nvPr/>
-        </p:nvSpPr>
-        <p:spPr>
-          <a:xfrm>
-            <a:off x="7715590" y="4838700"/>
-            <a:ext cx="165339" cy="491921"/>
-          </a:xfrm>
-          <a:prstGeom prst="downArrow">
-            <a:avLst>
-              <a:gd name="adj1" fmla="val 50000"/>
-              <a:gd name="adj2" fmla="val 52029"/>
-            </a:avLst>
-          </a:prstGeom>
-          <a:solidFill>
-            <a:srgbClr val="FF0000"/>
-          </a:solidFill>
-          <a:ln>
-            <a:noFill/>
-          </a:ln>
-        </p:spPr>
-        <p:style>
-          <a:lnRef idx="2">
-            <a:schemeClr val="accent1">
-              <a:shade val="50000"/>
-            </a:schemeClr>
-          </a:lnRef>
-          <a:fillRef idx="1">
-            <a:schemeClr val="accent1"/>
-          </a:fillRef>
-          <a:effectRef idx="0">
-            <a:schemeClr val="accent1"/>
-          </a:effectRef>
-          <a:fontRef idx="minor">
-            <a:schemeClr val="lt1"/>
-          </a:fontRef>
-        </p:style>
-        <p:txBody>
-          <a:bodyPr rtlCol="0" anchor="ctr"/>
-          <a:lstStyle/>
-          <a:p>
-            <a:pPr algn="ctr"/>
-            <a:endParaRPr lang="en-US"/>
-          </a:p>
-        </p:txBody>
-      </p:sp>
-      <p:sp>
-        <p:nvSpPr>
-          <p:cNvPr id="2" name="Rectangle 1">
-            <a:extLst>
-              <a:ext uri="{FF2B5EF4-FFF2-40B4-BE49-F238E27FC236}">
-                <a16:creationId xmlns:a16="http://schemas.microsoft.com/office/drawing/2014/main" id="{9A6AE1AE-87B9-4E1E-B831-8823F158BBE4}"/>
-              </a:ext>
-            </a:extLst>
-          </p:cNvPr>
-          <p:cNvSpPr/>
-          <p:nvPr/>
-        </p:nvSpPr>
-        <p:spPr>
-          <a:xfrm>
-            <a:off x="837610" y="295275"/>
-            <a:ext cx="9844677" cy="381000"/>
-          </a:xfrm>
-          <a:prstGeom prst="rect">
-            <a:avLst/>
-          </a:prstGeom>
-          <a:solidFill>
-            <a:schemeClr val="bg1">
-              <a:lumMod val="85000"/>
-            </a:schemeClr>
-          </a:solidFill>
-          <a:ln>
-            <a:noFill/>
-          </a:ln>
-        </p:spPr>
-        <p:style>
-          <a:lnRef idx="2">
-            <a:schemeClr val="accent1">
-              <a:shade val="50000"/>
-            </a:schemeClr>
-          </a:lnRef>
-          <a:fillRef idx="1">
-            <a:schemeClr val="accent1"/>
-          </a:fillRef>
-          <a:effectRef idx="0">
-            <a:schemeClr val="accent1"/>
-          </a:effectRef>
-          <a:fontRef idx="minor">
-            <a:schemeClr val="lt1"/>
-          </a:fontRef>
-        </p:style>
-        <p:txBody>
-          <a:bodyPr rtlCol="0" anchor="ctr"/>
-          <a:lstStyle/>
-          <a:p>
-            <a:r>
-              <a:rPr lang="en-US" sz="1600" dirty="0">
-                <a:solidFill>
-                  <a:schemeClr val="tx1"/>
-                </a:solidFill>
-              </a:rPr>
-              <a:t>How does map information propagate from Ground Station through UAV Mission Software to produce a waypoint?</a:t>
-            </a:r>
-          </a:p>
-        </p:txBody>
-      </p:sp>
-      <p:sp>
-        <p:nvSpPr>
-          <p:cNvPr id="4" name="Rectangle 3">
-            <a:extLst>
-              <a:ext uri="{FF2B5EF4-FFF2-40B4-BE49-F238E27FC236}">
-                <a16:creationId xmlns:a16="http://schemas.microsoft.com/office/drawing/2014/main" id="{45F72F0F-9410-46F9-9CA6-688B0CFC8477}"/>
-              </a:ext>
-            </a:extLst>
-          </p:cNvPr>
-          <p:cNvSpPr/>
-          <p:nvPr/>
-        </p:nvSpPr>
-        <p:spPr>
-          <a:xfrm>
-            <a:off x="952501" y="1685925"/>
-            <a:ext cx="2781299" cy="495300"/>
-          </a:xfrm>
-          <a:prstGeom prst="rect">
-            <a:avLst/>
-          </a:prstGeom>
-          <a:solidFill>
-            <a:srgbClr val="4F94CC"/>
-          </a:solidFill>
-          <a:ln>
-            <a:noFill/>
-          </a:ln>
-        </p:spPr>
-        <p:style>
-          <a:lnRef idx="2">
-            <a:schemeClr val="accent1">
-              <a:shade val="50000"/>
-            </a:schemeClr>
-          </a:lnRef>
-          <a:fillRef idx="1">
-            <a:schemeClr val="accent1"/>
-          </a:fillRef>
-          <a:effectRef idx="0">
-            <a:schemeClr val="accent1"/>
-          </a:effectRef>
-          <a:fontRef idx="minor">
-            <a:schemeClr val="lt1"/>
-          </a:fontRef>
-        </p:style>
-        <p:txBody>
-          <a:bodyPr rtlCol="0" anchor="ctr"/>
-          <a:lstStyle/>
-          <a:p>
-            <a:r>
-              <a:rPr lang="en-US" sz="1400" b="1" dirty="0">
-                <a:solidFill>
-                  <a:schemeClr val="bg1"/>
-                </a:solidFill>
-              </a:rPr>
-              <a:t>Compute “forward propagation” from GS “send_map” output port</a:t>
-            </a:r>
-          </a:p>
-        </p:txBody>
-      </p:sp>
-      <p:sp>
-        <p:nvSpPr>
-          <p:cNvPr id="7" name="Arrow: Down 6">
-            <a:extLst>
-              <a:ext uri="{FF2B5EF4-FFF2-40B4-BE49-F238E27FC236}">
-                <a16:creationId xmlns:a16="http://schemas.microsoft.com/office/drawing/2014/main" id="{38C53A7C-5A8A-4E3E-8ED6-F2FCF62C0CDC}"/>
-              </a:ext>
-            </a:extLst>
-          </p:cNvPr>
-          <p:cNvSpPr/>
-          <p:nvPr/>
-        </p:nvSpPr>
-        <p:spPr>
-          <a:xfrm rot="10800000">
-            <a:off x="7715591" y="3329023"/>
-            <a:ext cx="165339" cy="1195861"/>
-          </a:xfrm>
-          <a:prstGeom prst="downArrow">
-            <a:avLst>
-              <a:gd name="adj1" fmla="val 50000"/>
-              <a:gd name="adj2" fmla="val 52029"/>
-            </a:avLst>
-          </a:prstGeom>
-          <a:solidFill>
-            <a:srgbClr val="FF0000"/>
-          </a:solidFill>
-          <a:ln>
-            <a:noFill/>
-          </a:ln>
-        </p:spPr>
-        <p:style>
-          <a:lnRef idx="2">
-            <a:schemeClr val="accent1">
-              <a:shade val="50000"/>
-            </a:schemeClr>
-          </a:lnRef>
-          <a:fillRef idx="1">
-            <a:schemeClr val="accent1"/>
-          </a:fillRef>
-          <a:effectRef idx="0">
-            <a:schemeClr val="accent1"/>
-          </a:effectRef>
-          <a:fontRef idx="minor">
-            <a:schemeClr val="lt1"/>
-          </a:fontRef>
-        </p:style>
-        <p:txBody>
-          <a:bodyPr rtlCol="0" anchor="ctr"/>
-          <a:lstStyle/>
-          <a:p>
-            <a:pPr algn="ctr"/>
-            <a:endParaRPr lang="en-US"/>
-          </a:p>
-        </p:txBody>
-      </p:sp>
-      <p:sp>
-        <p:nvSpPr>
-          <p:cNvPr id="5" name="Rectangle 4">
-            <a:extLst>
-              <a:ext uri="{FF2B5EF4-FFF2-40B4-BE49-F238E27FC236}">
-                <a16:creationId xmlns:a16="http://schemas.microsoft.com/office/drawing/2014/main" id="{EEDAABC1-468F-4DB5-8ACE-3E2803630C39}"/>
-              </a:ext>
-            </a:extLst>
-          </p:cNvPr>
-          <p:cNvSpPr/>
-          <p:nvPr/>
-        </p:nvSpPr>
-        <p:spPr>
-          <a:xfrm>
-            <a:off x="7638869" y="4429125"/>
-            <a:ext cx="2848156" cy="495300"/>
-          </a:xfrm>
-          <a:prstGeom prst="rect">
-            <a:avLst/>
-          </a:prstGeom>
-          <a:solidFill>
-            <a:srgbClr val="FF0000"/>
-          </a:solidFill>
-          <a:ln>
-            <a:noFill/>
-          </a:ln>
-        </p:spPr>
-        <p:style>
-          <a:lnRef idx="2">
-            <a:schemeClr val="accent1">
-              <a:shade val="50000"/>
-            </a:schemeClr>
-          </a:lnRef>
-          <a:fillRef idx="1">
-            <a:schemeClr val="accent1"/>
-          </a:fillRef>
-          <a:effectRef idx="0">
-            <a:schemeClr val="accent1"/>
-          </a:effectRef>
-          <a:fontRef idx="minor">
-            <a:schemeClr val="lt1"/>
-          </a:fontRef>
-        </p:style>
-        <p:txBody>
-          <a:bodyPr rtlCol="0" anchor="ctr"/>
-          <a:lstStyle/>
-          <a:p>
-            <a:r>
-              <a:rPr lang="en-US" sz="1400" b="1" dirty="0">
-                <a:solidFill>
-                  <a:schemeClr val="bg1"/>
-                </a:solidFill>
-              </a:rPr>
-              <a:t>Resulting information flows displayed for different subsystems</a:t>
-            </a:r>
-          </a:p>
-        </p:txBody>
-      </p:sp>
-      <p:sp>
-        <p:nvSpPr>
-          <p:cNvPr id="3" name="Arrow: Down 2">
-            <a:extLst>
-              <a:ext uri="{FF2B5EF4-FFF2-40B4-BE49-F238E27FC236}">
-                <a16:creationId xmlns:a16="http://schemas.microsoft.com/office/drawing/2014/main" id="{5398BFF5-F9E6-49AB-8A46-B51FAD5B70C1}"/>
-              </a:ext>
-            </a:extLst>
-          </p:cNvPr>
-          <p:cNvSpPr/>
-          <p:nvPr/>
-        </p:nvSpPr>
-        <p:spPr>
-          <a:xfrm>
-            <a:off x="3429000" y="2152650"/>
-            <a:ext cx="190500" cy="552450"/>
-          </a:xfrm>
-          <a:prstGeom prst="downArrow">
-            <a:avLst/>
-          </a:prstGeom>
-          <a:solidFill>
-            <a:srgbClr val="4F94CC"/>
-          </a:solidFill>
-          <a:ln>
-            <a:noFill/>
-          </a:ln>
-        </p:spPr>
-        <p:style>
-          <a:lnRef idx="2">
-            <a:schemeClr val="accent1">
-              <a:shade val="50000"/>
-            </a:schemeClr>
-          </a:lnRef>
-          <a:fillRef idx="1">
-            <a:schemeClr val="accent1"/>
-          </a:fillRef>
-          <a:effectRef idx="0">
-            <a:schemeClr val="accent1"/>
-          </a:effectRef>
-          <a:fontRef idx="minor">
-            <a:schemeClr val="lt1"/>
-          </a:fontRef>
-        </p:style>
-        <p:txBody>
-          <a:bodyPr rtlCol="0" anchor="ctr"/>
-          <a:lstStyle/>
-          <a:p>
-            <a:pPr algn="ctr"/>
-            <a:endParaRPr lang="en-US"/>
-          </a:p>
-        </p:txBody>
-      </p:sp>
     </p:spTree>
     <p:extLst>
       <p:ext uri="{BB962C8B-B14F-4D97-AF65-F5344CB8AC3E}">
-        <p14:creationId xmlns:p14="http://schemas.microsoft.com/office/powerpoint/2010/main" val="1307168581"/>
+        <p14:creationId xmlns:p14="http://schemas.microsoft.com/office/powerpoint/2010/main" val="893476402"/>
       </p:ext>
     </p:extLst>
   </p:cSld>

--- a/figs/figures.pptx
+++ b/figs/figures.pptx
@@ -22,6 +22,7 @@
     <p:sldId id="443" r:id="rId16"/>
     <p:sldId id="444" r:id="rId17"/>
     <p:sldId id="445" r:id="rId18"/>
+    <p:sldId id="447" r:id="rId19"/>
   </p:sldIdLst>
   <p:sldSz cx="12192000" cy="6858000"/>
   <p:notesSz cx="6858000" cy="9144000"/>
@@ -34753,6 +34754,71 @@
 </p:sld>
 </file>
 
+<file path=ppt/slides/slide17.xml><?xml version="1.0" encoding="utf-8"?>
+<p:sld xmlns:a="http://schemas.openxmlformats.org/drawingml/2006/main" xmlns:r="http://schemas.openxmlformats.org/officeDocument/2006/relationships" xmlns:p="http://schemas.openxmlformats.org/presentationml/2006/main">
+  <p:cSld>
+    <p:spTree>
+      <p:nvGrpSpPr>
+        <p:cNvPr id="1" name=""/>
+        <p:cNvGrpSpPr/>
+        <p:nvPr/>
+      </p:nvGrpSpPr>
+      <p:grpSpPr>
+        <a:xfrm>
+          <a:off x="0" y="0"/>
+          <a:ext cx="0" cy="0"/>
+          <a:chOff x="0" y="0"/>
+          <a:chExt cx="0" cy="0"/>
+        </a:xfrm>
+      </p:grpSpPr>
+      <p:pic>
+        <p:nvPicPr>
+          <p:cNvPr id="3" name="Picture 2" descr="Graphical user interface, text&#10;&#10;Description automatically generated">
+            <a:extLst>
+              <a:ext uri="{FF2B5EF4-FFF2-40B4-BE49-F238E27FC236}">
+                <a16:creationId xmlns:a16="http://schemas.microsoft.com/office/drawing/2014/main" id="{3AC0395B-550C-4A04-889D-42CC42F39371}"/>
+              </a:ext>
+            </a:extLst>
+          </p:cNvPr>
+          <p:cNvPicPr>
+            <a:picLocks noChangeAspect="1"/>
+          </p:cNvPicPr>
+          <p:nvPr/>
+        </p:nvPicPr>
+        <p:blipFill rotWithShape="1">
+          <a:blip r:embed="rId2">
+            <a:extLst>
+              <a:ext uri="{28A0092B-C50C-407E-A947-70E740481C1C}">
+                <a14:useLocalDpi xmlns:a14="http://schemas.microsoft.com/office/drawing/2010/main" val="0"/>
+              </a:ext>
+            </a:extLst>
+          </a:blip>
+          <a:srcRect l="2543" t="15340"/>
+          <a:stretch/>
+        </p:blipFill>
+        <p:spPr>
+          <a:xfrm>
+            <a:off x="1052052" y="1052052"/>
+            <a:ext cx="10358156" cy="5805948"/>
+          </a:xfrm>
+          <a:prstGeom prst="rect">
+            <a:avLst/>
+          </a:prstGeom>
+        </p:spPr>
+      </p:pic>
+    </p:spTree>
+    <p:extLst>
+      <p:ext uri="{BB962C8B-B14F-4D97-AF65-F5344CB8AC3E}">
+        <p14:creationId xmlns:p14="http://schemas.microsoft.com/office/powerpoint/2010/main" val="803856578"/>
+      </p:ext>
+    </p:extLst>
+  </p:cSld>
+  <p:clrMapOvr>
+    <a:masterClrMapping/>
+  </p:clrMapOvr>
+</p:sld>
+</file>
+
 <file path=ppt/slides/slide2.xml><?xml version="1.0" encoding="utf-8"?>
 <p:sld xmlns:a="http://schemas.openxmlformats.org/drawingml/2006/main" xmlns:r="http://schemas.openxmlformats.org/officeDocument/2006/relationships" xmlns:p="http://schemas.openxmlformats.org/presentationml/2006/main">
   <p:cSld>
